--- a/Thesis/AcCAPPCHA.pptx
+++ b/Thesis/AcCAPPCHA.pptx
@@ -5,10 +5,10 @@
     <p:sldMasterId id="2147483750" r:id="rId1"/>
   </p:sldMasterIdLst>
   <p:notesMasterIdLst>
-    <p:notesMasterId r:id="rId12"/>
+    <p:notesMasterId r:id="rId14"/>
   </p:notesMasterIdLst>
   <p:handoutMasterIdLst>
-    <p:handoutMasterId r:id="rId13"/>
+    <p:handoutMasterId r:id="rId15"/>
   </p:handoutMasterIdLst>
   <p:sldIdLst>
     <p:sldId id="256" r:id="rId2"/>
@@ -21,6 +21,8 @@
     <p:sldId id="265" r:id="rId9"/>
     <p:sldId id="266" r:id="rId10"/>
     <p:sldId id="263" r:id="rId11"/>
+    <p:sldId id="269" r:id="rId12"/>
+    <p:sldId id="268" r:id="rId13"/>
   </p:sldIdLst>
   <p:sldSz cx="9144000" cy="6858000" type="screen4x3"/>
   <p:notesSz cx="6858000" cy="9144000"/>
@@ -221,7 +223,7 @@
           <a:p>
             <a:fld id="{91A34D20-7556-479C-BC19-4F466F169EF3}" type="datetimeFigureOut">
               <a:rPr lang="it-IT" smtClean="0"/>
-              <a:t>13/02/2021</a:t>
+              <a:t>14/02/2021</a:t>
             </a:fld>
             <a:endParaRPr lang="it-IT"/>
           </a:p>
@@ -399,7 +401,7 @@
           <a:p>
             <a:fld id="{4D81E948-FF2A-455F-B768-BFC60EECBEC3}" type="datetimeFigureOut">
               <a:rPr lang="it-IT" smtClean="0"/>
-              <a:t>13/02/2021</a:t>
+              <a:t>14/02/2021</a:t>
             </a:fld>
             <a:endParaRPr lang="it-IT"/>
           </a:p>
@@ -852,7 +854,7 @@
           <a:p>
             <a:fld id="{A1D3A855-06DC-44B9-8393-02EBCB9839B9}" type="datetime1">
               <a:rPr lang="it-IT" smtClean="0"/>
-              <a:t>13/02/2021</a:t>
+              <a:t>14/02/2021</a:t>
             </a:fld>
             <a:endParaRPr lang="it-IT"/>
           </a:p>
@@ -1150,7 +1152,7 @@
           <a:p>
             <a:fld id="{0177536E-EFC3-4416-9F77-98B87143CF7B}" type="datetime1">
               <a:rPr lang="it-IT" smtClean="0"/>
-              <a:t>13/02/2021</a:t>
+              <a:t>14/02/2021</a:t>
             </a:fld>
             <a:endParaRPr lang="it-IT"/>
           </a:p>
@@ -1342,7 +1344,7 @@
           <a:p>
             <a:fld id="{75F7BF92-F7AF-428A-AAE5-DAED81DC40C7}" type="datetime1">
               <a:rPr lang="it-IT" smtClean="0"/>
-              <a:t>13/02/2021</a:t>
+              <a:t>14/02/2021</a:t>
             </a:fld>
             <a:endParaRPr lang="it-IT"/>
           </a:p>
@@ -1603,7 +1605,7 @@
           <a:p>
             <a:fld id="{78995AE6-D107-48E2-900B-59664191FB82}" type="datetime1">
               <a:rPr lang="it-IT" smtClean="0"/>
-              <a:t>13/02/2021</a:t>
+              <a:t>14/02/2021</a:t>
             </a:fld>
             <a:endParaRPr lang="it-IT"/>
           </a:p>
@@ -2027,7 +2029,7 @@
           <a:p>
             <a:fld id="{06845741-67B9-4A02-B25A-441472857A33}" type="datetime1">
               <a:rPr lang="it-IT" smtClean="0"/>
-              <a:t>13/02/2021</a:t>
+              <a:t>14/02/2021</a:t>
             </a:fld>
             <a:endParaRPr lang="it-IT"/>
           </a:p>
@@ -2564,7 +2566,7 @@
           <a:p>
             <a:fld id="{274931CA-2D22-4282-AD94-BC144D30F4B3}" type="datetime1">
               <a:rPr lang="it-IT" smtClean="0"/>
-              <a:t>13/02/2021</a:t>
+              <a:t>14/02/2021</a:t>
             </a:fld>
             <a:endParaRPr lang="it-IT"/>
           </a:p>
@@ -3428,7 +3430,7 @@
           <a:p>
             <a:fld id="{0E89F837-09E0-4DCB-A0E3-CA8BA5377B3B}" type="datetime1">
               <a:rPr lang="it-IT" smtClean="0"/>
-              <a:t>13/02/2021</a:t>
+              <a:t>14/02/2021</a:t>
             </a:fld>
             <a:endParaRPr lang="it-IT"/>
           </a:p>
@@ -3603,7 +3605,7 @@
           <a:p>
             <a:fld id="{4B070188-5FEE-4FB8-B823-9A73775E8ED1}" type="datetime1">
               <a:rPr lang="it-IT" smtClean="0"/>
-              <a:t>13/02/2021</a:t>
+              <a:t>14/02/2021</a:t>
             </a:fld>
             <a:endParaRPr lang="it-IT"/>
           </a:p>
@@ -3787,7 +3789,7 @@
           <a:p>
             <a:fld id="{424D6B16-4754-4DBC-9733-995BE40D4D0A}" type="datetime1">
               <a:rPr lang="it-IT" smtClean="0"/>
-              <a:t>13/02/2021</a:t>
+              <a:t>14/02/2021</a:t>
             </a:fld>
             <a:endParaRPr lang="it-IT"/>
           </a:p>
@@ -3957,7 +3959,7 @@
           <a:p>
             <a:fld id="{61861399-13B9-44D5-8D9F-21BC79F9DB1D}" type="datetime1">
               <a:rPr lang="it-IT" smtClean="0"/>
-              <a:t>13/02/2021</a:t>
+              <a:t>14/02/2021</a:t>
             </a:fld>
             <a:endParaRPr lang="it-IT"/>
           </a:p>
@@ -4201,7 +4203,7 @@
           <a:p>
             <a:fld id="{B1DC5A4A-59AB-4958-95A5-2F04C3A96DFF}" type="datetime1">
               <a:rPr lang="it-IT" smtClean="0"/>
-              <a:t>13/02/2021</a:t>
+              <a:t>14/02/2021</a:t>
             </a:fld>
             <a:endParaRPr lang="it-IT"/>
           </a:p>
@@ -4437,7 +4439,7 @@
           <a:p>
             <a:fld id="{472108E0-2DA2-40D2-8EB4-4857379BCDB0}" type="datetime1">
               <a:rPr lang="it-IT" smtClean="0"/>
-              <a:t>13/02/2021</a:t>
+              <a:t>14/02/2021</a:t>
             </a:fld>
             <a:endParaRPr lang="it-IT"/>
           </a:p>
@@ -4761,7 +4763,7 @@
           <a:p>
             <a:fld id="{598028D6-BC87-4E86-B2AD-716EA4FA84DF}" type="datetime1">
               <a:rPr lang="it-IT" smtClean="0"/>
-              <a:t>13/02/2021</a:t>
+              <a:t>14/02/2021</a:t>
             </a:fld>
             <a:endParaRPr lang="it-IT"/>
           </a:p>
@@ -5033,7 +5035,7 @@
           <a:p>
             <a:fld id="{9DA570FA-4B0B-4230-A637-FE720F0537CD}" type="datetime1">
               <a:rPr lang="it-IT" smtClean="0"/>
-              <a:t>13/02/2021</a:t>
+              <a:t>14/02/2021</a:t>
             </a:fld>
             <a:endParaRPr lang="it-IT"/>
           </a:p>
@@ -5128,7 +5130,7 @@
           <a:p>
             <a:fld id="{E9A333FD-5AC6-4BBB-A74D-F82C10F3EEB6}" type="datetime1">
               <a:rPr lang="it-IT" smtClean="0"/>
-              <a:t>13/02/2021</a:t>
+              <a:t>14/02/2021</a:t>
             </a:fld>
             <a:endParaRPr lang="it-IT"/>
           </a:p>
@@ -5383,7 +5385,7 @@
           <a:p>
             <a:fld id="{24C02129-7590-4120-8078-37FF4C81E763}" type="datetime1">
               <a:rPr lang="it-IT" smtClean="0"/>
-              <a:t>13/02/2021</a:t>
+              <a:t>14/02/2021</a:t>
             </a:fld>
             <a:endParaRPr lang="it-IT"/>
           </a:p>
@@ -5683,7 +5685,7 @@
           <a:p>
             <a:fld id="{1A9BE26B-96C6-473F-9570-858F7BF8EB61}" type="datetime1">
               <a:rPr lang="it-IT" smtClean="0"/>
-              <a:t>13/02/2021</a:t>
+              <a:t>14/02/2021</a:t>
             </a:fld>
             <a:endParaRPr lang="it-IT"/>
           </a:p>
@@ -5918,7 +5920,7 @@
             <a:fld id="{018535C2-3BA1-4D5F-98C9-C340182CC0D3}" type="datetime1">
               <a:rPr lang="it-IT" smtClean="0"/>
               <a:pPr/>
-              <a:t>13/02/2021</a:t>
+              <a:t>14/02/2021</a:t>
             </a:fld>
             <a:endParaRPr lang="it-IT"/>
           </a:p>
@@ -7550,6 +7552,449 @@
     <p:extLst>
       <p:ext uri="{BB962C8B-B14F-4D97-AF65-F5344CB8AC3E}">
         <p14:creationId xmlns:p14="http://schemas.microsoft.com/office/powerpoint/2010/main" val="238188159"/>
+      </p:ext>
+    </p:extLst>
+  </p:cSld>
+  <p:clrMapOvr>
+    <a:masterClrMapping/>
+  </p:clrMapOvr>
+</p:sld>
+</file>
+
+<file path=ppt/slides/slide11.xml><?xml version="1.0" encoding="utf-8"?>
+<p:sld xmlns:a="http://schemas.openxmlformats.org/drawingml/2006/main" xmlns:r="http://schemas.openxmlformats.org/officeDocument/2006/relationships" xmlns:p="http://schemas.openxmlformats.org/presentationml/2006/main">
+  <p:cSld>
+    <p:spTree>
+      <p:nvGrpSpPr>
+        <p:cNvPr id="1" name=""/>
+        <p:cNvGrpSpPr/>
+        <p:nvPr/>
+      </p:nvGrpSpPr>
+      <p:grpSpPr>
+        <a:xfrm>
+          <a:off x="0" y="0"/>
+          <a:ext cx="0" cy="0"/>
+          <a:chOff x="0" y="0"/>
+          <a:chExt cx="0" cy="0"/>
+        </a:xfrm>
+      </p:grpSpPr>
+      <p:sp>
+        <p:nvSpPr>
+          <p:cNvPr id="2" name="Titolo 1">
+            <a:extLst>
+              <a:ext uri="{FF2B5EF4-FFF2-40B4-BE49-F238E27FC236}">
+                <a16:creationId xmlns:a16="http://schemas.microsoft.com/office/drawing/2014/main" id="{796B4C79-E9E3-4DD7-98B8-06F69BB223C8}"/>
+              </a:ext>
+            </a:extLst>
+          </p:cNvPr>
+          <p:cNvSpPr>
+            <a:spLocks noGrp="1"/>
+          </p:cNvSpPr>
+          <p:nvPr>
+            <p:ph type="title"/>
+          </p:nvPr>
+        </p:nvSpPr>
+        <p:spPr/>
+        <p:txBody>
+          <a:bodyPr/>
+          <a:lstStyle/>
+          <a:p>
+            <a:r>
+              <a:rPr lang="en-GB" dirty="0"/>
+              <a:t>Future work</a:t>
+            </a:r>
+            <a:endParaRPr lang="it-IT" dirty="0"/>
+          </a:p>
+        </p:txBody>
+      </p:sp>
+      <p:sp>
+        <p:nvSpPr>
+          <p:cNvPr id="3" name="Segnaposto contenuto 2">
+            <a:extLst>
+              <a:ext uri="{FF2B5EF4-FFF2-40B4-BE49-F238E27FC236}">
+                <a16:creationId xmlns:a16="http://schemas.microsoft.com/office/drawing/2014/main" id="{469036F2-331A-49DD-A8DF-2E3B1B85C244}"/>
+              </a:ext>
+            </a:extLst>
+          </p:cNvPr>
+          <p:cNvSpPr>
+            <a:spLocks noGrp="1"/>
+          </p:cNvSpPr>
+          <p:nvPr>
+            <p:ph idx="1"/>
+          </p:nvPr>
+        </p:nvSpPr>
+        <p:spPr>
+          <a:xfrm>
+            <a:off x="1202073" y="2009271"/>
+            <a:ext cx="6739853" cy="2261937"/>
+          </a:xfrm>
+        </p:spPr>
+        <p:txBody>
+          <a:bodyPr/>
+          <a:lstStyle/>
+          <a:p>
+            <a:pPr>
+              <a:buClr>
+                <a:schemeClr val="accent3">
+                  <a:lumMod val="75000"/>
+                </a:schemeClr>
+              </a:buClr>
+            </a:pPr>
+            <a:r>
+              <a:rPr lang="en-GB" dirty="0">
+                <a:solidFill>
+                  <a:schemeClr val="accent2">
+                    <a:lumMod val="75000"/>
+                  </a:schemeClr>
+                </a:solidFill>
+              </a:rPr>
+              <a:t>Improvement of character correspondence</a:t>
+            </a:r>
+            <a:endParaRPr lang="it-IT" dirty="0">
+              <a:solidFill>
+                <a:schemeClr val="accent2">
+                  <a:lumMod val="75000"/>
+                </a:schemeClr>
+              </a:solidFill>
+            </a:endParaRPr>
+          </a:p>
+          <a:p>
+            <a:pPr>
+              <a:buClr>
+                <a:schemeClr val="accent3">
+                  <a:lumMod val="75000"/>
+                </a:schemeClr>
+              </a:buClr>
+            </a:pPr>
+            <a:r>
+              <a:rPr lang="it-IT" dirty="0" err="1">
+                <a:solidFill>
+                  <a:schemeClr val="accent2">
+                    <a:lumMod val="75000"/>
+                  </a:schemeClr>
+                </a:solidFill>
+              </a:rPr>
+              <a:t>Implementation</a:t>
+            </a:r>
+            <a:r>
+              <a:rPr lang="it-IT" dirty="0">
+                <a:solidFill>
+                  <a:schemeClr val="accent2">
+                    <a:lumMod val="75000"/>
+                  </a:schemeClr>
+                </a:solidFill>
+              </a:rPr>
+              <a:t> on </a:t>
+            </a:r>
+            <a:r>
+              <a:rPr lang="it-IT" dirty="0" err="1">
+                <a:solidFill>
+                  <a:schemeClr val="accent2">
+                    <a:lumMod val="75000"/>
+                  </a:schemeClr>
+                </a:solidFill>
+              </a:rPr>
+              <a:t>other</a:t>
+            </a:r>
+            <a:r>
+              <a:rPr lang="it-IT" dirty="0">
+                <a:solidFill>
+                  <a:schemeClr val="accent2">
+                    <a:lumMod val="75000"/>
+                  </a:schemeClr>
+                </a:solidFill>
+              </a:rPr>
+              <a:t> devices (smartphones &amp; tablets)</a:t>
+            </a:r>
+          </a:p>
+          <a:p>
+            <a:pPr>
+              <a:buClr>
+                <a:schemeClr val="accent3">
+                  <a:lumMod val="75000"/>
+                </a:schemeClr>
+              </a:buClr>
+            </a:pPr>
+            <a:r>
+              <a:rPr lang="it-IT" dirty="0" err="1">
+                <a:solidFill>
+                  <a:schemeClr val="accent2">
+                    <a:lumMod val="75000"/>
+                  </a:schemeClr>
+                </a:solidFill>
+              </a:rPr>
+              <a:t>Relationship</a:t>
+            </a:r>
+            <a:r>
+              <a:rPr lang="it-IT" dirty="0">
+                <a:solidFill>
+                  <a:schemeClr val="accent2">
+                    <a:lumMod val="75000"/>
+                  </a:schemeClr>
+                </a:solidFill>
+              </a:rPr>
+              <a:t> </a:t>
+            </a:r>
+            <a:r>
+              <a:rPr lang="it-IT" dirty="0" err="1">
+                <a:solidFill>
+                  <a:schemeClr val="accent2">
+                    <a:lumMod val="75000"/>
+                  </a:schemeClr>
+                </a:solidFill>
+              </a:rPr>
+              <a:t>between</a:t>
+            </a:r>
+            <a:r>
+              <a:rPr lang="it-IT" dirty="0">
+                <a:solidFill>
+                  <a:schemeClr val="accent2">
+                    <a:lumMod val="75000"/>
+                  </a:schemeClr>
+                </a:solidFill>
+              </a:rPr>
+              <a:t> </a:t>
+            </a:r>
+            <a:r>
+              <a:rPr lang="it-IT" dirty="0" err="1">
+                <a:solidFill>
+                  <a:schemeClr val="accent2">
+                    <a:lumMod val="75000"/>
+                  </a:schemeClr>
+                </a:solidFill>
+              </a:rPr>
+              <a:t>accuracy</a:t>
+            </a:r>
+            <a:r>
+              <a:rPr lang="it-IT" dirty="0">
+                <a:solidFill>
+                  <a:schemeClr val="accent2">
+                    <a:lumMod val="75000"/>
+                  </a:schemeClr>
+                </a:solidFill>
+              </a:rPr>
+              <a:t> and:</a:t>
+            </a:r>
+          </a:p>
+          <a:p>
+            <a:pPr lvl="1"/>
+            <a:r>
+              <a:rPr lang="it-IT" dirty="0" err="1"/>
+              <a:t>different</a:t>
+            </a:r>
+            <a:r>
+              <a:rPr lang="it-IT" dirty="0"/>
+              <a:t> users </a:t>
+            </a:r>
+            <a:r>
+              <a:rPr lang="it-IT" dirty="0" err="1"/>
+              <a:t>typing</a:t>
+            </a:r>
+            <a:r>
+              <a:rPr lang="it-IT" dirty="0"/>
+              <a:t> styles</a:t>
+            </a:r>
+          </a:p>
+          <a:p>
+            <a:pPr lvl="1"/>
+            <a:r>
+              <a:rPr lang="en-GB" dirty="0"/>
+              <a:t>different level of wear and tear of a same hardware</a:t>
+            </a:r>
+            <a:endParaRPr lang="it-IT" dirty="0"/>
+          </a:p>
+        </p:txBody>
+      </p:sp>
+      <p:sp>
+        <p:nvSpPr>
+          <p:cNvPr id="4" name="Segnaposto piè di pagina 3">
+            <a:extLst>
+              <a:ext uri="{FF2B5EF4-FFF2-40B4-BE49-F238E27FC236}">
+                <a16:creationId xmlns:a16="http://schemas.microsoft.com/office/drawing/2014/main" id="{E6C479DE-644D-423E-8422-12A3E92BF5EC}"/>
+              </a:ext>
+            </a:extLst>
+          </p:cNvPr>
+          <p:cNvSpPr>
+            <a:spLocks noGrp="1"/>
+          </p:cNvSpPr>
+          <p:nvPr>
+            <p:ph type="ftr" sz="quarter" idx="11"/>
+          </p:nvPr>
+        </p:nvSpPr>
+        <p:spPr/>
+        <p:txBody>
+          <a:bodyPr/>
+          <a:lstStyle/>
+          <a:p>
+            <a:endParaRPr lang="it-IT"/>
+          </a:p>
+        </p:txBody>
+      </p:sp>
+      <p:sp>
+        <p:nvSpPr>
+          <p:cNvPr id="5" name="Segnaposto numero diapositiva 4">
+            <a:extLst>
+              <a:ext uri="{FF2B5EF4-FFF2-40B4-BE49-F238E27FC236}">
+                <a16:creationId xmlns:a16="http://schemas.microsoft.com/office/drawing/2014/main" id="{F58943A0-7B70-445F-8AB8-CCE50DCCE00F}"/>
+              </a:ext>
+            </a:extLst>
+          </p:cNvPr>
+          <p:cNvSpPr>
+            <a:spLocks noGrp="1"/>
+          </p:cNvSpPr>
+          <p:nvPr>
+            <p:ph type="sldNum" sz="quarter" idx="12"/>
+          </p:nvPr>
+        </p:nvSpPr>
+        <p:spPr/>
+        <p:txBody>
+          <a:bodyPr/>
+          <a:lstStyle/>
+          <a:p>
+            <a:fld id="{8DF98BA9-0B5D-48FD-8864-41A23C2934CC}" type="slidenum">
+              <a:rPr lang="it-IT" smtClean="0"/>
+              <a:t>10</a:t>
+            </a:fld>
+            <a:endParaRPr lang="it-IT"/>
+          </a:p>
+        </p:txBody>
+      </p:sp>
+    </p:spTree>
+    <p:extLst>
+      <p:ext uri="{BB962C8B-B14F-4D97-AF65-F5344CB8AC3E}">
+        <p14:creationId xmlns:p14="http://schemas.microsoft.com/office/powerpoint/2010/main" val="240478739"/>
+      </p:ext>
+    </p:extLst>
+  </p:cSld>
+  <p:clrMapOvr>
+    <a:masterClrMapping/>
+  </p:clrMapOvr>
+</p:sld>
+</file>
+
+<file path=ppt/slides/slide12.xml><?xml version="1.0" encoding="utf-8"?>
+<p:sld xmlns:a="http://schemas.openxmlformats.org/drawingml/2006/main" xmlns:r="http://schemas.openxmlformats.org/officeDocument/2006/relationships" xmlns:p="http://schemas.openxmlformats.org/presentationml/2006/main">
+  <p:cSld>
+    <p:spTree>
+      <p:nvGrpSpPr>
+        <p:cNvPr id="1" name=""/>
+        <p:cNvGrpSpPr/>
+        <p:nvPr/>
+      </p:nvGrpSpPr>
+      <p:grpSpPr>
+        <a:xfrm>
+          <a:off x="0" y="0"/>
+          <a:ext cx="0" cy="0"/>
+          <a:chOff x="0" y="0"/>
+          <a:chExt cx="0" cy="0"/>
+        </a:xfrm>
+      </p:grpSpPr>
+      <p:sp>
+        <p:nvSpPr>
+          <p:cNvPr id="2" name="Titolo 1">
+            <a:extLst>
+              <a:ext uri="{FF2B5EF4-FFF2-40B4-BE49-F238E27FC236}">
+                <a16:creationId xmlns:a16="http://schemas.microsoft.com/office/drawing/2014/main" id="{092C4BEA-4B1E-4073-AF0C-BAFECB80C1E4}"/>
+              </a:ext>
+            </a:extLst>
+          </p:cNvPr>
+          <p:cNvSpPr>
+            <a:spLocks noGrp="1"/>
+          </p:cNvSpPr>
+          <p:nvPr>
+            <p:ph type="title"/>
+          </p:nvPr>
+        </p:nvSpPr>
+        <p:spPr>
+          <a:xfrm>
+            <a:off x="1277384" y="2421815"/>
+            <a:ext cx="6589231" cy="1172153"/>
+          </a:xfrm>
+        </p:spPr>
+        <p:txBody>
+          <a:bodyPr/>
+          <a:lstStyle/>
+          <a:p>
+            <a:r>
+              <a:rPr lang="en-GB" dirty="0"/>
+              <a:t>Thanks for your attention</a:t>
+            </a:r>
+            <a:endParaRPr lang="it-IT" dirty="0"/>
+          </a:p>
+        </p:txBody>
+      </p:sp>
+      <p:sp>
+        <p:nvSpPr>
+          <p:cNvPr id="6" name="Segnaposto piè di pagina 3">
+            <a:extLst>
+              <a:ext uri="{FF2B5EF4-FFF2-40B4-BE49-F238E27FC236}">
+                <a16:creationId xmlns:a16="http://schemas.microsoft.com/office/drawing/2014/main" id="{9853DD54-0253-4504-91C1-DD2D7000D0E8}"/>
+              </a:ext>
+            </a:extLst>
+          </p:cNvPr>
+          <p:cNvSpPr>
+            <a:spLocks noGrp="1"/>
+          </p:cNvSpPr>
+          <p:nvPr>
+            <p:ph type="ftr" sz="quarter" idx="11"/>
+          </p:nvPr>
+        </p:nvSpPr>
+        <p:spPr>
+          <a:xfrm>
+            <a:off x="435114" y="5883276"/>
+            <a:ext cx="5505114" cy="365125"/>
+          </a:xfrm>
+        </p:spPr>
+        <p:txBody>
+          <a:bodyPr/>
+          <a:lstStyle/>
+          <a:p>
+            <a:r>
+              <a:rPr lang="en-GB" sz="1100" dirty="0"/>
+              <a:t>Di Nardo Di Maio Raffaele</a:t>
+            </a:r>
+            <a:endParaRPr lang="it-IT" sz="1100" dirty="0"/>
+          </a:p>
+        </p:txBody>
+      </p:sp>
+      <p:sp>
+        <p:nvSpPr>
+          <p:cNvPr id="7" name="Segnaposto numero diapositiva 4">
+            <a:extLst>
+              <a:ext uri="{FF2B5EF4-FFF2-40B4-BE49-F238E27FC236}">
+                <a16:creationId xmlns:a16="http://schemas.microsoft.com/office/drawing/2014/main" id="{2C0EE5BD-9D7C-4CBB-A5EC-6654D875C42B}"/>
+              </a:ext>
+            </a:extLst>
+          </p:cNvPr>
+          <p:cNvSpPr>
+            <a:spLocks noGrp="1"/>
+          </p:cNvSpPr>
+          <p:nvPr>
+            <p:ph type="sldNum" sz="quarter" idx="12"/>
+          </p:nvPr>
+        </p:nvSpPr>
+        <p:spPr>
+          <a:xfrm>
+            <a:off x="7885509" y="5883276"/>
+            <a:ext cx="565159" cy="365125"/>
+          </a:xfrm>
+        </p:spPr>
+        <p:txBody>
+          <a:bodyPr/>
+          <a:lstStyle/>
+          <a:p>
+            <a:fld id="{8DF98BA9-0B5D-48FD-8864-41A23C2934CC}" type="slidenum">
+              <a:rPr lang="it-IT" sz="1100" smtClean="0"/>
+              <a:t>11</a:t>
+            </a:fld>
+            <a:endParaRPr lang="it-IT" sz="1100"/>
+          </a:p>
+        </p:txBody>
+      </p:sp>
+    </p:spTree>
+    <p:extLst>
+      <p:ext uri="{BB962C8B-B14F-4D97-AF65-F5344CB8AC3E}">
+        <p14:creationId xmlns:p14="http://schemas.microsoft.com/office/powerpoint/2010/main" val="2072617992"/>
       </p:ext>
     </p:extLst>
   </p:cSld>

--- a/Thesis/AcCAPPCHA.pptx
+++ b/Thesis/AcCAPPCHA.pptx
@@ -5,24 +5,25 @@
     <p:sldMasterId id="2147483750" r:id="rId1"/>
   </p:sldMasterIdLst>
   <p:notesMasterIdLst>
-    <p:notesMasterId r:id="rId14"/>
+    <p:notesMasterId r:id="rId15"/>
   </p:notesMasterIdLst>
   <p:handoutMasterIdLst>
-    <p:handoutMasterId r:id="rId15"/>
+    <p:handoutMasterId r:id="rId16"/>
   </p:handoutMasterIdLst>
   <p:sldIdLst>
     <p:sldId id="256" r:id="rId2"/>
     <p:sldId id="257" r:id="rId3"/>
     <p:sldId id="259" r:id="rId4"/>
-    <p:sldId id="261" r:id="rId5"/>
-    <p:sldId id="258" r:id="rId6"/>
-    <p:sldId id="260" r:id="rId7"/>
-    <p:sldId id="262" r:id="rId8"/>
-    <p:sldId id="265" r:id="rId9"/>
-    <p:sldId id="266" r:id="rId10"/>
-    <p:sldId id="263" r:id="rId11"/>
-    <p:sldId id="269" r:id="rId12"/>
-    <p:sldId id="268" r:id="rId13"/>
+    <p:sldId id="270" r:id="rId5"/>
+    <p:sldId id="271" r:id="rId6"/>
+    <p:sldId id="258" r:id="rId7"/>
+    <p:sldId id="260" r:id="rId8"/>
+    <p:sldId id="262" r:id="rId9"/>
+    <p:sldId id="265" r:id="rId10"/>
+    <p:sldId id="266" r:id="rId11"/>
+    <p:sldId id="263" r:id="rId12"/>
+    <p:sldId id="269" r:id="rId13"/>
+    <p:sldId id="268" r:id="rId14"/>
   </p:sldIdLst>
   <p:sldSz cx="9144000" cy="6858000" type="screen4x3"/>
   <p:notesSz cx="6858000" cy="9144000"/>
@@ -223,7 +224,7 @@
           <a:p>
             <a:fld id="{91A34D20-7556-479C-BC19-4F466F169EF3}" type="datetimeFigureOut">
               <a:rPr lang="it-IT" smtClean="0"/>
-              <a:t>14/02/2021</a:t>
+              <a:t>15/02/2021</a:t>
             </a:fld>
             <a:endParaRPr lang="it-IT"/>
           </a:p>
@@ -401,7 +402,7 @@
           <a:p>
             <a:fld id="{4D81E948-FF2A-455F-B768-BFC60EECBEC3}" type="datetimeFigureOut">
               <a:rPr lang="it-IT" smtClean="0"/>
-              <a:t>14/02/2021</a:t>
+              <a:t>15/02/2021</a:t>
             </a:fld>
             <a:endParaRPr lang="it-IT"/>
           </a:p>
@@ -852,11 +853,10 @@
           <a:bodyPr/>
           <a:lstStyle/>
           <a:p>
-            <a:fld id="{A1D3A855-06DC-44B9-8393-02EBCB9839B9}" type="datetime1">
-              <a:rPr lang="it-IT" smtClean="0"/>
-              <a:t>14/02/2021</a:t>
-            </a:fld>
-            <a:endParaRPr lang="it-IT"/>
+            <a:r>
+              <a:rPr lang="it-IT"/>
+              <a:t>03/01/2021</a:t>
+            </a:r>
           </a:p>
         </p:txBody>
       </p:sp>
@@ -875,7 +875,10 @@
           <a:bodyPr/>
           <a:lstStyle/>
           <a:p>
-            <a:endParaRPr lang="it-IT"/>
+            <a:r>
+              <a:rPr lang="it-IT"/>
+              <a:t>Di Nardo Di Maio Raffaele</a:t>
+            </a:r>
           </a:p>
         </p:txBody>
       </p:sp>
@@ -1150,11 +1153,10 @@
           <a:bodyPr/>
           <a:lstStyle/>
           <a:p>
-            <a:fld id="{0177536E-EFC3-4416-9F77-98B87143CF7B}" type="datetime1">
-              <a:rPr lang="it-IT" smtClean="0"/>
-              <a:t>14/02/2021</a:t>
-            </a:fld>
-            <a:endParaRPr lang="it-IT"/>
+            <a:r>
+              <a:rPr lang="it-IT"/>
+              <a:t>03/01/2021</a:t>
+            </a:r>
           </a:p>
         </p:txBody>
       </p:sp>
@@ -1173,7 +1175,10 @@
           <a:bodyPr/>
           <a:lstStyle/>
           <a:p>
-            <a:endParaRPr lang="it-IT"/>
+            <a:r>
+              <a:rPr lang="it-IT"/>
+              <a:t>Di Nardo Di Maio Raffaele</a:t>
+            </a:r>
           </a:p>
         </p:txBody>
       </p:sp>
@@ -1342,11 +1347,10 @@
           <a:bodyPr/>
           <a:lstStyle/>
           <a:p>
-            <a:fld id="{75F7BF92-F7AF-428A-AAE5-DAED81DC40C7}" type="datetime1">
-              <a:rPr lang="it-IT" smtClean="0"/>
-              <a:t>14/02/2021</a:t>
-            </a:fld>
-            <a:endParaRPr lang="it-IT"/>
+            <a:r>
+              <a:rPr lang="it-IT"/>
+              <a:t>03/01/2021</a:t>
+            </a:r>
           </a:p>
         </p:txBody>
       </p:sp>
@@ -1365,7 +1369,10 @@
           <a:bodyPr/>
           <a:lstStyle/>
           <a:p>
-            <a:endParaRPr lang="it-IT"/>
+            <a:r>
+              <a:rPr lang="it-IT"/>
+              <a:t>Di Nardo Di Maio Raffaele</a:t>
+            </a:r>
           </a:p>
         </p:txBody>
       </p:sp>
@@ -1603,11 +1610,10 @@
           <a:bodyPr/>
           <a:lstStyle/>
           <a:p>
-            <a:fld id="{78995AE6-D107-48E2-900B-59664191FB82}" type="datetime1">
-              <a:rPr lang="it-IT" smtClean="0"/>
-              <a:t>14/02/2021</a:t>
-            </a:fld>
-            <a:endParaRPr lang="it-IT"/>
+            <a:r>
+              <a:rPr lang="it-IT"/>
+              <a:t>03/01/2021</a:t>
+            </a:r>
           </a:p>
         </p:txBody>
       </p:sp>
@@ -1626,7 +1632,10 @@
           <a:bodyPr/>
           <a:lstStyle/>
           <a:p>
-            <a:endParaRPr lang="it-IT"/>
+            <a:r>
+              <a:rPr lang="it-IT"/>
+              <a:t>Di Nardo Di Maio Raffaele</a:t>
+            </a:r>
           </a:p>
         </p:txBody>
       </p:sp>
@@ -2027,11 +2036,10 @@
           <a:bodyPr/>
           <a:lstStyle/>
           <a:p>
-            <a:fld id="{06845741-67B9-4A02-B25A-441472857A33}" type="datetime1">
-              <a:rPr lang="it-IT" smtClean="0"/>
-              <a:t>14/02/2021</a:t>
-            </a:fld>
-            <a:endParaRPr lang="it-IT"/>
+            <a:r>
+              <a:rPr lang="it-IT"/>
+              <a:t>03/01/2021</a:t>
+            </a:r>
           </a:p>
         </p:txBody>
       </p:sp>
@@ -2050,7 +2058,10 @@
           <a:bodyPr/>
           <a:lstStyle/>
           <a:p>
-            <a:endParaRPr lang="it-IT"/>
+            <a:r>
+              <a:rPr lang="it-IT"/>
+              <a:t>Di Nardo Di Maio Raffaele</a:t>
+            </a:r>
           </a:p>
         </p:txBody>
       </p:sp>
@@ -2564,11 +2575,10 @@
           <a:bodyPr/>
           <a:lstStyle/>
           <a:p>
-            <a:fld id="{274931CA-2D22-4282-AD94-BC144D30F4B3}" type="datetime1">
-              <a:rPr lang="it-IT" smtClean="0"/>
-              <a:t>14/02/2021</a:t>
-            </a:fld>
-            <a:endParaRPr lang="it-IT"/>
+            <a:r>
+              <a:rPr lang="it-IT"/>
+              <a:t>03/01/2021</a:t>
+            </a:r>
           </a:p>
         </p:txBody>
       </p:sp>
@@ -2587,7 +2597,10 @@
           <a:bodyPr/>
           <a:lstStyle/>
           <a:p>
-            <a:endParaRPr lang="it-IT"/>
+            <a:r>
+              <a:rPr lang="it-IT"/>
+              <a:t>Di Nardo Di Maio Raffaele</a:t>
+            </a:r>
           </a:p>
         </p:txBody>
       </p:sp>
@@ -3428,11 +3441,10 @@
           <a:bodyPr/>
           <a:lstStyle/>
           <a:p>
-            <a:fld id="{0E89F837-09E0-4DCB-A0E3-CA8BA5377B3B}" type="datetime1">
-              <a:rPr lang="it-IT" smtClean="0"/>
-              <a:t>14/02/2021</a:t>
-            </a:fld>
-            <a:endParaRPr lang="it-IT"/>
+            <a:r>
+              <a:rPr lang="it-IT"/>
+              <a:t>03/01/2021</a:t>
+            </a:r>
           </a:p>
         </p:txBody>
       </p:sp>
@@ -3451,7 +3463,10 @@
           <a:bodyPr/>
           <a:lstStyle/>
           <a:p>
-            <a:endParaRPr lang="it-IT"/>
+            <a:r>
+              <a:rPr lang="it-IT"/>
+              <a:t>Di Nardo Di Maio Raffaele</a:t>
+            </a:r>
           </a:p>
         </p:txBody>
       </p:sp>
@@ -3603,11 +3618,10 @@
           <a:bodyPr/>
           <a:lstStyle/>
           <a:p>
-            <a:fld id="{4B070188-5FEE-4FB8-B823-9A73775E8ED1}" type="datetime1">
-              <a:rPr lang="it-IT" smtClean="0"/>
-              <a:t>14/02/2021</a:t>
-            </a:fld>
-            <a:endParaRPr lang="it-IT"/>
+            <a:r>
+              <a:rPr lang="it-IT"/>
+              <a:t>03/01/2021</a:t>
+            </a:r>
           </a:p>
         </p:txBody>
       </p:sp>
@@ -3626,7 +3640,10 @@
           <a:bodyPr/>
           <a:lstStyle/>
           <a:p>
-            <a:endParaRPr lang="it-IT"/>
+            <a:r>
+              <a:rPr lang="it-IT"/>
+              <a:t>Di Nardo Di Maio Raffaele</a:t>
+            </a:r>
           </a:p>
         </p:txBody>
       </p:sp>
@@ -3787,11 +3804,10 @@
           <a:bodyPr/>
           <a:lstStyle/>
           <a:p>
-            <a:fld id="{424D6B16-4754-4DBC-9733-995BE40D4D0A}" type="datetime1">
-              <a:rPr lang="it-IT" smtClean="0"/>
-              <a:t>14/02/2021</a:t>
-            </a:fld>
-            <a:endParaRPr lang="it-IT"/>
+            <a:r>
+              <a:rPr lang="it-IT"/>
+              <a:t>03/01/2021</a:t>
+            </a:r>
           </a:p>
         </p:txBody>
       </p:sp>
@@ -3810,7 +3826,10 @@
           <a:bodyPr/>
           <a:lstStyle/>
           <a:p>
-            <a:endParaRPr lang="it-IT"/>
+            <a:r>
+              <a:rPr lang="it-IT"/>
+              <a:t>Di Nardo Di Maio Raffaele</a:t>
+            </a:r>
           </a:p>
         </p:txBody>
       </p:sp>
@@ -3957,11 +3976,10 @@
           <a:bodyPr/>
           <a:lstStyle/>
           <a:p>
-            <a:fld id="{61861399-13B9-44D5-8D9F-21BC79F9DB1D}" type="datetime1">
-              <a:rPr lang="it-IT" smtClean="0"/>
-              <a:t>14/02/2021</a:t>
-            </a:fld>
-            <a:endParaRPr lang="it-IT"/>
+            <a:r>
+              <a:rPr lang="it-IT"/>
+              <a:t>03/01/2021</a:t>
+            </a:r>
           </a:p>
         </p:txBody>
       </p:sp>
@@ -3980,7 +3998,10 @@
           <a:bodyPr/>
           <a:lstStyle/>
           <a:p>
-            <a:endParaRPr lang="it-IT"/>
+            <a:r>
+              <a:rPr lang="it-IT"/>
+              <a:t>Di Nardo Di Maio Raffaele</a:t>
+            </a:r>
           </a:p>
         </p:txBody>
       </p:sp>
@@ -4201,11 +4222,10 @@
           <a:bodyPr/>
           <a:lstStyle/>
           <a:p>
-            <a:fld id="{B1DC5A4A-59AB-4958-95A5-2F04C3A96DFF}" type="datetime1">
-              <a:rPr lang="it-IT" smtClean="0"/>
-              <a:t>14/02/2021</a:t>
-            </a:fld>
-            <a:endParaRPr lang="it-IT"/>
+            <a:r>
+              <a:rPr lang="it-IT"/>
+              <a:t>03/01/2021</a:t>
+            </a:r>
           </a:p>
         </p:txBody>
       </p:sp>
@@ -4224,7 +4244,10 @@
           <a:bodyPr/>
           <a:lstStyle/>
           <a:p>
-            <a:endParaRPr lang="it-IT"/>
+            <a:r>
+              <a:rPr lang="it-IT"/>
+              <a:t>Di Nardo Di Maio Raffaele</a:t>
+            </a:r>
           </a:p>
         </p:txBody>
       </p:sp>
@@ -4437,11 +4460,10 @@
           <a:bodyPr/>
           <a:lstStyle/>
           <a:p>
-            <a:fld id="{472108E0-2DA2-40D2-8EB4-4857379BCDB0}" type="datetime1">
-              <a:rPr lang="it-IT" smtClean="0"/>
-              <a:t>14/02/2021</a:t>
-            </a:fld>
-            <a:endParaRPr lang="it-IT"/>
+            <a:r>
+              <a:rPr lang="it-IT"/>
+              <a:t>03/01/2021</a:t>
+            </a:r>
           </a:p>
         </p:txBody>
       </p:sp>
@@ -4460,7 +4482,10 @@
           <a:bodyPr/>
           <a:lstStyle/>
           <a:p>
-            <a:endParaRPr lang="it-IT"/>
+            <a:r>
+              <a:rPr lang="it-IT"/>
+              <a:t>Di Nardo Di Maio Raffaele</a:t>
+            </a:r>
           </a:p>
         </p:txBody>
       </p:sp>
@@ -4761,11 +4786,10 @@
           <a:bodyPr/>
           <a:lstStyle/>
           <a:p>
-            <a:fld id="{598028D6-BC87-4E86-B2AD-716EA4FA84DF}" type="datetime1">
-              <a:rPr lang="it-IT" smtClean="0"/>
-              <a:t>14/02/2021</a:t>
-            </a:fld>
-            <a:endParaRPr lang="it-IT"/>
+            <a:r>
+              <a:rPr lang="it-IT"/>
+              <a:t>03/01/2021</a:t>
+            </a:r>
           </a:p>
         </p:txBody>
       </p:sp>
@@ -4784,7 +4808,10 @@
           <a:bodyPr/>
           <a:lstStyle/>
           <a:p>
-            <a:endParaRPr lang="it-IT"/>
+            <a:r>
+              <a:rPr lang="it-IT"/>
+              <a:t>Di Nardo Di Maio Raffaele</a:t>
+            </a:r>
           </a:p>
         </p:txBody>
       </p:sp>
@@ -5033,11 +5060,10 @@
           <a:bodyPr/>
           <a:lstStyle/>
           <a:p>
-            <a:fld id="{9DA570FA-4B0B-4230-A637-FE720F0537CD}" type="datetime1">
-              <a:rPr lang="it-IT" smtClean="0"/>
-              <a:t>14/02/2021</a:t>
-            </a:fld>
-            <a:endParaRPr lang="it-IT"/>
+            <a:r>
+              <a:rPr lang="it-IT"/>
+              <a:t>03/01/2021</a:t>
+            </a:r>
           </a:p>
         </p:txBody>
       </p:sp>
@@ -5056,7 +5082,10 @@
           <a:bodyPr/>
           <a:lstStyle/>
           <a:p>
-            <a:endParaRPr lang="it-IT"/>
+            <a:r>
+              <a:rPr lang="it-IT"/>
+              <a:t>Di Nardo Di Maio Raffaele</a:t>
+            </a:r>
           </a:p>
         </p:txBody>
       </p:sp>
@@ -5128,11 +5157,10 @@
           <a:bodyPr/>
           <a:lstStyle/>
           <a:p>
-            <a:fld id="{E9A333FD-5AC6-4BBB-A74D-F82C10F3EEB6}" type="datetime1">
-              <a:rPr lang="it-IT" smtClean="0"/>
-              <a:t>14/02/2021</a:t>
-            </a:fld>
-            <a:endParaRPr lang="it-IT"/>
+            <a:r>
+              <a:rPr lang="it-IT"/>
+              <a:t>03/01/2021</a:t>
+            </a:r>
           </a:p>
         </p:txBody>
       </p:sp>
@@ -5151,7 +5179,10 @@
           <a:bodyPr/>
           <a:lstStyle/>
           <a:p>
-            <a:endParaRPr lang="it-IT"/>
+            <a:r>
+              <a:rPr lang="it-IT"/>
+              <a:t>Di Nardo Di Maio Raffaele</a:t>
+            </a:r>
           </a:p>
         </p:txBody>
       </p:sp>
@@ -5383,11 +5414,10 @@
           <a:bodyPr/>
           <a:lstStyle/>
           <a:p>
-            <a:fld id="{24C02129-7590-4120-8078-37FF4C81E763}" type="datetime1">
-              <a:rPr lang="it-IT" smtClean="0"/>
-              <a:t>14/02/2021</a:t>
-            </a:fld>
-            <a:endParaRPr lang="it-IT"/>
+            <a:r>
+              <a:rPr lang="it-IT"/>
+              <a:t>03/01/2021</a:t>
+            </a:r>
           </a:p>
         </p:txBody>
       </p:sp>
@@ -5406,7 +5436,10 @@
           <a:bodyPr/>
           <a:lstStyle/>
           <a:p>
-            <a:endParaRPr lang="it-IT"/>
+            <a:r>
+              <a:rPr lang="it-IT"/>
+              <a:t>Di Nardo Di Maio Raffaele</a:t>
+            </a:r>
           </a:p>
         </p:txBody>
       </p:sp>
@@ -5683,11 +5716,10 @@
           <a:bodyPr/>
           <a:lstStyle/>
           <a:p>
-            <a:fld id="{1A9BE26B-96C6-473F-9570-858F7BF8EB61}" type="datetime1">
-              <a:rPr lang="it-IT" smtClean="0"/>
-              <a:t>14/02/2021</a:t>
-            </a:fld>
-            <a:endParaRPr lang="it-IT"/>
+            <a:r>
+              <a:rPr lang="it-IT"/>
+              <a:t>03/01/2021</a:t>
+            </a:r>
           </a:p>
         </p:txBody>
       </p:sp>
@@ -5706,7 +5738,10 @@
           <a:bodyPr/>
           <a:lstStyle/>
           <a:p>
-            <a:endParaRPr lang="it-IT"/>
+            <a:r>
+              <a:rPr lang="it-IT"/>
+              <a:t>Di Nardo Di Maio Raffaele</a:t>
+            </a:r>
           </a:p>
         </p:txBody>
       </p:sp>
@@ -5917,12 +5952,10 @@
             </a:lvl1pPr>
           </a:lstStyle>
           <a:p>
-            <a:fld id="{018535C2-3BA1-4D5F-98C9-C340182CC0D3}" type="datetime1">
-              <a:rPr lang="it-IT" smtClean="0"/>
-              <a:pPr/>
-              <a:t>14/02/2021</a:t>
-            </a:fld>
-            <a:endParaRPr lang="it-IT"/>
+            <a:r>
+              <a:rPr lang="it-IT"/>
+              <a:t>03/01/2021</a:t>
+            </a:r>
           </a:p>
         </p:txBody>
       </p:sp>
@@ -5966,6 +5999,10 @@
             </a:lvl1pPr>
           </a:lstStyle>
           <a:p>
+            <a:r>
+              <a:rPr lang="it-IT"/>
+              <a:t>Di Nardo Di Maio Raffaele</a:t>
+            </a:r>
             <a:endParaRPr lang="it-IT" dirty="0"/>
           </a:p>
         </p:txBody>
@@ -6118,7 +6155,7 @@
     <p:sldLayoutId id="2147483766" r:id="rId16"/>
     <p:sldLayoutId id="2147483767" r:id="rId17"/>
   </p:sldLayoutIdLst>
-  <p:hf hdr="0" dt="0"/>
+  <p:hf hdr="0"/>
   <p:txStyles>
     <p:titleStyle>
       <a:lvl1pPr algn="ctr" defTabSz="457200" rtl="0" eaLnBrk="1" latinLnBrk="0" hangingPunct="1">
@@ -7216,16 +7253,8 @@
           <a:p>
             <a:pPr algn="ctr"/>
             <a:r>
-              <a:rPr lang="en-GB" sz="2000" dirty="0"/>
-              <a:t>March 1</a:t>
-            </a:r>
-            <a:r>
-              <a:rPr lang="en-GB" sz="2000" baseline="30000" dirty="0"/>
-              <a:t>st</a:t>
-            </a:r>
-            <a:r>
-              <a:rPr lang="en-GB" sz="2000" dirty="0"/>
-              <a:t>, 2020</a:t>
+              <a:rPr lang="it-IT" sz="2000"/>
+              <a:t>Di Nardo Di Maio Raffaele</a:t>
             </a:r>
             <a:endParaRPr lang="it-IT" sz="2000" dirty="0"/>
           </a:p>
@@ -7367,6 +7396,63 @@
               <a:t>Master degree in Computer Engineering</a:t>
             </a:r>
             <a:endParaRPr lang="it-IT" sz="2400" i="1" dirty="0"/>
+          </a:p>
+        </p:txBody>
+      </p:sp>
+      <p:sp>
+        <p:nvSpPr>
+          <p:cNvPr id="4" name="Segnaposto data 3">
+            <a:extLst>
+              <a:ext uri="{FF2B5EF4-FFF2-40B4-BE49-F238E27FC236}">
+                <a16:creationId xmlns:a16="http://schemas.microsoft.com/office/drawing/2014/main" id="{CF2907FC-A29D-469D-8B6D-8B01BC56FCE9}"/>
+              </a:ext>
+            </a:extLst>
+          </p:cNvPr>
+          <p:cNvSpPr>
+            <a:spLocks noGrp="1"/>
+          </p:cNvSpPr>
+          <p:nvPr>
+            <p:ph type="dt" sz="half" idx="10"/>
+          </p:nvPr>
+        </p:nvSpPr>
+        <p:spPr/>
+        <p:txBody>
+          <a:bodyPr/>
+          <a:lstStyle/>
+          <a:p>
+            <a:r>
+              <a:rPr lang="it-IT"/>
+              <a:t>03/01/2021</a:t>
+            </a:r>
+          </a:p>
+        </p:txBody>
+      </p:sp>
+      <p:sp>
+        <p:nvSpPr>
+          <p:cNvPr id="5" name="Segnaposto numero diapositiva 4">
+            <a:extLst>
+              <a:ext uri="{FF2B5EF4-FFF2-40B4-BE49-F238E27FC236}">
+                <a16:creationId xmlns:a16="http://schemas.microsoft.com/office/drawing/2014/main" id="{F325F936-8E5F-4FC4-BFEA-3D4CA00B02B8}"/>
+              </a:ext>
+            </a:extLst>
+          </p:cNvPr>
+          <p:cNvSpPr>
+            <a:spLocks noGrp="1"/>
+          </p:cNvSpPr>
+          <p:nvPr>
+            <p:ph type="sldNum" sz="quarter" idx="12"/>
+          </p:nvPr>
+        </p:nvSpPr>
+        <p:spPr/>
+        <p:txBody>
+          <a:bodyPr/>
+          <a:lstStyle/>
+          <a:p>
+            <a:fld id="{8DF98BA9-0B5D-48FD-8864-41A23C2934CC}" type="slidenum">
+              <a:rPr lang="it-IT" smtClean="0"/>
+              <a:t>0</a:t>
+            </a:fld>
+            <a:endParaRPr lang="it-IT"/>
           </a:p>
         </p:txBody>
       </p:sp>
@@ -7405,7 +7491,7 @@
           <p:cNvPr id="2" name="Titolo 1">
             <a:extLst>
               <a:ext uri="{FF2B5EF4-FFF2-40B4-BE49-F238E27FC236}">
-                <a16:creationId xmlns:a16="http://schemas.microsoft.com/office/drawing/2014/main" id="{67ABFE1D-F121-4F29-AB59-619582BE00A5}"/>
+                <a16:creationId xmlns:a16="http://schemas.microsoft.com/office/drawing/2014/main" id="{8BC4D82F-1869-4B47-A6C3-9F3785585E51}"/>
               </a:ext>
             </a:extLst>
           </p:cNvPr>
@@ -7416,28 +7502,14 @@
             <p:ph type="title"/>
           </p:nvPr>
         </p:nvSpPr>
-        <p:spPr>
-          <a:xfrm>
-            <a:off x="1044791" y="937553"/>
-            <a:ext cx="7046431" cy="1172153"/>
-          </a:xfrm>
-        </p:spPr>
-        <p:txBody>
-          <a:bodyPr>
-            <a:normAutofit fontScale="90000"/>
-          </a:bodyPr>
+        <p:spPr/>
+        <p:txBody>
+          <a:bodyPr/>
           <a:lstStyle/>
           <a:p>
             <a:r>
               <a:rPr lang="en-GB" dirty="0"/>
-              <a:t>Strength </a:t>
-            </a:r>
-            <a:br>
-              <a:rPr lang="en-GB" dirty="0"/>
-            </a:br>
-            <a:r>
-              <a:rPr lang="en-GB" dirty="0"/>
-              <a:t>against most known attacks</a:t>
+              <a:t>Bot detection</a:t>
             </a:r>
             <a:endParaRPr lang="it-IT" dirty="0"/>
           </a:p>
@@ -7448,7 +7520,7 @@
           <p:cNvPr id="3" name="Segnaposto contenuto 2">
             <a:extLst>
               <a:ext uri="{FF2B5EF4-FFF2-40B4-BE49-F238E27FC236}">
-                <a16:creationId xmlns:a16="http://schemas.microsoft.com/office/drawing/2014/main" id="{3DC8FBE8-310A-406F-978C-5390D6A5363B}"/>
+                <a16:creationId xmlns:a16="http://schemas.microsoft.com/office/drawing/2014/main" id="{3FDFE650-6B67-475D-BA84-620FC14C13A9}"/>
               </a:ext>
             </a:extLst>
           </p:cNvPr>
@@ -7456,7 +7528,7 @@
             <a:spLocks noGrp="1"/>
           </p:cNvSpPr>
           <p:nvPr>
-            <p:ph idx="1"/>
+            <p:ph sz="half" idx="1"/>
           </p:nvPr>
         </p:nvSpPr>
         <p:spPr/>
@@ -7466,26 +7538,59 @@
           <a:p>
             <a:r>
               <a:rPr lang="en-GB" dirty="0"/>
-              <a:t>Eavesdropping</a:t>
-            </a:r>
-          </a:p>
-          <a:p>
+              <a:t>Pipe bot</a:t>
+            </a:r>
+          </a:p>
+          <a:p>
+            <a:r>
+              <a:rPr lang="en-GB" dirty="0" err="1"/>
+              <a:t>Pynput</a:t>
+            </a:r>
             <a:r>
               <a:rPr lang="en-GB" dirty="0"/>
-              <a:t>Replay</a:t>
-            </a:r>
-          </a:p>
-          <a:p>
+              <a:t> bot</a:t>
+            </a:r>
+          </a:p>
+          <a:p>
+            <a:r>
+              <a:rPr lang="en-GB" dirty="0"/>
+              <a:t>Team viewer</a:t>
+            </a:r>
             <a:endParaRPr lang="it-IT" dirty="0"/>
           </a:p>
         </p:txBody>
       </p:sp>
       <p:sp>
         <p:nvSpPr>
-          <p:cNvPr id="6" name="Segnaposto piè di pagina 3">
+          <p:cNvPr id="4" name="Segnaposto contenuto 3">
             <a:extLst>
               <a:ext uri="{FF2B5EF4-FFF2-40B4-BE49-F238E27FC236}">
-                <a16:creationId xmlns:a16="http://schemas.microsoft.com/office/drawing/2014/main" id="{1BFE5E86-D964-4183-876E-5CCA0A8B76C9}"/>
+                <a16:creationId xmlns:a16="http://schemas.microsoft.com/office/drawing/2014/main" id="{07764D0A-8D70-458F-9AB6-16DF3BE03095}"/>
+              </a:ext>
+            </a:extLst>
+          </p:cNvPr>
+          <p:cNvSpPr>
+            <a:spLocks noGrp="1"/>
+          </p:cNvSpPr>
+          <p:nvPr>
+            <p:ph sz="half" idx="2"/>
+          </p:nvPr>
+        </p:nvSpPr>
+        <p:spPr/>
+        <p:txBody>
+          <a:bodyPr/>
+          <a:lstStyle/>
+          <a:p>
+            <a:endParaRPr lang="it-IT" dirty="0"/>
+          </a:p>
+        </p:txBody>
+      </p:sp>
+      <p:sp>
+        <p:nvSpPr>
+          <p:cNvPr id="7" name="Segnaposto piè di pagina 3">
+            <a:extLst>
+              <a:ext uri="{FF2B5EF4-FFF2-40B4-BE49-F238E27FC236}">
+                <a16:creationId xmlns:a16="http://schemas.microsoft.com/office/drawing/2014/main" id="{8D9BAA77-6343-42F9-AE34-23C6B3ED04DF}"/>
               </a:ext>
             </a:extLst>
           </p:cNvPr>
@@ -7516,10 +7621,10 @@
       </p:sp>
       <p:sp>
         <p:nvSpPr>
-          <p:cNvPr id="7" name="Segnaposto numero diapositiva 4">
+          <p:cNvPr id="8" name="Segnaposto numero diapositiva 4">
             <a:extLst>
               <a:ext uri="{FF2B5EF4-FFF2-40B4-BE49-F238E27FC236}">
-                <a16:creationId xmlns:a16="http://schemas.microsoft.com/office/drawing/2014/main" id="{D0708AE2-64A9-4D8A-A1B3-452DB38E94EA}"/>
+                <a16:creationId xmlns:a16="http://schemas.microsoft.com/office/drawing/2014/main" id="{1771D739-BB27-4602-88AA-6AB5729AC561}"/>
               </a:ext>
             </a:extLst>
           </p:cNvPr>
@@ -7548,10 +7653,38 @@
           </a:p>
         </p:txBody>
       </p:sp>
+      <p:sp>
+        <p:nvSpPr>
+          <p:cNvPr id="5" name="Segnaposto data 4">
+            <a:extLst>
+              <a:ext uri="{FF2B5EF4-FFF2-40B4-BE49-F238E27FC236}">
+                <a16:creationId xmlns:a16="http://schemas.microsoft.com/office/drawing/2014/main" id="{2F9F976B-D068-4DEA-9C18-0ECD5F7DE3B7}"/>
+              </a:ext>
+            </a:extLst>
+          </p:cNvPr>
+          <p:cNvSpPr>
+            <a:spLocks noGrp="1"/>
+          </p:cNvSpPr>
+          <p:nvPr>
+            <p:ph type="dt" sz="half" idx="10"/>
+          </p:nvPr>
+        </p:nvSpPr>
+        <p:spPr/>
+        <p:txBody>
+          <a:bodyPr/>
+          <a:lstStyle/>
+          <a:p>
+            <a:r>
+              <a:rPr lang="it-IT"/>
+              <a:t>03/01/2021</a:t>
+            </a:r>
+          </a:p>
+        </p:txBody>
+      </p:sp>
     </p:spTree>
     <p:extLst>
       <p:ext uri="{BB962C8B-B14F-4D97-AF65-F5344CB8AC3E}">
-        <p14:creationId xmlns:p14="http://schemas.microsoft.com/office/powerpoint/2010/main" val="238188159"/>
+        <p14:creationId xmlns:p14="http://schemas.microsoft.com/office/powerpoint/2010/main" val="2591824157"/>
       </p:ext>
     </p:extLst>
   </p:cSld>
@@ -7583,7 +7716,7 @@
           <p:cNvPr id="2" name="Titolo 1">
             <a:extLst>
               <a:ext uri="{FF2B5EF4-FFF2-40B4-BE49-F238E27FC236}">
-                <a16:creationId xmlns:a16="http://schemas.microsoft.com/office/drawing/2014/main" id="{796B4C79-E9E3-4DD7-98B8-06F69BB223C8}"/>
+                <a16:creationId xmlns:a16="http://schemas.microsoft.com/office/drawing/2014/main" id="{67ABFE1D-F121-4F29-AB59-619582BE00A5}"/>
               </a:ext>
             </a:extLst>
           </p:cNvPr>
@@ -7594,14 +7727,28 @@
             <p:ph type="title"/>
           </p:nvPr>
         </p:nvSpPr>
-        <p:spPr/>
-        <p:txBody>
-          <a:bodyPr/>
+        <p:spPr>
+          <a:xfrm>
+            <a:off x="1044791" y="937553"/>
+            <a:ext cx="7046431" cy="1172153"/>
+          </a:xfrm>
+        </p:spPr>
+        <p:txBody>
+          <a:bodyPr>
+            <a:normAutofit fontScale="90000"/>
+          </a:bodyPr>
           <a:lstStyle/>
           <a:p>
             <a:r>
               <a:rPr lang="en-GB" dirty="0"/>
-              <a:t>Future work</a:t>
+              <a:t>Strength </a:t>
+            </a:r>
+            <a:br>
+              <a:rPr lang="en-GB" dirty="0"/>
+            </a:br>
+            <a:r>
+              <a:rPr lang="en-GB" dirty="0"/>
+              <a:t>against most known attacks</a:t>
             </a:r>
             <a:endParaRPr lang="it-IT" dirty="0"/>
           </a:p>
@@ -7612,7 +7759,7 @@
           <p:cNvPr id="3" name="Segnaposto contenuto 2">
             <a:extLst>
               <a:ext uri="{FF2B5EF4-FFF2-40B4-BE49-F238E27FC236}">
-                <a16:creationId xmlns:a16="http://schemas.microsoft.com/office/drawing/2014/main" id="{469036F2-331A-49DD-A8DF-2E3B1B85C244}"/>
+                <a16:creationId xmlns:a16="http://schemas.microsoft.com/office/drawing/2014/main" id="{3DC8FBE8-310A-406F-978C-5390D6A5363B}"/>
               </a:ext>
             </a:extLst>
           </p:cNvPr>
@@ -7623,194 +7770,33 @@
             <p:ph idx="1"/>
           </p:nvPr>
         </p:nvSpPr>
-        <p:spPr>
-          <a:xfrm>
-            <a:off x="1202073" y="2009271"/>
-            <a:ext cx="6739853" cy="2261937"/>
-          </a:xfrm>
-        </p:spPr>
+        <p:spPr/>
         <p:txBody>
           <a:bodyPr/>
           <a:lstStyle/>
           <a:p>
-            <a:pPr>
-              <a:buClr>
-                <a:schemeClr val="accent3">
-                  <a:lumMod val="75000"/>
-                </a:schemeClr>
-              </a:buClr>
-            </a:pPr>
-            <a:r>
-              <a:rPr lang="en-GB" dirty="0">
-                <a:solidFill>
-                  <a:schemeClr val="accent2">
-                    <a:lumMod val="75000"/>
-                  </a:schemeClr>
-                </a:solidFill>
-              </a:rPr>
-              <a:t>Improvement of character correspondence</a:t>
-            </a:r>
-            <a:endParaRPr lang="it-IT" dirty="0">
-              <a:solidFill>
-                <a:schemeClr val="accent2">
-                  <a:lumMod val="75000"/>
-                </a:schemeClr>
-              </a:solidFill>
-            </a:endParaRPr>
-          </a:p>
-          <a:p>
-            <a:pPr>
-              <a:buClr>
-                <a:schemeClr val="accent3">
-                  <a:lumMod val="75000"/>
-                </a:schemeClr>
-              </a:buClr>
-            </a:pPr>
-            <a:r>
-              <a:rPr lang="it-IT" dirty="0" err="1">
-                <a:solidFill>
-                  <a:schemeClr val="accent2">
-                    <a:lumMod val="75000"/>
-                  </a:schemeClr>
-                </a:solidFill>
-              </a:rPr>
-              <a:t>Implementation</a:t>
-            </a:r>
-            <a:r>
-              <a:rPr lang="it-IT" dirty="0">
-                <a:solidFill>
-                  <a:schemeClr val="accent2">
-                    <a:lumMod val="75000"/>
-                  </a:schemeClr>
-                </a:solidFill>
-              </a:rPr>
-              <a:t> on </a:t>
-            </a:r>
-            <a:r>
-              <a:rPr lang="it-IT" dirty="0" err="1">
-                <a:solidFill>
-                  <a:schemeClr val="accent2">
-                    <a:lumMod val="75000"/>
-                  </a:schemeClr>
-                </a:solidFill>
-              </a:rPr>
-              <a:t>other</a:t>
-            </a:r>
-            <a:r>
-              <a:rPr lang="it-IT" dirty="0">
-                <a:solidFill>
-                  <a:schemeClr val="accent2">
-                    <a:lumMod val="75000"/>
-                  </a:schemeClr>
-                </a:solidFill>
-              </a:rPr>
-              <a:t> devices (smartphones &amp; tablets)</a:t>
-            </a:r>
-          </a:p>
-          <a:p>
-            <a:pPr>
-              <a:buClr>
-                <a:schemeClr val="accent3">
-                  <a:lumMod val="75000"/>
-                </a:schemeClr>
-              </a:buClr>
-            </a:pPr>
-            <a:r>
-              <a:rPr lang="it-IT" dirty="0" err="1">
-                <a:solidFill>
-                  <a:schemeClr val="accent2">
-                    <a:lumMod val="75000"/>
-                  </a:schemeClr>
-                </a:solidFill>
-              </a:rPr>
-              <a:t>Relationship</a:t>
-            </a:r>
-            <a:r>
-              <a:rPr lang="it-IT" dirty="0">
-                <a:solidFill>
-                  <a:schemeClr val="accent2">
-                    <a:lumMod val="75000"/>
-                  </a:schemeClr>
-                </a:solidFill>
-              </a:rPr>
-              <a:t> </a:t>
-            </a:r>
-            <a:r>
-              <a:rPr lang="it-IT" dirty="0" err="1">
-                <a:solidFill>
-                  <a:schemeClr val="accent2">
-                    <a:lumMod val="75000"/>
-                  </a:schemeClr>
-                </a:solidFill>
-              </a:rPr>
-              <a:t>between</a:t>
-            </a:r>
-            <a:r>
-              <a:rPr lang="it-IT" dirty="0">
-                <a:solidFill>
-                  <a:schemeClr val="accent2">
-                    <a:lumMod val="75000"/>
-                  </a:schemeClr>
-                </a:solidFill>
-              </a:rPr>
-              <a:t> </a:t>
-            </a:r>
-            <a:r>
-              <a:rPr lang="it-IT" dirty="0" err="1">
-                <a:solidFill>
-                  <a:schemeClr val="accent2">
-                    <a:lumMod val="75000"/>
-                  </a:schemeClr>
-                </a:solidFill>
-              </a:rPr>
-              <a:t>accuracy</a:t>
-            </a:r>
-            <a:r>
-              <a:rPr lang="it-IT" dirty="0">
-                <a:solidFill>
-                  <a:schemeClr val="accent2">
-                    <a:lumMod val="75000"/>
-                  </a:schemeClr>
-                </a:solidFill>
-              </a:rPr>
-              <a:t> and:</a:t>
-            </a:r>
-          </a:p>
-          <a:p>
-            <a:pPr lvl="1"/>
-            <a:r>
-              <a:rPr lang="it-IT" dirty="0" err="1"/>
-              <a:t>different</a:t>
-            </a:r>
-            <a:r>
-              <a:rPr lang="it-IT" dirty="0"/>
-              <a:t> users </a:t>
-            </a:r>
-            <a:r>
-              <a:rPr lang="it-IT" dirty="0" err="1"/>
-              <a:t>typing</a:t>
-            </a:r>
-            <a:r>
-              <a:rPr lang="it-IT" dirty="0"/>
-              <a:t> styles</a:t>
-            </a:r>
-          </a:p>
-          <a:p>
-            <a:pPr lvl="1"/>
             <a:r>
               <a:rPr lang="en-GB" dirty="0"/>
-              <a:t>different level of wear and tear of a same hardware</a:t>
-            </a:r>
+              <a:t>Eavesdropping</a:t>
+            </a:r>
+          </a:p>
+          <a:p>
+            <a:r>
+              <a:rPr lang="en-GB" dirty="0"/>
+              <a:t>Replay</a:t>
+            </a:r>
+          </a:p>
+          <a:p>
             <a:endParaRPr lang="it-IT" dirty="0"/>
           </a:p>
         </p:txBody>
       </p:sp>
       <p:sp>
         <p:nvSpPr>
-          <p:cNvPr id="4" name="Segnaposto piè di pagina 3">
+          <p:cNvPr id="6" name="Segnaposto piè di pagina 3">
             <a:extLst>
               <a:ext uri="{FF2B5EF4-FFF2-40B4-BE49-F238E27FC236}">
-                <a16:creationId xmlns:a16="http://schemas.microsoft.com/office/drawing/2014/main" id="{E6C479DE-644D-423E-8422-12A3E92BF5EC}"/>
+                <a16:creationId xmlns:a16="http://schemas.microsoft.com/office/drawing/2014/main" id="{1BFE5E86-D964-4183-876E-5CCA0A8B76C9}"/>
               </a:ext>
             </a:extLst>
           </p:cNvPr>
@@ -7821,21 +7807,30 @@
             <p:ph type="ftr" sz="quarter" idx="11"/>
           </p:nvPr>
         </p:nvSpPr>
-        <p:spPr/>
+        <p:spPr>
+          <a:xfrm>
+            <a:off x="435114" y="5883276"/>
+            <a:ext cx="5505114" cy="365125"/>
+          </a:xfrm>
+        </p:spPr>
         <p:txBody>
           <a:bodyPr/>
           <a:lstStyle/>
           <a:p>
-            <a:endParaRPr lang="it-IT"/>
-          </a:p>
-        </p:txBody>
-      </p:sp>
-      <p:sp>
-        <p:nvSpPr>
-          <p:cNvPr id="5" name="Segnaposto numero diapositiva 4">
+            <a:r>
+              <a:rPr lang="en-GB" sz="1100" dirty="0"/>
+              <a:t>Di Nardo Di Maio Raffaele</a:t>
+            </a:r>
+            <a:endParaRPr lang="it-IT" sz="1100" dirty="0"/>
+          </a:p>
+        </p:txBody>
+      </p:sp>
+      <p:sp>
+        <p:nvSpPr>
+          <p:cNvPr id="7" name="Segnaposto numero diapositiva 4">
             <a:extLst>
               <a:ext uri="{FF2B5EF4-FFF2-40B4-BE49-F238E27FC236}">
-                <a16:creationId xmlns:a16="http://schemas.microsoft.com/office/drawing/2014/main" id="{F58943A0-7B70-445F-8AB8-CCE50DCCE00F}"/>
+                <a16:creationId xmlns:a16="http://schemas.microsoft.com/office/drawing/2014/main" id="{D0708AE2-64A9-4D8A-A1B3-452DB38E94EA}"/>
               </a:ext>
             </a:extLst>
           </p:cNvPr>
@@ -7846,23 +7841,56 @@
             <p:ph type="sldNum" sz="quarter" idx="12"/>
           </p:nvPr>
         </p:nvSpPr>
-        <p:spPr/>
+        <p:spPr>
+          <a:xfrm>
+            <a:off x="7885509" y="5883276"/>
+            <a:ext cx="565159" cy="365125"/>
+          </a:xfrm>
+        </p:spPr>
         <p:txBody>
           <a:bodyPr/>
           <a:lstStyle/>
           <a:p>
             <a:fld id="{8DF98BA9-0B5D-48FD-8864-41A23C2934CC}" type="slidenum">
-              <a:rPr lang="it-IT" smtClean="0"/>
+              <a:rPr lang="it-IT" sz="1100" smtClean="0"/>
               <a:t>10</a:t>
             </a:fld>
-            <a:endParaRPr lang="it-IT"/>
+            <a:endParaRPr lang="it-IT" sz="1100"/>
+          </a:p>
+        </p:txBody>
+      </p:sp>
+      <p:sp>
+        <p:nvSpPr>
+          <p:cNvPr id="4" name="Segnaposto data 3">
+            <a:extLst>
+              <a:ext uri="{FF2B5EF4-FFF2-40B4-BE49-F238E27FC236}">
+                <a16:creationId xmlns:a16="http://schemas.microsoft.com/office/drawing/2014/main" id="{E9FB7F10-2C41-46FD-98E8-2ECFD23946C2}"/>
+              </a:ext>
+            </a:extLst>
+          </p:cNvPr>
+          <p:cNvSpPr>
+            <a:spLocks noGrp="1"/>
+          </p:cNvSpPr>
+          <p:nvPr>
+            <p:ph type="dt" sz="half" idx="10"/>
+          </p:nvPr>
+        </p:nvSpPr>
+        <p:spPr/>
+        <p:txBody>
+          <a:bodyPr/>
+          <a:lstStyle/>
+          <a:p>
+            <a:r>
+              <a:rPr lang="it-IT"/>
+              <a:t>03/01/2021</a:t>
+            </a:r>
           </a:p>
         </p:txBody>
       </p:sp>
     </p:spTree>
     <p:extLst>
       <p:ext uri="{BB962C8B-B14F-4D97-AF65-F5344CB8AC3E}">
-        <p14:creationId xmlns:p14="http://schemas.microsoft.com/office/powerpoint/2010/main" val="240478739"/>
+        <p14:creationId xmlns:p14="http://schemas.microsoft.com/office/powerpoint/2010/main" val="238188159"/>
       </p:ext>
     </p:extLst>
   </p:cSld>
@@ -7894,6 +7922,348 @@
           <p:cNvPr id="2" name="Titolo 1">
             <a:extLst>
               <a:ext uri="{FF2B5EF4-FFF2-40B4-BE49-F238E27FC236}">
+                <a16:creationId xmlns:a16="http://schemas.microsoft.com/office/drawing/2014/main" id="{796B4C79-E9E3-4DD7-98B8-06F69BB223C8}"/>
+              </a:ext>
+            </a:extLst>
+          </p:cNvPr>
+          <p:cNvSpPr>
+            <a:spLocks noGrp="1"/>
+          </p:cNvSpPr>
+          <p:nvPr>
+            <p:ph type="title"/>
+          </p:nvPr>
+        </p:nvSpPr>
+        <p:spPr/>
+        <p:txBody>
+          <a:bodyPr/>
+          <a:lstStyle/>
+          <a:p>
+            <a:r>
+              <a:rPr lang="en-GB" dirty="0"/>
+              <a:t>Future work</a:t>
+            </a:r>
+            <a:endParaRPr lang="it-IT" dirty="0"/>
+          </a:p>
+        </p:txBody>
+      </p:sp>
+      <p:sp>
+        <p:nvSpPr>
+          <p:cNvPr id="3" name="Segnaposto contenuto 2">
+            <a:extLst>
+              <a:ext uri="{FF2B5EF4-FFF2-40B4-BE49-F238E27FC236}">
+                <a16:creationId xmlns:a16="http://schemas.microsoft.com/office/drawing/2014/main" id="{469036F2-331A-49DD-A8DF-2E3B1B85C244}"/>
+              </a:ext>
+            </a:extLst>
+          </p:cNvPr>
+          <p:cNvSpPr>
+            <a:spLocks noGrp="1"/>
+          </p:cNvSpPr>
+          <p:nvPr>
+            <p:ph idx="1"/>
+          </p:nvPr>
+        </p:nvSpPr>
+        <p:spPr>
+          <a:xfrm>
+            <a:off x="1202073" y="2009271"/>
+            <a:ext cx="6739853" cy="2261937"/>
+          </a:xfrm>
+        </p:spPr>
+        <p:txBody>
+          <a:bodyPr/>
+          <a:lstStyle/>
+          <a:p>
+            <a:pPr>
+              <a:buClr>
+                <a:schemeClr val="accent3">
+                  <a:lumMod val="75000"/>
+                </a:schemeClr>
+              </a:buClr>
+            </a:pPr>
+            <a:r>
+              <a:rPr lang="en-GB" dirty="0">
+                <a:solidFill>
+                  <a:schemeClr val="accent2">
+                    <a:lumMod val="75000"/>
+                  </a:schemeClr>
+                </a:solidFill>
+              </a:rPr>
+              <a:t>Improvement of character correspondence</a:t>
+            </a:r>
+            <a:endParaRPr lang="it-IT" dirty="0">
+              <a:solidFill>
+                <a:schemeClr val="accent2">
+                  <a:lumMod val="75000"/>
+                </a:schemeClr>
+              </a:solidFill>
+            </a:endParaRPr>
+          </a:p>
+          <a:p>
+            <a:pPr>
+              <a:buClr>
+                <a:schemeClr val="accent3">
+                  <a:lumMod val="75000"/>
+                </a:schemeClr>
+              </a:buClr>
+            </a:pPr>
+            <a:r>
+              <a:rPr lang="it-IT" dirty="0" err="1">
+                <a:solidFill>
+                  <a:schemeClr val="accent2">
+                    <a:lumMod val="75000"/>
+                  </a:schemeClr>
+                </a:solidFill>
+              </a:rPr>
+              <a:t>Implementation</a:t>
+            </a:r>
+            <a:r>
+              <a:rPr lang="it-IT" dirty="0">
+                <a:solidFill>
+                  <a:schemeClr val="accent2">
+                    <a:lumMod val="75000"/>
+                  </a:schemeClr>
+                </a:solidFill>
+              </a:rPr>
+              <a:t> on </a:t>
+            </a:r>
+            <a:r>
+              <a:rPr lang="it-IT" dirty="0" err="1">
+                <a:solidFill>
+                  <a:schemeClr val="accent2">
+                    <a:lumMod val="75000"/>
+                  </a:schemeClr>
+                </a:solidFill>
+              </a:rPr>
+              <a:t>other</a:t>
+            </a:r>
+            <a:r>
+              <a:rPr lang="it-IT" dirty="0">
+                <a:solidFill>
+                  <a:schemeClr val="accent2">
+                    <a:lumMod val="75000"/>
+                  </a:schemeClr>
+                </a:solidFill>
+              </a:rPr>
+              <a:t> devices (smartphones &amp; tablets)</a:t>
+            </a:r>
+          </a:p>
+          <a:p>
+            <a:pPr>
+              <a:buClr>
+                <a:schemeClr val="accent3">
+                  <a:lumMod val="75000"/>
+                </a:schemeClr>
+              </a:buClr>
+            </a:pPr>
+            <a:r>
+              <a:rPr lang="it-IT" dirty="0" err="1">
+                <a:solidFill>
+                  <a:schemeClr val="accent2">
+                    <a:lumMod val="75000"/>
+                  </a:schemeClr>
+                </a:solidFill>
+              </a:rPr>
+              <a:t>Relationship</a:t>
+            </a:r>
+            <a:r>
+              <a:rPr lang="it-IT" dirty="0">
+                <a:solidFill>
+                  <a:schemeClr val="accent2">
+                    <a:lumMod val="75000"/>
+                  </a:schemeClr>
+                </a:solidFill>
+              </a:rPr>
+              <a:t> </a:t>
+            </a:r>
+            <a:r>
+              <a:rPr lang="it-IT" dirty="0" err="1">
+                <a:solidFill>
+                  <a:schemeClr val="accent2">
+                    <a:lumMod val="75000"/>
+                  </a:schemeClr>
+                </a:solidFill>
+              </a:rPr>
+              <a:t>between</a:t>
+            </a:r>
+            <a:r>
+              <a:rPr lang="it-IT" dirty="0">
+                <a:solidFill>
+                  <a:schemeClr val="accent2">
+                    <a:lumMod val="75000"/>
+                  </a:schemeClr>
+                </a:solidFill>
+              </a:rPr>
+              <a:t> </a:t>
+            </a:r>
+            <a:r>
+              <a:rPr lang="it-IT" dirty="0" err="1">
+                <a:solidFill>
+                  <a:schemeClr val="accent2">
+                    <a:lumMod val="75000"/>
+                  </a:schemeClr>
+                </a:solidFill>
+              </a:rPr>
+              <a:t>accuracy</a:t>
+            </a:r>
+            <a:r>
+              <a:rPr lang="it-IT" dirty="0">
+                <a:solidFill>
+                  <a:schemeClr val="accent2">
+                    <a:lumMod val="75000"/>
+                  </a:schemeClr>
+                </a:solidFill>
+              </a:rPr>
+              <a:t> and:</a:t>
+            </a:r>
+          </a:p>
+          <a:p>
+            <a:pPr lvl="1"/>
+            <a:r>
+              <a:rPr lang="it-IT" dirty="0" err="1"/>
+              <a:t>different</a:t>
+            </a:r>
+            <a:r>
+              <a:rPr lang="it-IT" dirty="0"/>
+              <a:t> users </a:t>
+            </a:r>
+            <a:r>
+              <a:rPr lang="it-IT" dirty="0" err="1"/>
+              <a:t>typing</a:t>
+            </a:r>
+            <a:r>
+              <a:rPr lang="it-IT" dirty="0"/>
+              <a:t> styles</a:t>
+            </a:r>
+          </a:p>
+          <a:p>
+            <a:pPr lvl="1"/>
+            <a:r>
+              <a:rPr lang="en-GB" dirty="0"/>
+              <a:t>different level of wear and tear of a same hardware</a:t>
+            </a:r>
+            <a:endParaRPr lang="it-IT" dirty="0"/>
+          </a:p>
+        </p:txBody>
+      </p:sp>
+      <p:sp>
+        <p:nvSpPr>
+          <p:cNvPr id="4" name="Segnaposto piè di pagina 3">
+            <a:extLst>
+              <a:ext uri="{FF2B5EF4-FFF2-40B4-BE49-F238E27FC236}">
+                <a16:creationId xmlns:a16="http://schemas.microsoft.com/office/drawing/2014/main" id="{E6C479DE-644D-423E-8422-12A3E92BF5EC}"/>
+              </a:ext>
+            </a:extLst>
+          </p:cNvPr>
+          <p:cNvSpPr>
+            <a:spLocks noGrp="1"/>
+          </p:cNvSpPr>
+          <p:nvPr>
+            <p:ph type="ftr" sz="quarter" idx="11"/>
+          </p:nvPr>
+        </p:nvSpPr>
+        <p:spPr/>
+        <p:txBody>
+          <a:bodyPr/>
+          <a:lstStyle/>
+          <a:p>
+            <a:r>
+              <a:rPr lang="it-IT"/>
+              <a:t>Di Nardo Di Maio Raffaele</a:t>
+            </a:r>
+          </a:p>
+        </p:txBody>
+      </p:sp>
+      <p:sp>
+        <p:nvSpPr>
+          <p:cNvPr id="5" name="Segnaposto numero diapositiva 4">
+            <a:extLst>
+              <a:ext uri="{FF2B5EF4-FFF2-40B4-BE49-F238E27FC236}">
+                <a16:creationId xmlns:a16="http://schemas.microsoft.com/office/drawing/2014/main" id="{F58943A0-7B70-445F-8AB8-CCE50DCCE00F}"/>
+              </a:ext>
+            </a:extLst>
+          </p:cNvPr>
+          <p:cNvSpPr>
+            <a:spLocks noGrp="1"/>
+          </p:cNvSpPr>
+          <p:nvPr>
+            <p:ph type="sldNum" sz="quarter" idx="12"/>
+          </p:nvPr>
+        </p:nvSpPr>
+        <p:spPr/>
+        <p:txBody>
+          <a:bodyPr/>
+          <a:lstStyle/>
+          <a:p>
+            <a:fld id="{8DF98BA9-0B5D-48FD-8864-41A23C2934CC}" type="slidenum">
+              <a:rPr lang="it-IT" smtClean="0"/>
+              <a:t>11</a:t>
+            </a:fld>
+            <a:endParaRPr lang="it-IT"/>
+          </a:p>
+        </p:txBody>
+      </p:sp>
+      <p:sp>
+        <p:nvSpPr>
+          <p:cNvPr id="6" name="Segnaposto data 5">
+            <a:extLst>
+              <a:ext uri="{FF2B5EF4-FFF2-40B4-BE49-F238E27FC236}">
+                <a16:creationId xmlns:a16="http://schemas.microsoft.com/office/drawing/2014/main" id="{CD50C7DB-A4C2-46F5-B6E4-205A0DFCD286}"/>
+              </a:ext>
+            </a:extLst>
+          </p:cNvPr>
+          <p:cNvSpPr>
+            <a:spLocks noGrp="1"/>
+          </p:cNvSpPr>
+          <p:nvPr>
+            <p:ph type="dt" sz="half" idx="10"/>
+          </p:nvPr>
+        </p:nvSpPr>
+        <p:spPr/>
+        <p:txBody>
+          <a:bodyPr/>
+          <a:lstStyle/>
+          <a:p>
+            <a:r>
+              <a:rPr lang="it-IT"/>
+              <a:t>03/01/2021</a:t>
+            </a:r>
+          </a:p>
+        </p:txBody>
+      </p:sp>
+    </p:spTree>
+    <p:extLst>
+      <p:ext uri="{BB962C8B-B14F-4D97-AF65-F5344CB8AC3E}">
+        <p14:creationId xmlns:p14="http://schemas.microsoft.com/office/powerpoint/2010/main" val="240478739"/>
+      </p:ext>
+    </p:extLst>
+  </p:cSld>
+  <p:clrMapOvr>
+    <a:masterClrMapping/>
+  </p:clrMapOvr>
+</p:sld>
+</file>
+
+<file path=ppt/slides/slide13.xml><?xml version="1.0" encoding="utf-8"?>
+<p:sld xmlns:a="http://schemas.openxmlformats.org/drawingml/2006/main" xmlns:r="http://schemas.openxmlformats.org/officeDocument/2006/relationships" xmlns:p="http://schemas.openxmlformats.org/presentationml/2006/main">
+  <p:cSld>
+    <p:spTree>
+      <p:nvGrpSpPr>
+        <p:cNvPr id="1" name=""/>
+        <p:cNvGrpSpPr/>
+        <p:nvPr/>
+      </p:nvGrpSpPr>
+      <p:grpSpPr>
+        <a:xfrm>
+          <a:off x="0" y="0"/>
+          <a:ext cx="0" cy="0"/>
+          <a:chOff x="0" y="0"/>
+          <a:chExt cx="0" cy="0"/>
+        </a:xfrm>
+      </p:grpSpPr>
+      <p:sp>
+        <p:nvSpPr>
+          <p:cNvPr id="2" name="Titolo 1">
+            <a:extLst>
+              <a:ext uri="{FF2B5EF4-FFF2-40B4-BE49-F238E27FC236}">
                 <a16:creationId xmlns:a16="http://schemas.microsoft.com/office/drawing/2014/main" id="{092C4BEA-4B1E-4073-AF0C-BAFECB80C1E4}"/>
               </a:ext>
             </a:extLst>
@@ -7985,9 +8355,37 @@
           <a:p>
             <a:fld id="{8DF98BA9-0B5D-48FD-8864-41A23C2934CC}" type="slidenum">
               <a:rPr lang="it-IT" sz="1100" smtClean="0"/>
-              <a:t>11</a:t>
+              <a:t>12</a:t>
             </a:fld>
             <a:endParaRPr lang="it-IT" sz="1100"/>
+          </a:p>
+        </p:txBody>
+      </p:sp>
+      <p:sp>
+        <p:nvSpPr>
+          <p:cNvPr id="3" name="Segnaposto data 2">
+            <a:extLst>
+              <a:ext uri="{FF2B5EF4-FFF2-40B4-BE49-F238E27FC236}">
+                <a16:creationId xmlns:a16="http://schemas.microsoft.com/office/drawing/2014/main" id="{52537C78-F076-4393-867D-7F69485DCCD2}"/>
+              </a:ext>
+            </a:extLst>
+          </p:cNvPr>
+          <p:cNvSpPr>
+            <a:spLocks noGrp="1"/>
+          </p:cNvSpPr>
+          <p:nvPr>
+            <p:ph type="dt" sz="half" idx="10"/>
+          </p:nvPr>
+        </p:nvSpPr>
+        <p:spPr/>
+        <p:txBody>
+          <a:bodyPr/>
+          <a:lstStyle/>
+          <a:p>
+            <a:r>
+              <a:rPr lang="it-IT"/>
+              <a:t>03/01/2021</a:t>
+            </a:r>
           </a:p>
         </p:txBody>
       </p:sp>
@@ -8037,16 +8435,123 @@
             <p:ph type="title"/>
           </p:nvPr>
         </p:nvSpPr>
-        <p:spPr/>
-        <p:txBody>
-          <a:bodyPr/>
+        <p:spPr>
+          <a:xfrm>
+            <a:off x="442164" y="247329"/>
+            <a:ext cx="8251686" cy="1172153"/>
+          </a:xfrm>
+        </p:spPr>
+        <p:txBody>
+          <a:bodyPr>
+            <a:normAutofit fontScale="90000"/>
+          </a:bodyPr>
           <a:lstStyle/>
           <a:p>
             <a:r>
               <a:rPr lang="en-GB" dirty="0"/>
               <a:t>CAPTCHA</a:t>
             </a:r>
-            <a:endParaRPr lang="it-IT" dirty="0"/>
+            <a:br>
+              <a:rPr lang="en-GB" dirty="0"/>
+            </a:br>
+            <a:r>
+              <a:rPr lang="en-GB" sz="2400" dirty="0"/>
+              <a:t>(</a:t>
+            </a:r>
+            <a:r>
+              <a:rPr lang="en-GB" sz="2400" b="1" i="1" dirty="0">
+                <a:effectLst/>
+              </a:rPr>
+              <a:t>C</a:t>
+            </a:r>
+            <a:r>
+              <a:rPr lang="en-GB" sz="2400" i="1" dirty="0">
+                <a:effectLst/>
+              </a:rPr>
+              <a:t>ompletely </a:t>
+            </a:r>
+            <a:r>
+              <a:rPr lang="en-GB" sz="2400" b="1" i="1" dirty="0">
+                <a:effectLst/>
+              </a:rPr>
+              <a:t>A</a:t>
+            </a:r>
+            <a:r>
+              <a:rPr lang="en-GB" sz="2400" i="1" dirty="0">
+                <a:effectLst/>
+              </a:rPr>
+              <a:t>utomated </a:t>
+            </a:r>
+            <a:r>
+              <a:rPr lang="en-GB" sz="2400" b="1" i="1" dirty="0">
+                <a:effectLst/>
+              </a:rPr>
+              <a:t>P</a:t>
+            </a:r>
+            <a:r>
+              <a:rPr lang="en-GB" sz="2400" i="1" dirty="0">
+                <a:effectLst/>
+              </a:rPr>
+              <a:t>ublic </a:t>
+            </a:r>
+            <a:r>
+              <a:rPr lang="en-GB" sz="2400" b="1" i="1" dirty="0">
+                <a:effectLst/>
+              </a:rPr>
+              <a:t>T</a:t>
+            </a:r>
+            <a:r>
+              <a:rPr lang="en-GB" sz="2400" i="1" dirty="0">
+                <a:effectLst/>
+              </a:rPr>
+              <a:t>uring-test-to-tell </a:t>
+            </a:r>
+            <a:br>
+              <a:rPr lang="en-GB" sz="2400" i="1" dirty="0">
+                <a:effectLst/>
+              </a:rPr>
+            </a:br>
+            <a:r>
+              <a:rPr lang="en-GB" sz="2400" b="1" i="1" dirty="0">
+                <a:effectLst/>
+              </a:rPr>
+              <a:t>C</a:t>
+            </a:r>
+            <a:r>
+              <a:rPr lang="en-GB" sz="2400" i="1" dirty="0">
+                <a:effectLst/>
+              </a:rPr>
+              <a:t>omputers and </a:t>
+            </a:r>
+            <a:r>
+              <a:rPr lang="en-GB" sz="2400" b="1" i="1" dirty="0">
+                <a:effectLst/>
+              </a:rPr>
+              <a:t>H</a:t>
+            </a:r>
+            <a:r>
+              <a:rPr lang="en-GB" sz="2400" i="1" dirty="0">
+                <a:effectLst/>
+              </a:rPr>
+              <a:t>umans </a:t>
+            </a:r>
+            <a:r>
+              <a:rPr lang="en-GB" sz="2400" b="1" i="1" dirty="0">
+                <a:effectLst/>
+              </a:rPr>
+              <a:t>A</a:t>
+            </a:r>
+            <a:r>
+              <a:rPr lang="en-GB" sz="2400" i="1" dirty="0">
+                <a:effectLst/>
+              </a:rPr>
+              <a:t>part</a:t>
+            </a:r>
+            <a:r>
+              <a:rPr lang="en-GB" sz="2400" dirty="0"/>
+              <a:t>)</a:t>
+            </a:r>
+            <a:endParaRPr lang="it-IT" sz="2400" dirty="0"/>
           </a:p>
         </p:txBody>
       </p:sp>
@@ -8066,53 +8571,706 @@
             <p:ph idx="1"/>
           </p:nvPr>
         </p:nvSpPr>
-        <p:spPr/>
+        <p:spPr>
+          <a:xfrm>
+            <a:off x="442164" y="1720518"/>
+            <a:ext cx="3886654" cy="1564099"/>
+          </a:xfrm>
+        </p:spPr>
         <p:txBody>
           <a:bodyPr/>
           <a:lstStyle/>
           <a:p>
+            <a:pPr>
+              <a:buClr>
+                <a:schemeClr val="accent2">
+                  <a:lumMod val="75000"/>
+                </a:schemeClr>
+              </a:buClr>
+            </a:pPr>
+            <a:r>
+              <a:rPr lang="en-GB" dirty="0">
+                <a:solidFill>
+                  <a:schemeClr val="accent2">
+                    <a:lumMod val="75000"/>
+                  </a:schemeClr>
+                </a:solidFill>
+              </a:rPr>
+              <a:t>Traditional CAPTCHAs</a:t>
+            </a:r>
+          </a:p>
+          <a:p>
+            <a:pPr marL="414000" lvl="1" indent="0">
+              <a:buNone/>
+            </a:pPr>
+            <a:r>
+              <a:rPr lang="en-GB" sz="1400" dirty="0"/>
+              <a:t>based on cognitive capabilities of the user (e.g. Image-based and text based CAPTCHAs)</a:t>
+            </a:r>
             <a:r>
               <a:rPr lang="en-GB" dirty="0"/>
-              <a:t>Traditional CAPTCHAs</a:t>
-            </a:r>
-          </a:p>
-          <a:p>
-            <a:r>
-              <a:rPr lang="en-GB" dirty="0"/>
-              <a:t>Modern CAPTCHAs</a:t>
-            </a:r>
-            <a:endParaRPr lang="it-IT" dirty="0"/>
-          </a:p>
-        </p:txBody>
-      </p:sp>
-      <p:sp>
-        <p:nvSpPr>
-          <p:cNvPr id="4" name="Segnaposto piè di pagina 3">
+              <a:t> </a:t>
+            </a:r>
+          </a:p>
+        </p:txBody>
+      </p:sp>
+      <p:sp>
+        <p:nvSpPr>
+          <p:cNvPr id="6" name="Segnaposto contenuto 2">
             <a:extLst>
               <a:ext uri="{FF2B5EF4-FFF2-40B4-BE49-F238E27FC236}">
-                <a16:creationId xmlns:a16="http://schemas.microsoft.com/office/drawing/2014/main" id="{CBA217BC-27F3-4E9B-892F-D86CB056DED2}"/>
+                <a16:creationId xmlns:a16="http://schemas.microsoft.com/office/drawing/2014/main" id="{CC8F8DF5-CD4D-4DAF-9B28-687D386CC10B}"/>
               </a:ext>
             </a:extLst>
           </p:cNvPr>
-          <p:cNvSpPr>
-            <a:spLocks noGrp="1"/>
-          </p:cNvSpPr>
-          <p:nvPr>
-            <p:ph type="ftr" sz="quarter" idx="11"/>
-          </p:nvPr>
+          <p:cNvSpPr txBox="1">
+            <a:spLocks/>
+          </p:cNvSpPr>
+          <p:nvPr/>
+        </p:nvSpPr>
+        <p:spPr>
+          <a:xfrm>
+            <a:off x="4807196" y="1717764"/>
+            <a:ext cx="3886654" cy="1564101"/>
+          </a:xfrm>
+          <a:prstGeom prst="rect">
+            <a:avLst/>
+          </a:prstGeom>
+          <a:effectLst>
+            <a:outerShdw blurRad="25400" dir="17880000">
+              <a:srgbClr val="000000">
+                <a:alpha val="46000"/>
+              </a:srgbClr>
+            </a:outerShdw>
+          </a:effectLst>
+        </p:spPr>
+        <p:txBody>
+          <a:bodyPr vert="horz" lIns="91440" tIns="45720" rIns="91440" bIns="45720" rtlCol="0" anchor="t">
+            <a:normAutofit/>
+          </a:bodyPr>
+          <a:lstStyle>
+            <a:lvl1pPr marL="342900" indent="-306000" algn="l" defTabSz="457200" rtl="0" eaLnBrk="1" latinLnBrk="0" hangingPunct="1">
+              <a:spcBef>
+                <a:spcPct val="20000"/>
+              </a:spcBef>
+              <a:spcAft>
+                <a:spcPts val="600"/>
+              </a:spcAft>
+              <a:buClr>
+                <a:schemeClr val="tx2"/>
+              </a:buClr>
+              <a:buSzPct val="70000"/>
+              <a:buFont typeface="Wingdings 2" charset="2"/>
+              <a:buChar char=""/>
+              <a:defRPr sz="2000" kern="1200">
+                <a:ln>
+                  <a:solidFill>
+                    <a:schemeClr val="bg1">
+                      <a:lumMod val="75000"/>
+                      <a:lumOff val="25000"/>
+                      <a:alpha val="10000"/>
+                    </a:schemeClr>
+                  </a:solidFill>
+                </a:ln>
+                <a:solidFill>
+                  <a:schemeClr val="tx2"/>
+                </a:solidFill>
+                <a:effectLst>
+                  <a:outerShdw blurRad="9525" dist="25400" dir="14640000" algn="tl" rotWithShape="0">
+                    <a:schemeClr val="bg1">
+                      <a:alpha val="30000"/>
+                    </a:schemeClr>
+                  </a:outerShdw>
+                </a:effectLst>
+                <a:latin typeface="+mn-lt"/>
+                <a:ea typeface="+mn-ea"/>
+                <a:cs typeface="+mn-cs"/>
+              </a:defRPr>
+            </a:lvl1pPr>
+            <a:lvl2pPr marL="720000" indent="-270000" algn="l" defTabSz="457200" rtl="0" eaLnBrk="1" latinLnBrk="0" hangingPunct="1">
+              <a:spcBef>
+                <a:spcPct val="20000"/>
+              </a:spcBef>
+              <a:spcAft>
+                <a:spcPts val="600"/>
+              </a:spcAft>
+              <a:buClr>
+                <a:schemeClr val="tx2"/>
+              </a:buClr>
+              <a:buSzPct val="70000"/>
+              <a:buFont typeface="Wingdings 2" charset="2"/>
+              <a:buChar char=""/>
+              <a:defRPr sz="1800" kern="1200">
+                <a:ln>
+                  <a:solidFill>
+                    <a:schemeClr val="bg1">
+                      <a:lumMod val="75000"/>
+                      <a:lumOff val="25000"/>
+                      <a:alpha val="10000"/>
+                    </a:schemeClr>
+                  </a:solidFill>
+                </a:ln>
+                <a:solidFill>
+                  <a:schemeClr val="tx2"/>
+                </a:solidFill>
+                <a:effectLst>
+                  <a:outerShdw blurRad="9525" dist="25400" dir="14640000" algn="tl" rotWithShape="0">
+                    <a:schemeClr val="bg1">
+                      <a:alpha val="30000"/>
+                    </a:schemeClr>
+                  </a:outerShdw>
+                </a:effectLst>
+                <a:latin typeface="+mn-lt"/>
+                <a:ea typeface="+mn-ea"/>
+                <a:cs typeface="+mn-cs"/>
+              </a:defRPr>
+            </a:lvl2pPr>
+            <a:lvl3pPr marL="1026000" indent="-216000" algn="l" defTabSz="457200" rtl="0" eaLnBrk="1" latinLnBrk="0" hangingPunct="1">
+              <a:spcBef>
+                <a:spcPct val="20000"/>
+              </a:spcBef>
+              <a:spcAft>
+                <a:spcPts val="600"/>
+              </a:spcAft>
+              <a:buClr>
+                <a:schemeClr val="tx2"/>
+              </a:buClr>
+              <a:buSzPct val="70000"/>
+              <a:buFont typeface="Wingdings 2" charset="2"/>
+              <a:buChar char=""/>
+              <a:defRPr sz="1600" kern="1200">
+                <a:ln>
+                  <a:solidFill>
+                    <a:schemeClr val="bg1">
+                      <a:lumMod val="75000"/>
+                      <a:lumOff val="25000"/>
+                      <a:alpha val="10000"/>
+                    </a:schemeClr>
+                  </a:solidFill>
+                </a:ln>
+                <a:solidFill>
+                  <a:schemeClr val="tx2"/>
+                </a:solidFill>
+                <a:effectLst>
+                  <a:outerShdw blurRad="9525" dist="25400" dir="14640000" algn="tl" rotWithShape="0">
+                    <a:schemeClr val="bg1">
+                      <a:alpha val="30000"/>
+                    </a:schemeClr>
+                  </a:outerShdw>
+                </a:effectLst>
+                <a:latin typeface="+mn-lt"/>
+                <a:ea typeface="+mn-ea"/>
+                <a:cs typeface="+mn-cs"/>
+              </a:defRPr>
+            </a:lvl3pPr>
+            <a:lvl4pPr marL="1386000" indent="-216000" algn="l" defTabSz="457200" rtl="0" eaLnBrk="1" latinLnBrk="0" hangingPunct="1">
+              <a:spcBef>
+                <a:spcPct val="20000"/>
+              </a:spcBef>
+              <a:spcAft>
+                <a:spcPts val="600"/>
+              </a:spcAft>
+              <a:buClr>
+                <a:schemeClr val="tx2"/>
+              </a:buClr>
+              <a:buSzPct val="70000"/>
+              <a:buFont typeface="Wingdings 2" charset="2"/>
+              <a:buChar char=""/>
+              <a:defRPr sz="1400" kern="1200">
+                <a:ln>
+                  <a:solidFill>
+                    <a:schemeClr val="bg1">
+                      <a:lumMod val="75000"/>
+                      <a:lumOff val="25000"/>
+                      <a:alpha val="10000"/>
+                    </a:schemeClr>
+                  </a:solidFill>
+                </a:ln>
+                <a:solidFill>
+                  <a:schemeClr val="tx2"/>
+                </a:solidFill>
+                <a:effectLst>
+                  <a:outerShdw blurRad="9525" dist="25400" dir="14640000" algn="tl" rotWithShape="0">
+                    <a:schemeClr val="bg1">
+                      <a:alpha val="30000"/>
+                    </a:schemeClr>
+                  </a:outerShdw>
+                </a:effectLst>
+                <a:latin typeface="+mn-lt"/>
+                <a:ea typeface="+mn-ea"/>
+                <a:cs typeface="+mn-cs"/>
+              </a:defRPr>
+            </a:lvl4pPr>
+            <a:lvl5pPr marL="1674000" indent="-216000" algn="l" defTabSz="457200" rtl="0" eaLnBrk="1" latinLnBrk="0" hangingPunct="1">
+              <a:spcBef>
+                <a:spcPct val="20000"/>
+              </a:spcBef>
+              <a:spcAft>
+                <a:spcPts val="600"/>
+              </a:spcAft>
+              <a:buClr>
+                <a:schemeClr val="tx2"/>
+              </a:buClr>
+              <a:buSzPct val="70000"/>
+              <a:buFont typeface="Wingdings 2" charset="2"/>
+              <a:buChar char=""/>
+              <a:defRPr sz="1400" kern="1200">
+                <a:ln>
+                  <a:solidFill>
+                    <a:schemeClr val="bg1">
+                      <a:lumMod val="75000"/>
+                      <a:lumOff val="25000"/>
+                      <a:alpha val="10000"/>
+                    </a:schemeClr>
+                  </a:solidFill>
+                </a:ln>
+                <a:solidFill>
+                  <a:schemeClr val="tx2"/>
+                </a:solidFill>
+                <a:effectLst>
+                  <a:outerShdw blurRad="9525" dist="25400" dir="14640000" algn="tl" rotWithShape="0">
+                    <a:schemeClr val="bg1">
+                      <a:alpha val="30000"/>
+                    </a:schemeClr>
+                  </a:outerShdw>
+                </a:effectLst>
+                <a:latin typeface="+mn-lt"/>
+                <a:ea typeface="+mn-ea"/>
+                <a:cs typeface="+mn-cs"/>
+              </a:defRPr>
+            </a:lvl5pPr>
+            <a:lvl6pPr marL="2014600" indent="-228600" algn="l" defTabSz="457200" rtl="0" eaLnBrk="1" latinLnBrk="0" hangingPunct="1">
+              <a:spcBef>
+                <a:spcPct val="20000"/>
+              </a:spcBef>
+              <a:spcAft>
+                <a:spcPts val="600"/>
+              </a:spcAft>
+              <a:buClr>
+                <a:schemeClr val="tx2"/>
+              </a:buClr>
+              <a:buSzPct val="70000"/>
+              <a:buFont typeface="Wingdings 2" charset="2"/>
+              <a:buChar char=""/>
+              <a:defRPr sz="1400" kern="1200">
+                <a:ln>
+                  <a:solidFill>
+                    <a:schemeClr val="bg1">
+                      <a:lumMod val="75000"/>
+                      <a:lumOff val="25000"/>
+                      <a:alpha val="10000"/>
+                    </a:schemeClr>
+                  </a:solidFill>
+                </a:ln>
+                <a:solidFill>
+                  <a:schemeClr val="tx2"/>
+                </a:solidFill>
+                <a:effectLst>
+                  <a:outerShdw blurRad="9525" dist="25400" dir="14640000" algn="tl" rotWithShape="0">
+                    <a:schemeClr val="bg1">
+                      <a:alpha val="30000"/>
+                    </a:schemeClr>
+                  </a:outerShdw>
+                </a:effectLst>
+                <a:latin typeface="+mn-lt"/>
+                <a:ea typeface="+mn-ea"/>
+                <a:cs typeface="+mn-cs"/>
+              </a:defRPr>
+            </a:lvl6pPr>
+            <a:lvl7pPr marL="2401800" indent="-228600" algn="l" defTabSz="457200" rtl="0" eaLnBrk="1" latinLnBrk="0" hangingPunct="1">
+              <a:spcBef>
+                <a:spcPct val="20000"/>
+              </a:spcBef>
+              <a:spcAft>
+                <a:spcPts val="600"/>
+              </a:spcAft>
+              <a:buClr>
+                <a:schemeClr val="tx2"/>
+              </a:buClr>
+              <a:buSzPct val="70000"/>
+              <a:buFont typeface="Wingdings 2" charset="2"/>
+              <a:buChar char=""/>
+              <a:defRPr sz="1400" kern="1200">
+                <a:ln>
+                  <a:solidFill>
+                    <a:schemeClr val="bg1">
+                      <a:lumMod val="75000"/>
+                      <a:lumOff val="25000"/>
+                      <a:alpha val="10000"/>
+                    </a:schemeClr>
+                  </a:solidFill>
+                </a:ln>
+                <a:solidFill>
+                  <a:schemeClr val="tx2"/>
+                </a:solidFill>
+                <a:effectLst>
+                  <a:outerShdw blurRad="9525" dist="25400" dir="14640000" algn="tl" rotWithShape="0">
+                    <a:schemeClr val="bg1">
+                      <a:alpha val="30000"/>
+                    </a:schemeClr>
+                  </a:outerShdw>
+                </a:effectLst>
+                <a:latin typeface="+mn-lt"/>
+                <a:ea typeface="+mn-ea"/>
+                <a:cs typeface="+mn-cs"/>
+              </a:defRPr>
+            </a:lvl7pPr>
+            <a:lvl8pPr marL="2789000" indent="-228600" algn="l" defTabSz="457200" rtl="0" eaLnBrk="1" latinLnBrk="0" hangingPunct="1">
+              <a:spcBef>
+                <a:spcPct val="20000"/>
+              </a:spcBef>
+              <a:spcAft>
+                <a:spcPts val="600"/>
+              </a:spcAft>
+              <a:buClr>
+                <a:schemeClr val="tx2"/>
+              </a:buClr>
+              <a:buSzPct val="70000"/>
+              <a:buFont typeface="Wingdings 2" charset="2"/>
+              <a:buChar char=""/>
+              <a:defRPr sz="1400" kern="1200">
+                <a:ln>
+                  <a:solidFill>
+                    <a:schemeClr val="bg1">
+                      <a:lumMod val="75000"/>
+                      <a:lumOff val="25000"/>
+                      <a:alpha val="10000"/>
+                    </a:schemeClr>
+                  </a:solidFill>
+                </a:ln>
+                <a:solidFill>
+                  <a:schemeClr val="tx2"/>
+                </a:solidFill>
+                <a:effectLst>
+                  <a:outerShdw blurRad="9525" dist="25400" dir="14640000" algn="tl" rotWithShape="0">
+                    <a:schemeClr val="bg1">
+                      <a:alpha val="30000"/>
+                    </a:schemeClr>
+                  </a:outerShdw>
+                </a:effectLst>
+                <a:latin typeface="+mn-lt"/>
+                <a:ea typeface="+mn-ea"/>
+                <a:cs typeface="+mn-cs"/>
+              </a:defRPr>
+            </a:lvl8pPr>
+            <a:lvl9pPr marL="3106200" indent="-228600" algn="l" defTabSz="457200" rtl="0" eaLnBrk="1" latinLnBrk="0" hangingPunct="1">
+              <a:spcBef>
+                <a:spcPct val="20000"/>
+              </a:spcBef>
+              <a:spcAft>
+                <a:spcPts val="600"/>
+              </a:spcAft>
+              <a:buClr>
+                <a:schemeClr val="tx2"/>
+              </a:buClr>
+              <a:buSzPct val="70000"/>
+              <a:buFont typeface="Wingdings 2" charset="2"/>
+              <a:buChar char=""/>
+              <a:defRPr sz="1400" kern="1200">
+                <a:ln>
+                  <a:solidFill>
+                    <a:schemeClr val="bg1">
+                      <a:lumMod val="75000"/>
+                      <a:lumOff val="25000"/>
+                      <a:alpha val="10000"/>
+                    </a:schemeClr>
+                  </a:solidFill>
+                </a:ln>
+                <a:solidFill>
+                  <a:schemeClr val="tx2"/>
+                </a:solidFill>
+                <a:effectLst>
+                  <a:outerShdw blurRad="9525" dist="25400" dir="14640000" algn="tl" rotWithShape="0">
+                    <a:schemeClr val="bg1">
+                      <a:alpha val="30000"/>
+                    </a:schemeClr>
+                  </a:outerShdw>
+                </a:effectLst>
+                <a:latin typeface="+mn-lt"/>
+                <a:ea typeface="+mn-ea"/>
+                <a:cs typeface="+mn-cs"/>
+              </a:defRPr>
+            </a:lvl9pPr>
+          </a:lstStyle>
+          <a:p>
+            <a:pPr>
+              <a:buClr>
+                <a:schemeClr val="accent2">
+                  <a:lumMod val="75000"/>
+                </a:schemeClr>
+              </a:buClr>
+            </a:pPr>
+            <a:r>
+              <a:rPr lang="en-GB" dirty="0">
+                <a:solidFill>
+                  <a:schemeClr val="accent2">
+                    <a:lumMod val="75000"/>
+                  </a:schemeClr>
+                </a:solidFill>
+              </a:rPr>
+              <a:t>Modern CAPTCHAs</a:t>
+            </a:r>
+          </a:p>
+          <a:p>
+            <a:pPr marL="414000" lvl="1" indent="0">
+              <a:buNone/>
+            </a:pPr>
+            <a:r>
+              <a:rPr lang="en-GB" sz="1400" dirty="0"/>
+              <a:t>based on the human’s physical identity and on the evaluation of data from sensors or activity of the users on the web site (e.g. Google </a:t>
+            </a:r>
+            <a:r>
+              <a:rPr lang="en-GB" sz="1400" dirty="0" err="1"/>
+              <a:t>ReCAPTCHAs</a:t>
+            </a:r>
+            <a:r>
+              <a:rPr lang="en-GB" sz="1400" dirty="0"/>
+              <a:t>)</a:t>
+            </a:r>
+            <a:endParaRPr lang="it-IT" sz="1400" dirty="0"/>
+          </a:p>
+        </p:txBody>
+      </p:sp>
+      <p:pic>
+        <p:nvPicPr>
+          <p:cNvPr id="8" name="Immagine 7" descr="Immagine che contiene testo, strada, autostrada&#10;&#10;Descrizione generata automaticamente">
+            <a:extLst>
+              <a:ext uri="{FF2B5EF4-FFF2-40B4-BE49-F238E27FC236}">
+                <a16:creationId xmlns:a16="http://schemas.microsoft.com/office/drawing/2014/main" id="{0E45CAA1-383C-4D35-A559-93F51C009989}"/>
+              </a:ext>
+            </a:extLst>
+          </p:cNvPr>
+          <p:cNvPicPr>
+            <a:picLocks noChangeAspect="1"/>
+          </p:cNvPicPr>
+          <p:nvPr/>
+        </p:nvPicPr>
+        <p:blipFill>
+          <a:blip r:embed="rId2">
+            <a:extLst>
+              <a:ext uri="{28A0092B-C50C-407E-A947-70E740481C1C}">
+                <a14:useLocalDpi xmlns:a14="http://schemas.microsoft.com/office/drawing/2010/main" val="0"/>
+              </a:ext>
+            </a:extLst>
+          </a:blip>
+          <a:stretch>
+            <a:fillRect/>
+          </a:stretch>
+        </p:blipFill>
+        <p:spPr>
+          <a:xfrm>
+            <a:off x="2948695" y="3234297"/>
+            <a:ext cx="1334494" cy="1929828"/>
+          </a:xfrm>
+          <a:prstGeom prst="rect">
+            <a:avLst/>
+          </a:prstGeom>
+        </p:spPr>
+      </p:pic>
+      <p:pic>
+        <p:nvPicPr>
+          <p:cNvPr id="10" name="Immagine 9" descr="Immagine che contiene testo&#10;&#10;Descrizione generata automaticamente">
+            <a:extLst>
+              <a:ext uri="{FF2B5EF4-FFF2-40B4-BE49-F238E27FC236}">
+                <a16:creationId xmlns:a16="http://schemas.microsoft.com/office/drawing/2014/main" id="{A37CF49D-0B2F-4120-A2AD-D58C5C59745F}"/>
+              </a:ext>
+            </a:extLst>
+          </p:cNvPr>
+          <p:cNvPicPr>
+            <a:picLocks noChangeAspect="1"/>
+          </p:cNvPicPr>
+          <p:nvPr/>
+        </p:nvPicPr>
+        <p:blipFill>
+          <a:blip r:embed="rId3">
+            <a:extLst>
+              <a:ext uri="{28A0092B-C50C-407E-A947-70E740481C1C}">
+                <a14:useLocalDpi xmlns:a14="http://schemas.microsoft.com/office/drawing/2010/main" val="0"/>
+              </a:ext>
+            </a:extLst>
+          </a:blip>
+          <a:stretch>
+            <a:fillRect/>
+          </a:stretch>
+        </p:blipFill>
+        <p:spPr>
+          <a:xfrm>
+            <a:off x="829429" y="3234297"/>
+            <a:ext cx="2023010" cy="1929828"/>
+          </a:xfrm>
+          <a:prstGeom prst="rect">
+            <a:avLst/>
+          </a:prstGeom>
+        </p:spPr>
+      </p:pic>
+      <p:pic>
+        <p:nvPicPr>
+          <p:cNvPr id="12" name="Immagine 11" descr="Immagine che contiene testo&#10;&#10;Descrizione generata automaticamente">
+            <a:extLst>
+              <a:ext uri="{FF2B5EF4-FFF2-40B4-BE49-F238E27FC236}">
+                <a16:creationId xmlns:a16="http://schemas.microsoft.com/office/drawing/2014/main" id="{485CEE73-0E98-428C-A2EC-DD178D1073D2}"/>
+              </a:ext>
+            </a:extLst>
+          </p:cNvPr>
+          <p:cNvPicPr>
+            <a:picLocks noChangeAspect="1"/>
+          </p:cNvPicPr>
+          <p:nvPr/>
+        </p:nvPicPr>
+        <p:blipFill>
+          <a:blip r:embed="rId4">
+            <a:extLst>
+              <a:ext uri="{28A0092B-C50C-407E-A947-70E740481C1C}">
+                <a14:useLocalDpi xmlns:a14="http://schemas.microsoft.com/office/drawing/2010/main" val="0"/>
+              </a:ext>
+            </a:extLst>
+          </a:blip>
+          <a:stretch>
+            <a:fillRect/>
+          </a:stretch>
+        </p:blipFill>
+        <p:spPr>
+          <a:xfrm>
+            <a:off x="5350566" y="3231544"/>
+            <a:ext cx="2493355" cy="700027"/>
+          </a:xfrm>
+          <a:prstGeom prst="rect">
+            <a:avLst/>
+          </a:prstGeom>
+        </p:spPr>
+      </p:pic>
+      <p:sp>
+        <p:nvSpPr>
+          <p:cNvPr id="23" name="Segnaposto piè di pagina 3">
+            <a:extLst>
+              <a:ext uri="{FF2B5EF4-FFF2-40B4-BE49-F238E27FC236}">
+                <a16:creationId xmlns:a16="http://schemas.microsoft.com/office/drawing/2014/main" id="{2D0A5DE9-1DAD-41ED-BD80-06164883E037}"/>
+              </a:ext>
+            </a:extLst>
+          </p:cNvPr>
+          <p:cNvSpPr txBox="1">
+            <a:spLocks/>
+          </p:cNvSpPr>
+          <p:nvPr/>
         </p:nvSpPr>
         <p:spPr>
           <a:xfrm>
             <a:off x="435114" y="5883276"/>
             <a:ext cx="5505114" cy="365125"/>
           </a:xfrm>
+          <a:prstGeom prst="rect">
+            <a:avLst/>
+          </a:prstGeom>
         </p:spPr>
         <p:txBody>
-          <a:bodyPr/>
-          <a:lstStyle/>
-          <a:p>
-            <a:r>
-              <a:rPr lang="en-GB" sz="1100" dirty="0"/>
+          <a:bodyPr vert="horz" lIns="91440" tIns="45720" rIns="91440" bIns="45720" rtlCol="0" anchor="ctr"/>
+          <a:lstStyle>
+            <a:defPPr>
+              <a:defRPr lang="en-US"/>
+            </a:defPPr>
+            <a:lvl1pPr marL="0" algn="l" defTabSz="457200" rtl="0" eaLnBrk="1" latinLnBrk="0" hangingPunct="1">
+              <a:defRPr sz="1000" kern="1200">
+                <a:solidFill>
+                  <a:schemeClr val="accent2">
+                    <a:lumMod val="75000"/>
+                  </a:schemeClr>
+                </a:solidFill>
+                <a:effectLst>
+                  <a:outerShdw blurRad="50800" dist="38100" dir="2700000" algn="tl" rotWithShape="0">
+                    <a:schemeClr val="bg1">
+                      <a:alpha val="43000"/>
+                    </a:schemeClr>
+                  </a:outerShdw>
+                </a:effectLst>
+                <a:latin typeface="+mn-lt"/>
+                <a:ea typeface="+mn-ea"/>
+                <a:cs typeface="+mn-cs"/>
+              </a:defRPr>
+            </a:lvl1pPr>
+            <a:lvl2pPr marL="457200" algn="l" defTabSz="457200" rtl="0" eaLnBrk="1" latinLnBrk="0" hangingPunct="1">
+              <a:defRPr sz="1800" kern="1200">
+                <a:solidFill>
+                  <a:schemeClr val="tx1"/>
+                </a:solidFill>
+                <a:latin typeface="+mn-lt"/>
+                <a:ea typeface="+mn-ea"/>
+                <a:cs typeface="+mn-cs"/>
+              </a:defRPr>
+            </a:lvl2pPr>
+            <a:lvl3pPr marL="914400" algn="l" defTabSz="457200" rtl="0" eaLnBrk="1" latinLnBrk="0" hangingPunct="1">
+              <a:defRPr sz="1800" kern="1200">
+                <a:solidFill>
+                  <a:schemeClr val="tx1"/>
+                </a:solidFill>
+                <a:latin typeface="+mn-lt"/>
+                <a:ea typeface="+mn-ea"/>
+                <a:cs typeface="+mn-cs"/>
+              </a:defRPr>
+            </a:lvl3pPr>
+            <a:lvl4pPr marL="1371600" algn="l" defTabSz="457200" rtl="0" eaLnBrk="1" latinLnBrk="0" hangingPunct="1">
+              <a:defRPr sz="1800" kern="1200">
+                <a:solidFill>
+                  <a:schemeClr val="tx1"/>
+                </a:solidFill>
+                <a:latin typeface="+mn-lt"/>
+                <a:ea typeface="+mn-ea"/>
+                <a:cs typeface="+mn-cs"/>
+              </a:defRPr>
+            </a:lvl4pPr>
+            <a:lvl5pPr marL="1828800" algn="l" defTabSz="457200" rtl="0" eaLnBrk="1" latinLnBrk="0" hangingPunct="1">
+              <a:defRPr sz="1800" kern="1200">
+                <a:solidFill>
+                  <a:schemeClr val="tx1"/>
+                </a:solidFill>
+                <a:latin typeface="+mn-lt"/>
+                <a:ea typeface="+mn-ea"/>
+                <a:cs typeface="+mn-cs"/>
+              </a:defRPr>
+            </a:lvl5pPr>
+            <a:lvl6pPr marL="2286000" algn="l" defTabSz="457200" rtl="0" eaLnBrk="1" latinLnBrk="0" hangingPunct="1">
+              <a:defRPr sz="1800" kern="1200">
+                <a:solidFill>
+                  <a:schemeClr val="tx1"/>
+                </a:solidFill>
+                <a:latin typeface="+mn-lt"/>
+                <a:ea typeface="+mn-ea"/>
+                <a:cs typeface="+mn-cs"/>
+              </a:defRPr>
+            </a:lvl6pPr>
+            <a:lvl7pPr marL="2743200" algn="l" defTabSz="457200" rtl="0" eaLnBrk="1" latinLnBrk="0" hangingPunct="1">
+              <a:defRPr sz="1800" kern="1200">
+                <a:solidFill>
+                  <a:schemeClr val="tx1"/>
+                </a:solidFill>
+                <a:latin typeface="+mn-lt"/>
+                <a:ea typeface="+mn-ea"/>
+                <a:cs typeface="+mn-cs"/>
+              </a:defRPr>
+            </a:lvl7pPr>
+            <a:lvl8pPr marL="3200400" algn="l" defTabSz="457200" rtl="0" eaLnBrk="1" latinLnBrk="0" hangingPunct="1">
+              <a:defRPr sz="1800" kern="1200">
+                <a:solidFill>
+                  <a:schemeClr val="tx1"/>
+                </a:solidFill>
+                <a:latin typeface="+mn-lt"/>
+                <a:ea typeface="+mn-ea"/>
+                <a:cs typeface="+mn-cs"/>
+              </a:defRPr>
+            </a:lvl8pPr>
+            <a:lvl9pPr marL="3657600" algn="l" defTabSz="457200" rtl="0" eaLnBrk="1" latinLnBrk="0" hangingPunct="1">
+              <a:defRPr sz="1800" kern="1200">
+                <a:solidFill>
+                  <a:schemeClr val="tx1"/>
+                </a:solidFill>
+                <a:latin typeface="+mn-lt"/>
+                <a:ea typeface="+mn-ea"/>
+                <a:cs typeface="+mn-cs"/>
+              </a:defRPr>
+            </a:lvl9pPr>
+          </a:lstStyle>
+          <a:p>
+            <a:r>
+              <a:rPr lang="en-GB" sz="1100"/>
               <a:t>Di Nardo Di Maio Raffaele</a:t>
             </a:r>
             <a:endParaRPr lang="it-IT" sz="1100" dirty="0"/>
@@ -8121,30 +9279,277 @@
       </p:sp>
       <p:sp>
         <p:nvSpPr>
-          <p:cNvPr id="5" name="Segnaposto numero diapositiva 4">
+          <p:cNvPr id="24" name="Segnaposto numero diapositiva 4">
             <a:extLst>
               <a:ext uri="{FF2B5EF4-FFF2-40B4-BE49-F238E27FC236}">
-                <a16:creationId xmlns:a16="http://schemas.microsoft.com/office/drawing/2014/main" id="{AFE193E0-13D6-4432-8F0C-30A0B8DA2C77}"/>
+                <a16:creationId xmlns:a16="http://schemas.microsoft.com/office/drawing/2014/main" id="{0572735E-477D-4858-AB9D-B67D59A384EC}"/>
               </a:ext>
             </a:extLst>
           </p:cNvPr>
-          <p:cNvSpPr>
-            <a:spLocks noGrp="1"/>
-          </p:cNvSpPr>
-          <p:nvPr>
-            <p:ph type="sldNum" sz="quarter" idx="12"/>
-          </p:nvPr>
-        </p:nvSpPr>
-        <p:spPr/>
-        <p:txBody>
-          <a:bodyPr/>
-          <a:lstStyle/>
+          <p:cNvSpPr txBox="1">
+            <a:spLocks/>
+          </p:cNvSpPr>
+          <p:nvPr/>
+        </p:nvSpPr>
+        <p:spPr>
+          <a:xfrm>
+            <a:off x="7885509" y="5883276"/>
+            <a:ext cx="565159" cy="365125"/>
+          </a:xfrm>
+          <a:prstGeom prst="rect">
+            <a:avLst/>
+          </a:prstGeom>
+        </p:spPr>
+        <p:txBody>
+          <a:bodyPr vert="horz" lIns="91440" tIns="45720" rIns="91440" bIns="45720" rtlCol="0" anchor="ctr"/>
+          <a:lstStyle>
+            <a:defPPr>
+              <a:defRPr lang="en-US"/>
+            </a:defPPr>
+            <a:lvl1pPr marL="0" algn="r" defTabSz="457200" rtl="0" eaLnBrk="1" latinLnBrk="0" hangingPunct="1">
+              <a:defRPr sz="1000" kern="1200">
+                <a:solidFill>
+                  <a:schemeClr val="accent2">
+                    <a:lumMod val="75000"/>
+                  </a:schemeClr>
+                </a:solidFill>
+                <a:effectLst>
+                  <a:outerShdw blurRad="50800" dist="38100" dir="2700000" algn="tl" rotWithShape="0">
+                    <a:schemeClr val="bg1">
+                      <a:alpha val="43000"/>
+                    </a:schemeClr>
+                  </a:outerShdw>
+                </a:effectLst>
+                <a:latin typeface="+mn-lt"/>
+                <a:ea typeface="+mn-ea"/>
+                <a:cs typeface="+mn-cs"/>
+              </a:defRPr>
+            </a:lvl1pPr>
+            <a:lvl2pPr marL="457200" algn="l" defTabSz="457200" rtl="0" eaLnBrk="1" latinLnBrk="0" hangingPunct="1">
+              <a:defRPr sz="1800" kern="1200">
+                <a:solidFill>
+                  <a:schemeClr val="tx1"/>
+                </a:solidFill>
+                <a:latin typeface="+mn-lt"/>
+                <a:ea typeface="+mn-ea"/>
+                <a:cs typeface="+mn-cs"/>
+              </a:defRPr>
+            </a:lvl2pPr>
+            <a:lvl3pPr marL="914400" algn="l" defTabSz="457200" rtl="0" eaLnBrk="1" latinLnBrk="0" hangingPunct="1">
+              <a:defRPr sz="1800" kern="1200">
+                <a:solidFill>
+                  <a:schemeClr val="tx1"/>
+                </a:solidFill>
+                <a:latin typeface="+mn-lt"/>
+                <a:ea typeface="+mn-ea"/>
+                <a:cs typeface="+mn-cs"/>
+              </a:defRPr>
+            </a:lvl3pPr>
+            <a:lvl4pPr marL="1371600" algn="l" defTabSz="457200" rtl="0" eaLnBrk="1" latinLnBrk="0" hangingPunct="1">
+              <a:defRPr sz="1800" kern="1200">
+                <a:solidFill>
+                  <a:schemeClr val="tx1"/>
+                </a:solidFill>
+                <a:latin typeface="+mn-lt"/>
+                <a:ea typeface="+mn-ea"/>
+                <a:cs typeface="+mn-cs"/>
+              </a:defRPr>
+            </a:lvl4pPr>
+            <a:lvl5pPr marL="1828800" algn="l" defTabSz="457200" rtl="0" eaLnBrk="1" latinLnBrk="0" hangingPunct="1">
+              <a:defRPr sz="1800" kern="1200">
+                <a:solidFill>
+                  <a:schemeClr val="tx1"/>
+                </a:solidFill>
+                <a:latin typeface="+mn-lt"/>
+                <a:ea typeface="+mn-ea"/>
+                <a:cs typeface="+mn-cs"/>
+              </a:defRPr>
+            </a:lvl5pPr>
+            <a:lvl6pPr marL="2286000" algn="l" defTabSz="457200" rtl="0" eaLnBrk="1" latinLnBrk="0" hangingPunct="1">
+              <a:defRPr sz="1800" kern="1200">
+                <a:solidFill>
+                  <a:schemeClr val="tx1"/>
+                </a:solidFill>
+                <a:latin typeface="+mn-lt"/>
+                <a:ea typeface="+mn-ea"/>
+                <a:cs typeface="+mn-cs"/>
+              </a:defRPr>
+            </a:lvl6pPr>
+            <a:lvl7pPr marL="2743200" algn="l" defTabSz="457200" rtl="0" eaLnBrk="1" latinLnBrk="0" hangingPunct="1">
+              <a:defRPr sz="1800" kern="1200">
+                <a:solidFill>
+                  <a:schemeClr val="tx1"/>
+                </a:solidFill>
+                <a:latin typeface="+mn-lt"/>
+                <a:ea typeface="+mn-ea"/>
+                <a:cs typeface="+mn-cs"/>
+              </a:defRPr>
+            </a:lvl7pPr>
+            <a:lvl8pPr marL="3200400" algn="l" defTabSz="457200" rtl="0" eaLnBrk="1" latinLnBrk="0" hangingPunct="1">
+              <a:defRPr sz="1800" kern="1200">
+                <a:solidFill>
+                  <a:schemeClr val="tx1"/>
+                </a:solidFill>
+                <a:latin typeface="+mn-lt"/>
+                <a:ea typeface="+mn-ea"/>
+                <a:cs typeface="+mn-cs"/>
+              </a:defRPr>
+            </a:lvl8pPr>
+            <a:lvl9pPr marL="3657600" algn="l" defTabSz="457200" rtl="0" eaLnBrk="1" latinLnBrk="0" hangingPunct="1">
+              <a:defRPr sz="1800" kern="1200">
+                <a:solidFill>
+                  <a:schemeClr val="tx1"/>
+                </a:solidFill>
+                <a:latin typeface="+mn-lt"/>
+                <a:ea typeface="+mn-ea"/>
+                <a:cs typeface="+mn-cs"/>
+              </a:defRPr>
+            </a:lvl9pPr>
+          </a:lstStyle>
           <a:p>
             <a:fld id="{8DF98BA9-0B5D-48FD-8864-41A23C2934CC}" type="slidenum">
               <a:rPr lang="it-IT" sz="1100" smtClean="0"/>
+              <a:pPr/>
               <a:t>1</a:t>
             </a:fld>
             <a:endParaRPr lang="it-IT" sz="1100"/>
+          </a:p>
+        </p:txBody>
+      </p:sp>
+      <p:sp>
+        <p:nvSpPr>
+          <p:cNvPr id="25" name="Segnaposto data 4">
+            <a:extLst>
+              <a:ext uri="{FF2B5EF4-FFF2-40B4-BE49-F238E27FC236}">
+                <a16:creationId xmlns:a16="http://schemas.microsoft.com/office/drawing/2014/main" id="{BCF4946F-5486-4914-8035-3BB1E61B7640}"/>
+              </a:ext>
+            </a:extLst>
+          </p:cNvPr>
+          <p:cNvSpPr txBox="1">
+            <a:spLocks/>
+          </p:cNvSpPr>
+          <p:nvPr/>
+        </p:nvSpPr>
+        <p:spPr>
+          <a:xfrm>
+            <a:off x="5759052" y="5883276"/>
+            <a:ext cx="2057400" cy="365125"/>
+          </a:xfrm>
+          <a:prstGeom prst="rect">
+            <a:avLst/>
+          </a:prstGeom>
+        </p:spPr>
+        <p:txBody>
+          <a:bodyPr vert="horz" lIns="91440" tIns="45720" rIns="91440" bIns="45720" rtlCol="0" anchor="ctr"/>
+          <a:lstStyle>
+            <a:defPPr>
+              <a:defRPr lang="en-US"/>
+            </a:defPPr>
+            <a:lvl1pPr marL="0" algn="r" defTabSz="457200" rtl="0" eaLnBrk="1" latinLnBrk="0" hangingPunct="1">
+              <a:defRPr sz="1000" kern="1200">
+                <a:solidFill>
+                  <a:schemeClr val="accent2">
+                    <a:lumMod val="75000"/>
+                  </a:schemeClr>
+                </a:solidFill>
+                <a:effectLst>
+                  <a:outerShdw blurRad="50800" dist="38100" dir="2700000" algn="tl" rotWithShape="0">
+                    <a:schemeClr val="bg1">
+                      <a:alpha val="43000"/>
+                    </a:schemeClr>
+                  </a:outerShdw>
+                </a:effectLst>
+                <a:latin typeface="+mn-lt"/>
+                <a:ea typeface="+mn-ea"/>
+                <a:cs typeface="+mn-cs"/>
+              </a:defRPr>
+            </a:lvl1pPr>
+            <a:lvl2pPr marL="457200" algn="l" defTabSz="457200" rtl="0" eaLnBrk="1" latinLnBrk="0" hangingPunct="1">
+              <a:defRPr sz="1800" kern="1200">
+                <a:solidFill>
+                  <a:schemeClr val="tx1"/>
+                </a:solidFill>
+                <a:latin typeface="+mn-lt"/>
+                <a:ea typeface="+mn-ea"/>
+                <a:cs typeface="+mn-cs"/>
+              </a:defRPr>
+            </a:lvl2pPr>
+            <a:lvl3pPr marL="914400" algn="l" defTabSz="457200" rtl="0" eaLnBrk="1" latinLnBrk="0" hangingPunct="1">
+              <a:defRPr sz="1800" kern="1200">
+                <a:solidFill>
+                  <a:schemeClr val="tx1"/>
+                </a:solidFill>
+                <a:latin typeface="+mn-lt"/>
+                <a:ea typeface="+mn-ea"/>
+                <a:cs typeface="+mn-cs"/>
+              </a:defRPr>
+            </a:lvl3pPr>
+            <a:lvl4pPr marL="1371600" algn="l" defTabSz="457200" rtl="0" eaLnBrk="1" latinLnBrk="0" hangingPunct="1">
+              <a:defRPr sz="1800" kern="1200">
+                <a:solidFill>
+                  <a:schemeClr val="tx1"/>
+                </a:solidFill>
+                <a:latin typeface="+mn-lt"/>
+                <a:ea typeface="+mn-ea"/>
+                <a:cs typeface="+mn-cs"/>
+              </a:defRPr>
+            </a:lvl4pPr>
+            <a:lvl5pPr marL="1828800" algn="l" defTabSz="457200" rtl="0" eaLnBrk="1" latinLnBrk="0" hangingPunct="1">
+              <a:defRPr sz="1800" kern="1200">
+                <a:solidFill>
+                  <a:schemeClr val="tx1"/>
+                </a:solidFill>
+                <a:latin typeface="+mn-lt"/>
+                <a:ea typeface="+mn-ea"/>
+                <a:cs typeface="+mn-cs"/>
+              </a:defRPr>
+            </a:lvl5pPr>
+            <a:lvl6pPr marL="2286000" algn="l" defTabSz="457200" rtl="0" eaLnBrk="1" latinLnBrk="0" hangingPunct="1">
+              <a:defRPr sz="1800" kern="1200">
+                <a:solidFill>
+                  <a:schemeClr val="tx1"/>
+                </a:solidFill>
+                <a:latin typeface="+mn-lt"/>
+                <a:ea typeface="+mn-ea"/>
+                <a:cs typeface="+mn-cs"/>
+              </a:defRPr>
+            </a:lvl6pPr>
+            <a:lvl7pPr marL="2743200" algn="l" defTabSz="457200" rtl="0" eaLnBrk="1" latinLnBrk="0" hangingPunct="1">
+              <a:defRPr sz="1800" kern="1200">
+                <a:solidFill>
+                  <a:schemeClr val="tx1"/>
+                </a:solidFill>
+                <a:latin typeface="+mn-lt"/>
+                <a:ea typeface="+mn-ea"/>
+                <a:cs typeface="+mn-cs"/>
+              </a:defRPr>
+            </a:lvl7pPr>
+            <a:lvl8pPr marL="3200400" algn="l" defTabSz="457200" rtl="0" eaLnBrk="1" latinLnBrk="0" hangingPunct="1">
+              <a:defRPr sz="1800" kern="1200">
+                <a:solidFill>
+                  <a:schemeClr val="tx1"/>
+                </a:solidFill>
+                <a:latin typeface="+mn-lt"/>
+                <a:ea typeface="+mn-ea"/>
+                <a:cs typeface="+mn-cs"/>
+              </a:defRPr>
+            </a:lvl8pPr>
+            <a:lvl9pPr marL="3657600" algn="l" defTabSz="457200" rtl="0" eaLnBrk="1" latinLnBrk="0" hangingPunct="1">
+              <a:defRPr sz="1800" kern="1200">
+                <a:solidFill>
+                  <a:schemeClr val="tx1"/>
+                </a:solidFill>
+                <a:latin typeface="+mn-lt"/>
+                <a:ea typeface="+mn-ea"/>
+                <a:cs typeface="+mn-cs"/>
+              </a:defRPr>
+            </a:lvl9pPr>
+          </a:lstStyle>
+          <a:p>
+            <a:r>
+              <a:rPr lang="it-IT"/>
+              <a:t>03/01/2021</a:t>
+            </a:r>
           </a:p>
         </p:txBody>
       </p:sp>
@@ -8223,65 +9628,79 @@
             <p:ph sz="half" idx="1"/>
           </p:nvPr>
         </p:nvSpPr>
-        <p:spPr/>
-        <p:txBody>
-          <a:bodyPr/>
+        <p:spPr>
+          <a:xfrm>
+            <a:off x="473245" y="3234794"/>
+            <a:ext cx="3330713" cy="1577840"/>
+          </a:xfrm>
+          <a:solidFill>
+            <a:schemeClr val="accent2">
+              <a:lumMod val="75000"/>
+            </a:schemeClr>
+          </a:solidFill>
+          <a:ln>
+            <a:noFill/>
+          </a:ln>
+          <a:effectLst>
+            <a:glow rad="228600">
+              <a:srgbClr val="0070C0">
+                <a:alpha val="40000"/>
+              </a:srgbClr>
+            </a:glow>
+          </a:effectLst>
+        </p:spPr>
+        <p:style>
+          <a:lnRef idx="2">
+            <a:schemeClr val="accent2"/>
+          </a:lnRef>
+          <a:fillRef idx="1">
+            <a:schemeClr val="lt1"/>
+          </a:fillRef>
+          <a:effectRef idx="0">
+            <a:schemeClr val="accent2"/>
+          </a:effectRef>
+          <a:fontRef idx="minor">
+            <a:schemeClr val="dk1"/>
+          </a:fontRef>
+        </p:style>
+        <p:txBody>
+          <a:bodyPr>
+            <a:noAutofit/>
+          </a:bodyPr>
           <a:lstStyle/>
           <a:p>
-            <a:r>
-              <a:rPr lang="en-GB" dirty="0"/>
+            <a:pPr>
+              <a:buClr>
+                <a:srgbClr val="0070C0"/>
+              </a:buClr>
+            </a:pPr>
+            <a:r>
+              <a:rPr lang="en-GB" sz="1600" dirty="0"/>
               <a:t>Noise evaluation</a:t>
             </a:r>
           </a:p>
           <a:p>
-            <a:r>
-              <a:rPr lang="en-GB" dirty="0"/>
-              <a:t>Audio during the password insertion</a:t>
-            </a:r>
-            <a:endParaRPr lang="it-IT" dirty="0"/>
-          </a:p>
-        </p:txBody>
-      </p:sp>
-      <p:sp>
-        <p:nvSpPr>
-          <p:cNvPr id="4" name="Segnaposto contenuto 3">
-            <a:extLst>
-              <a:ext uri="{FF2B5EF4-FFF2-40B4-BE49-F238E27FC236}">
-                <a16:creationId xmlns:a16="http://schemas.microsoft.com/office/drawing/2014/main" id="{092A30C3-ABC9-493D-9224-C59D5144D37B}"/>
-              </a:ext>
-            </a:extLst>
-          </p:cNvPr>
-          <p:cNvSpPr>
-            <a:spLocks noGrp="1"/>
-          </p:cNvSpPr>
-          <p:nvPr>
-            <p:ph sz="half" idx="2"/>
-          </p:nvPr>
-        </p:nvSpPr>
-        <p:spPr/>
-        <p:txBody>
-          <a:bodyPr/>
-          <a:lstStyle/>
-          <a:p>
-            <a:r>
-              <a:rPr lang="en-GB" dirty="0"/>
-              <a:t>Time correspondence</a:t>
-            </a:r>
-          </a:p>
-          <a:p>
-            <a:r>
-              <a:rPr lang="en-GB" dirty="0"/>
-              <a:t>Character correspondence</a:t>
-            </a:r>
-          </a:p>
-          <a:p>
-            <a:r>
-              <a:rPr lang="en-GB" dirty="0"/>
-              <a:t>Press peak structure</a:t>
-            </a:r>
-          </a:p>
-          <a:p>
-            <a:endParaRPr lang="it-IT" dirty="0"/>
+            <a:pPr>
+              <a:buClr>
+                <a:srgbClr val="0070C0"/>
+              </a:buClr>
+            </a:pPr>
+            <a:r>
+              <a:rPr lang="en-GB" sz="1600" dirty="0"/>
+              <a:t>Evaluation of the user’s activity during the password insertion</a:t>
+            </a:r>
+          </a:p>
+          <a:p>
+            <a:pPr>
+              <a:buClr>
+                <a:srgbClr val="0070C0"/>
+              </a:buClr>
+            </a:pPr>
+            <a:r>
+              <a:rPr lang="en-GB" sz="1600" dirty="0"/>
+              <a:t>Communication between client and server</a:t>
+            </a:r>
+            <a:endParaRPr lang="it-IT" sz="1600" dirty="0"/>
           </a:p>
         </p:txBody>
       </p:sp>
@@ -8350,6 +9769,1064 @@
               <a:t>2</a:t>
             </a:fld>
             <a:endParaRPr lang="it-IT" sz="1100"/>
+          </a:p>
+        </p:txBody>
+      </p:sp>
+      <p:sp>
+        <p:nvSpPr>
+          <p:cNvPr id="5" name="Segnaposto data 4">
+            <a:extLst>
+              <a:ext uri="{FF2B5EF4-FFF2-40B4-BE49-F238E27FC236}">
+                <a16:creationId xmlns:a16="http://schemas.microsoft.com/office/drawing/2014/main" id="{B9E952E2-F78D-4146-9423-FC19E730EFB1}"/>
+              </a:ext>
+            </a:extLst>
+          </p:cNvPr>
+          <p:cNvSpPr>
+            <a:spLocks noGrp="1"/>
+          </p:cNvSpPr>
+          <p:nvPr>
+            <p:ph type="dt" sz="half" idx="10"/>
+          </p:nvPr>
+        </p:nvSpPr>
+        <p:spPr/>
+        <p:txBody>
+          <a:bodyPr/>
+          <a:lstStyle/>
+          <a:p>
+            <a:r>
+              <a:rPr lang="it-IT"/>
+              <a:t>03/01/2021</a:t>
+            </a:r>
+          </a:p>
+        </p:txBody>
+      </p:sp>
+      <p:sp>
+        <p:nvSpPr>
+          <p:cNvPr id="9" name="Segnaposto contenuto 2">
+            <a:extLst>
+              <a:ext uri="{FF2B5EF4-FFF2-40B4-BE49-F238E27FC236}">
+                <a16:creationId xmlns:a16="http://schemas.microsoft.com/office/drawing/2014/main" id="{7ACA4234-3B2A-4CF1-AA13-B4FFC7816778}"/>
+              </a:ext>
+            </a:extLst>
+          </p:cNvPr>
+          <p:cNvSpPr txBox="1">
+            <a:spLocks/>
+          </p:cNvSpPr>
+          <p:nvPr/>
+        </p:nvSpPr>
+        <p:spPr>
+          <a:xfrm>
+            <a:off x="217557" y="1842667"/>
+            <a:ext cx="8708886" cy="840376"/>
+          </a:xfrm>
+          <a:prstGeom prst="rect">
+            <a:avLst/>
+          </a:prstGeom>
+          <a:effectLst>
+            <a:outerShdw blurRad="25400" dir="17880000">
+              <a:srgbClr val="000000">
+                <a:alpha val="46000"/>
+              </a:srgbClr>
+            </a:outerShdw>
+          </a:effectLst>
+        </p:spPr>
+        <p:txBody>
+          <a:bodyPr vert="horz" lIns="91440" tIns="45720" rIns="91440" bIns="45720" rtlCol="0" anchor="t">
+            <a:normAutofit fontScale="92500"/>
+          </a:bodyPr>
+          <a:lstStyle>
+            <a:lvl1pPr marL="342900" indent="-306000" algn="l" defTabSz="457200" rtl="0" eaLnBrk="1" latinLnBrk="0" hangingPunct="1">
+              <a:spcBef>
+                <a:spcPct val="20000"/>
+              </a:spcBef>
+              <a:spcAft>
+                <a:spcPts val="600"/>
+              </a:spcAft>
+              <a:buClr>
+                <a:schemeClr val="tx2"/>
+              </a:buClr>
+              <a:buSzPct val="70000"/>
+              <a:buFont typeface="Wingdings 2" charset="2"/>
+              <a:buChar char=""/>
+              <a:defRPr sz="2000" kern="1200">
+                <a:ln>
+                  <a:solidFill>
+                    <a:schemeClr val="bg1">
+                      <a:lumMod val="75000"/>
+                      <a:lumOff val="25000"/>
+                      <a:alpha val="10000"/>
+                    </a:schemeClr>
+                  </a:solidFill>
+                </a:ln>
+                <a:solidFill>
+                  <a:schemeClr val="tx2"/>
+                </a:solidFill>
+                <a:effectLst>
+                  <a:outerShdw blurRad="9525" dist="25400" dir="14640000" algn="tl" rotWithShape="0">
+                    <a:schemeClr val="bg1">
+                      <a:alpha val="30000"/>
+                    </a:schemeClr>
+                  </a:outerShdw>
+                </a:effectLst>
+                <a:latin typeface="+mn-lt"/>
+                <a:ea typeface="+mn-ea"/>
+                <a:cs typeface="+mn-cs"/>
+              </a:defRPr>
+            </a:lvl1pPr>
+            <a:lvl2pPr marL="720000" indent="-270000" algn="l" defTabSz="457200" rtl="0" eaLnBrk="1" latinLnBrk="0" hangingPunct="1">
+              <a:spcBef>
+                <a:spcPct val="20000"/>
+              </a:spcBef>
+              <a:spcAft>
+                <a:spcPts val="600"/>
+              </a:spcAft>
+              <a:buClr>
+                <a:schemeClr val="tx2"/>
+              </a:buClr>
+              <a:buSzPct val="70000"/>
+              <a:buFont typeface="Wingdings 2" charset="2"/>
+              <a:buChar char=""/>
+              <a:defRPr sz="1800" kern="1200">
+                <a:ln>
+                  <a:solidFill>
+                    <a:schemeClr val="bg1">
+                      <a:lumMod val="75000"/>
+                      <a:lumOff val="25000"/>
+                      <a:alpha val="10000"/>
+                    </a:schemeClr>
+                  </a:solidFill>
+                </a:ln>
+                <a:solidFill>
+                  <a:schemeClr val="tx2"/>
+                </a:solidFill>
+                <a:effectLst>
+                  <a:outerShdw blurRad="9525" dist="25400" dir="14640000" algn="tl" rotWithShape="0">
+                    <a:schemeClr val="bg1">
+                      <a:alpha val="30000"/>
+                    </a:schemeClr>
+                  </a:outerShdw>
+                </a:effectLst>
+                <a:latin typeface="+mn-lt"/>
+                <a:ea typeface="+mn-ea"/>
+                <a:cs typeface="+mn-cs"/>
+              </a:defRPr>
+            </a:lvl2pPr>
+            <a:lvl3pPr marL="1026000" indent="-216000" algn="l" defTabSz="457200" rtl="0" eaLnBrk="1" latinLnBrk="0" hangingPunct="1">
+              <a:spcBef>
+                <a:spcPct val="20000"/>
+              </a:spcBef>
+              <a:spcAft>
+                <a:spcPts val="600"/>
+              </a:spcAft>
+              <a:buClr>
+                <a:schemeClr val="tx2"/>
+              </a:buClr>
+              <a:buSzPct val="70000"/>
+              <a:buFont typeface="Wingdings 2" charset="2"/>
+              <a:buChar char=""/>
+              <a:defRPr sz="1600" kern="1200">
+                <a:ln>
+                  <a:solidFill>
+                    <a:schemeClr val="bg1">
+                      <a:lumMod val="75000"/>
+                      <a:lumOff val="25000"/>
+                      <a:alpha val="10000"/>
+                    </a:schemeClr>
+                  </a:solidFill>
+                </a:ln>
+                <a:solidFill>
+                  <a:schemeClr val="tx2"/>
+                </a:solidFill>
+                <a:effectLst>
+                  <a:outerShdw blurRad="9525" dist="25400" dir="14640000" algn="tl" rotWithShape="0">
+                    <a:schemeClr val="bg1">
+                      <a:alpha val="30000"/>
+                    </a:schemeClr>
+                  </a:outerShdw>
+                </a:effectLst>
+                <a:latin typeface="+mn-lt"/>
+                <a:ea typeface="+mn-ea"/>
+                <a:cs typeface="+mn-cs"/>
+              </a:defRPr>
+            </a:lvl3pPr>
+            <a:lvl4pPr marL="1386000" indent="-216000" algn="l" defTabSz="457200" rtl="0" eaLnBrk="1" latinLnBrk="0" hangingPunct="1">
+              <a:spcBef>
+                <a:spcPct val="20000"/>
+              </a:spcBef>
+              <a:spcAft>
+                <a:spcPts val="600"/>
+              </a:spcAft>
+              <a:buClr>
+                <a:schemeClr val="tx2"/>
+              </a:buClr>
+              <a:buSzPct val="70000"/>
+              <a:buFont typeface="Wingdings 2" charset="2"/>
+              <a:buChar char=""/>
+              <a:defRPr sz="1400" kern="1200">
+                <a:ln>
+                  <a:solidFill>
+                    <a:schemeClr val="bg1">
+                      <a:lumMod val="75000"/>
+                      <a:lumOff val="25000"/>
+                      <a:alpha val="10000"/>
+                    </a:schemeClr>
+                  </a:solidFill>
+                </a:ln>
+                <a:solidFill>
+                  <a:schemeClr val="tx2"/>
+                </a:solidFill>
+                <a:effectLst>
+                  <a:outerShdw blurRad="9525" dist="25400" dir="14640000" algn="tl" rotWithShape="0">
+                    <a:schemeClr val="bg1">
+                      <a:alpha val="30000"/>
+                    </a:schemeClr>
+                  </a:outerShdw>
+                </a:effectLst>
+                <a:latin typeface="+mn-lt"/>
+                <a:ea typeface="+mn-ea"/>
+                <a:cs typeface="+mn-cs"/>
+              </a:defRPr>
+            </a:lvl4pPr>
+            <a:lvl5pPr marL="1674000" indent="-216000" algn="l" defTabSz="457200" rtl="0" eaLnBrk="1" latinLnBrk="0" hangingPunct="1">
+              <a:spcBef>
+                <a:spcPct val="20000"/>
+              </a:spcBef>
+              <a:spcAft>
+                <a:spcPts val="600"/>
+              </a:spcAft>
+              <a:buClr>
+                <a:schemeClr val="tx2"/>
+              </a:buClr>
+              <a:buSzPct val="70000"/>
+              <a:buFont typeface="Wingdings 2" charset="2"/>
+              <a:buChar char=""/>
+              <a:defRPr sz="1400" kern="1200">
+                <a:ln>
+                  <a:solidFill>
+                    <a:schemeClr val="bg1">
+                      <a:lumMod val="75000"/>
+                      <a:lumOff val="25000"/>
+                      <a:alpha val="10000"/>
+                    </a:schemeClr>
+                  </a:solidFill>
+                </a:ln>
+                <a:solidFill>
+                  <a:schemeClr val="tx2"/>
+                </a:solidFill>
+                <a:effectLst>
+                  <a:outerShdw blurRad="9525" dist="25400" dir="14640000" algn="tl" rotWithShape="0">
+                    <a:schemeClr val="bg1">
+                      <a:alpha val="30000"/>
+                    </a:schemeClr>
+                  </a:outerShdw>
+                </a:effectLst>
+                <a:latin typeface="+mn-lt"/>
+                <a:ea typeface="+mn-ea"/>
+                <a:cs typeface="+mn-cs"/>
+              </a:defRPr>
+            </a:lvl5pPr>
+            <a:lvl6pPr marL="2014600" indent="-228600" algn="l" defTabSz="457200" rtl="0" eaLnBrk="1" latinLnBrk="0" hangingPunct="1">
+              <a:spcBef>
+                <a:spcPct val="20000"/>
+              </a:spcBef>
+              <a:spcAft>
+                <a:spcPts val="600"/>
+              </a:spcAft>
+              <a:buClr>
+                <a:schemeClr val="tx2"/>
+              </a:buClr>
+              <a:buSzPct val="70000"/>
+              <a:buFont typeface="Wingdings 2" charset="2"/>
+              <a:buChar char=""/>
+              <a:defRPr sz="1400" kern="1200">
+                <a:ln>
+                  <a:solidFill>
+                    <a:schemeClr val="bg1">
+                      <a:lumMod val="75000"/>
+                      <a:lumOff val="25000"/>
+                      <a:alpha val="10000"/>
+                    </a:schemeClr>
+                  </a:solidFill>
+                </a:ln>
+                <a:solidFill>
+                  <a:schemeClr val="tx2"/>
+                </a:solidFill>
+                <a:effectLst>
+                  <a:outerShdw blurRad="9525" dist="25400" dir="14640000" algn="tl" rotWithShape="0">
+                    <a:schemeClr val="bg1">
+                      <a:alpha val="30000"/>
+                    </a:schemeClr>
+                  </a:outerShdw>
+                </a:effectLst>
+                <a:latin typeface="+mn-lt"/>
+                <a:ea typeface="+mn-ea"/>
+                <a:cs typeface="+mn-cs"/>
+              </a:defRPr>
+            </a:lvl6pPr>
+            <a:lvl7pPr marL="2401800" indent="-228600" algn="l" defTabSz="457200" rtl="0" eaLnBrk="1" latinLnBrk="0" hangingPunct="1">
+              <a:spcBef>
+                <a:spcPct val="20000"/>
+              </a:spcBef>
+              <a:spcAft>
+                <a:spcPts val="600"/>
+              </a:spcAft>
+              <a:buClr>
+                <a:schemeClr val="tx2"/>
+              </a:buClr>
+              <a:buSzPct val="70000"/>
+              <a:buFont typeface="Wingdings 2" charset="2"/>
+              <a:buChar char=""/>
+              <a:defRPr sz="1400" kern="1200">
+                <a:ln>
+                  <a:solidFill>
+                    <a:schemeClr val="bg1">
+                      <a:lumMod val="75000"/>
+                      <a:lumOff val="25000"/>
+                      <a:alpha val="10000"/>
+                    </a:schemeClr>
+                  </a:solidFill>
+                </a:ln>
+                <a:solidFill>
+                  <a:schemeClr val="tx2"/>
+                </a:solidFill>
+                <a:effectLst>
+                  <a:outerShdw blurRad="9525" dist="25400" dir="14640000" algn="tl" rotWithShape="0">
+                    <a:schemeClr val="bg1">
+                      <a:alpha val="30000"/>
+                    </a:schemeClr>
+                  </a:outerShdw>
+                </a:effectLst>
+                <a:latin typeface="+mn-lt"/>
+                <a:ea typeface="+mn-ea"/>
+                <a:cs typeface="+mn-cs"/>
+              </a:defRPr>
+            </a:lvl7pPr>
+            <a:lvl8pPr marL="2789000" indent="-228600" algn="l" defTabSz="457200" rtl="0" eaLnBrk="1" latinLnBrk="0" hangingPunct="1">
+              <a:spcBef>
+                <a:spcPct val="20000"/>
+              </a:spcBef>
+              <a:spcAft>
+                <a:spcPts val="600"/>
+              </a:spcAft>
+              <a:buClr>
+                <a:schemeClr val="tx2"/>
+              </a:buClr>
+              <a:buSzPct val="70000"/>
+              <a:buFont typeface="Wingdings 2" charset="2"/>
+              <a:buChar char=""/>
+              <a:defRPr sz="1400" kern="1200">
+                <a:ln>
+                  <a:solidFill>
+                    <a:schemeClr val="bg1">
+                      <a:lumMod val="75000"/>
+                      <a:lumOff val="25000"/>
+                      <a:alpha val="10000"/>
+                    </a:schemeClr>
+                  </a:solidFill>
+                </a:ln>
+                <a:solidFill>
+                  <a:schemeClr val="tx2"/>
+                </a:solidFill>
+                <a:effectLst>
+                  <a:outerShdw blurRad="9525" dist="25400" dir="14640000" algn="tl" rotWithShape="0">
+                    <a:schemeClr val="bg1">
+                      <a:alpha val="30000"/>
+                    </a:schemeClr>
+                  </a:outerShdw>
+                </a:effectLst>
+                <a:latin typeface="+mn-lt"/>
+                <a:ea typeface="+mn-ea"/>
+                <a:cs typeface="+mn-cs"/>
+              </a:defRPr>
+            </a:lvl8pPr>
+            <a:lvl9pPr marL="3106200" indent="-228600" algn="l" defTabSz="457200" rtl="0" eaLnBrk="1" latinLnBrk="0" hangingPunct="1">
+              <a:spcBef>
+                <a:spcPct val="20000"/>
+              </a:spcBef>
+              <a:spcAft>
+                <a:spcPts val="600"/>
+              </a:spcAft>
+              <a:buClr>
+                <a:schemeClr val="tx2"/>
+              </a:buClr>
+              <a:buSzPct val="70000"/>
+              <a:buFont typeface="Wingdings 2" charset="2"/>
+              <a:buChar char=""/>
+              <a:defRPr sz="1400" kern="1200">
+                <a:ln>
+                  <a:solidFill>
+                    <a:schemeClr val="bg1">
+                      <a:lumMod val="75000"/>
+                      <a:lumOff val="25000"/>
+                      <a:alpha val="10000"/>
+                    </a:schemeClr>
+                  </a:solidFill>
+                </a:ln>
+                <a:solidFill>
+                  <a:schemeClr val="tx2"/>
+                </a:solidFill>
+                <a:effectLst>
+                  <a:outerShdw blurRad="9525" dist="25400" dir="14640000" algn="tl" rotWithShape="0">
+                    <a:schemeClr val="bg1">
+                      <a:alpha val="30000"/>
+                    </a:schemeClr>
+                  </a:outerShdw>
+                </a:effectLst>
+                <a:latin typeface="+mn-lt"/>
+                <a:ea typeface="+mn-ea"/>
+                <a:cs typeface="+mn-cs"/>
+              </a:defRPr>
+            </a:lvl9pPr>
+          </a:lstStyle>
+          <a:p>
+            <a:pPr marL="36900" indent="0" algn="ctr">
+              <a:buNone/>
+            </a:pPr>
+            <a:r>
+              <a:rPr lang="en-GB" sz="1600" dirty="0">
+                <a:solidFill>
+                  <a:schemeClr val="accent2">
+                    <a:lumMod val="75000"/>
+                  </a:schemeClr>
+                </a:solidFill>
+              </a:rPr>
+              <a:t>Acoustic CAPPCHA  (Completely Automated Public Physical test to tell Computer </a:t>
+            </a:r>
+            <a:r>
+              <a:rPr lang="it-IT" sz="1600" dirty="0">
+                <a:solidFill>
+                  <a:schemeClr val="accent2">
+                    <a:lumMod val="75000"/>
+                  </a:schemeClr>
+                </a:solidFill>
+              </a:rPr>
+              <a:t>and </a:t>
+            </a:r>
+            <a:r>
+              <a:rPr lang="it-IT" sz="1600" dirty="0" err="1">
+                <a:solidFill>
+                  <a:schemeClr val="accent2">
+                    <a:lumMod val="75000"/>
+                  </a:schemeClr>
+                </a:solidFill>
+              </a:rPr>
+              <a:t>Humans</a:t>
+            </a:r>
+            <a:r>
+              <a:rPr lang="it-IT" sz="1600" dirty="0">
+                <a:solidFill>
+                  <a:schemeClr val="accent2">
+                    <a:lumMod val="75000"/>
+                  </a:schemeClr>
+                </a:solidFill>
+              </a:rPr>
+              <a:t> </a:t>
+            </a:r>
+            <a:r>
+              <a:rPr lang="it-IT" sz="1600" dirty="0" err="1">
+                <a:solidFill>
+                  <a:schemeClr val="accent2">
+                    <a:lumMod val="75000"/>
+                  </a:schemeClr>
+                </a:solidFill>
+              </a:rPr>
+              <a:t>Apart</a:t>
+            </a:r>
+            <a:r>
+              <a:rPr lang="it-IT" sz="1600" dirty="0">
+                <a:solidFill>
+                  <a:schemeClr val="accent2">
+                    <a:lumMod val="75000"/>
+                  </a:schemeClr>
+                </a:solidFill>
+              </a:rPr>
+              <a:t>)</a:t>
+            </a:r>
+            <a:r>
+              <a:rPr lang="it-IT" sz="1600" dirty="0"/>
+              <a:t> </a:t>
+            </a:r>
+          </a:p>
+          <a:p>
+            <a:pPr marL="36900" indent="0" algn="ctr">
+              <a:buNone/>
+            </a:pPr>
+            <a:r>
+              <a:rPr lang="it-IT" sz="1700" dirty="0" err="1"/>
+              <a:t>based</a:t>
+            </a:r>
+            <a:r>
+              <a:rPr lang="it-IT" sz="1700" dirty="0"/>
+              <a:t> on the </a:t>
+            </a:r>
+            <a:r>
+              <a:rPr lang="it-IT" sz="1700" dirty="0" err="1"/>
+              <a:t>analysis</a:t>
+            </a:r>
+            <a:r>
+              <a:rPr lang="it-IT" sz="1700" dirty="0"/>
+              <a:t> of an acoustic side-</a:t>
+            </a:r>
+            <a:r>
+              <a:rPr lang="it-IT" sz="1700" dirty="0" err="1"/>
+              <a:t>channel</a:t>
+            </a:r>
+            <a:r>
+              <a:rPr lang="en-GB" sz="1700" dirty="0"/>
+              <a:t> of the PC microphone </a:t>
+            </a:r>
+            <a:endParaRPr lang="it-IT" sz="1700" dirty="0"/>
+          </a:p>
+        </p:txBody>
+      </p:sp>
+      <p:sp>
+        <p:nvSpPr>
+          <p:cNvPr id="12" name="CasellaDiTesto 11">
+            <a:extLst>
+              <a:ext uri="{FF2B5EF4-FFF2-40B4-BE49-F238E27FC236}">
+                <a16:creationId xmlns:a16="http://schemas.microsoft.com/office/drawing/2014/main" id="{84A21BA2-635A-4D24-B1DC-95A2E07600E2}"/>
+              </a:ext>
+            </a:extLst>
+          </p:cNvPr>
+          <p:cNvSpPr txBox="1"/>
+          <p:nvPr/>
+        </p:nvSpPr>
+        <p:spPr>
+          <a:xfrm>
+            <a:off x="435114" y="2694902"/>
+            <a:ext cx="3368844" cy="369505"/>
+          </a:xfrm>
+          <a:prstGeom prst="rect">
+            <a:avLst/>
+          </a:prstGeom>
+          <a:noFill/>
+        </p:spPr>
+        <p:txBody>
+          <a:bodyPr wrap="square" rtlCol="0">
+            <a:spAutoFit/>
+          </a:bodyPr>
+          <a:lstStyle/>
+          <a:p>
+            <a:r>
+              <a:rPr lang="en-GB" dirty="0">
+                <a:solidFill>
+                  <a:srgbClr val="0070C0"/>
+                </a:solidFill>
+              </a:rPr>
+              <a:t>Main phases of the analysis:</a:t>
+            </a:r>
+            <a:endParaRPr lang="it-IT" dirty="0">
+              <a:solidFill>
+                <a:srgbClr val="0070C0"/>
+              </a:solidFill>
+            </a:endParaRPr>
+          </a:p>
+        </p:txBody>
+      </p:sp>
+      <p:sp>
+        <p:nvSpPr>
+          <p:cNvPr id="15" name="Freccia a destra 14">
+            <a:extLst>
+              <a:ext uri="{FF2B5EF4-FFF2-40B4-BE49-F238E27FC236}">
+                <a16:creationId xmlns:a16="http://schemas.microsoft.com/office/drawing/2014/main" id="{94A74128-332E-4FDA-821B-72F17ABF3A9E}"/>
+              </a:ext>
+            </a:extLst>
+          </p:cNvPr>
+          <p:cNvSpPr/>
+          <p:nvPr/>
+        </p:nvSpPr>
+        <p:spPr>
+          <a:xfrm>
+            <a:off x="4150895" y="3789947"/>
+            <a:ext cx="613610" cy="385011"/>
+          </a:xfrm>
+          <a:prstGeom prst="rightArrow">
+            <a:avLst/>
+          </a:prstGeom>
+        </p:spPr>
+        <p:style>
+          <a:lnRef idx="2">
+            <a:schemeClr val="accent1">
+              <a:shade val="50000"/>
+            </a:schemeClr>
+          </a:lnRef>
+          <a:fillRef idx="1">
+            <a:schemeClr val="accent1"/>
+          </a:fillRef>
+          <a:effectRef idx="0">
+            <a:schemeClr val="accent1"/>
+          </a:effectRef>
+          <a:fontRef idx="minor">
+            <a:schemeClr val="lt1"/>
+          </a:fontRef>
+        </p:style>
+        <p:txBody>
+          <a:bodyPr rtlCol="0" anchor="ctr"/>
+          <a:lstStyle/>
+          <a:p>
+            <a:pPr algn="ctr"/>
+            <a:endParaRPr lang="it-IT"/>
+          </a:p>
+        </p:txBody>
+      </p:sp>
+      <p:sp>
+        <p:nvSpPr>
+          <p:cNvPr id="17" name="Titolo 1">
+            <a:extLst>
+              <a:ext uri="{FF2B5EF4-FFF2-40B4-BE49-F238E27FC236}">
+                <a16:creationId xmlns:a16="http://schemas.microsoft.com/office/drawing/2014/main" id="{825EC61F-19A1-4BEA-A563-9808AD68DF46}"/>
+              </a:ext>
+            </a:extLst>
+          </p:cNvPr>
+          <p:cNvSpPr txBox="1">
+            <a:spLocks/>
+          </p:cNvSpPr>
+          <p:nvPr/>
+        </p:nvSpPr>
+        <p:spPr>
+          <a:xfrm>
+            <a:off x="4636657" y="2664430"/>
+            <a:ext cx="3814011" cy="721189"/>
+          </a:xfrm>
+          <a:prstGeom prst="rect">
+            <a:avLst/>
+          </a:prstGeom>
+          <a:effectLst>
+            <a:outerShdw blurRad="25400" dir="17880000">
+              <a:srgbClr val="000000">
+                <a:alpha val="46000"/>
+              </a:srgbClr>
+            </a:outerShdw>
+          </a:effectLst>
+        </p:spPr>
+        <p:txBody>
+          <a:bodyPr vert="horz" lIns="91440" tIns="45720" rIns="91440" bIns="45720" rtlCol="0" anchor="ctr">
+            <a:normAutofit/>
+          </a:bodyPr>
+          <a:lstStyle>
+            <a:lvl1pPr algn="ctr" defTabSz="457200" rtl="0" eaLnBrk="1" latinLnBrk="0" hangingPunct="1">
+              <a:spcBef>
+                <a:spcPct val="0"/>
+              </a:spcBef>
+              <a:buNone/>
+              <a:defRPr sz="4000" kern="1200">
+                <a:ln>
+                  <a:solidFill>
+                    <a:schemeClr val="bg1">
+                      <a:lumMod val="75000"/>
+                      <a:lumOff val="25000"/>
+                      <a:alpha val="10000"/>
+                    </a:schemeClr>
+                  </a:solidFill>
+                </a:ln>
+                <a:solidFill>
+                  <a:srgbClr val="0070C0"/>
+                </a:solidFill>
+                <a:effectLst>
+                  <a:outerShdw blurRad="9525" dist="25400" dir="14640000" algn="tl" rotWithShape="0">
+                    <a:schemeClr val="bg1">
+                      <a:alpha val="30000"/>
+                    </a:schemeClr>
+                  </a:outerShdw>
+                </a:effectLst>
+                <a:latin typeface="+mj-lt"/>
+                <a:ea typeface="+mj-ea"/>
+                <a:cs typeface="Trebuchet MS"/>
+              </a:defRPr>
+            </a:lvl1pPr>
+            <a:lvl2pPr eaLnBrk="1" hangingPunct="1">
+              <a:defRPr>
+                <a:solidFill>
+                  <a:schemeClr val="tx2"/>
+                </a:solidFill>
+              </a:defRPr>
+            </a:lvl2pPr>
+            <a:lvl3pPr eaLnBrk="1" hangingPunct="1">
+              <a:defRPr>
+                <a:solidFill>
+                  <a:schemeClr val="tx2"/>
+                </a:solidFill>
+              </a:defRPr>
+            </a:lvl3pPr>
+            <a:lvl4pPr eaLnBrk="1" hangingPunct="1">
+              <a:defRPr>
+                <a:solidFill>
+                  <a:schemeClr val="tx2"/>
+                </a:solidFill>
+              </a:defRPr>
+            </a:lvl4pPr>
+            <a:lvl5pPr eaLnBrk="1" hangingPunct="1">
+              <a:defRPr>
+                <a:solidFill>
+                  <a:schemeClr val="tx2"/>
+                </a:solidFill>
+              </a:defRPr>
+            </a:lvl5pPr>
+            <a:lvl6pPr eaLnBrk="1" hangingPunct="1">
+              <a:defRPr>
+                <a:solidFill>
+                  <a:schemeClr val="tx2"/>
+                </a:solidFill>
+              </a:defRPr>
+            </a:lvl6pPr>
+            <a:lvl7pPr eaLnBrk="1" hangingPunct="1">
+              <a:defRPr>
+                <a:solidFill>
+                  <a:schemeClr val="tx2"/>
+                </a:solidFill>
+              </a:defRPr>
+            </a:lvl7pPr>
+            <a:lvl8pPr eaLnBrk="1" hangingPunct="1">
+              <a:defRPr>
+                <a:solidFill>
+                  <a:schemeClr val="tx2"/>
+                </a:solidFill>
+              </a:defRPr>
+            </a:lvl8pPr>
+            <a:lvl9pPr eaLnBrk="1" hangingPunct="1">
+              <a:defRPr>
+                <a:solidFill>
+                  <a:schemeClr val="tx2"/>
+                </a:solidFill>
+              </a:defRPr>
+            </a:lvl9pPr>
+          </a:lstStyle>
+          <a:p>
+            <a:r>
+              <a:rPr lang="en-GB" sz="2800"/>
+              <a:t>Noise evaluation</a:t>
+            </a:r>
+            <a:endParaRPr lang="it-IT" sz="2800" dirty="0"/>
+          </a:p>
+        </p:txBody>
+      </p:sp>
+      <p:sp>
+        <p:nvSpPr>
+          <p:cNvPr id="18" name="CasellaDiTesto 17">
+            <a:extLst>
+              <a:ext uri="{FF2B5EF4-FFF2-40B4-BE49-F238E27FC236}">
+                <a16:creationId xmlns:a16="http://schemas.microsoft.com/office/drawing/2014/main" id="{2D1B7F3F-65FB-4380-A848-9C9F122F55D0}"/>
+              </a:ext>
+            </a:extLst>
+          </p:cNvPr>
+          <p:cNvSpPr txBox="1"/>
+          <p:nvPr/>
+        </p:nvSpPr>
+        <p:spPr>
+          <a:xfrm>
+            <a:off x="4872789" y="3234794"/>
+            <a:ext cx="3797966" cy="1938992"/>
+          </a:xfrm>
+          <a:prstGeom prst="rect">
+            <a:avLst/>
+          </a:prstGeom>
+          <a:noFill/>
+        </p:spPr>
+        <p:txBody>
+          <a:bodyPr wrap="square" rtlCol="0">
+            <a:spAutoFit/>
+          </a:bodyPr>
+          <a:lstStyle/>
+          <a:p>
+            <a:pPr marL="285750" indent="-285750">
+              <a:buClr>
+                <a:schemeClr val="accent2">
+                  <a:lumMod val="75000"/>
+                </a:schemeClr>
+              </a:buClr>
+              <a:buFont typeface="Wingdings 2" panose="05020102010507070707" pitchFamily="18" charset="2"/>
+              <a:buChar char=""/>
+            </a:pPr>
+            <a:r>
+              <a:rPr lang="en-GB" sz="1600" dirty="0">
+                <a:solidFill>
+                  <a:schemeClr val="accent2">
+                    <a:lumMod val="75000"/>
+                  </a:schemeClr>
+                </a:solidFill>
+              </a:rPr>
+              <a:t>B</a:t>
+            </a:r>
+            <a:r>
+              <a:rPr lang="it-IT" sz="1600" dirty="0" err="1">
+                <a:solidFill>
+                  <a:schemeClr val="accent2">
+                    <a:lumMod val="75000"/>
+                  </a:schemeClr>
+                </a:solidFill>
+              </a:rPr>
+              <a:t>efore</a:t>
+            </a:r>
+            <a:r>
+              <a:rPr lang="it-IT" sz="1600" dirty="0">
+                <a:solidFill>
+                  <a:schemeClr val="accent2">
+                    <a:lumMod val="75000"/>
+                  </a:schemeClr>
+                </a:solidFill>
+              </a:rPr>
+              <a:t> the user </a:t>
+            </a:r>
+            <a:r>
+              <a:rPr lang="it-IT" sz="1600" dirty="0" err="1">
+                <a:solidFill>
+                  <a:schemeClr val="accent2">
+                    <a:lumMod val="75000"/>
+                  </a:schemeClr>
+                </a:solidFill>
+              </a:rPr>
+              <a:t>types</a:t>
+            </a:r>
+            <a:r>
+              <a:rPr lang="it-IT" sz="1600" dirty="0">
+                <a:solidFill>
+                  <a:schemeClr val="accent2">
+                    <a:lumMod val="75000"/>
+                  </a:schemeClr>
+                </a:solidFill>
+              </a:rPr>
+              <a:t> the password</a:t>
+            </a:r>
+          </a:p>
+          <a:p>
+            <a:pPr lvl="1">
+              <a:buClr>
+                <a:schemeClr val="accent2">
+                  <a:lumMod val="75000"/>
+                </a:schemeClr>
+              </a:buClr>
+            </a:pPr>
+            <a:r>
+              <a:rPr lang="it-IT" sz="1400" dirty="0"/>
+              <a:t>A 2 seconds long audio file </a:t>
+            </a:r>
+            <a:r>
+              <a:rPr lang="it-IT" sz="1400" dirty="0" err="1"/>
+              <a:t>is</a:t>
+            </a:r>
+            <a:r>
+              <a:rPr lang="it-IT" sz="1400" dirty="0"/>
+              <a:t> </a:t>
+            </a:r>
+            <a:r>
+              <a:rPr lang="it-IT" sz="1400" dirty="0" err="1"/>
+              <a:t>recorded</a:t>
+            </a:r>
+            <a:r>
+              <a:rPr lang="it-IT" sz="1400" dirty="0"/>
+              <a:t> and a </a:t>
+            </a:r>
+            <a:r>
+              <a:rPr lang="it-IT" sz="1400" dirty="0" err="1"/>
+              <a:t>noise</a:t>
+            </a:r>
+            <a:r>
+              <a:rPr lang="it-IT" sz="1400" dirty="0"/>
+              <a:t> </a:t>
+            </a:r>
+            <a:r>
+              <a:rPr lang="it-IT" sz="1400" dirty="0" err="1"/>
+              <a:t>threshold</a:t>
+            </a:r>
+            <a:r>
+              <a:rPr lang="it-IT" sz="1400" dirty="0"/>
+              <a:t> </a:t>
+            </a:r>
+            <a:r>
+              <a:rPr lang="it-IT" sz="1400" dirty="0" err="1"/>
+              <a:t>is</a:t>
+            </a:r>
+            <a:r>
+              <a:rPr lang="it-IT" sz="1400" dirty="0"/>
+              <a:t> </a:t>
+            </a:r>
+            <a:r>
+              <a:rPr lang="it-IT" sz="1400" dirty="0" err="1"/>
+              <a:t>evaluated</a:t>
+            </a:r>
+            <a:endParaRPr lang="it-IT" sz="1400" dirty="0">
+              <a:solidFill>
+                <a:schemeClr val="accent2">
+                  <a:lumMod val="75000"/>
+                </a:schemeClr>
+              </a:solidFill>
+            </a:endParaRPr>
+          </a:p>
+          <a:p>
+            <a:pPr marL="285750" indent="-285750">
+              <a:buClr>
+                <a:schemeClr val="accent2">
+                  <a:lumMod val="75000"/>
+                </a:schemeClr>
+              </a:buClr>
+              <a:buFont typeface="Wingdings 2" panose="05020102010507070707" pitchFamily="18" charset="2"/>
+              <a:buChar char=""/>
+            </a:pPr>
+            <a:r>
+              <a:rPr lang="it-IT" sz="1600" dirty="0" err="1">
+                <a:solidFill>
+                  <a:schemeClr val="accent2">
+                    <a:lumMod val="75000"/>
+                  </a:schemeClr>
+                </a:solidFill>
+              </a:rPr>
+              <a:t>During</a:t>
+            </a:r>
+            <a:r>
+              <a:rPr lang="it-IT" sz="1600" dirty="0">
+                <a:solidFill>
+                  <a:schemeClr val="accent2">
+                    <a:lumMod val="75000"/>
+                  </a:schemeClr>
+                </a:solidFill>
+              </a:rPr>
+              <a:t> the </a:t>
+            </a:r>
+            <a:r>
+              <a:rPr lang="it-IT" sz="1600" dirty="0" err="1">
+                <a:solidFill>
+                  <a:schemeClr val="accent2">
+                    <a:lumMod val="75000"/>
+                  </a:schemeClr>
+                </a:solidFill>
+              </a:rPr>
+              <a:t>insertion</a:t>
+            </a:r>
+            <a:r>
+              <a:rPr lang="it-IT" sz="1600" dirty="0">
+                <a:solidFill>
+                  <a:schemeClr val="accent2">
+                    <a:lumMod val="75000"/>
+                  </a:schemeClr>
+                </a:solidFill>
+              </a:rPr>
+              <a:t> of the password</a:t>
+            </a:r>
+          </a:p>
+          <a:p>
+            <a:pPr marL="414000" lvl="1" indent="0">
+              <a:buNone/>
+            </a:pPr>
+            <a:r>
+              <a:rPr lang="it-IT" sz="1400" dirty="0"/>
+              <a:t>An audio file </a:t>
+            </a:r>
+            <a:r>
+              <a:rPr lang="it-IT" sz="1400" dirty="0" err="1"/>
+              <a:t>is</a:t>
+            </a:r>
+            <a:r>
+              <a:rPr lang="it-IT" sz="1400" dirty="0"/>
+              <a:t> </a:t>
+            </a:r>
+            <a:r>
+              <a:rPr lang="it-IT" sz="1400" dirty="0" err="1"/>
+              <a:t>recorded</a:t>
+            </a:r>
+            <a:r>
+              <a:rPr lang="it-IT" sz="1400" dirty="0"/>
+              <a:t> to </a:t>
+            </a:r>
+            <a:r>
+              <a:rPr lang="it-IT" sz="1400" dirty="0" err="1"/>
+              <a:t>find</a:t>
+            </a:r>
+            <a:r>
+              <a:rPr lang="it-IT" sz="1400" dirty="0"/>
+              <a:t> </a:t>
+            </a:r>
+            <a:r>
+              <a:rPr lang="it-IT" sz="1400" dirty="0" err="1"/>
+              <a:t>all</a:t>
+            </a:r>
+            <a:r>
+              <a:rPr lang="it-IT" sz="1400" dirty="0"/>
+              <a:t> the audio </a:t>
+            </a:r>
+            <a:r>
+              <a:rPr lang="it-IT" sz="1400" dirty="0" err="1"/>
+              <a:t>peaks</a:t>
+            </a:r>
+            <a:r>
+              <a:rPr lang="it-IT" sz="1400" dirty="0"/>
+              <a:t>  </a:t>
+            </a:r>
+            <a:r>
+              <a:rPr lang="it-IT" sz="1400" dirty="0" err="1"/>
+              <a:t>that</a:t>
+            </a:r>
+            <a:r>
+              <a:rPr lang="it-IT" sz="1400" dirty="0"/>
+              <a:t> </a:t>
+            </a:r>
+            <a:r>
+              <a:rPr lang="it-IT" sz="1400" dirty="0" err="1"/>
+              <a:t>have</a:t>
+            </a:r>
+            <a:r>
+              <a:rPr lang="it-IT" sz="1400" dirty="0"/>
+              <a:t> </a:t>
+            </a:r>
+            <a:r>
+              <a:rPr lang="it-IT" sz="1400" dirty="0" err="1"/>
+              <a:t>intensity</a:t>
+            </a:r>
+            <a:r>
+              <a:rPr lang="it-IT" sz="1400" dirty="0"/>
+              <a:t>  </a:t>
+            </a:r>
+            <a:r>
+              <a:rPr lang="it-IT" sz="1400" dirty="0" err="1"/>
+              <a:t>greater</a:t>
+            </a:r>
+            <a:r>
+              <a:rPr lang="it-IT" sz="1400" dirty="0"/>
+              <a:t> </a:t>
+            </a:r>
+            <a:r>
+              <a:rPr lang="it-IT" sz="1400" dirty="0" err="1"/>
+              <a:t>than</a:t>
+            </a:r>
+            <a:r>
+              <a:rPr lang="it-IT" sz="1400" dirty="0"/>
+              <a:t> </a:t>
+            </a:r>
+            <a:r>
+              <a:rPr lang="it-IT" sz="1400" dirty="0" err="1"/>
+              <a:t>noise</a:t>
+            </a:r>
+            <a:r>
+              <a:rPr lang="it-IT" sz="1400" dirty="0"/>
+              <a:t> </a:t>
+            </a:r>
+            <a:r>
+              <a:rPr lang="it-IT" sz="1400" dirty="0" err="1"/>
+              <a:t>threshold</a:t>
+            </a:r>
+            <a:r>
+              <a:rPr lang="it-IT" sz="1400" dirty="0"/>
+              <a:t> and are </a:t>
+            </a:r>
+            <a:r>
+              <a:rPr lang="it-IT" sz="1400" dirty="0" err="1"/>
+              <a:t>related</a:t>
+            </a:r>
+            <a:r>
+              <a:rPr lang="it-IT" sz="1400" dirty="0"/>
+              <a:t> to the </a:t>
+            </a:r>
+            <a:r>
+              <a:rPr lang="it-IT" sz="1400" dirty="0" err="1"/>
+              <a:t>keyboard</a:t>
+            </a:r>
+            <a:r>
+              <a:rPr lang="it-IT" sz="1400" dirty="0"/>
+              <a:t> events</a:t>
+            </a:r>
+            <a:r>
+              <a:rPr lang="it-IT" sz="1500" dirty="0"/>
+              <a:t> </a:t>
+            </a:r>
           </a:p>
         </p:txBody>
       </p:sp>
@@ -8388,7 +10865,7 @@
           <p:cNvPr id="2" name="Titolo 1">
             <a:extLst>
               <a:ext uri="{FF2B5EF4-FFF2-40B4-BE49-F238E27FC236}">
-                <a16:creationId xmlns:a16="http://schemas.microsoft.com/office/drawing/2014/main" id="{324C82E4-A84D-4DB7-A399-5645977CAAE5}"/>
+                <a16:creationId xmlns:a16="http://schemas.microsoft.com/office/drawing/2014/main" id="{81CDD1C7-517E-4112-9173-A92003535FB4}"/>
               </a:ext>
             </a:extLst>
           </p:cNvPr>
@@ -8399,16 +10876,23 @@
             <p:ph type="title"/>
           </p:nvPr>
         </p:nvSpPr>
-        <p:spPr/>
-        <p:txBody>
-          <a:bodyPr/>
+        <p:spPr>
+          <a:xfrm>
+            <a:off x="1162040" y="379338"/>
+            <a:ext cx="6589231" cy="1172153"/>
+          </a:xfrm>
+        </p:spPr>
+        <p:txBody>
+          <a:bodyPr>
+            <a:normAutofit/>
+          </a:bodyPr>
           <a:lstStyle/>
           <a:p>
             <a:r>
-              <a:rPr lang="en-GB" dirty="0"/>
-              <a:t>Time correspondence</a:t>
-            </a:r>
-            <a:endParaRPr lang="it-IT" dirty="0"/>
+              <a:rPr lang="en-GB" sz="3500" dirty="0"/>
+              <a:t>Evaluation of the user’s activity</a:t>
+            </a:r>
+            <a:endParaRPr lang="it-IT" sz="3500" dirty="0"/>
           </a:p>
         </p:txBody>
       </p:sp>
@@ -8417,7 +10901,7 @@
           <p:cNvPr id="3" name="Segnaposto contenuto 2">
             <a:extLst>
               <a:ext uri="{FF2B5EF4-FFF2-40B4-BE49-F238E27FC236}">
-                <a16:creationId xmlns:a16="http://schemas.microsoft.com/office/drawing/2014/main" id="{DA68503E-092F-41E1-AC09-457CC34B9FF6}"/>
+                <a16:creationId xmlns:a16="http://schemas.microsoft.com/office/drawing/2014/main" id="{64162C4F-850C-4765-9F2E-271807378154}"/>
               </a:ext>
             </a:extLst>
           </p:cNvPr>
@@ -8428,54 +10912,336 @@
             <p:ph sz="half" idx="1"/>
           </p:nvPr>
         </p:nvSpPr>
-        <p:spPr/>
-        <p:txBody>
-          <a:bodyPr/>
+        <p:spPr>
+          <a:xfrm>
+            <a:off x="599865" y="1551491"/>
+            <a:ext cx="3891173" cy="4287836"/>
+          </a:xfrm>
+        </p:spPr>
+        <p:txBody>
+          <a:bodyPr>
+            <a:normAutofit lnSpcReduction="10000"/>
+          </a:bodyPr>
           <a:lstStyle/>
           <a:p>
-            <a:r>
-              <a:rPr lang="en-GB" dirty="0"/>
-              <a:t>Initial tests</a:t>
-            </a:r>
-            <a:endParaRPr lang="it-IT" dirty="0"/>
-          </a:p>
-        </p:txBody>
-      </p:sp>
-      <p:sp>
-        <p:nvSpPr>
-          <p:cNvPr id="4" name="Segnaposto contenuto 3">
+            <a:pPr marL="36900" indent="0">
+              <a:buClr>
+                <a:srgbClr val="0070C0"/>
+              </a:buClr>
+              <a:buNone/>
+            </a:pPr>
+            <a:r>
+              <a:rPr lang="en-GB" dirty="0">
+                <a:solidFill>
+                  <a:srgbClr val="0070C0"/>
+                </a:solidFill>
+              </a:rPr>
+              <a:t>Time correspondence</a:t>
+            </a:r>
+          </a:p>
+          <a:p>
+            <a:pPr marL="36900" indent="0">
+              <a:buClr>
+                <a:srgbClr val="0070C0"/>
+              </a:buClr>
+              <a:buNone/>
+            </a:pPr>
+            <a:r>
+              <a:rPr lang="en-GB" sz="1600" dirty="0"/>
+              <a:t>A human user is detected:</a:t>
+            </a:r>
+            <a:endParaRPr lang="it-IT" sz="1600" dirty="0"/>
+          </a:p>
+          <a:p>
+            <a:pPr>
+              <a:buClr>
+                <a:schemeClr val="accent2">
+                  <a:lumMod val="75000"/>
+                </a:schemeClr>
+              </a:buClr>
+            </a:pPr>
+            <a:r>
+              <a:rPr lang="it-IT" dirty="0" err="1">
+                <a:solidFill>
+                  <a:schemeClr val="accent2">
+                    <a:lumMod val="75000"/>
+                  </a:schemeClr>
+                </a:solidFill>
+              </a:rPr>
+              <a:t>Exact</a:t>
+            </a:r>
+            <a:r>
+              <a:rPr lang="it-IT" dirty="0">
+                <a:solidFill>
+                  <a:schemeClr val="accent2">
+                    <a:lumMod val="75000"/>
+                  </a:schemeClr>
+                </a:solidFill>
+              </a:rPr>
+              <a:t> </a:t>
+            </a:r>
+            <a:r>
+              <a:rPr lang="it-IT" dirty="0" err="1">
+                <a:solidFill>
+                  <a:schemeClr val="accent2">
+                    <a:lumMod val="75000"/>
+                  </a:schemeClr>
+                </a:solidFill>
+              </a:rPr>
+              <a:t>problem</a:t>
+            </a:r>
+            <a:endParaRPr lang="it-IT" dirty="0">
+              <a:solidFill>
+                <a:schemeClr val="accent2">
+                  <a:lumMod val="75000"/>
+                </a:schemeClr>
+              </a:solidFill>
+            </a:endParaRPr>
+          </a:p>
+          <a:p>
+            <a:pPr marL="450000" lvl="1" indent="0">
+              <a:buNone/>
+            </a:pPr>
+            <a:r>
+              <a:rPr lang="it-IT" dirty="0" err="1"/>
+              <a:t>if</a:t>
+            </a:r>
+            <a:r>
+              <a:rPr lang="it-IT" dirty="0"/>
+              <a:t> the time instants of </a:t>
+            </a:r>
+            <a:r>
+              <a:rPr lang="it-IT" dirty="0" err="1"/>
+              <a:t>keyboard</a:t>
+            </a:r>
+            <a:r>
+              <a:rPr lang="it-IT" dirty="0"/>
+              <a:t> events, </a:t>
+            </a:r>
+            <a:r>
+              <a:rPr lang="it-IT" dirty="0" err="1"/>
+              <a:t>generated</a:t>
+            </a:r>
+            <a:r>
+              <a:rPr lang="it-IT" dirty="0"/>
+              <a:t> </a:t>
+            </a:r>
+            <a:r>
+              <a:rPr lang="it-IT" dirty="0" err="1"/>
+              <a:t>during</a:t>
+            </a:r>
+            <a:r>
+              <a:rPr lang="it-IT" dirty="0"/>
+              <a:t> the </a:t>
+            </a:r>
+            <a:r>
+              <a:rPr lang="it-IT" dirty="0" err="1"/>
+              <a:t>insertion</a:t>
+            </a:r>
+            <a:r>
+              <a:rPr lang="it-IT" dirty="0"/>
+              <a:t> of the password, </a:t>
+            </a:r>
+            <a:r>
+              <a:rPr lang="it-IT" dirty="0" err="1"/>
+              <a:t>overlap</a:t>
+            </a:r>
+            <a:r>
+              <a:rPr lang="it-IT" dirty="0"/>
+              <a:t> with the time instants of audio </a:t>
+            </a:r>
+            <a:r>
+              <a:rPr lang="it-IT" dirty="0" err="1"/>
+              <a:t>peaks</a:t>
+            </a:r>
+            <a:r>
+              <a:rPr lang="it-IT" dirty="0"/>
+              <a:t> </a:t>
+            </a:r>
+            <a:r>
+              <a:rPr lang="it-IT" dirty="0" err="1"/>
+              <a:t>detected</a:t>
+            </a:r>
+            <a:r>
+              <a:rPr lang="it-IT" dirty="0"/>
+              <a:t> </a:t>
+            </a:r>
+            <a:r>
+              <a:rPr lang="it-IT" dirty="0" err="1"/>
+              <a:t>during</a:t>
+            </a:r>
+            <a:r>
+              <a:rPr lang="it-IT" dirty="0"/>
+              <a:t> the </a:t>
+            </a:r>
+            <a:r>
+              <a:rPr lang="it-IT" dirty="0" err="1"/>
+              <a:t>insertion</a:t>
+            </a:r>
+            <a:r>
+              <a:rPr lang="it-IT" dirty="0"/>
+              <a:t> of the password</a:t>
+            </a:r>
+          </a:p>
+          <a:p>
+            <a:pPr marL="358650" indent="-285750">
+              <a:buClr>
+                <a:schemeClr val="accent2">
+                  <a:lumMod val="75000"/>
+                </a:schemeClr>
+              </a:buClr>
+            </a:pPr>
+            <a:r>
+              <a:rPr lang="it-IT" dirty="0" err="1">
+                <a:solidFill>
+                  <a:schemeClr val="accent2">
+                    <a:lumMod val="75000"/>
+                  </a:schemeClr>
+                </a:solidFill>
+              </a:rPr>
+              <a:t>Relaxation</a:t>
+            </a:r>
+            <a:r>
+              <a:rPr lang="it-IT" dirty="0">
+                <a:solidFill>
+                  <a:schemeClr val="accent2">
+                    <a:lumMod val="75000"/>
+                  </a:schemeClr>
+                </a:solidFill>
+              </a:rPr>
+              <a:t> of the </a:t>
+            </a:r>
+            <a:r>
+              <a:rPr lang="it-IT" dirty="0" err="1">
+                <a:solidFill>
+                  <a:schemeClr val="accent2">
+                    <a:lumMod val="75000"/>
+                  </a:schemeClr>
+                </a:solidFill>
+              </a:rPr>
+              <a:t>problem</a:t>
+            </a:r>
+            <a:endParaRPr lang="it-IT" dirty="0">
+              <a:solidFill>
+                <a:schemeClr val="accent2">
+                  <a:lumMod val="75000"/>
+                </a:schemeClr>
+              </a:solidFill>
+            </a:endParaRPr>
+          </a:p>
+          <a:p>
+            <a:pPr marL="450000" lvl="1" indent="0">
+              <a:buNone/>
+            </a:pPr>
+            <a:r>
+              <a:rPr lang="it-IT" dirty="0" err="1"/>
+              <a:t>if</a:t>
+            </a:r>
+            <a:r>
+              <a:rPr lang="it-IT" dirty="0"/>
+              <a:t> a </a:t>
+            </a:r>
+            <a:r>
+              <a:rPr lang="it-IT" dirty="0" err="1"/>
+              <a:t>fixed</a:t>
+            </a:r>
+            <a:r>
+              <a:rPr lang="it-IT" dirty="0"/>
+              <a:t> </a:t>
+            </a:r>
+            <a:r>
+              <a:rPr lang="it-IT" dirty="0" err="1"/>
+              <a:t>percentage</a:t>
+            </a:r>
+            <a:r>
+              <a:rPr lang="it-IT" dirty="0"/>
+              <a:t> of the time instants of the audio </a:t>
+            </a:r>
+            <a:r>
+              <a:rPr lang="it-IT" dirty="0" err="1"/>
+              <a:t>peaks</a:t>
+            </a:r>
+            <a:r>
+              <a:rPr lang="it-IT" dirty="0"/>
+              <a:t> </a:t>
+            </a:r>
+            <a:r>
+              <a:rPr lang="it-IT" dirty="0" err="1"/>
+              <a:t>overlaps</a:t>
+            </a:r>
+            <a:r>
+              <a:rPr lang="it-IT" dirty="0"/>
+              <a:t> with the time </a:t>
+            </a:r>
+            <a:r>
+              <a:rPr lang="it-IT" dirty="0" err="1"/>
+              <a:t>instansts</a:t>
+            </a:r>
+            <a:r>
+              <a:rPr lang="it-IT" dirty="0"/>
+              <a:t> </a:t>
+            </a:r>
+            <a:r>
+              <a:rPr lang="it-IT" dirty="0" err="1"/>
+              <a:t>related</a:t>
+            </a:r>
+            <a:r>
+              <a:rPr lang="it-IT" dirty="0"/>
+              <a:t> to </a:t>
+            </a:r>
+            <a:r>
+              <a:rPr lang="it-IT" dirty="0" err="1"/>
+              <a:t>keyboard</a:t>
+            </a:r>
+            <a:r>
+              <a:rPr lang="it-IT" dirty="0"/>
+              <a:t> events</a:t>
+            </a:r>
+            <a:endParaRPr lang="en-GB" dirty="0"/>
+          </a:p>
+        </p:txBody>
+      </p:sp>
+      <p:pic>
+        <p:nvPicPr>
+          <p:cNvPr id="9" name="Segnaposto contenuto 8">
             <a:extLst>
               <a:ext uri="{FF2B5EF4-FFF2-40B4-BE49-F238E27FC236}">
-                <a16:creationId xmlns:a16="http://schemas.microsoft.com/office/drawing/2014/main" id="{B51198C2-AEC3-4313-9B25-7E4C0E38E350}"/>
+                <a16:creationId xmlns:a16="http://schemas.microsoft.com/office/drawing/2014/main" id="{C2AC8B0D-6E44-4BAD-A812-7F30C52F7650}"/>
               </a:ext>
             </a:extLst>
           </p:cNvPr>
-          <p:cNvSpPr>
-            <a:spLocks noGrp="1"/>
-          </p:cNvSpPr>
+          <p:cNvPicPr>
+            <a:picLocks noGrp="1" noChangeAspect="1"/>
+          </p:cNvPicPr>
           <p:nvPr>
             <p:ph sz="half" idx="2"/>
           </p:nvPr>
-        </p:nvSpPr>
-        <p:spPr/>
-        <p:txBody>
-          <a:bodyPr/>
-          <a:lstStyle/>
-          <a:p>
-            <a:r>
-              <a:rPr lang="en-GB" dirty="0"/>
-              <a:t>Relaxation of the problem</a:t>
-            </a:r>
-            <a:endParaRPr lang="it-IT" dirty="0"/>
-          </a:p>
-        </p:txBody>
-      </p:sp>
-      <p:sp>
-        <p:nvSpPr>
-          <p:cNvPr id="7" name="Segnaposto piè di pagina 3">
+        </p:nvPicPr>
+        <p:blipFill>
+          <a:blip r:embed="rId2">
+            <a:extLst>
+              <a:ext uri="{28A0092B-C50C-407E-A947-70E740481C1C}">
+                <a14:useLocalDpi xmlns:a14="http://schemas.microsoft.com/office/drawing/2010/main" val="0"/>
+              </a:ext>
+            </a:extLst>
+          </a:blip>
+          <a:stretch>
+            <a:fillRect/>
+          </a:stretch>
+        </p:blipFill>
+        <p:spPr>
+          <a:xfrm>
+            <a:off x="4652964" y="2005012"/>
+            <a:ext cx="3797300" cy="2847975"/>
+          </a:xfrm>
+        </p:spPr>
+      </p:pic>
+      <p:sp>
+        <p:nvSpPr>
+          <p:cNvPr id="5" name="Segnaposto data 4">
             <a:extLst>
               <a:ext uri="{FF2B5EF4-FFF2-40B4-BE49-F238E27FC236}">
-                <a16:creationId xmlns:a16="http://schemas.microsoft.com/office/drawing/2014/main" id="{15D9222B-8343-4806-BE1D-F97DBB63FF76}"/>
+                <a16:creationId xmlns:a16="http://schemas.microsoft.com/office/drawing/2014/main" id="{D9C93C59-309E-4155-91FA-100D7B33D7C0}"/>
               </a:ext>
             </a:extLst>
           </p:cNvPr>
@@ -8483,33 +11249,27 @@
             <a:spLocks noGrp="1"/>
           </p:cNvSpPr>
           <p:nvPr>
-            <p:ph type="ftr" sz="quarter" idx="11"/>
-          </p:nvPr>
-        </p:nvSpPr>
-        <p:spPr>
-          <a:xfrm>
-            <a:off x="435114" y="5883276"/>
-            <a:ext cx="5505114" cy="365125"/>
-          </a:xfrm>
-        </p:spPr>
+            <p:ph type="dt" sz="half" idx="10"/>
+          </p:nvPr>
+        </p:nvSpPr>
+        <p:spPr/>
         <p:txBody>
           <a:bodyPr/>
           <a:lstStyle/>
           <a:p>
             <a:r>
-              <a:rPr lang="en-GB" sz="1100" dirty="0"/>
-              <a:t>Di Nardo Di Maio Raffaele</a:t>
-            </a:r>
-            <a:endParaRPr lang="it-IT" sz="1100" dirty="0"/>
-          </a:p>
-        </p:txBody>
-      </p:sp>
-      <p:sp>
-        <p:nvSpPr>
-          <p:cNvPr id="8" name="Segnaposto numero diapositiva 4">
+              <a:rPr lang="it-IT"/>
+              <a:t>03/01/2021</a:t>
+            </a:r>
+          </a:p>
+        </p:txBody>
+      </p:sp>
+      <p:sp>
+        <p:nvSpPr>
+          <p:cNvPr id="6" name="Segnaposto piè di pagina 5">
             <a:extLst>
               <a:ext uri="{FF2B5EF4-FFF2-40B4-BE49-F238E27FC236}">
-                <a16:creationId xmlns:a16="http://schemas.microsoft.com/office/drawing/2014/main" id="{BD2C1576-1021-419B-9372-6BD907164524}"/>
+                <a16:creationId xmlns:a16="http://schemas.microsoft.com/office/drawing/2014/main" id="{2B4497E4-4481-4F98-933F-8FB06FAE2494}"/>
               </a:ext>
             </a:extLst>
           </p:cNvPr>
@@ -8517,31 +11277,54 @@
             <a:spLocks noGrp="1"/>
           </p:cNvSpPr>
           <p:nvPr>
-            <p:ph type="sldNum" sz="quarter" idx="12"/>
-          </p:nvPr>
-        </p:nvSpPr>
-        <p:spPr>
-          <a:xfrm>
-            <a:off x="7885509" y="5883276"/>
-            <a:ext cx="565159" cy="365125"/>
-          </a:xfrm>
-        </p:spPr>
+            <p:ph type="ftr" sz="quarter" idx="11"/>
+          </p:nvPr>
+        </p:nvSpPr>
+        <p:spPr/>
         <p:txBody>
           <a:bodyPr/>
           <a:lstStyle/>
           <a:p>
+            <a:r>
+              <a:rPr lang="it-IT"/>
+              <a:t>Di Nardo Di Maio Raffaele</a:t>
+            </a:r>
+          </a:p>
+        </p:txBody>
+      </p:sp>
+      <p:sp>
+        <p:nvSpPr>
+          <p:cNvPr id="7" name="Segnaposto numero diapositiva 6">
+            <a:extLst>
+              <a:ext uri="{FF2B5EF4-FFF2-40B4-BE49-F238E27FC236}">
+                <a16:creationId xmlns:a16="http://schemas.microsoft.com/office/drawing/2014/main" id="{10592C2E-5EFA-4CB9-9D7E-7C715242D89A}"/>
+              </a:ext>
+            </a:extLst>
+          </p:cNvPr>
+          <p:cNvSpPr>
+            <a:spLocks noGrp="1"/>
+          </p:cNvSpPr>
+          <p:nvPr>
+            <p:ph type="sldNum" sz="quarter" idx="12"/>
+          </p:nvPr>
+        </p:nvSpPr>
+        <p:spPr/>
+        <p:txBody>
+          <a:bodyPr/>
+          <a:lstStyle/>
+          <a:p>
             <a:fld id="{8DF98BA9-0B5D-48FD-8864-41A23C2934CC}" type="slidenum">
-              <a:rPr lang="it-IT" sz="1100" smtClean="0"/>
+              <a:rPr lang="it-IT" smtClean="0"/>
               <a:t>3</a:t>
             </a:fld>
-            <a:endParaRPr lang="it-IT" sz="1100"/>
+            <a:endParaRPr lang="it-IT"/>
           </a:p>
         </p:txBody>
       </p:sp>
     </p:spTree>
     <p:extLst>
       <p:ext uri="{BB962C8B-B14F-4D97-AF65-F5344CB8AC3E}">
-        <p14:creationId xmlns:p14="http://schemas.microsoft.com/office/powerpoint/2010/main" val="700343430"/>
+        <p14:creationId xmlns:p14="http://schemas.microsoft.com/office/powerpoint/2010/main" val="1615532003"/>
       </p:ext>
     </p:extLst>
   </p:cSld>
@@ -8573,7 +11356,7 @@
           <p:cNvPr id="2" name="Titolo 1">
             <a:extLst>
               <a:ext uri="{FF2B5EF4-FFF2-40B4-BE49-F238E27FC236}">
-                <a16:creationId xmlns:a16="http://schemas.microsoft.com/office/drawing/2014/main" id="{025C844F-95BA-4884-9767-BCFF926365F6}"/>
+                <a16:creationId xmlns:a16="http://schemas.microsoft.com/office/drawing/2014/main" id="{E693C20A-E085-4799-8206-3048A3F394A2}"/>
               </a:ext>
             </a:extLst>
           </p:cNvPr>
@@ -8584,16 +11367,19 @@
             <p:ph type="title"/>
           </p:nvPr>
         </p:nvSpPr>
-        <p:spPr/>
-        <p:txBody>
-          <a:bodyPr>
-            <a:normAutofit/>
-          </a:bodyPr>
+        <p:spPr>
+          <a:xfrm>
+            <a:off x="1273388" y="507103"/>
+            <a:ext cx="6589231" cy="840794"/>
+          </a:xfrm>
+        </p:spPr>
+        <p:txBody>
+          <a:bodyPr/>
           <a:lstStyle/>
           <a:p>
             <a:r>
               <a:rPr lang="en-GB" dirty="0"/>
-              <a:t>Character correspondence</a:t>
+              <a:t>Noise evaluation</a:t>
             </a:r>
             <a:endParaRPr lang="it-IT" dirty="0"/>
           </a:p>
@@ -8601,10 +11387,10 @@
       </p:sp>
       <p:sp>
         <p:nvSpPr>
-          <p:cNvPr id="3" name="Segnaposto contenuto 2">
+          <p:cNvPr id="5" name="Segnaposto data 4">
             <a:extLst>
               <a:ext uri="{FF2B5EF4-FFF2-40B4-BE49-F238E27FC236}">
-                <a16:creationId xmlns:a16="http://schemas.microsoft.com/office/drawing/2014/main" id="{67B0525F-A23A-4FF6-AB33-512DDB06A27D}"/>
+                <a16:creationId xmlns:a16="http://schemas.microsoft.com/office/drawing/2014/main" id="{61752F40-FE67-4D44-A3F8-7AB0ACECF667}"/>
               </a:ext>
             </a:extLst>
           </p:cNvPr>
@@ -8612,33 +11398,27 @@
             <a:spLocks noGrp="1"/>
           </p:cNvSpPr>
           <p:nvPr>
-            <p:ph sz="half" idx="1"/>
-          </p:nvPr>
-        </p:nvSpPr>
-        <p:spPr>
-          <a:xfrm>
-            <a:off x="685347" y="2069429"/>
-            <a:ext cx="7765321" cy="3721770"/>
-          </a:xfrm>
-        </p:spPr>
+            <p:ph type="dt" sz="half" idx="10"/>
+          </p:nvPr>
+        </p:nvSpPr>
+        <p:spPr/>
         <p:txBody>
           <a:bodyPr/>
           <a:lstStyle/>
           <a:p>
             <a:r>
-              <a:rPr lang="en-GB" dirty="0"/>
-              <a:t>Type of features</a:t>
-            </a:r>
-            <a:endParaRPr lang="it-IT" dirty="0"/>
-          </a:p>
-        </p:txBody>
-      </p:sp>
-      <p:sp>
-        <p:nvSpPr>
-          <p:cNvPr id="11" name="Segnaposto piè di pagina 3">
+              <a:rPr lang="it-IT"/>
+              <a:t>03/01/2021</a:t>
+            </a:r>
+          </a:p>
+        </p:txBody>
+      </p:sp>
+      <p:sp>
+        <p:nvSpPr>
+          <p:cNvPr id="6" name="Segnaposto piè di pagina 5">
             <a:extLst>
               <a:ext uri="{FF2B5EF4-FFF2-40B4-BE49-F238E27FC236}">
-                <a16:creationId xmlns:a16="http://schemas.microsoft.com/office/drawing/2014/main" id="{FA8090EF-B010-46DD-97F8-51029F5641B9}"/>
+                <a16:creationId xmlns:a16="http://schemas.microsoft.com/office/drawing/2014/main" id="{362FD8C7-2C30-4C04-B6DF-1A893860F3D1}"/>
               </a:ext>
             </a:extLst>
           </p:cNvPr>
@@ -8649,30 +11429,24 @@
             <p:ph type="ftr" sz="quarter" idx="11"/>
           </p:nvPr>
         </p:nvSpPr>
-        <p:spPr>
-          <a:xfrm>
-            <a:off x="435114" y="5883276"/>
-            <a:ext cx="5505114" cy="365125"/>
-          </a:xfrm>
-        </p:spPr>
+        <p:spPr/>
         <p:txBody>
           <a:bodyPr/>
           <a:lstStyle/>
           <a:p>
             <a:r>
-              <a:rPr lang="en-GB" sz="1100" dirty="0"/>
+              <a:rPr lang="it-IT"/>
               <a:t>Di Nardo Di Maio Raffaele</a:t>
             </a:r>
-            <a:endParaRPr lang="it-IT" sz="1100" dirty="0"/>
-          </a:p>
-        </p:txBody>
-      </p:sp>
-      <p:sp>
-        <p:nvSpPr>
-          <p:cNvPr id="12" name="Segnaposto numero diapositiva 4">
+          </a:p>
+        </p:txBody>
+      </p:sp>
+      <p:sp>
+        <p:nvSpPr>
+          <p:cNvPr id="7" name="Segnaposto numero diapositiva 6">
             <a:extLst>
               <a:ext uri="{FF2B5EF4-FFF2-40B4-BE49-F238E27FC236}">
-                <a16:creationId xmlns:a16="http://schemas.microsoft.com/office/drawing/2014/main" id="{411A5088-7FBF-4671-96E2-488118F9A22C}"/>
+                <a16:creationId xmlns:a16="http://schemas.microsoft.com/office/drawing/2014/main" id="{B8A7F3FA-83E7-42B6-9748-B2CD90115347}"/>
               </a:ext>
             </a:extLst>
           </p:cNvPr>
@@ -8683,28 +11457,580 @@
             <p:ph type="sldNum" sz="quarter" idx="12"/>
           </p:nvPr>
         </p:nvSpPr>
+        <p:spPr/>
+        <p:txBody>
+          <a:bodyPr/>
+          <a:lstStyle/>
+          <a:p>
+            <a:fld id="{8DF98BA9-0B5D-48FD-8864-41A23C2934CC}" type="slidenum">
+              <a:rPr lang="it-IT" smtClean="0"/>
+              <a:t>4</a:t>
+            </a:fld>
+            <a:endParaRPr lang="it-IT"/>
+          </a:p>
+        </p:txBody>
+      </p:sp>
+      <p:sp>
+        <p:nvSpPr>
+          <p:cNvPr id="8" name="Segnaposto contenuto 2">
+            <a:extLst>
+              <a:ext uri="{FF2B5EF4-FFF2-40B4-BE49-F238E27FC236}">
+                <a16:creationId xmlns:a16="http://schemas.microsoft.com/office/drawing/2014/main" id="{1D356859-9E7A-4166-BE36-9E0E7EA181BE}"/>
+              </a:ext>
+            </a:extLst>
+          </p:cNvPr>
+          <p:cNvSpPr txBox="1">
+            <a:spLocks/>
+          </p:cNvSpPr>
+          <p:nvPr/>
+        </p:nvSpPr>
         <p:spPr>
           <a:xfrm>
-            <a:off x="7885509" y="5883276"/>
-            <a:ext cx="565159" cy="365125"/>
+            <a:off x="2902649" y="4351821"/>
+            <a:ext cx="3330713" cy="804058"/>
           </a:xfrm>
+          <a:prstGeom prst="rect">
+            <a:avLst/>
+          </a:prstGeom>
+          <a:solidFill>
+            <a:schemeClr val="accent2">
+              <a:lumMod val="75000"/>
+            </a:schemeClr>
+          </a:solidFill>
+          <a:ln w="15875" cap="rnd" cmpd="sng" algn="ctr">
+            <a:noFill/>
+            <a:prstDash val="solid"/>
+          </a:ln>
+          <a:effectLst>
+            <a:glow rad="228600">
+              <a:srgbClr val="0070C0">
+                <a:alpha val="40000"/>
+              </a:srgbClr>
+            </a:glow>
+          </a:effectLst>
         </p:spPr>
-        <p:txBody>
-          <a:bodyPr/>
-          <a:lstStyle/>
-          <a:p>
-            <a:fld id="{8DF98BA9-0B5D-48FD-8864-41A23C2934CC}" type="slidenum">
-              <a:rPr lang="it-IT" sz="1100" smtClean="0"/>
-              <a:t>4</a:t>
-            </a:fld>
-            <a:endParaRPr lang="it-IT" sz="1100"/>
+        <p:style>
+          <a:lnRef idx="2">
+            <a:schemeClr val="accent2"/>
+          </a:lnRef>
+          <a:fillRef idx="1">
+            <a:schemeClr val="lt1"/>
+          </a:fillRef>
+          <a:effectRef idx="0">
+            <a:schemeClr val="accent2"/>
+          </a:effectRef>
+          <a:fontRef idx="minor">
+            <a:schemeClr val="dk1"/>
+          </a:fontRef>
+        </p:style>
+        <p:txBody>
+          <a:bodyPr vert="horz" lIns="91440" tIns="45720" rIns="91440" bIns="45720" rtlCol="0" anchor="t">
+            <a:noAutofit/>
+          </a:bodyPr>
+          <a:lstStyle>
+            <a:lvl1pPr marL="342900" indent="-306000" algn="l" defTabSz="457200" rtl="0" eaLnBrk="1" latinLnBrk="0" hangingPunct="1">
+              <a:spcBef>
+                <a:spcPct val="20000"/>
+              </a:spcBef>
+              <a:spcAft>
+                <a:spcPts val="600"/>
+              </a:spcAft>
+              <a:buClr>
+                <a:schemeClr val="tx2"/>
+              </a:buClr>
+              <a:buSzPct val="70000"/>
+              <a:buFont typeface="Wingdings 2" charset="2"/>
+              <a:buChar char=""/>
+              <a:defRPr sz="2000" kern="1200">
+                <a:ln>
+                  <a:solidFill>
+                    <a:schemeClr val="bg1">
+                      <a:lumMod val="75000"/>
+                      <a:lumOff val="25000"/>
+                      <a:alpha val="10000"/>
+                    </a:schemeClr>
+                  </a:solidFill>
+                </a:ln>
+                <a:solidFill>
+                  <a:schemeClr val="dk1"/>
+                </a:solidFill>
+                <a:effectLst>
+                  <a:outerShdw blurRad="9525" dist="25400" dir="14640000" algn="tl" rotWithShape="0">
+                    <a:schemeClr val="bg1">
+                      <a:alpha val="30000"/>
+                    </a:schemeClr>
+                  </a:outerShdw>
+                </a:effectLst>
+                <a:latin typeface="+mn-lt"/>
+                <a:ea typeface="+mn-ea"/>
+                <a:cs typeface="+mn-cs"/>
+              </a:defRPr>
+            </a:lvl1pPr>
+            <a:lvl2pPr marL="720000" indent="-270000" algn="l" defTabSz="457200" rtl="0" eaLnBrk="1" latinLnBrk="0" hangingPunct="1">
+              <a:spcBef>
+                <a:spcPct val="20000"/>
+              </a:spcBef>
+              <a:spcAft>
+                <a:spcPts val="600"/>
+              </a:spcAft>
+              <a:buClr>
+                <a:schemeClr val="tx2"/>
+              </a:buClr>
+              <a:buSzPct val="70000"/>
+              <a:buFont typeface="Wingdings 2" charset="2"/>
+              <a:buChar char=""/>
+              <a:defRPr sz="1800" kern="1200">
+                <a:ln>
+                  <a:solidFill>
+                    <a:schemeClr val="bg1">
+                      <a:lumMod val="75000"/>
+                      <a:lumOff val="25000"/>
+                      <a:alpha val="10000"/>
+                    </a:schemeClr>
+                  </a:solidFill>
+                </a:ln>
+                <a:solidFill>
+                  <a:schemeClr val="dk1"/>
+                </a:solidFill>
+                <a:effectLst>
+                  <a:outerShdw blurRad="9525" dist="25400" dir="14640000" algn="tl" rotWithShape="0">
+                    <a:schemeClr val="bg1">
+                      <a:alpha val="30000"/>
+                    </a:schemeClr>
+                  </a:outerShdw>
+                </a:effectLst>
+                <a:latin typeface="+mn-lt"/>
+                <a:ea typeface="+mn-ea"/>
+                <a:cs typeface="+mn-cs"/>
+              </a:defRPr>
+            </a:lvl2pPr>
+            <a:lvl3pPr marL="1026000" indent="-216000" algn="l" defTabSz="457200" rtl="0" eaLnBrk="1" latinLnBrk="0" hangingPunct="1">
+              <a:spcBef>
+                <a:spcPct val="20000"/>
+              </a:spcBef>
+              <a:spcAft>
+                <a:spcPts val="600"/>
+              </a:spcAft>
+              <a:buClr>
+                <a:schemeClr val="tx2"/>
+              </a:buClr>
+              <a:buSzPct val="70000"/>
+              <a:buFont typeface="Wingdings 2" charset="2"/>
+              <a:buChar char=""/>
+              <a:defRPr sz="1600" kern="1200">
+                <a:ln>
+                  <a:solidFill>
+                    <a:schemeClr val="bg1">
+                      <a:lumMod val="75000"/>
+                      <a:lumOff val="25000"/>
+                      <a:alpha val="10000"/>
+                    </a:schemeClr>
+                  </a:solidFill>
+                </a:ln>
+                <a:solidFill>
+                  <a:schemeClr val="dk1"/>
+                </a:solidFill>
+                <a:effectLst>
+                  <a:outerShdw blurRad="9525" dist="25400" dir="14640000" algn="tl" rotWithShape="0">
+                    <a:schemeClr val="bg1">
+                      <a:alpha val="30000"/>
+                    </a:schemeClr>
+                  </a:outerShdw>
+                </a:effectLst>
+                <a:latin typeface="+mn-lt"/>
+                <a:ea typeface="+mn-ea"/>
+                <a:cs typeface="+mn-cs"/>
+              </a:defRPr>
+            </a:lvl3pPr>
+            <a:lvl4pPr marL="1386000" indent="-216000" algn="l" defTabSz="457200" rtl="0" eaLnBrk="1" latinLnBrk="0" hangingPunct="1">
+              <a:spcBef>
+                <a:spcPct val="20000"/>
+              </a:spcBef>
+              <a:spcAft>
+                <a:spcPts val="600"/>
+              </a:spcAft>
+              <a:buClr>
+                <a:schemeClr val="tx2"/>
+              </a:buClr>
+              <a:buSzPct val="70000"/>
+              <a:buFont typeface="Wingdings 2" charset="2"/>
+              <a:buChar char=""/>
+              <a:defRPr sz="1400" kern="1200">
+                <a:ln>
+                  <a:solidFill>
+                    <a:schemeClr val="bg1">
+                      <a:lumMod val="75000"/>
+                      <a:lumOff val="25000"/>
+                      <a:alpha val="10000"/>
+                    </a:schemeClr>
+                  </a:solidFill>
+                </a:ln>
+                <a:solidFill>
+                  <a:schemeClr val="dk1"/>
+                </a:solidFill>
+                <a:effectLst>
+                  <a:outerShdw blurRad="9525" dist="25400" dir="14640000" algn="tl" rotWithShape="0">
+                    <a:schemeClr val="bg1">
+                      <a:alpha val="30000"/>
+                    </a:schemeClr>
+                  </a:outerShdw>
+                </a:effectLst>
+                <a:latin typeface="+mn-lt"/>
+                <a:ea typeface="+mn-ea"/>
+                <a:cs typeface="+mn-cs"/>
+              </a:defRPr>
+            </a:lvl4pPr>
+            <a:lvl5pPr marL="1674000" indent="-216000" algn="l" defTabSz="457200" rtl="0" eaLnBrk="1" latinLnBrk="0" hangingPunct="1">
+              <a:spcBef>
+                <a:spcPct val="20000"/>
+              </a:spcBef>
+              <a:spcAft>
+                <a:spcPts val="600"/>
+              </a:spcAft>
+              <a:buClr>
+                <a:schemeClr val="tx2"/>
+              </a:buClr>
+              <a:buSzPct val="70000"/>
+              <a:buFont typeface="Wingdings 2" charset="2"/>
+              <a:buChar char=""/>
+              <a:defRPr sz="1400" kern="1200">
+                <a:ln>
+                  <a:solidFill>
+                    <a:schemeClr val="bg1">
+                      <a:lumMod val="75000"/>
+                      <a:lumOff val="25000"/>
+                      <a:alpha val="10000"/>
+                    </a:schemeClr>
+                  </a:solidFill>
+                </a:ln>
+                <a:solidFill>
+                  <a:schemeClr val="dk1"/>
+                </a:solidFill>
+                <a:effectLst>
+                  <a:outerShdw blurRad="9525" dist="25400" dir="14640000" algn="tl" rotWithShape="0">
+                    <a:schemeClr val="bg1">
+                      <a:alpha val="30000"/>
+                    </a:schemeClr>
+                  </a:outerShdw>
+                </a:effectLst>
+                <a:latin typeface="+mn-lt"/>
+                <a:ea typeface="+mn-ea"/>
+                <a:cs typeface="+mn-cs"/>
+              </a:defRPr>
+            </a:lvl5pPr>
+            <a:lvl6pPr marL="2014600" indent="-228600" algn="l" defTabSz="457200" rtl="0" eaLnBrk="1" latinLnBrk="0" hangingPunct="1">
+              <a:spcBef>
+                <a:spcPct val="20000"/>
+              </a:spcBef>
+              <a:spcAft>
+                <a:spcPts val="600"/>
+              </a:spcAft>
+              <a:buClr>
+                <a:schemeClr val="tx2"/>
+              </a:buClr>
+              <a:buSzPct val="70000"/>
+              <a:buFont typeface="Wingdings 2" charset="2"/>
+              <a:buChar char=""/>
+              <a:defRPr sz="1400" kern="1200">
+                <a:ln>
+                  <a:solidFill>
+                    <a:schemeClr val="bg1">
+                      <a:lumMod val="75000"/>
+                      <a:lumOff val="25000"/>
+                      <a:alpha val="10000"/>
+                    </a:schemeClr>
+                  </a:solidFill>
+                </a:ln>
+                <a:solidFill>
+                  <a:schemeClr val="dk1"/>
+                </a:solidFill>
+                <a:effectLst>
+                  <a:outerShdw blurRad="9525" dist="25400" dir="14640000" algn="tl" rotWithShape="0">
+                    <a:schemeClr val="bg1">
+                      <a:alpha val="30000"/>
+                    </a:schemeClr>
+                  </a:outerShdw>
+                </a:effectLst>
+                <a:latin typeface="+mn-lt"/>
+                <a:ea typeface="+mn-ea"/>
+                <a:cs typeface="+mn-cs"/>
+              </a:defRPr>
+            </a:lvl6pPr>
+            <a:lvl7pPr marL="2401800" indent="-228600" algn="l" defTabSz="457200" rtl="0" eaLnBrk="1" latinLnBrk="0" hangingPunct="1">
+              <a:spcBef>
+                <a:spcPct val="20000"/>
+              </a:spcBef>
+              <a:spcAft>
+                <a:spcPts val="600"/>
+              </a:spcAft>
+              <a:buClr>
+                <a:schemeClr val="tx2"/>
+              </a:buClr>
+              <a:buSzPct val="70000"/>
+              <a:buFont typeface="Wingdings 2" charset="2"/>
+              <a:buChar char=""/>
+              <a:defRPr sz="1400" kern="1200">
+                <a:ln>
+                  <a:solidFill>
+                    <a:schemeClr val="bg1">
+                      <a:lumMod val="75000"/>
+                      <a:lumOff val="25000"/>
+                      <a:alpha val="10000"/>
+                    </a:schemeClr>
+                  </a:solidFill>
+                </a:ln>
+                <a:solidFill>
+                  <a:schemeClr val="dk1"/>
+                </a:solidFill>
+                <a:effectLst>
+                  <a:outerShdw blurRad="9525" dist="25400" dir="14640000" algn="tl" rotWithShape="0">
+                    <a:schemeClr val="bg1">
+                      <a:alpha val="30000"/>
+                    </a:schemeClr>
+                  </a:outerShdw>
+                </a:effectLst>
+                <a:latin typeface="+mn-lt"/>
+                <a:ea typeface="+mn-ea"/>
+                <a:cs typeface="+mn-cs"/>
+              </a:defRPr>
+            </a:lvl7pPr>
+            <a:lvl8pPr marL="2789000" indent="-228600" algn="l" defTabSz="457200" rtl="0" eaLnBrk="1" latinLnBrk="0" hangingPunct="1">
+              <a:spcBef>
+                <a:spcPct val="20000"/>
+              </a:spcBef>
+              <a:spcAft>
+                <a:spcPts val="600"/>
+              </a:spcAft>
+              <a:buClr>
+                <a:schemeClr val="tx2"/>
+              </a:buClr>
+              <a:buSzPct val="70000"/>
+              <a:buFont typeface="Wingdings 2" charset="2"/>
+              <a:buChar char=""/>
+              <a:defRPr sz="1400" kern="1200">
+                <a:ln>
+                  <a:solidFill>
+                    <a:schemeClr val="bg1">
+                      <a:lumMod val="75000"/>
+                      <a:lumOff val="25000"/>
+                      <a:alpha val="10000"/>
+                    </a:schemeClr>
+                  </a:solidFill>
+                </a:ln>
+                <a:solidFill>
+                  <a:schemeClr val="dk1"/>
+                </a:solidFill>
+                <a:effectLst>
+                  <a:outerShdw blurRad="9525" dist="25400" dir="14640000" algn="tl" rotWithShape="0">
+                    <a:schemeClr val="bg1">
+                      <a:alpha val="30000"/>
+                    </a:schemeClr>
+                  </a:outerShdw>
+                </a:effectLst>
+                <a:latin typeface="+mn-lt"/>
+                <a:ea typeface="+mn-ea"/>
+                <a:cs typeface="+mn-cs"/>
+              </a:defRPr>
+            </a:lvl8pPr>
+            <a:lvl9pPr marL="3106200" indent="-228600" algn="l" defTabSz="457200" rtl="0" eaLnBrk="1" latinLnBrk="0" hangingPunct="1">
+              <a:spcBef>
+                <a:spcPct val="20000"/>
+              </a:spcBef>
+              <a:spcAft>
+                <a:spcPts val="600"/>
+              </a:spcAft>
+              <a:buClr>
+                <a:schemeClr val="tx2"/>
+              </a:buClr>
+              <a:buSzPct val="70000"/>
+              <a:buFont typeface="Wingdings 2" charset="2"/>
+              <a:buChar char=""/>
+              <a:defRPr sz="1400" kern="1200">
+                <a:ln>
+                  <a:solidFill>
+                    <a:schemeClr val="bg1">
+                      <a:lumMod val="75000"/>
+                      <a:lumOff val="25000"/>
+                      <a:alpha val="10000"/>
+                    </a:schemeClr>
+                  </a:solidFill>
+                </a:ln>
+                <a:solidFill>
+                  <a:schemeClr val="dk1"/>
+                </a:solidFill>
+                <a:effectLst>
+                  <a:outerShdw blurRad="9525" dist="25400" dir="14640000" algn="tl" rotWithShape="0">
+                    <a:schemeClr val="bg1">
+                      <a:alpha val="30000"/>
+                    </a:schemeClr>
+                  </a:outerShdw>
+                </a:effectLst>
+                <a:latin typeface="+mn-lt"/>
+                <a:ea typeface="+mn-ea"/>
+                <a:cs typeface="+mn-cs"/>
+              </a:defRPr>
+            </a:lvl9pPr>
+          </a:lstStyle>
+          <a:p>
+            <a:pPr>
+              <a:buClr>
+                <a:srgbClr val="0070C0"/>
+              </a:buClr>
+            </a:pPr>
+            <a:r>
+              <a:rPr lang="en-GB" sz="1600" dirty="0"/>
+              <a:t>Time correspondence</a:t>
+            </a:r>
+          </a:p>
+          <a:p>
+            <a:pPr>
+              <a:buClr>
+                <a:srgbClr val="0070C0"/>
+              </a:buClr>
+            </a:pPr>
+            <a:r>
+              <a:rPr lang="en-GB" sz="1600" dirty="0"/>
+              <a:t>Character correspondence</a:t>
+            </a:r>
+            <a:endParaRPr lang="it-IT" sz="1600" dirty="0"/>
+          </a:p>
+        </p:txBody>
+      </p:sp>
+      <p:sp>
+        <p:nvSpPr>
+          <p:cNvPr id="10" name="Titolo 1">
+            <a:extLst>
+              <a:ext uri="{FF2B5EF4-FFF2-40B4-BE49-F238E27FC236}">
+                <a16:creationId xmlns:a16="http://schemas.microsoft.com/office/drawing/2014/main" id="{51F4341D-981A-46FF-807D-F1EBA2AF6169}"/>
+              </a:ext>
+            </a:extLst>
+          </p:cNvPr>
+          <p:cNvSpPr txBox="1">
+            <a:spLocks/>
+          </p:cNvSpPr>
+          <p:nvPr/>
+        </p:nvSpPr>
+        <p:spPr>
+          <a:xfrm>
+            <a:off x="1273389" y="3434363"/>
+            <a:ext cx="6589231" cy="840794"/>
+          </a:xfrm>
+          <a:prstGeom prst="rect">
+            <a:avLst/>
+          </a:prstGeom>
+          <a:effectLst>
+            <a:outerShdw blurRad="25400" dir="17880000">
+              <a:srgbClr val="000000">
+                <a:alpha val="46000"/>
+              </a:srgbClr>
+            </a:outerShdw>
+          </a:effectLst>
+        </p:spPr>
+        <p:txBody>
+          <a:bodyPr vert="horz" lIns="91440" tIns="45720" rIns="91440" bIns="45720" rtlCol="0" anchor="ctr">
+            <a:normAutofit fontScale="92500"/>
+          </a:bodyPr>
+          <a:lstStyle>
+            <a:lvl1pPr algn="ctr" defTabSz="457200" rtl="0" eaLnBrk="1" latinLnBrk="0" hangingPunct="1">
+              <a:spcBef>
+                <a:spcPct val="0"/>
+              </a:spcBef>
+              <a:buNone/>
+              <a:defRPr sz="4000" kern="1200">
+                <a:ln>
+                  <a:solidFill>
+                    <a:schemeClr val="bg1">
+                      <a:lumMod val="75000"/>
+                      <a:lumOff val="25000"/>
+                      <a:alpha val="10000"/>
+                    </a:schemeClr>
+                  </a:solidFill>
+                </a:ln>
+                <a:solidFill>
+                  <a:srgbClr val="0070C0"/>
+                </a:solidFill>
+                <a:effectLst>
+                  <a:outerShdw blurRad="9525" dist="25400" dir="14640000" algn="tl" rotWithShape="0">
+                    <a:schemeClr val="bg1">
+                      <a:alpha val="30000"/>
+                    </a:schemeClr>
+                  </a:outerShdw>
+                </a:effectLst>
+                <a:latin typeface="+mj-lt"/>
+                <a:ea typeface="+mj-ea"/>
+                <a:cs typeface="Trebuchet MS"/>
+              </a:defRPr>
+            </a:lvl1pPr>
+            <a:lvl2pPr eaLnBrk="1" hangingPunct="1">
+              <a:defRPr>
+                <a:solidFill>
+                  <a:schemeClr val="tx2"/>
+                </a:solidFill>
+              </a:defRPr>
+            </a:lvl2pPr>
+            <a:lvl3pPr eaLnBrk="1" hangingPunct="1">
+              <a:defRPr>
+                <a:solidFill>
+                  <a:schemeClr val="tx2"/>
+                </a:solidFill>
+              </a:defRPr>
+            </a:lvl3pPr>
+            <a:lvl4pPr eaLnBrk="1" hangingPunct="1">
+              <a:defRPr>
+                <a:solidFill>
+                  <a:schemeClr val="tx2"/>
+                </a:solidFill>
+              </a:defRPr>
+            </a:lvl4pPr>
+            <a:lvl5pPr eaLnBrk="1" hangingPunct="1">
+              <a:defRPr>
+                <a:solidFill>
+                  <a:schemeClr val="tx2"/>
+                </a:solidFill>
+              </a:defRPr>
+            </a:lvl5pPr>
+            <a:lvl6pPr eaLnBrk="1" hangingPunct="1">
+              <a:defRPr>
+                <a:solidFill>
+                  <a:schemeClr val="tx2"/>
+                </a:solidFill>
+              </a:defRPr>
+            </a:lvl6pPr>
+            <a:lvl7pPr eaLnBrk="1" hangingPunct="1">
+              <a:defRPr>
+                <a:solidFill>
+                  <a:schemeClr val="tx2"/>
+                </a:solidFill>
+              </a:defRPr>
+            </a:lvl7pPr>
+            <a:lvl8pPr eaLnBrk="1" hangingPunct="1">
+              <a:defRPr>
+                <a:solidFill>
+                  <a:schemeClr val="tx2"/>
+                </a:solidFill>
+              </a:defRPr>
+            </a:lvl8pPr>
+            <a:lvl9pPr eaLnBrk="1" hangingPunct="1">
+              <a:defRPr>
+                <a:solidFill>
+                  <a:schemeClr val="tx2"/>
+                </a:solidFill>
+              </a:defRPr>
+            </a:lvl9pPr>
+          </a:lstStyle>
+          <a:p>
+            <a:r>
+              <a:rPr lang="en-GB" dirty="0"/>
+              <a:t>Evaluation of the user’s activity</a:t>
+            </a:r>
+            <a:endParaRPr lang="it-IT" dirty="0"/>
           </a:p>
         </p:txBody>
       </p:sp>
     </p:spTree>
     <p:extLst>
       <p:ext uri="{BB962C8B-B14F-4D97-AF65-F5344CB8AC3E}">
-        <p14:creationId xmlns:p14="http://schemas.microsoft.com/office/powerpoint/2010/main" val="2029677823"/>
+        <p14:creationId xmlns:p14="http://schemas.microsoft.com/office/powerpoint/2010/main" val="363078884"/>
       </p:ext>
     </p:extLst>
   </p:cSld>
@@ -8733,10 +12059,41 @@
       </p:grpSpPr>
       <p:sp>
         <p:nvSpPr>
+          <p:cNvPr id="2" name="Titolo 1">
+            <a:extLst>
+              <a:ext uri="{FF2B5EF4-FFF2-40B4-BE49-F238E27FC236}">
+                <a16:creationId xmlns:a16="http://schemas.microsoft.com/office/drawing/2014/main" id="{025C844F-95BA-4884-9767-BCFF926365F6}"/>
+              </a:ext>
+            </a:extLst>
+          </p:cNvPr>
+          <p:cNvSpPr>
+            <a:spLocks noGrp="1"/>
+          </p:cNvSpPr>
+          <p:nvPr>
+            <p:ph type="title"/>
+          </p:nvPr>
+        </p:nvSpPr>
+        <p:spPr/>
+        <p:txBody>
+          <a:bodyPr>
+            <a:normAutofit/>
+          </a:bodyPr>
+          <a:lstStyle/>
+          <a:p>
+            <a:r>
+              <a:rPr lang="en-GB" dirty="0"/>
+              <a:t>Character correspondence</a:t>
+            </a:r>
+            <a:endParaRPr lang="it-IT" dirty="0"/>
+          </a:p>
+        </p:txBody>
+      </p:sp>
+      <p:sp>
+        <p:nvSpPr>
           <p:cNvPr id="3" name="Segnaposto contenuto 2">
             <a:extLst>
               <a:ext uri="{FF2B5EF4-FFF2-40B4-BE49-F238E27FC236}">
-                <a16:creationId xmlns:a16="http://schemas.microsoft.com/office/drawing/2014/main" id="{B9DEA841-EAC5-49BA-A9F1-19BECFC42848}"/>
+                <a16:creationId xmlns:a16="http://schemas.microsoft.com/office/drawing/2014/main" id="{67B0525F-A23A-4FF6-AB33-512DDB06A27D}"/>
               </a:ext>
             </a:extLst>
           </p:cNvPr>
@@ -8749,8 +12106,8 @@
         </p:nvSpPr>
         <p:spPr>
           <a:xfrm>
-            <a:off x="685347" y="1503947"/>
-            <a:ext cx="3795373" cy="4287252"/>
+            <a:off x="685347" y="2069429"/>
+            <a:ext cx="7765321" cy="3721770"/>
           </a:xfrm>
         </p:spPr>
         <p:txBody>
@@ -8759,7 +12116,7 @@
           <a:p>
             <a:r>
               <a:rPr lang="en-GB" dirty="0"/>
-              <a:t>Data Acquisition</a:t>
+              <a:t>Type of features</a:t>
             </a:r>
             <a:endParaRPr lang="it-IT" dirty="0"/>
           </a:p>
@@ -8767,44 +12124,10 @@
       </p:sp>
       <p:sp>
         <p:nvSpPr>
-          <p:cNvPr id="4" name="Segnaposto contenuto 3">
+          <p:cNvPr id="11" name="Segnaposto piè di pagina 3">
             <a:extLst>
               <a:ext uri="{FF2B5EF4-FFF2-40B4-BE49-F238E27FC236}">
-                <a16:creationId xmlns:a16="http://schemas.microsoft.com/office/drawing/2014/main" id="{D72D4E39-ECCD-4C26-A060-78BAF8305A8F}"/>
-              </a:ext>
-            </a:extLst>
-          </p:cNvPr>
-          <p:cNvSpPr>
-            <a:spLocks noGrp="1"/>
-          </p:cNvSpPr>
-          <p:nvPr>
-            <p:ph sz="half" idx="2"/>
-          </p:nvPr>
-        </p:nvSpPr>
-        <p:spPr>
-          <a:xfrm>
-            <a:off x="4652169" y="1503947"/>
-            <a:ext cx="3798499" cy="4287253"/>
-          </a:xfrm>
-        </p:spPr>
-        <p:txBody>
-          <a:bodyPr/>
-          <a:lstStyle/>
-          <a:p>
-            <a:r>
-              <a:rPr lang="en-GB" dirty="0"/>
-              <a:t>Classification</a:t>
-            </a:r>
-            <a:endParaRPr lang="it-IT" dirty="0"/>
-          </a:p>
-        </p:txBody>
-      </p:sp>
-      <p:sp>
-        <p:nvSpPr>
-          <p:cNvPr id="7" name="Segnaposto piè di pagina 3">
-            <a:extLst>
-              <a:ext uri="{FF2B5EF4-FFF2-40B4-BE49-F238E27FC236}">
-                <a16:creationId xmlns:a16="http://schemas.microsoft.com/office/drawing/2014/main" id="{D2BA0323-6697-4D4E-AF98-B077D3A7D2C1}"/>
+                <a16:creationId xmlns:a16="http://schemas.microsoft.com/office/drawing/2014/main" id="{FA8090EF-B010-46DD-97F8-51029F5641B9}"/>
               </a:ext>
             </a:extLst>
           </p:cNvPr>
@@ -8835,10 +12158,10 @@
       </p:sp>
       <p:sp>
         <p:nvSpPr>
-          <p:cNvPr id="8" name="Segnaposto numero diapositiva 4">
+          <p:cNvPr id="12" name="Segnaposto numero diapositiva 4">
             <a:extLst>
               <a:ext uri="{FF2B5EF4-FFF2-40B4-BE49-F238E27FC236}">
-                <a16:creationId xmlns:a16="http://schemas.microsoft.com/office/drawing/2014/main" id="{6433DCEE-BFC2-40AF-8081-4EE6FFC15484}"/>
+                <a16:creationId xmlns:a16="http://schemas.microsoft.com/office/drawing/2014/main" id="{411A5088-7FBF-4671-96E2-488118F9A22C}"/>
               </a:ext>
             </a:extLst>
           </p:cNvPr>
@@ -8867,10 +12190,38 @@
           </a:p>
         </p:txBody>
       </p:sp>
+      <p:sp>
+        <p:nvSpPr>
+          <p:cNvPr id="4" name="Segnaposto data 3">
+            <a:extLst>
+              <a:ext uri="{FF2B5EF4-FFF2-40B4-BE49-F238E27FC236}">
+                <a16:creationId xmlns:a16="http://schemas.microsoft.com/office/drawing/2014/main" id="{3D2F6833-909F-48B3-A0D0-236C3D2E1761}"/>
+              </a:ext>
+            </a:extLst>
+          </p:cNvPr>
+          <p:cNvSpPr>
+            <a:spLocks noGrp="1"/>
+          </p:cNvSpPr>
+          <p:nvPr>
+            <p:ph type="dt" sz="half" idx="10"/>
+          </p:nvPr>
+        </p:nvSpPr>
+        <p:spPr/>
+        <p:txBody>
+          <a:bodyPr/>
+          <a:lstStyle/>
+          <a:p>
+            <a:r>
+              <a:rPr lang="it-IT"/>
+              <a:t>03/01/2021</a:t>
+            </a:r>
+          </a:p>
+        </p:txBody>
+      </p:sp>
     </p:spTree>
     <p:extLst>
       <p:ext uri="{BB962C8B-B14F-4D97-AF65-F5344CB8AC3E}">
-        <p14:creationId xmlns:p14="http://schemas.microsoft.com/office/powerpoint/2010/main" val="771963697"/>
+        <p14:creationId xmlns:p14="http://schemas.microsoft.com/office/powerpoint/2010/main" val="2029677823"/>
       </p:ext>
     </p:extLst>
   </p:cSld>
@@ -8899,10 +12250,10 @@
       </p:grpSpPr>
       <p:sp>
         <p:nvSpPr>
-          <p:cNvPr id="2" name="Titolo 1">
+          <p:cNvPr id="3" name="Segnaposto contenuto 2">
             <a:extLst>
               <a:ext uri="{FF2B5EF4-FFF2-40B4-BE49-F238E27FC236}">
-                <a16:creationId xmlns:a16="http://schemas.microsoft.com/office/drawing/2014/main" id="{4CBF770E-8C9F-46F0-97DF-E9F07AEB9C0A}"/>
+                <a16:creationId xmlns:a16="http://schemas.microsoft.com/office/drawing/2014/main" id="{B9DEA841-EAC5-49BA-A9F1-19BECFC42848}"/>
               </a:ext>
             </a:extLst>
           </p:cNvPr>
@@ -8910,83 +12261,67 @@
             <a:spLocks noGrp="1"/>
           </p:cNvSpPr>
           <p:nvPr>
-            <p:ph type="title"/>
+            <p:ph sz="half" idx="1"/>
           </p:nvPr>
         </p:nvSpPr>
         <p:spPr>
           <a:xfrm>
-            <a:off x="1227221" y="873214"/>
-            <a:ext cx="6589231" cy="1172153"/>
+            <a:off x="685347" y="1503947"/>
+            <a:ext cx="3795373" cy="4287252"/>
           </a:xfrm>
         </p:spPr>
         <p:txBody>
-          <a:bodyPr anchor="ctr">
-            <a:normAutofit/>
-          </a:bodyPr>
+          <a:bodyPr/>
           <a:lstStyle/>
           <a:p>
-            <a:pPr>
-              <a:lnSpc>
-                <a:spcPct val="90000"/>
-              </a:lnSpc>
-            </a:pPr>
-            <a:r>
-              <a:rPr lang="en-GB" sz="3700" dirty="0"/>
-              <a:t>Communication </a:t>
-            </a:r>
-            <a:br>
-              <a:rPr lang="en-GB" sz="3700" dirty="0"/>
-            </a:br>
-            <a:r>
-              <a:rPr lang="en-GB" sz="3700" dirty="0"/>
-              <a:t>between client and server</a:t>
-            </a:r>
-            <a:endParaRPr lang="it-IT" sz="3700" dirty="0"/>
-          </a:p>
-        </p:txBody>
-      </p:sp>
-      <p:pic>
-        <p:nvPicPr>
-          <p:cNvPr id="8" name="Segnaposto contenuto 7">
+            <a:r>
+              <a:rPr lang="en-GB" dirty="0"/>
+              <a:t>Data Acquisition</a:t>
+            </a:r>
+            <a:endParaRPr lang="it-IT" dirty="0"/>
+          </a:p>
+        </p:txBody>
+      </p:sp>
+      <p:sp>
+        <p:nvSpPr>
+          <p:cNvPr id="4" name="Segnaposto contenuto 3">
             <a:extLst>
               <a:ext uri="{FF2B5EF4-FFF2-40B4-BE49-F238E27FC236}">
-                <a16:creationId xmlns:a16="http://schemas.microsoft.com/office/drawing/2014/main" id="{07A63581-5609-4EAD-A173-31860D0E046A}"/>
+                <a16:creationId xmlns:a16="http://schemas.microsoft.com/office/drawing/2014/main" id="{D72D4E39-ECCD-4C26-A060-78BAF8305A8F}"/>
               </a:ext>
             </a:extLst>
           </p:cNvPr>
-          <p:cNvPicPr>
-            <a:picLocks noGrp="1" noChangeAspect="1"/>
-          </p:cNvPicPr>
-          <p:nvPr>
-            <p:ph idx="1"/>
-          </p:nvPr>
-        </p:nvPicPr>
-        <p:blipFill>
-          <a:blip r:embed="rId2">
-            <a:extLst>
-              <a:ext uri="{28A0092B-C50C-407E-A947-70E740481C1C}">
-                <a14:useLocalDpi xmlns:a14="http://schemas.microsoft.com/office/drawing/2010/main" val="0"/>
-              </a:ext>
-            </a:extLst>
-          </a:blip>
-          <a:stretch>
-            <a:fillRect/>
-          </a:stretch>
-        </p:blipFill>
+          <p:cNvSpPr>
+            <a:spLocks noGrp="1"/>
+          </p:cNvSpPr>
+          <p:nvPr>
+            <p:ph sz="half" idx="2"/>
+          </p:nvPr>
+        </p:nvSpPr>
         <p:spPr>
           <a:xfrm>
-            <a:off x="1696154" y="2081461"/>
-            <a:ext cx="5743705" cy="3661612"/>
+            <a:off x="4652169" y="1503947"/>
+            <a:ext cx="3798499" cy="4287253"/>
           </a:xfrm>
-          <a:noFill/>
         </p:spPr>
-      </p:pic>
-      <p:sp>
-        <p:nvSpPr>
-          <p:cNvPr id="12" name="Segnaposto piè di pagina 3">
+        <p:txBody>
+          <a:bodyPr/>
+          <a:lstStyle/>
+          <a:p>
+            <a:r>
+              <a:rPr lang="en-GB" dirty="0"/>
+              <a:t>Classification</a:t>
+            </a:r>
+            <a:endParaRPr lang="it-IT" dirty="0"/>
+          </a:p>
+        </p:txBody>
+      </p:sp>
+      <p:sp>
+        <p:nvSpPr>
+          <p:cNvPr id="7" name="Segnaposto piè di pagina 3">
             <a:extLst>
               <a:ext uri="{FF2B5EF4-FFF2-40B4-BE49-F238E27FC236}">
-                <a16:creationId xmlns:a16="http://schemas.microsoft.com/office/drawing/2014/main" id="{BE532B4B-62C9-460A-A5CD-948DC87B638B}"/>
+                <a16:creationId xmlns:a16="http://schemas.microsoft.com/office/drawing/2014/main" id="{D2BA0323-6697-4D4E-AF98-B077D3A7D2C1}"/>
               </a:ext>
             </a:extLst>
           </p:cNvPr>
@@ -9017,10 +12352,10 @@
       </p:sp>
       <p:sp>
         <p:nvSpPr>
-          <p:cNvPr id="14" name="Segnaposto numero diapositiva 4">
+          <p:cNvPr id="8" name="Segnaposto numero diapositiva 4">
             <a:extLst>
               <a:ext uri="{FF2B5EF4-FFF2-40B4-BE49-F238E27FC236}">
-                <a16:creationId xmlns:a16="http://schemas.microsoft.com/office/drawing/2014/main" id="{4427B06E-47BC-4289-B4DE-9CC783C04313}"/>
+                <a16:creationId xmlns:a16="http://schemas.microsoft.com/office/drawing/2014/main" id="{6433DCEE-BFC2-40AF-8081-4EE6FFC15484}"/>
               </a:ext>
             </a:extLst>
           </p:cNvPr>
@@ -9049,10 +12384,38 @@
           </a:p>
         </p:txBody>
       </p:sp>
+      <p:sp>
+        <p:nvSpPr>
+          <p:cNvPr id="2" name="Segnaposto data 1">
+            <a:extLst>
+              <a:ext uri="{FF2B5EF4-FFF2-40B4-BE49-F238E27FC236}">
+                <a16:creationId xmlns:a16="http://schemas.microsoft.com/office/drawing/2014/main" id="{3CB5AE9B-E727-4545-B738-6D4DBE6F3CE8}"/>
+              </a:ext>
+            </a:extLst>
+          </p:cNvPr>
+          <p:cNvSpPr>
+            <a:spLocks noGrp="1"/>
+          </p:cNvSpPr>
+          <p:nvPr>
+            <p:ph type="dt" sz="half" idx="10"/>
+          </p:nvPr>
+        </p:nvSpPr>
+        <p:spPr/>
+        <p:txBody>
+          <a:bodyPr/>
+          <a:lstStyle/>
+          <a:p>
+            <a:r>
+              <a:rPr lang="it-IT"/>
+              <a:t>03/01/2021</a:t>
+            </a:r>
+          </a:p>
+        </p:txBody>
+      </p:sp>
     </p:spTree>
     <p:extLst>
       <p:ext uri="{BB962C8B-B14F-4D97-AF65-F5344CB8AC3E}">
-        <p14:creationId xmlns:p14="http://schemas.microsoft.com/office/powerpoint/2010/main" val="1559634028"/>
+        <p14:creationId xmlns:p14="http://schemas.microsoft.com/office/powerpoint/2010/main" val="771963697"/>
       </p:ext>
     </p:extLst>
   </p:cSld>
@@ -9084,7 +12447,7 @@
           <p:cNvPr id="2" name="Titolo 1">
             <a:extLst>
               <a:ext uri="{FF2B5EF4-FFF2-40B4-BE49-F238E27FC236}">
-                <a16:creationId xmlns:a16="http://schemas.microsoft.com/office/drawing/2014/main" id="{0181F325-A9A6-4DA0-BC6B-47E4ADE57310}"/>
+                <a16:creationId xmlns:a16="http://schemas.microsoft.com/office/drawing/2014/main" id="{4CBF770E-8C9F-46F0-97DF-E9F07AEB9C0A}"/>
               </a:ext>
             </a:extLst>
           </p:cNvPr>
@@ -9095,82 +12458,80 @@
             <p:ph type="title"/>
           </p:nvPr>
         </p:nvSpPr>
-        <p:spPr/>
-        <p:txBody>
-          <a:bodyPr/>
+        <p:spPr>
+          <a:xfrm>
+            <a:off x="1227221" y="873214"/>
+            <a:ext cx="6589231" cy="1172153"/>
+          </a:xfrm>
+        </p:spPr>
+        <p:txBody>
+          <a:bodyPr anchor="ctr">
+            <a:normAutofit/>
+          </a:bodyPr>
           <a:lstStyle/>
           <a:p>
-            <a:r>
-              <a:rPr lang="en-GB" dirty="0"/>
-              <a:t>Human detection</a:t>
-            </a:r>
-            <a:endParaRPr lang="it-IT" dirty="0"/>
-          </a:p>
-        </p:txBody>
-      </p:sp>
-      <p:sp>
-        <p:nvSpPr>
-          <p:cNvPr id="3" name="Segnaposto contenuto 2">
+            <a:pPr>
+              <a:lnSpc>
+                <a:spcPct val="90000"/>
+              </a:lnSpc>
+            </a:pPr>
+            <a:r>
+              <a:rPr lang="en-GB" sz="3700" dirty="0"/>
+              <a:t>Communication </a:t>
+            </a:r>
+            <a:br>
+              <a:rPr lang="en-GB" sz="3700" dirty="0"/>
+            </a:br>
+            <a:r>
+              <a:rPr lang="en-GB" sz="3700" dirty="0"/>
+              <a:t>between client and server</a:t>
+            </a:r>
+            <a:endParaRPr lang="it-IT" sz="3700" dirty="0"/>
+          </a:p>
+        </p:txBody>
+      </p:sp>
+      <p:pic>
+        <p:nvPicPr>
+          <p:cNvPr id="8" name="Segnaposto contenuto 7">
             <a:extLst>
               <a:ext uri="{FF2B5EF4-FFF2-40B4-BE49-F238E27FC236}">
-                <a16:creationId xmlns:a16="http://schemas.microsoft.com/office/drawing/2014/main" id="{838C74B5-0CD6-4C31-B56B-ABD908F08D61}"/>
+                <a16:creationId xmlns:a16="http://schemas.microsoft.com/office/drawing/2014/main" id="{07A63581-5609-4EAD-A173-31860D0E046A}"/>
               </a:ext>
             </a:extLst>
           </p:cNvPr>
-          <p:cNvSpPr>
-            <a:spLocks noGrp="1"/>
-          </p:cNvSpPr>
-          <p:nvPr>
-            <p:ph sz="half" idx="1"/>
-          </p:nvPr>
-        </p:nvSpPr>
-        <p:spPr/>
-        <p:txBody>
-          <a:bodyPr/>
-          <a:lstStyle/>
-          <a:p>
-            <a:r>
-              <a:rPr lang="en-GB" dirty="0"/>
-              <a:t>Results</a:t>
-            </a:r>
-            <a:endParaRPr lang="it-IT" dirty="0"/>
-          </a:p>
-        </p:txBody>
-      </p:sp>
-      <p:sp>
-        <p:nvSpPr>
-          <p:cNvPr id="4" name="Segnaposto contenuto 3">
+          <p:cNvPicPr>
+            <a:picLocks noGrp="1" noChangeAspect="1"/>
+          </p:cNvPicPr>
+          <p:nvPr>
+            <p:ph idx="1"/>
+          </p:nvPr>
+        </p:nvPicPr>
+        <p:blipFill>
+          <a:blip r:embed="rId2">
+            <a:extLst>
+              <a:ext uri="{28A0092B-C50C-407E-A947-70E740481C1C}">
+                <a14:useLocalDpi xmlns:a14="http://schemas.microsoft.com/office/drawing/2010/main" val="0"/>
+              </a:ext>
+            </a:extLst>
+          </a:blip>
+          <a:stretch>
+            <a:fillRect/>
+          </a:stretch>
+        </p:blipFill>
+        <p:spPr>
+          <a:xfrm>
+            <a:off x="1696154" y="2081461"/>
+            <a:ext cx="5743705" cy="3661612"/>
+          </a:xfrm>
+          <a:noFill/>
+        </p:spPr>
+      </p:pic>
+      <p:sp>
+        <p:nvSpPr>
+          <p:cNvPr id="12" name="Segnaposto piè di pagina 3">
             <a:extLst>
               <a:ext uri="{FF2B5EF4-FFF2-40B4-BE49-F238E27FC236}">
-                <a16:creationId xmlns:a16="http://schemas.microsoft.com/office/drawing/2014/main" id="{986A6432-0C71-44F6-BA40-78804418826A}"/>
-              </a:ext>
-            </a:extLst>
-          </p:cNvPr>
-          <p:cNvSpPr>
-            <a:spLocks noGrp="1"/>
-          </p:cNvSpPr>
-          <p:nvPr>
-            <p:ph sz="half" idx="2"/>
-          </p:nvPr>
-        </p:nvSpPr>
-        <p:spPr/>
-        <p:txBody>
-          <a:bodyPr/>
-          <a:lstStyle/>
-          <a:p>
-            <a:r>
-              <a:rPr lang="en-GB" dirty="0"/>
-              <a:t>Relaxation results</a:t>
-            </a:r>
-          </a:p>
-        </p:txBody>
-      </p:sp>
-      <p:sp>
-        <p:nvSpPr>
-          <p:cNvPr id="7" name="Segnaposto piè di pagina 3">
-            <a:extLst>
-              <a:ext uri="{FF2B5EF4-FFF2-40B4-BE49-F238E27FC236}">
-                <a16:creationId xmlns:a16="http://schemas.microsoft.com/office/drawing/2014/main" id="{712A717E-7EC9-4A7F-B655-8601F85DB6AC}"/>
+                <a16:creationId xmlns:a16="http://schemas.microsoft.com/office/drawing/2014/main" id="{BE532B4B-62C9-460A-A5CD-948DC87B638B}"/>
               </a:ext>
             </a:extLst>
           </p:cNvPr>
@@ -9201,10 +12562,10 @@
       </p:sp>
       <p:sp>
         <p:nvSpPr>
-          <p:cNvPr id="8" name="Segnaposto numero diapositiva 4">
+          <p:cNvPr id="14" name="Segnaposto numero diapositiva 4">
             <a:extLst>
               <a:ext uri="{FF2B5EF4-FFF2-40B4-BE49-F238E27FC236}">
-                <a16:creationId xmlns:a16="http://schemas.microsoft.com/office/drawing/2014/main" id="{29C14DA8-A664-4DCD-A799-51357DF08110}"/>
+                <a16:creationId xmlns:a16="http://schemas.microsoft.com/office/drawing/2014/main" id="{4427B06E-47BC-4289-B4DE-9CC783C04313}"/>
               </a:ext>
             </a:extLst>
           </p:cNvPr>
@@ -9233,10 +12594,38 @@
           </a:p>
         </p:txBody>
       </p:sp>
+      <p:sp>
+        <p:nvSpPr>
+          <p:cNvPr id="3" name="Segnaposto data 2">
+            <a:extLst>
+              <a:ext uri="{FF2B5EF4-FFF2-40B4-BE49-F238E27FC236}">
+                <a16:creationId xmlns:a16="http://schemas.microsoft.com/office/drawing/2014/main" id="{E49124B1-5512-428A-9266-8FF4A6102B15}"/>
+              </a:ext>
+            </a:extLst>
+          </p:cNvPr>
+          <p:cNvSpPr>
+            <a:spLocks noGrp="1"/>
+          </p:cNvSpPr>
+          <p:nvPr>
+            <p:ph type="dt" sz="half" idx="10"/>
+          </p:nvPr>
+        </p:nvSpPr>
+        <p:spPr/>
+        <p:txBody>
+          <a:bodyPr/>
+          <a:lstStyle/>
+          <a:p>
+            <a:r>
+              <a:rPr lang="it-IT"/>
+              <a:t>03/01/2021</a:t>
+            </a:r>
+          </a:p>
+        </p:txBody>
+      </p:sp>
     </p:spTree>
     <p:extLst>
       <p:ext uri="{BB962C8B-B14F-4D97-AF65-F5344CB8AC3E}">
-        <p14:creationId xmlns:p14="http://schemas.microsoft.com/office/powerpoint/2010/main" val="557328345"/>
+        <p14:creationId xmlns:p14="http://schemas.microsoft.com/office/powerpoint/2010/main" val="1559634028"/>
       </p:ext>
     </p:extLst>
   </p:cSld>
@@ -9268,7 +12657,7 @@
           <p:cNvPr id="2" name="Titolo 1">
             <a:extLst>
               <a:ext uri="{FF2B5EF4-FFF2-40B4-BE49-F238E27FC236}">
-                <a16:creationId xmlns:a16="http://schemas.microsoft.com/office/drawing/2014/main" id="{8BC4D82F-1869-4B47-A6C3-9F3785585E51}"/>
+                <a16:creationId xmlns:a16="http://schemas.microsoft.com/office/drawing/2014/main" id="{0181F325-A9A6-4DA0-BC6B-47E4ADE57310}"/>
               </a:ext>
             </a:extLst>
           </p:cNvPr>
@@ -9286,7 +12675,7 @@
           <a:p>
             <a:r>
               <a:rPr lang="en-GB" dirty="0"/>
-              <a:t>Bot detection</a:t>
+              <a:t>Human detection</a:t>
             </a:r>
             <a:endParaRPr lang="it-IT" dirty="0"/>
           </a:p>
@@ -9297,7 +12686,7 @@
           <p:cNvPr id="3" name="Segnaposto contenuto 2">
             <a:extLst>
               <a:ext uri="{FF2B5EF4-FFF2-40B4-BE49-F238E27FC236}">
-                <a16:creationId xmlns:a16="http://schemas.microsoft.com/office/drawing/2014/main" id="{3FDFE650-6B67-475D-BA84-620FC14C13A9}"/>
+                <a16:creationId xmlns:a16="http://schemas.microsoft.com/office/drawing/2014/main" id="{838C74B5-0CD6-4C31-B56B-ABD908F08D61}"/>
               </a:ext>
             </a:extLst>
           </p:cNvPr>
@@ -9315,23 +12704,7 @@
           <a:p>
             <a:r>
               <a:rPr lang="en-GB" dirty="0"/>
-              <a:t>Pipe bot</a:t>
-            </a:r>
-          </a:p>
-          <a:p>
-            <a:r>
-              <a:rPr lang="en-GB" dirty="0" err="1"/>
-              <a:t>Pynput</a:t>
-            </a:r>
-            <a:r>
-              <a:rPr lang="en-GB" dirty="0"/>
-              <a:t> bot</a:t>
-            </a:r>
-          </a:p>
-          <a:p>
-            <a:r>
-              <a:rPr lang="en-GB" dirty="0"/>
-              <a:t>Team viewer</a:t>
+              <a:t>Results</a:t>
             </a:r>
             <a:endParaRPr lang="it-IT" dirty="0"/>
           </a:p>
@@ -9342,7 +12715,7 @@
           <p:cNvPr id="4" name="Segnaposto contenuto 3">
             <a:extLst>
               <a:ext uri="{FF2B5EF4-FFF2-40B4-BE49-F238E27FC236}">
-                <a16:creationId xmlns:a16="http://schemas.microsoft.com/office/drawing/2014/main" id="{07764D0A-8D70-458F-9AB6-16DF3BE03095}"/>
+                <a16:creationId xmlns:a16="http://schemas.microsoft.com/office/drawing/2014/main" id="{986A6432-0C71-44F6-BA40-78804418826A}"/>
               </a:ext>
             </a:extLst>
           </p:cNvPr>
@@ -9358,7 +12731,10 @@
           <a:bodyPr/>
           <a:lstStyle/>
           <a:p>
-            <a:endParaRPr lang="it-IT" dirty="0"/>
+            <a:r>
+              <a:rPr lang="en-GB" dirty="0"/>
+              <a:t>Relaxation results</a:t>
+            </a:r>
           </a:p>
         </p:txBody>
       </p:sp>
@@ -9367,7 +12743,7 @@
           <p:cNvPr id="7" name="Segnaposto piè di pagina 3">
             <a:extLst>
               <a:ext uri="{FF2B5EF4-FFF2-40B4-BE49-F238E27FC236}">
-                <a16:creationId xmlns:a16="http://schemas.microsoft.com/office/drawing/2014/main" id="{8D9BAA77-6343-42F9-AE34-23C6B3ED04DF}"/>
+                <a16:creationId xmlns:a16="http://schemas.microsoft.com/office/drawing/2014/main" id="{712A717E-7EC9-4A7F-B655-8601F85DB6AC}"/>
               </a:ext>
             </a:extLst>
           </p:cNvPr>
@@ -9401,7 +12777,7 @@
           <p:cNvPr id="8" name="Segnaposto numero diapositiva 4">
             <a:extLst>
               <a:ext uri="{FF2B5EF4-FFF2-40B4-BE49-F238E27FC236}">
-                <a16:creationId xmlns:a16="http://schemas.microsoft.com/office/drawing/2014/main" id="{1771D739-BB27-4602-88AA-6AB5729AC561}"/>
+                <a16:creationId xmlns:a16="http://schemas.microsoft.com/office/drawing/2014/main" id="{29C14DA8-A664-4DCD-A799-51357DF08110}"/>
               </a:ext>
             </a:extLst>
           </p:cNvPr>
@@ -9430,10 +12806,38 @@
           </a:p>
         </p:txBody>
       </p:sp>
+      <p:sp>
+        <p:nvSpPr>
+          <p:cNvPr id="5" name="Segnaposto data 4">
+            <a:extLst>
+              <a:ext uri="{FF2B5EF4-FFF2-40B4-BE49-F238E27FC236}">
+                <a16:creationId xmlns:a16="http://schemas.microsoft.com/office/drawing/2014/main" id="{903F0B6A-64DD-409D-B457-1DE9EFF04528}"/>
+              </a:ext>
+            </a:extLst>
+          </p:cNvPr>
+          <p:cNvSpPr>
+            <a:spLocks noGrp="1"/>
+          </p:cNvSpPr>
+          <p:nvPr>
+            <p:ph type="dt" sz="half" idx="10"/>
+          </p:nvPr>
+        </p:nvSpPr>
+        <p:spPr/>
+        <p:txBody>
+          <a:bodyPr/>
+          <a:lstStyle/>
+          <a:p>
+            <a:r>
+              <a:rPr lang="it-IT"/>
+              <a:t>03/01/2021</a:t>
+            </a:r>
+          </a:p>
+        </p:txBody>
+      </p:sp>
     </p:spTree>
     <p:extLst>
       <p:ext uri="{BB962C8B-B14F-4D97-AF65-F5344CB8AC3E}">
-        <p14:creationId xmlns:p14="http://schemas.microsoft.com/office/powerpoint/2010/main" val="2591824157"/>
+        <p14:creationId xmlns:p14="http://schemas.microsoft.com/office/powerpoint/2010/main" val="557328345"/>
       </p:ext>
     </p:extLst>
   </p:cSld>

--- a/Thesis/AcCAPPCHA.pptx
+++ b/Thesis/AcCAPPCHA.pptx
@@ -5,25 +5,23 @@
     <p:sldMasterId id="2147483750" r:id="rId1"/>
   </p:sldMasterIdLst>
   <p:notesMasterIdLst>
-    <p:notesMasterId r:id="rId15"/>
+    <p:notesMasterId r:id="rId13"/>
   </p:notesMasterIdLst>
   <p:handoutMasterIdLst>
-    <p:handoutMasterId r:id="rId16"/>
+    <p:handoutMasterId r:id="rId14"/>
   </p:handoutMasterIdLst>
   <p:sldIdLst>
     <p:sldId id="256" r:id="rId2"/>
     <p:sldId id="257" r:id="rId3"/>
     <p:sldId id="259" r:id="rId4"/>
     <p:sldId id="270" r:id="rId5"/>
-    <p:sldId id="271" r:id="rId6"/>
-    <p:sldId id="258" r:id="rId7"/>
-    <p:sldId id="260" r:id="rId8"/>
-    <p:sldId id="262" r:id="rId9"/>
+    <p:sldId id="258" r:id="rId6"/>
+    <p:sldId id="260" r:id="rId7"/>
+    <p:sldId id="262" r:id="rId8"/>
+    <p:sldId id="266" r:id="rId9"/>
     <p:sldId id="265" r:id="rId10"/>
-    <p:sldId id="266" r:id="rId11"/>
-    <p:sldId id="263" r:id="rId12"/>
-    <p:sldId id="269" r:id="rId13"/>
-    <p:sldId id="268" r:id="rId14"/>
+    <p:sldId id="269" r:id="rId11"/>
+    <p:sldId id="268" r:id="rId12"/>
   </p:sldIdLst>
   <p:sldSz cx="9144000" cy="6858000" type="screen4x3"/>
   <p:notesSz cx="6858000" cy="9144000"/>
@@ -7243,7 +7241,7 @@
         </p:nvSpPr>
         <p:spPr>
           <a:xfrm>
-            <a:off x="2065682" y="4304037"/>
+            <a:off x="2065680" y="4159653"/>
             <a:ext cx="5004649" cy="365125"/>
           </a:xfrm>
         </p:spPr>
@@ -7253,10 +7251,23 @@
           <a:p>
             <a:pPr algn="ctr"/>
             <a:r>
-              <a:rPr lang="it-IT" sz="2000"/>
-              <a:t>Di Nardo Di Maio Raffaele</a:t>
-            </a:r>
-            <a:endParaRPr lang="it-IT" sz="2000" dirty="0"/>
+              <a:rPr lang="it-IT" sz="2200" dirty="0">
+                <a:effectLst/>
+              </a:rPr>
+              <a:t>March 1</a:t>
+            </a:r>
+            <a:r>
+              <a:rPr lang="it-IT" sz="2200" baseline="30000" dirty="0">
+                <a:effectLst/>
+              </a:rPr>
+              <a:t>st</a:t>
+            </a:r>
+            <a:r>
+              <a:rPr lang="it-IT" sz="2200" dirty="0">
+                <a:effectLst/>
+              </a:rPr>
+              <a:t>, 2021  </a:t>
+            </a:r>
           </a:p>
         </p:txBody>
       </p:sp>
@@ -7396,63 +7407,6 @@
               <a:t>Master degree in Computer Engineering</a:t>
             </a:r>
             <a:endParaRPr lang="it-IT" sz="2400" i="1" dirty="0"/>
-          </a:p>
-        </p:txBody>
-      </p:sp>
-      <p:sp>
-        <p:nvSpPr>
-          <p:cNvPr id="4" name="Segnaposto data 3">
-            <a:extLst>
-              <a:ext uri="{FF2B5EF4-FFF2-40B4-BE49-F238E27FC236}">
-                <a16:creationId xmlns:a16="http://schemas.microsoft.com/office/drawing/2014/main" id="{CF2907FC-A29D-469D-8B6D-8B01BC56FCE9}"/>
-              </a:ext>
-            </a:extLst>
-          </p:cNvPr>
-          <p:cNvSpPr>
-            <a:spLocks noGrp="1"/>
-          </p:cNvSpPr>
-          <p:nvPr>
-            <p:ph type="dt" sz="half" idx="10"/>
-          </p:nvPr>
-        </p:nvSpPr>
-        <p:spPr/>
-        <p:txBody>
-          <a:bodyPr/>
-          <a:lstStyle/>
-          <a:p>
-            <a:r>
-              <a:rPr lang="it-IT"/>
-              <a:t>03/01/2021</a:t>
-            </a:r>
-          </a:p>
-        </p:txBody>
-      </p:sp>
-      <p:sp>
-        <p:nvSpPr>
-          <p:cNvPr id="5" name="Segnaposto numero diapositiva 4">
-            <a:extLst>
-              <a:ext uri="{FF2B5EF4-FFF2-40B4-BE49-F238E27FC236}">
-                <a16:creationId xmlns:a16="http://schemas.microsoft.com/office/drawing/2014/main" id="{F325F936-8E5F-4FC4-BFEA-3D4CA00B02B8}"/>
-              </a:ext>
-            </a:extLst>
-          </p:cNvPr>
-          <p:cNvSpPr>
-            <a:spLocks noGrp="1"/>
-          </p:cNvSpPr>
-          <p:nvPr>
-            <p:ph type="sldNum" sz="quarter" idx="12"/>
-          </p:nvPr>
-        </p:nvSpPr>
-        <p:spPr/>
-        <p:txBody>
-          <a:bodyPr/>
-          <a:lstStyle/>
-          <a:p>
-            <a:fld id="{8DF98BA9-0B5D-48FD-8864-41A23C2934CC}" type="slidenum">
-              <a:rPr lang="it-IT" smtClean="0"/>
-              <a:t>0</a:t>
-            </a:fld>
-            <a:endParaRPr lang="it-IT"/>
           </a:p>
         </p:txBody>
       </p:sp>
@@ -7491,7 +7445,7 @@
           <p:cNvPr id="2" name="Titolo 1">
             <a:extLst>
               <a:ext uri="{FF2B5EF4-FFF2-40B4-BE49-F238E27FC236}">
-                <a16:creationId xmlns:a16="http://schemas.microsoft.com/office/drawing/2014/main" id="{8BC4D82F-1869-4B47-A6C3-9F3785585E51}"/>
+                <a16:creationId xmlns:a16="http://schemas.microsoft.com/office/drawing/2014/main" id="{796B4C79-E9E3-4DD7-98B8-06F69BB223C8}"/>
               </a:ext>
             </a:extLst>
           </p:cNvPr>
@@ -7509,7 +7463,7 @@
           <a:p>
             <a:r>
               <a:rPr lang="en-GB" dirty="0"/>
-              <a:t>Bot detection</a:t>
+              <a:t>Future work</a:t>
             </a:r>
             <a:endParaRPr lang="it-IT" dirty="0"/>
           </a:p>
@@ -7520,7 +7474,7 @@
           <p:cNvPr id="3" name="Segnaposto contenuto 2">
             <a:extLst>
               <a:ext uri="{FF2B5EF4-FFF2-40B4-BE49-F238E27FC236}">
-                <a16:creationId xmlns:a16="http://schemas.microsoft.com/office/drawing/2014/main" id="{3FDFE650-6B67-475D-BA84-620FC14C13A9}"/>
+                <a16:creationId xmlns:a16="http://schemas.microsoft.com/office/drawing/2014/main" id="{469036F2-331A-49DD-A8DF-2E3B1B85C244}"/>
               </a:ext>
             </a:extLst>
           </p:cNvPr>
@@ -7528,33 +7482,186 @@
             <a:spLocks noGrp="1"/>
           </p:cNvSpPr>
           <p:nvPr>
-            <p:ph sz="half" idx="1"/>
-          </p:nvPr>
-        </p:nvSpPr>
-        <p:spPr/>
+            <p:ph idx="1"/>
+          </p:nvPr>
+        </p:nvSpPr>
+        <p:spPr>
+          <a:xfrm>
+            <a:off x="1202073" y="2009271"/>
+            <a:ext cx="6739853" cy="2261937"/>
+          </a:xfrm>
+        </p:spPr>
         <p:txBody>
           <a:bodyPr/>
           <a:lstStyle/>
           <a:p>
+            <a:pPr>
+              <a:buClr>
+                <a:schemeClr val="accent3">
+                  <a:lumMod val="75000"/>
+                </a:schemeClr>
+              </a:buClr>
+            </a:pPr>
+            <a:r>
+              <a:rPr lang="en-GB" dirty="0">
+                <a:solidFill>
+                  <a:schemeClr val="accent2">
+                    <a:lumMod val="75000"/>
+                  </a:schemeClr>
+                </a:solidFill>
+              </a:rPr>
+              <a:t>Improvement of character correspondence</a:t>
+            </a:r>
+            <a:endParaRPr lang="it-IT" dirty="0">
+              <a:solidFill>
+                <a:schemeClr val="accent2">
+                  <a:lumMod val="75000"/>
+                </a:schemeClr>
+              </a:solidFill>
+            </a:endParaRPr>
+          </a:p>
+          <a:p>
+            <a:pPr>
+              <a:buClr>
+                <a:schemeClr val="accent3">
+                  <a:lumMod val="75000"/>
+                </a:schemeClr>
+              </a:buClr>
+            </a:pPr>
+            <a:r>
+              <a:rPr lang="it-IT" dirty="0" err="1">
+                <a:solidFill>
+                  <a:schemeClr val="accent2">
+                    <a:lumMod val="75000"/>
+                  </a:schemeClr>
+                </a:solidFill>
+              </a:rPr>
+              <a:t>Implementation</a:t>
+            </a:r>
+            <a:r>
+              <a:rPr lang="it-IT" dirty="0">
+                <a:solidFill>
+                  <a:schemeClr val="accent2">
+                    <a:lumMod val="75000"/>
+                  </a:schemeClr>
+                </a:solidFill>
+              </a:rPr>
+              <a:t> on </a:t>
+            </a:r>
+            <a:r>
+              <a:rPr lang="it-IT" dirty="0" err="1">
+                <a:solidFill>
+                  <a:schemeClr val="accent2">
+                    <a:lumMod val="75000"/>
+                  </a:schemeClr>
+                </a:solidFill>
+              </a:rPr>
+              <a:t>other</a:t>
+            </a:r>
+            <a:r>
+              <a:rPr lang="it-IT" dirty="0">
+                <a:solidFill>
+                  <a:schemeClr val="accent2">
+                    <a:lumMod val="75000"/>
+                  </a:schemeClr>
+                </a:solidFill>
+              </a:rPr>
+              <a:t> devices (smartphones &amp; tablets)</a:t>
+            </a:r>
+          </a:p>
+          <a:p>
+            <a:pPr>
+              <a:buClr>
+                <a:schemeClr val="accent3">
+                  <a:lumMod val="75000"/>
+                </a:schemeClr>
+              </a:buClr>
+            </a:pPr>
+            <a:r>
+              <a:rPr lang="it-IT" dirty="0" err="1">
+                <a:solidFill>
+                  <a:schemeClr val="accent2">
+                    <a:lumMod val="75000"/>
+                  </a:schemeClr>
+                </a:solidFill>
+              </a:rPr>
+              <a:t>Relationship</a:t>
+            </a:r>
+            <a:r>
+              <a:rPr lang="it-IT" dirty="0">
+                <a:solidFill>
+                  <a:schemeClr val="accent2">
+                    <a:lumMod val="75000"/>
+                  </a:schemeClr>
+                </a:solidFill>
+              </a:rPr>
+              <a:t> </a:t>
+            </a:r>
+            <a:r>
+              <a:rPr lang="it-IT" dirty="0" err="1">
+                <a:solidFill>
+                  <a:schemeClr val="accent2">
+                    <a:lumMod val="75000"/>
+                  </a:schemeClr>
+                </a:solidFill>
+              </a:rPr>
+              <a:t>between</a:t>
+            </a:r>
+            <a:r>
+              <a:rPr lang="it-IT" dirty="0">
+                <a:solidFill>
+                  <a:schemeClr val="accent2">
+                    <a:lumMod val="75000"/>
+                  </a:schemeClr>
+                </a:solidFill>
+              </a:rPr>
+              <a:t> </a:t>
+            </a:r>
+            <a:r>
+              <a:rPr lang="it-IT" dirty="0" err="1">
+                <a:solidFill>
+                  <a:schemeClr val="accent2">
+                    <a:lumMod val="75000"/>
+                  </a:schemeClr>
+                </a:solidFill>
+              </a:rPr>
+              <a:t>accuracy</a:t>
+            </a:r>
+            <a:r>
+              <a:rPr lang="it-IT" dirty="0">
+                <a:solidFill>
+                  <a:schemeClr val="accent2">
+                    <a:lumMod val="75000"/>
+                  </a:schemeClr>
+                </a:solidFill>
+              </a:rPr>
+              <a:t> and:</a:t>
+            </a:r>
+          </a:p>
+          <a:p>
+            <a:pPr lvl="1"/>
+            <a:r>
+              <a:rPr lang="it-IT" dirty="0" err="1"/>
+              <a:t>different</a:t>
+            </a:r>
+            <a:r>
+              <a:rPr lang="it-IT" dirty="0"/>
+              <a:t> users </a:t>
+            </a:r>
+            <a:r>
+              <a:rPr lang="it-IT" dirty="0" err="1"/>
+              <a:t>typing</a:t>
+            </a:r>
+            <a:r>
+              <a:rPr lang="it-IT" dirty="0"/>
+              <a:t> styles</a:t>
+            </a:r>
+          </a:p>
+          <a:p>
+            <a:pPr lvl="1"/>
             <a:r>
               <a:rPr lang="en-GB" dirty="0"/>
-              <a:t>Pipe bot</a:t>
-            </a:r>
-          </a:p>
-          <a:p>
-            <a:r>
-              <a:rPr lang="en-GB" dirty="0" err="1"/>
-              <a:t>Pynput</a:t>
-            </a:r>
-            <a:r>
-              <a:rPr lang="en-GB" dirty="0"/>
-              <a:t> bot</a:t>
-            </a:r>
-          </a:p>
-          <a:p>
-            <a:r>
-              <a:rPr lang="en-GB" dirty="0"/>
-              <a:t>Team viewer</a:t>
+              <a:t>different level of wear and tear of a same hardware</a:t>
             </a:r>
             <a:endParaRPr lang="it-IT" dirty="0"/>
           </a:p>
@@ -7562,10 +7669,10 @@
       </p:sp>
       <p:sp>
         <p:nvSpPr>
-          <p:cNvPr id="4" name="Segnaposto contenuto 3">
+          <p:cNvPr id="4" name="Segnaposto piè di pagina 3">
             <a:extLst>
               <a:ext uri="{FF2B5EF4-FFF2-40B4-BE49-F238E27FC236}">
-                <a16:creationId xmlns:a16="http://schemas.microsoft.com/office/drawing/2014/main" id="{07764D0A-8D70-458F-9AB6-16DF3BE03095}"/>
+                <a16:creationId xmlns:a16="http://schemas.microsoft.com/office/drawing/2014/main" id="{E6C479DE-644D-423E-8422-12A3E92BF5EC}"/>
               </a:ext>
             </a:extLst>
           </p:cNvPr>
@@ -7573,7 +7680,7 @@
             <a:spLocks noGrp="1"/>
           </p:cNvSpPr>
           <p:nvPr>
-            <p:ph sz="half" idx="2"/>
+            <p:ph type="ftr" sz="quarter" idx="11"/>
           </p:nvPr>
         </p:nvSpPr>
         <p:spPr/>
@@ -7581,16 +7688,19 @@
           <a:bodyPr/>
           <a:lstStyle/>
           <a:p>
-            <a:endParaRPr lang="it-IT" dirty="0"/>
-          </a:p>
-        </p:txBody>
-      </p:sp>
-      <p:sp>
-        <p:nvSpPr>
-          <p:cNvPr id="7" name="Segnaposto piè di pagina 3">
+            <a:r>
+              <a:rPr lang="it-IT"/>
+              <a:t>Di Nardo Di Maio Raffaele</a:t>
+            </a:r>
+          </a:p>
+        </p:txBody>
+      </p:sp>
+      <p:sp>
+        <p:nvSpPr>
+          <p:cNvPr id="5" name="Segnaposto numero diapositiva 4">
             <a:extLst>
               <a:ext uri="{FF2B5EF4-FFF2-40B4-BE49-F238E27FC236}">
-                <a16:creationId xmlns:a16="http://schemas.microsoft.com/office/drawing/2014/main" id="{8D9BAA77-6343-42F9-AE34-23C6B3ED04DF}"/>
+                <a16:creationId xmlns:a16="http://schemas.microsoft.com/office/drawing/2014/main" id="{F58943A0-7B70-445F-8AB8-CCE50DCCE00F}"/>
               </a:ext>
             </a:extLst>
           </p:cNvPr>
@@ -7598,33 +7708,28 @@
             <a:spLocks noGrp="1"/>
           </p:cNvSpPr>
           <p:nvPr>
-            <p:ph type="ftr" sz="quarter" idx="11"/>
-          </p:nvPr>
-        </p:nvSpPr>
-        <p:spPr>
-          <a:xfrm>
-            <a:off x="435114" y="5883276"/>
-            <a:ext cx="5505114" cy="365125"/>
-          </a:xfrm>
-        </p:spPr>
+            <p:ph type="sldNum" sz="quarter" idx="12"/>
+          </p:nvPr>
+        </p:nvSpPr>
+        <p:spPr/>
         <p:txBody>
           <a:bodyPr/>
           <a:lstStyle/>
           <a:p>
-            <a:r>
-              <a:rPr lang="en-GB" sz="1100" dirty="0"/>
-              <a:t>Di Nardo Di Maio Raffaele</a:t>
-            </a:r>
-            <a:endParaRPr lang="it-IT" sz="1100" dirty="0"/>
-          </a:p>
-        </p:txBody>
-      </p:sp>
-      <p:sp>
-        <p:nvSpPr>
-          <p:cNvPr id="8" name="Segnaposto numero diapositiva 4">
+            <a:fld id="{8DF98BA9-0B5D-48FD-8864-41A23C2934CC}" type="slidenum">
+              <a:rPr lang="it-IT" smtClean="0"/>
+              <a:t>9</a:t>
+            </a:fld>
+            <a:endParaRPr lang="it-IT"/>
+          </a:p>
+        </p:txBody>
+      </p:sp>
+      <p:sp>
+        <p:nvSpPr>
+          <p:cNvPr id="6" name="Segnaposto data 5">
             <a:extLst>
               <a:ext uri="{FF2B5EF4-FFF2-40B4-BE49-F238E27FC236}">
-                <a16:creationId xmlns:a16="http://schemas.microsoft.com/office/drawing/2014/main" id="{1771D739-BB27-4602-88AA-6AB5729AC561}"/>
+                <a16:creationId xmlns:a16="http://schemas.microsoft.com/office/drawing/2014/main" id="{CD50C7DB-A4C2-46F5-B6E4-205A0DFCD286}"/>
               </a:ext>
             </a:extLst>
           </p:cNvPr>
@@ -7632,40 +7737,6 @@
             <a:spLocks noGrp="1"/>
           </p:cNvSpPr>
           <p:nvPr>
-            <p:ph type="sldNum" sz="quarter" idx="12"/>
-          </p:nvPr>
-        </p:nvSpPr>
-        <p:spPr>
-          <a:xfrm>
-            <a:off x="7885509" y="5883276"/>
-            <a:ext cx="565159" cy="365125"/>
-          </a:xfrm>
-        </p:spPr>
-        <p:txBody>
-          <a:bodyPr/>
-          <a:lstStyle/>
-          <a:p>
-            <a:fld id="{8DF98BA9-0B5D-48FD-8864-41A23C2934CC}" type="slidenum">
-              <a:rPr lang="it-IT" sz="1100" smtClean="0"/>
-              <a:t>9</a:t>
-            </a:fld>
-            <a:endParaRPr lang="it-IT" sz="1100"/>
-          </a:p>
-        </p:txBody>
-      </p:sp>
-      <p:sp>
-        <p:nvSpPr>
-          <p:cNvPr id="5" name="Segnaposto data 4">
-            <a:extLst>
-              <a:ext uri="{FF2B5EF4-FFF2-40B4-BE49-F238E27FC236}">
-                <a16:creationId xmlns:a16="http://schemas.microsoft.com/office/drawing/2014/main" id="{2F9F976B-D068-4DEA-9C18-0ECD5F7DE3B7}"/>
-              </a:ext>
-            </a:extLst>
-          </p:cNvPr>
-          <p:cNvSpPr>
-            <a:spLocks noGrp="1"/>
-          </p:cNvSpPr>
-          <p:nvPr>
             <p:ph type="dt" sz="half" idx="10"/>
           </p:nvPr>
         </p:nvSpPr>
@@ -7684,7 +7755,7 @@
     </p:spTree>
     <p:extLst>
       <p:ext uri="{BB962C8B-B14F-4D97-AF65-F5344CB8AC3E}">
-        <p14:creationId xmlns:p14="http://schemas.microsoft.com/office/powerpoint/2010/main" val="2591824157"/>
+        <p14:creationId xmlns:p14="http://schemas.microsoft.com/office/powerpoint/2010/main" val="240478739"/>
       </p:ext>
     </p:extLst>
   </p:cSld>
@@ -7716,554 +7787,6 @@
           <p:cNvPr id="2" name="Titolo 1">
             <a:extLst>
               <a:ext uri="{FF2B5EF4-FFF2-40B4-BE49-F238E27FC236}">
-                <a16:creationId xmlns:a16="http://schemas.microsoft.com/office/drawing/2014/main" id="{67ABFE1D-F121-4F29-AB59-619582BE00A5}"/>
-              </a:ext>
-            </a:extLst>
-          </p:cNvPr>
-          <p:cNvSpPr>
-            <a:spLocks noGrp="1"/>
-          </p:cNvSpPr>
-          <p:nvPr>
-            <p:ph type="title"/>
-          </p:nvPr>
-        </p:nvSpPr>
-        <p:spPr>
-          <a:xfrm>
-            <a:off x="1044791" y="937553"/>
-            <a:ext cx="7046431" cy="1172153"/>
-          </a:xfrm>
-        </p:spPr>
-        <p:txBody>
-          <a:bodyPr>
-            <a:normAutofit fontScale="90000"/>
-          </a:bodyPr>
-          <a:lstStyle/>
-          <a:p>
-            <a:r>
-              <a:rPr lang="en-GB" dirty="0"/>
-              <a:t>Strength </a:t>
-            </a:r>
-            <a:br>
-              <a:rPr lang="en-GB" dirty="0"/>
-            </a:br>
-            <a:r>
-              <a:rPr lang="en-GB" dirty="0"/>
-              <a:t>against most known attacks</a:t>
-            </a:r>
-            <a:endParaRPr lang="it-IT" dirty="0"/>
-          </a:p>
-        </p:txBody>
-      </p:sp>
-      <p:sp>
-        <p:nvSpPr>
-          <p:cNvPr id="3" name="Segnaposto contenuto 2">
-            <a:extLst>
-              <a:ext uri="{FF2B5EF4-FFF2-40B4-BE49-F238E27FC236}">
-                <a16:creationId xmlns:a16="http://schemas.microsoft.com/office/drawing/2014/main" id="{3DC8FBE8-310A-406F-978C-5390D6A5363B}"/>
-              </a:ext>
-            </a:extLst>
-          </p:cNvPr>
-          <p:cNvSpPr>
-            <a:spLocks noGrp="1"/>
-          </p:cNvSpPr>
-          <p:nvPr>
-            <p:ph idx="1"/>
-          </p:nvPr>
-        </p:nvSpPr>
-        <p:spPr/>
-        <p:txBody>
-          <a:bodyPr/>
-          <a:lstStyle/>
-          <a:p>
-            <a:r>
-              <a:rPr lang="en-GB" dirty="0"/>
-              <a:t>Eavesdropping</a:t>
-            </a:r>
-          </a:p>
-          <a:p>
-            <a:r>
-              <a:rPr lang="en-GB" dirty="0"/>
-              <a:t>Replay</a:t>
-            </a:r>
-          </a:p>
-          <a:p>
-            <a:endParaRPr lang="it-IT" dirty="0"/>
-          </a:p>
-        </p:txBody>
-      </p:sp>
-      <p:sp>
-        <p:nvSpPr>
-          <p:cNvPr id="6" name="Segnaposto piè di pagina 3">
-            <a:extLst>
-              <a:ext uri="{FF2B5EF4-FFF2-40B4-BE49-F238E27FC236}">
-                <a16:creationId xmlns:a16="http://schemas.microsoft.com/office/drawing/2014/main" id="{1BFE5E86-D964-4183-876E-5CCA0A8B76C9}"/>
-              </a:ext>
-            </a:extLst>
-          </p:cNvPr>
-          <p:cNvSpPr>
-            <a:spLocks noGrp="1"/>
-          </p:cNvSpPr>
-          <p:nvPr>
-            <p:ph type="ftr" sz="quarter" idx="11"/>
-          </p:nvPr>
-        </p:nvSpPr>
-        <p:spPr>
-          <a:xfrm>
-            <a:off x="435114" y="5883276"/>
-            <a:ext cx="5505114" cy="365125"/>
-          </a:xfrm>
-        </p:spPr>
-        <p:txBody>
-          <a:bodyPr/>
-          <a:lstStyle/>
-          <a:p>
-            <a:r>
-              <a:rPr lang="en-GB" sz="1100" dirty="0"/>
-              <a:t>Di Nardo Di Maio Raffaele</a:t>
-            </a:r>
-            <a:endParaRPr lang="it-IT" sz="1100" dirty="0"/>
-          </a:p>
-        </p:txBody>
-      </p:sp>
-      <p:sp>
-        <p:nvSpPr>
-          <p:cNvPr id="7" name="Segnaposto numero diapositiva 4">
-            <a:extLst>
-              <a:ext uri="{FF2B5EF4-FFF2-40B4-BE49-F238E27FC236}">
-                <a16:creationId xmlns:a16="http://schemas.microsoft.com/office/drawing/2014/main" id="{D0708AE2-64A9-4D8A-A1B3-452DB38E94EA}"/>
-              </a:ext>
-            </a:extLst>
-          </p:cNvPr>
-          <p:cNvSpPr>
-            <a:spLocks noGrp="1"/>
-          </p:cNvSpPr>
-          <p:nvPr>
-            <p:ph type="sldNum" sz="quarter" idx="12"/>
-          </p:nvPr>
-        </p:nvSpPr>
-        <p:spPr>
-          <a:xfrm>
-            <a:off x="7885509" y="5883276"/>
-            <a:ext cx="565159" cy="365125"/>
-          </a:xfrm>
-        </p:spPr>
-        <p:txBody>
-          <a:bodyPr/>
-          <a:lstStyle/>
-          <a:p>
-            <a:fld id="{8DF98BA9-0B5D-48FD-8864-41A23C2934CC}" type="slidenum">
-              <a:rPr lang="it-IT" sz="1100" smtClean="0"/>
-              <a:t>10</a:t>
-            </a:fld>
-            <a:endParaRPr lang="it-IT" sz="1100"/>
-          </a:p>
-        </p:txBody>
-      </p:sp>
-      <p:sp>
-        <p:nvSpPr>
-          <p:cNvPr id="4" name="Segnaposto data 3">
-            <a:extLst>
-              <a:ext uri="{FF2B5EF4-FFF2-40B4-BE49-F238E27FC236}">
-                <a16:creationId xmlns:a16="http://schemas.microsoft.com/office/drawing/2014/main" id="{E9FB7F10-2C41-46FD-98E8-2ECFD23946C2}"/>
-              </a:ext>
-            </a:extLst>
-          </p:cNvPr>
-          <p:cNvSpPr>
-            <a:spLocks noGrp="1"/>
-          </p:cNvSpPr>
-          <p:nvPr>
-            <p:ph type="dt" sz="half" idx="10"/>
-          </p:nvPr>
-        </p:nvSpPr>
-        <p:spPr/>
-        <p:txBody>
-          <a:bodyPr/>
-          <a:lstStyle/>
-          <a:p>
-            <a:r>
-              <a:rPr lang="it-IT"/>
-              <a:t>03/01/2021</a:t>
-            </a:r>
-          </a:p>
-        </p:txBody>
-      </p:sp>
-    </p:spTree>
-    <p:extLst>
-      <p:ext uri="{BB962C8B-B14F-4D97-AF65-F5344CB8AC3E}">
-        <p14:creationId xmlns:p14="http://schemas.microsoft.com/office/powerpoint/2010/main" val="238188159"/>
-      </p:ext>
-    </p:extLst>
-  </p:cSld>
-  <p:clrMapOvr>
-    <a:masterClrMapping/>
-  </p:clrMapOvr>
-</p:sld>
-</file>
-
-<file path=ppt/slides/slide12.xml><?xml version="1.0" encoding="utf-8"?>
-<p:sld xmlns:a="http://schemas.openxmlformats.org/drawingml/2006/main" xmlns:r="http://schemas.openxmlformats.org/officeDocument/2006/relationships" xmlns:p="http://schemas.openxmlformats.org/presentationml/2006/main">
-  <p:cSld>
-    <p:spTree>
-      <p:nvGrpSpPr>
-        <p:cNvPr id="1" name=""/>
-        <p:cNvGrpSpPr/>
-        <p:nvPr/>
-      </p:nvGrpSpPr>
-      <p:grpSpPr>
-        <a:xfrm>
-          <a:off x="0" y="0"/>
-          <a:ext cx="0" cy="0"/>
-          <a:chOff x="0" y="0"/>
-          <a:chExt cx="0" cy="0"/>
-        </a:xfrm>
-      </p:grpSpPr>
-      <p:sp>
-        <p:nvSpPr>
-          <p:cNvPr id="2" name="Titolo 1">
-            <a:extLst>
-              <a:ext uri="{FF2B5EF4-FFF2-40B4-BE49-F238E27FC236}">
-                <a16:creationId xmlns:a16="http://schemas.microsoft.com/office/drawing/2014/main" id="{796B4C79-E9E3-4DD7-98B8-06F69BB223C8}"/>
-              </a:ext>
-            </a:extLst>
-          </p:cNvPr>
-          <p:cNvSpPr>
-            <a:spLocks noGrp="1"/>
-          </p:cNvSpPr>
-          <p:nvPr>
-            <p:ph type="title"/>
-          </p:nvPr>
-        </p:nvSpPr>
-        <p:spPr/>
-        <p:txBody>
-          <a:bodyPr/>
-          <a:lstStyle/>
-          <a:p>
-            <a:r>
-              <a:rPr lang="en-GB" dirty="0"/>
-              <a:t>Future work</a:t>
-            </a:r>
-            <a:endParaRPr lang="it-IT" dirty="0"/>
-          </a:p>
-        </p:txBody>
-      </p:sp>
-      <p:sp>
-        <p:nvSpPr>
-          <p:cNvPr id="3" name="Segnaposto contenuto 2">
-            <a:extLst>
-              <a:ext uri="{FF2B5EF4-FFF2-40B4-BE49-F238E27FC236}">
-                <a16:creationId xmlns:a16="http://schemas.microsoft.com/office/drawing/2014/main" id="{469036F2-331A-49DD-A8DF-2E3B1B85C244}"/>
-              </a:ext>
-            </a:extLst>
-          </p:cNvPr>
-          <p:cNvSpPr>
-            <a:spLocks noGrp="1"/>
-          </p:cNvSpPr>
-          <p:nvPr>
-            <p:ph idx="1"/>
-          </p:nvPr>
-        </p:nvSpPr>
-        <p:spPr>
-          <a:xfrm>
-            <a:off x="1202073" y="2009271"/>
-            <a:ext cx="6739853" cy="2261937"/>
-          </a:xfrm>
-        </p:spPr>
-        <p:txBody>
-          <a:bodyPr/>
-          <a:lstStyle/>
-          <a:p>
-            <a:pPr>
-              <a:buClr>
-                <a:schemeClr val="accent3">
-                  <a:lumMod val="75000"/>
-                </a:schemeClr>
-              </a:buClr>
-            </a:pPr>
-            <a:r>
-              <a:rPr lang="en-GB" dirty="0">
-                <a:solidFill>
-                  <a:schemeClr val="accent2">
-                    <a:lumMod val="75000"/>
-                  </a:schemeClr>
-                </a:solidFill>
-              </a:rPr>
-              <a:t>Improvement of character correspondence</a:t>
-            </a:r>
-            <a:endParaRPr lang="it-IT" dirty="0">
-              <a:solidFill>
-                <a:schemeClr val="accent2">
-                  <a:lumMod val="75000"/>
-                </a:schemeClr>
-              </a:solidFill>
-            </a:endParaRPr>
-          </a:p>
-          <a:p>
-            <a:pPr>
-              <a:buClr>
-                <a:schemeClr val="accent3">
-                  <a:lumMod val="75000"/>
-                </a:schemeClr>
-              </a:buClr>
-            </a:pPr>
-            <a:r>
-              <a:rPr lang="it-IT" dirty="0" err="1">
-                <a:solidFill>
-                  <a:schemeClr val="accent2">
-                    <a:lumMod val="75000"/>
-                  </a:schemeClr>
-                </a:solidFill>
-              </a:rPr>
-              <a:t>Implementation</a:t>
-            </a:r>
-            <a:r>
-              <a:rPr lang="it-IT" dirty="0">
-                <a:solidFill>
-                  <a:schemeClr val="accent2">
-                    <a:lumMod val="75000"/>
-                  </a:schemeClr>
-                </a:solidFill>
-              </a:rPr>
-              <a:t> on </a:t>
-            </a:r>
-            <a:r>
-              <a:rPr lang="it-IT" dirty="0" err="1">
-                <a:solidFill>
-                  <a:schemeClr val="accent2">
-                    <a:lumMod val="75000"/>
-                  </a:schemeClr>
-                </a:solidFill>
-              </a:rPr>
-              <a:t>other</a:t>
-            </a:r>
-            <a:r>
-              <a:rPr lang="it-IT" dirty="0">
-                <a:solidFill>
-                  <a:schemeClr val="accent2">
-                    <a:lumMod val="75000"/>
-                  </a:schemeClr>
-                </a:solidFill>
-              </a:rPr>
-              <a:t> devices (smartphones &amp; tablets)</a:t>
-            </a:r>
-          </a:p>
-          <a:p>
-            <a:pPr>
-              <a:buClr>
-                <a:schemeClr val="accent3">
-                  <a:lumMod val="75000"/>
-                </a:schemeClr>
-              </a:buClr>
-            </a:pPr>
-            <a:r>
-              <a:rPr lang="it-IT" dirty="0" err="1">
-                <a:solidFill>
-                  <a:schemeClr val="accent2">
-                    <a:lumMod val="75000"/>
-                  </a:schemeClr>
-                </a:solidFill>
-              </a:rPr>
-              <a:t>Relationship</a:t>
-            </a:r>
-            <a:r>
-              <a:rPr lang="it-IT" dirty="0">
-                <a:solidFill>
-                  <a:schemeClr val="accent2">
-                    <a:lumMod val="75000"/>
-                  </a:schemeClr>
-                </a:solidFill>
-              </a:rPr>
-              <a:t> </a:t>
-            </a:r>
-            <a:r>
-              <a:rPr lang="it-IT" dirty="0" err="1">
-                <a:solidFill>
-                  <a:schemeClr val="accent2">
-                    <a:lumMod val="75000"/>
-                  </a:schemeClr>
-                </a:solidFill>
-              </a:rPr>
-              <a:t>between</a:t>
-            </a:r>
-            <a:r>
-              <a:rPr lang="it-IT" dirty="0">
-                <a:solidFill>
-                  <a:schemeClr val="accent2">
-                    <a:lumMod val="75000"/>
-                  </a:schemeClr>
-                </a:solidFill>
-              </a:rPr>
-              <a:t> </a:t>
-            </a:r>
-            <a:r>
-              <a:rPr lang="it-IT" dirty="0" err="1">
-                <a:solidFill>
-                  <a:schemeClr val="accent2">
-                    <a:lumMod val="75000"/>
-                  </a:schemeClr>
-                </a:solidFill>
-              </a:rPr>
-              <a:t>accuracy</a:t>
-            </a:r>
-            <a:r>
-              <a:rPr lang="it-IT" dirty="0">
-                <a:solidFill>
-                  <a:schemeClr val="accent2">
-                    <a:lumMod val="75000"/>
-                  </a:schemeClr>
-                </a:solidFill>
-              </a:rPr>
-              <a:t> and:</a:t>
-            </a:r>
-          </a:p>
-          <a:p>
-            <a:pPr lvl="1"/>
-            <a:r>
-              <a:rPr lang="it-IT" dirty="0" err="1"/>
-              <a:t>different</a:t>
-            </a:r>
-            <a:r>
-              <a:rPr lang="it-IT" dirty="0"/>
-              <a:t> users </a:t>
-            </a:r>
-            <a:r>
-              <a:rPr lang="it-IT" dirty="0" err="1"/>
-              <a:t>typing</a:t>
-            </a:r>
-            <a:r>
-              <a:rPr lang="it-IT" dirty="0"/>
-              <a:t> styles</a:t>
-            </a:r>
-          </a:p>
-          <a:p>
-            <a:pPr lvl="1"/>
-            <a:r>
-              <a:rPr lang="en-GB" dirty="0"/>
-              <a:t>different level of wear and tear of a same hardware</a:t>
-            </a:r>
-            <a:endParaRPr lang="it-IT" dirty="0"/>
-          </a:p>
-        </p:txBody>
-      </p:sp>
-      <p:sp>
-        <p:nvSpPr>
-          <p:cNvPr id="4" name="Segnaposto piè di pagina 3">
-            <a:extLst>
-              <a:ext uri="{FF2B5EF4-FFF2-40B4-BE49-F238E27FC236}">
-                <a16:creationId xmlns:a16="http://schemas.microsoft.com/office/drawing/2014/main" id="{E6C479DE-644D-423E-8422-12A3E92BF5EC}"/>
-              </a:ext>
-            </a:extLst>
-          </p:cNvPr>
-          <p:cNvSpPr>
-            <a:spLocks noGrp="1"/>
-          </p:cNvSpPr>
-          <p:nvPr>
-            <p:ph type="ftr" sz="quarter" idx="11"/>
-          </p:nvPr>
-        </p:nvSpPr>
-        <p:spPr/>
-        <p:txBody>
-          <a:bodyPr/>
-          <a:lstStyle/>
-          <a:p>
-            <a:r>
-              <a:rPr lang="it-IT"/>
-              <a:t>Di Nardo Di Maio Raffaele</a:t>
-            </a:r>
-          </a:p>
-        </p:txBody>
-      </p:sp>
-      <p:sp>
-        <p:nvSpPr>
-          <p:cNvPr id="5" name="Segnaposto numero diapositiva 4">
-            <a:extLst>
-              <a:ext uri="{FF2B5EF4-FFF2-40B4-BE49-F238E27FC236}">
-                <a16:creationId xmlns:a16="http://schemas.microsoft.com/office/drawing/2014/main" id="{F58943A0-7B70-445F-8AB8-CCE50DCCE00F}"/>
-              </a:ext>
-            </a:extLst>
-          </p:cNvPr>
-          <p:cNvSpPr>
-            <a:spLocks noGrp="1"/>
-          </p:cNvSpPr>
-          <p:nvPr>
-            <p:ph type="sldNum" sz="quarter" idx="12"/>
-          </p:nvPr>
-        </p:nvSpPr>
-        <p:spPr/>
-        <p:txBody>
-          <a:bodyPr/>
-          <a:lstStyle/>
-          <a:p>
-            <a:fld id="{8DF98BA9-0B5D-48FD-8864-41A23C2934CC}" type="slidenum">
-              <a:rPr lang="it-IT" smtClean="0"/>
-              <a:t>11</a:t>
-            </a:fld>
-            <a:endParaRPr lang="it-IT"/>
-          </a:p>
-        </p:txBody>
-      </p:sp>
-      <p:sp>
-        <p:nvSpPr>
-          <p:cNvPr id="6" name="Segnaposto data 5">
-            <a:extLst>
-              <a:ext uri="{FF2B5EF4-FFF2-40B4-BE49-F238E27FC236}">
-                <a16:creationId xmlns:a16="http://schemas.microsoft.com/office/drawing/2014/main" id="{CD50C7DB-A4C2-46F5-B6E4-205A0DFCD286}"/>
-              </a:ext>
-            </a:extLst>
-          </p:cNvPr>
-          <p:cNvSpPr>
-            <a:spLocks noGrp="1"/>
-          </p:cNvSpPr>
-          <p:nvPr>
-            <p:ph type="dt" sz="half" idx="10"/>
-          </p:nvPr>
-        </p:nvSpPr>
-        <p:spPr/>
-        <p:txBody>
-          <a:bodyPr/>
-          <a:lstStyle/>
-          <a:p>
-            <a:r>
-              <a:rPr lang="it-IT"/>
-              <a:t>03/01/2021</a:t>
-            </a:r>
-          </a:p>
-        </p:txBody>
-      </p:sp>
-    </p:spTree>
-    <p:extLst>
-      <p:ext uri="{BB962C8B-B14F-4D97-AF65-F5344CB8AC3E}">
-        <p14:creationId xmlns:p14="http://schemas.microsoft.com/office/powerpoint/2010/main" val="240478739"/>
-      </p:ext>
-    </p:extLst>
-  </p:cSld>
-  <p:clrMapOvr>
-    <a:masterClrMapping/>
-  </p:clrMapOvr>
-</p:sld>
-</file>
-
-<file path=ppt/slides/slide13.xml><?xml version="1.0" encoding="utf-8"?>
-<p:sld xmlns:a="http://schemas.openxmlformats.org/drawingml/2006/main" xmlns:r="http://schemas.openxmlformats.org/officeDocument/2006/relationships" xmlns:p="http://schemas.openxmlformats.org/presentationml/2006/main">
-  <p:cSld>
-    <p:spTree>
-      <p:nvGrpSpPr>
-        <p:cNvPr id="1" name=""/>
-        <p:cNvGrpSpPr/>
-        <p:nvPr/>
-      </p:nvGrpSpPr>
-      <p:grpSpPr>
-        <a:xfrm>
-          <a:off x="0" y="0"/>
-          <a:ext cx="0" cy="0"/>
-          <a:chOff x="0" y="0"/>
-          <a:chExt cx="0" cy="0"/>
-        </a:xfrm>
-      </p:grpSpPr>
-      <p:sp>
-        <p:nvSpPr>
-          <p:cNvPr id="2" name="Titolo 1">
-            <a:extLst>
-              <a:ext uri="{FF2B5EF4-FFF2-40B4-BE49-F238E27FC236}">
                 <a16:creationId xmlns:a16="http://schemas.microsoft.com/office/drawing/2014/main" id="{092C4BEA-4B1E-4073-AF0C-BAFECB80C1E4}"/>
               </a:ext>
             </a:extLst>
@@ -8355,7 +7878,7 @@
           <a:p>
             <a:fld id="{8DF98BA9-0B5D-48FD-8864-41A23C2934CC}" type="slidenum">
               <a:rPr lang="it-IT" sz="1100" smtClean="0"/>
-              <a:t>12</a:t>
+              <a:t>10</a:t>
             </a:fld>
             <a:endParaRPr lang="it-IT" sz="1100"/>
           </a:p>
@@ -9599,7 +9122,12 @@
             <p:ph type="title"/>
           </p:nvPr>
         </p:nvSpPr>
-        <p:spPr/>
+        <p:spPr>
+          <a:xfrm>
+            <a:off x="1227221" y="387073"/>
+            <a:ext cx="6589231" cy="1172153"/>
+          </a:xfrm>
+        </p:spPr>
         <p:txBody>
           <a:bodyPr/>
           <a:lstStyle/>
@@ -9630,7 +9158,7 @@
         </p:nvSpPr>
         <p:spPr>
           <a:xfrm>
-            <a:off x="473245" y="3234794"/>
+            <a:off x="473245" y="2887550"/>
             <a:ext cx="3330713" cy="1577840"/>
           </a:xfrm>
           <a:solidFill>
@@ -9794,7 +9322,7 @@
           <a:lstStyle/>
           <a:p>
             <a:r>
-              <a:rPr lang="it-IT"/>
+              <a:rPr lang="it-IT" dirty="0"/>
               <a:t>03/01/2021</a:t>
             </a:r>
           </a:p>
@@ -9816,7 +9344,7 @@
         </p:nvSpPr>
         <p:spPr>
           <a:xfrm>
-            <a:off x="217557" y="1842667"/>
+            <a:off x="217557" y="1356526"/>
             <a:ext cx="8708886" cy="840376"/>
           </a:xfrm>
           <a:prstGeom prst="rect">
@@ -10183,68 +9711,28 @@
               <a:buNone/>
             </a:pPr>
             <a:r>
-              <a:rPr lang="en-GB" sz="1600" dirty="0">
-                <a:solidFill>
-                  <a:schemeClr val="accent2">
-                    <a:lumMod val="75000"/>
-                  </a:schemeClr>
-                </a:solidFill>
-              </a:rPr>
+              <a:rPr lang="en-GB" sz="1600" dirty="0"/>
               <a:t>Acoustic CAPPCHA  (Completely Automated Public Physical test to tell Computer </a:t>
             </a:r>
             <a:r>
-              <a:rPr lang="it-IT" sz="1600" dirty="0">
-                <a:solidFill>
-                  <a:schemeClr val="accent2">
-                    <a:lumMod val="75000"/>
-                  </a:schemeClr>
-                </a:solidFill>
-              </a:rPr>
+              <a:rPr lang="it-IT" sz="1600" dirty="0"/>
               <a:t>and </a:t>
             </a:r>
             <a:r>
-              <a:rPr lang="it-IT" sz="1600" dirty="0" err="1">
-                <a:solidFill>
-                  <a:schemeClr val="accent2">
-                    <a:lumMod val="75000"/>
-                  </a:schemeClr>
-                </a:solidFill>
-              </a:rPr>
+              <a:rPr lang="it-IT" sz="1600" dirty="0" err="1"/>
               <a:t>Humans</a:t>
-            </a:r>
-            <a:r>
-              <a:rPr lang="it-IT" sz="1600" dirty="0">
-                <a:solidFill>
-                  <a:schemeClr val="accent2">
-                    <a:lumMod val="75000"/>
-                  </a:schemeClr>
-                </a:solidFill>
-              </a:rPr>
-              <a:t> </a:t>
-            </a:r>
-            <a:r>
-              <a:rPr lang="it-IT" sz="1600" dirty="0" err="1">
-                <a:solidFill>
-                  <a:schemeClr val="accent2">
-                    <a:lumMod val="75000"/>
-                  </a:schemeClr>
-                </a:solidFill>
-              </a:rPr>
-              <a:t>Apart</a:t>
-            </a:r>
-            <a:r>
-              <a:rPr lang="it-IT" sz="1600" dirty="0">
-                <a:solidFill>
-                  <a:schemeClr val="accent2">
-                    <a:lumMod val="75000"/>
-                  </a:schemeClr>
-                </a:solidFill>
-              </a:rPr>
-              <a:t>)</a:t>
             </a:r>
             <a:r>
               <a:rPr lang="it-IT" sz="1600" dirty="0"/>
               <a:t> </a:t>
+            </a:r>
+            <a:r>
+              <a:rPr lang="it-IT" sz="1600" dirty="0" err="1"/>
+              <a:t>Apart</a:t>
+            </a:r>
+            <a:r>
+              <a:rPr lang="it-IT" sz="1600" dirty="0"/>
+              <a:t>) </a:t>
             </a:r>
           </a:p>
           <a:p>
@@ -10293,7 +9781,7 @@
         </p:nvSpPr>
         <p:spPr>
           <a:xfrm>
-            <a:off x="435114" y="2694902"/>
+            <a:off x="435114" y="2347658"/>
             <a:ext cx="3368844" cy="369505"/>
           </a:xfrm>
           <a:prstGeom prst="rect">
@@ -10337,7 +9825,7 @@
         </p:nvSpPr>
         <p:spPr>
           <a:xfrm>
-            <a:off x="4150895" y="3789947"/>
+            <a:off x="4150895" y="3442703"/>
             <a:ext cx="613610" cy="385011"/>
           </a:xfrm>
           <a:prstGeom prst="rightArrow">
@@ -10385,7 +9873,7 @@
         </p:nvSpPr>
         <p:spPr>
           <a:xfrm>
-            <a:off x="4636657" y="2664430"/>
+            <a:off x="4856744" y="2333799"/>
             <a:ext cx="3814011" cy="721189"/>
           </a:xfrm>
           <a:prstGeom prst="rect">
@@ -10493,10 +9981,10 @@
           </a:lstStyle>
           <a:p>
             <a:r>
-              <a:rPr lang="en-GB" sz="2800"/>
+              <a:rPr lang="en-GB" sz="2400" dirty="0"/>
               <a:t>Noise evaluation</a:t>
             </a:r>
-            <a:endParaRPr lang="it-IT" sz="2800" dirty="0"/>
+            <a:endParaRPr lang="it-IT" sz="2400" dirty="0"/>
           </a:p>
         </p:txBody>
       </p:sp>
@@ -10514,7 +10002,7 @@
         </p:nvSpPr>
         <p:spPr>
           <a:xfrm>
-            <a:off x="4872789" y="3234794"/>
+            <a:off x="4872789" y="2887550"/>
             <a:ext cx="3797966" cy="1938992"/>
           </a:xfrm>
           <a:prstGeom prst="rect">
@@ -10597,58 +10085,104 @@
               </a:buClr>
             </a:pPr>
             <a:r>
-              <a:rPr lang="it-IT" sz="1400" dirty="0"/>
+              <a:rPr lang="it-IT" sz="1400" dirty="0">
+                <a:solidFill>
+                  <a:schemeClr val="tx2"/>
+                </a:solidFill>
+              </a:rPr>
               <a:t>A 2 seconds long audio file </a:t>
             </a:r>
             <a:r>
-              <a:rPr lang="it-IT" sz="1400" dirty="0" err="1"/>
+              <a:rPr lang="it-IT" sz="1400" dirty="0" err="1">
+                <a:solidFill>
+                  <a:schemeClr val="tx2"/>
+                </a:solidFill>
+              </a:rPr>
               <a:t>is</a:t>
             </a:r>
             <a:r>
-              <a:rPr lang="it-IT" sz="1400" dirty="0"/>
+              <a:rPr lang="it-IT" sz="1400" dirty="0">
+                <a:solidFill>
+                  <a:schemeClr val="tx2"/>
+                </a:solidFill>
+              </a:rPr>
               <a:t> </a:t>
             </a:r>
             <a:r>
-              <a:rPr lang="it-IT" sz="1400" dirty="0" err="1"/>
+              <a:rPr lang="it-IT" sz="1400" dirty="0" err="1">
+                <a:solidFill>
+                  <a:schemeClr val="tx2"/>
+                </a:solidFill>
+              </a:rPr>
               <a:t>recorded</a:t>
             </a:r>
             <a:r>
-              <a:rPr lang="it-IT" sz="1400" dirty="0"/>
+              <a:rPr lang="it-IT" sz="1400" dirty="0">
+                <a:solidFill>
+                  <a:schemeClr val="tx2"/>
+                </a:solidFill>
+              </a:rPr>
               <a:t> and a </a:t>
             </a:r>
             <a:r>
-              <a:rPr lang="it-IT" sz="1400" dirty="0" err="1"/>
+              <a:rPr lang="it-IT" sz="1400" dirty="0" err="1">
+                <a:solidFill>
+                  <a:schemeClr val="tx2"/>
+                </a:solidFill>
+              </a:rPr>
               <a:t>noise</a:t>
             </a:r>
             <a:r>
-              <a:rPr lang="it-IT" sz="1400" dirty="0"/>
+              <a:rPr lang="it-IT" sz="1400" dirty="0">
+                <a:solidFill>
+                  <a:schemeClr val="tx2"/>
+                </a:solidFill>
+              </a:rPr>
               <a:t> </a:t>
             </a:r>
             <a:r>
-              <a:rPr lang="it-IT" sz="1400" dirty="0" err="1"/>
+              <a:rPr lang="it-IT" sz="1400" dirty="0" err="1">
+                <a:solidFill>
+                  <a:schemeClr val="tx2"/>
+                </a:solidFill>
+              </a:rPr>
               <a:t>threshold</a:t>
             </a:r>
             <a:r>
-              <a:rPr lang="it-IT" sz="1400" dirty="0"/>
+              <a:rPr lang="it-IT" sz="1400" dirty="0">
+                <a:solidFill>
+                  <a:schemeClr val="tx2"/>
+                </a:solidFill>
+              </a:rPr>
               <a:t> </a:t>
             </a:r>
             <a:r>
-              <a:rPr lang="it-IT" sz="1400" dirty="0" err="1"/>
+              <a:rPr lang="it-IT" sz="1400" dirty="0" err="1">
+                <a:solidFill>
+                  <a:schemeClr val="tx2"/>
+                </a:solidFill>
+              </a:rPr>
               <a:t>is</a:t>
             </a:r>
             <a:r>
-              <a:rPr lang="it-IT" sz="1400" dirty="0"/>
+              <a:rPr lang="it-IT" sz="1400" dirty="0">
+                <a:solidFill>
+                  <a:schemeClr val="tx2"/>
+                </a:solidFill>
+              </a:rPr>
               <a:t> </a:t>
             </a:r>
             <a:r>
-              <a:rPr lang="it-IT" sz="1400" dirty="0" err="1"/>
+              <a:rPr lang="it-IT" sz="1400" dirty="0" err="1">
+                <a:solidFill>
+                  <a:schemeClr val="tx2"/>
+                </a:solidFill>
+              </a:rPr>
               <a:t>evaluated</a:t>
             </a:r>
             <a:endParaRPr lang="it-IT" sz="1400" dirty="0">
               <a:solidFill>
-                <a:schemeClr val="accent2">
-                  <a:lumMod val="75000"/>
-                </a:schemeClr>
+                <a:schemeClr val="tx2"/>
               </a:solidFill>
             </a:endParaRPr>
           </a:p>
@@ -10708,123 +10242,453 @@
               <a:buNone/>
             </a:pPr>
             <a:r>
-              <a:rPr lang="it-IT" sz="1400" dirty="0"/>
+              <a:rPr lang="it-IT" sz="1400" dirty="0">
+                <a:solidFill>
+                  <a:schemeClr val="tx2"/>
+                </a:solidFill>
+                <a:effectLst>
+                  <a:outerShdw blurRad="38100" dist="38100" dir="2700000" algn="tl">
+                    <a:srgbClr val="000000">
+                      <a:alpha val="43137"/>
+                    </a:srgbClr>
+                  </a:outerShdw>
+                </a:effectLst>
+              </a:rPr>
               <a:t>An audio file </a:t>
             </a:r>
             <a:r>
-              <a:rPr lang="it-IT" sz="1400" dirty="0" err="1"/>
+              <a:rPr lang="it-IT" sz="1400" dirty="0" err="1">
+                <a:solidFill>
+                  <a:schemeClr val="tx2"/>
+                </a:solidFill>
+                <a:effectLst>
+                  <a:outerShdw blurRad="38100" dist="38100" dir="2700000" algn="tl">
+                    <a:srgbClr val="000000">
+                      <a:alpha val="43137"/>
+                    </a:srgbClr>
+                  </a:outerShdw>
+                </a:effectLst>
+              </a:rPr>
               <a:t>is</a:t>
             </a:r>
             <a:r>
-              <a:rPr lang="it-IT" sz="1400" dirty="0"/>
+              <a:rPr lang="it-IT" sz="1400" dirty="0">
+                <a:solidFill>
+                  <a:schemeClr val="tx2"/>
+                </a:solidFill>
+                <a:effectLst>
+                  <a:outerShdw blurRad="38100" dist="38100" dir="2700000" algn="tl">
+                    <a:srgbClr val="000000">
+                      <a:alpha val="43137"/>
+                    </a:srgbClr>
+                  </a:outerShdw>
+                </a:effectLst>
+              </a:rPr>
               <a:t> </a:t>
             </a:r>
             <a:r>
-              <a:rPr lang="it-IT" sz="1400" dirty="0" err="1"/>
+              <a:rPr lang="it-IT" sz="1400" dirty="0" err="1">
+                <a:solidFill>
+                  <a:schemeClr val="tx2"/>
+                </a:solidFill>
+                <a:effectLst>
+                  <a:outerShdw blurRad="38100" dist="38100" dir="2700000" algn="tl">
+                    <a:srgbClr val="000000">
+                      <a:alpha val="43137"/>
+                    </a:srgbClr>
+                  </a:outerShdw>
+                </a:effectLst>
+              </a:rPr>
               <a:t>recorded</a:t>
             </a:r>
             <a:r>
-              <a:rPr lang="it-IT" sz="1400" dirty="0"/>
+              <a:rPr lang="it-IT" sz="1400" dirty="0">
+                <a:solidFill>
+                  <a:schemeClr val="tx2"/>
+                </a:solidFill>
+                <a:effectLst>
+                  <a:outerShdw blurRad="38100" dist="38100" dir="2700000" algn="tl">
+                    <a:srgbClr val="000000">
+                      <a:alpha val="43137"/>
+                    </a:srgbClr>
+                  </a:outerShdw>
+                </a:effectLst>
+              </a:rPr>
               <a:t> to </a:t>
             </a:r>
             <a:r>
-              <a:rPr lang="it-IT" sz="1400" dirty="0" err="1"/>
+              <a:rPr lang="it-IT" sz="1400" dirty="0" err="1">
+                <a:solidFill>
+                  <a:schemeClr val="tx2"/>
+                </a:solidFill>
+                <a:effectLst>
+                  <a:outerShdw blurRad="38100" dist="38100" dir="2700000" algn="tl">
+                    <a:srgbClr val="000000">
+                      <a:alpha val="43137"/>
+                    </a:srgbClr>
+                  </a:outerShdw>
+                </a:effectLst>
+              </a:rPr>
               <a:t>find</a:t>
             </a:r>
             <a:r>
-              <a:rPr lang="it-IT" sz="1400" dirty="0"/>
+              <a:rPr lang="it-IT" sz="1400" dirty="0">
+                <a:solidFill>
+                  <a:schemeClr val="tx2"/>
+                </a:solidFill>
+                <a:effectLst>
+                  <a:outerShdw blurRad="38100" dist="38100" dir="2700000" algn="tl">
+                    <a:srgbClr val="000000">
+                      <a:alpha val="43137"/>
+                    </a:srgbClr>
+                  </a:outerShdw>
+                </a:effectLst>
+              </a:rPr>
               <a:t> </a:t>
             </a:r>
             <a:r>
-              <a:rPr lang="it-IT" sz="1400" dirty="0" err="1"/>
+              <a:rPr lang="it-IT" sz="1400" dirty="0" err="1">
+                <a:solidFill>
+                  <a:schemeClr val="tx2"/>
+                </a:solidFill>
+                <a:effectLst>
+                  <a:outerShdw blurRad="38100" dist="38100" dir="2700000" algn="tl">
+                    <a:srgbClr val="000000">
+                      <a:alpha val="43137"/>
+                    </a:srgbClr>
+                  </a:outerShdw>
+                </a:effectLst>
+              </a:rPr>
               <a:t>all</a:t>
             </a:r>
             <a:r>
-              <a:rPr lang="it-IT" sz="1400" dirty="0"/>
+              <a:rPr lang="it-IT" sz="1400" dirty="0">
+                <a:solidFill>
+                  <a:schemeClr val="tx2"/>
+                </a:solidFill>
+                <a:effectLst>
+                  <a:outerShdw blurRad="38100" dist="38100" dir="2700000" algn="tl">
+                    <a:srgbClr val="000000">
+                      <a:alpha val="43137"/>
+                    </a:srgbClr>
+                  </a:outerShdw>
+                </a:effectLst>
+              </a:rPr>
               <a:t> the audio </a:t>
             </a:r>
             <a:r>
-              <a:rPr lang="it-IT" sz="1400" dirty="0" err="1"/>
+              <a:rPr lang="it-IT" sz="1400" dirty="0" err="1">
+                <a:solidFill>
+                  <a:schemeClr val="tx2"/>
+                </a:solidFill>
+                <a:effectLst>
+                  <a:outerShdw blurRad="38100" dist="38100" dir="2700000" algn="tl">
+                    <a:srgbClr val="000000">
+                      <a:alpha val="43137"/>
+                    </a:srgbClr>
+                  </a:outerShdw>
+                </a:effectLst>
+              </a:rPr>
               <a:t>peaks</a:t>
             </a:r>
             <a:r>
-              <a:rPr lang="it-IT" sz="1400" dirty="0"/>
+              <a:rPr lang="it-IT" sz="1400" dirty="0">
+                <a:solidFill>
+                  <a:schemeClr val="tx2"/>
+                </a:solidFill>
+                <a:effectLst>
+                  <a:outerShdw blurRad="38100" dist="38100" dir="2700000" algn="tl">
+                    <a:srgbClr val="000000">
+                      <a:alpha val="43137"/>
+                    </a:srgbClr>
+                  </a:outerShdw>
+                </a:effectLst>
+              </a:rPr>
               <a:t>  </a:t>
             </a:r>
             <a:r>
-              <a:rPr lang="it-IT" sz="1400" dirty="0" err="1"/>
+              <a:rPr lang="it-IT" sz="1400" dirty="0" err="1">
+                <a:solidFill>
+                  <a:schemeClr val="tx2"/>
+                </a:solidFill>
+                <a:effectLst>
+                  <a:outerShdw blurRad="38100" dist="38100" dir="2700000" algn="tl">
+                    <a:srgbClr val="000000">
+                      <a:alpha val="43137"/>
+                    </a:srgbClr>
+                  </a:outerShdw>
+                </a:effectLst>
+              </a:rPr>
               <a:t>that</a:t>
             </a:r>
             <a:r>
-              <a:rPr lang="it-IT" sz="1400" dirty="0"/>
+              <a:rPr lang="it-IT" sz="1400" dirty="0">
+                <a:solidFill>
+                  <a:schemeClr val="tx2"/>
+                </a:solidFill>
+                <a:effectLst>
+                  <a:outerShdw blurRad="38100" dist="38100" dir="2700000" algn="tl">
+                    <a:srgbClr val="000000">
+                      <a:alpha val="43137"/>
+                    </a:srgbClr>
+                  </a:outerShdw>
+                </a:effectLst>
+              </a:rPr>
               <a:t> </a:t>
             </a:r>
             <a:r>
-              <a:rPr lang="it-IT" sz="1400" dirty="0" err="1"/>
+              <a:rPr lang="it-IT" sz="1400" dirty="0" err="1">
+                <a:solidFill>
+                  <a:schemeClr val="tx2"/>
+                </a:solidFill>
+                <a:effectLst>
+                  <a:outerShdw blurRad="38100" dist="38100" dir="2700000" algn="tl">
+                    <a:srgbClr val="000000">
+                      <a:alpha val="43137"/>
+                    </a:srgbClr>
+                  </a:outerShdw>
+                </a:effectLst>
+              </a:rPr>
               <a:t>have</a:t>
             </a:r>
             <a:r>
-              <a:rPr lang="it-IT" sz="1400" dirty="0"/>
+              <a:rPr lang="it-IT" sz="1400" dirty="0">
+                <a:solidFill>
+                  <a:schemeClr val="tx2"/>
+                </a:solidFill>
+                <a:effectLst>
+                  <a:outerShdw blurRad="38100" dist="38100" dir="2700000" algn="tl">
+                    <a:srgbClr val="000000">
+                      <a:alpha val="43137"/>
+                    </a:srgbClr>
+                  </a:outerShdw>
+                </a:effectLst>
+              </a:rPr>
               <a:t> </a:t>
             </a:r>
             <a:r>
-              <a:rPr lang="it-IT" sz="1400" dirty="0" err="1"/>
+              <a:rPr lang="it-IT" sz="1400" dirty="0" err="1">
+                <a:solidFill>
+                  <a:schemeClr val="tx2"/>
+                </a:solidFill>
+                <a:effectLst>
+                  <a:outerShdw blurRad="38100" dist="38100" dir="2700000" algn="tl">
+                    <a:srgbClr val="000000">
+                      <a:alpha val="43137"/>
+                    </a:srgbClr>
+                  </a:outerShdw>
+                </a:effectLst>
+              </a:rPr>
               <a:t>intensity</a:t>
             </a:r>
             <a:r>
-              <a:rPr lang="it-IT" sz="1400" dirty="0"/>
+              <a:rPr lang="it-IT" sz="1400" dirty="0">
+                <a:solidFill>
+                  <a:schemeClr val="tx2"/>
+                </a:solidFill>
+                <a:effectLst>
+                  <a:outerShdw blurRad="38100" dist="38100" dir="2700000" algn="tl">
+                    <a:srgbClr val="000000">
+                      <a:alpha val="43137"/>
+                    </a:srgbClr>
+                  </a:outerShdw>
+                </a:effectLst>
+              </a:rPr>
               <a:t>  </a:t>
             </a:r>
             <a:r>
-              <a:rPr lang="it-IT" sz="1400" dirty="0" err="1"/>
+              <a:rPr lang="it-IT" sz="1400" dirty="0" err="1">
+                <a:solidFill>
+                  <a:schemeClr val="tx2"/>
+                </a:solidFill>
+                <a:effectLst>
+                  <a:outerShdw blurRad="38100" dist="38100" dir="2700000" algn="tl">
+                    <a:srgbClr val="000000">
+                      <a:alpha val="43137"/>
+                    </a:srgbClr>
+                  </a:outerShdw>
+                </a:effectLst>
+              </a:rPr>
               <a:t>greater</a:t>
             </a:r>
             <a:r>
-              <a:rPr lang="it-IT" sz="1400" dirty="0"/>
+              <a:rPr lang="it-IT" sz="1400" dirty="0">
+                <a:solidFill>
+                  <a:schemeClr val="tx2"/>
+                </a:solidFill>
+                <a:effectLst>
+                  <a:outerShdw blurRad="38100" dist="38100" dir="2700000" algn="tl">
+                    <a:srgbClr val="000000">
+                      <a:alpha val="43137"/>
+                    </a:srgbClr>
+                  </a:outerShdw>
+                </a:effectLst>
+              </a:rPr>
               <a:t> </a:t>
             </a:r>
             <a:r>
-              <a:rPr lang="it-IT" sz="1400" dirty="0" err="1"/>
+              <a:rPr lang="it-IT" sz="1400" dirty="0" err="1">
+                <a:solidFill>
+                  <a:schemeClr val="tx2"/>
+                </a:solidFill>
+                <a:effectLst>
+                  <a:outerShdw blurRad="38100" dist="38100" dir="2700000" algn="tl">
+                    <a:srgbClr val="000000">
+                      <a:alpha val="43137"/>
+                    </a:srgbClr>
+                  </a:outerShdw>
+                </a:effectLst>
+              </a:rPr>
               <a:t>than</a:t>
             </a:r>
             <a:r>
-              <a:rPr lang="it-IT" sz="1400" dirty="0"/>
+              <a:rPr lang="it-IT" sz="1400" dirty="0">
+                <a:solidFill>
+                  <a:schemeClr val="tx2"/>
+                </a:solidFill>
+                <a:effectLst>
+                  <a:outerShdw blurRad="38100" dist="38100" dir="2700000" algn="tl">
+                    <a:srgbClr val="000000">
+                      <a:alpha val="43137"/>
+                    </a:srgbClr>
+                  </a:outerShdw>
+                </a:effectLst>
+              </a:rPr>
               <a:t> </a:t>
             </a:r>
             <a:r>
-              <a:rPr lang="it-IT" sz="1400" dirty="0" err="1"/>
+              <a:rPr lang="it-IT" sz="1400" dirty="0" err="1">
+                <a:solidFill>
+                  <a:schemeClr val="tx2"/>
+                </a:solidFill>
+                <a:effectLst>
+                  <a:outerShdw blurRad="38100" dist="38100" dir="2700000" algn="tl">
+                    <a:srgbClr val="000000">
+                      <a:alpha val="43137"/>
+                    </a:srgbClr>
+                  </a:outerShdw>
+                </a:effectLst>
+              </a:rPr>
               <a:t>noise</a:t>
             </a:r>
             <a:r>
-              <a:rPr lang="it-IT" sz="1400" dirty="0"/>
+              <a:rPr lang="it-IT" sz="1400" dirty="0">
+                <a:solidFill>
+                  <a:schemeClr val="tx2"/>
+                </a:solidFill>
+                <a:effectLst>
+                  <a:outerShdw blurRad="38100" dist="38100" dir="2700000" algn="tl">
+                    <a:srgbClr val="000000">
+                      <a:alpha val="43137"/>
+                    </a:srgbClr>
+                  </a:outerShdw>
+                </a:effectLst>
+              </a:rPr>
               <a:t> </a:t>
             </a:r>
             <a:r>
-              <a:rPr lang="it-IT" sz="1400" dirty="0" err="1"/>
+              <a:rPr lang="it-IT" sz="1400" dirty="0" err="1">
+                <a:solidFill>
+                  <a:schemeClr val="tx2"/>
+                </a:solidFill>
+                <a:effectLst>
+                  <a:outerShdw blurRad="38100" dist="38100" dir="2700000" algn="tl">
+                    <a:srgbClr val="000000">
+                      <a:alpha val="43137"/>
+                    </a:srgbClr>
+                  </a:outerShdw>
+                </a:effectLst>
+              </a:rPr>
               <a:t>threshold</a:t>
             </a:r>
             <a:r>
-              <a:rPr lang="it-IT" sz="1400" dirty="0"/>
+              <a:rPr lang="it-IT" sz="1400" dirty="0">
+                <a:solidFill>
+                  <a:schemeClr val="tx2"/>
+                </a:solidFill>
+                <a:effectLst>
+                  <a:outerShdw blurRad="38100" dist="38100" dir="2700000" algn="tl">
+                    <a:srgbClr val="000000">
+                      <a:alpha val="43137"/>
+                    </a:srgbClr>
+                  </a:outerShdw>
+                </a:effectLst>
+              </a:rPr>
               <a:t> and are </a:t>
             </a:r>
             <a:r>
-              <a:rPr lang="it-IT" sz="1400" dirty="0" err="1"/>
+              <a:rPr lang="it-IT" sz="1400" dirty="0" err="1">
+                <a:solidFill>
+                  <a:schemeClr val="tx2"/>
+                </a:solidFill>
+                <a:effectLst>
+                  <a:outerShdw blurRad="38100" dist="38100" dir="2700000" algn="tl">
+                    <a:srgbClr val="000000">
+                      <a:alpha val="43137"/>
+                    </a:srgbClr>
+                  </a:outerShdw>
+                </a:effectLst>
+              </a:rPr>
               <a:t>related</a:t>
             </a:r>
             <a:r>
-              <a:rPr lang="it-IT" sz="1400" dirty="0"/>
+              <a:rPr lang="it-IT" sz="1400" dirty="0">
+                <a:solidFill>
+                  <a:schemeClr val="tx2"/>
+                </a:solidFill>
+                <a:effectLst>
+                  <a:outerShdw blurRad="38100" dist="38100" dir="2700000" algn="tl">
+                    <a:srgbClr val="000000">
+                      <a:alpha val="43137"/>
+                    </a:srgbClr>
+                  </a:outerShdw>
+                </a:effectLst>
+              </a:rPr>
               <a:t> to the </a:t>
             </a:r>
             <a:r>
-              <a:rPr lang="it-IT" sz="1400" dirty="0" err="1"/>
+              <a:rPr lang="it-IT" sz="1400" dirty="0" err="1">
+                <a:solidFill>
+                  <a:schemeClr val="tx2"/>
+                </a:solidFill>
+                <a:effectLst>
+                  <a:outerShdw blurRad="38100" dist="38100" dir="2700000" algn="tl">
+                    <a:srgbClr val="000000">
+                      <a:alpha val="43137"/>
+                    </a:srgbClr>
+                  </a:outerShdw>
+                </a:effectLst>
+              </a:rPr>
               <a:t>keyboard</a:t>
             </a:r>
             <a:r>
-              <a:rPr lang="it-IT" sz="1400" dirty="0"/>
+              <a:rPr lang="it-IT" sz="1400" dirty="0">
+                <a:solidFill>
+                  <a:schemeClr val="tx2"/>
+                </a:solidFill>
+                <a:effectLst>
+                  <a:outerShdw blurRad="38100" dist="38100" dir="2700000" algn="tl">
+                    <a:srgbClr val="000000">
+                      <a:alpha val="43137"/>
+                    </a:srgbClr>
+                  </a:outerShdw>
+                </a:effectLst>
+              </a:rPr>
               <a:t> events</a:t>
             </a:r>
             <a:r>
-              <a:rPr lang="it-IT" sz="1500" dirty="0"/>
+              <a:rPr lang="it-IT" sz="1500" dirty="0">
+                <a:solidFill>
+                  <a:schemeClr val="tx2"/>
+                </a:solidFill>
+                <a:effectLst>
+                  <a:outerShdw blurRad="38100" dist="38100" dir="2700000" algn="tl">
+                    <a:srgbClr val="000000">
+                      <a:alpha val="43137"/>
+                    </a:srgbClr>
+                  </a:outerShdw>
+                </a:effectLst>
+              </a:rPr>
               <a:t> </a:t>
             </a:r>
           </a:p>
@@ -10878,8 +10742,8 @@
         </p:nvSpPr>
         <p:spPr>
           <a:xfrm>
-            <a:off x="1162040" y="379338"/>
-            <a:ext cx="6589231" cy="1172153"/>
+            <a:off x="1460494" y="379338"/>
+            <a:ext cx="6223011" cy="1172153"/>
           </a:xfrm>
         </p:spPr>
         <p:txBody>
@@ -10889,10 +10753,10 @@
           <a:lstStyle/>
           <a:p>
             <a:r>
-              <a:rPr lang="en-GB" sz="3500" dirty="0"/>
+              <a:rPr lang="en-GB" sz="3400" dirty="0"/>
               <a:t>Evaluation of the user’s activity</a:t>
             </a:r>
-            <a:endParaRPr lang="it-IT" sz="3500" dirty="0"/>
+            <a:endParaRPr lang="it-IT" sz="3400" dirty="0"/>
           </a:p>
         </p:txBody>
       </p:sp>
@@ -10920,7 +10784,7 @@
         </p:spPr>
         <p:txBody>
           <a:bodyPr>
-            <a:normAutofit lnSpcReduction="10000"/>
+            <a:normAutofit/>
           </a:bodyPr>
           <a:lstStyle/>
           <a:p>
@@ -10931,7 +10795,7 @@
               <a:buNone/>
             </a:pPr>
             <a:r>
-              <a:rPr lang="en-GB" dirty="0">
+              <a:rPr lang="en-GB" b="1" dirty="0">
                 <a:solidFill>
                   <a:srgbClr val="0070C0"/>
                 </a:solidFill>
@@ -10961,7 +10825,7 @@
               </a:buClr>
             </a:pPr>
             <a:r>
-              <a:rPr lang="it-IT" dirty="0" err="1">
+              <a:rPr lang="it-IT" sz="1800" dirty="0" err="1">
                 <a:solidFill>
                   <a:schemeClr val="accent2">
                     <a:lumMod val="75000"/>
@@ -10971,7 +10835,7 @@
               <a:t>Exact</a:t>
             </a:r>
             <a:r>
-              <a:rPr lang="it-IT" dirty="0">
+              <a:rPr lang="it-IT" sz="1800" dirty="0">
                 <a:solidFill>
                   <a:schemeClr val="accent2">
                     <a:lumMod val="75000"/>
@@ -10981,7 +10845,7 @@
               <a:t> </a:t>
             </a:r>
             <a:r>
-              <a:rPr lang="it-IT" dirty="0" err="1">
+              <a:rPr lang="it-IT" sz="1800" dirty="0" err="1">
                 <a:solidFill>
                   <a:schemeClr val="accent2">
                     <a:lumMod val="75000"/>
@@ -10990,7 +10854,7 @@
               </a:rPr>
               <a:t>problem</a:t>
             </a:r>
-            <a:endParaRPr lang="it-IT" dirty="0">
+            <a:endParaRPr lang="it-IT" sz="1800" dirty="0">
               <a:solidFill>
                 <a:schemeClr val="accent2">
                   <a:lumMod val="75000"/>
@@ -11003,83 +10867,83 @@
               <a:buNone/>
             </a:pPr>
             <a:r>
-              <a:rPr lang="it-IT" dirty="0" err="1"/>
+              <a:rPr lang="it-IT" sz="1600" dirty="0" err="1"/>
               <a:t>if</a:t>
             </a:r>
             <a:r>
-              <a:rPr lang="it-IT" dirty="0"/>
+              <a:rPr lang="it-IT" sz="1600" dirty="0"/>
               <a:t> the time instants of </a:t>
             </a:r>
             <a:r>
-              <a:rPr lang="it-IT" dirty="0" err="1"/>
+              <a:rPr lang="it-IT" sz="1600" dirty="0" err="1"/>
               <a:t>keyboard</a:t>
             </a:r>
             <a:r>
-              <a:rPr lang="it-IT" dirty="0"/>
+              <a:rPr lang="it-IT" sz="1600" dirty="0"/>
               <a:t> events, </a:t>
             </a:r>
             <a:r>
-              <a:rPr lang="it-IT" dirty="0" err="1"/>
+              <a:rPr lang="it-IT" sz="1600" dirty="0" err="1"/>
               <a:t>generated</a:t>
             </a:r>
             <a:r>
-              <a:rPr lang="it-IT" dirty="0"/>
+              <a:rPr lang="it-IT" sz="1600" dirty="0"/>
               <a:t> </a:t>
             </a:r>
             <a:r>
-              <a:rPr lang="it-IT" dirty="0" err="1"/>
+              <a:rPr lang="it-IT" sz="1600" dirty="0" err="1"/>
               <a:t>during</a:t>
             </a:r>
             <a:r>
-              <a:rPr lang="it-IT" dirty="0"/>
+              <a:rPr lang="it-IT" sz="1600" dirty="0"/>
               <a:t> the </a:t>
             </a:r>
             <a:r>
-              <a:rPr lang="it-IT" dirty="0" err="1"/>
+              <a:rPr lang="it-IT" sz="1600" dirty="0" err="1"/>
               <a:t>insertion</a:t>
             </a:r>
             <a:r>
-              <a:rPr lang="it-IT" dirty="0"/>
+              <a:rPr lang="it-IT" sz="1600" dirty="0"/>
               <a:t> of the password, </a:t>
             </a:r>
             <a:r>
-              <a:rPr lang="it-IT" dirty="0" err="1"/>
+              <a:rPr lang="it-IT" sz="1600" dirty="0" err="1"/>
               <a:t>overlap</a:t>
             </a:r>
             <a:r>
-              <a:rPr lang="it-IT" dirty="0"/>
+              <a:rPr lang="it-IT" sz="1600" dirty="0"/>
               <a:t> with the time instants of audio </a:t>
             </a:r>
             <a:r>
-              <a:rPr lang="it-IT" dirty="0" err="1"/>
+              <a:rPr lang="it-IT" sz="1600" dirty="0" err="1"/>
               <a:t>peaks</a:t>
             </a:r>
             <a:r>
-              <a:rPr lang="it-IT" dirty="0"/>
+              <a:rPr lang="it-IT" sz="1600" dirty="0"/>
               <a:t> </a:t>
             </a:r>
             <a:r>
-              <a:rPr lang="it-IT" dirty="0" err="1"/>
+              <a:rPr lang="it-IT" sz="1600" dirty="0" err="1"/>
               <a:t>detected</a:t>
             </a:r>
             <a:r>
-              <a:rPr lang="it-IT" dirty="0"/>
+              <a:rPr lang="it-IT" sz="1600" dirty="0"/>
               <a:t> </a:t>
             </a:r>
             <a:r>
-              <a:rPr lang="it-IT" dirty="0" err="1"/>
+              <a:rPr lang="it-IT" sz="1600" dirty="0" err="1"/>
               <a:t>during</a:t>
             </a:r>
             <a:r>
-              <a:rPr lang="it-IT" dirty="0"/>
+              <a:rPr lang="it-IT" sz="1600" dirty="0"/>
               <a:t> the </a:t>
             </a:r>
             <a:r>
-              <a:rPr lang="it-IT" dirty="0" err="1"/>
+              <a:rPr lang="it-IT" sz="1600" dirty="0" err="1"/>
               <a:t>insertion</a:t>
             </a:r>
             <a:r>
-              <a:rPr lang="it-IT" dirty="0"/>
+              <a:rPr lang="it-IT" sz="1600" dirty="0"/>
               <a:t> of the password</a:t>
             </a:r>
           </a:p>
@@ -11092,7 +10956,7 @@
               </a:buClr>
             </a:pPr>
             <a:r>
-              <a:rPr lang="it-IT" dirty="0" err="1">
+              <a:rPr lang="it-IT" sz="1800" dirty="0" err="1">
                 <a:solidFill>
                   <a:schemeClr val="accent2">
                     <a:lumMod val="75000"/>
@@ -11102,7 +10966,7 @@
               <a:t>Relaxation</a:t>
             </a:r>
             <a:r>
-              <a:rPr lang="it-IT" dirty="0">
+              <a:rPr lang="it-IT" sz="1800" dirty="0">
                 <a:solidFill>
                   <a:schemeClr val="accent2">
                     <a:lumMod val="75000"/>
@@ -11112,7 +10976,7 @@
               <a:t> of the </a:t>
             </a:r>
             <a:r>
-              <a:rPr lang="it-IT" dirty="0" err="1">
+              <a:rPr lang="it-IT" sz="1800" dirty="0" err="1">
                 <a:solidFill>
                   <a:schemeClr val="accent2">
                     <a:lumMod val="75000"/>
@@ -11121,7 +10985,7 @@
               </a:rPr>
               <a:t>problem</a:t>
             </a:r>
-            <a:endParaRPr lang="it-IT" dirty="0">
+            <a:endParaRPr lang="it-IT" sz="1800" dirty="0">
               <a:solidFill>
                 <a:schemeClr val="accent2">
                   <a:lumMod val="75000"/>
@@ -11134,88 +10998,171 @@
               <a:buNone/>
             </a:pPr>
             <a:r>
-              <a:rPr lang="it-IT" dirty="0" err="1"/>
+              <a:rPr lang="it-IT" sz="1600" dirty="0" err="1"/>
               <a:t>if</a:t>
             </a:r>
             <a:r>
-              <a:rPr lang="it-IT" dirty="0"/>
+              <a:rPr lang="it-IT" sz="1600" dirty="0"/>
               <a:t> a </a:t>
             </a:r>
             <a:r>
-              <a:rPr lang="it-IT" dirty="0" err="1"/>
+              <a:rPr lang="it-IT" sz="1600" dirty="0" err="1"/>
               <a:t>fixed</a:t>
             </a:r>
             <a:r>
-              <a:rPr lang="it-IT" dirty="0"/>
+              <a:rPr lang="it-IT" sz="1600" dirty="0"/>
               <a:t> </a:t>
             </a:r>
             <a:r>
-              <a:rPr lang="it-IT" dirty="0" err="1"/>
+              <a:rPr lang="it-IT" sz="1600" dirty="0" err="1"/>
               <a:t>percentage</a:t>
             </a:r>
             <a:r>
-              <a:rPr lang="it-IT" dirty="0"/>
+              <a:rPr lang="it-IT" sz="1600" dirty="0"/>
               <a:t> of the time instants of the audio </a:t>
             </a:r>
             <a:r>
-              <a:rPr lang="it-IT" dirty="0" err="1"/>
+              <a:rPr lang="it-IT" sz="1600" dirty="0" err="1"/>
               <a:t>peaks</a:t>
             </a:r>
             <a:r>
-              <a:rPr lang="it-IT" dirty="0"/>
+              <a:rPr lang="it-IT" sz="1600" dirty="0"/>
               <a:t> </a:t>
             </a:r>
             <a:r>
-              <a:rPr lang="it-IT" dirty="0" err="1"/>
+              <a:rPr lang="it-IT" sz="1600" dirty="0" err="1"/>
               <a:t>overlaps</a:t>
             </a:r>
             <a:r>
-              <a:rPr lang="it-IT" dirty="0"/>
+              <a:rPr lang="it-IT" sz="1600" dirty="0"/>
               <a:t> with the time </a:t>
             </a:r>
             <a:r>
-              <a:rPr lang="it-IT" dirty="0" err="1"/>
+              <a:rPr lang="it-IT" sz="1600" dirty="0" err="1"/>
               <a:t>instansts</a:t>
             </a:r>
             <a:r>
-              <a:rPr lang="it-IT" dirty="0"/>
+              <a:rPr lang="it-IT" sz="1600" dirty="0"/>
               <a:t> </a:t>
             </a:r>
             <a:r>
-              <a:rPr lang="it-IT" dirty="0" err="1"/>
+              <a:rPr lang="it-IT" sz="1600" dirty="0" err="1"/>
               <a:t>related</a:t>
             </a:r>
             <a:r>
-              <a:rPr lang="it-IT" dirty="0"/>
+              <a:rPr lang="it-IT" sz="1600" dirty="0"/>
               <a:t> to </a:t>
             </a:r>
             <a:r>
-              <a:rPr lang="it-IT" dirty="0" err="1"/>
+              <a:rPr lang="it-IT" sz="1600" dirty="0" err="1"/>
               <a:t>keyboard</a:t>
             </a:r>
             <a:r>
-              <a:rPr lang="it-IT" dirty="0"/>
+              <a:rPr lang="it-IT" sz="1600" dirty="0"/>
               <a:t> events</a:t>
             </a:r>
-            <a:endParaRPr lang="en-GB" dirty="0"/>
+            <a:endParaRPr lang="en-GB" sz="1600" dirty="0"/>
+          </a:p>
+        </p:txBody>
+      </p:sp>
+      <p:sp>
+        <p:nvSpPr>
+          <p:cNvPr id="5" name="Segnaposto data 4">
+            <a:extLst>
+              <a:ext uri="{FF2B5EF4-FFF2-40B4-BE49-F238E27FC236}">
+                <a16:creationId xmlns:a16="http://schemas.microsoft.com/office/drawing/2014/main" id="{D9C93C59-309E-4155-91FA-100D7B33D7C0}"/>
+              </a:ext>
+            </a:extLst>
+          </p:cNvPr>
+          <p:cNvSpPr>
+            <a:spLocks noGrp="1"/>
+          </p:cNvSpPr>
+          <p:nvPr>
+            <p:ph type="dt" sz="half" idx="10"/>
+          </p:nvPr>
+        </p:nvSpPr>
+        <p:spPr/>
+        <p:txBody>
+          <a:bodyPr/>
+          <a:lstStyle/>
+          <a:p>
+            <a:r>
+              <a:rPr lang="it-IT"/>
+              <a:t>03/01/2021</a:t>
+            </a:r>
+          </a:p>
+        </p:txBody>
+      </p:sp>
+      <p:sp>
+        <p:nvSpPr>
+          <p:cNvPr id="6" name="Segnaposto piè di pagina 5">
+            <a:extLst>
+              <a:ext uri="{FF2B5EF4-FFF2-40B4-BE49-F238E27FC236}">
+                <a16:creationId xmlns:a16="http://schemas.microsoft.com/office/drawing/2014/main" id="{2B4497E4-4481-4F98-933F-8FB06FAE2494}"/>
+              </a:ext>
+            </a:extLst>
+          </p:cNvPr>
+          <p:cNvSpPr>
+            <a:spLocks noGrp="1"/>
+          </p:cNvSpPr>
+          <p:nvPr>
+            <p:ph type="ftr" sz="quarter" idx="11"/>
+          </p:nvPr>
+        </p:nvSpPr>
+        <p:spPr/>
+        <p:txBody>
+          <a:bodyPr/>
+          <a:lstStyle/>
+          <a:p>
+            <a:r>
+              <a:rPr lang="it-IT"/>
+              <a:t>Di Nardo Di Maio Raffaele</a:t>
+            </a:r>
+          </a:p>
+        </p:txBody>
+      </p:sp>
+      <p:sp>
+        <p:nvSpPr>
+          <p:cNvPr id="7" name="Segnaposto numero diapositiva 6">
+            <a:extLst>
+              <a:ext uri="{FF2B5EF4-FFF2-40B4-BE49-F238E27FC236}">
+                <a16:creationId xmlns:a16="http://schemas.microsoft.com/office/drawing/2014/main" id="{10592C2E-5EFA-4CB9-9D7E-7C715242D89A}"/>
+              </a:ext>
+            </a:extLst>
+          </p:cNvPr>
+          <p:cNvSpPr>
+            <a:spLocks noGrp="1"/>
+          </p:cNvSpPr>
+          <p:nvPr>
+            <p:ph type="sldNum" sz="quarter" idx="12"/>
+          </p:nvPr>
+        </p:nvSpPr>
+        <p:spPr/>
+        <p:txBody>
+          <a:bodyPr/>
+          <a:lstStyle/>
+          <a:p>
+            <a:fld id="{8DF98BA9-0B5D-48FD-8864-41A23C2934CC}" type="slidenum">
+              <a:rPr lang="it-IT" smtClean="0"/>
+              <a:t>3</a:t>
+            </a:fld>
+            <a:endParaRPr lang="it-IT"/>
           </a:p>
         </p:txBody>
       </p:sp>
       <p:pic>
         <p:nvPicPr>
-          <p:cNvPr id="9" name="Segnaposto contenuto 8">
+          <p:cNvPr id="17" name="Immagine 16">
             <a:extLst>
               <a:ext uri="{FF2B5EF4-FFF2-40B4-BE49-F238E27FC236}">
-                <a16:creationId xmlns:a16="http://schemas.microsoft.com/office/drawing/2014/main" id="{C2AC8B0D-6E44-4BAD-A812-7F30C52F7650}"/>
+                <a16:creationId xmlns:a16="http://schemas.microsoft.com/office/drawing/2014/main" id="{3294C76B-FF60-49E2-A670-74C74306AB92}"/>
               </a:ext>
             </a:extLst>
           </p:cNvPr>
           <p:cNvPicPr>
-            <a:picLocks noGrp="1" noChangeAspect="1"/>
+            <a:picLocks noChangeAspect="1"/>
           </p:cNvPicPr>
-          <p:nvPr>
-            <p:ph sz="half" idx="2"/>
-          </p:nvPr>
+          <p:nvPr/>
         </p:nvPicPr>
         <p:blipFill>
           <a:blip r:embed="rId2">
@@ -11231,96 +11178,14 @@
         </p:blipFill>
         <p:spPr>
           <a:xfrm>
-            <a:off x="4652964" y="2005012"/>
-            <a:ext cx="3797300" cy="2847975"/>
+            <a:off x="4293455" y="2418430"/>
+            <a:ext cx="4414725" cy="3311044"/>
           </a:xfrm>
+          <a:prstGeom prst="rect">
+            <a:avLst/>
+          </a:prstGeom>
         </p:spPr>
       </p:pic>
-      <p:sp>
-        <p:nvSpPr>
-          <p:cNvPr id="5" name="Segnaposto data 4">
-            <a:extLst>
-              <a:ext uri="{FF2B5EF4-FFF2-40B4-BE49-F238E27FC236}">
-                <a16:creationId xmlns:a16="http://schemas.microsoft.com/office/drawing/2014/main" id="{D9C93C59-309E-4155-91FA-100D7B33D7C0}"/>
-              </a:ext>
-            </a:extLst>
-          </p:cNvPr>
-          <p:cNvSpPr>
-            <a:spLocks noGrp="1"/>
-          </p:cNvSpPr>
-          <p:nvPr>
-            <p:ph type="dt" sz="half" idx="10"/>
-          </p:nvPr>
-        </p:nvSpPr>
-        <p:spPr/>
-        <p:txBody>
-          <a:bodyPr/>
-          <a:lstStyle/>
-          <a:p>
-            <a:r>
-              <a:rPr lang="it-IT"/>
-              <a:t>03/01/2021</a:t>
-            </a:r>
-          </a:p>
-        </p:txBody>
-      </p:sp>
-      <p:sp>
-        <p:nvSpPr>
-          <p:cNvPr id="6" name="Segnaposto piè di pagina 5">
-            <a:extLst>
-              <a:ext uri="{FF2B5EF4-FFF2-40B4-BE49-F238E27FC236}">
-                <a16:creationId xmlns:a16="http://schemas.microsoft.com/office/drawing/2014/main" id="{2B4497E4-4481-4F98-933F-8FB06FAE2494}"/>
-              </a:ext>
-            </a:extLst>
-          </p:cNvPr>
-          <p:cNvSpPr>
-            <a:spLocks noGrp="1"/>
-          </p:cNvSpPr>
-          <p:nvPr>
-            <p:ph type="ftr" sz="quarter" idx="11"/>
-          </p:nvPr>
-        </p:nvSpPr>
-        <p:spPr/>
-        <p:txBody>
-          <a:bodyPr/>
-          <a:lstStyle/>
-          <a:p>
-            <a:r>
-              <a:rPr lang="it-IT"/>
-              <a:t>Di Nardo Di Maio Raffaele</a:t>
-            </a:r>
-          </a:p>
-        </p:txBody>
-      </p:sp>
-      <p:sp>
-        <p:nvSpPr>
-          <p:cNvPr id="7" name="Segnaposto numero diapositiva 6">
-            <a:extLst>
-              <a:ext uri="{FF2B5EF4-FFF2-40B4-BE49-F238E27FC236}">
-                <a16:creationId xmlns:a16="http://schemas.microsoft.com/office/drawing/2014/main" id="{10592C2E-5EFA-4CB9-9D7E-7C715242D89A}"/>
-              </a:ext>
-            </a:extLst>
-          </p:cNvPr>
-          <p:cNvSpPr>
-            <a:spLocks noGrp="1"/>
-          </p:cNvSpPr>
-          <p:nvPr>
-            <p:ph type="sldNum" sz="quarter" idx="12"/>
-          </p:nvPr>
-        </p:nvSpPr>
-        <p:spPr/>
-        <p:txBody>
-          <a:bodyPr/>
-          <a:lstStyle/>
-          <a:p>
-            <a:fld id="{8DF98BA9-0B5D-48FD-8864-41A23C2934CC}" type="slidenum">
-              <a:rPr lang="it-IT" smtClean="0"/>
-              <a:t>3</a:t>
-            </a:fld>
-            <a:endParaRPr lang="it-IT"/>
-          </a:p>
-        </p:txBody>
-      </p:sp>
     </p:spTree>
     <p:extLst>
       <p:ext uri="{BB962C8B-B14F-4D97-AF65-F5344CB8AC3E}">
@@ -11353,10 +11218,10 @@
       </p:grpSpPr>
       <p:sp>
         <p:nvSpPr>
-          <p:cNvPr id="2" name="Titolo 1">
+          <p:cNvPr id="3" name="Segnaposto contenuto 2">
             <a:extLst>
               <a:ext uri="{FF2B5EF4-FFF2-40B4-BE49-F238E27FC236}">
-                <a16:creationId xmlns:a16="http://schemas.microsoft.com/office/drawing/2014/main" id="{E693C20A-E085-4799-8206-3048A3F394A2}"/>
+                <a16:creationId xmlns:a16="http://schemas.microsoft.com/office/drawing/2014/main" id="{67B0525F-A23A-4FF6-AB33-512DDB06A27D}"/>
               </a:ext>
             </a:extLst>
           </p:cNvPr>
@@ -11364,33 +11229,74 @@
             <a:spLocks noGrp="1"/>
           </p:cNvSpPr>
           <p:nvPr>
-            <p:ph type="title"/>
+            <p:ph sz="half" idx="1"/>
           </p:nvPr>
         </p:nvSpPr>
         <p:spPr>
           <a:xfrm>
-            <a:off x="1273388" y="507103"/>
-            <a:ext cx="6589231" cy="840794"/>
+            <a:off x="685347" y="1528008"/>
+            <a:ext cx="6027970" cy="1481409"/>
           </a:xfrm>
         </p:spPr>
         <p:txBody>
-          <a:bodyPr/>
+          <a:bodyPr>
+            <a:normAutofit/>
+          </a:bodyPr>
           <a:lstStyle/>
           <a:p>
-            <a:r>
-              <a:rPr lang="en-GB" dirty="0"/>
-              <a:t>Noise evaluation</a:t>
-            </a:r>
-            <a:endParaRPr lang="it-IT" dirty="0"/>
-          </a:p>
-        </p:txBody>
-      </p:sp>
-      <p:sp>
-        <p:nvSpPr>
-          <p:cNvPr id="5" name="Segnaposto data 4">
+            <a:pPr marL="36900" indent="0">
+              <a:buClr>
+                <a:schemeClr val="accent2">
+                  <a:lumMod val="75000"/>
+                </a:schemeClr>
+              </a:buClr>
+              <a:buNone/>
+            </a:pPr>
+            <a:r>
+              <a:rPr lang="en-GB" b="1" dirty="0">
+                <a:solidFill>
+                  <a:srgbClr val="0070C0"/>
+                </a:solidFill>
+              </a:rPr>
+              <a:t>Character correspondence</a:t>
+            </a:r>
+          </a:p>
+          <a:p>
+            <a:pPr>
+              <a:buClr>
+                <a:schemeClr val="accent2">
+                  <a:lumMod val="75000"/>
+                </a:schemeClr>
+              </a:buClr>
+            </a:pPr>
+            <a:r>
+              <a:rPr lang="en-GB" sz="1800" dirty="0">
+                <a:solidFill>
+                  <a:schemeClr val="accent2">
+                    <a:lumMod val="75000"/>
+                  </a:schemeClr>
+                </a:solidFill>
+              </a:rPr>
+              <a:t>Data acquisition</a:t>
+            </a:r>
+          </a:p>
+          <a:p>
+            <a:pPr marL="414000" lvl="1" indent="0">
+              <a:buNone/>
+            </a:pPr>
+            <a:r>
+              <a:rPr lang="en-GB" sz="1600" dirty="0"/>
+              <a:t>200 audio files per key  of the keyboard + data augmentation</a:t>
+            </a:r>
+          </a:p>
+        </p:txBody>
+      </p:sp>
+      <p:sp>
+        <p:nvSpPr>
+          <p:cNvPr id="11" name="Segnaposto piè di pagina 3">
             <a:extLst>
               <a:ext uri="{FF2B5EF4-FFF2-40B4-BE49-F238E27FC236}">
-                <a16:creationId xmlns:a16="http://schemas.microsoft.com/office/drawing/2014/main" id="{61752F40-FE67-4D44-A3F8-7AB0ACECF667}"/>
+                <a16:creationId xmlns:a16="http://schemas.microsoft.com/office/drawing/2014/main" id="{FA8090EF-B010-46DD-97F8-51029F5641B9}"/>
               </a:ext>
             </a:extLst>
           </p:cNvPr>
@@ -11398,27 +11304,33 @@
             <a:spLocks noGrp="1"/>
           </p:cNvSpPr>
           <p:nvPr>
-            <p:ph type="dt" sz="half" idx="10"/>
-          </p:nvPr>
-        </p:nvSpPr>
-        <p:spPr/>
+            <p:ph type="ftr" sz="quarter" idx="11"/>
+          </p:nvPr>
+        </p:nvSpPr>
+        <p:spPr>
+          <a:xfrm>
+            <a:off x="435114" y="5883276"/>
+            <a:ext cx="5505114" cy="365125"/>
+          </a:xfrm>
+        </p:spPr>
         <p:txBody>
           <a:bodyPr/>
           <a:lstStyle/>
           <a:p>
             <a:r>
-              <a:rPr lang="it-IT"/>
-              <a:t>03/01/2021</a:t>
-            </a:r>
-          </a:p>
-        </p:txBody>
-      </p:sp>
-      <p:sp>
-        <p:nvSpPr>
-          <p:cNvPr id="6" name="Segnaposto piè di pagina 5">
+              <a:rPr lang="en-GB" sz="1100" dirty="0"/>
+              <a:t>Di Nardo Di Maio Raffaele</a:t>
+            </a:r>
+            <a:endParaRPr lang="it-IT" sz="1100" dirty="0"/>
+          </a:p>
+        </p:txBody>
+      </p:sp>
+      <p:sp>
+        <p:nvSpPr>
+          <p:cNvPr id="12" name="Segnaposto numero diapositiva 4">
             <a:extLst>
               <a:ext uri="{FF2B5EF4-FFF2-40B4-BE49-F238E27FC236}">
-                <a16:creationId xmlns:a16="http://schemas.microsoft.com/office/drawing/2014/main" id="{362FD8C7-2C30-4C04-B6DF-1A893860F3D1}"/>
+                <a16:creationId xmlns:a16="http://schemas.microsoft.com/office/drawing/2014/main" id="{411A5088-7FBF-4671-96E2-488118F9A22C}"/>
               </a:ext>
             </a:extLst>
           </p:cNvPr>
@@ -11426,27 +11338,33 @@
             <a:spLocks noGrp="1"/>
           </p:cNvSpPr>
           <p:nvPr>
-            <p:ph type="ftr" sz="quarter" idx="11"/>
-          </p:nvPr>
-        </p:nvSpPr>
-        <p:spPr/>
+            <p:ph type="sldNum" sz="quarter" idx="12"/>
+          </p:nvPr>
+        </p:nvSpPr>
+        <p:spPr>
+          <a:xfrm>
+            <a:off x="7885509" y="5883276"/>
+            <a:ext cx="565159" cy="365125"/>
+          </a:xfrm>
+        </p:spPr>
         <p:txBody>
           <a:bodyPr/>
           <a:lstStyle/>
           <a:p>
-            <a:r>
-              <a:rPr lang="it-IT"/>
-              <a:t>Di Nardo Di Maio Raffaele</a:t>
-            </a:r>
-          </a:p>
-        </p:txBody>
-      </p:sp>
-      <p:sp>
-        <p:nvSpPr>
-          <p:cNvPr id="7" name="Segnaposto numero diapositiva 6">
+            <a:fld id="{8DF98BA9-0B5D-48FD-8864-41A23C2934CC}" type="slidenum">
+              <a:rPr lang="it-IT" sz="1100" smtClean="0"/>
+              <a:t>4</a:t>
+            </a:fld>
+            <a:endParaRPr lang="it-IT" sz="1100"/>
+          </a:p>
+        </p:txBody>
+      </p:sp>
+      <p:sp>
+        <p:nvSpPr>
+          <p:cNvPr id="4" name="Segnaposto data 3">
             <a:extLst>
               <a:ext uri="{FF2B5EF4-FFF2-40B4-BE49-F238E27FC236}">
-                <a16:creationId xmlns:a16="http://schemas.microsoft.com/office/drawing/2014/main" id="{B8A7F3FA-83E7-42B6-9748-B2CD90115347}"/>
+                <a16:creationId xmlns:a16="http://schemas.microsoft.com/office/drawing/2014/main" id="{3D2F6833-909F-48B3-A0D0-236C3D2E1761}"/>
               </a:ext>
             </a:extLst>
           </p:cNvPr>
@@ -11454,7 +11372,7 @@
             <a:spLocks noGrp="1"/>
           </p:cNvSpPr>
           <p:nvPr>
-            <p:ph type="sldNum" sz="quarter" idx="12"/>
+            <p:ph type="dt" sz="half" idx="10"/>
           </p:nvPr>
         </p:nvSpPr>
         <p:spPr/>
@@ -11462,20 +11380,55 @@
           <a:bodyPr/>
           <a:lstStyle/>
           <a:p>
-            <a:fld id="{8DF98BA9-0B5D-48FD-8864-41A23C2934CC}" type="slidenum">
-              <a:rPr lang="it-IT" smtClean="0"/>
-              <a:t>4</a:t>
-            </a:fld>
-            <a:endParaRPr lang="it-IT"/>
-          </a:p>
-        </p:txBody>
-      </p:sp>
-      <p:sp>
-        <p:nvSpPr>
-          <p:cNvPr id="8" name="Segnaposto contenuto 2">
+            <a:r>
+              <a:rPr lang="it-IT"/>
+              <a:t>03/01/2021</a:t>
+            </a:r>
+          </a:p>
+        </p:txBody>
+      </p:sp>
+      <p:pic>
+        <p:nvPicPr>
+          <p:cNvPr id="8" name="Immagine 7" descr="Immagine che contiene testo, schermo, nero&#10;&#10;Descrizione generata automaticamente">
             <a:extLst>
               <a:ext uri="{FF2B5EF4-FFF2-40B4-BE49-F238E27FC236}">
-                <a16:creationId xmlns:a16="http://schemas.microsoft.com/office/drawing/2014/main" id="{1D356859-9E7A-4166-BE36-9E0E7EA181BE}"/>
+                <a16:creationId xmlns:a16="http://schemas.microsoft.com/office/drawing/2014/main" id="{52F8EE8A-7188-4764-8611-AF124864263E}"/>
+              </a:ext>
+            </a:extLst>
+          </p:cNvPr>
+          <p:cNvPicPr>
+            <a:picLocks noChangeAspect="1"/>
+          </p:cNvPicPr>
+          <p:nvPr/>
+        </p:nvPicPr>
+        <p:blipFill>
+          <a:blip r:embed="rId2">
+            <a:extLst>
+              <a:ext uri="{28A0092B-C50C-407E-A947-70E740481C1C}">
+                <a14:useLocalDpi xmlns:a14="http://schemas.microsoft.com/office/drawing/2010/main" val="0"/>
+              </a:ext>
+            </a:extLst>
+          </a:blip>
+          <a:stretch>
+            <a:fillRect/>
+          </a:stretch>
+        </p:blipFill>
+        <p:spPr>
+          <a:xfrm>
+            <a:off x="1152817" y="2896936"/>
+            <a:ext cx="6830377" cy="2697420"/>
+          </a:xfrm>
+          <a:prstGeom prst="rect">
+            <a:avLst/>
+          </a:prstGeom>
+        </p:spPr>
+      </p:pic>
+      <p:sp>
+        <p:nvSpPr>
+          <p:cNvPr id="13" name="Titolo 1">
+            <a:extLst>
+              <a:ext uri="{FF2B5EF4-FFF2-40B4-BE49-F238E27FC236}">
+                <a16:creationId xmlns:a16="http://schemas.microsoft.com/office/drawing/2014/main" id="{51E42AED-7193-42C0-B159-AEC0F2444857}"/>
               </a:ext>
             </a:extLst>
           </p:cNvPr>
@@ -11486,434 +11439,8 @@
         </p:nvSpPr>
         <p:spPr>
           <a:xfrm>
-            <a:off x="2902649" y="4351821"/>
-            <a:ext cx="3330713" cy="804058"/>
-          </a:xfrm>
-          <a:prstGeom prst="rect">
-            <a:avLst/>
-          </a:prstGeom>
-          <a:solidFill>
-            <a:schemeClr val="accent2">
-              <a:lumMod val="75000"/>
-            </a:schemeClr>
-          </a:solidFill>
-          <a:ln w="15875" cap="rnd" cmpd="sng" algn="ctr">
-            <a:noFill/>
-            <a:prstDash val="solid"/>
-          </a:ln>
-          <a:effectLst>
-            <a:glow rad="228600">
-              <a:srgbClr val="0070C0">
-                <a:alpha val="40000"/>
-              </a:srgbClr>
-            </a:glow>
-          </a:effectLst>
-        </p:spPr>
-        <p:style>
-          <a:lnRef idx="2">
-            <a:schemeClr val="accent2"/>
-          </a:lnRef>
-          <a:fillRef idx="1">
-            <a:schemeClr val="lt1"/>
-          </a:fillRef>
-          <a:effectRef idx="0">
-            <a:schemeClr val="accent2"/>
-          </a:effectRef>
-          <a:fontRef idx="minor">
-            <a:schemeClr val="dk1"/>
-          </a:fontRef>
-        </p:style>
-        <p:txBody>
-          <a:bodyPr vert="horz" lIns="91440" tIns="45720" rIns="91440" bIns="45720" rtlCol="0" anchor="t">
-            <a:noAutofit/>
-          </a:bodyPr>
-          <a:lstStyle>
-            <a:lvl1pPr marL="342900" indent="-306000" algn="l" defTabSz="457200" rtl="0" eaLnBrk="1" latinLnBrk="0" hangingPunct="1">
-              <a:spcBef>
-                <a:spcPct val="20000"/>
-              </a:spcBef>
-              <a:spcAft>
-                <a:spcPts val="600"/>
-              </a:spcAft>
-              <a:buClr>
-                <a:schemeClr val="tx2"/>
-              </a:buClr>
-              <a:buSzPct val="70000"/>
-              <a:buFont typeface="Wingdings 2" charset="2"/>
-              <a:buChar char=""/>
-              <a:defRPr sz="2000" kern="1200">
-                <a:ln>
-                  <a:solidFill>
-                    <a:schemeClr val="bg1">
-                      <a:lumMod val="75000"/>
-                      <a:lumOff val="25000"/>
-                      <a:alpha val="10000"/>
-                    </a:schemeClr>
-                  </a:solidFill>
-                </a:ln>
-                <a:solidFill>
-                  <a:schemeClr val="dk1"/>
-                </a:solidFill>
-                <a:effectLst>
-                  <a:outerShdw blurRad="9525" dist="25400" dir="14640000" algn="tl" rotWithShape="0">
-                    <a:schemeClr val="bg1">
-                      <a:alpha val="30000"/>
-                    </a:schemeClr>
-                  </a:outerShdw>
-                </a:effectLst>
-                <a:latin typeface="+mn-lt"/>
-                <a:ea typeface="+mn-ea"/>
-                <a:cs typeface="+mn-cs"/>
-              </a:defRPr>
-            </a:lvl1pPr>
-            <a:lvl2pPr marL="720000" indent="-270000" algn="l" defTabSz="457200" rtl="0" eaLnBrk="1" latinLnBrk="0" hangingPunct="1">
-              <a:spcBef>
-                <a:spcPct val="20000"/>
-              </a:spcBef>
-              <a:spcAft>
-                <a:spcPts val="600"/>
-              </a:spcAft>
-              <a:buClr>
-                <a:schemeClr val="tx2"/>
-              </a:buClr>
-              <a:buSzPct val="70000"/>
-              <a:buFont typeface="Wingdings 2" charset="2"/>
-              <a:buChar char=""/>
-              <a:defRPr sz="1800" kern="1200">
-                <a:ln>
-                  <a:solidFill>
-                    <a:schemeClr val="bg1">
-                      <a:lumMod val="75000"/>
-                      <a:lumOff val="25000"/>
-                      <a:alpha val="10000"/>
-                    </a:schemeClr>
-                  </a:solidFill>
-                </a:ln>
-                <a:solidFill>
-                  <a:schemeClr val="dk1"/>
-                </a:solidFill>
-                <a:effectLst>
-                  <a:outerShdw blurRad="9525" dist="25400" dir="14640000" algn="tl" rotWithShape="0">
-                    <a:schemeClr val="bg1">
-                      <a:alpha val="30000"/>
-                    </a:schemeClr>
-                  </a:outerShdw>
-                </a:effectLst>
-                <a:latin typeface="+mn-lt"/>
-                <a:ea typeface="+mn-ea"/>
-                <a:cs typeface="+mn-cs"/>
-              </a:defRPr>
-            </a:lvl2pPr>
-            <a:lvl3pPr marL="1026000" indent="-216000" algn="l" defTabSz="457200" rtl="0" eaLnBrk="1" latinLnBrk="0" hangingPunct="1">
-              <a:spcBef>
-                <a:spcPct val="20000"/>
-              </a:spcBef>
-              <a:spcAft>
-                <a:spcPts val="600"/>
-              </a:spcAft>
-              <a:buClr>
-                <a:schemeClr val="tx2"/>
-              </a:buClr>
-              <a:buSzPct val="70000"/>
-              <a:buFont typeface="Wingdings 2" charset="2"/>
-              <a:buChar char=""/>
-              <a:defRPr sz="1600" kern="1200">
-                <a:ln>
-                  <a:solidFill>
-                    <a:schemeClr val="bg1">
-                      <a:lumMod val="75000"/>
-                      <a:lumOff val="25000"/>
-                      <a:alpha val="10000"/>
-                    </a:schemeClr>
-                  </a:solidFill>
-                </a:ln>
-                <a:solidFill>
-                  <a:schemeClr val="dk1"/>
-                </a:solidFill>
-                <a:effectLst>
-                  <a:outerShdw blurRad="9525" dist="25400" dir="14640000" algn="tl" rotWithShape="0">
-                    <a:schemeClr val="bg1">
-                      <a:alpha val="30000"/>
-                    </a:schemeClr>
-                  </a:outerShdw>
-                </a:effectLst>
-                <a:latin typeface="+mn-lt"/>
-                <a:ea typeface="+mn-ea"/>
-                <a:cs typeface="+mn-cs"/>
-              </a:defRPr>
-            </a:lvl3pPr>
-            <a:lvl4pPr marL="1386000" indent="-216000" algn="l" defTabSz="457200" rtl="0" eaLnBrk="1" latinLnBrk="0" hangingPunct="1">
-              <a:spcBef>
-                <a:spcPct val="20000"/>
-              </a:spcBef>
-              <a:spcAft>
-                <a:spcPts val="600"/>
-              </a:spcAft>
-              <a:buClr>
-                <a:schemeClr val="tx2"/>
-              </a:buClr>
-              <a:buSzPct val="70000"/>
-              <a:buFont typeface="Wingdings 2" charset="2"/>
-              <a:buChar char=""/>
-              <a:defRPr sz="1400" kern="1200">
-                <a:ln>
-                  <a:solidFill>
-                    <a:schemeClr val="bg1">
-                      <a:lumMod val="75000"/>
-                      <a:lumOff val="25000"/>
-                      <a:alpha val="10000"/>
-                    </a:schemeClr>
-                  </a:solidFill>
-                </a:ln>
-                <a:solidFill>
-                  <a:schemeClr val="dk1"/>
-                </a:solidFill>
-                <a:effectLst>
-                  <a:outerShdw blurRad="9525" dist="25400" dir="14640000" algn="tl" rotWithShape="0">
-                    <a:schemeClr val="bg1">
-                      <a:alpha val="30000"/>
-                    </a:schemeClr>
-                  </a:outerShdw>
-                </a:effectLst>
-                <a:latin typeface="+mn-lt"/>
-                <a:ea typeface="+mn-ea"/>
-                <a:cs typeface="+mn-cs"/>
-              </a:defRPr>
-            </a:lvl4pPr>
-            <a:lvl5pPr marL="1674000" indent="-216000" algn="l" defTabSz="457200" rtl="0" eaLnBrk="1" latinLnBrk="0" hangingPunct="1">
-              <a:spcBef>
-                <a:spcPct val="20000"/>
-              </a:spcBef>
-              <a:spcAft>
-                <a:spcPts val="600"/>
-              </a:spcAft>
-              <a:buClr>
-                <a:schemeClr val="tx2"/>
-              </a:buClr>
-              <a:buSzPct val="70000"/>
-              <a:buFont typeface="Wingdings 2" charset="2"/>
-              <a:buChar char=""/>
-              <a:defRPr sz="1400" kern="1200">
-                <a:ln>
-                  <a:solidFill>
-                    <a:schemeClr val="bg1">
-                      <a:lumMod val="75000"/>
-                      <a:lumOff val="25000"/>
-                      <a:alpha val="10000"/>
-                    </a:schemeClr>
-                  </a:solidFill>
-                </a:ln>
-                <a:solidFill>
-                  <a:schemeClr val="dk1"/>
-                </a:solidFill>
-                <a:effectLst>
-                  <a:outerShdw blurRad="9525" dist="25400" dir="14640000" algn="tl" rotWithShape="0">
-                    <a:schemeClr val="bg1">
-                      <a:alpha val="30000"/>
-                    </a:schemeClr>
-                  </a:outerShdw>
-                </a:effectLst>
-                <a:latin typeface="+mn-lt"/>
-                <a:ea typeface="+mn-ea"/>
-                <a:cs typeface="+mn-cs"/>
-              </a:defRPr>
-            </a:lvl5pPr>
-            <a:lvl6pPr marL="2014600" indent="-228600" algn="l" defTabSz="457200" rtl="0" eaLnBrk="1" latinLnBrk="0" hangingPunct="1">
-              <a:spcBef>
-                <a:spcPct val="20000"/>
-              </a:spcBef>
-              <a:spcAft>
-                <a:spcPts val="600"/>
-              </a:spcAft>
-              <a:buClr>
-                <a:schemeClr val="tx2"/>
-              </a:buClr>
-              <a:buSzPct val="70000"/>
-              <a:buFont typeface="Wingdings 2" charset="2"/>
-              <a:buChar char=""/>
-              <a:defRPr sz="1400" kern="1200">
-                <a:ln>
-                  <a:solidFill>
-                    <a:schemeClr val="bg1">
-                      <a:lumMod val="75000"/>
-                      <a:lumOff val="25000"/>
-                      <a:alpha val="10000"/>
-                    </a:schemeClr>
-                  </a:solidFill>
-                </a:ln>
-                <a:solidFill>
-                  <a:schemeClr val="dk1"/>
-                </a:solidFill>
-                <a:effectLst>
-                  <a:outerShdw blurRad="9525" dist="25400" dir="14640000" algn="tl" rotWithShape="0">
-                    <a:schemeClr val="bg1">
-                      <a:alpha val="30000"/>
-                    </a:schemeClr>
-                  </a:outerShdw>
-                </a:effectLst>
-                <a:latin typeface="+mn-lt"/>
-                <a:ea typeface="+mn-ea"/>
-                <a:cs typeface="+mn-cs"/>
-              </a:defRPr>
-            </a:lvl6pPr>
-            <a:lvl7pPr marL="2401800" indent="-228600" algn="l" defTabSz="457200" rtl="0" eaLnBrk="1" latinLnBrk="0" hangingPunct="1">
-              <a:spcBef>
-                <a:spcPct val="20000"/>
-              </a:spcBef>
-              <a:spcAft>
-                <a:spcPts val="600"/>
-              </a:spcAft>
-              <a:buClr>
-                <a:schemeClr val="tx2"/>
-              </a:buClr>
-              <a:buSzPct val="70000"/>
-              <a:buFont typeface="Wingdings 2" charset="2"/>
-              <a:buChar char=""/>
-              <a:defRPr sz="1400" kern="1200">
-                <a:ln>
-                  <a:solidFill>
-                    <a:schemeClr val="bg1">
-                      <a:lumMod val="75000"/>
-                      <a:lumOff val="25000"/>
-                      <a:alpha val="10000"/>
-                    </a:schemeClr>
-                  </a:solidFill>
-                </a:ln>
-                <a:solidFill>
-                  <a:schemeClr val="dk1"/>
-                </a:solidFill>
-                <a:effectLst>
-                  <a:outerShdw blurRad="9525" dist="25400" dir="14640000" algn="tl" rotWithShape="0">
-                    <a:schemeClr val="bg1">
-                      <a:alpha val="30000"/>
-                    </a:schemeClr>
-                  </a:outerShdw>
-                </a:effectLst>
-                <a:latin typeface="+mn-lt"/>
-                <a:ea typeface="+mn-ea"/>
-                <a:cs typeface="+mn-cs"/>
-              </a:defRPr>
-            </a:lvl7pPr>
-            <a:lvl8pPr marL="2789000" indent="-228600" algn="l" defTabSz="457200" rtl="0" eaLnBrk="1" latinLnBrk="0" hangingPunct="1">
-              <a:spcBef>
-                <a:spcPct val="20000"/>
-              </a:spcBef>
-              <a:spcAft>
-                <a:spcPts val="600"/>
-              </a:spcAft>
-              <a:buClr>
-                <a:schemeClr val="tx2"/>
-              </a:buClr>
-              <a:buSzPct val="70000"/>
-              <a:buFont typeface="Wingdings 2" charset="2"/>
-              <a:buChar char=""/>
-              <a:defRPr sz="1400" kern="1200">
-                <a:ln>
-                  <a:solidFill>
-                    <a:schemeClr val="bg1">
-                      <a:lumMod val="75000"/>
-                      <a:lumOff val="25000"/>
-                      <a:alpha val="10000"/>
-                    </a:schemeClr>
-                  </a:solidFill>
-                </a:ln>
-                <a:solidFill>
-                  <a:schemeClr val="dk1"/>
-                </a:solidFill>
-                <a:effectLst>
-                  <a:outerShdw blurRad="9525" dist="25400" dir="14640000" algn="tl" rotWithShape="0">
-                    <a:schemeClr val="bg1">
-                      <a:alpha val="30000"/>
-                    </a:schemeClr>
-                  </a:outerShdw>
-                </a:effectLst>
-                <a:latin typeface="+mn-lt"/>
-                <a:ea typeface="+mn-ea"/>
-                <a:cs typeface="+mn-cs"/>
-              </a:defRPr>
-            </a:lvl8pPr>
-            <a:lvl9pPr marL="3106200" indent="-228600" algn="l" defTabSz="457200" rtl="0" eaLnBrk="1" latinLnBrk="0" hangingPunct="1">
-              <a:spcBef>
-                <a:spcPct val="20000"/>
-              </a:spcBef>
-              <a:spcAft>
-                <a:spcPts val="600"/>
-              </a:spcAft>
-              <a:buClr>
-                <a:schemeClr val="tx2"/>
-              </a:buClr>
-              <a:buSzPct val="70000"/>
-              <a:buFont typeface="Wingdings 2" charset="2"/>
-              <a:buChar char=""/>
-              <a:defRPr sz="1400" kern="1200">
-                <a:ln>
-                  <a:solidFill>
-                    <a:schemeClr val="bg1">
-                      <a:lumMod val="75000"/>
-                      <a:lumOff val="25000"/>
-                      <a:alpha val="10000"/>
-                    </a:schemeClr>
-                  </a:solidFill>
-                </a:ln>
-                <a:solidFill>
-                  <a:schemeClr val="dk1"/>
-                </a:solidFill>
-                <a:effectLst>
-                  <a:outerShdw blurRad="9525" dist="25400" dir="14640000" algn="tl" rotWithShape="0">
-                    <a:schemeClr val="bg1">
-                      <a:alpha val="30000"/>
-                    </a:schemeClr>
-                  </a:outerShdw>
-                </a:effectLst>
-                <a:latin typeface="+mn-lt"/>
-                <a:ea typeface="+mn-ea"/>
-                <a:cs typeface="+mn-cs"/>
-              </a:defRPr>
-            </a:lvl9pPr>
-          </a:lstStyle>
-          <a:p>
-            <a:pPr>
-              <a:buClr>
-                <a:srgbClr val="0070C0"/>
-              </a:buClr>
-            </a:pPr>
-            <a:r>
-              <a:rPr lang="en-GB" sz="1600" dirty="0"/>
-              <a:t>Time correspondence</a:t>
-            </a:r>
-          </a:p>
-          <a:p>
-            <a:pPr>
-              <a:buClr>
-                <a:srgbClr val="0070C0"/>
-              </a:buClr>
-            </a:pPr>
-            <a:r>
-              <a:rPr lang="en-GB" sz="1600" dirty="0"/>
-              <a:t>Character correspondence</a:t>
-            </a:r>
-            <a:endParaRPr lang="it-IT" sz="1600" dirty="0"/>
-          </a:p>
-        </p:txBody>
-      </p:sp>
-      <p:sp>
-        <p:nvSpPr>
-          <p:cNvPr id="10" name="Titolo 1">
-            <a:extLst>
-              <a:ext uri="{FF2B5EF4-FFF2-40B4-BE49-F238E27FC236}">
-                <a16:creationId xmlns:a16="http://schemas.microsoft.com/office/drawing/2014/main" id="{51F4341D-981A-46FF-807D-F1EBA2AF6169}"/>
-              </a:ext>
-            </a:extLst>
-          </p:cNvPr>
-          <p:cNvSpPr txBox="1">
-            <a:spLocks/>
-          </p:cNvSpPr>
-          <p:nvPr/>
-        </p:nvSpPr>
-        <p:spPr>
-          <a:xfrm>
-            <a:off x="1273389" y="3434363"/>
-            <a:ext cx="6589231" cy="840794"/>
+            <a:off x="1460494" y="379338"/>
+            <a:ext cx="6223011" cy="1172153"/>
           </a:xfrm>
           <a:prstGeom prst="rect">
             <a:avLst/>
@@ -11928,7 +11455,7 @@
         </p:spPr>
         <p:txBody>
           <a:bodyPr vert="horz" lIns="91440" tIns="45720" rIns="91440" bIns="45720" rtlCol="0" anchor="ctr">
-            <a:normAutofit fontScale="92500"/>
+            <a:normAutofit/>
           </a:bodyPr>
           <a:lstStyle>
             <a:lvl1pPr algn="ctr" defTabSz="457200" rtl="0" eaLnBrk="1" latinLnBrk="0" hangingPunct="1">
@@ -12020,17 +11547,17 @@
           </a:lstStyle>
           <a:p>
             <a:r>
-              <a:rPr lang="en-GB" dirty="0"/>
+              <a:rPr lang="en-GB" sz="3400"/>
               <a:t>Evaluation of the user’s activity</a:t>
             </a:r>
-            <a:endParaRPr lang="it-IT" dirty="0"/>
+            <a:endParaRPr lang="it-IT" sz="3400" dirty="0"/>
           </a:p>
         </p:txBody>
       </p:sp>
     </p:spTree>
     <p:extLst>
       <p:ext uri="{BB962C8B-B14F-4D97-AF65-F5344CB8AC3E}">
-        <p14:creationId xmlns:p14="http://schemas.microsoft.com/office/powerpoint/2010/main" val="363078884"/>
+        <p14:creationId xmlns:p14="http://schemas.microsoft.com/office/powerpoint/2010/main" val="2029677823"/>
       </p:ext>
     </p:extLst>
   </p:cSld>
@@ -12059,10 +11586,10 @@
       </p:grpSpPr>
       <p:sp>
         <p:nvSpPr>
-          <p:cNvPr id="2" name="Titolo 1">
+          <p:cNvPr id="3" name="Segnaposto contenuto 2">
             <a:extLst>
               <a:ext uri="{FF2B5EF4-FFF2-40B4-BE49-F238E27FC236}">
-                <a16:creationId xmlns:a16="http://schemas.microsoft.com/office/drawing/2014/main" id="{025C844F-95BA-4884-9767-BCFF926365F6}"/>
+                <a16:creationId xmlns:a16="http://schemas.microsoft.com/office/drawing/2014/main" id="{B9DEA841-EAC5-49BA-A9F1-19BECFC42848}"/>
               </a:ext>
             </a:extLst>
           </p:cNvPr>
@@ -12070,64 +11597,156 @@
             <a:spLocks noGrp="1"/>
           </p:cNvSpPr>
           <p:nvPr>
-            <p:ph type="title"/>
-          </p:nvPr>
-        </p:nvSpPr>
-        <p:spPr/>
+            <p:ph sz="half" idx="1"/>
+          </p:nvPr>
+        </p:nvSpPr>
+        <p:spPr>
+          <a:xfrm>
+            <a:off x="435114" y="1528008"/>
+            <a:ext cx="4136886" cy="4224609"/>
+          </a:xfrm>
+        </p:spPr>
         <p:txBody>
           <a:bodyPr>
             <a:normAutofit/>
           </a:bodyPr>
           <a:lstStyle/>
           <a:p>
-            <a:r>
-              <a:rPr lang="en-GB" dirty="0"/>
-              <a:t>Character correspondence</a:t>
-            </a:r>
-            <a:endParaRPr lang="it-IT" dirty="0"/>
-          </a:p>
-        </p:txBody>
-      </p:sp>
-      <p:sp>
-        <p:nvSpPr>
-          <p:cNvPr id="3" name="Segnaposto contenuto 2">
+            <a:pPr>
+              <a:buClr>
+                <a:schemeClr val="accent2">
+                  <a:lumMod val="75000"/>
+                </a:schemeClr>
+              </a:buClr>
+            </a:pPr>
+            <a:r>
+              <a:rPr lang="en-GB" sz="1800" dirty="0">
+                <a:solidFill>
+                  <a:schemeClr val="accent2">
+                    <a:lumMod val="75000"/>
+                  </a:schemeClr>
+                </a:solidFill>
+              </a:rPr>
+              <a:t>Extraction of features from the audio peak in every file</a:t>
+            </a:r>
+          </a:p>
+          <a:p>
+            <a:pPr marL="414000" lvl="1" indent="0">
+              <a:buNone/>
+            </a:pPr>
+            <a:r>
+              <a:rPr lang="en-GB" sz="1600" dirty="0"/>
+              <a:t>Three possible types of features:</a:t>
+            </a:r>
+          </a:p>
+          <a:p>
+            <a:pPr marL="699750" lvl="1" indent="-285750"/>
+            <a:r>
+              <a:rPr lang="en-GB" sz="1600" dirty="0"/>
+              <a:t> Normalized FFT of touch peak</a:t>
+            </a:r>
+          </a:p>
+          <a:p>
+            <a:pPr marL="699750" lvl="1" indent="-285750"/>
+            <a:r>
+              <a:rPr lang="en-GB" sz="1600" dirty="0"/>
+              <a:t>Normalized FFT of touch peak concatenated with the normalized        FFT of hit peak</a:t>
+            </a:r>
+          </a:p>
+          <a:p>
+            <a:pPr marL="699750" lvl="1" indent="-285750"/>
+            <a:r>
+              <a:rPr lang="en-GB" sz="1600" dirty="0"/>
+              <a:t>Spectrogram of the press peak</a:t>
+            </a:r>
+          </a:p>
+          <a:p>
+            <a:pPr>
+              <a:buClr>
+                <a:schemeClr val="accent2">
+                  <a:lumMod val="75000"/>
+                </a:schemeClr>
+              </a:buClr>
+            </a:pPr>
+            <a:r>
+              <a:rPr lang="en-GB" sz="1800" dirty="0">
+                <a:solidFill>
+                  <a:schemeClr val="accent2">
+                    <a:lumMod val="75000"/>
+                  </a:schemeClr>
+                </a:solidFill>
+              </a:rPr>
+              <a:t>Training </a:t>
+            </a:r>
+            <a:r>
+              <a:rPr lang="it-IT" sz="1800" dirty="0">
+                <a:solidFill>
+                  <a:schemeClr val="accent2">
+                    <a:lumMod val="75000"/>
+                  </a:schemeClr>
+                </a:solidFill>
+              </a:rPr>
+              <a:t>of a </a:t>
+            </a:r>
+            <a:r>
+              <a:rPr lang="it-IT" sz="1800" dirty="0" err="1">
+                <a:solidFill>
+                  <a:schemeClr val="accent2">
+                    <a:lumMod val="75000"/>
+                  </a:schemeClr>
+                </a:solidFill>
+              </a:rPr>
+              <a:t>neural</a:t>
+            </a:r>
+            <a:r>
+              <a:rPr lang="it-IT" sz="1800" dirty="0">
+                <a:solidFill>
+                  <a:schemeClr val="accent2">
+                    <a:lumMod val="75000"/>
+                  </a:schemeClr>
+                </a:solidFill>
+              </a:rPr>
+              <a:t> </a:t>
+            </a:r>
+            <a:r>
+              <a:rPr lang="it-IT" sz="1800" dirty="0">
+                <a:solidFill>
+                  <a:schemeClr val="accent2">
+                    <a:lumMod val="75000"/>
+                  </a:schemeClr>
+                </a:solidFill>
+                <a:effectLst/>
+              </a:rPr>
+              <a:t>network</a:t>
+            </a:r>
+          </a:p>
+          <a:p>
+            <a:pPr>
+              <a:buClr>
+                <a:schemeClr val="accent2">
+                  <a:lumMod val="75000"/>
+                </a:schemeClr>
+              </a:buClr>
+            </a:pPr>
+            <a:r>
+              <a:rPr lang="en-GB" sz="1800" dirty="0">
+                <a:solidFill>
+                  <a:schemeClr val="accent2">
+                    <a:lumMod val="75000"/>
+                  </a:schemeClr>
+                </a:solidFill>
+              </a:rPr>
+              <a:t>Classification of the audio peaks detected during the insertion of the password</a:t>
+            </a:r>
+          </a:p>
+        </p:txBody>
+      </p:sp>
+      <p:sp>
+        <p:nvSpPr>
+          <p:cNvPr id="7" name="Segnaposto piè di pagina 3">
             <a:extLst>
               <a:ext uri="{FF2B5EF4-FFF2-40B4-BE49-F238E27FC236}">
-                <a16:creationId xmlns:a16="http://schemas.microsoft.com/office/drawing/2014/main" id="{67B0525F-A23A-4FF6-AB33-512DDB06A27D}"/>
-              </a:ext>
-            </a:extLst>
-          </p:cNvPr>
-          <p:cNvSpPr>
-            <a:spLocks noGrp="1"/>
-          </p:cNvSpPr>
-          <p:nvPr>
-            <p:ph sz="half" idx="1"/>
-          </p:nvPr>
-        </p:nvSpPr>
-        <p:spPr>
-          <a:xfrm>
-            <a:off x="685347" y="2069429"/>
-            <a:ext cx="7765321" cy="3721770"/>
-          </a:xfrm>
-        </p:spPr>
-        <p:txBody>
-          <a:bodyPr/>
-          <a:lstStyle/>
-          <a:p>
-            <a:r>
-              <a:rPr lang="en-GB" dirty="0"/>
-              <a:t>Type of features</a:t>
-            </a:r>
-            <a:endParaRPr lang="it-IT" dirty="0"/>
-          </a:p>
-        </p:txBody>
-      </p:sp>
-      <p:sp>
-        <p:nvSpPr>
-          <p:cNvPr id="11" name="Segnaposto piè di pagina 3">
-            <a:extLst>
-              <a:ext uri="{FF2B5EF4-FFF2-40B4-BE49-F238E27FC236}">
-                <a16:creationId xmlns:a16="http://schemas.microsoft.com/office/drawing/2014/main" id="{FA8090EF-B010-46DD-97F8-51029F5641B9}"/>
+                <a16:creationId xmlns:a16="http://schemas.microsoft.com/office/drawing/2014/main" id="{D2BA0323-6697-4D4E-AF98-B077D3A7D2C1}"/>
               </a:ext>
             </a:extLst>
           </p:cNvPr>
@@ -12149,7 +11768,7 @@
           <a:lstStyle/>
           <a:p>
             <a:r>
-              <a:rPr lang="en-GB" sz="1100" dirty="0"/>
+              <a:rPr lang="en-GB" sz="1100"/>
               <a:t>Di Nardo Di Maio Raffaele</a:t>
             </a:r>
             <a:endParaRPr lang="it-IT" sz="1100" dirty="0"/>
@@ -12158,10 +11777,10 @@
       </p:sp>
       <p:sp>
         <p:nvSpPr>
-          <p:cNvPr id="12" name="Segnaposto numero diapositiva 4">
+          <p:cNvPr id="8" name="Segnaposto numero diapositiva 4">
             <a:extLst>
               <a:ext uri="{FF2B5EF4-FFF2-40B4-BE49-F238E27FC236}">
-                <a16:creationId xmlns:a16="http://schemas.microsoft.com/office/drawing/2014/main" id="{411A5088-7FBF-4671-96E2-488118F9A22C}"/>
+                <a16:creationId xmlns:a16="http://schemas.microsoft.com/office/drawing/2014/main" id="{6433DCEE-BFC2-40AF-8081-4EE6FFC15484}"/>
               </a:ext>
             </a:extLst>
           </p:cNvPr>
@@ -12192,10 +11811,10 @@
       </p:sp>
       <p:sp>
         <p:nvSpPr>
-          <p:cNvPr id="4" name="Segnaposto data 3">
+          <p:cNvPr id="2" name="Segnaposto data 1">
             <a:extLst>
               <a:ext uri="{FF2B5EF4-FFF2-40B4-BE49-F238E27FC236}">
-                <a16:creationId xmlns:a16="http://schemas.microsoft.com/office/drawing/2014/main" id="{3D2F6833-909F-48B3-A0D0-236C3D2E1761}"/>
+                <a16:creationId xmlns:a16="http://schemas.microsoft.com/office/drawing/2014/main" id="{3CB5AE9B-E727-4545-B738-6D4DBE6F3CE8}"/>
               </a:ext>
             </a:extLst>
           </p:cNvPr>
@@ -12218,10 +11837,118 @@
           </a:p>
         </p:txBody>
       </p:sp>
+      <p:pic>
+        <p:nvPicPr>
+          <p:cNvPr id="11" name="Immagine 10">
+            <a:extLst>
+              <a:ext uri="{FF2B5EF4-FFF2-40B4-BE49-F238E27FC236}">
+                <a16:creationId xmlns:a16="http://schemas.microsoft.com/office/drawing/2014/main" id="{78576DA8-3E34-473A-99CA-2BC2B4B655E9}"/>
+              </a:ext>
+            </a:extLst>
+          </p:cNvPr>
+          <p:cNvPicPr>
+            <a:picLocks noChangeAspect="1"/>
+          </p:cNvPicPr>
+          <p:nvPr/>
+        </p:nvPicPr>
+        <p:blipFill>
+          <a:blip r:embed="rId2">
+            <a:extLst>
+              <a:ext uri="{28A0092B-C50C-407E-A947-70E740481C1C}">
+                <a14:useLocalDpi xmlns:a14="http://schemas.microsoft.com/office/drawing/2010/main" val="0"/>
+              </a:ext>
+            </a:extLst>
+          </a:blip>
+          <a:stretch>
+            <a:fillRect/>
+          </a:stretch>
+        </p:blipFill>
+        <p:spPr>
+          <a:xfrm>
+            <a:off x="4676172" y="1647300"/>
+            <a:ext cx="4032714" cy="1457772"/>
+          </a:xfrm>
+          <a:prstGeom prst="rect">
+            <a:avLst/>
+          </a:prstGeom>
+        </p:spPr>
+      </p:pic>
+      <p:pic>
+        <p:nvPicPr>
+          <p:cNvPr id="13" name="Immagine 12" descr="Immagine che contiene testo, screenshot, elettronico, schermo&#10;&#10;Descrizione generata automaticamente">
+            <a:extLst>
+              <a:ext uri="{FF2B5EF4-FFF2-40B4-BE49-F238E27FC236}">
+                <a16:creationId xmlns:a16="http://schemas.microsoft.com/office/drawing/2014/main" id="{AE6D9915-3388-4319-B0BD-93646F0847AF}"/>
+              </a:ext>
+            </a:extLst>
+          </p:cNvPr>
+          <p:cNvPicPr>
+            <a:picLocks noChangeAspect="1"/>
+          </p:cNvPicPr>
+          <p:nvPr/>
+        </p:nvPicPr>
+        <p:blipFill>
+          <a:blip r:embed="rId3">
+            <a:extLst>
+              <a:ext uri="{28A0092B-C50C-407E-A947-70E740481C1C}">
+                <a14:useLocalDpi xmlns:a14="http://schemas.microsoft.com/office/drawing/2010/main" val="0"/>
+              </a:ext>
+            </a:extLst>
+          </a:blip>
+          <a:stretch>
+            <a:fillRect/>
+          </a:stretch>
+        </p:blipFill>
+        <p:spPr>
+          <a:xfrm>
+            <a:off x="5064781" y="3164756"/>
+            <a:ext cx="3255495" cy="2441621"/>
+          </a:xfrm>
+          <a:prstGeom prst="rect">
+            <a:avLst/>
+          </a:prstGeom>
+        </p:spPr>
+      </p:pic>
+      <p:sp>
+        <p:nvSpPr>
+          <p:cNvPr id="16" name="Titolo 1">
+            <a:extLst>
+              <a:ext uri="{FF2B5EF4-FFF2-40B4-BE49-F238E27FC236}">
+                <a16:creationId xmlns:a16="http://schemas.microsoft.com/office/drawing/2014/main" id="{B25310E7-D8F7-4431-8B66-AACF18CEAF4D}"/>
+              </a:ext>
+            </a:extLst>
+          </p:cNvPr>
+          <p:cNvSpPr>
+            <a:spLocks noGrp="1"/>
+          </p:cNvSpPr>
+          <p:nvPr>
+            <p:ph type="title"/>
+          </p:nvPr>
+        </p:nvSpPr>
+        <p:spPr>
+          <a:xfrm>
+            <a:off x="1460494" y="379338"/>
+            <a:ext cx="6223011" cy="1172153"/>
+          </a:xfrm>
+        </p:spPr>
+        <p:txBody>
+          <a:bodyPr>
+            <a:normAutofit/>
+          </a:bodyPr>
+          <a:lstStyle/>
+          <a:p>
+            <a:r>
+              <a:rPr lang="en-GB" sz="3400" dirty="0"/>
+              <a:t>Evaluation of the user’s activity</a:t>
+            </a:r>
+            <a:endParaRPr lang="it-IT" sz="3400" dirty="0"/>
+          </a:p>
+        </p:txBody>
+      </p:sp>
     </p:spTree>
     <p:extLst>
       <p:ext uri="{BB962C8B-B14F-4D97-AF65-F5344CB8AC3E}">
-        <p14:creationId xmlns:p14="http://schemas.microsoft.com/office/powerpoint/2010/main" val="2029677823"/>
+        <p14:creationId xmlns:p14="http://schemas.microsoft.com/office/powerpoint/2010/main" val="771963697"/>
       </p:ext>
     </p:extLst>
   </p:cSld>
@@ -12250,10 +11977,10 @@
       </p:grpSpPr>
       <p:sp>
         <p:nvSpPr>
-          <p:cNvPr id="3" name="Segnaposto contenuto 2">
+          <p:cNvPr id="2" name="Titolo 1">
             <a:extLst>
               <a:ext uri="{FF2B5EF4-FFF2-40B4-BE49-F238E27FC236}">
-                <a16:creationId xmlns:a16="http://schemas.microsoft.com/office/drawing/2014/main" id="{B9DEA841-EAC5-49BA-A9F1-19BECFC42848}"/>
+                <a16:creationId xmlns:a16="http://schemas.microsoft.com/office/drawing/2014/main" id="{4CBF770E-8C9F-46F0-97DF-E9F07AEB9C0A}"/>
               </a:ext>
             </a:extLst>
           </p:cNvPr>
@@ -12261,67 +11988,83 @@
             <a:spLocks noGrp="1"/>
           </p:cNvSpPr>
           <p:nvPr>
-            <p:ph sz="half" idx="1"/>
+            <p:ph type="title"/>
           </p:nvPr>
         </p:nvSpPr>
         <p:spPr>
           <a:xfrm>
-            <a:off x="685347" y="1503947"/>
-            <a:ext cx="3795373" cy="4287252"/>
+            <a:off x="1273390" y="307732"/>
+            <a:ext cx="6589231" cy="1172153"/>
           </a:xfrm>
         </p:spPr>
         <p:txBody>
-          <a:bodyPr/>
+          <a:bodyPr anchor="ctr">
+            <a:normAutofit/>
+          </a:bodyPr>
           <a:lstStyle/>
           <a:p>
-            <a:r>
-              <a:rPr lang="en-GB" dirty="0"/>
-              <a:t>Data Acquisition</a:t>
-            </a:r>
-            <a:endParaRPr lang="it-IT" dirty="0"/>
-          </a:p>
-        </p:txBody>
-      </p:sp>
-      <p:sp>
-        <p:nvSpPr>
-          <p:cNvPr id="4" name="Segnaposto contenuto 3">
+            <a:pPr>
+              <a:lnSpc>
+                <a:spcPct val="90000"/>
+              </a:lnSpc>
+            </a:pPr>
+            <a:r>
+              <a:rPr lang="en-GB" sz="3700" dirty="0"/>
+              <a:t>Communication </a:t>
+            </a:r>
+            <a:br>
+              <a:rPr lang="en-GB" sz="3700" dirty="0"/>
+            </a:br>
+            <a:r>
+              <a:rPr lang="en-GB" sz="3700" dirty="0"/>
+              <a:t>between client and server</a:t>
+            </a:r>
+            <a:endParaRPr lang="it-IT" sz="3700" dirty="0"/>
+          </a:p>
+        </p:txBody>
+      </p:sp>
+      <p:pic>
+        <p:nvPicPr>
+          <p:cNvPr id="8" name="Segnaposto contenuto 7">
             <a:extLst>
               <a:ext uri="{FF2B5EF4-FFF2-40B4-BE49-F238E27FC236}">
-                <a16:creationId xmlns:a16="http://schemas.microsoft.com/office/drawing/2014/main" id="{D72D4E39-ECCD-4C26-A060-78BAF8305A8F}"/>
+                <a16:creationId xmlns:a16="http://schemas.microsoft.com/office/drawing/2014/main" id="{07A63581-5609-4EAD-A173-31860D0E046A}"/>
               </a:ext>
             </a:extLst>
           </p:cNvPr>
-          <p:cNvSpPr>
-            <a:spLocks noGrp="1"/>
-          </p:cNvSpPr>
-          <p:nvPr>
-            <p:ph sz="half" idx="2"/>
-          </p:nvPr>
-        </p:nvSpPr>
+          <p:cNvPicPr>
+            <a:picLocks noGrp="1" noChangeAspect="1"/>
+          </p:cNvPicPr>
+          <p:nvPr>
+            <p:ph idx="1"/>
+          </p:nvPr>
+        </p:nvPicPr>
+        <p:blipFill>
+          <a:blip r:embed="rId2">
+            <a:extLst>
+              <a:ext uri="{28A0092B-C50C-407E-A947-70E740481C1C}">
+                <a14:useLocalDpi xmlns:a14="http://schemas.microsoft.com/office/drawing/2010/main" val="0"/>
+              </a:ext>
+            </a:extLst>
+          </a:blip>
+          <a:stretch>
+            <a:fillRect/>
+          </a:stretch>
+        </p:blipFill>
         <p:spPr>
           <a:xfrm>
-            <a:off x="4652169" y="1503947"/>
-            <a:ext cx="3798499" cy="4287253"/>
+            <a:off x="2043261" y="2256685"/>
+            <a:ext cx="5049485" cy="3219046"/>
           </a:xfrm>
+          <a:noFill/>
         </p:spPr>
-        <p:txBody>
-          <a:bodyPr/>
-          <a:lstStyle/>
-          <a:p>
-            <a:r>
-              <a:rPr lang="en-GB" dirty="0"/>
-              <a:t>Classification</a:t>
-            </a:r>
-            <a:endParaRPr lang="it-IT" dirty="0"/>
-          </a:p>
-        </p:txBody>
-      </p:sp>
-      <p:sp>
-        <p:nvSpPr>
-          <p:cNvPr id="7" name="Segnaposto piè di pagina 3">
+      </p:pic>
+      <p:sp>
+        <p:nvSpPr>
+          <p:cNvPr id="12" name="Segnaposto piè di pagina 3">
             <a:extLst>
               <a:ext uri="{FF2B5EF4-FFF2-40B4-BE49-F238E27FC236}">
-                <a16:creationId xmlns:a16="http://schemas.microsoft.com/office/drawing/2014/main" id="{D2BA0323-6697-4D4E-AF98-B077D3A7D2C1}"/>
+                <a16:creationId xmlns:a16="http://schemas.microsoft.com/office/drawing/2014/main" id="{BE532B4B-62C9-460A-A5CD-948DC87B638B}"/>
               </a:ext>
             </a:extLst>
           </p:cNvPr>
@@ -12352,10 +12095,10 @@
       </p:sp>
       <p:sp>
         <p:nvSpPr>
-          <p:cNvPr id="8" name="Segnaposto numero diapositiva 4">
+          <p:cNvPr id="14" name="Segnaposto numero diapositiva 4">
             <a:extLst>
               <a:ext uri="{FF2B5EF4-FFF2-40B4-BE49-F238E27FC236}">
-                <a16:creationId xmlns:a16="http://schemas.microsoft.com/office/drawing/2014/main" id="{6433DCEE-BFC2-40AF-8081-4EE6FFC15484}"/>
+                <a16:creationId xmlns:a16="http://schemas.microsoft.com/office/drawing/2014/main" id="{4427B06E-47BC-4289-B4DE-9CC783C04313}"/>
               </a:ext>
             </a:extLst>
           </p:cNvPr>
@@ -12386,10 +12129,10 @@
       </p:sp>
       <p:sp>
         <p:nvSpPr>
-          <p:cNvPr id="2" name="Segnaposto data 1">
+          <p:cNvPr id="3" name="Segnaposto data 2">
             <a:extLst>
               <a:ext uri="{FF2B5EF4-FFF2-40B4-BE49-F238E27FC236}">
-                <a16:creationId xmlns:a16="http://schemas.microsoft.com/office/drawing/2014/main" id="{3CB5AE9B-E727-4545-B738-6D4DBE6F3CE8}"/>
+                <a16:creationId xmlns:a16="http://schemas.microsoft.com/office/drawing/2014/main" id="{E49124B1-5512-428A-9266-8FF4A6102B15}"/>
               </a:ext>
             </a:extLst>
           </p:cNvPr>
@@ -12412,10 +12155,433 @@
           </a:p>
         </p:txBody>
       </p:sp>
+      <p:sp>
+        <p:nvSpPr>
+          <p:cNvPr id="7" name="Segnaposto contenuto 2">
+            <a:extLst>
+              <a:ext uri="{FF2B5EF4-FFF2-40B4-BE49-F238E27FC236}">
+                <a16:creationId xmlns:a16="http://schemas.microsoft.com/office/drawing/2014/main" id="{9028A6D8-24F6-4DB3-BB26-A6924320AB8E}"/>
+              </a:ext>
+            </a:extLst>
+          </p:cNvPr>
+          <p:cNvSpPr txBox="1">
+            <a:spLocks/>
+          </p:cNvSpPr>
+          <p:nvPr/>
+        </p:nvSpPr>
+        <p:spPr>
+          <a:xfrm>
+            <a:off x="2983674" y="1479885"/>
+            <a:ext cx="3168661" cy="776800"/>
+          </a:xfrm>
+          <a:prstGeom prst="rect">
+            <a:avLst/>
+          </a:prstGeom>
+          <a:effectLst>
+            <a:outerShdw blurRad="25400" dir="17880000">
+              <a:srgbClr val="000000">
+                <a:alpha val="46000"/>
+              </a:srgbClr>
+            </a:outerShdw>
+          </a:effectLst>
+        </p:spPr>
+        <p:txBody>
+          <a:bodyPr vert="horz" lIns="91440" tIns="45720" rIns="91440" bIns="45720" rtlCol="0" anchor="t">
+            <a:normAutofit/>
+          </a:bodyPr>
+          <a:lstStyle>
+            <a:lvl1pPr marL="342900" indent="-306000" algn="l" defTabSz="457200" rtl="0" eaLnBrk="1" latinLnBrk="0" hangingPunct="1">
+              <a:spcBef>
+                <a:spcPct val="20000"/>
+              </a:spcBef>
+              <a:spcAft>
+                <a:spcPts val="600"/>
+              </a:spcAft>
+              <a:buClr>
+                <a:schemeClr val="tx2"/>
+              </a:buClr>
+              <a:buSzPct val="70000"/>
+              <a:buFont typeface="Wingdings 2" charset="2"/>
+              <a:buChar char=""/>
+              <a:defRPr sz="2000" kern="1200">
+                <a:ln>
+                  <a:solidFill>
+                    <a:schemeClr val="bg1">
+                      <a:lumMod val="75000"/>
+                      <a:lumOff val="25000"/>
+                      <a:alpha val="10000"/>
+                    </a:schemeClr>
+                  </a:solidFill>
+                </a:ln>
+                <a:solidFill>
+                  <a:schemeClr val="tx2"/>
+                </a:solidFill>
+                <a:effectLst>
+                  <a:outerShdw blurRad="9525" dist="25400" dir="14640000" algn="tl" rotWithShape="0">
+                    <a:schemeClr val="bg1">
+                      <a:alpha val="30000"/>
+                    </a:schemeClr>
+                  </a:outerShdw>
+                </a:effectLst>
+                <a:latin typeface="+mn-lt"/>
+                <a:ea typeface="+mn-ea"/>
+                <a:cs typeface="+mn-cs"/>
+              </a:defRPr>
+            </a:lvl1pPr>
+            <a:lvl2pPr marL="720000" indent="-270000" algn="l" defTabSz="457200" rtl="0" eaLnBrk="1" latinLnBrk="0" hangingPunct="1">
+              <a:spcBef>
+                <a:spcPct val="20000"/>
+              </a:spcBef>
+              <a:spcAft>
+                <a:spcPts val="600"/>
+              </a:spcAft>
+              <a:buClr>
+                <a:schemeClr val="tx2"/>
+              </a:buClr>
+              <a:buSzPct val="70000"/>
+              <a:buFont typeface="Wingdings 2" charset="2"/>
+              <a:buChar char=""/>
+              <a:defRPr sz="1800" kern="1200">
+                <a:ln>
+                  <a:solidFill>
+                    <a:schemeClr val="bg1">
+                      <a:lumMod val="75000"/>
+                      <a:lumOff val="25000"/>
+                      <a:alpha val="10000"/>
+                    </a:schemeClr>
+                  </a:solidFill>
+                </a:ln>
+                <a:solidFill>
+                  <a:schemeClr val="tx2"/>
+                </a:solidFill>
+                <a:effectLst>
+                  <a:outerShdw blurRad="9525" dist="25400" dir="14640000" algn="tl" rotWithShape="0">
+                    <a:schemeClr val="bg1">
+                      <a:alpha val="30000"/>
+                    </a:schemeClr>
+                  </a:outerShdw>
+                </a:effectLst>
+                <a:latin typeface="+mn-lt"/>
+                <a:ea typeface="+mn-ea"/>
+                <a:cs typeface="+mn-cs"/>
+              </a:defRPr>
+            </a:lvl2pPr>
+            <a:lvl3pPr marL="1026000" indent="-216000" algn="l" defTabSz="457200" rtl="0" eaLnBrk="1" latinLnBrk="0" hangingPunct="1">
+              <a:spcBef>
+                <a:spcPct val="20000"/>
+              </a:spcBef>
+              <a:spcAft>
+                <a:spcPts val="600"/>
+              </a:spcAft>
+              <a:buClr>
+                <a:schemeClr val="tx2"/>
+              </a:buClr>
+              <a:buSzPct val="70000"/>
+              <a:buFont typeface="Wingdings 2" charset="2"/>
+              <a:buChar char=""/>
+              <a:defRPr sz="1600" kern="1200">
+                <a:ln>
+                  <a:solidFill>
+                    <a:schemeClr val="bg1">
+                      <a:lumMod val="75000"/>
+                      <a:lumOff val="25000"/>
+                      <a:alpha val="10000"/>
+                    </a:schemeClr>
+                  </a:solidFill>
+                </a:ln>
+                <a:solidFill>
+                  <a:schemeClr val="tx2"/>
+                </a:solidFill>
+                <a:effectLst>
+                  <a:outerShdw blurRad="9525" dist="25400" dir="14640000" algn="tl" rotWithShape="0">
+                    <a:schemeClr val="bg1">
+                      <a:alpha val="30000"/>
+                    </a:schemeClr>
+                  </a:outerShdw>
+                </a:effectLst>
+                <a:latin typeface="+mn-lt"/>
+                <a:ea typeface="+mn-ea"/>
+                <a:cs typeface="+mn-cs"/>
+              </a:defRPr>
+            </a:lvl3pPr>
+            <a:lvl4pPr marL="1386000" indent="-216000" algn="l" defTabSz="457200" rtl="0" eaLnBrk="1" latinLnBrk="0" hangingPunct="1">
+              <a:spcBef>
+                <a:spcPct val="20000"/>
+              </a:spcBef>
+              <a:spcAft>
+                <a:spcPts val="600"/>
+              </a:spcAft>
+              <a:buClr>
+                <a:schemeClr val="tx2"/>
+              </a:buClr>
+              <a:buSzPct val="70000"/>
+              <a:buFont typeface="Wingdings 2" charset="2"/>
+              <a:buChar char=""/>
+              <a:defRPr sz="1400" kern="1200">
+                <a:ln>
+                  <a:solidFill>
+                    <a:schemeClr val="bg1">
+                      <a:lumMod val="75000"/>
+                      <a:lumOff val="25000"/>
+                      <a:alpha val="10000"/>
+                    </a:schemeClr>
+                  </a:solidFill>
+                </a:ln>
+                <a:solidFill>
+                  <a:schemeClr val="tx2"/>
+                </a:solidFill>
+                <a:effectLst>
+                  <a:outerShdw blurRad="9525" dist="25400" dir="14640000" algn="tl" rotWithShape="0">
+                    <a:schemeClr val="bg1">
+                      <a:alpha val="30000"/>
+                    </a:schemeClr>
+                  </a:outerShdw>
+                </a:effectLst>
+                <a:latin typeface="+mn-lt"/>
+                <a:ea typeface="+mn-ea"/>
+                <a:cs typeface="+mn-cs"/>
+              </a:defRPr>
+            </a:lvl4pPr>
+            <a:lvl5pPr marL="1674000" indent="-216000" algn="l" defTabSz="457200" rtl="0" eaLnBrk="1" latinLnBrk="0" hangingPunct="1">
+              <a:spcBef>
+                <a:spcPct val="20000"/>
+              </a:spcBef>
+              <a:spcAft>
+                <a:spcPts val="600"/>
+              </a:spcAft>
+              <a:buClr>
+                <a:schemeClr val="tx2"/>
+              </a:buClr>
+              <a:buSzPct val="70000"/>
+              <a:buFont typeface="Wingdings 2" charset="2"/>
+              <a:buChar char=""/>
+              <a:defRPr sz="1400" kern="1200">
+                <a:ln>
+                  <a:solidFill>
+                    <a:schemeClr val="bg1">
+                      <a:lumMod val="75000"/>
+                      <a:lumOff val="25000"/>
+                      <a:alpha val="10000"/>
+                    </a:schemeClr>
+                  </a:solidFill>
+                </a:ln>
+                <a:solidFill>
+                  <a:schemeClr val="tx2"/>
+                </a:solidFill>
+                <a:effectLst>
+                  <a:outerShdw blurRad="9525" dist="25400" dir="14640000" algn="tl" rotWithShape="0">
+                    <a:schemeClr val="bg1">
+                      <a:alpha val="30000"/>
+                    </a:schemeClr>
+                  </a:outerShdw>
+                </a:effectLst>
+                <a:latin typeface="+mn-lt"/>
+                <a:ea typeface="+mn-ea"/>
+                <a:cs typeface="+mn-cs"/>
+              </a:defRPr>
+            </a:lvl5pPr>
+            <a:lvl6pPr marL="2014600" indent="-228600" algn="l" defTabSz="457200" rtl="0" eaLnBrk="1" latinLnBrk="0" hangingPunct="1">
+              <a:spcBef>
+                <a:spcPct val="20000"/>
+              </a:spcBef>
+              <a:spcAft>
+                <a:spcPts val="600"/>
+              </a:spcAft>
+              <a:buClr>
+                <a:schemeClr val="tx2"/>
+              </a:buClr>
+              <a:buSzPct val="70000"/>
+              <a:buFont typeface="Wingdings 2" charset="2"/>
+              <a:buChar char=""/>
+              <a:defRPr sz="1400" kern="1200">
+                <a:ln>
+                  <a:solidFill>
+                    <a:schemeClr val="bg1">
+                      <a:lumMod val="75000"/>
+                      <a:lumOff val="25000"/>
+                      <a:alpha val="10000"/>
+                    </a:schemeClr>
+                  </a:solidFill>
+                </a:ln>
+                <a:solidFill>
+                  <a:schemeClr val="tx2"/>
+                </a:solidFill>
+                <a:effectLst>
+                  <a:outerShdw blurRad="9525" dist="25400" dir="14640000" algn="tl" rotWithShape="0">
+                    <a:schemeClr val="bg1">
+                      <a:alpha val="30000"/>
+                    </a:schemeClr>
+                  </a:outerShdw>
+                </a:effectLst>
+                <a:latin typeface="+mn-lt"/>
+                <a:ea typeface="+mn-ea"/>
+                <a:cs typeface="+mn-cs"/>
+              </a:defRPr>
+            </a:lvl6pPr>
+            <a:lvl7pPr marL="2401800" indent="-228600" algn="l" defTabSz="457200" rtl="0" eaLnBrk="1" latinLnBrk="0" hangingPunct="1">
+              <a:spcBef>
+                <a:spcPct val="20000"/>
+              </a:spcBef>
+              <a:spcAft>
+                <a:spcPts val="600"/>
+              </a:spcAft>
+              <a:buClr>
+                <a:schemeClr val="tx2"/>
+              </a:buClr>
+              <a:buSzPct val="70000"/>
+              <a:buFont typeface="Wingdings 2" charset="2"/>
+              <a:buChar char=""/>
+              <a:defRPr sz="1400" kern="1200">
+                <a:ln>
+                  <a:solidFill>
+                    <a:schemeClr val="bg1">
+                      <a:lumMod val="75000"/>
+                      <a:lumOff val="25000"/>
+                      <a:alpha val="10000"/>
+                    </a:schemeClr>
+                  </a:solidFill>
+                </a:ln>
+                <a:solidFill>
+                  <a:schemeClr val="tx2"/>
+                </a:solidFill>
+                <a:effectLst>
+                  <a:outerShdw blurRad="9525" dist="25400" dir="14640000" algn="tl" rotWithShape="0">
+                    <a:schemeClr val="bg1">
+                      <a:alpha val="30000"/>
+                    </a:schemeClr>
+                  </a:outerShdw>
+                </a:effectLst>
+                <a:latin typeface="+mn-lt"/>
+                <a:ea typeface="+mn-ea"/>
+                <a:cs typeface="+mn-cs"/>
+              </a:defRPr>
+            </a:lvl7pPr>
+            <a:lvl8pPr marL="2789000" indent="-228600" algn="l" defTabSz="457200" rtl="0" eaLnBrk="1" latinLnBrk="0" hangingPunct="1">
+              <a:spcBef>
+                <a:spcPct val="20000"/>
+              </a:spcBef>
+              <a:spcAft>
+                <a:spcPts val="600"/>
+              </a:spcAft>
+              <a:buClr>
+                <a:schemeClr val="tx2"/>
+              </a:buClr>
+              <a:buSzPct val="70000"/>
+              <a:buFont typeface="Wingdings 2" charset="2"/>
+              <a:buChar char=""/>
+              <a:defRPr sz="1400" kern="1200">
+                <a:ln>
+                  <a:solidFill>
+                    <a:schemeClr val="bg1">
+                      <a:lumMod val="75000"/>
+                      <a:lumOff val="25000"/>
+                      <a:alpha val="10000"/>
+                    </a:schemeClr>
+                  </a:solidFill>
+                </a:ln>
+                <a:solidFill>
+                  <a:schemeClr val="tx2"/>
+                </a:solidFill>
+                <a:effectLst>
+                  <a:outerShdw blurRad="9525" dist="25400" dir="14640000" algn="tl" rotWithShape="0">
+                    <a:schemeClr val="bg1">
+                      <a:alpha val="30000"/>
+                    </a:schemeClr>
+                  </a:outerShdw>
+                </a:effectLst>
+                <a:latin typeface="+mn-lt"/>
+                <a:ea typeface="+mn-ea"/>
+                <a:cs typeface="+mn-cs"/>
+              </a:defRPr>
+            </a:lvl8pPr>
+            <a:lvl9pPr marL="3106200" indent="-228600" algn="l" defTabSz="457200" rtl="0" eaLnBrk="1" latinLnBrk="0" hangingPunct="1">
+              <a:spcBef>
+                <a:spcPct val="20000"/>
+              </a:spcBef>
+              <a:spcAft>
+                <a:spcPts val="600"/>
+              </a:spcAft>
+              <a:buClr>
+                <a:schemeClr val="tx2"/>
+              </a:buClr>
+              <a:buSzPct val="70000"/>
+              <a:buFont typeface="Wingdings 2" charset="2"/>
+              <a:buChar char=""/>
+              <a:defRPr sz="1400" kern="1200">
+                <a:ln>
+                  <a:solidFill>
+                    <a:schemeClr val="bg1">
+                      <a:lumMod val="75000"/>
+                      <a:lumOff val="25000"/>
+                      <a:alpha val="10000"/>
+                    </a:schemeClr>
+                  </a:solidFill>
+                </a:ln>
+                <a:solidFill>
+                  <a:schemeClr val="tx2"/>
+                </a:solidFill>
+                <a:effectLst>
+                  <a:outerShdw blurRad="9525" dist="25400" dir="14640000" algn="tl" rotWithShape="0">
+                    <a:schemeClr val="bg1">
+                      <a:alpha val="30000"/>
+                    </a:schemeClr>
+                  </a:outerShdw>
+                </a:effectLst>
+                <a:latin typeface="+mn-lt"/>
+                <a:ea typeface="+mn-ea"/>
+                <a:cs typeface="+mn-cs"/>
+              </a:defRPr>
+            </a:lvl9pPr>
+          </a:lstStyle>
+          <a:p>
+            <a:pPr>
+              <a:buClr>
+                <a:schemeClr val="accent2">
+                  <a:lumMod val="75000"/>
+                </a:schemeClr>
+              </a:buClr>
+            </a:pPr>
+            <a:r>
+              <a:rPr lang="en-GB" sz="1600" b="1" dirty="0"/>
+              <a:t>m:</a:t>
+            </a:r>
+            <a:r>
+              <a:rPr lang="en-GB" sz="1600" dirty="0"/>
+              <a:t> user’s evaluation response</a:t>
+            </a:r>
+          </a:p>
+          <a:p>
+            <a:pPr>
+              <a:buClr>
+                <a:schemeClr val="accent2">
+                  <a:lumMod val="75000"/>
+                </a:schemeClr>
+              </a:buClr>
+            </a:pPr>
+            <a:r>
+              <a:rPr lang="it-IT" sz="1600" b="1" dirty="0"/>
+              <a:t>n</a:t>
+            </a:r>
+            <a:r>
+              <a:rPr lang="it-IT" sz="1400" b="1" dirty="0"/>
+              <a:t>:</a:t>
+            </a:r>
+            <a:r>
+              <a:rPr lang="it-IT" sz="1600" dirty="0"/>
+              <a:t> </a:t>
+            </a:r>
+            <a:r>
+              <a:rPr lang="it-IT" sz="1600" dirty="0" err="1"/>
+              <a:t>nonce</a:t>
+            </a:r>
+            <a:endParaRPr lang="it-IT" sz="1600" dirty="0"/>
+          </a:p>
+        </p:txBody>
+      </p:sp>
     </p:spTree>
     <p:extLst>
       <p:ext uri="{BB962C8B-B14F-4D97-AF65-F5344CB8AC3E}">
-        <p14:creationId xmlns:p14="http://schemas.microsoft.com/office/powerpoint/2010/main" val="771963697"/>
+        <p14:creationId xmlns:p14="http://schemas.microsoft.com/office/powerpoint/2010/main" val="1559634028"/>
       </p:ext>
     </p:extLst>
   </p:cSld>
@@ -12447,7 +12613,7 @@
           <p:cNvPr id="2" name="Titolo 1">
             <a:extLst>
               <a:ext uri="{FF2B5EF4-FFF2-40B4-BE49-F238E27FC236}">
-                <a16:creationId xmlns:a16="http://schemas.microsoft.com/office/drawing/2014/main" id="{4CBF770E-8C9F-46F0-97DF-E9F07AEB9C0A}"/>
+                <a16:creationId xmlns:a16="http://schemas.microsoft.com/office/drawing/2014/main" id="{8BC4D82F-1869-4B47-A6C3-9F3785585E51}"/>
               </a:ext>
             </a:extLst>
           </p:cNvPr>
@@ -12460,51 +12626,674 @@
         </p:nvSpPr>
         <p:spPr>
           <a:xfrm>
-            <a:off x="1227221" y="873214"/>
+            <a:off x="1277382" y="363088"/>
             <a:ext cx="6589231" cy="1172153"/>
           </a:xfrm>
         </p:spPr>
         <p:txBody>
-          <a:bodyPr anchor="ctr">
+          <a:bodyPr/>
+          <a:lstStyle/>
+          <a:p>
+            <a:r>
+              <a:rPr lang="en-GB" dirty="0"/>
+              <a:t>Bot detection</a:t>
+            </a:r>
+            <a:endParaRPr lang="it-IT" dirty="0"/>
+          </a:p>
+        </p:txBody>
+      </p:sp>
+      <p:sp>
+        <p:nvSpPr>
+          <p:cNvPr id="3" name="Segnaposto contenuto 2">
+            <a:extLst>
+              <a:ext uri="{FF2B5EF4-FFF2-40B4-BE49-F238E27FC236}">
+                <a16:creationId xmlns:a16="http://schemas.microsoft.com/office/drawing/2014/main" id="{3FDFE650-6B67-475D-BA84-620FC14C13A9}"/>
+              </a:ext>
+            </a:extLst>
+          </p:cNvPr>
+          <p:cNvSpPr>
+            <a:spLocks noGrp="1"/>
+          </p:cNvSpPr>
+          <p:nvPr>
+            <p:ph sz="half" idx="1"/>
+          </p:nvPr>
+        </p:nvSpPr>
+        <p:spPr>
+          <a:xfrm>
+            <a:off x="776626" y="2416674"/>
+            <a:ext cx="3795373" cy="1012325"/>
+          </a:xfrm>
+        </p:spPr>
+        <p:txBody>
+          <a:bodyPr>
             <a:normAutofit/>
           </a:bodyPr>
           <a:lstStyle/>
           <a:p>
             <a:pPr>
-              <a:lnSpc>
-                <a:spcPct val="90000"/>
-              </a:lnSpc>
+              <a:buClr>
+                <a:schemeClr val="accent2">
+                  <a:lumMod val="75000"/>
+                </a:schemeClr>
+              </a:buClr>
             </a:pPr>
             <a:r>
-              <a:rPr lang="en-GB" sz="3700" dirty="0"/>
-              <a:t>Communication </a:t>
-            </a:r>
-            <a:br>
-              <a:rPr lang="en-GB" sz="3700" dirty="0"/>
-            </a:br>
-            <a:r>
-              <a:rPr lang="en-GB" sz="3700" dirty="0"/>
-              <a:t>between client and server</a:t>
-            </a:r>
-            <a:endParaRPr lang="it-IT" sz="3700" dirty="0"/>
+              <a:rPr lang="en-GB" sz="1600" dirty="0">
+                <a:solidFill>
+                  <a:schemeClr val="accent2">
+                    <a:lumMod val="75000"/>
+                  </a:schemeClr>
+                </a:solidFill>
+              </a:rPr>
+              <a:t>Low noise during noise evaluation</a:t>
+            </a:r>
+          </a:p>
+          <a:p>
+            <a:pPr marL="414000" lvl="1" indent="0">
+              <a:buClr>
+                <a:schemeClr val="accent2">
+                  <a:lumMod val="75000"/>
+                </a:schemeClr>
+              </a:buClr>
+              <a:buNone/>
+            </a:pPr>
+            <a:r>
+              <a:rPr lang="en-GB" sz="1400" dirty="0"/>
+              <a:t>some audio peaks are detected during the insertion of the password</a:t>
+            </a:r>
+          </a:p>
+        </p:txBody>
+      </p:sp>
+      <p:sp>
+        <p:nvSpPr>
+          <p:cNvPr id="4" name="Segnaposto contenuto 3">
+            <a:extLst>
+              <a:ext uri="{FF2B5EF4-FFF2-40B4-BE49-F238E27FC236}">
+                <a16:creationId xmlns:a16="http://schemas.microsoft.com/office/drawing/2014/main" id="{07764D0A-8D70-458F-9AB6-16DF3BE03095}"/>
+              </a:ext>
+            </a:extLst>
+          </p:cNvPr>
+          <p:cNvSpPr>
+            <a:spLocks noGrp="1"/>
+          </p:cNvSpPr>
+          <p:nvPr>
+            <p:ph sz="half" idx="2"/>
+          </p:nvPr>
+        </p:nvSpPr>
+        <p:spPr>
+          <a:xfrm>
+            <a:off x="4521836" y="2416674"/>
+            <a:ext cx="3798499" cy="1012325"/>
+          </a:xfrm>
+        </p:spPr>
+        <p:txBody>
+          <a:bodyPr>
+            <a:normAutofit/>
+          </a:bodyPr>
+          <a:lstStyle/>
+          <a:p>
+            <a:pPr>
+              <a:buClr>
+                <a:schemeClr val="accent2">
+                  <a:lumMod val="75000"/>
+                </a:schemeClr>
+              </a:buClr>
+            </a:pPr>
+            <a:r>
+              <a:rPr lang="en-GB" sz="1600" dirty="0">
+                <a:solidFill>
+                  <a:schemeClr val="accent2">
+                    <a:lumMod val="75000"/>
+                  </a:schemeClr>
+                </a:solidFill>
+              </a:rPr>
+              <a:t>High noise during noise evaluation</a:t>
+            </a:r>
+          </a:p>
+          <a:p>
+            <a:pPr marL="414000" lvl="1" indent="0">
+              <a:buClr>
+                <a:schemeClr val="accent2">
+                  <a:lumMod val="75000"/>
+                </a:schemeClr>
+              </a:buClr>
+              <a:buNone/>
+            </a:pPr>
+            <a:r>
+              <a:rPr lang="en-GB" sz="1400" dirty="0"/>
+              <a:t>no audio peaks are detected during the insertion of the password</a:t>
+            </a:r>
+          </a:p>
+        </p:txBody>
+      </p:sp>
+      <p:sp>
+        <p:nvSpPr>
+          <p:cNvPr id="7" name="Segnaposto piè di pagina 3">
+            <a:extLst>
+              <a:ext uri="{FF2B5EF4-FFF2-40B4-BE49-F238E27FC236}">
+                <a16:creationId xmlns:a16="http://schemas.microsoft.com/office/drawing/2014/main" id="{8D9BAA77-6343-42F9-AE34-23C6B3ED04DF}"/>
+              </a:ext>
+            </a:extLst>
+          </p:cNvPr>
+          <p:cNvSpPr>
+            <a:spLocks noGrp="1"/>
+          </p:cNvSpPr>
+          <p:nvPr>
+            <p:ph type="ftr" sz="quarter" idx="11"/>
+          </p:nvPr>
+        </p:nvSpPr>
+        <p:spPr>
+          <a:xfrm>
+            <a:off x="435114" y="5883276"/>
+            <a:ext cx="5505114" cy="365125"/>
+          </a:xfrm>
+        </p:spPr>
+        <p:txBody>
+          <a:bodyPr/>
+          <a:lstStyle/>
+          <a:p>
+            <a:r>
+              <a:rPr lang="en-GB" sz="1100" dirty="0"/>
+              <a:t>Di Nardo Di Maio Raffaele</a:t>
+            </a:r>
+            <a:endParaRPr lang="it-IT" sz="1100" dirty="0"/>
+          </a:p>
+        </p:txBody>
+      </p:sp>
+      <p:sp>
+        <p:nvSpPr>
+          <p:cNvPr id="8" name="Segnaposto numero diapositiva 4">
+            <a:extLst>
+              <a:ext uri="{FF2B5EF4-FFF2-40B4-BE49-F238E27FC236}">
+                <a16:creationId xmlns:a16="http://schemas.microsoft.com/office/drawing/2014/main" id="{1771D739-BB27-4602-88AA-6AB5729AC561}"/>
+              </a:ext>
+            </a:extLst>
+          </p:cNvPr>
+          <p:cNvSpPr>
+            <a:spLocks noGrp="1"/>
+          </p:cNvSpPr>
+          <p:nvPr>
+            <p:ph type="sldNum" sz="quarter" idx="12"/>
+          </p:nvPr>
+        </p:nvSpPr>
+        <p:spPr>
+          <a:xfrm>
+            <a:off x="7885509" y="5883276"/>
+            <a:ext cx="565159" cy="365125"/>
+          </a:xfrm>
+        </p:spPr>
+        <p:txBody>
+          <a:bodyPr/>
+          <a:lstStyle/>
+          <a:p>
+            <a:fld id="{8DF98BA9-0B5D-48FD-8864-41A23C2934CC}" type="slidenum">
+              <a:rPr lang="it-IT" sz="1100" smtClean="0"/>
+              <a:t>7</a:t>
+            </a:fld>
+            <a:endParaRPr lang="it-IT" sz="1100"/>
+          </a:p>
+        </p:txBody>
+      </p:sp>
+      <p:sp>
+        <p:nvSpPr>
+          <p:cNvPr id="5" name="Segnaposto data 4">
+            <a:extLst>
+              <a:ext uri="{FF2B5EF4-FFF2-40B4-BE49-F238E27FC236}">
+                <a16:creationId xmlns:a16="http://schemas.microsoft.com/office/drawing/2014/main" id="{2F9F976B-D068-4DEA-9C18-0ECD5F7DE3B7}"/>
+              </a:ext>
+            </a:extLst>
+          </p:cNvPr>
+          <p:cNvSpPr>
+            <a:spLocks noGrp="1"/>
+          </p:cNvSpPr>
+          <p:nvPr>
+            <p:ph type="dt" sz="half" idx="10"/>
+          </p:nvPr>
+        </p:nvSpPr>
+        <p:spPr/>
+        <p:txBody>
+          <a:bodyPr/>
+          <a:lstStyle/>
+          <a:p>
+            <a:r>
+              <a:rPr lang="it-IT"/>
+              <a:t>03/01/2021</a:t>
+            </a:r>
+          </a:p>
+        </p:txBody>
+      </p:sp>
+      <p:sp>
+        <p:nvSpPr>
+          <p:cNvPr id="9" name="Segnaposto contenuto 2">
+            <a:extLst>
+              <a:ext uri="{FF2B5EF4-FFF2-40B4-BE49-F238E27FC236}">
+                <a16:creationId xmlns:a16="http://schemas.microsoft.com/office/drawing/2014/main" id="{C477303C-1007-4967-A890-9E8C38391A1E}"/>
+              </a:ext>
+            </a:extLst>
+          </p:cNvPr>
+          <p:cNvSpPr txBox="1">
+            <a:spLocks/>
+          </p:cNvSpPr>
+          <p:nvPr/>
+        </p:nvSpPr>
+        <p:spPr>
+          <a:xfrm>
+            <a:off x="1357662" y="1251492"/>
+            <a:ext cx="6428673" cy="1049013"/>
+          </a:xfrm>
+          <a:prstGeom prst="rect">
+            <a:avLst/>
+          </a:prstGeom>
+          <a:effectLst>
+            <a:outerShdw blurRad="25400" dir="17880000">
+              <a:srgbClr val="000000">
+                <a:alpha val="46000"/>
+              </a:srgbClr>
+            </a:outerShdw>
+          </a:effectLst>
+        </p:spPr>
+        <p:txBody>
+          <a:bodyPr vert="horz" lIns="91440" tIns="45720" rIns="91440" bIns="45720" rtlCol="0" anchor="t">
+            <a:normAutofit lnSpcReduction="10000"/>
+          </a:bodyPr>
+          <a:lstStyle>
+            <a:lvl1pPr marL="342900" indent="-306000" algn="l" defTabSz="457200" rtl="0" eaLnBrk="1" latinLnBrk="0" hangingPunct="1">
+              <a:spcBef>
+                <a:spcPct val="20000"/>
+              </a:spcBef>
+              <a:spcAft>
+                <a:spcPts val="600"/>
+              </a:spcAft>
+              <a:buClr>
+                <a:schemeClr val="tx2"/>
+              </a:buClr>
+              <a:buSzPct val="70000"/>
+              <a:buFont typeface="Wingdings 2" charset="2"/>
+              <a:buChar char=""/>
+              <a:defRPr sz="2000" kern="1200">
+                <a:ln>
+                  <a:solidFill>
+                    <a:schemeClr val="bg1">
+                      <a:lumMod val="75000"/>
+                      <a:lumOff val="25000"/>
+                      <a:alpha val="10000"/>
+                    </a:schemeClr>
+                  </a:solidFill>
+                </a:ln>
+                <a:solidFill>
+                  <a:schemeClr val="tx2"/>
+                </a:solidFill>
+                <a:effectLst>
+                  <a:outerShdw blurRad="9525" dist="25400" dir="14640000" algn="tl" rotWithShape="0">
+                    <a:schemeClr val="bg1">
+                      <a:alpha val="30000"/>
+                    </a:schemeClr>
+                  </a:outerShdw>
+                </a:effectLst>
+                <a:latin typeface="+mn-lt"/>
+                <a:ea typeface="+mn-ea"/>
+                <a:cs typeface="+mn-cs"/>
+              </a:defRPr>
+            </a:lvl1pPr>
+            <a:lvl2pPr marL="720000" indent="-270000" algn="l" defTabSz="457200" rtl="0" eaLnBrk="1" latinLnBrk="0" hangingPunct="1">
+              <a:spcBef>
+                <a:spcPct val="20000"/>
+              </a:spcBef>
+              <a:spcAft>
+                <a:spcPts val="600"/>
+              </a:spcAft>
+              <a:buClr>
+                <a:schemeClr val="tx2"/>
+              </a:buClr>
+              <a:buSzPct val="70000"/>
+              <a:buFont typeface="Wingdings 2" charset="2"/>
+              <a:buChar char=""/>
+              <a:defRPr sz="1800" kern="1200">
+                <a:ln>
+                  <a:solidFill>
+                    <a:schemeClr val="bg1">
+                      <a:lumMod val="75000"/>
+                      <a:lumOff val="25000"/>
+                      <a:alpha val="10000"/>
+                    </a:schemeClr>
+                  </a:solidFill>
+                </a:ln>
+                <a:solidFill>
+                  <a:schemeClr val="tx2"/>
+                </a:solidFill>
+                <a:effectLst>
+                  <a:outerShdw blurRad="9525" dist="25400" dir="14640000" algn="tl" rotWithShape="0">
+                    <a:schemeClr val="bg1">
+                      <a:alpha val="30000"/>
+                    </a:schemeClr>
+                  </a:outerShdw>
+                </a:effectLst>
+                <a:latin typeface="+mn-lt"/>
+                <a:ea typeface="+mn-ea"/>
+                <a:cs typeface="+mn-cs"/>
+              </a:defRPr>
+            </a:lvl2pPr>
+            <a:lvl3pPr marL="1026000" indent="-216000" algn="l" defTabSz="457200" rtl="0" eaLnBrk="1" latinLnBrk="0" hangingPunct="1">
+              <a:spcBef>
+                <a:spcPct val="20000"/>
+              </a:spcBef>
+              <a:spcAft>
+                <a:spcPts val="600"/>
+              </a:spcAft>
+              <a:buClr>
+                <a:schemeClr val="tx2"/>
+              </a:buClr>
+              <a:buSzPct val="70000"/>
+              <a:buFont typeface="Wingdings 2" charset="2"/>
+              <a:buChar char=""/>
+              <a:defRPr sz="1600" kern="1200">
+                <a:ln>
+                  <a:solidFill>
+                    <a:schemeClr val="bg1">
+                      <a:lumMod val="75000"/>
+                      <a:lumOff val="25000"/>
+                      <a:alpha val="10000"/>
+                    </a:schemeClr>
+                  </a:solidFill>
+                </a:ln>
+                <a:solidFill>
+                  <a:schemeClr val="tx2"/>
+                </a:solidFill>
+                <a:effectLst>
+                  <a:outerShdw blurRad="9525" dist="25400" dir="14640000" algn="tl" rotWithShape="0">
+                    <a:schemeClr val="bg1">
+                      <a:alpha val="30000"/>
+                    </a:schemeClr>
+                  </a:outerShdw>
+                </a:effectLst>
+                <a:latin typeface="+mn-lt"/>
+                <a:ea typeface="+mn-ea"/>
+                <a:cs typeface="+mn-cs"/>
+              </a:defRPr>
+            </a:lvl3pPr>
+            <a:lvl4pPr marL="1386000" indent="-216000" algn="l" defTabSz="457200" rtl="0" eaLnBrk="1" latinLnBrk="0" hangingPunct="1">
+              <a:spcBef>
+                <a:spcPct val="20000"/>
+              </a:spcBef>
+              <a:spcAft>
+                <a:spcPts val="600"/>
+              </a:spcAft>
+              <a:buClr>
+                <a:schemeClr val="tx2"/>
+              </a:buClr>
+              <a:buSzPct val="70000"/>
+              <a:buFont typeface="Wingdings 2" charset="2"/>
+              <a:buChar char=""/>
+              <a:defRPr sz="1400" kern="1200">
+                <a:ln>
+                  <a:solidFill>
+                    <a:schemeClr val="bg1">
+                      <a:lumMod val="75000"/>
+                      <a:lumOff val="25000"/>
+                      <a:alpha val="10000"/>
+                    </a:schemeClr>
+                  </a:solidFill>
+                </a:ln>
+                <a:solidFill>
+                  <a:schemeClr val="tx2"/>
+                </a:solidFill>
+                <a:effectLst>
+                  <a:outerShdw blurRad="9525" dist="25400" dir="14640000" algn="tl" rotWithShape="0">
+                    <a:schemeClr val="bg1">
+                      <a:alpha val="30000"/>
+                    </a:schemeClr>
+                  </a:outerShdw>
+                </a:effectLst>
+                <a:latin typeface="+mn-lt"/>
+                <a:ea typeface="+mn-ea"/>
+                <a:cs typeface="+mn-cs"/>
+              </a:defRPr>
+            </a:lvl4pPr>
+            <a:lvl5pPr marL="1674000" indent="-216000" algn="l" defTabSz="457200" rtl="0" eaLnBrk="1" latinLnBrk="0" hangingPunct="1">
+              <a:spcBef>
+                <a:spcPct val="20000"/>
+              </a:spcBef>
+              <a:spcAft>
+                <a:spcPts val="600"/>
+              </a:spcAft>
+              <a:buClr>
+                <a:schemeClr val="tx2"/>
+              </a:buClr>
+              <a:buSzPct val="70000"/>
+              <a:buFont typeface="Wingdings 2" charset="2"/>
+              <a:buChar char=""/>
+              <a:defRPr sz="1400" kern="1200">
+                <a:ln>
+                  <a:solidFill>
+                    <a:schemeClr val="bg1">
+                      <a:lumMod val="75000"/>
+                      <a:lumOff val="25000"/>
+                      <a:alpha val="10000"/>
+                    </a:schemeClr>
+                  </a:solidFill>
+                </a:ln>
+                <a:solidFill>
+                  <a:schemeClr val="tx2"/>
+                </a:solidFill>
+                <a:effectLst>
+                  <a:outerShdw blurRad="9525" dist="25400" dir="14640000" algn="tl" rotWithShape="0">
+                    <a:schemeClr val="bg1">
+                      <a:alpha val="30000"/>
+                    </a:schemeClr>
+                  </a:outerShdw>
+                </a:effectLst>
+                <a:latin typeface="+mn-lt"/>
+                <a:ea typeface="+mn-ea"/>
+                <a:cs typeface="+mn-cs"/>
+              </a:defRPr>
+            </a:lvl5pPr>
+            <a:lvl6pPr marL="2014600" indent="-228600" algn="l" defTabSz="457200" rtl="0" eaLnBrk="1" latinLnBrk="0" hangingPunct="1">
+              <a:spcBef>
+                <a:spcPct val="20000"/>
+              </a:spcBef>
+              <a:spcAft>
+                <a:spcPts val="600"/>
+              </a:spcAft>
+              <a:buClr>
+                <a:schemeClr val="tx2"/>
+              </a:buClr>
+              <a:buSzPct val="70000"/>
+              <a:buFont typeface="Wingdings 2" charset="2"/>
+              <a:buChar char=""/>
+              <a:defRPr sz="1400" kern="1200">
+                <a:ln>
+                  <a:solidFill>
+                    <a:schemeClr val="bg1">
+                      <a:lumMod val="75000"/>
+                      <a:lumOff val="25000"/>
+                      <a:alpha val="10000"/>
+                    </a:schemeClr>
+                  </a:solidFill>
+                </a:ln>
+                <a:solidFill>
+                  <a:schemeClr val="tx2"/>
+                </a:solidFill>
+                <a:effectLst>
+                  <a:outerShdw blurRad="9525" dist="25400" dir="14640000" algn="tl" rotWithShape="0">
+                    <a:schemeClr val="bg1">
+                      <a:alpha val="30000"/>
+                    </a:schemeClr>
+                  </a:outerShdw>
+                </a:effectLst>
+                <a:latin typeface="+mn-lt"/>
+                <a:ea typeface="+mn-ea"/>
+                <a:cs typeface="+mn-cs"/>
+              </a:defRPr>
+            </a:lvl6pPr>
+            <a:lvl7pPr marL="2401800" indent="-228600" algn="l" defTabSz="457200" rtl="0" eaLnBrk="1" latinLnBrk="0" hangingPunct="1">
+              <a:spcBef>
+                <a:spcPct val="20000"/>
+              </a:spcBef>
+              <a:spcAft>
+                <a:spcPts val="600"/>
+              </a:spcAft>
+              <a:buClr>
+                <a:schemeClr val="tx2"/>
+              </a:buClr>
+              <a:buSzPct val="70000"/>
+              <a:buFont typeface="Wingdings 2" charset="2"/>
+              <a:buChar char=""/>
+              <a:defRPr sz="1400" kern="1200">
+                <a:ln>
+                  <a:solidFill>
+                    <a:schemeClr val="bg1">
+                      <a:lumMod val="75000"/>
+                      <a:lumOff val="25000"/>
+                      <a:alpha val="10000"/>
+                    </a:schemeClr>
+                  </a:solidFill>
+                </a:ln>
+                <a:solidFill>
+                  <a:schemeClr val="tx2"/>
+                </a:solidFill>
+                <a:effectLst>
+                  <a:outerShdw blurRad="9525" dist="25400" dir="14640000" algn="tl" rotWithShape="0">
+                    <a:schemeClr val="bg1">
+                      <a:alpha val="30000"/>
+                    </a:schemeClr>
+                  </a:outerShdw>
+                </a:effectLst>
+                <a:latin typeface="+mn-lt"/>
+                <a:ea typeface="+mn-ea"/>
+                <a:cs typeface="+mn-cs"/>
+              </a:defRPr>
+            </a:lvl7pPr>
+            <a:lvl8pPr marL="2789000" indent="-228600" algn="l" defTabSz="457200" rtl="0" eaLnBrk="1" latinLnBrk="0" hangingPunct="1">
+              <a:spcBef>
+                <a:spcPct val="20000"/>
+              </a:spcBef>
+              <a:spcAft>
+                <a:spcPts val="600"/>
+              </a:spcAft>
+              <a:buClr>
+                <a:schemeClr val="tx2"/>
+              </a:buClr>
+              <a:buSzPct val="70000"/>
+              <a:buFont typeface="Wingdings 2" charset="2"/>
+              <a:buChar char=""/>
+              <a:defRPr sz="1400" kern="1200">
+                <a:ln>
+                  <a:solidFill>
+                    <a:schemeClr val="bg1">
+                      <a:lumMod val="75000"/>
+                      <a:lumOff val="25000"/>
+                      <a:alpha val="10000"/>
+                    </a:schemeClr>
+                  </a:solidFill>
+                </a:ln>
+                <a:solidFill>
+                  <a:schemeClr val="tx2"/>
+                </a:solidFill>
+                <a:effectLst>
+                  <a:outerShdw blurRad="9525" dist="25400" dir="14640000" algn="tl" rotWithShape="0">
+                    <a:schemeClr val="bg1">
+                      <a:alpha val="30000"/>
+                    </a:schemeClr>
+                  </a:outerShdw>
+                </a:effectLst>
+                <a:latin typeface="+mn-lt"/>
+                <a:ea typeface="+mn-ea"/>
+                <a:cs typeface="+mn-cs"/>
+              </a:defRPr>
+            </a:lvl8pPr>
+            <a:lvl9pPr marL="3106200" indent="-228600" algn="l" defTabSz="457200" rtl="0" eaLnBrk="1" latinLnBrk="0" hangingPunct="1">
+              <a:spcBef>
+                <a:spcPct val="20000"/>
+              </a:spcBef>
+              <a:spcAft>
+                <a:spcPts val="600"/>
+              </a:spcAft>
+              <a:buClr>
+                <a:schemeClr val="tx2"/>
+              </a:buClr>
+              <a:buSzPct val="70000"/>
+              <a:buFont typeface="Wingdings 2" charset="2"/>
+              <a:buChar char=""/>
+              <a:defRPr sz="1400" kern="1200">
+                <a:ln>
+                  <a:solidFill>
+                    <a:schemeClr val="bg1">
+                      <a:lumMod val="75000"/>
+                      <a:lumOff val="25000"/>
+                      <a:alpha val="10000"/>
+                    </a:schemeClr>
+                  </a:solidFill>
+                </a:ln>
+                <a:solidFill>
+                  <a:schemeClr val="tx2"/>
+                </a:solidFill>
+                <a:effectLst>
+                  <a:outerShdw blurRad="9525" dist="25400" dir="14640000" algn="tl" rotWithShape="0">
+                    <a:schemeClr val="bg1">
+                      <a:alpha val="30000"/>
+                    </a:schemeClr>
+                  </a:outerShdw>
+                </a:effectLst>
+                <a:latin typeface="+mn-lt"/>
+                <a:ea typeface="+mn-ea"/>
+                <a:cs typeface="+mn-cs"/>
+              </a:defRPr>
+            </a:lvl9pPr>
+          </a:lstStyle>
+          <a:p>
+            <a:pPr marL="36900" indent="0">
+              <a:buClr>
+                <a:schemeClr val="accent2">
+                  <a:lumMod val="75000"/>
+                </a:schemeClr>
+              </a:buClr>
+              <a:buNone/>
+            </a:pPr>
+            <a:r>
+              <a:rPr lang="en-GB" sz="1600" dirty="0"/>
+              <a:t>It was tested using a bot (implemented using Python) and Team Viewer.</a:t>
+            </a:r>
+          </a:p>
+          <a:p>
+            <a:pPr marL="36900" indent="0">
+              <a:buClr>
+                <a:schemeClr val="accent2">
+                  <a:lumMod val="75000"/>
+                </a:schemeClr>
+              </a:buClr>
+              <a:buNone/>
+            </a:pPr>
+            <a:endParaRPr lang="en-GB" sz="1600" dirty="0"/>
+          </a:p>
+          <a:p>
+            <a:pPr marL="36900" indent="0" algn="ctr">
+              <a:buClr>
+                <a:schemeClr val="accent2">
+                  <a:lumMod val="75000"/>
+                </a:schemeClr>
+              </a:buClr>
+              <a:buNone/>
+            </a:pPr>
+            <a:r>
+              <a:rPr lang="en-GB" sz="1600" dirty="0"/>
+              <a:t>Two possible scenarios:</a:t>
+            </a:r>
           </a:p>
         </p:txBody>
       </p:sp>
       <p:pic>
         <p:nvPicPr>
-          <p:cNvPr id="8" name="Segnaposto contenuto 7">
+          <p:cNvPr id="10" name="Immagine 9">
             <a:extLst>
               <a:ext uri="{FF2B5EF4-FFF2-40B4-BE49-F238E27FC236}">
-                <a16:creationId xmlns:a16="http://schemas.microsoft.com/office/drawing/2014/main" id="{07A63581-5609-4EAD-A173-31860D0E046A}"/>
+                <a16:creationId xmlns:a16="http://schemas.microsoft.com/office/drawing/2014/main" id="{535858E5-9A28-403A-998D-32C26F57C1BD}"/>
               </a:ext>
             </a:extLst>
           </p:cNvPr>
           <p:cNvPicPr>
-            <a:picLocks noGrp="1" noChangeAspect="1"/>
+            <a:picLocks noChangeAspect="1"/>
           </p:cNvPicPr>
-          <p:nvPr>
-            <p:ph idx="1"/>
-          </p:nvPr>
+          <p:nvPr/>
         </p:nvPicPr>
         <p:blipFill>
           <a:blip r:embed="rId2">
@@ -12520,112 +13309,54 @@
         </p:blipFill>
         <p:spPr>
           <a:xfrm>
-            <a:off x="1696154" y="2081461"/>
-            <a:ext cx="5743705" cy="3661612"/>
+            <a:off x="1055605" y="3137080"/>
+            <a:ext cx="3273327" cy="2454996"/>
           </a:xfrm>
-          <a:noFill/>
+          <a:prstGeom prst="rect">
+            <a:avLst/>
+          </a:prstGeom>
         </p:spPr>
       </p:pic>
-      <p:sp>
-        <p:nvSpPr>
-          <p:cNvPr id="12" name="Segnaposto piè di pagina 3">
+      <p:pic>
+        <p:nvPicPr>
+          <p:cNvPr id="12" name="Immagine 11">
             <a:extLst>
               <a:ext uri="{FF2B5EF4-FFF2-40B4-BE49-F238E27FC236}">
-                <a16:creationId xmlns:a16="http://schemas.microsoft.com/office/drawing/2014/main" id="{BE532B4B-62C9-460A-A5CD-948DC87B638B}"/>
+                <a16:creationId xmlns:a16="http://schemas.microsoft.com/office/drawing/2014/main" id="{030C9681-634B-48ED-A69A-0F889677C8A2}"/>
               </a:ext>
             </a:extLst>
           </p:cNvPr>
-          <p:cNvSpPr>
-            <a:spLocks noGrp="1"/>
-          </p:cNvSpPr>
-          <p:nvPr>
-            <p:ph type="ftr" sz="quarter" idx="11"/>
-          </p:nvPr>
-        </p:nvSpPr>
+          <p:cNvPicPr>
+            <a:picLocks noChangeAspect="1"/>
+          </p:cNvPicPr>
+          <p:nvPr/>
+        </p:nvPicPr>
+        <p:blipFill>
+          <a:blip r:embed="rId3">
+            <a:extLst>
+              <a:ext uri="{28A0092B-C50C-407E-A947-70E740481C1C}">
+                <a14:useLocalDpi xmlns:a14="http://schemas.microsoft.com/office/drawing/2010/main" val="0"/>
+              </a:ext>
+            </a:extLst>
+          </a:blip>
+          <a:stretch>
+            <a:fillRect/>
+          </a:stretch>
+        </p:blipFill>
         <p:spPr>
           <a:xfrm>
-            <a:off x="435114" y="5883276"/>
-            <a:ext cx="5505114" cy="365125"/>
+            <a:off x="4814796" y="3137080"/>
+            <a:ext cx="3273599" cy="2455200"/>
           </a:xfrm>
+          <a:prstGeom prst="rect">
+            <a:avLst/>
+          </a:prstGeom>
         </p:spPr>
-        <p:txBody>
-          <a:bodyPr/>
-          <a:lstStyle/>
-          <a:p>
-            <a:r>
-              <a:rPr lang="en-GB" sz="1100" dirty="0"/>
-              <a:t>Di Nardo Di Maio Raffaele</a:t>
-            </a:r>
-            <a:endParaRPr lang="it-IT" sz="1100" dirty="0"/>
-          </a:p>
-        </p:txBody>
-      </p:sp>
-      <p:sp>
-        <p:nvSpPr>
-          <p:cNvPr id="14" name="Segnaposto numero diapositiva 4">
-            <a:extLst>
-              <a:ext uri="{FF2B5EF4-FFF2-40B4-BE49-F238E27FC236}">
-                <a16:creationId xmlns:a16="http://schemas.microsoft.com/office/drawing/2014/main" id="{4427B06E-47BC-4289-B4DE-9CC783C04313}"/>
-              </a:ext>
-            </a:extLst>
-          </p:cNvPr>
-          <p:cNvSpPr>
-            <a:spLocks noGrp="1"/>
-          </p:cNvSpPr>
-          <p:nvPr>
-            <p:ph type="sldNum" sz="quarter" idx="12"/>
-          </p:nvPr>
-        </p:nvSpPr>
-        <p:spPr>
-          <a:xfrm>
-            <a:off x="7885509" y="5883276"/>
-            <a:ext cx="565159" cy="365125"/>
-          </a:xfrm>
-        </p:spPr>
-        <p:txBody>
-          <a:bodyPr/>
-          <a:lstStyle/>
-          <a:p>
-            <a:fld id="{8DF98BA9-0B5D-48FD-8864-41A23C2934CC}" type="slidenum">
-              <a:rPr lang="it-IT" sz="1100" smtClean="0"/>
-              <a:t>7</a:t>
-            </a:fld>
-            <a:endParaRPr lang="it-IT" sz="1100"/>
-          </a:p>
-        </p:txBody>
-      </p:sp>
-      <p:sp>
-        <p:nvSpPr>
-          <p:cNvPr id="3" name="Segnaposto data 2">
-            <a:extLst>
-              <a:ext uri="{FF2B5EF4-FFF2-40B4-BE49-F238E27FC236}">
-                <a16:creationId xmlns:a16="http://schemas.microsoft.com/office/drawing/2014/main" id="{E49124B1-5512-428A-9266-8FF4A6102B15}"/>
-              </a:ext>
-            </a:extLst>
-          </p:cNvPr>
-          <p:cNvSpPr>
-            <a:spLocks noGrp="1"/>
-          </p:cNvSpPr>
-          <p:nvPr>
-            <p:ph type="dt" sz="half" idx="10"/>
-          </p:nvPr>
-        </p:nvSpPr>
-        <p:spPr/>
-        <p:txBody>
-          <a:bodyPr/>
-          <a:lstStyle/>
-          <a:p>
-            <a:r>
-              <a:rPr lang="it-IT"/>
-              <a:t>03/01/2021</a:t>
-            </a:r>
-          </a:p>
-        </p:txBody>
-      </p:sp>
+      </p:pic>
     </p:spTree>
     <p:extLst>
       <p:ext uri="{BB962C8B-B14F-4D97-AF65-F5344CB8AC3E}">
-        <p14:creationId xmlns:p14="http://schemas.microsoft.com/office/powerpoint/2010/main" val="1559634028"/>
+        <p14:creationId xmlns:p14="http://schemas.microsoft.com/office/powerpoint/2010/main" val="2591824157"/>
       </p:ext>
     </p:extLst>
   </p:cSld>
@@ -12668,16 +13399,23 @@
             <p:ph type="title"/>
           </p:nvPr>
         </p:nvSpPr>
-        <p:spPr/>
-        <p:txBody>
-          <a:bodyPr/>
+        <p:spPr>
+          <a:xfrm>
+            <a:off x="435114" y="934823"/>
+            <a:ext cx="4136886" cy="839835"/>
+          </a:xfrm>
+        </p:spPr>
+        <p:txBody>
+          <a:bodyPr>
+            <a:normAutofit/>
+          </a:bodyPr>
           <a:lstStyle/>
           <a:p>
             <a:r>
-              <a:rPr lang="en-GB" dirty="0"/>
+              <a:rPr lang="en-GB" sz="2400" dirty="0"/>
               <a:t>Human detection</a:t>
             </a:r>
-            <a:endParaRPr lang="it-IT" dirty="0"/>
+            <a:endParaRPr lang="it-IT" sz="2400" dirty="0"/>
           </a:p>
         </p:txBody>
       </p:sp>
@@ -12697,44 +13435,67 @@
             <p:ph sz="half" idx="1"/>
           </p:nvPr>
         </p:nvSpPr>
-        <p:spPr/>
+        <p:spPr>
+          <a:xfrm>
+            <a:off x="605870" y="1664315"/>
+            <a:ext cx="3966130" cy="2919260"/>
+          </a:xfrm>
+        </p:spPr>
         <p:txBody>
           <a:bodyPr/>
           <a:lstStyle/>
           <a:p>
             <a:r>
-              <a:rPr lang="en-GB" dirty="0"/>
+              <a:rPr lang="en-GB" sz="1800" dirty="0">
+                <a:solidFill>
+                  <a:schemeClr val="accent2">
+                    <a:lumMod val="75000"/>
+                  </a:schemeClr>
+                </a:solidFill>
+              </a:rPr>
               <a:t>Results</a:t>
             </a:r>
-            <a:endParaRPr lang="it-IT" dirty="0"/>
-          </a:p>
-        </p:txBody>
-      </p:sp>
-      <p:sp>
-        <p:nvSpPr>
-          <p:cNvPr id="4" name="Segnaposto contenuto 3">
-            <a:extLst>
-              <a:ext uri="{FF2B5EF4-FFF2-40B4-BE49-F238E27FC236}">
-                <a16:creationId xmlns:a16="http://schemas.microsoft.com/office/drawing/2014/main" id="{986A6432-0C71-44F6-BA40-78804418826A}"/>
-              </a:ext>
-            </a:extLst>
-          </p:cNvPr>
-          <p:cNvSpPr>
-            <a:spLocks noGrp="1"/>
-          </p:cNvSpPr>
-          <p:nvPr>
-            <p:ph sz="half" idx="2"/>
-          </p:nvPr>
-        </p:nvSpPr>
-        <p:spPr/>
-        <p:txBody>
-          <a:bodyPr/>
-          <a:lstStyle/>
-          <a:p>
-            <a:r>
-              <a:rPr lang="en-GB" dirty="0"/>
+          </a:p>
+          <a:p>
+            <a:pPr lvl="1"/>
+            <a:r>
+              <a:rPr lang="en-GB" sz="1600" dirty="0"/>
+              <a:t>Time correspondence is the best method</a:t>
+            </a:r>
+          </a:p>
+          <a:p>
+            <a:pPr lvl="1"/>
+            <a:r>
+              <a:rPr lang="en-GB" sz="1600" dirty="0"/>
+              <a:t>It reaches an accuracy of 100% by inserting a password of 14 characters </a:t>
+            </a:r>
+            <a:r>
+              <a:rPr lang="en-GB" sz="1600" b="1" i="1" dirty="0"/>
+              <a:t>“he35ghibn564st”</a:t>
+            </a:r>
+            <a:endParaRPr lang="en-GB" b="1" i="1" dirty="0"/>
+          </a:p>
+          <a:p>
+            <a:r>
+              <a:rPr lang="en-GB" sz="1800" dirty="0">
+                <a:solidFill>
+                  <a:schemeClr val="accent2">
+                    <a:lumMod val="75000"/>
+                  </a:schemeClr>
+                </a:solidFill>
+              </a:rPr>
               <a:t>Relaxation results</a:t>
             </a:r>
+          </a:p>
+          <a:p>
+            <a:pPr marL="414000" lvl="1" indent="0">
+              <a:buNone/>
+            </a:pPr>
+            <a:r>
+              <a:rPr lang="en-GB" sz="1600" dirty="0"/>
+              <a:t>the best relaxation percentage was 90%</a:t>
+            </a:r>
+            <a:endParaRPr lang="it-IT" sz="1600" dirty="0"/>
           </a:p>
         </p:txBody>
       </p:sp>
@@ -12831,6 +13592,877 @@
               <a:rPr lang="it-IT"/>
               <a:t>03/01/2021</a:t>
             </a:r>
+          </a:p>
+        </p:txBody>
+      </p:sp>
+      <p:graphicFrame>
+        <p:nvGraphicFramePr>
+          <p:cNvPr id="6" name="Tabella 8">
+            <a:extLst>
+              <a:ext uri="{FF2B5EF4-FFF2-40B4-BE49-F238E27FC236}">
+                <a16:creationId xmlns:a16="http://schemas.microsoft.com/office/drawing/2014/main" id="{AEC39855-003A-4CB5-A9F0-45D1B1DD4F3E}"/>
+              </a:ext>
+            </a:extLst>
+          </p:cNvPr>
+          <p:cNvGraphicFramePr>
+            <a:graphicFrameLocks noGrp="1"/>
+          </p:cNvGraphicFramePr>
+          <p:nvPr>
+            <p:extLst>
+              <p:ext uri="{D42A27DB-BD31-4B8C-83A1-F6EECF244321}">
+                <p14:modId xmlns:p14="http://schemas.microsoft.com/office/powerpoint/2010/main" val="2166007012"/>
+              </p:ext>
+            </p:extLst>
+          </p:nvPr>
+        </p:nvGraphicFramePr>
+        <p:xfrm>
+          <a:off x="1142662" y="4422317"/>
+          <a:ext cx="2892546" cy="1052825"/>
+        </p:xfrm>
+        <a:graphic>
+          <a:graphicData uri="http://schemas.openxmlformats.org/drawingml/2006/table">
+            <a:tbl>
+              <a:tblPr firstRow="1" bandRow="1">
+                <a:tableStyleId>{F5AB1C69-6EDB-4FF4-983F-18BD219EF322}</a:tableStyleId>
+              </a:tblPr>
+              <a:tblGrid>
+                <a:gridCol w="750952">
+                  <a:extLst>
+                    <a:ext uri="{9D8B030D-6E8A-4147-A177-3AD203B41FA5}">
+                      <a16:colId xmlns:a16="http://schemas.microsoft.com/office/drawing/2014/main" val="3572717854"/>
+                    </a:ext>
+                  </a:extLst>
+                </a:gridCol>
+                <a:gridCol w="717907">
+                  <a:extLst>
+                    <a:ext uri="{9D8B030D-6E8A-4147-A177-3AD203B41FA5}">
+                      <a16:colId xmlns:a16="http://schemas.microsoft.com/office/drawing/2014/main" val="153618238"/>
+                    </a:ext>
+                  </a:extLst>
+                </a:gridCol>
+                <a:gridCol w="706056">
+                  <a:extLst>
+                    <a:ext uri="{9D8B030D-6E8A-4147-A177-3AD203B41FA5}">
+                      <a16:colId xmlns:a16="http://schemas.microsoft.com/office/drawing/2014/main" val="1217878467"/>
+                    </a:ext>
+                  </a:extLst>
+                </a:gridCol>
+                <a:gridCol w="717631">
+                  <a:extLst>
+                    <a:ext uri="{9D8B030D-6E8A-4147-A177-3AD203B41FA5}">
+                      <a16:colId xmlns:a16="http://schemas.microsoft.com/office/drawing/2014/main" val="4167416141"/>
+                    </a:ext>
+                  </a:extLst>
+                </a:gridCol>
+              </a:tblGrid>
+              <a:tr h="385704">
+                <a:tc>
+                  <a:txBody>
+                    <a:bodyPr/>
+                    <a:lstStyle/>
+                    <a:p>
+                      <a:pPr algn="ctr"/>
+                      <a:r>
+                        <a:rPr lang="en-GB" sz="1100" dirty="0"/>
+                        <a:t>Type of problem</a:t>
+                      </a:r>
+                      <a:endParaRPr lang="it-IT" sz="1100" dirty="0"/>
+                    </a:p>
+                  </a:txBody>
+                  <a:tcPr/>
+                </a:tc>
+                <a:tc>
+                  <a:txBody>
+                    <a:bodyPr/>
+                    <a:lstStyle/>
+                    <a:p>
+                      <a:pPr algn="ctr"/>
+                      <a:r>
+                        <a:rPr lang="en-GB" sz="1100" dirty="0"/>
+                        <a:t>1</a:t>
+                      </a:r>
+                      <a:r>
+                        <a:rPr lang="en-GB" sz="1100" baseline="30000" dirty="0"/>
+                        <a:t>st</a:t>
+                      </a:r>
+                      <a:r>
+                        <a:rPr lang="en-GB" sz="1100" dirty="0"/>
+                        <a:t> trial</a:t>
+                      </a:r>
+                      <a:endParaRPr lang="it-IT" sz="1100" dirty="0"/>
+                    </a:p>
+                  </a:txBody>
+                  <a:tcPr/>
+                </a:tc>
+                <a:tc>
+                  <a:txBody>
+                    <a:bodyPr/>
+                    <a:lstStyle/>
+                    <a:p>
+                      <a:pPr marL="0" marR="0" lvl="0" indent="0" algn="ctr" defTabSz="457200" rtl="0" eaLnBrk="1" fontAlgn="auto" latinLnBrk="0" hangingPunct="1">
+                        <a:lnSpc>
+                          <a:spcPct val="100000"/>
+                        </a:lnSpc>
+                        <a:spcBef>
+                          <a:spcPts val="0"/>
+                        </a:spcBef>
+                        <a:spcAft>
+                          <a:spcPts val="0"/>
+                        </a:spcAft>
+                        <a:buClrTx/>
+                        <a:buSzTx/>
+                        <a:buFontTx/>
+                        <a:buNone/>
+                        <a:tabLst/>
+                        <a:defRPr/>
+                      </a:pPr>
+                      <a:r>
+                        <a:rPr lang="en-GB" sz="1100" dirty="0"/>
+                        <a:t>2</a:t>
+                      </a:r>
+                      <a:r>
+                        <a:rPr lang="en-GB" sz="1100" baseline="30000" dirty="0"/>
+                        <a:t>nd</a:t>
+                      </a:r>
+                      <a:r>
+                        <a:rPr lang="en-GB" sz="1100" dirty="0"/>
+                        <a:t> trial</a:t>
+                      </a:r>
+                      <a:endParaRPr lang="it-IT" sz="1100" dirty="0"/>
+                    </a:p>
+                  </a:txBody>
+                  <a:tcPr/>
+                </a:tc>
+                <a:tc>
+                  <a:txBody>
+                    <a:bodyPr/>
+                    <a:lstStyle/>
+                    <a:p>
+                      <a:pPr marL="0" marR="0" lvl="0" indent="0" algn="ctr" defTabSz="457200" rtl="0" eaLnBrk="1" fontAlgn="auto" latinLnBrk="0" hangingPunct="1">
+                        <a:lnSpc>
+                          <a:spcPct val="100000"/>
+                        </a:lnSpc>
+                        <a:spcBef>
+                          <a:spcPts val="0"/>
+                        </a:spcBef>
+                        <a:spcAft>
+                          <a:spcPts val="0"/>
+                        </a:spcAft>
+                        <a:buClrTx/>
+                        <a:buSzTx/>
+                        <a:buFontTx/>
+                        <a:buNone/>
+                        <a:tabLst/>
+                        <a:defRPr/>
+                      </a:pPr>
+                      <a:r>
+                        <a:rPr lang="en-GB" sz="1100" dirty="0"/>
+                        <a:t>3</a:t>
+                      </a:r>
+                      <a:r>
+                        <a:rPr lang="en-GB" sz="1100" baseline="30000" dirty="0"/>
+                        <a:t>rd</a:t>
+                      </a:r>
+                      <a:r>
+                        <a:rPr lang="en-GB" sz="1100" dirty="0"/>
+                        <a:t> trial</a:t>
+                      </a:r>
+                      <a:endParaRPr lang="it-IT" sz="1100" dirty="0"/>
+                    </a:p>
+                  </a:txBody>
+                  <a:tcPr/>
+                </a:tc>
+                <a:extLst>
+                  <a:ext uri="{0D108BD9-81ED-4DB2-BD59-A6C34878D82A}">
+                    <a16:rowId xmlns:a16="http://schemas.microsoft.com/office/drawing/2014/main" val="2795706467"/>
+                  </a:ext>
+                </a:extLst>
+              </a:tr>
+              <a:tr h="290910">
+                <a:tc>
+                  <a:txBody>
+                    <a:bodyPr/>
+                    <a:lstStyle/>
+                    <a:p>
+                      <a:pPr algn="ctr"/>
+                      <a:r>
+                        <a:rPr lang="en-GB" sz="1100" dirty="0"/>
+                        <a:t>Standard</a:t>
+                      </a:r>
+                      <a:endParaRPr lang="it-IT" sz="1100" dirty="0"/>
+                    </a:p>
+                  </a:txBody>
+                  <a:tcPr/>
+                </a:tc>
+                <a:tc>
+                  <a:txBody>
+                    <a:bodyPr/>
+                    <a:lstStyle/>
+                    <a:p>
+                      <a:pPr algn="ctr"/>
+                      <a:r>
+                        <a:rPr lang="en-GB" sz="1100" dirty="0"/>
+                        <a:t>80%</a:t>
+                      </a:r>
+                      <a:endParaRPr lang="it-IT" sz="1100" dirty="0"/>
+                    </a:p>
+                  </a:txBody>
+                  <a:tcPr/>
+                </a:tc>
+                <a:tc>
+                  <a:txBody>
+                    <a:bodyPr/>
+                    <a:lstStyle/>
+                    <a:p>
+                      <a:pPr algn="ctr"/>
+                      <a:r>
+                        <a:rPr lang="en-GB" sz="1100" dirty="0"/>
+                        <a:t>19%</a:t>
+                      </a:r>
+                      <a:endParaRPr lang="it-IT" sz="1100" dirty="0"/>
+                    </a:p>
+                  </a:txBody>
+                  <a:tcPr/>
+                </a:tc>
+                <a:tc>
+                  <a:txBody>
+                    <a:bodyPr/>
+                    <a:lstStyle/>
+                    <a:p>
+                      <a:pPr algn="ctr"/>
+                      <a:r>
+                        <a:rPr lang="en-GB" sz="1100" dirty="0"/>
+                        <a:t>1%</a:t>
+                      </a:r>
+                      <a:endParaRPr lang="it-IT" sz="1100" dirty="0"/>
+                    </a:p>
+                  </a:txBody>
+                  <a:tcPr/>
+                </a:tc>
+                <a:extLst>
+                  <a:ext uri="{0D108BD9-81ED-4DB2-BD59-A6C34878D82A}">
+                    <a16:rowId xmlns:a16="http://schemas.microsoft.com/office/drawing/2014/main" val="251042977"/>
+                  </a:ext>
+                </a:extLst>
+              </a:tr>
+              <a:tr h="335195">
+                <a:tc>
+                  <a:txBody>
+                    <a:bodyPr/>
+                    <a:lstStyle/>
+                    <a:p>
+                      <a:pPr algn="ctr"/>
+                      <a:r>
+                        <a:rPr lang="en-GB" sz="1100" dirty="0"/>
+                        <a:t>Relaxed</a:t>
+                      </a:r>
+                      <a:endParaRPr lang="it-IT" sz="1100" dirty="0"/>
+                    </a:p>
+                  </a:txBody>
+                  <a:tcPr/>
+                </a:tc>
+                <a:tc>
+                  <a:txBody>
+                    <a:bodyPr/>
+                    <a:lstStyle/>
+                    <a:p>
+                      <a:pPr algn="ctr"/>
+                      <a:r>
+                        <a:rPr lang="en-GB" sz="1100" dirty="0"/>
+                        <a:t>83%</a:t>
+                      </a:r>
+                      <a:endParaRPr lang="it-IT" sz="1100" dirty="0"/>
+                    </a:p>
+                  </a:txBody>
+                  <a:tcPr/>
+                </a:tc>
+                <a:tc>
+                  <a:txBody>
+                    <a:bodyPr/>
+                    <a:lstStyle/>
+                    <a:p>
+                      <a:pPr algn="ctr"/>
+                      <a:r>
+                        <a:rPr lang="en-GB" sz="1100" dirty="0"/>
+                        <a:t>17%</a:t>
+                      </a:r>
+                      <a:endParaRPr lang="it-IT" sz="1100" dirty="0"/>
+                    </a:p>
+                  </a:txBody>
+                  <a:tcPr/>
+                </a:tc>
+                <a:tc>
+                  <a:txBody>
+                    <a:bodyPr/>
+                    <a:lstStyle/>
+                    <a:p>
+                      <a:pPr algn="ctr"/>
+                      <a:r>
+                        <a:rPr lang="en-GB" sz="1100" dirty="0"/>
+                        <a:t>0%</a:t>
+                      </a:r>
+                      <a:endParaRPr lang="it-IT" sz="1100" dirty="0"/>
+                    </a:p>
+                  </a:txBody>
+                  <a:tcPr/>
+                </a:tc>
+                <a:extLst>
+                  <a:ext uri="{0D108BD9-81ED-4DB2-BD59-A6C34878D82A}">
+                    <a16:rowId xmlns:a16="http://schemas.microsoft.com/office/drawing/2014/main" val="1748679061"/>
+                  </a:ext>
+                </a:extLst>
+              </a:tr>
+            </a:tbl>
+          </a:graphicData>
+        </a:graphic>
+      </p:graphicFrame>
+      <p:sp>
+        <p:nvSpPr>
+          <p:cNvPr id="11" name="Titolo 1">
+            <a:extLst>
+              <a:ext uri="{FF2B5EF4-FFF2-40B4-BE49-F238E27FC236}">
+                <a16:creationId xmlns:a16="http://schemas.microsoft.com/office/drawing/2014/main" id="{C876BA93-6589-4795-BEDC-E7C32E6CD859}"/>
+              </a:ext>
+            </a:extLst>
+          </p:cNvPr>
+          <p:cNvSpPr txBox="1">
+            <a:spLocks/>
+          </p:cNvSpPr>
+          <p:nvPr/>
+        </p:nvSpPr>
+        <p:spPr>
+          <a:xfrm>
+            <a:off x="4899417" y="1869369"/>
+            <a:ext cx="3638712" cy="839835"/>
+          </a:xfrm>
+          <a:prstGeom prst="rect">
+            <a:avLst/>
+          </a:prstGeom>
+          <a:effectLst>
+            <a:outerShdw blurRad="25400" dir="17880000">
+              <a:srgbClr val="000000">
+                <a:alpha val="46000"/>
+              </a:srgbClr>
+            </a:outerShdw>
+          </a:effectLst>
+        </p:spPr>
+        <p:txBody>
+          <a:bodyPr vert="horz" lIns="91440" tIns="45720" rIns="91440" bIns="45720" rtlCol="0" anchor="ctr">
+            <a:normAutofit/>
+          </a:bodyPr>
+          <a:lstStyle>
+            <a:lvl1pPr algn="ctr" defTabSz="457200" rtl="0" eaLnBrk="1" latinLnBrk="0" hangingPunct="1">
+              <a:spcBef>
+                <a:spcPct val="0"/>
+              </a:spcBef>
+              <a:buNone/>
+              <a:defRPr sz="4000" kern="1200">
+                <a:ln>
+                  <a:solidFill>
+                    <a:schemeClr val="bg1">
+                      <a:lumMod val="75000"/>
+                      <a:lumOff val="25000"/>
+                      <a:alpha val="10000"/>
+                    </a:schemeClr>
+                  </a:solidFill>
+                </a:ln>
+                <a:solidFill>
+                  <a:srgbClr val="0070C0"/>
+                </a:solidFill>
+                <a:effectLst>
+                  <a:outerShdw blurRad="9525" dist="25400" dir="14640000" algn="tl" rotWithShape="0">
+                    <a:schemeClr val="bg1">
+                      <a:alpha val="30000"/>
+                    </a:schemeClr>
+                  </a:outerShdw>
+                </a:effectLst>
+                <a:latin typeface="+mj-lt"/>
+                <a:ea typeface="+mj-ea"/>
+                <a:cs typeface="Trebuchet MS"/>
+              </a:defRPr>
+            </a:lvl1pPr>
+            <a:lvl2pPr eaLnBrk="1" hangingPunct="1">
+              <a:defRPr>
+                <a:solidFill>
+                  <a:schemeClr val="tx2"/>
+                </a:solidFill>
+              </a:defRPr>
+            </a:lvl2pPr>
+            <a:lvl3pPr eaLnBrk="1" hangingPunct="1">
+              <a:defRPr>
+                <a:solidFill>
+                  <a:schemeClr val="tx2"/>
+                </a:solidFill>
+              </a:defRPr>
+            </a:lvl3pPr>
+            <a:lvl4pPr eaLnBrk="1" hangingPunct="1">
+              <a:defRPr>
+                <a:solidFill>
+                  <a:schemeClr val="tx2"/>
+                </a:solidFill>
+              </a:defRPr>
+            </a:lvl4pPr>
+            <a:lvl5pPr eaLnBrk="1" hangingPunct="1">
+              <a:defRPr>
+                <a:solidFill>
+                  <a:schemeClr val="tx2"/>
+                </a:solidFill>
+              </a:defRPr>
+            </a:lvl5pPr>
+            <a:lvl6pPr eaLnBrk="1" hangingPunct="1">
+              <a:defRPr>
+                <a:solidFill>
+                  <a:schemeClr val="tx2"/>
+                </a:solidFill>
+              </a:defRPr>
+            </a:lvl6pPr>
+            <a:lvl7pPr eaLnBrk="1" hangingPunct="1">
+              <a:defRPr>
+                <a:solidFill>
+                  <a:schemeClr val="tx2"/>
+                </a:solidFill>
+              </a:defRPr>
+            </a:lvl7pPr>
+            <a:lvl8pPr eaLnBrk="1" hangingPunct="1">
+              <a:defRPr>
+                <a:solidFill>
+                  <a:schemeClr val="tx2"/>
+                </a:solidFill>
+              </a:defRPr>
+            </a:lvl8pPr>
+            <a:lvl9pPr eaLnBrk="1" hangingPunct="1">
+              <a:defRPr>
+                <a:solidFill>
+                  <a:schemeClr val="tx2"/>
+                </a:solidFill>
+              </a:defRPr>
+            </a:lvl9pPr>
+          </a:lstStyle>
+          <a:p>
+            <a:r>
+              <a:rPr lang="en-GB" sz="2400" dirty="0"/>
+              <a:t>Strength against known attacks</a:t>
+            </a:r>
+            <a:endParaRPr lang="it-IT" sz="2400" dirty="0"/>
+          </a:p>
+        </p:txBody>
+      </p:sp>
+      <p:sp>
+        <p:nvSpPr>
+          <p:cNvPr id="12" name="Segnaposto contenuto 2">
+            <a:extLst>
+              <a:ext uri="{FF2B5EF4-FFF2-40B4-BE49-F238E27FC236}">
+                <a16:creationId xmlns:a16="http://schemas.microsoft.com/office/drawing/2014/main" id="{445C5747-70FB-4E8A-A0BB-6A53F104E280}"/>
+              </a:ext>
+            </a:extLst>
+          </p:cNvPr>
+          <p:cNvSpPr txBox="1">
+            <a:spLocks/>
+          </p:cNvSpPr>
+          <p:nvPr/>
+        </p:nvSpPr>
+        <p:spPr>
+          <a:xfrm>
+            <a:off x="4899417" y="2709205"/>
+            <a:ext cx="3638712" cy="2534128"/>
+          </a:xfrm>
+          <a:prstGeom prst="rect">
+            <a:avLst/>
+          </a:prstGeom>
+          <a:effectLst>
+            <a:outerShdw blurRad="25400" dir="17880000">
+              <a:srgbClr val="000000">
+                <a:alpha val="46000"/>
+              </a:srgbClr>
+            </a:outerShdw>
+          </a:effectLst>
+        </p:spPr>
+        <p:txBody>
+          <a:bodyPr vert="horz" lIns="91440" tIns="45720" rIns="91440" bIns="45720" rtlCol="0" anchor="t">
+            <a:normAutofit/>
+          </a:bodyPr>
+          <a:lstStyle>
+            <a:lvl1pPr marL="342900" indent="-306000" algn="l" defTabSz="457200" rtl="0" eaLnBrk="1" latinLnBrk="0" hangingPunct="1">
+              <a:spcBef>
+                <a:spcPct val="20000"/>
+              </a:spcBef>
+              <a:spcAft>
+                <a:spcPts val="600"/>
+              </a:spcAft>
+              <a:buClr>
+                <a:schemeClr val="tx2"/>
+              </a:buClr>
+              <a:buSzPct val="70000"/>
+              <a:buFont typeface="Wingdings 2" charset="2"/>
+              <a:buChar char=""/>
+              <a:defRPr sz="2000" kern="1200">
+                <a:ln>
+                  <a:solidFill>
+                    <a:schemeClr val="bg1">
+                      <a:lumMod val="75000"/>
+                      <a:lumOff val="25000"/>
+                      <a:alpha val="10000"/>
+                    </a:schemeClr>
+                  </a:solidFill>
+                </a:ln>
+                <a:solidFill>
+                  <a:schemeClr val="tx2"/>
+                </a:solidFill>
+                <a:effectLst>
+                  <a:outerShdw blurRad="9525" dist="25400" dir="14640000" algn="tl" rotWithShape="0">
+                    <a:schemeClr val="bg1">
+                      <a:alpha val="30000"/>
+                    </a:schemeClr>
+                  </a:outerShdw>
+                </a:effectLst>
+                <a:latin typeface="+mn-lt"/>
+                <a:ea typeface="+mn-ea"/>
+                <a:cs typeface="+mn-cs"/>
+              </a:defRPr>
+            </a:lvl1pPr>
+            <a:lvl2pPr marL="720000" indent="-270000" algn="l" defTabSz="457200" rtl="0" eaLnBrk="1" latinLnBrk="0" hangingPunct="1">
+              <a:spcBef>
+                <a:spcPct val="20000"/>
+              </a:spcBef>
+              <a:spcAft>
+                <a:spcPts val="600"/>
+              </a:spcAft>
+              <a:buClr>
+                <a:schemeClr val="tx2"/>
+              </a:buClr>
+              <a:buSzPct val="70000"/>
+              <a:buFont typeface="Wingdings 2" charset="2"/>
+              <a:buChar char=""/>
+              <a:defRPr sz="1800" kern="1200">
+                <a:ln>
+                  <a:solidFill>
+                    <a:schemeClr val="bg1">
+                      <a:lumMod val="75000"/>
+                      <a:lumOff val="25000"/>
+                      <a:alpha val="10000"/>
+                    </a:schemeClr>
+                  </a:solidFill>
+                </a:ln>
+                <a:solidFill>
+                  <a:schemeClr val="tx2"/>
+                </a:solidFill>
+                <a:effectLst>
+                  <a:outerShdw blurRad="9525" dist="25400" dir="14640000" algn="tl" rotWithShape="0">
+                    <a:schemeClr val="bg1">
+                      <a:alpha val="30000"/>
+                    </a:schemeClr>
+                  </a:outerShdw>
+                </a:effectLst>
+                <a:latin typeface="+mn-lt"/>
+                <a:ea typeface="+mn-ea"/>
+                <a:cs typeface="+mn-cs"/>
+              </a:defRPr>
+            </a:lvl2pPr>
+            <a:lvl3pPr marL="1026000" indent="-216000" algn="l" defTabSz="457200" rtl="0" eaLnBrk="1" latinLnBrk="0" hangingPunct="1">
+              <a:spcBef>
+                <a:spcPct val="20000"/>
+              </a:spcBef>
+              <a:spcAft>
+                <a:spcPts val="600"/>
+              </a:spcAft>
+              <a:buClr>
+                <a:schemeClr val="tx2"/>
+              </a:buClr>
+              <a:buSzPct val="70000"/>
+              <a:buFont typeface="Wingdings 2" charset="2"/>
+              <a:buChar char=""/>
+              <a:defRPr sz="1600" kern="1200">
+                <a:ln>
+                  <a:solidFill>
+                    <a:schemeClr val="bg1">
+                      <a:lumMod val="75000"/>
+                      <a:lumOff val="25000"/>
+                      <a:alpha val="10000"/>
+                    </a:schemeClr>
+                  </a:solidFill>
+                </a:ln>
+                <a:solidFill>
+                  <a:schemeClr val="tx2"/>
+                </a:solidFill>
+                <a:effectLst>
+                  <a:outerShdw blurRad="9525" dist="25400" dir="14640000" algn="tl" rotWithShape="0">
+                    <a:schemeClr val="bg1">
+                      <a:alpha val="30000"/>
+                    </a:schemeClr>
+                  </a:outerShdw>
+                </a:effectLst>
+                <a:latin typeface="+mn-lt"/>
+                <a:ea typeface="+mn-ea"/>
+                <a:cs typeface="+mn-cs"/>
+              </a:defRPr>
+            </a:lvl3pPr>
+            <a:lvl4pPr marL="1386000" indent="-216000" algn="l" defTabSz="457200" rtl="0" eaLnBrk="1" latinLnBrk="0" hangingPunct="1">
+              <a:spcBef>
+                <a:spcPct val="20000"/>
+              </a:spcBef>
+              <a:spcAft>
+                <a:spcPts val="600"/>
+              </a:spcAft>
+              <a:buClr>
+                <a:schemeClr val="tx2"/>
+              </a:buClr>
+              <a:buSzPct val="70000"/>
+              <a:buFont typeface="Wingdings 2" charset="2"/>
+              <a:buChar char=""/>
+              <a:defRPr sz="1400" kern="1200">
+                <a:ln>
+                  <a:solidFill>
+                    <a:schemeClr val="bg1">
+                      <a:lumMod val="75000"/>
+                      <a:lumOff val="25000"/>
+                      <a:alpha val="10000"/>
+                    </a:schemeClr>
+                  </a:solidFill>
+                </a:ln>
+                <a:solidFill>
+                  <a:schemeClr val="tx2"/>
+                </a:solidFill>
+                <a:effectLst>
+                  <a:outerShdw blurRad="9525" dist="25400" dir="14640000" algn="tl" rotWithShape="0">
+                    <a:schemeClr val="bg1">
+                      <a:alpha val="30000"/>
+                    </a:schemeClr>
+                  </a:outerShdw>
+                </a:effectLst>
+                <a:latin typeface="+mn-lt"/>
+                <a:ea typeface="+mn-ea"/>
+                <a:cs typeface="+mn-cs"/>
+              </a:defRPr>
+            </a:lvl4pPr>
+            <a:lvl5pPr marL="1674000" indent="-216000" algn="l" defTabSz="457200" rtl="0" eaLnBrk="1" latinLnBrk="0" hangingPunct="1">
+              <a:spcBef>
+                <a:spcPct val="20000"/>
+              </a:spcBef>
+              <a:spcAft>
+                <a:spcPts val="600"/>
+              </a:spcAft>
+              <a:buClr>
+                <a:schemeClr val="tx2"/>
+              </a:buClr>
+              <a:buSzPct val="70000"/>
+              <a:buFont typeface="Wingdings 2" charset="2"/>
+              <a:buChar char=""/>
+              <a:defRPr sz="1400" kern="1200">
+                <a:ln>
+                  <a:solidFill>
+                    <a:schemeClr val="bg1">
+                      <a:lumMod val="75000"/>
+                      <a:lumOff val="25000"/>
+                      <a:alpha val="10000"/>
+                    </a:schemeClr>
+                  </a:solidFill>
+                </a:ln>
+                <a:solidFill>
+                  <a:schemeClr val="tx2"/>
+                </a:solidFill>
+                <a:effectLst>
+                  <a:outerShdw blurRad="9525" dist="25400" dir="14640000" algn="tl" rotWithShape="0">
+                    <a:schemeClr val="bg1">
+                      <a:alpha val="30000"/>
+                    </a:schemeClr>
+                  </a:outerShdw>
+                </a:effectLst>
+                <a:latin typeface="+mn-lt"/>
+                <a:ea typeface="+mn-ea"/>
+                <a:cs typeface="+mn-cs"/>
+              </a:defRPr>
+            </a:lvl5pPr>
+            <a:lvl6pPr marL="2014600" indent="-228600" algn="l" defTabSz="457200" rtl="0" eaLnBrk="1" latinLnBrk="0" hangingPunct="1">
+              <a:spcBef>
+                <a:spcPct val="20000"/>
+              </a:spcBef>
+              <a:spcAft>
+                <a:spcPts val="600"/>
+              </a:spcAft>
+              <a:buClr>
+                <a:schemeClr val="tx2"/>
+              </a:buClr>
+              <a:buSzPct val="70000"/>
+              <a:buFont typeface="Wingdings 2" charset="2"/>
+              <a:buChar char=""/>
+              <a:defRPr sz="1400" kern="1200">
+                <a:ln>
+                  <a:solidFill>
+                    <a:schemeClr val="bg1">
+                      <a:lumMod val="75000"/>
+                      <a:lumOff val="25000"/>
+                      <a:alpha val="10000"/>
+                    </a:schemeClr>
+                  </a:solidFill>
+                </a:ln>
+                <a:solidFill>
+                  <a:schemeClr val="tx2"/>
+                </a:solidFill>
+                <a:effectLst>
+                  <a:outerShdw blurRad="9525" dist="25400" dir="14640000" algn="tl" rotWithShape="0">
+                    <a:schemeClr val="bg1">
+                      <a:alpha val="30000"/>
+                    </a:schemeClr>
+                  </a:outerShdw>
+                </a:effectLst>
+                <a:latin typeface="+mn-lt"/>
+                <a:ea typeface="+mn-ea"/>
+                <a:cs typeface="+mn-cs"/>
+              </a:defRPr>
+            </a:lvl6pPr>
+            <a:lvl7pPr marL="2401800" indent="-228600" algn="l" defTabSz="457200" rtl="0" eaLnBrk="1" latinLnBrk="0" hangingPunct="1">
+              <a:spcBef>
+                <a:spcPct val="20000"/>
+              </a:spcBef>
+              <a:spcAft>
+                <a:spcPts val="600"/>
+              </a:spcAft>
+              <a:buClr>
+                <a:schemeClr val="tx2"/>
+              </a:buClr>
+              <a:buSzPct val="70000"/>
+              <a:buFont typeface="Wingdings 2" charset="2"/>
+              <a:buChar char=""/>
+              <a:defRPr sz="1400" kern="1200">
+                <a:ln>
+                  <a:solidFill>
+                    <a:schemeClr val="bg1">
+                      <a:lumMod val="75000"/>
+                      <a:lumOff val="25000"/>
+                      <a:alpha val="10000"/>
+                    </a:schemeClr>
+                  </a:solidFill>
+                </a:ln>
+                <a:solidFill>
+                  <a:schemeClr val="tx2"/>
+                </a:solidFill>
+                <a:effectLst>
+                  <a:outerShdw blurRad="9525" dist="25400" dir="14640000" algn="tl" rotWithShape="0">
+                    <a:schemeClr val="bg1">
+                      <a:alpha val="30000"/>
+                    </a:schemeClr>
+                  </a:outerShdw>
+                </a:effectLst>
+                <a:latin typeface="+mn-lt"/>
+                <a:ea typeface="+mn-ea"/>
+                <a:cs typeface="+mn-cs"/>
+              </a:defRPr>
+            </a:lvl7pPr>
+            <a:lvl8pPr marL="2789000" indent="-228600" algn="l" defTabSz="457200" rtl="0" eaLnBrk="1" latinLnBrk="0" hangingPunct="1">
+              <a:spcBef>
+                <a:spcPct val="20000"/>
+              </a:spcBef>
+              <a:spcAft>
+                <a:spcPts val="600"/>
+              </a:spcAft>
+              <a:buClr>
+                <a:schemeClr val="tx2"/>
+              </a:buClr>
+              <a:buSzPct val="70000"/>
+              <a:buFont typeface="Wingdings 2" charset="2"/>
+              <a:buChar char=""/>
+              <a:defRPr sz="1400" kern="1200">
+                <a:ln>
+                  <a:solidFill>
+                    <a:schemeClr val="bg1">
+                      <a:lumMod val="75000"/>
+                      <a:lumOff val="25000"/>
+                      <a:alpha val="10000"/>
+                    </a:schemeClr>
+                  </a:solidFill>
+                </a:ln>
+                <a:solidFill>
+                  <a:schemeClr val="tx2"/>
+                </a:solidFill>
+                <a:effectLst>
+                  <a:outerShdw blurRad="9525" dist="25400" dir="14640000" algn="tl" rotWithShape="0">
+                    <a:schemeClr val="bg1">
+                      <a:alpha val="30000"/>
+                    </a:schemeClr>
+                  </a:outerShdw>
+                </a:effectLst>
+                <a:latin typeface="+mn-lt"/>
+                <a:ea typeface="+mn-ea"/>
+                <a:cs typeface="+mn-cs"/>
+              </a:defRPr>
+            </a:lvl8pPr>
+            <a:lvl9pPr marL="3106200" indent="-228600" algn="l" defTabSz="457200" rtl="0" eaLnBrk="1" latinLnBrk="0" hangingPunct="1">
+              <a:spcBef>
+                <a:spcPct val="20000"/>
+              </a:spcBef>
+              <a:spcAft>
+                <a:spcPts val="600"/>
+              </a:spcAft>
+              <a:buClr>
+                <a:schemeClr val="tx2"/>
+              </a:buClr>
+              <a:buSzPct val="70000"/>
+              <a:buFont typeface="Wingdings 2" charset="2"/>
+              <a:buChar char=""/>
+              <a:defRPr sz="1400" kern="1200">
+                <a:ln>
+                  <a:solidFill>
+                    <a:schemeClr val="bg1">
+                      <a:lumMod val="75000"/>
+                      <a:lumOff val="25000"/>
+                      <a:alpha val="10000"/>
+                    </a:schemeClr>
+                  </a:solidFill>
+                </a:ln>
+                <a:solidFill>
+                  <a:schemeClr val="tx2"/>
+                </a:solidFill>
+                <a:effectLst>
+                  <a:outerShdw blurRad="9525" dist="25400" dir="14640000" algn="tl" rotWithShape="0">
+                    <a:schemeClr val="bg1">
+                      <a:alpha val="30000"/>
+                    </a:schemeClr>
+                  </a:outerShdw>
+                </a:effectLst>
+                <a:latin typeface="+mn-lt"/>
+                <a:ea typeface="+mn-ea"/>
+                <a:cs typeface="+mn-cs"/>
+              </a:defRPr>
+            </a:lvl9pPr>
+          </a:lstStyle>
+          <a:p>
+            <a:r>
+              <a:rPr lang="en-GB" sz="1800" dirty="0"/>
+              <a:t>Replay attack</a:t>
+            </a:r>
+          </a:p>
+          <a:p>
+            <a:r>
+              <a:rPr lang="en-GB" sz="1800" dirty="0"/>
+              <a:t>Reverse engineering attack</a:t>
+            </a:r>
+          </a:p>
+          <a:p>
+            <a:r>
+              <a:rPr lang="en-GB" sz="1800" dirty="0"/>
+              <a:t>Human solver relay attacks</a:t>
+            </a:r>
+          </a:p>
+          <a:p>
+            <a:r>
+              <a:rPr lang="en-GB" sz="1800" dirty="0"/>
+              <a:t>Brute force attack</a:t>
+            </a:r>
+          </a:p>
+          <a:p>
+            <a:r>
+              <a:rPr lang="en-GB" sz="1800" dirty="0"/>
+              <a:t>Denial of Service attack (DoS)</a:t>
+            </a:r>
+          </a:p>
+          <a:p>
+            <a:r>
+              <a:rPr lang="en-GB" sz="1800" dirty="0"/>
+              <a:t>Eavesdropping attack</a:t>
+            </a:r>
+          </a:p>
+          <a:p>
+            <a:endParaRPr lang="en-GB" dirty="0"/>
           </a:p>
         </p:txBody>
       </p:sp>

--- a/Thesis/AcCAPPCHA.pptx
+++ b/Thesis/AcCAPPCHA.pptx
@@ -222,7 +222,7 @@
           <a:p>
             <a:fld id="{91A34D20-7556-479C-BC19-4F466F169EF3}" type="datetimeFigureOut">
               <a:rPr lang="it-IT" smtClean="0"/>
-              <a:t>15/02/2021</a:t>
+              <a:t>16/02/2021</a:t>
             </a:fld>
             <a:endParaRPr lang="it-IT"/>
           </a:p>
@@ -400,7 +400,7 @@
           <a:p>
             <a:fld id="{4D81E948-FF2A-455F-B768-BFC60EECBEC3}" type="datetimeFigureOut">
               <a:rPr lang="it-IT" smtClean="0"/>
-              <a:t>15/02/2021</a:t>
+              <a:t>16/02/2021</a:t>
             </a:fld>
             <a:endParaRPr lang="it-IT"/>
           </a:p>
@@ -8097,7 +8097,7 @@
         <p:spPr>
           <a:xfrm>
             <a:off x="442164" y="1720518"/>
-            <a:ext cx="3886654" cy="1564099"/>
+            <a:ext cx="4129836" cy="1564099"/>
           </a:xfrm>
         </p:spPr>
         <p:txBody>
@@ -8128,7 +8128,7 @@
             </a:pPr>
             <a:r>
               <a:rPr lang="en-GB" sz="1400" dirty="0"/>
-              <a:t>based on cognitive capabilities of the user (e.g. Image-based and text based CAPTCHAs)</a:t>
+              <a:t>based on cognitive capabilities of the user   (e.g. Image-based and text based CAPTCHAs)</a:t>
             </a:r>
             <a:r>
               <a:rPr lang="en-GB" dirty="0"/>
@@ -8540,7 +8540,7 @@
             </a:pPr>
             <a:r>
               <a:rPr lang="en-GB" sz="1400" dirty="0"/>
-              <a:t>based on the human’s physical identity and on the evaluation of data from sensors or activity of the users on the web site (e.g. Google </a:t>
+              <a:t>based on the human’s physical identity and on the evaluation of data from sensors or activity of the users on the web site        (e.g. Google </a:t>
             </a:r>
             <a:r>
               <a:rPr lang="en-GB" sz="1400" dirty="0" err="1"/>
@@ -11657,7 +11657,7 @@
             <a:pPr marL="699750" lvl="1" indent="-285750"/>
             <a:r>
               <a:rPr lang="en-GB" sz="1600" dirty="0"/>
-              <a:t>Spectrogram of the press peak</a:t>
+              <a:t>Spectrogram of press peak</a:t>
             </a:r>
           </a:p>
           <a:p>

--- a/Thesis/AcCAPPCHA.pptx
+++ b/Thesis/AcCAPPCHA.pptx
@@ -5,10 +5,10 @@
     <p:sldMasterId id="2147483750" r:id="rId1"/>
   </p:sldMasterIdLst>
   <p:notesMasterIdLst>
-    <p:notesMasterId r:id="rId13"/>
+    <p:notesMasterId r:id="rId12"/>
   </p:notesMasterIdLst>
   <p:handoutMasterIdLst>
-    <p:handoutMasterId r:id="rId14"/>
+    <p:handoutMasterId r:id="rId13"/>
   </p:handoutMasterIdLst>
   <p:sldIdLst>
     <p:sldId id="256" r:id="rId2"/>
@@ -18,10 +18,9 @@
     <p:sldId id="258" r:id="rId6"/>
     <p:sldId id="260" r:id="rId7"/>
     <p:sldId id="262" r:id="rId8"/>
-    <p:sldId id="266" r:id="rId9"/>
-    <p:sldId id="265" r:id="rId10"/>
-    <p:sldId id="269" r:id="rId11"/>
-    <p:sldId id="268" r:id="rId12"/>
+    <p:sldId id="265" r:id="rId9"/>
+    <p:sldId id="271" r:id="rId10"/>
+    <p:sldId id="268" r:id="rId11"/>
   </p:sldIdLst>
   <p:sldSz cx="9144000" cy="6858000" type="screen4x3"/>
   <p:notesSz cx="6858000" cy="9144000"/>
@@ -222,7 +221,7 @@
           <a:p>
             <a:fld id="{91A34D20-7556-479C-BC19-4F466F169EF3}" type="datetimeFigureOut">
               <a:rPr lang="it-IT" smtClean="0"/>
-              <a:t>16/02/2021</a:t>
+              <a:t>18/02/2021</a:t>
             </a:fld>
             <a:endParaRPr lang="it-IT"/>
           </a:p>
@@ -400,7 +399,7 @@
           <a:p>
             <a:fld id="{4D81E948-FF2A-455F-B768-BFC60EECBEC3}" type="datetimeFigureOut">
               <a:rPr lang="it-IT" smtClean="0"/>
-              <a:t>16/02/2021</a:t>
+              <a:t>18/02/2021</a:t>
             </a:fld>
             <a:endParaRPr lang="it-IT"/>
           </a:p>
@@ -7445,348 +7444,6 @@
           <p:cNvPr id="2" name="Titolo 1">
             <a:extLst>
               <a:ext uri="{FF2B5EF4-FFF2-40B4-BE49-F238E27FC236}">
-                <a16:creationId xmlns:a16="http://schemas.microsoft.com/office/drawing/2014/main" id="{796B4C79-E9E3-4DD7-98B8-06F69BB223C8}"/>
-              </a:ext>
-            </a:extLst>
-          </p:cNvPr>
-          <p:cNvSpPr>
-            <a:spLocks noGrp="1"/>
-          </p:cNvSpPr>
-          <p:nvPr>
-            <p:ph type="title"/>
-          </p:nvPr>
-        </p:nvSpPr>
-        <p:spPr/>
-        <p:txBody>
-          <a:bodyPr/>
-          <a:lstStyle/>
-          <a:p>
-            <a:r>
-              <a:rPr lang="en-GB" dirty="0"/>
-              <a:t>Future work</a:t>
-            </a:r>
-            <a:endParaRPr lang="it-IT" dirty="0"/>
-          </a:p>
-        </p:txBody>
-      </p:sp>
-      <p:sp>
-        <p:nvSpPr>
-          <p:cNvPr id="3" name="Segnaposto contenuto 2">
-            <a:extLst>
-              <a:ext uri="{FF2B5EF4-FFF2-40B4-BE49-F238E27FC236}">
-                <a16:creationId xmlns:a16="http://schemas.microsoft.com/office/drawing/2014/main" id="{469036F2-331A-49DD-A8DF-2E3B1B85C244}"/>
-              </a:ext>
-            </a:extLst>
-          </p:cNvPr>
-          <p:cNvSpPr>
-            <a:spLocks noGrp="1"/>
-          </p:cNvSpPr>
-          <p:nvPr>
-            <p:ph idx="1"/>
-          </p:nvPr>
-        </p:nvSpPr>
-        <p:spPr>
-          <a:xfrm>
-            <a:off x="1202073" y="2009271"/>
-            <a:ext cx="6739853" cy="2261937"/>
-          </a:xfrm>
-        </p:spPr>
-        <p:txBody>
-          <a:bodyPr/>
-          <a:lstStyle/>
-          <a:p>
-            <a:pPr>
-              <a:buClr>
-                <a:schemeClr val="accent3">
-                  <a:lumMod val="75000"/>
-                </a:schemeClr>
-              </a:buClr>
-            </a:pPr>
-            <a:r>
-              <a:rPr lang="en-GB" dirty="0">
-                <a:solidFill>
-                  <a:schemeClr val="accent2">
-                    <a:lumMod val="75000"/>
-                  </a:schemeClr>
-                </a:solidFill>
-              </a:rPr>
-              <a:t>Improvement of character correspondence</a:t>
-            </a:r>
-            <a:endParaRPr lang="it-IT" dirty="0">
-              <a:solidFill>
-                <a:schemeClr val="accent2">
-                  <a:lumMod val="75000"/>
-                </a:schemeClr>
-              </a:solidFill>
-            </a:endParaRPr>
-          </a:p>
-          <a:p>
-            <a:pPr>
-              <a:buClr>
-                <a:schemeClr val="accent3">
-                  <a:lumMod val="75000"/>
-                </a:schemeClr>
-              </a:buClr>
-            </a:pPr>
-            <a:r>
-              <a:rPr lang="it-IT" dirty="0" err="1">
-                <a:solidFill>
-                  <a:schemeClr val="accent2">
-                    <a:lumMod val="75000"/>
-                  </a:schemeClr>
-                </a:solidFill>
-              </a:rPr>
-              <a:t>Implementation</a:t>
-            </a:r>
-            <a:r>
-              <a:rPr lang="it-IT" dirty="0">
-                <a:solidFill>
-                  <a:schemeClr val="accent2">
-                    <a:lumMod val="75000"/>
-                  </a:schemeClr>
-                </a:solidFill>
-              </a:rPr>
-              <a:t> on </a:t>
-            </a:r>
-            <a:r>
-              <a:rPr lang="it-IT" dirty="0" err="1">
-                <a:solidFill>
-                  <a:schemeClr val="accent2">
-                    <a:lumMod val="75000"/>
-                  </a:schemeClr>
-                </a:solidFill>
-              </a:rPr>
-              <a:t>other</a:t>
-            </a:r>
-            <a:r>
-              <a:rPr lang="it-IT" dirty="0">
-                <a:solidFill>
-                  <a:schemeClr val="accent2">
-                    <a:lumMod val="75000"/>
-                  </a:schemeClr>
-                </a:solidFill>
-              </a:rPr>
-              <a:t> devices (smartphones &amp; tablets)</a:t>
-            </a:r>
-          </a:p>
-          <a:p>
-            <a:pPr>
-              <a:buClr>
-                <a:schemeClr val="accent3">
-                  <a:lumMod val="75000"/>
-                </a:schemeClr>
-              </a:buClr>
-            </a:pPr>
-            <a:r>
-              <a:rPr lang="it-IT" dirty="0" err="1">
-                <a:solidFill>
-                  <a:schemeClr val="accent2">
-                    <a:lumMod val="75000"/>
-                  </a:schemeClr>
-                </a:solidFill>
-              </a:rPr>
-              <a:t>Relationship</a:t>
-            </a:r>
-            <a:r>
-              <a:rPr lang="it-IT" dirty="0">
-                <a:solidFill>
-                  <a:schemeClr val="accent2">
-                    <a:lumMod val="75000"/>
-                  </a:schemeClr>
-                </a:solidFill>
-              </a:rPr>
-              <a:t> </a:t>
-            </a:r>
-            <a:r>
-              <a:rPr lang="it-IT" dirty="0" err="1">
-                <a:solidFill>
-                  <a:schemeClr val="accent2">
-                    <a:lumMod val="75000"/>
-                  </a:schemeClr>
-                </a:solidFill>
-              </a:rPr>
-              <a:t>between</a:t>
-            </a:r>
-            <a:r>
-              <a:rPr lang="it-IT" dirty="0">
-                <a:solidFill>
-                  <a:schemeClr val="accent2">
-                    <a:lumMod val="75000"/>
-                  </a:schemeClr>
-                </a:solidFill>
-              </a:rPr>
-              <a:t> </a:t>
-            </a:r>
-            <a:r>
-              <a:rPr lang="it-IT" dirty="0" err="1">
-                <a:solidFill>
-                  <a:schemeClr val="accent2">
-                    <a:lumMod val="75000"/>
-                  </a:schemeClr>
-                </a:solidFill>
-              </a:rPr>
-              <a:t>accuracy</a:t>
-            </a:r>
-            <a:r>
-              <a:rPr lang="it-IT" dirty="0">
-                <a:solidFill>
-                  <a:schemeClr val="accent2">
-                    <a:lumMod val="75000"/>
-                  </a:schemeClr>
-                </a:solidFill>
-              </a:rPr>
-              <a:t> and:</a:t>
-            </a:r>
-          </a:p>
-          <a:p>
-            <a:pPr lvl="1"/>
-            <a:r>
-              <a:rPr lang="it-IT" dirty="0" err="1"/>
-              <a:t>different</a:t>
-            </a:r>
-            <a:r>
-              <a:rPr lang="it-IT" dirty="0"/>
-              <a:t> users </a:t>
-            </a:r>
-            <a:r>
-              <a:rPr lang="it-IT" dirty="0" err="1"/>
-              <a:t>typing</a:t>
-            </a:r>
-            <a:r>
-              <a:rPr lang="it-IT" dirty="0"/>
-              <a:t> styles</a:t>
-            </a:r>
-          </a:p>
-          <a:p>
-            <a:pPr lvl="1"/>
-            <a:r>
-              <a:rPr lang="en-GB" dirty="0"/>
-              <a:t>different level of wear and tear of a same hardware</a:t>
-            </a:r>
-            <a:endParaRPr lang="it-IT" dirty="0"/>
-          </a:p>
-        </p:txBody>
-      </p:sp>
-      <p:sp>
-        <p:nvSpPr>
-          <p:cNvPr id="4" name="Segnaposto piè di pagina 3">
-            <a:extLst>
-              <a:ext uri="{FF2B5EF4-FFF2-40B4-BE49-F238E27FC236}">
-                <a16:creationId xmlns:a16="http://schemas.microsoft.com/office/drawing/2014/main" id="{E6C479DE-644D-423E-8422-12A3E92BF5EC}"/>
-              </a:ext>
-            </a:extLst>
-          </p:cNvPr>
-          <p:cNvSpPr>
-            <a:spLocks noGrp="1"/>
-          </p:cNvSpPr>
-          <p:nvPr>
-            <p:ph type="ftr" sz="quarter" idx="11"/>
-          </p:nvPr>
-        </p:nvSpPr>
-        <p:spPr/>
-        <p:txBody>
-          <a:bodyPr/>
-          <a:lstStyle/>
-          <a:p>
-            <a:r>
-              <a:rPr lang="it-IT"/>
-              <a:t>Di Nardo Di Maio Raffaele</a:t>
-            </a:r>
-          </a:p>
-        </p:txBody>
-      </p:sp>
-      <p:sp>
-        <p:nvSpPr>
-          <p:cNvPr id="5" name="Segnaposto numero diapositiva 4">
-            <a:extLst>
-              <a:ext uri="{FF2B5EF4-FFF2-40B4-BE49-F238E27FC236}">
-                <a16:creationId xmlns:a16="http://schemas.microsoft.com/office/drawing/2014/main" id="{F58943A0-7B70-445F-8AB8-CCE50DCCE00F}"/>
-              </a:ext>
-            </a:extLst>
-          </p:cNvPr>
-          <p:cNvSpPr>
-            <a:spLocks noGrp="1"/>
-          </p:cNvSpPr>
-          <p:nvPr>
-            <p:ph type="sldNum" sz="quarter" idx="12"/>
-          </p:nvPr>
-        </p:nvSpPr>
-        <p:spPr/>
-        <p:txBody>
-          <a:bodyPr/>
-          <a:lstStyle/>
-          <a:p>
-            <a:fld id="{8DF98BA9-0B5D-48FD-8864-41A23C2934CC}" type="slidenum">
-              <a:rPr lang="it-IT" smtClean="0"/>
-              <a:t>9</a:t>
-            </a:fld>
-            <a:endParaRPr lang="it-IT"/>
-          </a:p>
-        </p:txBody>
-      </p:sp>
-      <p:sp>
-        <p:nvSpPr>
-          <p:cNvPr id="6" name="Segnaposto data 5">
-            <a:extLst>
-              <a:ext uri="{FF2B5EF4-FFF2-40B4-BE49-F238E27FC236}">
-                <a16:creationId xmlns:a16="http://schemas.microsoft.com/office/drawing/2014/main" id="{CD50C7DB-A4C2-46F5-B6E4-205A0DFCD286}"/>
-              </a:ext>
-            </a:extLst>
-          </p:cNvPr>
-          <p:cNvSpPr>
-            <a:spLocks noGrp="1"/>
-          </p:cNvSpPr>
-          <p:nvPr>
-            <p:ph type="dt" sz="half" idx="10"/>
-          </p:nvPr>
-        </p:nvSpPr>
-        <p:spPr/>
-        <p:txBody>
-          <a:bodyPr/>
-          <a:lstStyle/>
-          <a:p>
-            <a:r>
-              <a:rPr lang="it-IT"/>
-              <a:t>03/01/2021</a:t>
-            </a:r>
-          </a:p>
-        </p:txBody>
-      </p:sp>
-    </p:spTree>
-    <p:extLst>
-      <p:ext uri="{BB962C8B-B14F-4D97-AF65-F5344CB8AC3E}">
-        <p14:creationId xmlns:p14="http://schemas.microsoft.com/office/powerpoint/2010/main" val="240478739"/>
-      </p:ext>
-    </p:extLst>
-  </p:cSld>
-  <p:clrMapOvr>
-    <a:masterClrMapping/>
-  </p:clrMapOvr>
-</p:sld>
-</file>
-
-<file path=ppt/slides/slide11.xml><?xml version="1.0" encoding="utf-8"?>
-<p:sld xmlns:a="http://schemas.openxmlformats.org/drawingml/2006/main" xmlns:r="http://schemas.openxmlformats.org/officeDocument/2006/relationships" xmlns:p="http://schemas.openxmlformats.org/presentationml/2006/main">
-  <p:cSld>
-    <p:spTree>
-      <p:nvGrpSpPr>
-        <p:cNvPr id="1" name=""/>
-        <p:cNvGrpSpPr/>
-        <p:nvPr/>
-      </p:nvGrpSpPr>
-      <p:grpSpPr>
-        <a:xfrm>
-          <a:off x="0" y="0"/>
-          <a:ext cx="0" cy="0"/>
-          <a:chOff x="0" y="0"/>
-          <a:chExt cx="0" cy="0"/>
-        </a:xfrm>
-      </p:grpSpPr>
-      <p:sp>
-        <p:nvSpPr>
-          <p:cNvPr id="2" name="Titolo 1">
-            <a:extLst>
-              <a:ext uri="{FF2B5EF4-FFF2-40B4-BE49-F238E27FC236}">
                 <a16:creationId xmlns:a16="http://schemas.microsoft.com/office/drawing/2014/main" id="{092C4BEA-4B1E-4073-AF0C-BAFECB80C1E4}"/>
               </a:ext>
             </a:extLst>
@@ -7878,7 +7535,7 @@
           <a:p>
             <a:fld id="{8DF98BA9-0B5D-48FD-8864-41A23C2934CC}" type="slidenum">
               <a:rPr lang="it-IT" sz="1100" smtClean="0"/>
-              <a:t>10</a:t>
+              <a:t>9</a:t>
             </a:fld>
             <a:endParaRPr lang="it-IT" sz="1100"/>
           </a:p>
@@ -8096,7 +7753,7 @@
         </p:nvSpPr>
         <p:spPr>
           <a:xfrm>
-            <a:off x="442164" y="1720518"/>
+            <a:off x="442164" y="2117566"/>
             <a:ext cx="4129836" cy="1564099"/>
           </a:xfrm>
         </p:spPr>
@@ -8153,7 +7810,7 @@
         </p:nvSpPr>
         <p:spPr>
           <a:xfrm>
-            <a:off x="4807196" y="1717764"/>
+            <a:off x="4807196" y="2114812"/>
             <a:ext cx="3886654" cy="1564101"/>
           </a:xfrm>
           <a:prstGeom prst="rect">
@@ -8582,7 +8239,7 @@
         </p:blipFill>
         <p:spPr>
           <a:xfrm>
-            <a:off x="2948695" y="3234297"/>
+            <a:off x="2948695" y="3631345"/>
             <a:ext cx="1334494" cy="1929828"/>
           </a:xfrm>
           <a:prstGeom prst="rect">
@@ -8618,7 +8275,7 @@
         </p:blipFill>
         <p:spPr>
           <a:xfrm>
-            <a:off x="829429" y="3234297"/>
+            <a:off x="829429" y="3631345"/>
             <a:ext cx="2023010" cy="1929828"/>
           </a:xfrm>
           <a:prstGeom prst="rect">
@@ -8654,7 +8311,7 @@
         </p:blipFill>
         <p:spPr>
           <a:xfrm>
-            <a:off x="5350566" y="3231544"/>
+            <a:off x="5350566" y="3628592"/>
             <a:ext cx="2493355" cy="700027"/>
           </a:xfrm>
           <a:prstGeom prst="rect">
@@ -9073,6 +8730,396 @@
               <a:rPr lang="it-IT"/>
               <a:t>03/01/2021</a:t>
             </a:r>
+          </a:p>
+        </p:txBody>
+      </p:sp>
+      <p:sp>
+        <p:nvSpPr>
+          <p:cNvPr id="11" name="Segnaposto contenuto 2">
+            <a:extLst>
+              <a:ext uri="{FF2B5EF4-FFF2-40B4-BE49-F238E27FC236}">
+                <a16:creationId xmlns:a16="http://schemas.microsoft.com/office/drawing/2014/main" id="{2843687E-CB25-4CCC-9BF2-54373D009311}"/>
+              </a:ext>
+            </a:extLst>
+          </p:cNvPr>
+          <p:cNvSpPr txBox="1">
+            <a:spLocks/>
+          </p:cNvSpPr>
+          <p:nvPr/>
+        </p:nvSpPr>
+        <p:spPr>
+          <a:xfrm>
+            <a:off x="170465" y="1233559"/>
+            <a:ext cx="8795084" cy="840376"/>
+          </a:xfrm>
+          <a:prstGeom prst="rect">
+            <a:avLst/>
+          </a:prstGeom>
+          <a:effectLst>
+            <a:outerShdw blurRad="25400" dir="17880000">
+              <a:srgbClr val="000000">
+                <a:alpha val="46000"/>
+              </a:srgbClr>
+            </a:outerShdw>
+          </a:effectLst>
+        </p:spPr>
+        <p:txBody>
+          <a:bodyPr vert="horz" lIns="91440" tIns="45720" rIns="91440" bIns="45720" rtlCol="0" anchor="ctr">
+            <a:normAutofit/>
+          </a:bodyPr>
+          <a:lstStyle>
+            <a:lvl1pPr marL="342900" indent="-306000" algn="l" defTabSz="457200" rtl="0" eaLnBrk="1" latinLnBrk="0" hangingPunct="1">
+              <a:spcBef>
+                <a:spcPct val="20000"/>
+              </a:spcBef>
+              <a:spcAft>
+                <a:spcPts val="600"/>
+              </a:spcAft>
+              <a:buClr>
+                <a:schemeClr val="tx2"/>
+              </a:buClr>
+              <a:buSzPct val="70000"/>
+              <a:buFont typeface="Wingdings 2" charset="2"/>
+              <a:buChar char=""/>
+              <a:defRPr sz="2000" kern="1200">
+                <a:ln>
+                  <a:solidFill>
+                    <a:schemeClr val="bg1">
+                      <a:lumMod val="75000"/>
+                      <a:lumOff val="25000"/>
+                      <a:alpha val="10000"/>
+                    </a:schemeClr>
+                  </a:solidFill>
+                </a:ln>
+                <a:solidFill>
+                  <a:schemeClr val="tx2"/>
+                </a:solidFill>
+                <a:effectLst>
+                  <a:outerShdw blurRad="9525" dist="25400" dir="14640000" algn="tl" rotWithShape="0">
+                    <a:schemeClr val="bg1">
+                      <a:alpha val="30000"/>
+                    </a:schemeClr>
+                  </a:outerShdw>
+                </a:effectLst>
+                <a:latin typeface="+mn-lt"/>
+                <a:ea typeface="+mn-ea"/>
+                <a:cs typeface="+mn-cs"/>
+              </a:defRPr>
+            </a:lvl1pPr>
+            <a:lvl2pPr marL="720000" indent="-270000" algn="l" defTabSz="457200" rtl="0" eaLnBrk="1" latinLnBrk="0" hangingPunct="1">
+              <a:spcBef>
+                <a:spcPct val="20000"/>
+              </a:spcBef>
+              <a:spcAft>
+                <a:spcPts val="600"/>
+              </a:spcAft>
+              <a:buClr>
+                <a:schemeClr val="tx2"/>
+              </a:buClr>
+              <a:buSzPct val="70000"/>
+              <a:buFont typeface="Wingdings 2" charset="2"/>
+              <a:buChar char=""/>
+              <a:defRPr sz="1800" kern="1200">
+                <a:ln>
+                  <a:solidFill>
+                    <a:schemeClr val="bg1">
+                      <a:lumMod val="75000"/>
+                      <a:lumOff val="25000"/>
+                      <a:alpha val="10000"/>
+                    </a:schemeClr>
+                  </a:solidFill>
+                </a:ln>
+                <a:solidFill>
+                  <a:schemeClr val="tx2"/>
+                </a:solidFill>
+                <a:effectLst>
+                  <a:outerShdw blurRad="9525" dist="25400" dir="14640000" algn="tl" rotWithShape="0">
+                    <a:schemeClr val="bg1">
+                      <a:alpha val="30000"/>
+                    </a:schemeClr>
+                  </a:outerShdw>
+                </a:effectLst>
+                <a:latin typeface="+mn-lt"/>
+                <a:ea typeface="+mn-ea"/>
+                <a:cs typeface="+mn-cs"/>
+              </a:defRPr>
+            </a:lvl2pPr>
+            <a:lvl3pPr marL="1026000" indent="-216000" algn="l" defTabSz="457200" rtl="0" eaLnBrk="1" latinLnBrk="0" hangingPunct="1">
+              <a:spcBef>
+                <a:spcPct val="20000"/>
+              </a:spcBef>
+              <a:spcAft>
+                <a:spcPts val="600"/>
+              </a:spcAft>
+              <a:buClr>
+                <a:schemeClr val="tx2"/>
+              </a:buClr>
+              <a:buSzPct val="70000"/>
+              <a:buFont typeface="Wingdings 2" charset="2"/>
+              <a:buChar char=""/>
+              <a:defRPr sz="1600" kern="1200">
+                <a:ln>
+                  <a:solidFill>
+                    <a:schemeClr val="bg1">
+                      <a:lumMod val="75000"/>
+                      <a:lumOff val="25000"/>
+                      <a:alpha val="10000"/>
+                    </a:schemeClr>
+                  </a:solidFill>
+                </a:ln>
+                <a:solidFill>
+                  <a:schemeClr val="tx2"/>
+                </a:solidFill>
+                <a:effectLst>
+                  <a:outerShdw blurRad="9525" dist="25400" dir="14640000" algn="tl" rotWithShape="0">
+                    <a:schemeClr val="bg1">
+                      <a:alpha val="30000"/>
+                    </a:schemeClr>
+                  </a:outerShdw>
+                </a:effectLst>
+                <a:latin typeface="+mn-lt"/>
+                <a:ea typeface="+mn-ea"/>
+                <a:cs typeface="+mn-cs"/>
+              </a:defRPr>
+            </a:lvl3pPr>
+            <a:lvl4pPr marL="1386000" indent="-216000" algn="l" defTabSz="457200" rtl="0" eaLnBrk="1" latinLnBrk="0" hangingPunct="1">
+              <a:spcBef>
+                <a:spcPct val="20000"/>
+              </a:spcBef>
+              <a:spcAft>
+                <a:spcPts val="600"/>
+              </a:spcAft>
+              <a:buClr>
+                <a:schemeClr val="tx2"/>
+              </a:buClr>
+              <a:buSzPct val="70000"/>
+              <a:buFont typeface="Wingdings 2" charset="2"/>
+              <a:buChar char=""/>
+              <a:defRPr sz="1400" kern="1200">
+                <a:ln>
+                  <a:solidFill>
+                    <a:schemeClr val="bg1">
+                      <a:lumMod val="75000"/>
+                      <a:lumOff val="25000"/>
+                      <a:alpha val="10000"/>
+                    </a:schemeClr>
+                  </a:solidFill>
+                </a:ln>
+                <a:solidFill>
+                  <a:schemeClr val="tx2"/>
+                </a:solidFill>
+                <a:effectLst>
+                  <a:outerShdw blurRad="9525" dist="25400" dir="14640000" algn="tl" rotWithShape="0">
+                    <a:schemeClr val="bg1">
+                      <a:alpha val="30000"/>
+                    </a:schemeClr>
+                  </a:outerShdw>
+                </a:effectLst>
+                <a:latin typeface="+mn-lt"/>
+                <a:ea typeface="+mn-ea"/>
+                <a:cs typeface="+mn-cs"/>
+              </a:defRPr>
+            </a:lvl4pPr>
+            <a:lvl5pPr marL="1674000" indent="-216000" algn="l" defTabSz="457200" rtl="0" eaLnBrk="1" latinLnBrk="0" hangingPunct="1">
+              <a:spcBef>
+                <a:spcPct val="20000"/>
+              </a:spcBef>
+              <a:spcAft>
+                <a:spcPts val="600"/>
+              </a:spcAft>
+              <a:buClr>
+                <a:schemeClr val="tx2"/>
+              </a:buClr>
+              <a:buSzPct val="70000"/>
+              <a:buFont typeface="Wingdings 2" charset="2"/>
+              <a:buChar char=""/>
+              <a:defRPr sz="1400" kern="1200">
+                <a:ln>
+                  <a:solidFill>
+                    <a:schemeClr val="bg1">
+                      <a:lumMod val="75000"/>
+                      <a:lumOff val="25000"/>
+                      <a:alpha val="10000"/>
+                    </a:schemeClr>
+                  </a:solidFill>
+                </a:ln>
+                <a:solidFill>
+                  <a:schemeClr val="tx2"/>
+                </a:solidFill>
+                <a:effectLst>
+                  <a:outerShdw blurRad="9525" dist="25400" dir="14640000" algn="tl" rotWithShape="0">
+                    <a:schemeClr val="bg1">
+                      <a:alpha val="30000"/>
+                    </a:schemeClr>
+                  </a:outerShdw>
+                </a:effectLst>
+                <a:latin typeface="+mn-lt"/>
+                <a:ea typeface="+mn-ea"/>
+                <a:cs typeface="+mn-cs"/>
+              </a:defRPr>
+            </a:lvl5pPr>
+            <a:lvl6pPr marL="2014600" indent="-228600" algn="l" defTabSz="457200" rtl="0" eaLnBrk="1" latinLnBrk="0" hangingPunct="1">
+              <a:spcBef>
+                <a:spcPct val="20000"/>
+              </a:spcBef>
+              <a:spcAft>
+                <a:spcPts val="600"/>
+              </a:spcAft>
+              <a:buClr>
+                <a:schemeClr val="tx2"/>
+              </a:buClr>
+              <a:buSzPct val="70000"/>
+              <a:buFont typeface="Wingdings 2" charset="2"/>
+              <a:buChar char=""/>
+              <a:defRPr sz="1400" kern="1200">
+                <a:ln>
+                  <a:solidFill>
+                    <a:schemeClr val="bg1">
+                      <a:lumMod val="75000"/>
+                      <a:lumOff val="25000"/>
+                      <a:alpha val="10000"/>
+                    </a:schemeClr>
+                  </a:solidFill>
+                </a:ln>
+                <a:solidFill>
+                  <a:schemeClr val="tx2"/>
+                </a:solidFill>
+                <a:effectLst>
+                  <a:outerShdw blurRad="9525" dist="25400" dir="14640000" algn="tl" rotWithShape="0">
+                    <a:schemeClr val="bg1">
+                      <a:alpha val="30000"/>
+                    </a:schemeClr>
+                  </a:outerShdw>
+                </a:effectLst>
+                <a:latin typeface="+mn-lt"/>
+                <a:ea typeface="+mn-ea"/>
+                <a:cs typeface="+mn-cs"/>
+              </a:defRPr>
+            </a:lvl6pPr>
+            <a:lvl7pPr marL="2401800" indent="-228600" algn="l" defTabSz="457200" rtl="0" eaLnBrk="1" latinLnBrk="0" hangingPunct="1">
+              <a:spcBef>
+                <a:spcPct val="20000"/>
+              </a:spcBef>
+              <a:spcAft>
+                <a:spcPts val="600"/>
+              </a:spcAft>
+              <a:buClr>
+                <a:schemeClr val="tx2"/>
+              </a:buClr>
+              <a:buSzPct val="70000"/>
+              <a:buFont typeface="Wingdings 2" charset="2"/>
+              <a:buChar char=""/>
+              <a:defRPr sz="1400" kern="1200">
+                <a:ln>
+                  <a:solidFill>
+                    <a:schemeClr val="bg1">
+                      <a:lumMod val="75000"/>
+                      <a:lumOff val="25000"/>
+                      <a:alpha val="10000"/>
+                    </a:schemeClr>
+                  </a:solidFill>
+                </a:ln>
+                <a:solidFill>
+                  <a:schemeClr val="tx2"/>
+                </a:solidFill>
+                <a:effectLst>
+                  <a:outerShdw blurRad="9525" dist="25400" dir="14640000" algn="tl" rotWithShape="0">
+                    <a:schemeClr val="bg1">
+                      <a:alpha val="30000"/>
+                    </a:schemeClr>
+                  </a:outerShdw>
+                </a:effectLst>
+                <a:latin typeface="+mn-lt"/>
+                <a:ea typeface="+mn-ea"/>
+                <a:cs typeface="+mn-cs"/>
+              </a:defRPr>
+            </a:lvl7pPr>
+            <a:lvl8pPr marL="2789000" indent="-228600" algn="l" defTabSz="457200" rtl="0" eaLnBrk="1" latinLnBrk="0" hangingPunct="1">
+              <a:spcBef>
+                <a:spcPct val="20000"/>
+              </a:spcBef>
+              <a:spcAft>
+                <a:spcPts val="600"/>
+              </a:spcAft>
+              <a:buClr>
+                <a:schemeClr val="tx2"/>
+              </a:buClr>
+              <a:buSzPct val="70000"/>
+              <a:buFont typeface="Wingdings 2" charset="2"/>
+              <a:buChar char=""/>
+              <a:defRPr sz="1400" kern="1200">
+                <a:ln>
+                  <a:solidFill>
+                    <a:schemeClr val="bg1">
+                      <a:lumMod val="75000"/>
+                      <a:lumOff val="25000"/>
+                      <a:alpha val="10000"/>
+                    </a:schemeClr>
+                  </a:solidFill>
+                </a:ln>
+                <a:solidFill>
+                  <a:schemeClr val="tx2"/>
+                </a:solidFill>
+                <a:effectLst>
+                  <a:outerShdw blurRad="9525" dist="25400" dir="14640000" algn="tl" rotWithShape="0">
+                    <a:schemeClr val="bg1">
+                      <a:alpha val="30000"/>
+                    </a:schemeClr>
+                  </a:outerShdw>
+                </a:effectLst>
+                <a:latin typeface="+mn-lt"/>
+                <a:ea typeface="+mn-ea"/>
+                <a:cs typeface="+mn-cs"/>
+              </a:defRPr>
+            </a:lvl8pPr>
+            <a:lvl9pPr marL="3106200" indent="-228600" algn="l" defTabSz="457200" rtl="0" eaLnBrk="1" latinLnBrk="0" hangingPunct="1">
+              <a:spcBef>
+                <a:spcPct val="20000"/>
+              </a:spcBef>
+              <a:spcAft>
+                <a:spcPts val="600"/>
+              </a:spcAft>
+              <a:buClr>
+                <a:schemeClr val="tx2"/>
+              </a:buClr>
+              <a:buSzPct val="70000"/>
+              <a:buFont typeface="Wingdings 2" charset="2"/>
+              <a:buChar char=""/>
+              <a:defRPr sz="1400" kern="1200">
+                <a:ln>
+                  <a:solidFill>
+                    <a:schemeClr val="bg1">
+                      <a:lumMod val="75000"/>
+                      <a:lumOff val="25000"/>
+                      <a:alpha val="10000"/>
+                    </a:schemeClr>
+                  </a:solidFill>
+                </a:ln>
+                <a:solidFill>
+                  <a:schemeClr val="tx2"/>
+                </a:solidFill>
+                <a:effectLst>
+                  <a:outerShdw blurRad="9525" dist="25400" dir="14640000" algn="tl" rotWithShape="0">
+                    <a:schemeClr val="bg1">
+                      <a:alpha val="30000"/>
+                    </a:schemeClr>
+                  </a:outerShdw>
+                </a:effectLst>
+                <a:latin typeface="+mn-lt"/>
+                <a:ea typeface="+mn-ea"/>
+                <a:cs typeface="+mn-cs"/>
+              </a:defRPr>
+            </a:lvl9pPr>
+          </a:lstStyle>
+          <a:p>
+            <a:pPr marL="36900" indent="0" algn="ctr">
+              <a:buNone/>
+            </a:pPr>
+            <a:r>
+              <a:rPr lang="en-GB" sz="1600" dirty="0"/>
+              <a:t>program used to prevent bot activity on the web services</a:t>
+            </a:r>
+            <a:endParaRPr lang="it-IT" sz="1700" dirty="0"/>
           </a:p>
         </p:txBody>
       </p:sp>
@@ -9344,8 +9391,8 @@
         </p:nvSpPr>
         <p:spPr>
           <a:xfrm>
-            <a:off x="217557" y="1356526"/>
-            <a:ext cx="8708886" cy="840376"/>
+            <a:off x="174458" y="1350111"/>
+            <a:ext cx="8795084" cy="840376"/>
           </a:xfrm>
           <a:prstGeom prst="rect">
             <a:avLst/>
@@ -9359,7 +9406,7 @@
           </a:effectLst>
         </p:spPr>
         <p:txBody>
-          <a:bodyPr vert="horz" lIns="91440" tIns="45720" rIns="91440" bIns="45720" rtlCol="0" anchor="t">
+          <a:bodyPr vert="horz" lIns="91440" tIns="45720" rIns="91440" bIns="45720" rtlCol="0" anchor="ctr">
             <a:normAutofit fontScale="92500"/>
           </a:bodyPr>
           <a:lstStyle>
@@ -9712,7 +9759,7 @@
             </a:pPr>
             <a:r>
               <a:rPr lang="en-GB" sz="1600" dirty="0"/>
-              <a:t>Acoustic CAPPCHA  (Completely Automated Public Physical test to tell Computer </a:t>
+              <a:t>Acoustic CAPPCHA  (Completely Automated Public Physical test to tell Computers </a:t>
             </a:r>
             <a:r>
               <a:rPr lang="it-IT" sz="1600" dirty="0"/>
@@ -10003,7 +10050,7 @@
         <p:spPr>
           <a:xfrm>
             <a:off x="4872789" y="2887550"/>
-            <a:ext cx="3797966" cy="1938992"/>
+            <a:ext cx="3797966" cy="2139047"/>
           </a:xfrm>
           <a:prstGeom prst="rect">
             <a:avLst/>
@@ -10017,6 +10064,9 @@
           <a:lstStyle/>
           <a:p>
             <a:pPr marL="285750" indent="-285750">
+              <a:lnSpc>
+                <a:spcPct val="150000"/>
+              </a:lnSpc>
               <a:buClr>
                 <a:schemeClr val="accent2">
                   <a:lumMod val="75000"/>
@@ -10188,6 +10238,9 @@
           </a:p>
           <a:p>
             <a:pPr marL="285750" indent="-285750">
+              <a:lnSpc>
+                <a:spcPct val="150000"/>
+              </a:lnSpc>
               <a:buClr>
                 <a:schemeClr val="accent2">
                   <a:lumMod val="75000"/>
@@ -10246,13 +10299,6 @@
                 <a:solidFill>
                   <a:schemeClr val="tx2"/>
                 </a:solidFill>
-                <a:effectLst>
-                  <a:outerShdw blurRad="38100" dist="38100" dir="2700000" algn="tl">
-                    <a:srgbClr val="000000">
-                      <a:alpha val="43137"/>
-                    </a:srgbClr>
-                  </a:outerShdw>
-                </a:effectLst>
               </a:rPr>
               <a:t>An audio file </a:t>
             </a:r>
@@ -10261,13 +10307,6 @@
                 <a:solidFill>
                   <a:schemeClr val="tx2"/>
                 </a:solidFill>
-                <a:effectLst>
-                  <a:outerShdw blurRad="38100" dist="38100" dir="2700000" algn="tl">
-                    <a:srgbClr val="000000">
-                      <a:alpha val="43137"/>
-                    </a:srgbClr>
-                  </a:outerShdw>
-                </a:effectLst>
               </a:rPr>
               <a:t>is</a:t>
             </a:r>
@@ -10276,13 +10315,6 @@
                 <a:solidFill>
                   <a:schemeClr val="tx2"/>
                 </a:solidFill>
-                <a:effectLst>
-                  <a:outerShdw blurRad="38100" dist="38100" dir="2700000" algn="tl">
-                    <a:srgbClr val="000000">
-                      <a:alpha val="43137"/>
-                    </a:srgbClr>
-                  </a:outerShdw>
-                </a:effectLst>
               </a:rPr>
               <a:t> </a:t>
             </a:r>
@@ -10291,13 +10323,6 @@
                 <a:solidFill>
                   <a:schemeClr val="tx2"/>
                 </a:solidFill>
-                <a:effectLst>
-                  <a:outerShdw blurRad="38100" dist="38100" dir="2700000" algn="tl">
-                    <a:srgbClr val="000000">
-                      <a:alpha val="43137"/>
-                    </a:srgbClr>
-                  </a:outerShdw>
-                </a:effectLst>
               </a:rPr>
               <a:t>recorded</a:t>
             </a:r>
@@ -10306,13 +10331,6 @@
                 <a:solidFill>
                   <a:schemeClr val="tx2"/>
                 </a:solidFill>
-                <a:effectLst>
-                  <a:outerShdw blurRad="38100" dist="38100" dir="2700000" algn="tl">
-                    <a:srgbClr val="000000">
-                      <a:alpha val="43137"/>
-                    </a:srgbClr>
-                  </a:outerShdw>
-                </a:effectLst>
               </a:rPr>
               <a:t> to </a:t>
             </a:r>
@@ -10321,13 +10339,6 @@
                 <a:solidFill>
                   <a:schemeClr val="tx2"/>
                 </a:solidFill>
-                <a:effectLst>
-                  <a:outerShdw blurRad="38100" dist="38100" dir="2700000" algn="tl">
-                    <a:srgbClr val="000000">
-                      <a:alpha val="43137"/>
-                    </a:srgbClr>
-                  </a:outerShdw>
-                </a:effectLst>
               </a:rPr>
               <a:t>find</a:t>
             </a:r>
@@ -10336,13 +10347,6 @@
                 <a:solidFill>
                   <a:schemeClr val="tx2"/>
                 </a:solidFill>
-                <a:effectLst>
-                  <a:outerShdw blurRad="38100" dist="38100" dir="2700000" algn="tl">
-                    <a:srgbClr val="000000">
-                      <a:alpha val="43137"/>
-                    </a:srgbClr>
-                  </a:outerShdw>
-                </a:effectLst>
               </a:rPr>
               <a:t> </a:t>
             </a:r>
@@ -10351,13 +10355,6 @@
                 <a:solidFill>
                   <a:schemeClr val="tx2"/>
                 </a:solidFill>
-                <a:effectLst>
-                  <a:outerShdw blurRad="38100" dist="38100" dir="2700000" algn="tl">
-                    <a:srgbClr val="000000">
-                      <a:alpha val="43137"/>
-                    </a:srgbClr>
-                  </a:outerShdw>
-                </a:effectLst>
               </a:rPr>
               <a:t>all</a:t>
             </a:r>
@@ -10366,13 +10363,6 @@
                 <a:solidFill>
                   <a:schemeClr val="tx2"/>
                 </a:solidFill>
-                <a:effectLst>
-                  <a:outerShdw blurRad="38100" dist="38100" dir="2700000" algn="tl">
-                    <a:srgbClr val="000000">
-                      <a:alpha val="43137"/>
-                    </a:srgbClr>
-                  </a:outerShdw>
-                </a:effectLst>
               </a:rPr>
               <a:t> the audio </a:t>
             </a:r>
@@ -10381,13 +10371,6 @@
                 <a:solidFill>
                   <a:schemeClr val="tx2"/>
                 </a:solidFill>
-                <a:effectLst>
-                  <a:outerShdw blurRad="38100" dist="38100" dir="2700000" algn="tl">
-                    <a:srgbClr val="000000">
-                      <a:alpha val="43137"/>
-                    </a:srgbClr>
-                  </a:outerShdw>
-                </a:effectLst>
               </a:rPr>
               <a:t>peaks</a:t>
             </a:r>
@@ -10396,13 +10379,6 @@
                 <a:solidFill>
                   <a:schemeClr val="tx2"/>
                 </a:solidFill>
-                <a:effectLst>
-                  <a:outerShdw blurRad="38100" dist="38100" dir="2700000" algn="tl">
-                    <a:srgbClr val="000000">
-                      <a:alpha val="43137"/>
-                    </a:srgbClr>
-                  </a:outerShdw>
-                </a:effectLst>
               </a:rPr>
               <a:t>  </a:t>
             </a:r>
@@ -10411,13 +10387,6 @@
                 <a:solidFill>
                   <a:schemeClr val="tx2"/>
                 </a:solidFill>
-                <a:effectLst>
-                  <a:outerShdw blurRad="38100" dist="38100" dir="2700000" algn="tl">
-                    <a:srgbClr val="000000">
-                      <a:alpha val="43137"/>
-                    </a:srgbClr>
-                  </a:outerShdw>
-                </a:effectLst>
               </a:rPr>
               <a:t>that</a:t>
             </a:r>
@@ -10426,13 +10395,6 @@
                 <a:solidFill>
                   <a:schemeClr val="tx2"/>
                 </a:solidFill>
-                <a:effectLst>
-                  <a:outerShdw blurRad="38100" dist="38100" dir="2700000" algn="tl">
-                    <a:srgbClr val="000000">
-                      <a:alpha val="43137"/>
-                    </a:srgbClr>
-                  </a:outerShdw>
-                </a:effectLst>
               </a:rPr>
               <a:t> </a:t>
             </a:r>
@@ -10441,13 +10403,6 @@
                 <a:solidFill>
                   <a:schemeClr val="tx2"/>
                 </a:solidFill>
-                <a:effectLst>
-                  <a:outerShdw blurRad="38100" dist="38100" dir="2700000" algn="tl">
-                    <a:srgbClr val="000000">
-                      <a:alpha val="43137"/>
-                    </a:srgbClr>
-                  </a:outerShdw>
-                </a:effectLst>
               </a:rPr>
               <a:t>have</a:t>
             </a:r>
@@ -10456,13 +10411,6 @@
                 <a:solidFill>
                   <a:schemeClr val="tx2"/>
                 </a:solidFill>
-                <a:effectLst>
-                  <a:outerShdw blurRad="38100" dist="38100" dir="2700000" algn="tl">
-                    <a:srgbClr val="000000">
-                      <a:alpha val="43137"/>
-                    </a:srgbClr>
-                  </a:outerShdw>
-                </a:effectLst>
               </a:rPr>
               <a:t> </a:t>
             </a:r>
@@ -10471,13 +10419,6 @@
                 <a:solidFill>
                   <a:schemeClr val="tx2"/>
                 </a:solidFill>
-                <a:effectLst>
-                  <a:outerShdw blurRad="38100" dist="38100" dir="2700000" algn="tl">
-                    <a:srgbClr val="000000">
-                      <a:alpha val="43137"/>
-                    </a:srgbClr>
-                  </a:outerShdw>
-                </a:effectLst>
               </a:rPr>
               <a:t>intensity</a:t>
             </a:r>
@@ -10486,13 +10427,6 @@
                 <a:solidFill>
                   <a:schemeClr val="tx2"/>
                 </a:solidFill>
-                <a:effectLst>
-                  <a:outerShdw blurRad="38100" dist="38100" dir="2700000" algn="tl">
-                    <a:srgbClr val="000000">
-                      <a:alpha val="43137"/>
-                    </a:srgbClr>
-                  </a:outerShdw>
-                </a:effectLst>
               </a:rPr>
               <a:t>  </a:t>
             </a:r>
@@ -10501,13 +10435,6 @@
                 <a:solidFill>
                   <a:schemeClr val="tx2"/>
                 </a:solidFill>
-                <a:effectLst>
-                  <a:outerShdw blurRad="38100" dist="38100" dir="2700000" algn="tl">
-                    <a:srgbClr val="000000">
-                      <a:alpha val="43137"/>
-                    </a:srgbClr>
-                  </a:outerShdw>
-                </a:effectLst>
               </a:rPr>
               <a:t>greater</a:t>
             </a:r>
@@ -10516,13 +10443,6 @@
                 <a:solidFill>
                   <a:schemeClr val="tx2"/>
                 </a:solidFill>
-                <a:effectLst>
-                  <a:outerShdw blurRad="38100" dist="38100" dir="2700000" algn="tl">
-                    <a:srgbClr val="000000">
-                      <a:alpha val="43137"/>
-                    </a:srgbClr>
-                  </a:outerShdw>
-                </a:effectLst>
               </a:rPr>
               <a:t> </a:t>
             </a:r>
@@ -10531,13 +10451,6 @@
                 <a:solidFill>
                   <a:schemeClr val="tx2"/>
                 </a:solidFill>
-                <a:effectLst>
-                  <a:outerShdw blurRad="38100" dist="38100" dir="2700000" algn="tl">
-                    <a:srgbClr val="000000">
-                      <a:alpha val="43137"/>
-                    </a:srgbClr>
-                  </a:outerShdw>
-                </a:effectLst>
               </a:rPr>
               <a:t>than</a:t>
             </a:r>
@@ -10546,13 +10459,6 @@
                 <a:solidFill>
                   <a:schemeClr val="tx2"/>
                 </a:solidFill>
-                <a:effectLst>
-                  <a:outerShdw blurRad="38100" dist="38100" dir="2700000" algn="tl">
-                    <a:srgbClr val="000000">
-                      <a:alpha val="43137"/>
-                    </a:srgbClr>
-                  </a:outerShdw>
-                </a:effectLst>
               </a:rPr>
               <a:t> </a:t>
             </a:r>
@@ -10561,13 +10467,6 @@
                 <a:solidFill>
                   <a:schemeClr val="tx2"/>
                 </a:solidFill>
-                <a:effectLst>
-                  <a:outerShdw blurRad="38100" dist="38100" dir="2700000" algn="tl">
-                    <a:srgbClr val="000000">
-                      <a:alpha val="43137"/>
-                    </a:srgbClr>
-                  </a:outerShdw>
-                </a:effectLst>
               </a:rPr>
               <a:t>noise</a:t>
             </a:r>
@@ -10576,13 +10475,6 @@
                 <a:solidFill>
                   <a:schemeClr val="tx2"/>
                 </a:solidFill>
-                <a:effectLst>
-                  <a:outerShdw blurRad="38100" dist="38100" dir="2700000" algn="tl">
-                    <a:srgbClr val="000000">
-                      <a:alpha val="43137"/>
-                    </a:srgbClr>
-                  </a:outerShdw>
-                </a:effectLst>
               </a:rPr>
               <a:t> </a:t>
             </a:r>
@@ -10591,13 +10483,6 @@
                 <a:solidFill>
                   <a:schemeClr val="tx2"/>
                 </a:solidFill>
-                <a:effectLst>
-                  <a:outerShdw blurRad="38100" dist="38100" dir="2700000" algn="tl">
-                    <a:srgbClr val="000000">
-                      <a:alpha val="43137"/>
-                    </a:srgbClr>
-                  </a:outerShdw>
-                </a:effectLst>
               </a:rPr>
               <a:t>threshold</a:t>
             </a:r>
@@ -10606,13 +10491,6 @@
                 <a:solidFill>
                   <a:schemeClr val="tx2"/>
                 </a:solidFill>
-                <a:effectLst>
-                  <a:outerShdw blurRad="38100" dist="38100" dir="2700000" algn="tl">
-                    <a:srgbClr val="000000">
-                      <a:alpha val="43137"/>
-                    </a:srgbClr>
-                  </a:outerShdw>
-                </a:effectLst>
               </a:rPr>
               <a:t> and are </a:t>
             </a:r>
@@ -10621,13 +10499,6 @@
                 <a:solidFill>
                   <a:schemeClr val="tx2"/>
                 </a:solidFill>
-                <a:effectLst>
-                  <a:outerShdw blurRad="38100" dist="38100" dir="2700000" algn="tl">
-                    <a:srgbClr val="000000">
-                      <a:alpha val="43137"/>
-                    </a:srgbClr>
-                  </a:outerShdw>
-                </a:effectLst>
               </a:rPr>
               <a:t>related</a:t>
             </a:r>
@@ -10636,13 +10507,6 @@
                 <a:solidFill>
                   <a:schemeClr val="tx2"/>
                 </a:solidFill>
-                <a:effectLst>
-                  <a:outerShdw blurRad="38100" dist="38100" dir="2700000" algn="tl">
-                    <a:srgbClr val="000000">
-                      <a:alpha val="43137"/>
-                    </a:srgbClr>
-                  </a:outerShdw>
-                </a:effectLst>
               </a:rPr>
               <a:t> to the </a:t>
             </a:r>
@@ -10651,13 +10515,6 @@
                 <a:solidFill>
                   <a:schemeClr val="tx2"/>
                 </a:solidFill>
-                <a:effectLst>
-                  <a:outerShdw blurRad="38100" dist="38100" dir="2700000" algn="tl">
-                    <a:srgbClr val="000000">
-                      <a:alpha val="43137"/>
-                    </a:srgbClr>
-                  </a:outerShdw>
-                </a:effectLst>
               </a:rPr>
               <a:t>keyboard</a:t>
             </a:r>
@@ -10666,13 +10523,6 @@
                 <a:solidFill>
                   <a:schemeClr val="tx2"/>
                 </a:solidFill>
-                <a:effectLst>
-                  <a:outerShdw blurRad="38100" dist="38100" dir="2700000" algn="tl">
-                    <a:srgbClr val="000000">
-                      <a:alpha val="43137"/>
-                    </a:srgbClr>
-                  </a:outerShdw>
-                </a:effectLst>
               </a:rPr>
               <a:t> events</a:t>
             </a:r>
@@ -10681,13 +10531,6 @@
                 <a:solidFill>
                   <a:schemeClr val="tx2"/>
                 </a:solidFill>
-                <a:effectLst>
-                  <a:outerShdw blurRad="38100" dist="38100" dir="2700000" algn="tl">
-                    <a:srgbClr val="000000">
-                      <a:alpha val="43137"/>
-                    </a:srgbClr>
-                  </a:outerShdw>
-                </a:effectLst>
               </a:rPr>
               <a:t> </a:t>
             </a:r>
@@ -11643,7 +11486,7 @@
             <a:pPr marL="699750" lvl="1" indent="-285750"/>
             <a:r>
               <a:rPr lang="en-GB" sz="1600" dirty="0"/>
-              <a:t> Normalized FFT of touch peak</a:t>
+              <a:t>Normalized FFT of touch peak</a:t>
             </a:r>
           </a:p>
           <a:p>
@@ -12613,7 +12456,7 @@
           <p:cNvPr id="2" name="Titolo 1">
             <a:extLst>
               <a:ext uri="{FF2B5EF4-FFF2-40B4-BE49-F238E27FC236}">
-                <a16:creationId xmlns:a16="http://schemas.microsoft.com/office/drawing/2014/main" id="{8BC4D82F-1869-4B47-A6C3-9F3785585E51}"/>
+                <a16:creationId xmlns:a16="http://schemas.microsoft.com/office/drawing/2014/main" id="{0181F325-A9A6-4DA0-BC6B-47E4ADE57310}"/>
               </a:ext>
             </a:extLst>
           </p:cNvPr>
@@ -12626,19 +12469,21 @@
         </p:nvSpPr>
         <p:spPr>
           <a:xfrm>
-            <a:off x="1277382" y="363088"/>
-            <a:ext cx="6589231" cy="1172153"/>
+            <a:off x="435114" y="812903"/>
+            <a:ext cx="4136886" cy="839835"/>
           </a:xfrm>
         </p:spPr>
         <p:txBody>
-          <a:bodyPr/>
+          <a:bodyPr>
+            <a:normAutofit/>
+          </a:bodyPr>
           <a:lstStyle/>
           <a:p>
             <a:r>
-              <a:rPr lang="en-GB" dirty="0"/>
-              <a:t>Bot detection</a:t>
-            </a:r>
-            <a:endParaRPr lang="it-IT" dirty="0"/>
+              <a:rPr lang="en-GB" sz="2400" dirty="0"/>
+              <a:t>Human detection</a:t>
+            </a:r>
+            <a:endParaRPr lang="it-IT" sz="2400" dirty="0"/>
           </a:p>
         </p:txBody>
       </p:sp>
@@ -12647,7 +12492,7 @@
           <p:cNvPr id="3" name="Segnaposto contenuto 2">
             <a:extLst>
               <a:ext uri="{FF2B5EF4-FFF2-40B4-BE49-F238E27FC236}">
-                <a16:creationId xmlns:a16="http://schemas.microsoft.com/office/drawing/2014/main" id="{3FDFE650-6B67-475D-BA84-620FC14C13A9}"/>
+                <a16:creationId xmlns:a16="http://schemas.microsoft.com/office/drawing/2014/main" id="{838C74B5-0CD6-4C31-B56B-ABD908F08D61}"/>
               </a:ext>
             </a:extLst>
           </p:cNvPr>
@@ -12660,14 +12505,12 @@
         </p:nvSpPr>
         <p:spPr>
           <a:xfrm>
-            <a:off x="776626" y="2416674"/>
-            <a:ext cx="3795373" cy="1012325"/>
+            <a:off x="544900" y="1499715"/>
+            <a:ext cx="3966130" cy="2514468"/>
           </a:xfrm>
         </p:spPr>
         <p:txBody>
-          <a:bodyPr>
-            <a:normAutofit/>
-          </a:bodyPr>
+          <a:bodyPr/>
           <a:lstStyle/>
           <a:p>
             <a:pPr>
@@ -12685,52 +12528,27 @@
                   </a:schemeClr>
                 </a:solidFill>
               </a:rPr>
-              <a:t>Low noise during noise evaluation</a:t>
-            </a:r>
-          </a:p>
-          <a:p>
-            <a:pPr marL="414000" lvl="1" indent="0">
-              <a:buClr>
-                <a:schemeClr val="accent2">
-                  <a:lumMod val="75000"/>
-                </a:schemeClr>
-              </a:buClr>
-              <a:buNone/>
-            </a:pPr>
+              <a:t>Results</a:t>
+            </a:r>
+          </a:p>
+          <a:p>
+            <a:pPr lvl="1"/>
             <a:r>
               <a:rPr lang="en-GB" sz="1400" dirty="0"/>
-              <a:t>some audio peaks are detected during the insertion of the password</a:t>
-            </a:r>
-          </a:p>
-        </p:txBody>
-      </p:sp>
-      <p:sp>
-        <p:nvSpPr>
-          <p:cNvPr id="4" name="Segnaposto contenuto 3">
-            <a:extLst>
-              <a:ext uri="{FF2B5EF4-FFF2-40B4-BE49-F238E27FC236}">
-                <a16:creationId xmlns:a16="http://schemas.microsoft.com/office/drawing/2014/main" id="{07764D0A-8D70-458F-9AB6-16DF3BE03095}"/>
-              </a:ext>
-            </a:extLst>
-          </p:cNvPr>
-          <p:cNvSpPr>
-            <a:spLocks noGrp="1"/>
-          </p:cNvSpPr>
-          <p:nvPr>
-            <p:ph sz="half" idx="2"/>
-          </p:nvPr>
-        </p:nvSpPr>
-        <p:spPr>
-          <a:xfrm>
-            <a:off x="4521836" y="2416674"/>
-            <a:ext cx="3798499" cy="1012325"/>
-          </a:xfrm>
-        </p:spPr>
-        <p:txBody>
-          <a:bodyPr>
-            <a:normAutofit/>
-          </a:bodyPr>
-          <a:lstStyle/>
+              <a:t>Time correspondence is the best method</a:t>
+            </a:r>
+          </a:p>
+          <a:p>
+            <a:pPr lvl="1"/>
+            <a:r>
+              <a:rPr lang="en-GB" sz="1400" dirty="0"/>
+              <a:t>It reaches an accuracy of 100% by inserting a password of 14 characters </a:t>
+            </a:r>
+            <a:r>
+              <a:rPr lang="en-GB" sz="1400" b="1" i="1" dirty="0"/>
+              <a:t>“he35ghibn564st”</a:t>
+            </a:r>
+          </a:p>
           <a:p>
             <a:pPr>
               <a:buClr>
@@ -12747,755 +12565,18 @@
                   </a:schemeClr>
                 </a:solidFill>
               </a:rPr>
-              <a:t>High noise during noise evaluation</a:t>
+              <a:t>Relaxation results</a:t>
             </a:r>
           </a:p>
           <a:p>
             <a:pPr marL="414000" lvl="1" indent="0">
-              <a:buClr>
-                <a:schemeClr val="accent2">
-                  <a:lumMod val="75000"/>
-                </a:schemeClr>
-              </a:buClr>
               <a:buNone/>
             </a:pPr>
             <a:r>
               <a:rPr lang="en-GB" sz="1400" dirty="0"/>
-              <a:t>no audio peaks are detected during the insertion of the password</a:t>
-            </a:r>
-          </a:p>
-        </p:txBody>
-      </p:sp>
-      <p:sp>
-        <p:nvSpPr>
-          <p:cNvPr id="7" name="Segnaposto piè di pagina 3">
-            <a:extLst>
-              <a:ext uri="{FF2B5EF4-FFF2-40B4-BE49-F238E27FC236}">
-                <a16:creationId xmlns:a16="http://schemas.microsoft.com/office/drawing/2014/main" id="{8D9BAA77-6343-42F9-AE34-23C6B3ED04DF}"/>
-              </a:ext>
-            </a:extLst>
-          </p:cNvPr>
-          <p:cNvSpPr>
-            <a:spLocks noGrp="1"/>
-          </p:cNvSpPr>
-          <p:nvPr>
-            <p:ph type="ftr" sz="quarter" idx="11"/>
-          </p:nvPr>
-        </p:nvSpPr>
-        <p:spPr>
-          <a:xfrm>
-            <a:off x="435114" y="5883276"/>
-            <a:ext cx="5505114" cy="365125"/>
-          </a:xfrm>
-        </p:spPr>
-        <p:txBody>
-          <a:bodyPr/>
-          <a:lstStyle/>
-          <a:p>
-            <a:r>
-              <a:rPr lang="en-GB" sz="1100" dirty="0"/>
-              <a:t>Di Nardo Di Maio Raffaele</a:t>
-            </a:r>
-            <a:endParaRPr lang="it-IT" sz="1100" dirty="0"/>
-          </a:p>
-        </p:txBody>
-      </p:sp>
-      <p:sp>
-        <p:nvSpPr>
-          <p:cNvPr id="8" name="Segnaposto numero diapositiva 4">
-            <a:extLst>
-              <a:ext uri="{FF2B5EF4-FFF2-40B4-BE49-F238E27FC236}">
-                <a16:creationId xmlns:a16="http://schemas.microsoft.com/office/drawing/2014/main" id="{1771D739-BB27-4602-88AA-6AB5729AC561}"/>
-              </a:ext>
-            </a:extLst>
-          </p:cNvPr>
-          <p:cNvSpPr>
-            <a:spLocks noGrp="1"/>
-          </p:cNvSpPr>
-          <p:nvPr>
-            <p:ph type="sldNum" sz="quarter" idx="12"/>
-          </p:nvPr>
-        </p:nvSpPr>
-        <p:spPr>
-          <a:xfrm>
-            <a:off x="7885509" y="5883276"/>
-            <a:ext cx="565159" cy="365125"/>
-          </a:xfrm>
-        </p:spPr>
-        <p:txBody>
-          <a:bodyPr/>
-          <a:lstStyle/>
-          <a:p>
-            <a:fld id="{8DF98BA9-0B5D-48FD-8864-41A23C2934CC}" type="slidenum">
-              <a:rPr lang="it-IT" sz="1100" smtClean="0"/>
-              <a:t>7</a:t>
-            </a:fld>
-            <a:endParaRPr lang="it-IT" sz="1100"/>
-          </a:p>
-        </p:txBody>
-      </p:sp>
-      <p:sp>
-        <p:nvSpPr>
-          <p:cNvPr id="5" name="Segnaposto data 4">
-            <a:extLst>
-              <a:ext uri="{FF2B5EF4-FFF2-40B4-BE49-F238E27FC236}">
-                <a16:creationId xmlns:a16="http://schemas.microsoft.com/office/drawing/2014/main" id="{2F9F976B-D068-4DEA-9C18-0ECD5F7DE3B7}"/>
-              </a:ext>
-            </a:extLst>
-          </p:cNvPr>
-          <p:cNvSpPr>
-            <a:spLocks noGrp="1"/>
-          </p:cNvSpPr>
-          <p:nvPr>
-            <p:ph type="dt" sz="half" idx="10"/>
-          </p:nvPr>
-        </p:nvSpPr>
-        <p:spPr/>
-        <p:txBody>
-          <a:bodyPr/>
-          <a:lstStyle/>
-          <a:p>
-            <a:r>
-              <a:rPr lang="it-IT"/>
-              <a:t>03/01/2021</a:t>
-            </a:r>
-          </a:p>
-        </p:txBody>
-      </p:sp>
-      <p:sp>
-        <p:nvSpPr>
-          <p:cNvPr id="9" name="Segnaposto contenuto 2">
-            <a:extLst>
-              <a:ext uri="{FF2B5EF4-FFF2-40B4-BE49-F238E27FC236}">
-                <a16:creationId xmlns:a16="http://schemas.microsoft.com/office/drawing/2014/main" id="{C477303C-1007-4967-A890-9E8C38391A1E}"/>
-              </a:ext>
-            </a:extLst>
-          </p:cNvPr>
-          <p:cNvSpPr txBox="1">
-            <a:spLocks/>
-          </p:cNvSpPr>
-          <p:nvPr/>
-        </p:nvSpPr>
-        <p:spPr>
-          <a:xfrm>
-            <a:off x="1357662" y="1251492"/>
-            <a:ext cx="6428673" cy="1049013"/>
-          </a:xfrm>
-          <a:prstGeom prst="rect">
-            <a:avLst/>
-          </a:prstGeom>
-          <a:effectLst>
-            <a:outerShdw blurRad="25400" dir="17880000">
-              <a:srgbClr val="000000">
-                <a:alpha val="46000"/>
-              </a:srgbClr>
-            </a:outerShdw>
-          </a:effectLst>
-        </p:spPr>
-        <p:txBody>
-          <a:bodyPr vert="horz" lIns="91440" tIns="45720" rIns="91440" bIns="45720" rtlCol="0" anchor="t">
-            <a:normAutofit lnSpcReduction="10000"/>
-          </a:bodyPr>
-          <a:lstStyle>
-            <a:lvl1pPr marL="342900" indent="-306000" algn="l" defTabSz="457200" rtl="0" eaLnBrk="1" latinLnBrk="0" hangingPunct="1">
-              <a:spcBef>
-                <a:spcPct val="20000"/>
-              </a:spcBef>
-              <a:spcAft>
-                <a:spcPts val="600"/>
-              </a:spcAft>
-              <a:buClr>
-                <a:schemeClr val="tx2"/>
-              </a:buClr>
-              <a:buSzPct val="70000"/>
-              <a:buFont typeface="Wingdings 2" charset="2"/>
-              <a:buChar char=""/>
-              <a:defRPr sz="2000" kern="1200">
-                <a:ln>
-                  <a:solidFill>
-                    <a:schemeClr val="bg1">
-                      <a:lumMod val="75000"/>
-                      <a:lumOff val="25000"/>
-                      <a:alpha val="10000"/>
-                    </a:schemeClr>
-                  </a:solidFill>
-                </a:ln>
-                <a:solidFill>
-                  <a:schemeClr val="tx2"/>
-                </a:solidFill>
-                <a:effectLst>
-                  <a:outerShdw blurRad="9525" dist="25400" dir="14640000" algn="tl" rotWithShape="0">
-                    <a:schemeClr val="bg1">
-                      <a:alpha val="30000"/>
-                    </a:schemeClr>
-                  </a:outerShdw>
-                </a:effectLst>
-                <a:latin typeface="+mn-lt"/>
-                <a:ea typeface="+mn-ea"/>
-                <a:cs typeface="+mn-cs"/>
-              </a:defRPr>
-            </a:lvl1pPr>
-            <a:lvl2pPr marL="720000" indent="-270000" algn="l" defTabSz="457200" rtl="0" eaLnBrk="1" latinLnBrk="0" hangingPunct="1">
-              <a:spcBef>
-                <a:spcPct val="20000"/>
-              </a:spcBef>
-              <a:spcAft>
-                <a:spcPts val="600"/>
-              </a:spcAft>
-              <a:buClr>
-                <a:schemeClr val="tx2"/>
-              </a:buClr>
-              <a:buSzPct val="70000"/>
-              <a:buFont typeface="Wingdings 2" charset="2"/>
-              <a:buChar char=""/>
-              <a:defRPr sz="1800" kern="1200">
-                <a:ln>
-                  <a:solidFill>
-                    <a:schemeClr val="bg1">
-                      <a:lumMod val="75000"/>
-                      <a:lumOff val="25000"/>
-                      <a:alpha val="10000"/>
-                    </a:schemeClr>
-                  </a:solidFill>
-                </a:ln>
-                <a:solidFill>
-                  <a:schemeClr val="tx2"/>
-                </a:solidFill>
-                <a:effectLst>
-                  <a:outerShdw blurRad="9525" dist="25400" dir="14640000" algn="tl" rotWithShape="0">
-                    <a:schemeClr val="bg1">
-                      <a:alpha val="30000"/>
-                    </a:schemeClr>
-                  </a:outerShdw>
-                </a:effectLst>
-                <a:latin typeface="+mn-lt"/>
-                <a:ea typeface="+mn-ea"/>
-                <a:cs typeface="+mn-cs"/>
-              </a:defRPr>
-            </a:lvl2pPr>
-            <a:lvl3pPr marL="1026000" indent="-216000" algn="l" defTabSz="457200" rtl="0" eaLnBrk="1" latinLnBrk="0" hangingPunct="1">
-              <a:spcBef>
-                <a:spcPct val="20000"/>
-              </a:spcBef>
-              <a:spcAft>
-                <a:spcPts val="600"/>
-              </a:spcAft>
-              <a:buClr>
-                <a:schemeClr val="tx2"/>
-              </a:buClr>
-              <a:buSzPct val="70000"/>
-              <a:buFont typeface="Wingdings 2" charset="2"/>
-              <a:buChar char=""/>
-              <a:defRPr sz="1600" kern="1200">
-                <a:ln>
-                  <a:solidFill>
-                    <a:schemeClr val="bg1">
-                      <a:lumMod val="75000"/>
-                      <a:lumOff val="25000"/>
-                      <a:alpha val="10000"/>
-                    </a:schemeClr>
-                  </a:solidFill>
-                </a:ln>
-                <a:solidFill>
-                  <a:schemeClr val="tx2"/>
-                </a:solidFill>
-                <a:effectLst>
-                  <a:outerShdw blurRad="9525" dist="25400" dir="14640000" algn="tl" rotWithShape="0">
-                    <a:schemeClr val="bg1">
-                      <a:alpha val="30000"/>
-                    </a:schemeClr>
-                  </a:outerShdw>
-                </a:effectLst>
-                <a:latin typeface="+mn-lt"/>
-                <a:ea typeface="+mn-ea"/>
-                <a:cs typeface="+mn-cs"/>
-              </a:defRPr>
-            </a:lvl3pPr>
-            <a:lvl4pPr marL="1386000" indent="-216000" algn="l" defTabSz="457200" rtl="0" eaLnBrk="1" latinLnBrk="0" hangingPunct="1">
-              <a:spcBef>
-                <a:spcPct val="20000"/>
-              </a:spcBef>
-              <a:spcAft>
-                <a:spcPts val="600"/>
-              </a:spcAft>
-              <a:buClr>
-                <a:schemeClr val="tx2"/>
-              </a:buClr>
-              <a:buSzPct val="70000"/>
-              <a:buFont typeface="Wingdings 2" charset="2"/>
-              <a:buChar char=""/>
-              <a:defRPr sz="1400" kern="1200">
-                <a:ln>
-                  <a:solidFill>
-                    <a:schemeClr val="bg1">
-                      <a:lumMod val="75000"/>
-                      <a:lumOff val="25000"/>
-                      <a:alpha val="10000"/>
-                    </a:schemeClr>
-                  </a:solidFill>
-                </a:ln>
-                <a:solidFill>
-                  <a:schemeClr val="tx2"/>
-                </a:solidFill>
-                <a:effectLst>
-                  <a:outerShdw blurRad="9525" dist="25400" dir="14640000" algn="tl" rotWithShape="0">
-                    <a:schemeClr val="bg1">
-                      <a:alpha val="30000"/>
-                    </a:schemeClr>
-                  </a:outerShdw>
-                </a:effectLst>
-                <a:latin typeface="+mn-lt"/>
-                <a:ea typeface="+mn-ea"/>
-                <a:cs typeface="+mn-cs"/>
-              </a:defRPr>
-            </a:lvl4pPr>
-            <a:lvl5pPr marL="1674000" indent="-216000" algn="l" defTabSz="457200" rtl="0" eaLnBrk="1" latinLnBrk="0" hangingPunct="1">
-              <a:spcBef>
-                <a:spcPct val="20000"/>
-              </a:spcBef>
-              <a:spcAft>
-                <a:spcPts val="600"/>
-              </a:spcAft>
-              <a:buClr>
-                <a:schemeClr val="tx2"/>
-              </a:buClr>
-              <a:buSzPct val="70000"/>
-              <a:buFont typeface="Wingdings 2" charset="2"/>
-              <a:buChar char=""/>
-              <a:defRPr sz="1400" kern="1200">
-                <a:ln>
-                  <a:solidFill>
-                    <a:schemeClr val="bg1">
-                      <a:lumMod val="75000"/>
-                      <a:lumOff val="25000"/>
-                      <a:alpha val="10000"/>
-                    </a:schemeClr>
-                  </a:solidFill>
-                </a:ln>
-                <a:solidFill>
-                  <a:schemeClr val="tx2"/>
-                </a:solidFill>
-                <a:effectLst>
-                  <a:outerShdw blurRad="9525" dist="25400" dir="14640000" algn="tl" rotWithShape="0">
-                    <a:schemeClr val="bg1">
-                      <a:alpha val="30000"/>
-                    </a:schemeClr>
-                  </a:outerShdw>
-                </a:effectLst>
-                <a:latin typeface="+mn-lt"/>
-                <a:ea typeface="+mn-ea"/>
-                <a:cs typeface="+mn-cs"/>
-              </a:defRPr>
-            </a:lvl5pPr>
-            <a:lvl6pPr marL="2014600" indent="-228600" algn="l" defTabSz="457200" rtl="0" eaLnBrk="1" latinLnBrk="0" hangingPunct="1">
-              <a:spcBef>
-                <a:spcPct val="20000"/>
-              </a:spcBef>
-              <a:spcAft>
-                <a:spcPts val="600"/>
-              </a:spcAft>
-              <a:buClr>
-                <a:schemeClr val="tx2"/>
-              </a:buClr>
-              <a:buSzPct val="70000"/>
-              <a:buFont typeface="Wingdings 2" charset="2"/>
-              <a:buChar char=""/>
-              <a:defRPr sz="1400" kern="1200">
-                <a:ln>
-                  <a:solidFill>
-                    <a:schemeClr val="bg1">
-                      <a:lumMod val="75000"/>
-                      <a:lumOff val="25000"/>
-                      <a:alpha val="10000"/>
-                    </a:schemeClr>
-                  </a:solidFill>
-                </a:ln>
-                <a:solidFill>
-                  <a:schemeClr val="tx2"/>
-                </a:solidFill>
-                <a:effectLst>
-                  <a:outerShdw blurRad="9525" dist="25400" dir="14640000" algn="tl" rotWithShape="0">
-                    <a:schemeClr val="bg1">
-                      <a:alpha val="30000"/>
-                    </a:schemeClr>
-                  </a:outerShdw>
-                </a:effectLst>
-                <a:latin typeface="+mn-lt"/>
-                <a:ea typeface="+mn-ea"/>
-                <a:cs typeface="+mn-cs"/>
-              </a:defRPr>
-            </a:lvl6pPr>
-            <a:lvl7pPr marL="2401800" indent="-228600" algn="l" defTabSz="457200" rtl="0" eaLnBrk="1" latinLnBrk="0" hangingPunct="1">
-              <a:spcBef>
-                <a:spcPct val="20000"/>
-              </a:spcBef>
-              <a:spcAft>
-                <a:spcPts val="600"/>
-              </a:spcAft>
-              <a:buClr>
-                <a:schemeClr val="tx2"/>
-              </a:buClr>
-              <a:buSzPct val="70000"/>
-              <a:buFont typeface="Wingdings 2" charset="2"/>
-              <a:buChar char=""/>
-              <a:defRPr sz="1400" kern="1200">
-                <a:ln>
-                  <a:solidFill>
-                    <a:schemeClr val="bg1">
-                      <a:lumMod val="75000"/>
-                      <a:lumOff val="25000"/>
-                      <a:alpha val="10000"/>
-                    </a:schemeClr>
-                  </a:solidFill>
-                </a:ln>
-                <a:solidFill>
-                  <a:schemeClr val="tx2"/>
-                </a:solidFill>
-                <a:effectLst>
-                  <a:outerShdw blurRad="9525" dist="25400" dir="14640000" algn="tl" rotWithShape="0">
-                    <a:schemeClr val="bg1">
-                      <a:alpha val="30000"/>
-                    </a:schemeClr>
-                  </a:outerShdw>
-                </a:effectLst>
-                <a:latin typeface="+mn-lt"/>
-                <a:ea typeface="+mn-ea"/>
-                <a:cs typeface="+mn-cs"/>
-              </a:defRPr>
-            </a:lvl7pPr>
-            <a:lvl8pPr marL="2789000" indent="-228600" algn="l" defTabSz="457200" rtl="0" eaLnBrk="1" latinLnBrk="0" hangingPunct="1">
-              <a:spcBef>
-                <a:spcPct val="20000"/>
-              </a:spcBef>
-              <a:spcAft>
-                <a:spcPts val="600"/>
-              </a:spcAft>
-              <a:buClr>
-                <a:schemeClr val="tx2"/>
-              </a:buClr>
-              <a:buSzPct val="70000"/>
-              <a:buFont typeface="Wingdings 2" charset="2"/>
-              <a:buChar char=""/>
-              <a:defRPr sz="1400" kern="1200">
-                <a:ln>
-                  <a:solidFill>
-                    <a:schemeClr val="bg1">
-                      <a:lumMod val="75000"/>
-                      <a:lumOff val="25000"/>
-                      <a:alpha val="10000"/>
-                    </a:schemeClr>
-                  </a:solidFill>
-                </a:ln>
-                <a:solidFill>
-                  <a:schemeClr val="tx2"/>
-                </a:solidFill>
-                <a:effectLst>
-                  <a:outerShdw blurRad="9525" dist="25400" dir="14640000" algn="tl" rotWithShape="0">
-                    <a:schemeClr val="bg1">
-                      <a:alpha val="30000"/>
-                    </a:schemeClr>
-                  </a:outerShdw>
-                </a:effectLst>
-                <a:latin typeface="+mn-lt"/>
-                <a:ea typeface="+mn-ea"/>
-                <a:cs typeface="+mn-cs"/>
-              </a:defRPr>
-            </a:lvl8pPr>
-            <a:lvl9pPr marL="3106200" indent="-228600" algn="l" defTabSz="457200" rtl="0" eaLnBrk="1" latinLnBrk="0" hangingPunct="1">
-              <a:spcBef>
-                <a:spcPct val="20000"/>
-              </a:spcBef>
-              <a:spcAft>
-                <a:spcPts val="600"/>
-              </a:spcAft>
-              <a:buClr>
-                <a:schemeClr val="tx2"/>
-              </a:buClr>
-              <a:buSzPct val="70000"/>
-              <a:buFont typeface="Wingdings 2" charset="2"/>
-              <a:buChar char=""/>
-              <a:defRPr sz="1400" kern="1200">
-                <a:ln>
-                  <a:solidFill>
-                    <a:schemeClr val="bg1">
-                      <a:lumMod val="75000"/>
-                      <a:lumOff val="25000"/>
-                      <a:alpha val="10000"/>
-                    </a:schemeClr>
-                  </a:solidFill>
-                </a:ln>
-                <a:solidFill>
-                  <a:schemeClr val="tx2"/>
-                </a:solidFill>
-                <a:effectLst>
-                  <a:outerShdw blurRad="9525" dist="25400" dir="14640000" algn="tl" rotWithShape="0">
-                    <a:schemeClr val="bg1">
-                      <a:alpha val="30000"/>
-                    </a:schemeClr>
-                  </a:outerShdw>
-                </a:effectLst>
-                <a:latin typeface="+mn-lt"/>
-                <a:ea typeface="+mn-ea"/>
-                <a:cs typeface="+mn-cs"/>
-              </a:defRPr>
-            </a:lvl9pPr>
-          </a:lstStyle>
-          <a:p>
-            <a:pPr marL="36900" indent="0">
-              <a:buClr>
-                <a:schemeClr val="accent2">
-                  <a:lumMod val="75000"/>
-                </a:schemeClr>
-              </a:buClr>
-              <a:buNone/>
-            </a:pPr>
-            <a:r>
-              <a:rPr lang="en-GB" sz="1600" dirty="0"/>
-              <a:t>It was tested using a bot (implemented using Python) and Team Viewer.</a:t>
-            </a:r>
-          </a:p>
-          <a:p>
-            <a:pPr marL="36900" indent="0">
-              <a:buClr>
-                <a:schemeClr val="accent2">
-                  <a:lumMod val="75000"/>
-                </a:schemeClr>
-              </a:buClr>
-              <a:buNone/>
-            </a:pPr>
-            <a:endParaRPr lang="en-GB" sz="1600" dirty="0"/>
-          </a:p>
-          <a:p>
-            <a:pPr marL="36900" indent="0" algn="ctr">
-              <a:buClr>
-                <a:schemeClr val="accent2">
-                  <a:lumMod val="75000"/>
-                </a:schemeClr>
-              </a:buClr>
-              <a:buNone/>
-            </a:pPr>
-            <a:r>
-              <a:rPr lang="en-GB" sz="1600" dirty="0"/>
-              <a:t>Two possible scenarios:</a:t>
-            </a:r>
-          </a:p>
-        </p:txBody>
-      </p:sp>
-      <p:pic>
-        <p:nvPicPr>
-          <p:cNvPr id="10" name="Immagine 9">
-            <a:extLst>
-              <a:ext uri="{FF2B5EF4-FFF2-40B4-BE49-F238E27FC236}">
-                <a16:creationId xmlns:a16="http://schemas.microsoft.com/office/drawing/2014/main" id="{535858E5-9A28-403A-998D-32C26F57C1BD}"/>
-              </a:ext>
-            </a:extLst>
-          </p:cNvPr>
-          <p:cNvPicPr>
-            <a:picLocks noChangeAspect="1"/>
-          </p:cNvPicPr>
-          <p:nvPr/>
-        </p:nvPicPr>
-        <p:blipFill>
-          <a:blip r:embed="rId2">
-            <a:extLst>
-              <a:ext uri="{28A0092B-C50C-407E-A947-70E740481C1C}">
-                <a14:useLocalDpi xmlns:a14="http://schemas.microsoft.com/office/drawing/2010/main" val="0"/>
-              </a:ext>
-            </a:extLst>
-          </a:blip>
-          <a:stretch>
-            <a:fillRect/>
-          </a:stretch>
-        </p:blipFill>
-        <p:spPr>
-          <a:xfrm>
-            <a:off x="1055605" y="3137080"/>
-            <a:ext cx="3273327" cy="2454996"/>
-          </a:xfrm>
-          <a:prstGeom prst="rect">
-            <a:avLst/>
-          </a:prstGeom>
-        </p:spPr>
-      </p:pic>
-      <p:pic>
-        <p:nvPicPr>
-          <p:cNvPr id="12" name="Immagine 11">
-            <a:extLst>
-              <a:ext uri="{FF2B5EF4-FFF2-40B4-BE49-F238E27FC236}">
-                <a16:creationId xmlns:a16="http://schemas.microsoft.com/office/drawing/2014/main" id="{030C9681-634B-48ED-A69A-0F889677C8A2}"/>
-              </a:ext>
-            </a:extLst>
-          </p:cNvPr>
-          <p:cNvPicPr>
-            <a:picLocks noChangeAspect="1"/>
-          </p:cNvPicPr>
-          <p:nvPr/>
-        </p:nvPicPr>
-        <p:blipFill>
-          <a:blip r:embed="rId3">
-            <a:extLst>
-              <a:ext uri="{28A0092B-C50C-407E-A947-70E740481C1C}">
-                <a14:useLocalDpi xmlns:a14="http://schemas.microsoft.com/office/drawing/2010/main" val="0"/>
-              </a:ext>
-            </a:extLst>
-          </a:blip>
-          <a:stretch>
-            <a:fillRect/>
-          </a:stretch>
-        </p:blipFill>
-        <p:spPr>
-          <a:xfrm>
-            <a:off x="4814796" y="3137080"/>
-            <a:ext cx="3273599" cy="2455200"/>
-          </a:xfrm>
-          <a:prstGeom prst="rect">
-            <a:avLst/>
-          </a:prstGeom>
-        </p:spPr>
-      </p:pic>
-    </p:spTree>
-    <p:extLst>
-      <p:ext uri="{BB962C8B-B14F-4D97-AF65-F5344CB8AC3E}">
-        <p14:creationId xmlns:p14="http://schemas.microsoft.com/office/powerpoint/2010/main" val="2591824157"/>
-      </p:ext>
-    </p:extLst>
-  </p:cSld>
-  <p:clrMapOvr>
-    <a:masterClrMapping/>
-  </p:clrMapOvr>
-</p:sld>
-</file>
-
-<file path=ppt/slides/slide9.xml><?xml version="1.0" encoding="utf-8"?>
-<p:sld xmlns:a="http://schemas.openxmlformats.org/drawingml/2006/main" xmlns:r="http://schemas.openxmlformats.org/officeDocument/2006/relationships" xmlns:p="http://schemas.openxmlformats.org/presentationml/2006/main">
-  <p:cSld>
-    <p:spTree>
-      <p:nvGrpSpPr>
-        <p:cNvPr id="1" name=""/>
-        <p:cNvGrpSpPr/>
-        <p:nvPr/>
-      </p:nvGrpSpPr>
-      <p:grpSpPr>
-        <a:xfrm>
-          <a:off x="0" y="0"/>
-          <a:ext cx="0" cy="0"/>
-          <a:chOff x="0" y="0"/>
-          <a:chExt cx="0" cy="0"/>
-        </a:xfrm>
-      </p:grpSpPr>
-      <p:sp>
-        <p:nvSpPr>
-          <p:cNvPr id="2" name="Titolo 1">
-            <a:extLst>
-              <a:ext uri="{FF2B5EF4-FFF2-40B4-BE49-F238E27FC236}">
-                <a16:creationId xmlns:a16="http://schemas.microsoft.com/office/drawing/2014/main" id="{0181F325-A9A6-4DA0-BC6B-47E4ADE57310}"/>
-              </a:ext>
-            </a:extLst>
-          </p:cNvPr>
-          <p:cNvSpPr>
-            <a:spLocks noGrp="1"/>
-          </p:cNvSpPr>
-          <p:nvPr>
-            <p:ph type="title"/>
-          </p:nvPr>
-        </p:nvSpPr>
-        <p:spPr>
-          <a:xfrm>
-            <a:off x="435114" y="934823"/>
-            <a:ext cx="4136886" cy="839835"/>
-          </a:xfrm>
-        </p:spPr>
-        <p:txBody>
-          <a:bodyPr>
-            <a:normAutofit/>
-          </a:bodyPr>
-          <a:lstStyle/>
-          <a:p>
-            <a:r>
-              <a:rPr lang="en-GB" sz="2400" dirty="0"/>
-              <a:t>Human detection</a:t>
-            </a:r>
-            <a:endParaRPr lang="it-IT" sz="2400" dirty="0"/>
-          </a:p>
-        </p:txBody>
-      </p:sp>
-      <p:sp>
-        <p:nvSpPr>
-          <p:cNvPr id="3" name="Segnaposto contenuto 2">
-            <a:extLst>
-              <a:ext uri="{FF2B5EF4-FFF2-40B4-BE49-F238E27FC236}">
-                <a16:creationId xmlns:a16="http://schemas.microsoft.com/office/drawing/2014/main" id="{838C74B5-0CD6-4C31-B56B-ABD908F08D61}"/>
-              </a:ext>
-            </a:extLst>
-          </p:cNvPr>
-          <p:cNvSpPr>
-            <a:spLocks noGrp="1"/>
-          </p:cNvSpPr>
-          <p:nvPr>
-            <p:ph sz="half" idx="1"/>
-          </p:nvPr>
-        </p:nvSpPr>
-        <p:spPr>
-          <a:xfrm>
-            <a:off x="605870" y="1664315"/>
-            <a:ext cx="3966130" cy="2919260"/>
-          </a:xfrm>
-        </p:spPr>
-        <p:txBody>
-          <a:bodyPr/>
-          <a:lstStyle/>
-          <a:p>
-            <a:r>
-              <a:rPr lang="en-GB" sz="1800" dirty="0">
-                <a:solidFill>
-                  <a:schemeClr val="accent2">
-                    <a:lumMod val="75000"/>
-                  </a:schemeClr>
-                </a:solidFill>
-              </a:rPr>
-              <a:t>Results</a:t>
-            </a:r>
-          </a:p>
-          <a:p>
-            <a:pPr lvl="1"/>
-            <a:r>
-              <a:rPr lang="en-GB" sz="1600" dirty="0"/>
-              <a:t>Time correspondence is the best method</a:t>
-            </a:r>
-          </a:p>
-          <a:p>
-            <a:pPr lvl="1"/>
-            <a:r>
-              <a:rPr lang="en-GB" sz="1600" dirty="0"/>
-              <a:t>It reaches an accuracy of 100% by inserting a password of 14 characters </a:t>
-            </a:r>
-            <a:r>
-              <a:rPr lang="en-GB" sz="1600" b="1" i="1" dirty="0"/>
-              <a:t>“he35ghibn564st”</a:t>
-            </a:r>
-            <a:endParaRPr lang="en-GB" b="1" i="1" dirty="0"/>
-          </a:p>
-          <a:p>
-            <a:r>
-              <a:rPr lang="en-GB" sz="1800" dirty="0">
-                <a:solidFill>
-                  <a:schemeClr val="accent2">
-                    <a:lumMod val="75000"/>
-                  </a:schemeClr>
-                </a:solidFill>
-              </a:rPr>
-              <a:t>Relaxation results</a:t>
-            </a:r>
-          </a:p>
-          <a:p>
-            <a:pPr marL="414000" lvl="1" indent="0">
-              <a:buNone/>
-            </a:pPr>
-            <a:r>
-              <a:rPr lang="en-GB" sz="1600" dirty="0"/>
               <a:t>the best relaxation percentage was 90%</a:t>
             </a:r>
-            <a:endParaRPr lang="it-IT" sz="1600" dirty="0"/>
+            <a:endParaRPr lang="it-IT" sz="1400" dirty="0"/>
           </a:p>
         </p:txBody>
       </p:sp>
@@ -13561,7 +12642,7 @@
           <a:p>
             <a:fld id="{8DF98BA9-0B5D-48FD-8864-41A23C2934CC}" type="slidenum">
               <a:rPr lang="it-IT" sz="1100" smtClean="0"/>
-              <a:t>8</a:t>
+              <a:t>7</a:t>
             </a:fld>
             <a:endParaRPr lang="it-IT" sz="1100"/>
           </a:p>
@@ -13610,13 +12691,13 @@
           <p:nvPr>
             <p:extLst>
               <p:ext uri="{D42A27DB-BD31-4B8C-83A1-F6EECF244321}">
-                <p14:modId xmlns:p14="http://schemas.microsoft.com/office/powerpoint/2010/main" val="2166007012"/>
+                <p14:modId xmlns:p14="http://schemas.microsoft.com/office/powerpoint/2010/main" val="4840906"/>
               </p:ext>
             </p:extLst>
           </p:nvPr>
         </p:nvGraphicFramePr>
         <p:xfrm>
-          <a:off x="1142662" y="4422317"/>
+          <a:off x="1057284" y="3832828"/>
           <a:ext cx="2892546" cy="1052825"/>
         </p:xfrm>
         <a:graphic>
@@ -13918,10 +12999,10 @@
       </p:graphicFrame>
       <p:sp>
         <p:nvSpPr>
-          <p:cNvPr id="11" name="Titolo 1">
+          <p:cNvPr id="13" name="Segnaposto contenuto 2">
             <a:extLst>
               <a:ext uri="{FF2B5EF4-FFF2-40B4-BE49-F238E27FC236}">
-                <a16:creationId xmlns:a16="http://schemas.microsoft.com/office/drawing/2014/main" id="{C876BA93-6589-4795-BEDC-E7C32E6CD859}"/>
+                <a16:creationId xmlns:a16="http://schemas.microsoft.com/office/drawing/2014/main" id="{E0029DA4-F97F-42FB-9D4B-A4AEB919405A}"/>
               </a:ext>
             </a:extLst>
           </p:cNvPr>
@@ -13932,139 +13013,8 @@
         </p:nvSpPr>
         <p:spPr>
           <a:xfrm>
-            <a:off x="4899417" y="1869369"/>
-            <a:ext cx="3638712" cy="839835"/>
-          </a:xfrm>
-          <a:prstGeom prst="rect">
-            <a:avLst/>
-          </a:prstGeom>
-          <a:effectLst>
-            <a:outerShdw blurRad="25400" dir="17880000">
-              <a:srgbClr val="000000">
-                <a:alpha val="46000"/>
-              </a:srgbClr>
-            </a:outerShdw>
-          </a:effectLst>
-        </p:spPr>
-        <p:txBody>
-          <a:bodyPr vert="horz" lIns="91440" tIns="45720" rIns="91440" bIns="45720" rtlCol="0" anchor="ctr">
-            <a:normAutofit/>
-          </a:bodyPr>
-          <a:lstStyle>
-            <a:lvl1pPr algn="ctr" defTabSz="457200" rtl="0" eaLnBrk="1" latinLnBrk="0" hangingPunct="1">
-              <a:spcBef>
-                <a:spcPct val="0"/>
-              </a:spcBef>
-              <a:buNone/>
-              <a:defRPr sz="4000" kern="1200">
-                <a:ln>
-                  <a:solidFill>
-                    <a:schemeClr val="bg1">
-                      <a:lumMod val="75000"/>
-                      <a:lumOff val="25000"/>
-                      <a:alpha val="10000"/>
-                    </a:schemeClr>
-                  </a:solidFill>
-                </a:ln>
-                <a:solidFill>
-                  <a:srgbClr val="0070C0"/>
-                </a:solidFill>
-                <a:effectLst>
-                  <a:outerShdw blurRad="9525" dist="25400" dir="14640000" algn="tl" rotWithShape="0">
-                    <a:schemeClr val="bg1">
-                      <a:alpha val="30000"/>
-                    </a:schemeClr>
-                  </a:outerShdw>
-                </a:effectLst>
-                <a:latin typeface="+mj-lt"/>
-                <a:ea typeface="+mj-ea"/>
-                <a:cs typeface="Trebuchet MS"/>
-              </a:defRPr>
-            </a:lvl1pPr>
-            <a:lvl2pPr eaLnBrk="1" hangingPunct="1">
-              <a:defRPr>
-                <a:solidFill>
-                  <a:schemeClr val="tx2"/>
-                </a:solidFill>
-              </a:defRPr>
-            </a:lvl2pPr>
-            <a:lvl3pPr eaLnBrk="1" hangingPunct="1">
-              <a:defRPr>
-                <a:solidFill>
-                  <a:schemeClr val="tx2"/>
-                </a:solidFill>
-              </a:defRPr>
-            </a:lvl3pPr>
-            <a:lvl4pPr eaLnBrk="1" hangingPunct="1">
-              <a:defRPr>
-                <a:solidFill>
-                  <a:schemeClr val="tx2"/>
-                </a:solidFill>
-              </a:defRPr>
-            </a:lvl4pPr>
-            <a:lvl5pPr eaLnBrk="1" hangingPunct="1">
-              <a:defRPr>
-                <a:solidFill>
-                  <a:schemeClr val="tx2"/>
-                </a:solidFill>
-              </a:defRPr>
-            </a:lvl5pPr>
-            <a:lvl6pPr eaLnBrk="1" hangingPunct="1">
-              <a:defRPr>
-                <a:solidFill>
-                  <a:schemeClr val="tx2"/>
-                </a:solidFill>
-              </a:defRPr>
-            </a:lvl6pPr>
-            <a:lvl7pPr eaLnBrk="1" hangingPunct="1">
-              <a:defRPr>
-                <a:solidFill>
-                  <a:schemeClr val="tx2"/>
-                </a:solidFill>
-              </a:defRPr>
-            </a:lvl7pPr>
-            <a:lvl8pPr eaLnBrk="1" hangingPunct="1">
-              <a:defRPr>
-                <a:solidFill>
-                  <a:schemeClr val="tx2"/>
-                </a:solidFill>
-              </a:defRPr>
-            </a:lvl8pPr>
-            <a:lvl9pPr eaLnBrk="1" hangingPunct="1">
-              <a:defRPr>
-                <a:solidFill>
-                  <a:schemeClr val="tx2"/>
-                </a:solidFill>
-              </a:defRPr>
-            </a:lvl9pPr>
-          </a:lstStyle>
-          <a:p>
-            <a:r>
-              <a:rPr lang="en-GB" sz="2400" dirty="0"/>
-              <a:t>Strength against known attacks</a:t>
-            </a:r>
-            <a:endParaRPr lang="it-IT" sz="2400" dirty="0"/>
-          </a:p>
-        </p:txBody>
-      </p:sp>
-      <p:sp>
-        <p:nvSpPr>
-          <p:cNvPr id="12" name="Segnaposto contenuto 2">
-            <a:extLst>
-              <a:ext uri="{FF2B5EF4-FFF2-40B4-BE49-F238E27FC236}">
-                <a16:creationId xmlns:a16="http://schemas.microsoft.com/office/drawing/2014/main" id="{445C5747-70FB-4E8A-A0BB-6A53F104E280}"/>
-              </a:ext>
-            </a:extLst>
-          </p:cNvPr>
-          <p:cNvSpPr txBox="1">
-            <a:spLocks/>
-          </p:cNvSpPr>
-          <p:nvPr/>
-        </p:nvSpPr>
-        <p:spPr>
-          <a:xfrm>
-            <a:off x="4899417" y="2709205"/>
-            <a:ext cx="3638712" cy="2534128"/>
+            <a:off x="4653940" y="1499715"/>
+            <a:ext cx="3795373" cy="429206"/>
           </a:xfrm>
           <a:prstGeom prst="rect">
             <a:avLst/>
@@ -14426,43 +13376,274 @@
             </a:lvl9pPr>
           </a:lstStyle>
           <a:p>
-            <a:r>
-              <a:rPr lang="en-GB" sz="1800" dirty="0"/>
-              <a:t>Replay attack</a:t>
-            </a:r>
-          </a:p>
-          <a:p>
-            <a:r>
-              <a:rPr lang="en-GB" sz="1800" dirty="0"/>
-              <a:t>Reverse engineering attack</a:t>
-            </a:r>
-          </a:p>
-          <a:p>
-            <a:r>
-              <a:rPr lang="en-GB" sz="1800" dirty="0"/>
-              <a:t>Human solver relay attacks</a:t>
-            </a:r>
-          </a:p>
-          <a:p>
-            <a:r>
-              <a:rPr lang="en-GB" sz="1800" dirty="0"/>
-              <a:t>Brute force attack</a:t>
-            </a:r>
-          </a:p>
-          <a:p>
-            <a:r>
-              <a:rPr lang="en-GB" sz="1800" dirty="0"/>
-              <a:t>Denial of Service attack (DoS)</a:t>
-            </a:r>
-          </a:p>
-          <a:p>
-            <a:r>
-              <a:rPr lang="en-GB" sz="1800" dirty="0"/>
-              <a:t>Eavesdropping attack</a:t>
-            </a:r>
-          </a:p>
-          <a:p>
-            <a:endParaRPr lang="en-GB" dirty="0"/>
+            <a:pPr>
+              <a:buClr>
+                <a:schemeClr val="accent2">
+                  <a:lumMod val="75000"/>
+                </a:schemeClr>
+              </a:buClr>
+            </a:pPr>
+            <a:r>
+              <a:rPr lang="en-GB" sz="1600" dirty="0">
+                <a:solidFill>
+                  <a:schemeClr val="accent2">
+                    <a:lumMod val="75000"/>
+                  </a:schemeClr>
+                </a:solidFill>
+              </a:rPr>
+              <a:t>Low noise during noise evaluation</a:t>
+            </a:r>
+          </a:p>
+        </p:txBody>
+      </p:sp>
+      <p:sp>
+        <p:nvSpPr>
+          <p:cNvPr id="14" name="Segnaposto contenuto 3">
+            <a:extLst>
+              <a:ext uri="{FF2B5EF4-FFF2-40B4-BE49-F238E27FC236}">
+                <a16:creationId xmlns:a16="http://schemas.microsoft.com/office/drawing/2014/main" id="{8EFF1924-4C97-4906-A912-4FDBFFF3980E}"/>
+              </a:ext>
+            </a:extLst>
+          </p:cNvPr>
+          <p:cNvSpPr>
+            <a:spLocks noGrp="1"/>
+          </p:cNvSpPr>
+          <p:nvPr>
+            <p:ph sz="half" idx="2"/>
+          </p:nvPr>
+        </p:nvSpPr>
+        <p:spPr>
+          <a:xfrm>
+            <a:off x="4652169" y="3605348"/>
+            <a:ext cx="3798499" cy="429206"/>
+          </a:xfrm>
+        </p:spPr>
+        <p:txBody>
+          <a:bodyPr>
+            <a:normAutofit/>
+          </a:bodyPr>
+          <a:lstStyle/>
+          <a:p>
+            <a:pPr>
+              <a:buClr>
+                <a:schemeClr val="accent2">
+                  <a:lumMod val="75000"/>
+                </a:schemeClr>
+              </a:buClr>
+            </a:pPr>
+            <a:r>
+              <a:rPr lang="en-GB" sz="1600" dirty="0">
+                <a:solidFill>
+                  <a:schemeClr val="accent2">
+                    <a:lumMod val="75000"/>
+                  </a:schemeClr>
+                </a:solidFill>
+              </a:rPr>
+              <a:t>High noise during noise evaluation</a:t>
+            </a:r>
+          </a:p>
+        </p:txBody>
+      </p:sp>
+      <p:pic>
+        <p:nvPicPr>
+          <p:cNvPr id="15" name="Immagine 14">
+            <a:extLst>
+              <a:ext uri="{FF2B5EF4-FFF2-40B4-BE49-F238E27FC236}">
+                <a16:creationId xmlns:a16="http://schemas.microsoft.com/office/drawing/2014/main" id="{8DBD423E-E1D9-4771-AB25-4EBF0A668B48}"/>
+              </a:ext>
+            </a:extLst>
+          </p:cNvPr>
+          <p:cNvPicPr>
+            <a:picLocks noChangeAspect="1"/>
+          </p:cNvPicPr>
+          <p:nvPr/>
+        </p:nvPicPr>
+        <p:blipFill>
+          <a:blip r:embed="rId2">
+            <a:extLst>
+              <a:ext uri="{28A0092B-C50C-407E-A947-70E740481C1C}">
+                <a14:useLocalDpi xmlns:a14="http://schemas.microsoft.com/office/drawing/2010/main" val="0"/>
+              </a:ext>
+            </a:extLst>
+          </a:blip>
+          <a:stretch>
+            <a:fillRect/>
+          </a:stretch>
+        </p:blipFill>
+        <p:spPr>
+          <a:xfrm>
+            <a:off x="5370532" y="1743256"/>
+            <a:ext cx="2245389" cy="1684042"/>
+          </a:xfrm>
+          <a:prstGeom prst="rect">
+            <a:avLst/>
+          </a:prstGeom>
+        </p:spPr>
+      </p:pic>
+      <p:pic>
+        <p:nvPicPr>
+          <p:cNvPr id="16" name="Immagine 15">
+            <a:extLst>
+              <a:ext uri="{FF2B5EF4-FFF2-40B4-BE49-F238E27FC236}">
+                <a16:creationId xmlns:a16="http://schemas.microsoft.com/office/drawing/2014/main" id="{42788F9D-0707-4DAA-B819-CC969FF04EE7}"/>
+              </a:ext>
+            </a:extLst>
+          </p:cNvPr>
+          <p:cNvPicPr>
+            <a:picLocks noChangeAspect="1"/>
+          </p:cNvPicPr>
+          <p:nvPr/>
+        </p:nvPicPr>
+        <p:blipFill>
+          <a:blip r:embed="rId3">
+            <a:extLst>
+              <a:ext uri="{28A0092B-C50C-407E-A947-70E740481C1C}">
+                <a14:useLocalDpi xmlns:a14="http://schemas.microsoft.com/office/drawing/2010/main" val="0"/>
+              </a:ext>
+            </a:extLst>
+          </a:blip>
+          <a:stretch>
+            <a:fillRect/>
+          </a:stretch>
+        </p:blipFill>
+        <p:spPr>
+          <a:xfrm>
+            <a:off x="5367946" y="3835432"/>
+            <a:ext cx="2306672" cy="1730005"/>
+          </a:xfrm>
+          <a:prstGeom prst="rect">
+            <a:avLst/>
+          </a:prstGeom>
+        </p:spPr>
+      </p:pic>
+      <p:sp>
+        <p:nvSpPr>
+          <p:cNvPr id="17" name="Titolo 1">
+            <a:extLst>
+              <a:ext uri="{FF2B5EF4-FFF2-40B4-BE49-F238E27FC236}">
+                <a16:creationId xmlns:a16="http://schemas.microsoft.com/office/drawing/2014/main" id="{F2B8CAAE-F604-43D6-AD69-253425592FAA}"/>
+              </a:ext>
+            </a:extLst>
+          </p:cNvPr>
+          <p:cNvSpPr txBox="1">
+            <a:spLocks/>
+          </p:cNvSpPr>
+          <p:nvPr/>
+        </p:nvSpPr>
+        <p:spPr>
+          <a:xfrm>
+            <a:off x="4312427" y="812902"/>
+            <a:ext cx="4136886" cy="839835"/>
+          </a:xfrm>
+          <a:prstGeom prst="rect">
+            <a:avLst/>
+          </a:prstGeom>
+          <a:effectLst>
+            <a:outerShdw blurRad="25400" dir="17880000">
+              <a:srgbClr val="000000">
+                <a:alpha val="46000"/>
+              </a:srgbClr>
+            </a:outerShdw>
+          </a:effectLst>
+        </p:spPr>
+        <p:txBody>
+          <a:bodyPr vert="horz" lIns="91440" tIns="45720" rIns="91440" bIns="45720" rtlCol="0" anchor="ctr">
+            <a:normAutofit/>
+          </a:bodyPr>
+          <a:lstStyle>
+            <a:lvl1pPr algn="ctr" defTabSz="457200" rtl="0" eaLnBrk="1" latinLnBrk="0" hangingPunct="1">
+              <a:spcBef>
+                <a:spcPct val="0"/>
+              </a:spcBef>
+              <a:buNone/>
+              <a:defRPr sz="4000" kern="1200">
+                <a:ln>
+                  <a:solidFill>
+                    <a:schemeClr val="bg1">
+                      <a:lumMod val="75000"/>
+                      <a:lumOff val="25000"/>
+                      <a:alpha val="10000"/>
+                    </a:schemeClr>
+                  </a:solidFill>
+                </a:ln>
+                <a:solidFill>
+                  <a:srgbClr val="0070C0"/>
+                </a:solidFill>
+                <a:effectLst>
+                  <a:outerShdw blurRad="9525" dist="25400" dir="14640000" algn="tl" rotWithShape="0">
+                    <a:schemeClr val="bg1">
+                      <a:alpha val="30000"/>
+                    </a:schemeClr>
+                  </a:outerShdw>
+                </a:effectLst>
+                <a:latin typeface="+mj-lt"/>
+                <a:ea typeface="+mj-ea"/>
+                <a:cs typeface="Trebuchet MS"/>
+              </a:defRPr>
+            </a:lvl1pPr>
+            <a:lvl2pPr eaLnBrk="1" hangingPunct="1">
+              <a:defRPr>
+                <a:solidFill>
+                  <a:schemeClr val="tx2"/>
+                </a:solidFill>
+              </a:defRPr>
+            </a:lvl2pPr>
+            <a:lvl3pPr eaLnBrk="1" hangingPunct="1">
+              <a:defRPr>
+                <a:solidFill>
+                  <a:schemeClr val="tx2"/>
+                </a:solidFill>
+              </a:defRPr>
+            </a:lvl3pPr>
+            <a:lvl4pPr eaLnBrk="1" hangingPunct="1">
+              <a:defRPr>
+                <a:solidFill>
+                  <a:schemeClr val="tx2"/>
+                </a:solidFill>
+              </a:defRPr>
+            </a:lvl4pPr>
+            <a:lvl5pPr eaLnBrk="1" hangingPunct="1">
+              <a:defRPr>
+                <a:solidFill>
+                  <a:schemeClr val="tx2"/>
+                </a:solidFill>
+              </a:defRPr>
+            </a:lvl5pPr>
+            <a:lvl6pPr eaLnBrk="1" hangingPunct="1">
+              <a:defRPr>
+                <a:solidFill>
+                  <a:schemeClr val="tx2"/>
+                </a:solidFill>
+              </a:defRPr>
+            </a:lvl6pPr>
+            <a:lvl7pPr eaLnBrk="1" hangingPunct="1">
+              <a:defRPr>
+                <a:solidFill>
+                  <a:schemeClr val="tx2"/>
+                </a:solidFill>
+              </a:defRPr>
+            </a:lvl7pPr>
+            <a:lvl8pPr eaLnBrk="1" hangingPunct="1">
+              <a:defRPr>
+                <a:solidFill>
+                  <a:schemeClr val="tx2"/>
+                </a:solidFill>
+              </a:defRPr>
+            </a:lvl8pPr>
+            <a:lvl9pPr eaLnBrk="1" hangingPunct="1">
+              <a:defRPr>
+                <a:solidFill>
+                  <a:schemeClr val="tx2"/>
+                </a:solidFill>
+              </a:defRPr>
+            </a:lvl9pPr>
+          </a:lstStyle>
+          <a:p>
+            <a:r>
+              <a:rPr lang="en-GB" sz="2400" dirty="0"/>
+              <a:t>Bot detection</a:t>
+            </a:r>
+            <a:endParaRPr lang="it-IT" sz="2400" dirty="0"/>
           </a:p>
         </p:txBody>
       </p:sp>
@@ -14470,6 +13651,949 @@
     <p:extLst>
       <p:ext uri="{BB962C8B-B14F-4D97-AF65-F5344CB8AC3E}">
         <p14:creationId xmlns:p14="http://schemas.microsoft.com/office/powerpoint/2010/main" val="557328345"/>
+      </p:ext>
+    </p:extLst>
+  </p:cSld>
+  <p:clrMapOvr>
+    <a:masterClrMapping/>
+  </p:clrMapOvr>
+</p:sld>
+</file>
+
+<file path=ppt/slides/slide9.xml><?xml version="1.0" encoding="utf-8"?>
+<p:sld xmlns:a="http://schemas.openxmlformats.org/drawingml/2006/main" xmlns:r="http://schemas.openxmlformats.org/officeDocument/2006/relationships" xmlns:p="http://schemas.openxmlformats.org/presentationml/2006/main">
+  <p:cSld>
+    <p:spTree>
+      <p:nvGrpSpPr>
+        <p:cNvPr id="1" name=""/>
+        <p:cNvGrpSpPr/>
+        <p:nvPr/>
+      </p:nvGrpSpPr>
+      <p:grpSpPr>
+        <a:xfrm>
+          <a:off x="0" y="0"/>
+          <a:ext cx="0" cy="0"/>
+          <a:chOff x="0" y="0"/>
+          <a:chExt cx="0" cy="0"/>
+        </a:xfrm>
+      </p:grpSpPr>
+      <p:sp>
+        <p:nvSpPr>
+          <p:cNvPr id="5" name="Segnaposto data 4">
+            <a:extLst>
+              <a:ext uri="{FF2B5EF4-FFF2-40B4-BE49-F238E27FC236}">
+                <a16:creationId xmlns:a16="http://schemas.microsoft.com/office/drawing/2014/main" id="{98D2A17B-9FE8-4B86-9920-32497E7F7A8B}"/>
+              </a:ext>
+            </a:extLst>
+          </p:cNvPr>
+          <p:cNvSpPr>
+            <a:spLocks noGrp="1"/>
+          </p:cNvSpPr>
+          <p:nvPr>
+            <p:ph type="dt" sz="half" idx="10"/>
+          </p:nvPr>
+        </p:nvSpPr>
+        <p:spPr/>
+        <p:txBody>
+          <a:bodyPr/>
+          <a:lstStyle/>
+          <a:p>
+            <a:r>
+              <a:rPr lang="it-IT"/>
+              <a:t>03/01/2021</a:t>
+            </a:r>
+          </a:p>
+        </p:txBody>
+      </p:sp>
+      <p:sp>
+        <p:nvSpPr>
+          <p:cNvPr id="6" name="Segnaposto piè di pagina 5">
+            <a:extLst>
+              <a:ext uri="{FF2B5EF4-FFF2-40B4-BE49-F238E27FC236}">
+                <a16:creationId xmlns:a16="http://schemas.microsoft.com/office/drawing/2014/main" id="{2A68D5E1-572D-4F1A-8193-FB59273ABB53}"/>
+              </a:ext>
+            </a:extLst>
+          </p:cNvPr>
+          <p:cNvSpPr>
+            <a:spLocks noGrp="1"/>
+          </p:cNvSpPr>
+          <p:nvPr>
+            <p:ph type="ftr" sz="quarter" idx="11"/>
+          </p:nvPr>
+        </p:nvSpPr>
+        <p:spPr/>
+        <p:txBody>
+          <a:bodyPr/>
+          <a:lstStyle/>
+          <a:p>
+            <a:r>
+              <a:rPr lang="it-IT"/>
+              <a:t>Di Nardo Di Maio Raffaele</a:t>
+            </a:r>
+          </a:p>
+        </p:txBody>
+      </p:sp>
+      <p:sp>
+        <p:nvSpPr>
+          <p:cNvPr id="7" name="Segnaposto numero diapositiva 6">
+            <a:extLst>
+              <a:ext uri="{FF2B5EF4-FFF2-40B4-BE49-F238E27FC236}">
+                <a16:creationId xmlns:a16="http://schemas.microsoft.com/office/drawing/2014/main" id="{46C58FCD-23CD-475F-A73E-63E294910A2E}"/>
+              </a:ext>
+            </a:extLst>
+          </p:cNvPr>
+          <p:cNvSpPr>
+            <a:spLocks noGrp="1"/>
+          </p:cNvSpPr>
+          <p:nvPr>
+            <p:ph type="sldNum" sz="quarter" idx="12"/>
+          </p:nvPr>
+        </p:nvSpPr>
+        <p:spPr/>
+        <p:txBody>
+          <a:bodyPr/>
+          <a:lstStyle/>
+          <a:p>
+            <a:fld id="{8DF98BA9-0B5D-48FD-8864-41A23C2934CC}" type="slidenum">
+              <a:rPr lang="it-IT" smtClean="0"/>
+              <a:t>8</a:t>
+            </a:fld>
+            <a:endParaRPr lang="it-IT"/>
+          </a:p>
+        </p:txBody>
+      </p:sp>
+      <p:sp>
+        <p:nvSpPr>
+          <p:cNvPr id="8" name="Titolo 1">
+            <a:extLst>
+              <a:ext uri="{FF2B5EF4-FFF2-40B4-BE49-F238E27FC236}">
+                <a16:creationId xmlns:a16="http://schemas.microsoft.com/office/drawing/2014/main" id="{B4E9A054-8CF2-4D1D-A870-AA055ADA2DFB}"/>
+              </a:ext>
+            </a:extLst>
+          </p:cNvPr>
+          <p:cNvSpPr txBox="1">
+            <a:spLocks/>
+          </p:cNvSpPr>
+          <p:nvPr/>
+        </p:nvSpPr>
+        <p:spPr>
+          <a:xfrm>
+            <a:off x="391861" y="1472327"/>
+            <a:ext cx="3723782" cy="839835"/>
+          </a:xfrm>
+          <a:prstGeom prst="rect">
+            <a:avLst/>
+          </a:prstGeom>
+          <a:effectLst>
+            <a:outerShdw blurRad="25400" dir="17880000">
+              <a:srgbClr val="000000">
+                <a:alpha val="46000"/>
+              </a:srgbClr>
+            </a:outerShdw>
+          </a:effectLst>
+        </p:spPr>
+        <p:txBody>
+          <a:bodyPr vert="horz" lIns="91440" tIns="45720" rIns="91440" bIns="45720" rtlCol="0" anchor="ctr">
+            <a:normAutofit/>
+          </a:bodyPr>
+          <a:lstStyle>
+            <a:lvl1pPr algn="ctr" defTabSz="457200" rtl="0" eaLnBrk="1" latinLnBrk="0" hangingPunct="1">
+              <a:spcBef>
+                <a:spcPct val="0"/>
+              </a:spcBef>
+              <a:buNone/>
+              <a:defRPr sz="4000" kern="1200">
+                <a:ln>
+                  <a:solidFill>
+                    <a:schemeClr val="bg1">
+                      <a:lumMod val="75000"/>
+                      <a:lumOff val="25000"/>
+                      <a:alpha val="10000"/>
+                    </a:schemeClr>
+                  </a:solidFill>
+                </a:ln>
+                <a:solidFill>
+                  <a:srgbClr val="0070C0"/>
+                </a:solidFill>
+                <a:effectLst>
+                  <a:outerShdw blurRad="9525" dist="25400" dir="14640000" algn="tl" rotWithShape="0">
+                    <a:schemeClr val="bg1">
+                      <a:alpha val="30000"/>
+                    </a:schemeClr>
+                  </a:outerShdw>
+                </a:effectLst>
+                <a:latin typeface="+mj-lt"/>
+                <a:ea typeface="+mj-ea"/>
+                <a:cs typeface="Trebuchet MS"/>
+              </a:defRPr>
+            </a:lvl1pPr>
+            <a:lvl2pPr eaLnBrk="1" hangingPunct="1">
+              <a:defRPr>
+                <a:solidFill>
+                  <a:schemeClr val="tx2"/>
+                </a:solidFill>
+              </a:defRPr>
+            </a:lvl2pPr>
+            <a:lvl3pPr eaLnBrk="1" hangingPunct="1">
+              <a:defRPr>
+                <a:solidFill>
+                  <a:schemeClr val="tx2"/>
+                </a:solidFill>
+              </a:defRPr>
+            </a:lvl3pPr>
+            <a:lvl4pPr eaLnBrk="1" hangingPunct="1">
+              <a:defRPr>
+                <a:solidFill>
+                  <a:schemeClr val="tx2"/>
+                </a:solidFill>
+              </a:defRPr>
+            </a:lvl4pPr>
+            <a:lvl5pPr eaLnBrk="1" hangingPunct="1">
+              <a:defRPr>
+                <a:solidFill>
+                  <a:schemeClr val="tx2"/>
+                </a:solidFill>
+              </a:defRPr>
+            </a:lvl5pPr>
+            <a:lvl6pPr eaLnBrk="1" hangingPunct="1">
+              <a:defRPr>
+                <a:solidFill>
+                  <a:schemeClr val="tx2"/>
+                </a:solidFill>
+              </a:defRPr>
+            </a:lvl6pPr>
+            <a:lvl7pPr eaLnBrk="1" hangingPunct="1">
+              <a:defRPr>
+                <a:solidFill>
+                  <a:schemeClr val="tx2"/>
+                </a:solidFill>
+              </a:defRPr>
+            </a:lvl7pPr>
+            <a:lvl8pPr eaLnBrk="1" hangingPunct="1">
+              <a:defRPr>
+                <a:solidFill>
+                  <a:schemeClr val="tx2"/>
+                </a:solidFill>
+              </a:defRPr>
+            </a:lvl8pPr>
+            <a:lvl9pPr eaLnBrk="1" hangingPunct="1">
+              <a:defRPr>
+                <a:solidFill>
+                  <a:schemeClr val="tx2"/>
+                </a:solidFill>
+              </a:defRPr>
+            </a:lvl9pPr>
+          </a:lstStyle>
+          <a:p>
+            <a:r>
+              <a:rPr lang="en-GB" sz="2400" dirty="0"/>
+              <a:t>Strength against known attacks</a:t>
+            </a:r>
+            <a:endParaRPr lang="it-IT" sz="2400" dirty="0"/>
+          </a:p>
+        </p:txBody>
+      </p:sp>
+      <p:sp>
+        <p:nvSpPr>
+          <p:cNvPr id="9" name="Segnaposto contenuto 2">
+            <a:extLst>
+              <a:ext uri="{FF2B5EF4-FFF2-40B4-BE49-F238E27FC236}">
+                <a16:creationId xmlns:a16="http://schemas.microsoft.com/office/drawing/2014/main" id="{671F956E-2945-4170-8DCF-9B9590929DAB}"/>
+              </a:ext>
+            </a:extLst>
+          </p:cNvPr>
+          <p:cNvSpPr txBox="1">
+            <a:spLocks/>
+          </p:cNvSpPr>
+          <p:nvPr/>
+        </p:nvSpPr>
+        <p:spPr>
+          <a:xfrm>
+            <a:off x="548276" y="2312163"/>
+            <a:ext cx="3723783" cy="2534128"/>
+          </a:xfrm>
+          <a:prstGeom prst="rect">
+            <a:avLst/>
+          </a:prstGeom>
+          <a:effectLst>
+            <a:outerShdw blurRad="25400" dir="17880000">
+              <a:srgbClr val="000000">
+                <a:alpha val="46000"/>
+              </a:srgbClr>
+            </a:outerShdw>
+          </a:effectLst>
+        </p:spPr>
+        <p:txBody>
+          <a:bodyPr vert="horz" lIns="91440" tIns="45720" rIns="91440" bIns="45720" rtlCol="0" anchor="t">
+            <a:normAutofit/>
+          </a:bodyPr>
+          <a:lstStyle>
+            <a:lvl1pPr marL="342900" indent="-306000" algn="l" defTabSz="457200" rtl="0" eaLnBrk="1" latinLnBrk="0" hangingPunct="1">
+              <a:spcBef>
+                <a:spcPct val="20000"/>
+              </a:spcBef>
+              <a:spcAft>
+                <a:spcPts val="600"/>
+              </a:spcAft>
+              <a:buClr>
+                <a:schemeClr val="tx2"/>
+              </a:buClr>
+              <a:buSzPct val="70000"/>
+              <a:buFont typeface="Wingdings 2" charset="2"/>
+              <a:buChar char=""/>
+              <a:defRPr sz="2000" kern="1200">
+                <a:ln>
+                  <a:solidFill>
+                    <a:schemeClr val="bg1">
+                      <a:lumMod val="75000"/>
+                      <a:lumOff val="25000"/>
+                      <a:alpha val="10000"/>
+                    </a:schemeClr>
+                  </a:solidFill>
+                </a:ln>
+                <a:solidFill>
+                  <a:schemeClr val="tx2"/>
+                </a:solidFill>
+                <a:effectLst>
+                  <a:outerShdw blurRad="9525" dist="25400" dir="14640000" algn="tl" rotWithShape="0">
+                    <a:schemeClr val="bg1">
+                      <a:alpha val="30000"/>
+                    </a:schemeClr>
+                  </a:outerShdw>
+                </a:effectLst>
+                <a:latin typeface="+mn-lt"/>
+                <a:ea typeface="+mn-ea"/>
+                <a:cs typeface="+mn-cs"/>
+              </a:defRPr>
+            </a:lvl1pPr>
+            <a:lvl2pPr marL="720000" indent="-270000" algn="l" defTabSz="457200" rtl="0" eaLnBrk="1" latinLnBrk="0" hangingPunct="1">
+              <a:spcBef>
+                <a:spcPct val="20000"/>
+              </a:spcBef>
+              <a:spcAft>
+                <a:spcPts val="600"/>
+              </a:spcAft>
+              <a:buClr>
+                <a:schemeClr val="tx2"/>
+              </a:buClr>
+              <a:buSzPct val="70000"/>
+              <a:buFont typeface="Wingdings 2" charset="2"/>
+              <a:buChar char=""/>
+              <a:defRPr sz="1800" kern="1200">
+                <a:ln>
+                  <a:solidFill>
+                    <a:schemeClr val="bg1">
+                      <a:lumMod val="75000"/>
+                      <a:lumOff val="25000"/>
+                      <a:alpha val="10000"/>
+                    </a:schemeClr>
+                  </a:solidFill>
+                </a:ln>
+                <a:solidFill>
+                  <a:schemeClr val="tx2"/>
+                </a:solidFill>
+                <a:effectLst>
+                  <a:outerShdw blurRad="9525" dist="25400" dir="14640000" algn="tl" rotWithShape="0">
+                    <a:schemeClr val="bg1">
+                      <a:alpha val="30000"/>
+                    </a:schemeClr>
+                  </a:outerShdw>
+                </a:effectLst>
+                <a:latin typeface="+mn-lt"/>
+                <a:ea typeface="+mn-ea"/>
+                <a:cs typeface="+mn-cs"/>
+              </a:defRPr>
+            </a:lvl2pPr>
+            <a:lvl3pPr marL="1026000" indent="-216000" algn="l" defTabSz="457200" rtl="0" eaLnBrk="1" latinLnBrk="0" hangingPunct="1">
+              <a:spcBef>
+                <a:spcPct val="20000"/>
+              </a:spcBef>
+              <a:spcAft>
+                <a:spcPts val="600"/>
+              </a:spcAft>
+              <a:buClr>
+                <a:schemeClr val="tx2"/>
+              </a:buClr>
+              <a:buSzPct val="70000"/>
+              <a:buFont typeface="Wingdings 2" charset="2"/>
+              <a:buChar char=""/>
+              <a:defRPr sz="1600" kern="1200">
+                <a:ln>
+                  <a:solidFill>
+                    <a:schemeClr val="bg1">
+                      <a:lumMod val="75000"/>
+                      <a:lumOff val="25000"/>
+                      <a:alpha val="10000"/>
+                    </a:schemeClr>
+                  </a:solidFill>
+                </a:ln>
+                <a:solidFill>
+                  <a:schemeClr val="tx2"/>
+                </a:solidFill>
+                <a:effectLst>
+                  <a:outerShdw blurRad="9525" dist="25400" dir="14640000" algn="tl" rotWithShape="0">
+                    <a:schemeClr val="bg1">
+                      <a:alpha val="30000"/>
+                    </a:schemeClr>
+                  </a:outerShdw>
+                </a:effectLst>
+                <a:latin typeface="+mn-lt"/>
+                <a:ea typeface="+mn-ea"/>
+                <a:cs typeface="+mn-cs"/>
+              </a:defRPr>
+            </a:lvl3pPr>
+            <a:lvl4pPr marL="1386000" indent="-216000" algn="l" defTabSz="457200" rtl="0" eaLnBrk="1" latinLnBrk="0" hangingPunct="1">
+              <a:spcBef>
+                <a:spcPct val="20000"/>
+              </a:spcBef>
+              <a:spcAft>
+                <a:spcPts val="600"/>
+              </a:spcAft>
+              <a:buClr>
+                <a:schemeClr val="tx2"/>
+              </a:buClr>
+              <a:buSzPct val="70000"/>
+              <a:buFont typeface="Wingdings 2" charset="2"/>
+              <a:buChar char=""/>
+              <a:defRPr sz="1400" kern="1200">
+                <a:ln>
+                  <a:solidFill>
+                    <a:schemeClr val="bg1">
+                      <a:lumMod val="75000"/>
+                      <a:lumOff val="25000"/>
+                      <a:alpha val="10000"/>
+                    </a:schemeClr>
+                  </a:solidFill>
+                </a:ln>
+                <a:solidFill>
+                  <a:schemeClr val="tx2"/>
+                </a:solidFill>
+                <a:effectLst>
+                  <a:outerShdw blurRad="9525" dist="25400" dir="14640000" algn="tl" rotWithShape="0">
+                    <a:schemeClr val="bg1">
+                      <a:alpha val="30000"/>
+                    </a:schemeClr>
+                  </a:outerShdw>
+                </a:effectLst>
+                <a:latin typeface="+mn-lt"/>
+                <a:ea typeface="+mn-ea"/>
+                <a:cs typeface="+mn-cs"/>
+              </a:defRPr>
+            </a:lvl4pPr>
+            <a:lvl5pPr marL="1674000" indent="-216000" algn="l" defTabSz="457200" rtl="0" eaLnBrk="1" latinLnBrk="0" hangingPunct="1">
+              <a:spcBef>
+                <a:spcPct val="20000"/>
+              </a:spcBef>
+              <a:spcAft>
+                <a:spcPts val="600"/>
+              </a:spcAft>
+              <a:buClr>
+                <a:schemeClr val="tx2"/>
+              </a:buClr>
+              <a:buSzPct val="70000"/>
+              <a:buFont typeface="Wingdings 2" charset="2"/>
+              <a:buChar char=""/>
+              <a:defRPr sz="1400" kern="1200">
+                <a:ln>
+                  <a:solidFill>
+                    <a:schemeClr val="bg1">
+                      <a:lumMod val="75000"/>
+                      <a:lumOff val="25000"/>
+                      <a:alpha val="10000"/>
+                    </a:schemeClr>
+                  </a:solidFill>
+                </a:ln>
+                <a:solidFill>
+                  <a:schemeClr val="tx2"/>
+                </a:solidFill>
+                <a:effectLst>
+                  <a:outerShdw blurRad="9525" dist="25400" dir="14640000" algn="tl" rotWithShape="0">
+                    <a:schemeClr val="bg1">
+                      <a:alpha val="30000"/>
+                    </a:schemeClr>
+                  </a:outerShdw>
+                </a:effectLst>
+                <a:latin typeface="+mn-lt"/>
+                <a:ea typeface="+mn-ea"/>
+                <a:cs typeface="+mn-cs"/>
+              </a:defRPr>
+            </a:lvl5pPr>
+            <a:lvl6pPr marL="2014600" indent="-228600" algn="l" defTabSz="457200" rtl="0" eaLnBrk="1" latinLnBrk="0" hangingPunct="1">
+              <a:spcBef>
+                <a:spcPct val="20000"/>
+              </a:spcBef>
+              <a:spcAft>
+                <a:spcPts val="600"/>
+              </a:spcAft>
+              <a:buClr>
+                <a:schemeClr val="tx2"/>
+              </a:buClr>
+              <a:buSzPct val="70000"/>
+              <a:buFont typeface="Wingdings 2" charset="2"/>
+              <a:buChar char=""/>
+              <a:defRPr sz="1400" kern="1200">
+                <a:ln>
+                  <a:solidFill>
+                    <a:schemeClr val="bg1">
+                      <a:lumMod val="75000"/>
+                      <a:lumOff val="25000"/>
+                      <a:alpha val="10000"/>
+                    </a:schemeClr>
+                  </a:solidFill>
+                </a:ln>
+                <a:solidFill>
+                  <a:schemeClr val="tx2"/>
+                </a:solidFill>
+                <a:effectLst>
+                  <a:outerShdw blurRad="9525" dist="25400" dir="14640000" algn="tl" rotWithShape="0">
+                    <a:schemeClr val="bg1">
+                      <a:alpha val="30000"/>
+                    </a:schemeClr>
+                  </a:outerShdw>
+                </a:effectLst>
+                <a:latin typeface="+mn-lt"/>
+                <a:ea typeface="+mn-ea"/>
+                <a:cs typeface="+mn-cs"/>
+              </a:defRPr>
+            </a:lvl6pPr>
+            <a:lvl7pPr marL="2401800" indent="-228600" algn="l" defTabSz="457200" rtl="0" eaLnBrk="1" latinLnBrk="0" hangingPunct="1">
+              <a:spcBef>
+                <a:spcPct val="20000"/>
+              </a:spcBef>
+              <a:spcAft>
+                <a:spcPts val="600"/>
+              </a:spcAft>
+              <a:buClr>
+                <a:schemeClr val="tx2"/>
+              </a:buClr>
+              <a:buSzPct val="70000"/>
+              <a:buFont typeface="Wingdings 2" charset="2"/>
+              <a:buChar char=""/>
+              <a:defRPr sz="1400" kern="1200">
+                <a:ln>
+                  <a:solidFill>
+                    <a:schemeClr val="bg1">
+                      <a:lumMod val="75000"/>
+                      <a:lumOff val="25000"/>
+                      <a:alpha val="10000"/>
+                    </a:schemeClr>
+                  </a:solidFill>
+                </a:ln>
+                <a:solidFill>
+                  <a:schemeClr val="tx2"/>
+                </a:solidFill>
+                <a:effectLst>
+                  <a:outerShdw blurRad="9525" dist="25400" dir="14640000" algn="tl" rotWithShape="0">
+                    <a:schemeClr val="bg1">
+                      <a:alpha val="30000"/>
+                    </a:schemeClr>
+                  </a:outerShdw>
+                </a:effectLst>
+                <a:latin typeface="+mn-lt"/>
+                <a:ea typeface="+mn-ea"/>
+                <a:cs typeface="+mn-cs"/>
+              </a:defRPr>
+            </a:lvl7pPr>
+            <a:lvl8pPr marL="2789000" indent="-228600" algn="l" defTabSz="457200" rtl="0" eaLnBrk="1" latinLnBrk="0" hangingPunct="1">
+              <a:spcBef>
+                <a:spcPct val="20000"/>
+              </a:spcBef>
+              <a:spcAft>
+                <a:spcPts val="600"/>
+              </a:spcAft>
+              <a:buClr>
+                <a:schemeClr val="tx2"/>
+              </a:buClr>
+              <a:buSzPct val="70000"/>
+              <a:buFont typeface="Wingdings 2" charset="2"/>
+              <a:buChar char=""/>
+              <a:defRPr sz="1400" kern="1200">
+                <a:ln>
+                  <a:solidFill>
+                    <a:schemeClr val="bg1">
+                      <a:lumMod val="75000"/>
+                      <a:lumOff val="25000"/>
+                      <a:alpha val="10000"/>
+                    </a:schemeClr>
+                  </a:solidFill>
+                </a:ln>
+                <a:solidFill>
+                  <a:schemeClr val="tx2"/>
+                </a:solidFill>
+                <a:effectLst>
+                  <a:outerShdw blurRad="9525" dist="25400" dir="14640000" algn="tl" rotWithShape="0">
+                    <a:schemeClr val="bg1">
+                      <a:alpha val="30000"/>
+                    </a:schemeClr>
+                  </a:outerShdw>
+                </a:effectLst>
+                <a:latin typeface="+mn-lt"/>
+                <a:ea typeface="+mn-ea"/>
+                <a:cs typeface="+mn-cs"/>
+              </a:defRPr>
+            </a:lvl8pPr>
+            <a:lvl9pPr marL="3106200" indent="-228600" algn="l" defTabSz="457200" rtl="0" eaLnBrk="1" latinLnBrk="0" hangingPunct="1">
+              <a:spcBef>
+                <a:spcPct val="20000"/>
+              </a:spcBef>
+              <a:spcAft>
+                <a:spcPts val="600"/>
+              </a:spcAft>
+              <a:buClr>
+                <a:schemeClr val="tx2"/>
+              </a:buClr>
+              <a:buSzPct val="70000"/>
+              <a:buFont typeface="Wingdings 2" charset="2"/>
+              <a:buChar char=""/>
+              <a:defRPr sz="1400" kern="1200">
+                <a:ln>
+                  <a:solidFill>
+                    <a:schemeClr val="bg1">
+                      <a:lumMod val="75000"/>
+                      <a:lumOff val="25000"/>
+                      <a:alpha val="10000"/>
+                    </a:schemeClr>
+                  </a:solidFill>
+                </a:ln>
+                <a:solidFill>
+                  <a:schemeClr val="tx2"/>
+                </a:solidFill>
+                <a:effectLst>
+                  <a:outerShdw blurRad="9525" dist="25400" dir="14640000" algn="tl" rotWithShape="0">
+                    <a:schemeClr val="bg1">
+                      <a:alpha val="30000"/>
+                    </a:schemeClr>
+                  </a:outerShdw>
+                </a:effectLst>
+                <a:latin typeface="+mn-lt"/>
+                <a:ea typeface="+mn-ea"/>
+                <a:cs typeface="+mn-cs"/>
+              </a:defRPr>
+            </a:lvl9pPr>
+          </a:lstStyle>
+          <a:p>
+            <a:pPr>
+              <a:buClr>
+                <a:schemeClr val="accent2">
+                  <a:lumMod val="75000"/>
+                </a:schemeClr>
+              </a:buClr>
+            </a:pPr>
+            <a:r>
+              <a:rPr lang="en-GB" sz="1800" dirty="0"/>
+              <a:t>Replay attack</a:t>
+            </a:r>
+          </a:p>
+          <a:p>
+            <a:pPr>
+              <a:buClr>
+                <a:schemeClr val="accent2">
+                  <a:lumMod val="75000"/>
+                </a:schemeClr>
+              </a:buClr>
+            </a:pPr>
+            <a:r>
+              <a:rPr lang="en-GB" sz="1800" dirty="0"/>
+              <a:t>Reverse engineering attack</a:t>
+            </a:r>
+          </a:p>
+          <a:p>
+            <a:pPr>
+              <a:buClr>
+                <a:schemeClr val="accent2">
+                  <a:lumMod val="75000"/>
+                </a:schemeClr>
+              </a:buClr>
+            </a:pPr>
+            <a:r>
+              <a:rPr lang="en-GB" sz="1800" dirty="0"/>
+              <a:t>Human solver relay attacks</a:t>
+            </a:r>
+          </a:p>
+          <a:p>
+            <a:pPr>
+              <a:buClr>
+                <a:schemeClr val="accent2">
+                  <a:lumMod val="75000"/>
+                </a:schemeClr>
+              </a:buClr>
+            </a:pPr>
+            <a:r>
+              <a:rPr lang="en-GB" sz="1800" dirty="0"/>
+              <a:t>Brute force attack</a:t>
+            </a:r>
+          </a:p>
+          <a:p>
+            <a:pPr>
+              <a:buClr>
+                <a:schemeClr val="accent2">
+                  <a:lumMod val="75000"/>
+                </a:schemeClr>
+              </a:buClr>
+            </a:pPr>
+            <a:r>
+              <a:rPr lang="en-GB" sz="1800" dirty="0"/>
+              <a:t>Denial of Service attack (DoS)</a:t>
+            </a:r>
+          </a:p>
+          <a:p>
+            <a:pPr>
+              <a:buClr>
+                <a:schemeClr val="accent2">
+                  <a:lumMod val="75000"/>
+                </a:schemeClr>
+              </a:buClr>
+            </a:pPr>
+            <a:r>
+              <a:rPr lang="en-GB" sz="1800" dirty="0"/>
+              <a:t>Eavesdropping attack</a:t>
+            </a:r>
+          </a:p>
+          <a:p>
+            <a:endParaRPr lang="en-GB" dirty="0"/>
+          </a:p>
+        </p:txBody>
+      </p:sp>
+      <p:sp>
+        <p:nvSpPr>
+          <p:cNvPr id="10" name="Titolo 1">
+            <a:extLst>
+              <a:ext uri="{FF2B5EF4-FFF2-40B4-BE49-F238E27FC236}">
+                <a16:creationId xmlns:a16="http://schemas.microsoft.com/office/drawing/2014/main" id="{F8EA0F97-43FA-445A-8C23-492486372B09}"/>
+              </a:ext>
+            </a:extLst>
+          </p:cNvPr>
+          <p:cNvSpPr>
+            <a:spLocks noGrp="1"/>
+          </p:cNvSpPr>
+          <p:nvPr>
+            <p:ph type="title"/>
+          </p:nvPr>
+        </p:nvSpPr>
+        <p:spPr>
+          <a:xfrm>
+            <a:off x="4264433" y="1595502"/>
+            <a:ext cx="4648689" cy="508318"/>
+          </a:xfrm>
+        </p:spPr>
+        <p:txBody>
+          <a:bodyPr>
+            <a:normAutofit/>
+          </a:bodyPr>
+          <a:lstStyle/>
+          <a:p>
+            <a:r>
+              <a:rPr lang="en-GB" sz="2400" dirty="0"/>
+              <a:t>Future work</a:t>
+            </a:r>
+            <a:endParaRPr lang="it-IT" sz="2400" dirty="0"/>
+          </a:p>
+        </p:txBody>
+      </p:sp>
+      <p:sp>
+        <p:nvSpPr>
+          <p:cNvPr id="11" name="Segnaposto contenuto 2">
+            <a:extLst>
+              <a:ext uri="{FF2B5EF4-FFF2-40B4-BE49-F238E27FC236}">
+                <a16:creationId xmlns:a16="http://schemas.microsoft.com/office/drawing/2014/main" id="{BDE136F6-3842-4232-AF28-FB0A9E48951E}"/>
+              </a:ext>
+            </a:extLst>
+          </p:cNvPr>
+          <p:cNvSpPr>
+            <a:spLocks noGrp="1"/>
+          </p:cNvSpPr>
+          <p:nvPr>
+            <p:ph idx="1"/>
+          </p:nvPr>
+        </p:nvSpPr>
+        <p:spPr>
+          <a:xfrm>
+            <a:off x="4264433" y="2099340"/>
+            <a:ext cx="4648689" cy="2959773"/>
+          </a:xfrm>
+        </p:spPr>
+        <p:txBody>
+          <a:bodyPr>
+            <a:normAutofit/>
+          </a:bodyPr>
+          <a:lstStyle/>
+          <a:p>
+            <a:pPr>
+              <a:buClr>
+                <a:schemeClr val="accent2">
+                  <a:lumMod val="75000"/>
+                </a:schemeClr>
+              </a:buClr>
+            </a:pPr>
+            <a:r>
+              <a:rPr lang="en-GB" sz="1800" dirty="0">
+                <a:solidFill>
+                  <a:schemeClr val="accent2">
+                    <a:lumMod val="75000"/>
+                  </a:schemeClr>
+                </a:solidFill>
+              </a:rPr>
+              <a:t>Improvement of character correspondence</a:t>
+            </a:r>
+            <a:endParaRPr lang="it-IT" sz="1800" dirty="0">
+              <a:solidFill>
+                <a:schemeClr val="accent2">
+                  <a:lumMod val="75000"/>
+                </a:schemeClr>
+              </a:solidFill>
+            </a:endParaRPr>
+          </a:p>
+          <a:p>
+            <a:pPr>
+              <a:buClr>
+                <a:schemeClr val="accent2">
+                  <a:lumMod val="75000"/>
+                </a:schemeClr>
+              </a:buClr>
+            </a:pPr>
+            <a:r>
+              <a:rPr lang="it-IT" sz="1800" dirty="0" err="1">
+                <a:solidFill>
+                  <a:schemeClr val="accent2">
+                    <a:lumMod val="75000"/>
+                  </a:schemeClr>
+                </a:solidFill>
+              </a:rPr>
+              <a:t>Implementation</a:t>
+            </a:r>
+            <a:r>
+              <a:rPr lang="it-IT" sz="1800" dirty="0">
+                <a:solidFill>
+                  <a:schemeClr val="accent2">
+                    <a:lumMod val="75000"/>
+                  </a:schemeClr>
+                </a:solidFill>
+              </a:rPr>
+              <a:t> on </a:t>
+            </a:r>
+            <a:r>
+              <a:rPr lang="it-IT" sz="1800" dirty="0" err="1">
+                <a:solidFill>
+                  <a:schemeClr val="accent2">
+                    <a:lumMod val="75000"/>
+                  </a:schemeClr>
+                </a:solidFill>
+              </a:rPr>
+              <a:t>other</a:t>
+            </a:r>
+            <a:r>
+              <a:rPr lang="it-IT" sz="1800" dirty="0">
+                <a:solidFill>
+                  <a:schemeClr val="accent2">
+                    <a:lumMod val="75000"/>
+                  </a:schemeClr>
+                </a:solidFill>
+              </a:rPr>
+              <a:t> devices (smartphones &amp; tablets)</a:t>
+            </a:r>
+          </a:p>
+          <a:p>
+            <a:pPr>
+              <a:buClr>
+                <a:schemeClr val="accent2">
+                  <a:lumMod val="75000"/>
+                </a:schemeClr>
+              </a:buClr>
+            </a:pPr>
+            <a:r>
+              <a:rPr lang="it-IT" sz="1800" dirty="0" err="1">
+                <a:solidFill>
+                  <a:schemeClr val="accent2">
+                    <a:lumMod val="75000"/>
+                  </a:schemeClr>
+                </a:solidFill>
+              </a:rPr>
+              <a:t>Relationship</a:t>
+            </a:r>
+            <a:r>
+              <a:rPr lang="it-IT" sz="1800" dirty="0">
+                <a:solidFill>
+                  <a:schemeClr val="accent2">
+                    <a:lumMod val="75000"/>
+                  </a:schemeClr>
+                </a:solidFill>
+              </a:rPr>
+              <a:t> </a:t>
+            </a:r>
+            <a:r>
+              <a:rPr lang="it-IT" sz="1800" dirty="0" err="1">
+                <a:solidFill>
+                  <a:schemeClr val="accent2">
+                    <a:lumMod val="75000"/>
+                  </a:schemeClr>
+                </a:solidFill>
+              </a:rPr>
+              <a:t>between</a:t>
+            </a:r>
+            <a:r>
+              <a:rPr lang="it-IT" sz="1800" dirty="0">
+                <a:solidFill>
+                  <a:schemeClr val="accent2">
+                    <a:lumMod val="75000"/>
+                  </a:schemeClr>
+                </a:solidFill>
+              </a:rPr>
+              <a:t> </a:t>
+            </a:r>
+            <a:r>
+              <a:rPr lang="it-IT" sz="1800" dirty="0" err="1">
+                <a:solidFill>
+                  <a:schemeClr val="accent2">
+                    <a:lumMod val="75000"/>
+                  </a:schemeClr>
+                </a:solidFill>
+              </a:rPr>
+              <a:t>accuracy</a:t>
+            </a:r>
+            <a:r>
+              <a:rPr lang="it-IT" sz="1800" dirty="0">
+                <a:solidFill>
+                  <a:schemeClr val="accent2">
+                    <a:lumMod val="75000"/>
+                  </a:schemeClr>
+                </a:solidFill>
+              </a:rPr>
+              <a:t> and:</a:t>
+            </a:r>
+          </a:p>
+          <a:p>
+            <a:pPr lvl="1"/>
+            <a:r>
+              <a:rPr lang="it-IT" sz="1600" dirty="0" err="1"/>
+              <a:t>different</a:t>
+            </a:r>
+            <a:r>
+              <a:rPr lang="it-IT" sz="1600" dirty="0"/>
+              <a:t> users </a:t>
+            </a:r>
+            <a:r>
+              <a:rPr lang="it-IT" sz="1600" dirty="0" err="1"/>
+              <a:t>typing</a:t>
+            </a:r>
+            <a:r>
+              <a:rPr lang="it-IT" sz="1600" dirty="0"/>
+              <a:t> styles</a:t>
+            </a:r>
+          </a:p>
+          <a:p>
+            <a:pPr lvl="1"/>
+            <a:r>
+              <a:rPr lang="en-GB" sz="1600" dirty="0"/>
+              <a:t>different level of wear and tear of a same hardware</a:t>
+            </a:r>
+            <a:endParaRPr lang="it-IT" sz="1600" dirty="0"/>
+          </a:p>
+        </p:txBody>
+      </p:sp>
+    </p:spTree>
+    <p:extLst>
+      <p:ext uri="{BB962C8B-B14F-4D97-AF65-F5344CB8AC3E}">
+        <p14:creationId xmlns:p14="http://schemas.microsoft.com/office/powerpoint/2010/main" val="3897955797"/>
       </p:ext>
     </p:extLst>
   </p:cSld>

--- a/Thesis/AcCAPPCHA.pptx
+++ b/Thesis/AcCAPPCHA.pptx
@@ -696,7 +696,7 @@
         </p:nvSpPr>
         <p:spPr>
           <a:xfrm>
-            <a:off x="1028020" y="1769541"/>
+            <a:off x="1028020" y="1769543"/>
             <a:ext cx="7080026" cy="1828801"/>
           </a:xfrm>
         </p:spPr>
@@ -954,7 +954,7 @@
         </p:blipFill>
         <p:spPr>
           <a:xfrm>
-            <a:off x="743995" y="540085"/>
+            <a:off x="743996" y="540085"/>
             <a:ext cx="7656010" cy="3834374"/>
           </a:xfrm>
           <a:prstGeom prst="rect">
@@ -974,7 +974,7 @@
         </p:nvSpPr>
         <p:spPr>
           <a:xfrm>
-            <a:off x="685354" y="4220681"/>
+            <a:off x="685355" y="4220681"/>
             <a:ext cx="7766495" cy="888046"/>
           </a:xfrm>
         </p:spPr>
@@ -1008,7 +1008,7 @@
         </p:nvSpPr>
         <p:spPr>
           <a:xfrm>
-            <a:off x="926217" y="1263316"/>
+            <a:off x="926217" y="1263318"/>
             <a:ext cx="7285600" cy="2957365"/>
           </a:xfrm>
           <a:effectLst>
@@ -1082,7 +1082,7 @@
         </p:nvSpPr>
         <p:spPr>
           <a:xfrm>
-            <a:off x="685346" y="5108728"/>
+            <a:off x="685347" y="5108728"/>
             <a:ext cx="7765322" cy="682472"/>
           </a:xfrm>
         </p:spPr>
@@ -1244,7 +1244,7 @@
         </p:nvSpPr>
         <p:spPr>
           <a:xfrm>
-            <a:off x="685346" y="1371599"/>
+            <a:off x="685347" y="1371601"/>
             <a:ext cx="7765322" cy="2771181"/>
           </a:xfrm>
         </p:spPr>
@@ -1276,7 +1276,7 @@
         </p:nvSpPr>
         <p:spPr>
           <a:xfrm>
-            <a:off x="685346" y="4295180"/>
+            <a:off x="685347" y="4295180"/>
             <a:ext cx="7765322" cy="1501826"/>
           </a:xfrm>
         </p:spPr>
@@ -1438,7 +1438,7 @@
         </p:nvSpPr>
         <p:spPr>
           <a:xfrm>
-            <a:off x="1084659" y="1548114"/>
+            <a:off x="1084659" y="1548116"/>
             <a:ext cx="6977064" cy="2054389"/>
           </a:xfrm>
         </p:spPr>
@@ -1470,7 +1470,7 @@
         </p:nvSpPr>
         <p:spPr>
           <a:xfrm>
-            <a:off x="1290484" y="3610033"/>
+            <a:off x="1290484" y="3610035"/>
             <a:ext cx="6564224" cy="532749"/>
           </a:xfrm>
         </p:spPr>
@@ -1537,7 +1537,7 @@
         </p:nvSpPr>
         <p:spPr>
           <a:xfrm>
-            <a:off x="685346" y="4304353"/>
+            <a:off x="685347" y="4304353"/>
             <a:ext cx="7765322" cy="1489496"/>
           </a:xfrm>
         </p:spPr>
@@ -1933,7 +1933,7 @@
         </p:nvSpPr>
         <p:spPr>
           <a:xfrm>
-            <a:off x="685346" y="2126943"/>
+            <a:off x="685347" y="2126945"/>
             <a:ext cx="7765322" cy="2511835"/>
           </a:xfrm>
         </p:spPr>
@@ -1965,7 +1965,7 @@
         </p:nvSpPr>
         <p:spPr>
           <a:xfrm>
-            <a:off x="685339" y="4650556"/>
+            <a:off x="685340" y="4650556"/>
             <a:ext cx="7764149" cy="1140644"/>
           </a:xfrm>
         </p:spPr>
@@ -2226,7 +2226,7 @@
         </p:nvSpPr>
         <p:spPr>
           <a:xfrm>
-            <a:off x="685346" y="3699891"/>
+            <a:off x="685346" y="3699893"/>
             <a:ext cx="2475738" cy="2091309"/>
           </a:xfrm>
         </p:spPr>
@@ -2364,7 +2364,7 @@
         </p:nvSpPr>
         <p:spPr>
           <a:xfrm>
-            <a:off x="3331076" y="3699891"/>
+            <a:off x="3331076" y="3699893"/>
             <a:ext cx="2475738" cy="2091309"/>
           </a:xfrm>
         </p:spPr>
@@ -2502,7 +2502,7 @@
         </p:nvSpPr>
         <p:spPr>
           <a:xfrm>
-            <a:off x="5974929" y="3699891"/>
+            <a:off x="5974929" y="3699893"/>
             <a:ext cx="2475738" cy="2091309"/>
           </a:xfrm>
         </p:spPr>
@@ -2706,7 +2706,7 @@
         </p:blipFill>
         <p:spPr>
           <a:xfrm>
-            <a:off x="3293719" y="2062251"/>
+            <a:off x="3293720" y="2062251"/>
             <a:ext cx="2529046" cy="1519118"/>
           </a:xfrm>
           <a:prstGeom prst="rect">
@@ -2736,7 +2736,7 @@
         </p:blipFill>
         <p:spPr>
           <a:xfrm>
-            <a:off x="5921621" y="2062251"/>
+            <a:off x="5921622" y="2062251"/>
             <a:ext cx="2529046" cy="1519118"/>
           </a:xfrm>
           <a:prstGeom prst="rect">
@@ -2756,7 +2756,7 @@
         </p:nvSpPr>
         <p:spPr>
           <a:xfrm>
-            <a:off x="693239" y="1066798"/>
+            <a:off x="693240" y="1066798"/>
             <a:ext cx="7765322" cy="970450"/>
           </a:xfrm>
         </p:spPr>
@@ -2855,7 +2855,7 @@
         </p:nvSpPr>
         <p:spPr>
           <a:xfrm>
-            <a:off x="763483" y="2135576"/>
+            <a:off x="763483" y="2135578"/>
             <a:ext cx="2319276" cy="1328061"/>
           </a:xfrm>
           <a:prstGeom prst="roundRect">
@@ -3151,7 +3151,7 @@
         </p:nvSpPr>
         <p:spPr>
           <a:xfrm>
-            <a:off x="3331075" y="4705165"/>
+            <a:off x="3331076" y="4705165"/>
             <a:ext cx="2476753" cy="1086036"/>
           </a:xfrm>
         </p:spPr>
@@ -3289,7 +3289,7 @@
         </p:nvSpPr>
         <p:spPr>
           <a:xfrm>
-            <a:off x="6056680" y="2131834"/>
+            <a:off x="6056680" y="2131836"/>
             <a:ext cx="2319276" cy="1331657"/>
           </a:xfrm>
           <a:prstGeom prst="roundRect">
@@ -3555,7 +3555,7 @@
         </p:nvSpPr>
         <p:spPr>
           <a:xfrm>
-            <a:off x="685346" y="2129589"/>
+            <a:off x="685347" y="2129589"/>
             <a:ext cx="7765322" cy="3661612"/>
           </a:xfrm>
         </p:spPr>
@@ -3709,7 +3709,7 @@
         </p:nvSpPr>
         <p:spPr>
           <a:xfrm>
-            <a:off x="6184232" y="1215189"/>
+            <a:off x="6184233" y="1215189"/>
             <a:ext cx="2266435" cy="4576012"/>
           </a:xfrm>
         </p:spPr>
@@ -3741,7 +3741,7 @@
         </p:nvSpPr>
         <p:spPr>
           <a:xfrm>
-            <a:off x="685347" y="1215189"/>
+            <a:off x="685348" y="1215189"/>
             <a:ext cx="5498885" cy="4576012"/>
           </a:xfrm>
         </p:spPr>
@@ -4067,7 +4067,7 @@
         </p:nvSpPr>
         <p:spPr>
           <a:xfrm>
-            <a:off x="971551" y="1761068"/>
+            <a:off x="971552" y="1761070"/>
             <a:ext cx="7192913" cy="1828813"/>
           </a:xfrm>
         </p:spPr>
@@ -4099,7 +4099,7 @@
         </p:nvSpPr>
         <p:spPr>
           <a:xfrm>
-            <a:off x="971551" y="3589879"/>
+            <a:off x="971552" y="3589879"/>
             <a:ext cx="7192913" cy="1507054"/>
           </a:xfrm>
         </p:spPr>
@@ -4336,7 +4336,7 @@
         </p:nvSpPr>
         <p:spPr>
           <a:xfrm>
-            <a:off x="685347" y="2069429"/>
+            <a:off x="685348" y="2069429"/>
             <a:ext cx="3795373" cy="3721770"/>
           </a:xfrm>
         </p:spPr>
@@ -4395,7 +4395,7 @@
         </p:nvSpPr>
         <p:spPr>
           <a:xfrm>
-            <a:off x="4652169" y="2069431"/>
+            <a:off x="4652170" y="2069433"/>
             <a:ext cx="3798499" cy="3721769"/>
           </a:xfrm>
         </p:spPr>
@@ -4561,7 +4561,7 @@
         </p:blipFill>
         <p:spPr>
           <a:xfrm>
-            <a:off x="685345" y="1770323"/>
+            <a:off x="685346" y="1770325"/>
             <a:ext cx="3787423" cy="4112953"/>
           </a:xfrm>
           <a:prstGeom prst="rect">
@@ -4591,7 +4591,7 @@
         </p:blipFill>
         <p:spPr>
           <a:xfrm>
-            <a:off x="4663245" y="1770323"/>
+            <a:off x="4663246" y="1770325"/>
             <a:ext cx="3787423" cy="4112953"/>
           </a:xfrm>
           <a:prstGeom prst="rect">
@@ -4705,7 +4705,7 @@
         </p:nvSpPr>
         <p:spPr>
           <a:xfrm>
-            <a:off x="754404" y="2942475"/>
+            <a:off x="754404" y="2942477"/>
             <a:ext cx="3657258" cy="2848725"/>
           </a:xfrm>
         </p:spPr>
@@ -4926,7 +4926,7 @@
         </p:nvSpPr>
         <p:spPr>
           <a:xfrm>
-            <a:off x="4732338" y="2942475"/>
+            <a:off x="4732338" y="2942477"/>
             <a:ext cx="3657258" cy="2848725"/>
           </a:xfrm>
         </p:spPr>
@@ -5248,7 +5248,7 @@
         </p:nvSpPr>
         <p:spPr>
           <a:xfrm>
-            <a:off x="685346" y="1239252"/>
+            <a:off x="685347" y="1239254"/>
             <a:ext cx="2780167" cy="1541181"/>
           </a:xfrm>
         </p:spPr>
@@ -5282,7 +5282,7 @@
         </p:nvSpPr>
         <p:spPr>
           <a:xfrm>
-            <a:off x="3641725" y="1239252"/>
+            <a:off x="3641726" y="1239252"/>
             <a:ext cx="4808943" cy="4551947"/>
           </a:xfrm>
         </p:spPr>
@@ -5341,7 +5341,7 @@
         </p:nvSpPr>
         <p:spPr>
           <a:xfrm>
-            <a:off x="685347" y="2780434"/>
+            <a:off x="685348" y="2780434"/>
             <a:ext cx="2780167" cy="3010766"/>
           </a:xfrm>
         </p:spPr>
@@ -5515,7 +5515,7 @@
         </p:blipFill>
         <p:spPr>
           <a:xfrm>
-            <a:off x="4844987" y="1197170"/>
+            <a:off x="4844988" y="1197170"/>
             <a:ext cx="3428146" cy="4618224"/>
           </a:xfrm>
           <a:prstGeom prst="rect">
@@ -5535,7 +5535,7 @@
         </p:nvSpPr>
         <p:spPr>
           <a:xfrm>
-            <a:off x="789281" y="1181091"/>
+            <a:off x="789282" y="1181091"/>
             <a:ext cx="3924676" cy="1560956"/>
           </a:xfrm>
         </p:spPr>
@@ -5569,7 +5569,7 @@
         </p:nvSpPr>
         <p:spPr>
           <a:xfrm>
-            <a:off x="4976728" y="1311441"/>
+            <a:off x="4976729" y="1311443"/>
             <a:ext cx="3165375" cy="4345369"/>
           </a:xfrm>
           <a:effectLst>
@@ -5643,7 +5643,7 @@
         </p:nvSpPr>
         <p:spPr>
           <a:xfrm>
-            <a:off x="789281" y="2775988"/>
+            <a:off x="789282" y="2775988"/>
             <a:ext cx="3924676" cy="2880822"/>
           </a:xfrm>
         </p:spPr>
@@ -5812,7 +5812,7 @@
         </p:nvSpPr>
         <p:spPr>
           <a:xfrm>
-            <a:off x="1227221" y="873214"/>
+            <a:off x="1227222" y="873216"/>
             <a:ext cx="6589231" cy="1172153"/>
           </a:xfrm>
           <a:prstGeom prst="rect">
@@ -5852,7 +5852,7 @@
         </p:nvSpPr>
         <p:spPr>
           <a:xfrm>
-            <a:off x="685346" y="2129589"/>
+            <a:off x="685347" y="2129589"/>
             <a:ext cx="7765322" cy="3661612"/>
           </a:xfrm>
           <a:prstGeom prst="rect">
@@ -5921,7 +5921,7 @@
         </p:nvSpPr>
         <p:spPr>
           <a:xfrm>
-            <a:off x="5759052" y="5883276"/>
+            <a:off x="5759052" y="5883278"/>
             <a:ext cx="2057400" cy="365125"/>
           </a:xfrm>
           <a:prstGeom prst="rect">
@@ -5968,7 +5968,7 @@
         </p:nvSpPr>
         <p:spPr>
           <a:xfrm>
-            <a:off x="685347" y="5883276"/>
+            <a:off x="685348" y="5883278"/>
             <a:ext cx="5004649" cy="365125"/>
           </a:xfrm>
           <a:prstGeom prst="rect">
@@ -6016,7 +6016,7 @@
         </p:nvSpPr>
         <p:spPr>
           <a:xfrm>
-            <a:off x="7885509" y="5883276"/>
+            <a:off x="7885510" y="5883278"/>
             <a:ext cx="565159" cy="365125"/>
           </a:xfrm>
           <a:prstGeom prst="rect">
@@ -6081,7 +6081,7 @@
         </p:blipFill>
         <p:spPr>
           <a:xfrm>
-            <a:off x="184284" y="67099"/>
+            <a:off x="184285" y="67101"/>
             <a:ext cx="1172153" cy="1172153"/>
           </a:xfrm>
           <a:prstGeom prst="rect">
@@ -6117,7 +6117,7 @@
         </p:blipFill>
         <p:spPr>
           <a:xfrm>
-            <a:off x="7404514" y="67099"/>
+            <a:off x="7404515" y="67101"/>
             <a:ext cx="1962369" cy="1172153"/>
           </a:xfrm>
           <a:prstGeom prst="rect">
@@ -6720,7 +6720,7 @@
         </p:nvSpPr>
         <p:spPr>
           <a:xfrm>
-            <a:off x="685347" y="1744585"/>
+            <a:off x="685349" y="1744585"/>
             <a:ext cx="7765321" cy="2226742"/>
           </a:xfrm>
         </p:spPr>
@@ -6781,7 +6781,7 @@
         </p:nvSpPr>
         <p:spPr>
           <a:xfrm>
-            <a:off x="1093969" y="5078230"/>
+            <a:off x="1093969" y="5078232"/>
             <a:ext cx="2867962" cy="1049867"/>
           </a:xfrm>
         </p:spPr>
@@ -6823,7 +6823,7 @@
         </p:nvSpPr>
         <p:spPr>
           <a:xfrm>
-            <a:off x="6217692" y="5078230"/>
+            <a:off x="6217694" y="5078232"/>
             <a:ext cx="1832339" cy="1049867"/>
           </a:xfrm>
           <a:prstGeom prst="rect">
@@ -7240,7 +7240,7 @@
         </p:nvSpPr>
         <p:spPr>
           <a:xfrm>
-            <a:off x="2065680" y="4159653"/>
+            <a:off x="2065682" y="4159655"/>
             <a:ext cx="5004649" cy="365125"/>
           </a:xfrm>
         </p:spPr>
@@ -7286,7 +7286,7 @@
         </p:nvSpPr>
         <p:spPr>
           <a:xfrm>
-            <a:off x="2065681" y="1239261"/>
+            <a:off x="2065683" y="1239263"/>
             <a:ext cx="5004649" cy="365125"/>
           </a:xfrm>
           <a:prstGeom prst="rect">
@@ -7457,7 +7457,7 @@
         </p:nvSpPr>
         <p:spPr>
           <a:xfrm>
-            <a:off x="1277384" y="2421815"/>
+            <a:off x="1277386" y="2421817"/>
             <a:ext cx="6589231" cy="1172153"/>
           </a:xfrm>
         </p:spPr>
@@ -7491,7 +7491,7 @@
         </p:nvSpPr>
         <p:spPr>
           <a:xfrm>
-            <a:off x="435114" y="5883276"/>
+            <a:off x="435114" y="5883278"/>
             <a:ext cx="5505114" cy="365125"/>
           </a:xfrm>
         </p:spPr>
@@ -7525,7 +7525,7 @@
         </p:nvSpPr>
         <p:spPr>
           <a:xfrm>
-            <a:off x="7885509" y="5883276"/>
+            <a:off x="7885511" y="5883278"/>
             <a:ext cx="565159" cy="365125"/>
           </a:xfrm>
         </p:spPr>
@@ -7534,7 +7534,7 @@
           <a:lstStyle/>
           <a:p>
             <a:fld id="{8DF98BA9-0B5D-48FD-8864-41A23C2934CC}" type="slidenum">
-              <a:rPr lang="it-IT" sz="1100" smtClean="0"/>
+              <a:rPr lang="it-IT" sz="1100"/>
               <a:t>9</a:t>
             </a:fld>
             <a:endParaRPr lang="it-IT" sz="1100"/>
@@ -7617,7 +7617,7 @@
         </p:nvSpPr>
         <p:spPr>
           <a:xfrm>
-            <a:off x="442164" y="247329"/>
+            <a:off x="442164" y="247331"/>
             <a:ext cx="8251686" cy="1172153"/>
           </a:xfrm>
         </p:spPr>
@@ -7753,7 +7753,7 @@
         </p:nvSpPr>
         <p:spPr>
           <a:xfrm>
-            <a:off x="442164" y="2117566"/>
+            <a:off x="442164" y="2117568"/>
             <a:ext cx="4129836" cy="1564099"/>
           </a:xfrm>
         </p:spPr>
@@ -7810,7 +7810,7 @@
         </p:nvSpPr>
         <p:spPr>
           <a:xfrm>
-            <a:off x="4807196" y="2114812"/>
+            <a:off x="4807196" y="2114814"/>
             <a:ext cx="3886654" cy="1564101"/>
           </a:xfrm>
           <a:prstGeom prst="rect">
@@ -8197,7 +8197,7 @@
             </a:pPr>
             <a:r>
               <a:rPr lang="en-GB" sz="1400" dirty="0"/>
-              <a:t>based on the human’s physical identity and on the evaluation of data from sensors or activity of the users on the web site        (e.g. Google </a:t>
+              <a:t>based on the human’s physical identity and on the evaluation of data from sensors or activity of the users on the website         (e.g. Google </a:t>
             </a:r>
             <a:r>
               <a:rPr lang="en-GB" sz="1400" dirty="0" err="1"/>
@@ -8311,7 +8311,7 @@
         </p:blipFill>
         <p:spPr>
           <a:xfrm>
-            <a:off x="5350566" y="3628592"/>
+            <a:off x="5350568" y="3628594"/>
             <a:ext cx="2493355" cy="700027"/>
           </a:xfrm>
           <a:prstGeom prst="rect">
@@ -8335,7 +8335,7 @@
         </p:nvSpPr>
         <p:spPr>
           <a:xfrm>
-            <a:off x="435114" y="5883276"/>
+            <a:off x="435114" y="5883278"/>
             <a:ext cx="5505114" cy="365125"/>
           </a:xfrm>
           <a:prstGeom prst="rect">
@@ -8473,7 +8473,7 @@
         </p:nvSpPr>
         <p:spPr>
           <a:xfrm>
-            <a:off x="7885509" y="5883276"/>
+            <a:off x="7885511" y="5883278"/>
             <a:ext cx="565159" cy="365125"/>
           </a:xfrm>
           <a:prstGeom prst="rect">
@@ -8588,7 +8588,7 @@
           </a:lstStyle>
           <a:p>
             <a:fld id="{8DF98BA9-0B5D-48FD-8864-41A23C2934CC}" type="slidenum">
-              <a:rPr lang="it-IT" sz="1100" smtClean="0"/>
+              <a:rPr lang="it-IT" sz="1100"/>
               <a:pPr/>
               <a:t>1</a:t>
             </a:fld>
@@ -8612,7 +8612,7 @@
         </p:nvSpPr>
         <p:spPr>
           <a:xfrm>
-            <a:off x="5759052" y="5883276"/>
+            <a:off x="5759052" y="5883278"/>
             <a:ext cx="2057400" cy="365125"/>
           </a:xfrm>
           <a:prstGeom prst="rect">
@@ -9117,7 +9117,7 @@
             </a:pPr>
             <a:r>
               <a:rPr lang="en-GB" sz="1600" dirty="0"/>
-              <a:t>program used to prevent bot activity on the web services</a:t>
+              <a:t>program used to prevent bot activity on web services</a:t>
             </a:r>
             <a:endParaRPr lang="it-IT" sz="1700" dirty="0"/>
           </a:p>
@@ -9171,17 +9171,30 @@
         </p:nvSpPr>
         <p:spPr>
           <a:xfrm>
-            <a:off x="1227221" y="387073"/>
+            <a:off x="1227223" y="387075"/>
             <a:ext cx="6589231" cy="1172153"/>
           </a:xfrm>
         </p:spPr>
         <p:txBody>
-          <a:bodyPr/>
+          <a:bodyPr>
+            <a:normAutofit fontScale="90000"/>
+          </a:bodyPr>
           <a:lstStyle/>
           <a:p>
             <a:r>
               <a:rPr lang="en-GB" dirty="0" err="1"/>
               <a:t>AcCAPPCHA</a:t>
+            </a:r>
+            <a:r>
+              <a:rPr lang="en-GB" dirty="0"/>
+              <a:t> </a:t>
+            </a:r>
+            <a:br>
+              <a:rPr lang="en-GB" dirty="0"/>
+            </a:br>
+            <a:r>
+              <a:rPr lang="en-GB" dirty="0"/>
+              <a:t>(Acoustic CAPPCHA)</a:t>
             </a:r>
             <a:endParaRPr lang="it-IT" dirty="0"/>
           </a:p>
@@ -9205,7 +9218,7 @@
         </p:nvSpPr>
         <p:spPr>
           <a:xfrm>
-            <a:off x="473245" y="2887550"/>
+            <a:off x="473247" y="3356786"/>
             <a:ext cx="3330713" cy="1577840"/>
           </a:xfrm>
           <a:solidFill>
@@ -9297,7 +9310,7 @@
         </p:nvSpPr>
         <p:spPr>
           <a:xfrm>
-            <a:off x="435114" y="5883276"/>
+            <a:off x="435114" y="5883278"/>
             <a:ext cx="5505114" cy="365125"/>
           </a:xfrm>
         </p:spPr>
@@ -9331,7 +9344,7 @@
         </p:nvSpPr>
         <p:spPr>
           <a:xfrm>
-            <a:off x="7885509" y="5883276"/>
+            <a:off x="7885511" y="5883278"/>
             <a:ext cx="565159" cy="365125"/>
           </a:xfrm>
         </p:spPr>
@@ -9340,7 +9353,7 @@
           <a:lstStyle/>
           <a:p>
             <a:fld id="{8DF98BA9-0B5D-48FD-8864-41A23C2934CC}" type="slidenum">
-              <a:rPr lang="it-IT" sz="1100" smtClean="0"/>
+              <a:rPr lang="it-IT" sz="1100"/>
               <a:t>2</a:t>
             </a:fld>
             <a:endParaRPr lang="it-IT" sz="1100"/>
@@ -9391,8 +9404,8 @@
         </p:nvSpPr>
         <p:spPr>
           <a:xfrm>
-            <a:off x="174458" y="1350111"/>
-            <a:ext cx="8795084" cy="840376"/>
+            <a:off x="0" y="1350110"/>
+            <a:ext cx="9144000" cy="1198326"/>
           </a:xfrm>
           <a:prstGeom prst="rect">
             <a:avLst/>
@@ -9407,7 +9420,7 @@
         </p:spPr>
         <p:txBody>
           <a:bodyPr vert="horz" lIns="91440" tIns="45720" rIns="91440" bIns="45720" rtlCol="0" anchor="ctr">
-            <a:normAutofit fontScale="92500"/>
+            <a:normAutofit/>
           </a:bodyPr>
           <a:lstStyle>
             <a:lvl1pPr marL="342900" indent="-306000" algn="l" defTabSz="457200" rtl="0" eaLnBrk="1" latinLnBrk="0" hangingPunct="1">
@@ -9754,20 +9767,49 @@
             </a:lvl9pPr>
           </a:lstStyle>
           <a:p>
-            <a:pPr marL="36900" indent="0" algn="ctr">
-              <a:buNone/>
+            <a:pPr algn="ctr">
+              <a:buClr>
+                <a:schemeClr val="accent2">
+                  <a:lumMod val="75000"/>
+                </a:schemeClr>
+              </a:buClr>
             </a:pPr>
             <a:r>
-              <a:rPr lang="en-GB" sz="1600" dirty="0"/>
-              <a:t>Acoustic CAPPCHA  (Completely Automated Public Physical test to tell Computers </a:t>
+              <a:rPr lang="it-IT" sz="1600" dirty="0" err="1"/>
+              <a:t>It</a:t>
             </a:r>
             <a:r>
               <a:rPr lang="it-IT" sz="1600" dirty="0"/>
-              <a:t>and </a:t>
+              <a:t> takes </a:t>
             </a:r>
             <a:r>
               <a:rPr lang="it-IT" sz="1600" dirty="0" err="1"/>
-              <a:t>Humans</a:t>
+              <a:t>inspiration</a:t>
+            </a:r>
+            <a:r>
+              <a:rPr lang="it-IT" sz="1600" dirty="0"/>
+              <a:t> from </a:t>
+            </a:r>
+            <a:r>
+              <a:rPr lang="it-IT" sz="1600" dirty="0" err="1"/>
+              <a:t>Invisible</a:t>
+            </a:r>
+            <a:r>
+              <a:rPr lang="it-IT" sz="1600" dirty="0"/>
+              <a:t> CAPPCHA</a:t>
+            </a:r>
+          </a:p>
+          <a:p>
+            <a:pPr algn="ctr">
+              <a:buClr>
+                <a:schemeClr val="accent2">
+                  <a:lumMod val="75000"/>
+                </a:schemeClr>
+              </a:buClr>
+            </a:pPr>
+            <a:r>
+              <a:rPr lang="it-IT" sz="1600" dirty="0" err="1"/>
+              <a:t>It</a:t>
             </a:r>
             <a:r>
               <a:rPr lang="it-IT" sz="1600" dirty="0"/>
@@ -9775,42 +9817,36 @@
             </a:r>
             <a:r>
               <a:rPr lang="it-IT" sz="1600" dirty="0" err="1"/>
-              <a:t>Apart</a:t>
+              <a:t>is</a:t>
             </a:r>
             <a:r>
               <a:rPr lang="it-IT" sz="1600" dirty="0"/>
-              <a:t>) </a:t>
-            </a:r>
-          </a:p>
-          <a:p>
-            <a:pPr marL="36900" indent="0" algn="ctr">
-              <a:buNone/>
-            </a:pPr>
-            <a:r>
-              <a:rPr lang="it-IT" sz="1700" dirty="0" err="1"/>
+              <a:t> </a:t>
+            </a:r>
+            <a:r>
+              <a:rPr lang="it-IT" sz="1600" dirty="0" err="1"/>
               <a:t>based</a:t>
             </a:r>
             <a:r>
-              <a:rPr lang="it-IT" sz="1700" dirty="0"/>
+              <a:rPr lang="it-IT" sz="1600" dirty="0"/>
               <a:t> on the </a:t>
             </a:r>
             <a:r>
-              <a:rPr lang="it-IT" sz="1700" dirty="0" err="1"/>
+              <a:rPr lang="it-IT" sz="1600" dirty="0" err="1"/>
               <a:t>analysis</a:t>
             </a:r>
             <a:r>
-              <a:rPr lang="it-IT" sz="1700" dirty="0"/>
+              <a:rPr lang="it-IT" sz="1600" dirty="0"/>
               <a:t> of an acoustic side-</a:t>
             </a:r>
             <a:r>
-              <a:rPr lang="it-IT" sz="1700" dirty="0" err="1"/>
+              <a:rPr lang="it-IT" sz="1600" dirty="0" err="1"/>
               <a:t>channel</a:t>
             </a:r>
             <a:r>
-              <a:rPr lang="en-GB" sz="1700" dirty="0"/>
+              <a:rPr lang="en-GB" sz="1600" dirty="0"/>
               <a:t> of the PC microphone </a:t>
             </a:r>
-            <a:endParaRPr lang="it-IT" sz="1700" dirty="0"/>
           </a:p>
         </p:txBody>
       </p:sp>
@@ -9828,7 +9864,7 @@
         </p:nvSpPr>
         <p:spPr>
           <a:xfrm>
-            <a:off x="435114" y="2347658"/>
+            <a:off x="435114" y="2816896"/>
             <a:ext cx="3368844" cy="369505"/>
           </a:xfrm>
           <a:prstGeom prst="rect">
@@ -9872,7 +9908,7 @@
         </p:nvSpPr>
         <p:spPr>
           <a:xfrm>
-            <a:off x="4150895" y="3442703"/>
+            <a:off x="4150895" y="3719441"/>
             <a:ext cx="613610" cy="385011"/>
           </a:xfrm>
           <a:prstGeom prst="rightArrow">
@@ -9920,7 +9956,7 @@
         </p:nvSpPr>
         <p:spPr>
           <a:xfrm>
-            <a:off x="4856744" y="2333799"/>
+            <a:off x="4856746" y="2718825"/>
             <a:ext cx="3814011" cy="721189"/>
           </a:xfrm>
           <a:prstGeom prst="rect">
@@ -10028,10 +10064,10 @@
           </a:lstStyle>
           <a:p>
             <a:r>
-              <a:rPr lang="en-GB" sz="2400" dirty="0"/>
+              <a:rPr lang="en-GB" sz="1800" dirty="0"/>
               <a:t>Noise evaluation</a:t>
             </a:r>
-            <a:endParaRPr lang="it-IT" sz="2400" dirty="0"/>
+            <a:endParaRPr lang="it-IT" sz="1800" dirty="0"/>
           </a:p>
         </p:txBody>
       </p:sp>
@@ -10049,7 +10085,7 @@
         </p:nvSpPr>
         <p:spPr>
           <a:xfrm>
-            <a:off x="4872789" y="2887550"/>
+            <a:off x="4872789" y="3164288"/>
             <a:ext cx="3797966" cy="2139047"/>
           </a:xfrm>
           <a:prstGeom prst="rect">
@@ -10291,9 +10327,7 @@
             </a:r>
           </a:p>
           <a:p>
-            <a:pPr marL="414000" lvl="1" indent="0">
-              <a:buNone/>
-            </a:pPr>
+            <a:pPr marL="414000" lvl="1"/>
             <a:r>
               <a:rPr lang="it-IT" sz="1400" dirty="0">
                 <a:solidFill>
@@ -10585,7 +10619,7 @@
         </p:nvSpPr>
         <p:spPr>
           <a:xfrm>
-            <a:off x="1460494" y="379338"/>
+            <a:off x="1460496" y="379340"/>
             <a:ext cx="6223011" cy="1172153"/>
           </a:xfrm>
         </p:spPr>
@@ -10621,7 +10655,7 @@
         </p:nvSpPr>
         <p:spPr>
           <a:xfrm>
-            <a:off x="599865" y="1551491"/>
+            <a:off x="599867" y="1551491"/>
             <a:ext cx="3891173" cy="4287836"/>
           </a:xfrm>
         </p:spPr>
@@ -11021,7 +11055,7 @@
         </p:blipFill>
         <p:spPr>
           <a:xfrm>
-            <a:off x="4293455" y="2418430"/>
+            <a:off x="4293457" y="2418430"/>
             <a:ext cx="4414725" cy="3311044"/>
           </a:xfrm>
           <a:prstGeom prst="rect">
@@ -11077,13 +11111,13 @@
         </p:nvSpPr>
         <p:spPr>
           <a:xfrm>
-            <a:off x="685347" y="1528008"/>
-            <a:ext cx="6027970" cy="1481409"/>
+            <a:off x="324855" y="1426576"/>
+            <a:ext cx="8494293" cy="2120232"/>
           </a:xfrm>
         </p:spPr>
         <p:txBody>
           <a:bodyPr>
-            <a:normAutofit/>
+            <a:normAutofit fontScale="92500" lnSpcReduction="20000"/>
           </a:bodyPr>
           <a:lstStyle/>
           <a:p>
@@ -11103,6 +11137,35 @@
               </a:rPr>
               <a:t>Character correspondence</a:t>
             </a:r>
+          </a:p>
+          <a:p>
+            <a:pPr marL="36900" indent="0">
+              <a:buClr>
+                <a:schemeClr val="accent2">
+                  <a:lumMod val="75000"/>
+                </a:schemeClr>
+              </a:buClr>
+              <a:buNone/>
+            </a:pPr>
+            <a:r>
+              <a:rPr lang="en-GB" sz="1700" dirty="0"/>
+              <a:t>A human user is detected if classifying the audio peaks, recorded during the insertion of the password, there exists an ordered subsequence of predicted labels that is the same one of the password.</a:t>
+            </a:r>
+          </a:p>
+          <a:p>
+            <a:pPr marL="36900" indent="0">
+              <a:buClr>
+                <a:schemeClr val="accent2">
+                  <a:lumMod val="75000"/>
+                </a:schemeClr>
+              </a:buClr>
+              <a:buNone/>
+            </a:pPr>
+            <a:endParaRPr lang="en-GB" sz="1700" dirty="0">
+              <a:solidFill>
+                <a:srgbClr val="0070C0"/>
+              </a:solidFill>
+            </a:endParaRPr>
           </a:p>
           <a:p>
             <a:pPr>
@@ -11132,6 +11195,21 @@
               <a:t>200 audio files per key  of the keyboard + data augmentation</a:t>
             </a:r>
           </a:p>
+          <a:p>
+            <a:pPr marL="36900" indent="0">
+              <a:buClr>
+                <a:schemeClr val="accent2">
+                  <a:lumMod val="75000"/>
+                </a:schemeClr>
+              </a:buClr>
+              <a:buNone/>
+            </a:pPr>
+            <a:endParaRPr lang="en-GB" b="1" dirty="0">
+              <a:solidFill>
+                <a:srgbClr val="0070C0"/>
+              </a:solidFill>
+            </a:endParaRPr>
+          </a:p>
         </p:txBody>
       </p:sp>
       <p:sp>
@@ -11152,7 +11230,7 @@
         </p:nvSpPr>
         <p:spPr>
           <a:xfrm>
-            <a:off x="435114" y="5883276"/>
+            <a:off x="435114" y="5883278"/>
             <a:ext cx="5505114" cy="365125"/>
           </a:xfrm>
         </p:spPr>
@@ -11186,7 +11264,7 @@
         </p:nvSpPr>
         <p:spPr>
           <a:xfrm>
-            <a:off x="7885509" y="5883276"/>
+            <a:off x="7885511" y="5883278"/>
             <a:ext cx="565159" cy="365125"/>
           </a:xfrm>
         </p:spPr>
@@ -11195,7 +11273,7 @@
           <a:lstStyle/>
           <a:p>
             <a:fld id="{8DF98BA9-0B5D-48FD-8864-41A23C2934CC}" type="slidenum">
-              <a:rPr lang="it-IT" sz="1100" smtClean="0"/>
+              <a:rPr lang="it-IT" sz="1100"/>
               <a:t>4</a:t>
             </a:fld>
             <a:endParaRPr lang="it-IT" sz="1100"/>
@@ -11258,8 +11336,8 @@
         </p:blipFill>
         <p:spPr>
           <a:xfrm>
-            <a:off x="1152817" y="2896936"/>
-            <a:ext cx="6830377" cy="2697420"/>
+            <a:off x="1887585" y="3654926"/>
+            <a:ext cx="5368828" cy="2120232"/>
           </a:xfrm>
           <a:prstGeom prst="rect">
             <a:avLst/>
@@ -11282,7 +11360,7 @@
         </p:nvSpPr>
         <p:spPr>
           <a:xfrm>
-            <a:off x="1460494" y="379338"/>
+            <a:off x="1460496" y="379340"/>
             <a:ext cx="6223011" cy="1172153"/>
           </a:xfrm>
           <a:prstGeom prst="rect">
@@ -11390,7 +11468,7 @@
           </a:lstStyle>
           <a:p>
             <a:r>
-              <a:rPr lang="en-GB" sz="3400"/>
+              <a:rPr lang="en-GB" sz="3400" dirty="0"/>
               <a:t>Evaluation of the user’s activity</a:t>
             </a:r>
             <a:endParaRPr lang="it-IT" sz="3400" dirty="0"/>
@@ -11445,7 +11523,7 @@
         </p:nvSpPr>
         <p:spPr>
           <a:xfrm>
-            <a:off x="435114" y="1528008"/>
+            <a:off x="435114" y="1528010"/>
             <a:ext cx="4136886" cy="4224609"/>
           </a:xfrm>
         </p:spPr>
@@ -11602,7 +11680,7 @@
         </p:nvSpPr>
         <p:spPr>
           <a:xfrm>
-            <a:off x="435114" y="5883276"/>
+            <a:off x="435114" y="5883278"/>
             <a:ext cx="5505114" cy="365125"/>
           </a:xfrm>
         </p:spPr>
@@ -11636,7 +11714,7 @@
         </p:nvSpPr>
         <p:spPr>
           <a:xfrm>
-            <a:off x="7885509" y="5883276"/>
+            <a:off x="7885511" y="5883278"/>
             <a:ext cx="565159" cy="365125"/>
           </a:xfrm>
         </p:spPr>
@@ -11645,7 +11723,7 @@
           <a:lstStyle/>
           <a:p>
             <a:fld id="{8DF98BA9-0B5D-48FD-8864-41A23C2934CC}" type="slidenum">
-              <a:rPr lang="it-IT" sz="1100" smtClean="0"/>
+              <a:rPr lang="it-IT" sz="1100"/>
               <a:t>5</a:t>
             </a:fld>
             <a:endParaRPr lang="it-IT" sz="1100"/>
@@ -11744,7 +11822,7 @@
         </p:blipFill>
         <p:spPr>
           <a:xfrm>
-            <a:off x="5064781" y="3164756"/>
+            <a:off x="5064783" y="3164758"/>
             <a:ext cx="3255495" cy="2441621"/>
           </a:xfrm>
           <a:prstGeom prst="rect">
@@ -11770,7 +11848,7 @@
         </p:nvSpPr>
         <p:spPr>
           <a:xfrm>
-            <a:off x="1460494" y="379338"/>
+            <a:off x="1460496" y="379340"/>
             <a:ext cx="6223011" cy="1172153"/>
           </a:xfrm>
         </p:spPr>
@@ -11836,7 +11914,7 @@
         </p:nvSpPr>
         <p:spPr>
           <a:xfrm>
-            <a:off x="1273390" y="307732"/>
+            <a:off x="1273392" y="307734"/>
             <a:ext cx="6589231" cy="1172153"/>
           </a:xfrm>
         </p:spPr>
@@ -11896,8 +11974,8 @@
         </p:blipFill>
         <p:spPr>
           <a:xfrm>
-            <a:off x="2043261" y="2256685"/>
-            <a:ext cx="5049485" cy="3219046"/>
+            <a:off x="2282870" y="2762651"/>
+            <a:ext cx="4570270" cy="2913547"/>
           </a:xfrm>
           <a:noFill/>
         </p:spPr>
@@ -11920,7 +11998,7 @@
         </p:nvSpPr>
         <p:spPr>
           <a:xfrm>
-            <a:off x="435114" y="5883276"/>
+            <a:off x="435114" y="5883278"/>
             <a:ext cx="5505114" cy="365125"/>
           </a:xfrm>
         </p:spPr>
@@ -11954,7 +12032,7 @@
         </p:nvSpPr>
         <p:spPr>
           <a:xfrm>
-            <a:off x="7885509" y="5883276"/>
+            <a:off x="7885511" y="5883278"/>
             <a:ext cx="565159" cy="365125"/>
           </a:xfrm>
         </p:spPr>
@@ -11963,7 +12041,7 @@
           <a:lstStyle/>
           <a:p>
             <a:fld id="{8DF98BA9-0B5D-48FD-8864-41A23C2934CC}" type="slidenum">
-              <a:rPr lang="it-IT" sz="1100" smtClean="0"/>
+              <a:rPr lang="it-IT" sz="1100"/>
               <a:t>6</a:t>
             </a:fld>
             <a:endParaRPr lang="it-IT" sz="1100"/>
@@ -12014,7 +12092,7 @@
         </p:nvSpPr>
         <p:spPr>
           <a:xfrm>
-            <a:off x="2983674" y="1479885"/>
+            <a:off x="2983676" y="1686965"/>
             <a:ext cx="3168661" cy="776800"/>
           </a:xfrm>
           <a:prstGeom prst="rect">
@@ -12469,7 +12547,7 @@
         </p:nvSpPr>
         <p:spPr>
           <a:xfrm>
-            <a:off x="435114" y="812903"/>
+            <a:off x="435114" y="812905"/>
             <a:ext cx="4136886" cy="839835"/>
           </a:xfrm>
         </p:spPr>
@@ -12598,7 +12676,7 @@
         </p:nvSpPr>
         <p:spPr>
           <a:xfrm>
-            <a:off x="435114" y="5883276"/>
+            <a:off x="435114" y="5883278"/>
             <a:ext cx="5505114" cy="365125"/>
           </a:xfrm>
         </p:spPr>
@@ -12632,7 +12710,7 @@
         </p:nvSpPr>
         <p:spPr>
           <a:xfrm>
-            <a:off x="7885509" y="5883276"/>
+            <a:off x="7885511" y="5883278"/>
             <a:ext cx="565159" cy="365125"/>
           </a:xfrm>
         </p:spPr>
@@ -12641,7 +12719,7 @@
           <a:lstStyle/>
           <a:p>
             <a:fld id="{8DF98BA9-0B5D-48FD-8864-41A23C2934CC}" type="slidenum">
-              <a:rPr lang="it-IT" sz="1100" smtClean="0"/>
+              <a:rPr lang="it-IT" sz="1100"/>
               <a:t>7</a:t>
             </a:fld>
             <a:endParaRPr lang="it-IT" sz="1100"/>
@@ -12697,7 +12775,7 @@
           </p:nvPr>
         </p:nvGraphicFramePr>
         <p:xfrm>
-          <a:off x="1057284" y="3832828"/>
+          <a:off x="1057284" y="3832830"/>
           <a:ext cx="2892546" cy="1052825"/>
         </p:xfrm>
         <a:graphic>
@@ -13013,7 +13091,7 @@
         </p:nvSpPr>
         <p:spPr>
           <a:xfrm>
-            <a:off x="4653940" y="1499715"/>
+            <a:off x="4653942" y="1499715"/>
             <a:ext cx="3795373" cy="429206"/>
           </a:xfrm>
           <a:prstGeom prst="rect">
@@ -13414,7 +13492,7 @@
         </p:nvSpPr>
         <p:spPr>
           <a:xfrm>
-            <a:off x="4652169" y="3605348"/>
+            <a:off x="4652171" y="3605348"/>
             <a:ext cx="3798499" cy="429206"/>
           </a:xfrm>
         </p:spPr>
@@ -13472,7 +13550,7 @@
         </p:blipFill>
         <p:spPr>
           <a:xfrm>
-            <a:off x="5370532" y="1743256"/>
+            <a:off x="5370534" y="1743256"/>
             <a:ext cx="2245389" cy="1684042"/>
           </a:xfrm>
           <a:prstGeom prst="rect">
@@ -13508,7 +13586,7 @@
         </p:blipFill>
         <p:spPr>
           <a:xfrm>
-            <a:off x="5367946" y="3835432"/>
+            <a:off x="5367946" y="3835434"/>
             <a:ext cx="2306672" cy="1730005"/>
           </a:xfrm>
           <a:prstGeom prst="rect">
@@ -13532,7 +13610,7 @@
         </p:nvSpPr>
         <p:spPr>
           <a:xfrm>
-            <a:off x="4312427" y="812902"/>
+            <a:off x="4312427" y="812904"/>
             <a:ext cx="4136886" cy="839835"/>
           </a:xfrm>
           <a:prstGeom prst="rect">
@@ -13778,7 +13856,7 @@
         </p:nvSpPr>
         <p:spPr>
           <a:xfrm>
-            <a:off x="391861" y="1472327"/>
+            <a:off x="391861" y="1472329"/>
             <a:ext cx="3723782" cy="839835"/>
           </a:xfrm>
           <a:prstGeom prst="rect">
@@ -13909,7 +13987,7 @@
         </p:nvSpPr>
         <p:spPr>
           <a:xfrm>
-            <a:off x="548276" y="2312163"/>
+            <a:off x="548278" y="2312163"/>
             <a:ext cx="3723783" cy="2534128"/>
           </a:xfrm>
           <a:prstGeom prst="rect">
@@ -14372,7 +14450,7 @@
         </p:nvSpPr>
         <p:spPr>
           <a:xfrm>
-            <a:off x="4264433" y="1595502"/>
+            <a:off x="4264435" y="1595502"/>
             <a:ext cx="4648689" cy="508318"/>
           </a:xfrm>
         </p:spPr>
@@ -14408,7 +14486,7 @@
         </p:nvSpPr>
         <p:spPr>
           <a:xfrm>
-            <a:off x="4264433" y="2099340"/>
+            <a:off x="4264435" y="2099342"/>
             <a:ext cx="4648689" cy="2959773"/>
           </a:xfrm>
         </p:spPr>

--- a/Thesis/AcCAPPCHA.pptx
+++ b/Thesis/AcCAPPCHA.pptx
@@ -5,22 +5,23 @@
     <p:sldMasterId id="2147483750" r:id="rId1"/>
   </p:sldMasterIdLst>
   <p:notesMasterIdLst>
-    <p:notesMasterId r:id="rId12"/>
+    <p:notesMasterId r:id="rId13"/>
   </p:notesMasterIdLst>
   <p:handoutMasterIdLst>
-    <p:handoutMasterId r:id="rId13"/>
+    <p:handoutMasterId r:id="rId14"/>
   </p:handoutMasterIdLst>
   <p:sldIdLst>
     <p:sldId id="256" r:id="rId2"/>
     <p:sldId id="257" r:id="rId3"/>
-    <p:sldId id="259" r:id="rId4"/>
-    <p:sldId id="270" r:id="rId5"/>
-    <p:sldId id="258" r:id="rId6"/>
-    <p:sldId id="260" r:id="rId7"/>
-    <p:sldId id="262" r:id="rId8"/>
-    <p:sldId id="265" r:id="rId9"/>
-    <p:sldId id="271" r:id="rId10"/>
-    <p:sldId id="268" r:id="rId11"/>
+    <p:sldId id="272" r:id="rId4"/>
+    <p:sldId id="259" r:id="rId5"/>
+    <p:sldId id="270" r:id="rId6"/>
+    <p:sldId id="258" r:id="rId7"/>
+    <p:sldId id="260" r:id="rId8"/>
+    <p:sldId id="262" r:id="rId9"/>
+    <p:sldId id="265" r:id="rId10"/>
+    <p:sldId id="271" r:id="rId11"/>
+    <p:sldId id="268" r:id="rId12"/>
   </p:sldIdLst>
   <p:sldSz cx="9144000" cy="6858000" type="screen4x3"/>
   <p:notesSz cx="6858000" cy="9144000"/>
@@ -221,7 +222,7 @@
           <a:p>
             <a:fld id="{91A34D20-7556-479C-BC19-4F466F169EF3}" type="datetimeFigureOut">
               <a:rPr lang="it-IT" smtClean="0"/>
-              <a:t>18/02/2021</a:t>
+              <a:t>19/02/2021</a:t>
             </a:fld>
             <a:endParaRPr lang="it-IT"/>
           </a:p>
@@ -399,7 +400,7 @@
           <a:p>
             <a:fld id="{4D81E948-FF2A-455F-B768-BFC60EECBEC3}" type="datetimeFigureOut">
               <a:rPr lang="it-IT" smtClean="0"/>
-              <a:t>18/02/2021</a:t>
+              <a:t>19/02/2021</a:t>
             </a:fld>
             <a:endParaRPr lang="it-IT"/>
           </a:p>
@@ -7441,6 +7442,1410 @@
       </p:grpSpPr>
       <p:sp>
         <p:nvSpPr>
+          <p:cNvPr id="5" name="Segnaposto data 4">
+            <a:extLst>
+              <a:ext uri="{FF2B5EF4-FFF2-40B4-BE49-F238E27FC236}">
+                <a16:creationId xmlns:a16="http://schemas.microsoft.com/office/drawing/2014/main" id="{98D2A17B-9FE8-4B86-9920-32497E7F7A8B}"/>
+              </a:ext>
+            </a:extLst>
+          </p:cNvPr>
+          <p:cNvSpPr>
+            <a:spLocks noGrp="1"/>
+          </p:cNvSpPr>
+          <p:nvPr>
+            <p:ph type="dt" sz="half" idx="10"/>
+          </p:nvPr>
+        </p:nvSpPr>
+        <p:spPr/>
+        <p:txBody>
+          <a:bodyPr/>
+          <a:lstStyle/>
+          <a:p>
+            <a:r>
+              <a:rPr lang="it-IT"/>
+              <a:t>03/01/2021</a:t>
+            </a:r>
+          </a:p>
+        </p:txBody>
+      </p:sp>
+      <p:sp>
+        <p:nvSpPr>
+          <p:cNvPr id="6" name="Segnaposto piè di pagina 5">
+            <a:extLst>
+              <a:ext uri="{FF2B5EF4-FFF2-40B4-BE49-F238E27FC236}">
+                <a16:creationId xmlns:a16="http://schemas.microsoft.com/office/drawing/2014/main" id="{2A68D5E1-572D-4F1A-8193-FB59273ABB53}"/>
+              </a:ext>
+            </a:extLst>
+          </p:cNvPr>
+          <p:cNvSpPr>
+            <a:spLocks noGrp="1"/>
+          </p:cNvSpPr>
+          <p:nvPr>
+            <p:ph type="ftr" sz="quarter" idx="11"/>
+          </p:nvPr>
+        </p:nvSpPr>
+        <p:spPr/>
+        <p:txBody>
+          <a:bodyPr/>
+          <a:lstStyle/>
+          <a:p>
+            <a:r>
+              <a:rPr lang="it-IT"/>
+              <a:t>Di Nardo Di Maio Raffaele</a:t>
+            </a:r>
+          </a:p>
+        </p:txBody>
+      </p:sp>
+      <p:sp>
+        <p:nvSpPr>
+          <p:cNvPr id="7" name="Segnaposto numero diapositiva 6">
+            <a:extLst>
+              <a:ext uri="{FF2B5EF4-FFF2-40B4-BE49-F238E27FC236}">
+                <a16:creationId xmlns:a16="http://schemas.microsoft.com/office/drawing/2014/main" id="{46C58FCD-23CD-475F-A73E-63E294910A2E}"/>
+              </a:ext>
+            </a:extLst>
+          </p:cNvPr>
+          <p:cNvSpPr>
+            <a:spLocks noGrp="1"/>
+          </p:cNvSpPr>
+          <p:nvPr>
+            <p:ph type="sldNum" sz="quarter" idx="12"/>
+          </p:nvPr>
+        </p:nvSpPr>
+        <p:spPr/>
+        <p:txBody>
+          <a:bodyPr/>
+          <a:lstStyle/>
+          <a:p>
+            <a:fld id="{8DF98BA9-0B5D-48FD-8864-41A23C2934CC}" type="slidenum">
+              <a:rPr lang="it-IT" smtClean="0"/>
+              <a:t>9</a:t>
+            </a:fld>
+            <a:endParaRPr lang="it-IT"/>
+          </a:p>
+        </p:txBody>
+      </p:sp>
+      <p:sp>
+        <p:nvSpPr>
+          <p:cNvPr id="8" name="Titolo 1">
+            <a:extLst>
+              <a:ext uri="{FF2B5EF4-FFF2-40B4-BE49-F238E27FC236}">
+                <a16:creationId xmlns:a16="http://schemas.microsoft.com/office/drawing/2014/main" id="{B4E9A054-8CF2-4D1D-A870-AA055ADA2DFB}"/>
+              </a:ext>
+            </a:extLst>
+          </p:cNvPr>
+          <p:cNvSpPr txBox="1">
+            <a:spLocks/>
+          </p:cNvSpPr>
+          <p:nvPr/>
+        </p:nvSpPr>
+        <p:spPr>
+          <a:xfrm>
+            <a:off x="391861" y="1472329"/>
+            <a:ext cx="3723782" cy="839835"/>
+          </a:xfrm>
+          <a:prstGeom prst="rect">
+            <a:avLst/>
+          </a:prstGeom>
+          <a:effectLst>
+            <a:outerShdw blurRad="25400" dir="17880000">
+              <a:srgbClr val="000000">
+                <a:alpha val="46000"/>
+              </a:srgbClr>
+            </a:outerShdw>
+          </a:effectLst>
+        </p:spPr>
+        <p:txBody>
+          <a:bodyPr vert="horz" lIns="91440" tIns="45720" rIns="91440" bIns="45720" rtlCol="0" anchor="ctr">
+            <a:normAutofit/>
+          </a:bodyPr>
+          <a:lstStyle>
+            <a:lvl1pPr algn="ctr" defTabSz="457200" rtl="0" eaLnBrk="1" latinLnBrk="0" hangingPunct="1">
+              <a:spcBef>
+                <a:spcPct val="0"/>
+              </a:spcBef>
+              <a:buNone/>
+              <a:defRPr sz="4000" kern="1200">
+                <a:ln>
+                  <a:solidFill>
+                    <a:schemeClr val="bg1">
+                      <a:lumMod val="75000"/>
+                      <a:lumOff val="25000"/>
+                      <a:alpha val="10000"/>
+                    </a:schemeClr>
+                  </a:solidFill>
+                </a:ln>
+                <a:solidFill>
+                  <a:srgbClr val="0070C0"/>
+                </a:solidFill>
+                <a:effectLst>
+                  <a:outerShdw blurRad="9525" dist="25400" dir="14640000" algn="tl" rotWithShape="0">
+                    <a:schemeClr val="bg1">
+                      <a:alpha val="30000"/>
+                    </a:schemeClr>
+                  </a:outerShdw>
+                </a:effectLst>
+                <a:latin typeface="+mj-lt"/>
+                <a:ea typeface="+mj-ea"/>
+                <a:cs typeface="Trebuchet MS"/>
+              </a:defRPr>
+            </a:lvl1pPr>
+            <a:lvl2pPr eaLnBrk="1" hangingPunct="1">
+              <a:defRPr>
+                <a:solidFill>
+                  <a:schemeClr val="tx2"/>
+                </a:solidFill>
+              </a:defRPr>
+            </a:lvl2pPr>
+            <a:lvl3pPr eaLnBrk="1" hangingPunct="1">
+              <a:defRPr>
+                <a:solidFill>
+                  <a:schemeClr val="tx2"/>
+                </a:solidFill>
+              </a:defRPr>
+            </a:lvl3pPr>
+            <a:lvl4pPr eaLnBrk="1" hangingPunct="1">
+              <a:defRPr>
+                <a:solidFill>
+                  <a:schemeClr val="tx2"/>
+                </a:solidFill>
+              </a:defRPr>
+            </a:lvl4pPr>
+            <a:lvl5pPr eaLnBrk="1" hangingPunct="1">
+              <a:defRPr>
+                <a:solidFill>
+                  <a:schemeClr val="tx2"/>
+                </a:solidFill>
+              </a:defRPr>
+            </a:lvl5pPr>
+            <a:lvl6pPr eaLnBrk="1" hangingPunct="1">
+              <a:defRPr>
+                <a:solidFill>
+                  <a:schemeClr val="tx2"/>
+                </a:solidFill>
+              </a:defRPr>
+            </a:lvl6pPr>
+            <a:lvl7pPr eaLnBrk="1" hangingPunct="1">
+              <a:defRPr>
+                <a:solidFill>
+                  <a:schemeClr val="tx2"/>
+                </a:solidFill>
+              </a:defRPr>
+            </a:lvl7pPr>
+            <a:lvl8pPr eaLnBrk="1" hangingPunct="1">
+              <a:defRPr>
+                <a:solidFill>
+                  <a:schemeClr val="tx2"/>
+                </a:solidFill>
+              </a:defRPr>
+            </a:lvl8pPr>
+            <a:lvl9pPr eaLnBrk="1" hangingPunct="1">
+              <a:defRPr>
+                <a:solidFill>
+                  <a:schemeClr val="tx2"/>
+                </a:solidFill>
+              </a:defRPr>
+            </a:lvl9pPr>
+          </a:lstStyle>
+          <a:p>
+            <a:r>
+              <a:rPr lang="en-GB" sz="2400" dirty="0"/>
+              <a:t>Strength against known attacks</a:t>
+            </a:r>
+            <a:endParaRPr lang="it-IT" sz="2400" dirty="0"/>
+          </a:p>
+        </p:txBody>
+      </p:sp>
+      <p:sp>
+        <p:nvSpPr>
+          <p:cNvPr id="9" name="Segnaposto contenuto 2">
+            <a:extLst>
+              <a:ext uri="{FF2B5EF4-FFF2-40B4-BE49-F238E27FC236}">
+                <a16:creationId xmlns:a16="http://schemas.microsoft.com/office/drawing/2014/main" id="{671F956E-2945-4170-8DCF-9B9590929DAB}"/>
+              </a:ext>
+            </a:extLst>
+          </p:cNvPr>
+          <p:cNvSpPr txBox="1">
+            <a:spLocks/>
+          </p:cNvSpPr>
+          <p:nvPr/>
+        </p:nvSpPr>
+        <p:spPr>
+          <a:xfrm>
+            <a:off x="548278" y="2312163"/>
+            <a:ext cx="3723783" cy="2534128"/>
+          </a:xfrm>
+          <a:prstGeom prst="rect">
+            <a:avLst/>
+          </a:prstGeom>
+          <a:effectLst>
+            <a:outerShdw blurRad="25400" dir="17880000">
+              <a:srgbClr val="000000">
+                <a:alpha val="46000"/>
+              </a:srgbClr>
+            </a:outerShdw>
+          </a:effectLst>
+        </p:spPr>
+        <p:txBody>
+          <a:bodyPr vert="horz" lIns="91440" tIns="45720" rIns="91440" bIns="45720" rtlCol="0" anchor="t">
+            <a:normAutofit/>
+          </a:bodyPr>
+          <a:lstStyle>
+            <a:lvl1pPr marL="342900" indent="-306000" algn="l" defTabSz="457200" rtl="0" eaLnBrk="1" latinLnBrk="0" hangingPunct="1">
+              <a:spcBef>
+                <a:spcPct val="20000"/>
+              </a:spcBef>
+              <a:spcAft>
+                <a:spcPts val="600"/>
+              </a:spcAft>
+              <a:buClr>
+                <a:schemeClr val="tx2"/>
+              </a:buClr>
+              <a:buSzPct val="70000"/>
+              <a:buFont typeface="Wingdings 2" charset="2"/>
+              <a:buChar char=""/>
+              <a:defRPr sz="2000" kern="1200">
+                <a:ln>
+                  <a:solidFill>
+                    <a:schemeClr val="bg1">
+                      <a:lumMod val="75000"/>
+                      <a:lumOff val="25000"/>
+                      <a:alpha val="10000"/>
+                    </a:schemeClr>
+                  </a:solidFill>
+                </a:ln>
+                <a:solidFill>
+                  <a:schemeClr val="tx2"/>
+                </a:solidFill>
+                <a:effectLst>
+                  <a:outerShdw blurRad="9525" dist="25400" dir="14640000" algn="tl" rotWithShape="0">
+                    <a:schemeClr val="bg1">
+                      <a:alpha val="30000"/>
+                    </a:schemeClr>
+                  </a:outerShdw>
+                </a:effectLst>
+                <a:latin typeface="+mn-lt"/>
+                <a:ea typeface="+mn-ea"/>
+                <a:cs typeface="+mn-cs"/>
+              </a:defRPr>
+            </a:lvl1pPr>
+            <a:lvl2pPr marL="720000" indent="-270000" algn="l" defTabSz="457200" rtl="0" eaLnBrk="1" latinLnBrk="0" hangingPunct="1">
+              <a:spcBef>
+                <a:spcPct val="20000"/>
+              </a:spcBef>
+              <a:spcAft>
+                <a:spcPts val="600"/>
+              </a:spcAft>
+              <a:buClr>
+                <a:schemeClr val="tx2"/>
+              </a:buClr>
+              <a:buSzPct val="70000"/>
+              <a:buFont typeface="Wingdings 2" charset="2"/>
+              <a:buChar char=""/>
+              <a:defRPr sz="1800" kern="1200">
+                <a:ln>
+                  <a:solidFill>
+                    <a:schemeClr val="bg1">
+                      <a:lumMod val="75000"/>
+                      <a:lumOff val="25000"/>
+                      <a:alpha val="10000"/>
+                    </a:schemeClr>
+                  </a:solidFill>
+                </a:ln>
+                <a:solidFill>
+                  <a:schemeClr val="tx2"/>
+                </a:solidFill>
+                <a:effectLst>
+                  <a:outerShdw blurRad="9525" dist="25400" dir="14640000" algn="tl" rotWithShape="0">
+                    <a:schemeClr val="bg1">
+                      <a:alpha val="30000"/>
+                    </a:schemeClr>
+                  </a:outerShdw>
+                </a:effectLst>
+                <a:latin typeface="+mn-lt"/>
+                <a:ea typeface="+mn-ea"/>
+                <a:cs typeface="+mn-cs"/>
+              </a:defRPr>
+            </a:lvl2pPr>
+            <a:lvl3pPr marL="1026000" indent="-216000" algn="l" defTabSz="457200" rtl="0" eaLnBrk="1" latinLnBrk="0" hangingPunct="1">
+              <a:spcBef>
+                <a:spcPct val="20000"/>
+              </a:spcBef>
+              <a:spcAft>
+                <a:spcPts val="600"/>
+              </a:spcAft>
+              <a:buClr>
+                <a:schemeClr val="tx2"/>
+              </a:buClr>
+              <a:buSzPct val="70000"/>
+              <a:buFont typeface="Wingdings 2" charset="2"/>
+              <a:buChar char=""/>
+              <a:defRPr sz="1600" kern="1200">
+                <a:ln>
+                  <a:solidFill>
+                    <a:schemeClr val="bg1">
+                      <a:lumMod val="75000"/>
+                      <a:lumOff val="25000"/>
+                      <a:alpha val="10000"/>
+                    </a:schemeClr>
+                  </a:solidFill>
+                </a:ln>
+                <a:solidFill>
+                  <a:schemeClr val="tx2"/>
+                </a:solidFill>
+                <a:effectLst>
+                  <a:outerShdw blurRad="9525" dist="25400" dir="14640000" algn="tl" rotWithShape="0">
+                    <a:schemeClr val="bg1">
+                      <a:alpha val="30000"/>
+                    </a:schemeClr>
+                  </a:outerShdw>
+                </a:effectLst>
+                <a:latin typeface="+mn-lt"/>
+                <a:ea typeface="+mn-ea"/>
+                <a:cs typeface="+mn-cs"/>
+              </a:defRPr>
+            </a:lvl3pPr>
+            <a:lvl4pPr marL="1386000" indent="-216000" algn="l" defTabSz="457200" rtl="0" eaLnBrk="1" latinLnBrk="0" hangingPunct="1">
+              <a:spcBef>
+                <a:spcPct val="20000"/>
+              </a:spcBef>
+              <a:spcAft>
+                <a:spcPts val="600"/>
+              </a:spcAft>
+              <a:buClr>
+                <a:schemeClr val="tx2"/>
+              </a:buClr>
+              <a:buSzPct val="70000"/>
+              <a:buFont typeface="Wingdings 2" charset="2"/>
+              <a:buChar char=""/>
+              <a:defRPr sz="1400" kern="1200">
+                <a:ln>
+                  <a:solidFill>
+                    <a:schemeClr val="bg1">
+                      <a:lumMod val="75000"/>
+                      <a:lumOff val="25000"/>
+                      <a:alpha val="10000"/>
+                    </a:schemeClr>
+                  </a:solidFill>
+                </a:ln>
+                <a:solidFill>
+                  <a:schemeClr val="tx2"/>
+                </a:solidFill>
+                <a:effectLst>
+                  <a:outerShdw blurRad="9525" dist="25400" dir="14640000" algn="tl" rotWithShape="0">
+                    <a:schemeClr val="bg1">
+                      <a:alpha val="30000"/>
+                    </a:schemeClr>
+                  </a:outerShdw>
+                </a:effectLst>
+                <a:latin typeface="+mn-lt"/>
+                <a:ea typeface="+mn-ea"/>
+                <a:cs typeface="+mn-cs"/>
+              </a:defRPr>
+            </a:lvl4pPr>
+            <a:lvl5pPr marL="1674000" indent="-216000" algn="l" defTabSz="457200" rtl="0" eaLnBrk="1" latinLnBrk="0" hangingPunct="1">
+              <a:spcBef>
+                <a:spcPct val="20000"/>
+              </a:spcBef>
+              <a:spcAft>
+                <a:spcPts val="600"/>
+              </a:spcAft>
+              <a:buClr>
+                <a:schemeClr val="tx2"/>
+              </a:buClr>
+              <a:buSzPct val="70000"/>
+              <a:buFont typeface="Wingdings 2" charset="2"/>
+              <a:buChar char=""/>
+              <a:defRPr sz="1400" kern="1200">
+                <a:ln>
+                  <a:solidFill>
+                    <a:schemeClr val="bg1">
+                      <a:lumMod val="75000"/>
+                      <a:lumOff val="25000"/>
+                      <a:alpha val="10000"/>
+                    </a:schemeClr>
+                  </a:solidFill>
+                </a:ln>
+                <a:solidFill>
+                  <a:schemeClr val="tx2"/>
+                </a:solidFill>
+                <a:effectLst>
+                  <a:outerShdw blurRad="9525" dist="25400" dir="14640000" algn="tl" rotWithShape="0">
+                    <a:schemeClr val="bg1">
+                      <a:alpha val="30000"/>
+                    </a:schemeClr>
+                  </a:outerShdw>
+                </a:effectLst>
+                <a:latin typeface="+mn-lt"/>
+                <a:ea typeface="+mn-ea"/>
+                <a:cs typeface="+mn-cs"/>
+              </a:defRPr>
+            </a:lvl5pPr>
+            <a:lvl6pPr marL="2014600" indent="-228600" algn="l" defTabSz="457200" rtl="0" eaLnBrk="1" latinLnBrk="0" hangingPunct="1">
+              <a:spcBef>
+                <a:spcPct val="20000"/>
+              </a:spcBef>
+              <a:spcAft>
+                <a:spcPts val="600"/>
+              </a:spcAft>
+              <a:buClr>
+                <a:schemeClr val="tx2"/>
+              </a:buClr>
+              <a:buSzPct val="70000"/>
+              <a:buFont typeface="Wingdings 2" charset="2"/>
+              <a:buChar char=""/>
+              <a:defRPr sz="1400" kern="1200">
+                <a:ln>
+                  <a:solidFill>
+                    <a:schemeClr val="bg1">
+                      <a:lumMod val="75000"/>
+                      <a:lumOff val="25000"/>
+                      <a:alpha val="10000"/>
+                    </a:schemeClr>
+                  </a:solidFill>
+                </a:ln>
+                <a:solidFill>
+                  <a:schemeClr val="tx2"/>
+                </a:solidFill>
+                <a:effectLst>
+                  <a:outerShdw blurRad="9525" dist="25400" dir="14640000" algn="tl" rotWithShape="0">
+                    <a:schemeClr val="bg1">
+                      <a:alpha val="30000"/>
+                    </a:schemeClr>
+                  </a:outerShdw>
+                </a:effectLst>
+                <a:latin typeface="+mn-lt"/>
+                <a:ea typeface="+mn-ea"/>
+                <a:cs typeface="+mn-cs"/>
+              </a:defRPr>
+            </a:lvl6pPr>
+            <a:lvl7pPr marL="2401800" indent="-228600" algn="l" defTabSz="457200" rtl="0" eaLnBrk="1" latinLnBrk="0" hangingPunct="1">
+              <a:spcBef>
+                <a:spcPct val="20000"/>
+              </a:spcBef>
+              <a:spcAft>
+                <a:spcPts val="600"/>
+              </a:spcAft>
+              <a:buClr>
+                <a:schemeClr val="tx2"/>
+              </a:buClr>
+              <a:buSzPct val="70000"/>
+              <a:buFont typeface="Wingdings 2" charset="2"/>
+              <a:buChar char=""/>
+              <a:defRPr sz="1400" kern="1200">
+                <a:ln>
+                  <a:solidFill>
+                    <a:schemeClr val="bg1">
+                      <a:lumMod val="75000"/>
+                      <a:lumOff val="25000"/>
+                      <a:alpha val="10000"/>
+                    </a:schemeClr>
+                  </a:solidFill>
+                </a:ln>
+                <a:solidFill>
+                  <a:schemeClr val="tx2"/>
+                </a:solidFill>
+                <a:effectLst>
+                  <a:outerShdw blurRad="9525" dist="25400" dir="14640000" algn="tl" rotWithShape="0">
+                    <a:schemeClr val="bg1">
+                      <a:alpha val="30000"/>
+                    </a:schemeClr>
+                  </a:outerShdw>
+                </a:effectLst>
+                <a:latin typeface="+mn-lt"/>
+                <a:ea typeface="+mn-ea"/>
+                <a:cs typeface="+mn-cs"/>
+              </a:defRPr>
+            </a:lvl7pPr>
+            <a:lvl8pPr marL="2789000" indent="-228600" algn="l" defTabSz="457200" rtl="0" eaLnBrk="1" latinLnBrk="0" hangingPunct="1">
+              <a:spcBef>
+                <a:spcPct val="20000"/>
+              </a:spcBef>
+              <a:spcAft>
+                <a:spcPts val="600"/>
+              </a:spcAft>
+              <a:buClr>
+                <a:schemeClr val="tx2"/>
+              </a:buClr>
+              <a:buSzPct val="70000"/>
+              <a:buFont typeface="Wingdings 2" charset="2"/>
+              <a:buChar char=""/>
+              <a:defRPr sz="1400" kern="1200">
+                <a:ln>
+                  <a:solidFill>
+                    <a:schemeClr val="bg1">
+                      <a:lumMod val="75000"/>
+                      <a:lumOff val="25000"/>
+                      <a:alpha val="10000"/>
+                    </a:schemeClr>
+                  </a:solidFill>
+                </a:ln>
+                <a:solidFill>
+                  <a:schemeClr val="tx2"/>
+                </a:solidFill>
+                <a:effectLst>
+                  <a:outerShdw blurRad="9525" dist="25400" dir="14640000" algn="tl" rotWithShape="0">
+                    <a:schemeClr val="bg1">
+                      <a:alpha val="30000"/>
+                    </a:schemeClr>
+                  </a:outerShdw>
+                </a:effectLst>
+                <a:latin typeface="+mn-lt"/>
+                <a:ea typeface="+mn-ea"/>
+                <a:cs typeface="+mn-cs"/>
+              </a:defRPr>
+            </a:lvl8pPr>
+            <a:lvl9pPr marL="3106200" indent="-228600" algn="l" defTabSz="457200" rtl="0" eaLnBrk="1" latinLnBrk="0" hangingPunct="1">
+              <a:spcBef>
+                <a:spcPct val="20000"/>
+              </a:spcBef>
+              <a:spcAft>
+                <a:spcPts val="600"/>
+              </a:spcAft>
+              <a:buClr>
+                <a:schemeClr val="tx2"/>
+              </a:buClr>
+              <a:buSzPct val="70000"/>
+              <a:buFont typeface="Wingdings 2" charset="2"/>
+              <a:buChar char=""/>
+              <a:defRPr sz="1400" kern="1200">
+                <a:ln>
+                  <a:solidFill>
+                    <a:schemeClr val="bg1">
+                      <a:lumMod val="75000"/>
+                      <a:lumOff val="25000"/>
+                      <a:alpha val="10000"/>
+                    </a:schemeClr>
+                  </a:solidFill>
+                </a:ln>
+                <a:solidFill>
+                  <a:schemeClr val="tx2"/>
+                </a:solidFill>
+                <a:effectLst>
+                  <a:outerShdw blurRad="9525" dist="25400" dir="14640000" algn="tl" rotWithShape="0">
+                    <a:schemeClr val="bg1">
+                      <a:alpha val="30000"/>
+                    </a:schemeClr>
+                  </a:outerShdw>
+                </a:effectLst>
+                <a:latin typeface="+mn-lt"/>
+                <a:ea typeface="+mn-ea"/>
+                <a:cs typeface="+mn-cs"/>
+              </a:defRPr>
+            </a:lvl9pPr>
+          </a:lstStyle>
+          <a:p>
+            <a:pPr>
+              <a:buClr>
+                <a:schemeClr val="accent2">
+                  <a:lumMod val="75000"/>
+                </a:schemeClr>
+              </a:buClr>
+            </a:pPr>
+            <a:r>
+              <a:rPr lang="en-GB" sz="1800" dirty="0"/>
+              <a:t>Replay attack</a:t>
+            </a:r>
+          </a:p>
+          <a:p>
+            <a:pPr>
+              <a:buClr>
+                <a:schemeClr val="accent2">
+                  <a:lumMod val="75000"/>
+                </a:schemeClr>
+              </a:buClr>
+            </a:pPr>
+            <a:r>
+              <a:rPr lang="en-GB" sz="1800" dirty="0"/>
+              <a:t>Reverse engineering attack</a:t>
+            </a:r>
+          </a:p>
+          <a:p>
+            <a:pPr>
+              <a:buClr>
+                <a:schemeClr val="accent2">
+                  <a:lumMod val="75000"/>
+                </a:schemeClr>
+              </a:buClr>
+            </a:pPr>
+            <a:r>
+              <a:rPr lang="en-GB" sz="1800" dirty="0"/>
+              <a:t>Human solver relay attacks</a:t>
+            </a:r>
+          </a:p>
+          <a:p>
+            <a:pPr>
+              <a:buClr>
+                <a:schemeClr val="accent2">
+                  <a:lumMod val="75000"/>
+                </a:schemeClr>
+              </a:buClr>
+            </a:pPr>
+            <a:r>
+              <a:rPr lang="en-GB" sz="1800" dirty="0"/>
+              <a:t>Brute force attack</a:t>
+            </a:r>
+          </a:p>
+          <a:p>
+            <a:pPr>
+              <a:buClr>
+                <a:schemeClr val="accent2">
+                  <a:lumMod val="75000"/>
+                </a:schemeClr>
+              </a:buClr>
+            </a:pPr>
+            <a:r>
+              <a:rPr lang="en-GB" sz="1800" dirty="0"/>
+              <a:t>Denial of Service attack (DoS)</a:t>
+            </a:r>
+          </a:p>
+          <a:p>
+            <a:pPr>
+              <a:buClr>
+                <a:schemeClr val="accent2">
+                  <a:lumMod val="75000"/>
+                </a:schemeClr>
+              </a:buClr>
+            </a:pPr>
+            <a:r>
+              <a:rPr lang="en-GB" sz="1800" dirty="0"/>
+              <a:t>Eavesdropping attack</a:t>
+            </a:r>
+          </a:p>
+          <a:p>
+            <a:endParaRPr lang="en-GB" dirty="0"/>
+          </a:p>
+        </p:txBody>
+      </p:sp>
+      <p:sp>
+        <p:nvSpPr>
+          <p:cNvPr id="10" name="Titolo 1">
+            <a:extLst>
+              <a:ext uri="{FF2B5EF4-FFF2-40B4-BE49-F238E27FC236}">
+                <a16:creationId xmlns:a16="http://schemas.microsoft.com/office/drawing/2014/main" id="{F8EA0F97-43FA-445A-8C23-492486372B09}"/>
+              </a:ext>
+            </a:extLst>
+          </p:cNvPr>
+          <p:cNvSpPr>
+            <a:spLocks noGrp="1"/>
+          </p:cNvSpPr>
+          <p:nvPr>
+            <p:ph type="title"/>
+          </p:nvPr>
+        </p:nvSpPr>
+        <p:spPr>
+          <a:xfrm>
+            <a:off x="4264435" y="1595502"/>
+            <a:ext cx="4648689" cy="508318"/>
+          </a:xfrm>
+        </p:spPr>
+        <p:txBody>
+          <a:bodyPr>
+            <a:normAutofit/>
+          </a:bodyPr>
+          <a:lstStyle/>
+          <a:p>
+            <a:r>
+              <a:rPr lang="en-GB" sz="2400" dirty="0"/>
+              <a:t>Future work</a:t>
+            </a:r>
+            <a:endParaRPr lang="it-IT" sz="2400" dirty="0"/>
+          </a:p>
+        </p:txBody>
+      </p:sp>
+      <p:sp>
+        <p:nvSpPr>
+          <p:cNvPr id="11" name="Segnaposto contenuto 2">
+            <a:extLst>
+              <a:ext uri="{FF2B5EF4-FFF2-40B4-BE49-F238E27FC236}">
+                <a16:creationId xmlns:a16="http://schemas.microsoft.com/office/drawing/2014/main" id="{BDE136F6-3842-4232-AF28-FB0A9E48951E}"/>
+              </a:ext>
+            </a:extLst>
+          </p:cNvPr>
+          <p:cNvSpPr>
+            <a:spLocks noGrp="1"/>
+          </p:cNvSpPr>
+          <p:nvPr>
+            <p:ph idx="1"/>
+          </p:nvPr>
+        </p:nvSpPr>
+        <p:spPr>
+          <a:xfrm>
+            <a:off x="4264435" y="2099342"/>
+            <a:ext cx="4648689" cy="2959773"/>
+          </a:xfrm>
+        </p:spPr>
+        <p:txBody>
+          <a:bodyPr>
+            <a:normAutofit/>
+          </a:bodyPr>
+          <a:lstStyle/>
+          <a:p>
+            <a:pPr>
+              <a:buClr>
+                <a:schemeClr val="accent2">
+                  <a:lumMod val="75000"/>
+                </a:schemeClr>
+              </a:buClr>
+            </a:pPr>
+            <a:r>
+              <a:rPr lang="en-GB" sz="1800" dirty="0">
+                <a:solidFill>
+                  <a:schemeClr val="accent2">
+                    <a:lumMod val="75000"/>
+                  </a:schemeClr>
+                </a:solidFill>
+              </a:rPr>
+              <a:t>Improvement of character correspondence</a:t>
+            </a:r>
+            <a:endParaRPr lang="it-IT" sz="1800" dirty="0">
+              <a:solidFill>
+                <a:schemeClr val="accent2">
+                  <a:lumMod val="75000"/>
+                </a:schemeClr>
+              </a:solidFill>
+            </a:endParaRPr>
+          </a:p>
+          <a:p>
+            <a:pPr>
+              <a:buClr>
+                <a:schemeClr val="accent2">
+                  <a:lumMod val="75000"/>
+                </a:schemeClr>
+              </a:buClr>
+            </a:pPr>
+            <a:r>
+              <a:rPr lang="it-IT" sz="1800" dirty="0" err="1">
+                <a:solidFill>
+                  <a:schemeClr val="accent2">
+                    <a:lumMod val="75000"/>
+                  </a:schemeClr>
+                </a:solidFill>
+              </a:rPr>
+              <a:t>Implementation</a:t>
+            </a:r>
+            <a:r>
+              <a:rPr lang="it-IT" sz="1800" dirty="0">
+                <a:solidFill>
+                  <a:schemeClr val="accent2">
+                    <a:lumMod val="75000"/>
+                  </a:schemeClr>
+                </a:solidFill>
+              </a:rPr>
+              <a:t> on </a:t>
+            </a:r>
+            <a:r>
+              <a:rPr lang="it-IT" sz="1800" dirty="0" err="1">
+                <a:solidFill>
+                  <a:schemeClr val="accent2">
+                    <a:lumMod val="75000"/>
+                  </a:schemeClr>
+                </a:solidFill>
+              </a:rPr>
+              <a:t>other</a:t>
+            </a:r>
+            <a:r>
+              <a:rPr lang="it-IT" sz="1800" dirty="0">
+                <a:solidFill>
+                  <a:schemeClr val="accent2">
+                    <a:lumMod val="75000"/>
+                  </a:schemeClr>
+                </a:solidFill>
+              </a:rPr>
+              <a:t> devices (smartphones &amp; tablets)</a:t>
+            </a:r>
+          </a:p>
+          <a:p>
+            <a:pPr>
+              <a:buClr>
+                <a:schemeClr val="accent2">
+                  <a:lumMod val="75000"/>
+                </a:schemeClr>
+              </a:buClr>
+            </a:pPr>
+            <a:r>
+              <a:rPr lang="it-IT" sz="1800" dirty="0" err="1">
+                <a:solidFill>
+                  <a:schemeClr val="accent2">
+                    <a:lumMod val="75000"/>
+                  </a:schemeClr>
+                </a:solidFill>
+              </a:rPr>
+              <a:t>Relationship</a:t>
+            </a:r>
+            <a:r>
+              <a:rPr lang="it-IT" sz="1800" dirty="0">
+                <a:solidFill>
+                  <a:schemeClr val="accent2">
+                    <a:lumMod val="75000"/>
+                  </a:schemeClr>
+                </a:solidFill>
+              </a:rPr>
+              <a:t> </a:t>
+            </a:r>
+            <a:r>
+              <a:rPr lang="it-IT" sz="1800" dirty="0" err="1">
+                <a:solidFill>
+                  <a:schemeClr val="accent2">
+                    <a:lumMod val="75000"/>
+                  </a:schemeClr>
+                </a:solidFill>
+              </a:rPr>
+              <a:t>between</a:t>
+            </a:r>
+            <a:r>
+              <a:rPr lang="it-IT" sz="1800" dirty="0">
+                <a:solidFill>
+                  <a:schemeClr val="accent2">
+                    <a:lumMod val="75000"/>
+                  </a:schemeClr>
+                </a:solidFill>
+              </a:rPr>
+              <a:t> </a:t>
+            </a:r>
+            <a:r>
+              <a:rPr lang="it-IT" sz="1800" dirty="0" err="1">
+                <a:solidFill>
+                  <a:schemeClr val="accent2">
+                    <a:lumMod val="75000"/>
+                  </a:schemeClr>
+                </a:solidFill>
+              </a:rPr>
+              <a:t>accuracy</a:t>
+            </a:r>
+            <a:r>
+              <a:rPr lang="it-IT" sz="1800" dirty="0">
+                <a:solidFill>
+                  <a:schemeClr val="accent2">
+                    <a:lumMod val="75000"/>
+                  </a:schemeClr>
+                </a:solidFill>
+              </a:rPr>
+              <a:t> and:</a:t>
+            </a:r>
+          </a:p>
+          <a:p>
+            <a:pPr lvl="1"/>
+            <a:r>
+              <a:rPr lang="it-IT" sz="1600" dirty="0" err="1"/>
+              <a:t>different</a:t>
+            </a:r>
+            <a:r>
+              <a:rPr lang="it-IT" sz="1600" dirty="0"/>
+              <a:t> users </a:t>
+            </a:r>
+            <a:r>
+              <a:rPr lang="it-IT" sz="1600" dirty="0" err="1"/>
+              <a:t>typing</a:t>
+            </a:r>
+            <a:r>
+              <a:rPr lang="it-IT" sz="1600" dirty="0"/>
+              <a:t> styles</a:t>
+            </a:r>
+          </a:p>
+          <a:p>
+            <a:pPr lvl="1"/>
+            <a:r>
+              <a:rPr lang="en-GB" sz="1600" dirty="0"/>
+              <a:t>different level of wear and tear of a same hardware</a:t>
+            </a:r>
+            <a:endParaRPr lang="it-IT" sz="1600" dirty="0"/>
+          </a:p>
+        </p:txBody>
+      </p:sp>
+    </p:spTree>
+    <p:extLst>
+      <p:ext uri="{BB962C8B-B14F-4D97-AF65-F5344CB8AC3E}">
+        <p14:creationId xmlns:p14="http://schemas.microsoft.com/office/powerpoint/2010/main" val="3897955797"/>
+      </p:ext>
+    </p:extLst>
+  </p:cSld>
+  <p:clrMapOvr>
+    <a:masterClrMapping/>
+  </p:clrMapOvr>
+  <p:timing>
+    <p:tnLst>
+      <p:par>
+        <p:cTn id="1" dur="indefinite" restart="never" nodeType="tmRoot">
+          <p:childTnLst>
+            <p:seq concurrent="1" nextAc="seek">
+              <p:cTn id="2" dur="indefinite" nodeType="mainSeq">
+                <p:childTnLst>
+                  <p:par>
+                    <p:cTn id="3" fill="hold">
+                      <p:stCondLst>
+                        <p:cond delay="indefinite"/>
+                      </p:stCondLst>
+                      <p:childTnLst>
+                        <p:par>
+                          <p:cTn id="4" fill="hold">
+                            <p:stCondLst>
+                              <p:cond delay="0"/>
+                            </p:stCondLst>
+                            <p:childTnLst>
+                              <p:par>
+                                <p:cTn id="5" presetID="1" presetClass="entr" presetSubtype="0" fill="hold" nodeType="clickEffect">
+                                  <p:stCondLst>
+                                    <p:cond delay="0"/>
+                                  </p:stCondLst>
+                                  <p:childTnLst>
+                                    <p:set>
+                                      <p:cBhvr>
+                                        <p:cTn id="6" dur="1" fill="hold">
+                                          <p:stCondLst>
+                                            <p:cond delay="0"/>
+                                          </p:stCondLst>
+                                        </p:cTn>
+                                        <p:tgtEl>
+                                          <p:spTgt spid="9">
+                                            <p:txEl>
+                                              <p:pRg st="0" end="0"/>
+                                            </p:txEl>
+                                          </p:spTgt>
+                                        </p:tgtEl>
+                                        <p:attrNameLst>
+                                          <p:attrName>style.visibility</p:attrName>
+                                        </p:attrNameLst>
+                                      </p:cBhvr>
+                                      <p:to>
+                                        <p:strVal val="visible"/>
+                                      </p:to>
+                                    </p:set>
+                                  </p:childTnLst>
+                                </p:cTn>
+                              </p:par>
+                              <p:par>
+                                <p:cTn id="7" presetID="1" presetClass="entr" presetSubtype="0" fill="hold" nodeType="withEffect">
+                                  <p:stCondLst>
+                                    <p:cond delay="0"/>
+                                  </p:stCondLst>
+                                  <p:childTnLst>
+                                    <p:set>
+                                      <p:cBhvr>
+                                        <p:cTn id="8" dur="1" fill="hold">
+                                          <p:stCondLst>
+                                            <p:cond delay="0"/>
+                                          </p:stCondLst>
+                                        </p:cTn>
+                                        <p:tgtEl>
+                                          <p:spTgt spid="9">
+                                            <p:txEl>
+                                              <p:pRg st="1" end="1"/>
+                                            </p:txEl>
+                                          </p:spTgt>
+                                        </p:tgtEl>
+                                        <p:attrNameLst>
+                                          <p:attrName>style.visibility</p:attrName>
+                                        </p:attrNameLst>
+                                      </p:cBhvr>
+                                      <p:to>
+                                        <p:strVal val="visible"/>
+                                      </p:to>
+                                    </p:set>
+                                  </p:childTnLst>
+                                </p:cTn>
+                              </p:par>
+                              <p:par>
+                                <p:cTn id="9" presetID="1" presetClass="entr" presetSubtype="0" fill="hold" nodeType="withEffect">
+                                  <p:stCondLst>
+                                    <p:cond delay="0"/>
+                                  </p:stCondLst>
+                                  <p:childTnLst>
+                                    <p:set>
+                                      <p:cBhvr>
+                                        <p:cTn id="10" dur="1" fill="hold">
+                                          <p:stCondLst>
+                                            <p:cond delay="0"/>
+                                          </p:stCondLst>
+                                        </p:cTn>
+                                        <p:tgtEl>
+                                          <p:spTgt spid="9">
+                                            <p:txEl>
+                                              <p:pRg st="2" end="2"/>
+                                            </p:txEl>
+                                          </p:spTgt>
+                                        </p:tgtEl>
+                                        <p:attrNameLst>
+                                          <p:attrName>style.visibility</p:attrName>
+                                        </p:attrNameLst>
+                                      </p:cBhvr>
+                                      <p:to>
+                                        <p:strVal val="visible"/>
+                                      </p:to>
+                                    </p:set>
+                                  </p:childTnLst>
+                                </p:cTn>
+                              </p:par>
+                              <p:par>
+                                <p:cTn id="11" presetID="1" presetClass="entr" presetSubtype="0" fill="hold" nodeType="withEffect">
+                                  <p:stCondLst>
+                                    <p:cond delay="0"/>
+                                  </p:stCondLst>
+                                  <p:childTnLst>
+                                    <p:set>
+                                      <p:cBhvr>
+                                        <p:cTn id="12" dur="1" fill="hold">
+                                          <p:stCondLst>
+                                            <p:cond delay="0"/>
+                                          </p:stCondLst>
+                                        </p:cTn>
+                                        <p:tgtEl>
+                                          <p:spTgt spid="9">
+                                            <p:txEl>
+                                              <p:pRg st="3" end="3"/>
+                                            </p:txEl>
+                                          </p:spTgt>
+                                        </p:tgtEl>
+                                        <p:attrNameLst>
+                                          <p:attrName>style.visibility</p:attrName>
+                                        </p:attrNameLst>
+                                      </p:cBhvr>
+                                      <p:to>
+                                        <p:strVal val="visible"/>
+                                      </p:to>
+                                    </p:set>
+                                  </p:childTnLst>
+                                </p:cTn>
+                              </p:par>
+                              <p:par>
+                                <p:cTn id="13" presetID="1" presetClass="entr" presetSubtype="0" fill="hold" nodeType="withEffect">
+                                  <p:stCondLst>
+                                    <p:cond delay="0"/>
+                                  </p:stCondLst>
+                                  <p:childTnLst>
+                                    <p:set>
+                                      <p:cBhvr>
+                                        <p:cTn id="14" dur="1" fill="hold">
+                                          <p:stCondLst>
+                                            <p:cond delay="0"/>
+                                          </p:stCondLst>
+                                        </p:cTn>
+                                        <p:tgtEl>
+                                          <p:spTgt spid="9">
+                                            <p:txEl>
+                                              <p:pRg st="4" end="4"/>
+                                            </p:txEl>
+                                          </p:spTgt>
+                                        </p:tgtEl>
+                                        <p:attrNameLst>
+                                          <p:attrName>style.visibility</p:attrName>
+                                        </p:attrNameLst>
+                                      </p:cBhvr>
+                                      <p:to>
+                                        <p:strVal val="visible"/>
+                                      </p:to>
+                                    </p:set>
+                                  </p:childTnLst>
+                                </p:cTn>
+                              </p:par>
+                            </p:childTnLst>
+                          </p:cTn>
+                        </p:par>
+                      </p:childTnLst>
+                    </p:cTn>
+                  </p:par>
+                  <p:par>
+                    <p:cTn id="15" fill="hold">
+                      <p:stCondLst>
+                        <p:cond delay="indefinite"/>
+                      </p:stCondLst>
+                      <p:childTnLst>
+                        <p:par>
+                          <p:cTn id="16" fill="hold">
+                            <p:stCondLst>
+                              <p:cond delay="0"/>
+                            </p:stCondLst>
+                            <p:childTnLst>
+                              <p:par>
+                                <p:cTn id="17" presetID="1" presetClass="entr" presetSubtype="0" fill="hold" nodeType="clickEffect">
+                                  <p:stCondLst>
+                                    <p:cond delay="0"/>
+                                  </p:stCondLst>
+                                  <p:childTnLst>
+                                    <p:set>
+                                      <p:cBhvr>
+                                        <p:cTn id="18" dur="1" fill="hold">
+                                          <p:stCondLst>
+                                            <p:cond delay="0"/>
+                                          </p:stCondLst>
+                                        </p:cTn>
+                                        <p:tgtEl>
+                                          <p:spTgt spid="9">
+                                            <p:txEl>
+                                              <p:pRg st="5" end="5"/>
+                                            </p:txEl>
+                                          </p:spTgt>
+                                        </p:tgtEl>
+                                        <p:attrNameLst>
+                                          <p:attrName>style.visibility</p:attrName>
+                                        </p:attrNameLst>
+                                      </p:cBhvr>
+                                      <p:to>
+                                        <p:strVal val="visible"/>
+                                      </p:to>
+                                    </p:set>
+                                  </p:childTnLst>
+                                </p:cTn>
+                              </p:par>
+                            </p:childTnLst>
+                          </p:cTn>
+                        </p:par>
+                      </p:childTnLst>
+                    </p:cTn>
+                  </p:par>
+                  <p:par>
+                    <p:cTn id="19" fill="hold">
+                      <p:stCondLst>
+                        <p:cond delay="indefinite"/>
+                      </p:stCondLst>
+                      <p:childTnLst>
+                        <p:par>
+                          <p:cTn id="20" fill="hold">
+                            <p:stCondLst>
+                              <p:cond delay="0"/>
+                            </p:stCondLst>
+                            <p:childTnLst>
+                              <p:par>
+                                <p:cTn id="21" presetID="1" presetClass="entr" presetSubtype="0" fill="hold" nodeType="clickEffect">
+                                  <p:stCondLst>
+                                    <p:cond delay="0"/>
+                                  </p:stCondLst>
+                                  <p:childTnLst>
+                                    <p:set>
+                                      <p:cBhvr>
+                                        <p:cTn id="22" dur="1" fill="hold">
+                                          <p:stCondLst>
+                                            <p:cond delay="0"/>
+                                          </p:stCondLst>
+                                        </p:cTn>
+                                        <p:tgtEl>
+                                          <p:spTgt spid="11">
+                                            <p:txEl>
+                                              <p:pRg st="0" end="0"/>
+                                            </p:txEl>
+                                          </p:spTgt>
+                                        </p:tgtEl>
+                                        <p:attrNameLst>
+                                          <p:attrName>style.visibility</p:attrName>
+                                        </p:attrNameLst>
+                                      </p:cBhvr>
+                                      <p:to>
+                                        <p:strVal val="visible"/>
+                                      </p:to>
+                                    </p:set>
+                                  </p:childTnLst>
+                                </p:cTn>
+                              </p:par>
+                            </p:childTnLst>
+                          </p:cTn>
+                        </p:par>
+                      </p:childTnLst>
+                    </p:cTn>
+                  </p:par>
+                  <p:par>
+                    <p:cTn id="23" fill="hold">
+                      <p:stCondLst>
+                        <p:cond delay="indefinite"/>
+                      </p:stCondLst>
+                      <p:childTnLst>
+                        <p:par>
+                          <p:cTn id="24" fill="hold">
+                            <p:stCondLst>
+                              <p:cond delay="0"/>
+                            </p:stCondLst>
+                            <p:childTnLst>
+                              <p:par>
+                                <p:cTn id="25" presetID="1" presetClass="entr" presetSubtype="0" fill="hold" nodeType="clickEffect">
+                                  <p:stCondLst>
+                                    <p:cond delay="0"/>
+                                  </p:stCondLst>
+                                  <p:childTnLst>
+                                    <p:set>
+                                      <p:cBhvr>
+                                        <p:cTn id="26" dur="1" fill="hold">
+                                          <p:stCondLst>
+                                            <p:cond delay="0"/>
+                                          </p:stCondLst>
+                                        </p:cTn>
+                                        <p:tgtEl>
+                                          <p:spTgt spid="11">
+                                            <p:txEl>
+                                              <p:pRg st="1" end="1"/>
+                                            </p:txEl>
+                                          </p:spTgt>
+                                        </p:tgtEl>
+                                        <p:attrNameLst>
+                                          <p:attrName>style.visibility</p:attrName>
+                                        </p:attrNameLst>
+                                      </p:cBhvr>
+                                      <p:to>
+                                        <p:strVal val="visible"/>
+                                      </p:to>
+                                    </p:set>
+                                  </p:childTnLst>
+                                </p:cTn>
+                              </p:par>
+                            </p:childTnLst>
+                          </p:cTn>
+                        </p:par>
+                      </p:childTnLst>
+                    </p:cTn>
+                  </p:par>
+                  <p:par>
+                    <p:cTn id="27" fill="hold">
+                      <p:stCondLst>
+                        <p:cond delay="indefinite"/>
+                      </p:stCondLst>
+                      <p:childTnLst>
+                        <p:par>
+                          <p:cTn id="28" fill="hold">
+                            <p:stCondLst>
+                              <p:cond delay="0"/>
+                            </p:stCondLst>
+                            <p:childTnLst>
+                              <p:par>
+                                <p:cTn id="29" presetID="1" presetClass="entr" presetSubtype="0" fill="hold" nodeType="clickEffect">
+                                  <p:stCondLst>
+                                    <p:cond delay="0"/>
+                                  </p:stCondLst>
+                                  <p:childTnLst>
+                                    <p:set>
+                                      <p:cBhvr>
+                                        <p:cTn id="30" dur="1" fill="hold">
+                                          <p:stCondLst>
+                                            <p:cond delay="0"/>
+                                          </p:stCondLst>
+                                        </p:cTn>
+                                        <p:tgtEl>
+                                          <p:spTgt spid="11">
+                                            <p:txEl>
+                                              <p:pRg st="2" end="2"/>
+                                            </p:txEl>
+                                          </p:spTgt>
+                                        </p:tgtEl>
+                                        <p:attrNameLst>
+                                          <p:attrName>style.visibility</p:attrName>
+                                        </p:attrNameLst>
+                                      </p:cBhvr>
+                                      <p:to>
+                                        <p:strVal val="visible"/>
+                                      </p:to>
+                                    </p:set>
+                                  </p:childTnLst>
+                                </p:cTn>
+                              </p:par>
+                              <p:par>
+                                <p:cTn id="31" presetID="1" presetClass="entr" presetSubtype="0" fill="hold" nodeType="withEffect">
+                                  <p:stCondLst>
+                                    <p:cond delay="0"/>
+                                  </p:stCondLst>
+                                  <p:childTnLst>
+                                    <p:set>
+                                      <p:cBhvr>
+                                        <p:cTn id="32" dur="1" fill="hold">
+                                          <p:stCondLst>
+                                            <p:cond delay="0"/>
+                                          </p:stCondLst>
+                                        </p:cTn>
+                                        <p:tgtEl>
+                                          <p:spTgt spid="11">
+                                            <p:txEl>
+                                              <p:pRg st="3" end="3"/>
+                                            </p:txEl>
+                                          </p:spTgt>
+                                        </p:tgtEl>
+                                        <p:attrNameLst>
+                                          <p:attrName>style.visibility</p:attrName>
+                                        </p:attrNameLst>
+                                      </p:cBhvr>
+                                      <p:to>
+                                        <p:strVal val="visible"/>
+                                      </p:to>
+                                    </p:set>
+                                  </p:childTnLst>
+                                </p:cTn>
+                              </p:par>
+                              <p:par>
+                                <p:cTn id="33" presetID="1" presetClass="entr" presetSubtype="0" fill="hold" nodeType="withEffect">
+                                  <p:stCondLst>
+                                    <p:cond delay="0"/>
+                                  </p:stCondLst>
+                                  <p:childTnLst>
+                                    <p:set>
+                                      <p:cBhvr>
+                                        <p:cTn id="34" dur="1" fill="hold">
+                                          <p:stCondLst>
+                                            <p:cond delay="0"/>
+                                          </p:stCondLst>
+                                        </p:cTn>
+                                        <p:tgtEl>
+                                          <p:spTgt spid="11">
+                                            <p:txEl>
+                                              <p:pRg st="4" end="4"/>
+                                            </p:txEl>
+                                          </p:spTgt>
+                                        </p:tgtEl>
+                                        <p:attrNameLst>
+                                          <p:attrName>style.visibility</p:attrName>
+                                        </p:attrNameLst>
+                                      </p:cBhvr>
+                                      <p:to>
+                                        <p:strVal val="visible"/>
+                                      </p:to>
+                                    </p:set>
+                                  </p:childTnLst>
+                                </p:cTn>
+                              </p:par>
+                            </p:childTnLst>
+                          </p:cTn>
+                        </p:par>
+                      </p:childTnLst>
+                    </p:cTn>
+                  </p:par>
+                </p:childTnLst>
+              </p:cTn>
+              <p:prevCondLst>
+                <p:cond evt="onPrev" delay="0">
+                  <p:tgtEl>
+                    <p:sldTgt/>
+                  </p:tgtEl>
+                </p:cond>
+              </p:prevCondLst>
+              <p:nextCondLst>
+                <p:cond evt="onNext" delay="0">
+                  <p:tgtEl>
+                    <p:sldTgt/>
+                  </p:tgtEl>
+                </p:cond>
+              </p:nextCondLst>
+            </p:seq>
+          </p:childTnLst>
+        </p:cTn>
+      </p:par>
+    </p:tnLst>
+  </p:timing>
+</p:sld>
+</file>
+
+<file path=ppt/slides/slide11.xml><?xml version="1.0" encoding="utf-8"?>
+<p:sld xmlns:a="http://schemas.openxmlformats.org/drawingml/2006/main" xmlns:r="http://schemas.openxmlformats.org/officeDocument/2006/relationships" xmlns:p="http://schemas.openxmlformats.org/presentationml/2006/main">
+  <p:cSld>
+    <p:spTree>
+      <p:nvGrpSpPr>
+        <p:cNvPr id="1" name=""/>
+        <p:cNvGrpSpPr/>
+        <p:nvPr/>
+      </p:nvGrpSpPr>
+      <p:grpSpPr>
+        <a:xfrm>
+          <a:off x="0" y="0"/>
+          <a:ext cx="0" cy="0"/>
+          <a:chOff x="0" y="0"/>
+          <a:chExt cx="0" cy="0"/>
+        </a:xfrm>
+      </p:grpSpPr>
+      <p:sp>
+        <p:nvSpPr>
           <p:cNvPr id="2" name="Titolo 1">
             <a:extLst>
               <a:ext uri="{FF2B5EF4-FFF2-40B4-BE49-F238E27FC236}">
@@ -7535,7 +8940,7 @@
           <a:p>
             <a:fld id="{8DF98BA9-0B5D-48FD-8864-41A23C2934CC}" type="slidenum">
               <a:rPr lang="it-IT" sz="1100"/>
-              <a:t>9</a:t>
+              <a:t>10</a:t>
             </a:fld>
             <a:endParaRPr lang="it-IT" sz="1100"/>
           </a:p>
@@ -7753,12 +9158,14 @@
         </p:nvSpPr>
         <p:spPr>
           <a:xfrm>
-            <a:off x="442164" y="2117568"/>
-            <a:ext cx="4129836" cy="1564099"/>
+            <a:off x="442164" y="2117569"/>
+            <a:ext cx="4009520" cy="1311432"/>
           </a:xfrm>
         </p:spPr>
         <p:txBody>
-          <a:bodyPr/>
+          <a:bodyPr>
+            <a:normAutofit/>
+          </a:bodyPr>
           <a:lstStyle/>
           <a:p>
             <a:pPr>
@@ -7784,12 +9191,8 @@
               <a:buNone/>
             </a:pPr>
             <a:r>
-              <a:rPr lang="en-GB" sz="1400" dirty="0"/>
-              <a:t>based on cognitive capabilities of the user   (e.g. Image-based and text based CAPTCHAs)</a:t>
-            </a:r>
-            <a:r>
-              <a:rPr lang="en-GB" dirty="0"/>
-              <a:t> </a:t>
+              <a:rPr lang="en-GB" sz="1600" dirty="0"/>
+              <a:t>based on cognitive capabilities of the user</a:t>
             </a:r>
           </a:p>
         </p:txBody>
@@ -7811,7 +9214,7 @@
         <p:spPr>
           <a:xfrm>
             <a:off x="4807196" y="2114814"/>
-            <a:ext cx="3886654" cy="1564101"/>
+            <a:ext cx="3643474" cy="1758947"/>
           </a:xfrm>
           <a:prstGeom prst="rect">
             <a:avLst/>
@@ -8196,18 +9599,10 @@
               <a:buNone/>
             </a:pPr>
             <a:r>
-              <a:rPr lang="en-GB" sz="1400" dirty="0"/>
-              <a:t>based on the human’s physical identity and on the evaluation of data from sensors or activity of the users on the website         (e.g. Google </a:t>
-            </a:r>
-            <a:r>
-              <a:rPr lang="en-GB" sz="1400" dirty="0" err="1"/>
-              <a:t>ReCAPTCHAs</a:t>
-            </a:r>
-            <a:r>
-              <a:rPr lang="en-GB" sz="1400" dirty="0"/>
-              <a:t>)</a:t>
-            </a:r>
-            <a:endParaRPr lang="it-IT" sz="1400" dirty="0"/>
+              <a:rPr lang="en-GB" sz="1600" dirty="0"/>
+              <a:t>based on the human’s physical identity (e.g. the behaviour of the users on the website)</a:t>
+            </a:r>
+            <a:endParaRPr lang="it-IT" sz="1600" dirty="0"/>
           </a:p>
         </p:txBody>
       </p:sp>
@@ -8239,7 +9634,7 @@
         </p:blipFill>
         <p:spPr>
           <a:xfrm>
-            <a:off x="2948695" y="3631345"/>
+            <a:off x="2948695" y="3282422"/>
             <a:ext cx="1334494" cy="1929828"/>
           </a:xfrm>
           <a:prstGeom prst="rect">
@@ -8275,7 +9670,7 @@
         </p:blipFill>
         <p:spPr>
           <a:xfrm>
-            <a:off x="829429" y="3631345"/>
+            <a:off x="829429" y="3282422"/>
             <a:ext cx="2023010" cy="1929828"/>
           </a:xfrm>
           <a:prstGeom prst="rect">
@@ -8311,7 +9706,7 @@
         </p:blipFill>
         <p:spPr>
           <a:xfrm>
-            <a:off x="5350568" y="3628594"/>
+            <a:off x="5319964" y="3541643"/>
             <a:ext cx="2493355" cy="700027"/>
           </a:xfrm>
           <a:prstGeom prst="rect">
@@ -9116,10 +10511,10 @@
               <a:buNone/>
             </a:pPr>
             <a:r>
-              <a:rPr lang="en-GB" sz="1600" dirty="0"/>
+              <a:rPr lang="en-GB" sz="1800" dirty="0"/>
               <a:t>program used to prevent bot activity on web services</a:t>
             </a:r>
-            <a:endParaRPr lang="it-IT" sz="1700" dirty="0"/>
+            <a:endParaRPr lang="it-IT" sz="1800" dirty="0"/>
           </a:p>
         </p:txBody>
       </p:sp>
@@ -9133,10 +10528,2622 @@
   <p:clrMapOvr>
     <a:masterClrMapping/>
   </p:clrMapOvr>
+  <p:timing>
+    <p:tnLst>
+      <p:par>
+        <p:cTn id="1" dur="indefinite" restart="never" nodeType="tmRoot">
+          <p:childTnLst>
+            <p:seq concurrent="1" nextAc="seek">
+              <p:cTn id="2" dur="indefinite" nodeType="mainSeq">
+                <p:childTnLst>
+                  <p:par>
+                    <p:cTn id="3" fill="hold">
+                      <p:stCondLst>
+                        <p:cond delay="indefinite"/>
+                      </p:stCondLst>
+                      <p:childTnLst>
+                        <p:par>
+                          <p:cTn id="4" fill="hold">
+                            <p:stCondLst>
+                              <p:cond delay="0"/>
+                            </p:stCondLst>
+                            <p:childTnLst>
+                              <p:par>
+                                <p:cTn id="5" presetID="42" presetClass="entr" presetSubtype="0" fill="hold" nodeType="clickEffect">
+                                  <p:stCondLst>
+                                    <p:cond delay="0"/>
+                                  </p:stCondLst>
+                                  <p:childTnLst>
+                                    <p:set>
+                                      <p:cBhvr>
+                                        <p:cTn id="6" dur="1" fill="hold">
+                                          <p:stCondLst>
+                                            <p:cond delay="0"/>
+                                          </p:stCondLst>
+                                        </p:cTn>
+                                        <p:tgtEl>
+                                          <p:spTgt spid="10"/>
+                                        </p:tgtEl>
+                                        <p:attrNameLst>
+                                          <p:attrName>style.visibility</p:attrName>
+                                        </p:attrNameLst>
+                                      </p:cBhvr>
+                                      <p:to>
+                                        <p:strVal val="visible"/>
+                                      </p:to>
+                                    </p:set>
+                                    <p:animEffect transition="in" filter="fade">
+                                      <p:cBhvr>
+                                        <p:cTn id="7" dur="1000"/>
+                                        <p:tgtEl>
+                                          <p:spTgt spid="10"/>
+                                        </p:tgtEl>
+                                      </p:cBhvr>
+                                    </p:animEffect>
+                                    <p:anim calcmode="lin" valueType="num">
+                                      <p:cBhvr>
+                                        <p:cTn id="8" dur="1000" fill="hold"/>
+                                        <p:tgtEl>
+                                          <p:spTgt spid="10"/>
+                                        </p:tgtEl>
+                                        <p:attrNameLst>
+                                          <p:attrName>ppt_x</p:attrName>
+                                        </p:attrNameLst>
+                                      </p:cBhvr>
+                                      <p:tavLst>
+                                        <p:tav tm="0">
+                                          <p:val>
+                                            <p:strVal val="#ppt_x"/>
+                                          </p:val>
+                                        </p:tav>
+                                        <p:tav tm="100000">
+                                          <p:val>
+                                            <p:strVal val="#ppt_x"/>
+                                          </p:val>
+                                        </p:tav>
+                                      </p:tavLst>
+                                    </p:anim>
+                                    <p:anim calcmode="lin" valueType="num">
+                                      <p:cBhvr>
+                                        <p:cTn id="9" dur="1000" fill="hold"/>
+                                        <p:tgtEl>
+                                          <p:spTgt spid="10"/>
+                                        </p:tgtEl>
+                                        <p:attrNameLst>
+                                          <p:attrName>ppt_y</p:attrName>
+                                        </p:attrNameLst>
+                                      </p:cBhvr>
+                                      <p:tavLst>
+                                        <p:tav tm="0">
+                                          <p:val>
+                                            <p:strVal val="#ppt_y+.1"/>
+                                          </p:val>
+                                        </p:tav>
+                                        <p:tav tm="100000">
+                                          <p:val>
+                                            <p:strVal val="#ppt_y"/>
+                                          </p:val>
+                                        </p:tav>
+                                      </p:tavLst>
+                                    </p:anim>
+                                  </p:childTnLst>
+                                </p:cTn>
+                              </p:par>
+                              <p:par>
+                                <p:cTn id="10" presetID="42" presetClass="entr" presetSubtype="0" fill="hold" nodeType="withEffect">
+                                  <p:stCondLst>
+                                    <p:cond delay="0"/>
+                                  </p:stCondLst>
+                                  <p:childTnLst>
+                                    <p:set>
+                                      <p:cBhvr>
+                                        <p:cTn id="11" dur="1" fill="hold">
+                                          <p:stCondLst>
+                                            <p:cond delay="0"/>
+                                          </p:stCondLst>
+                                        </p:cTn>
+                                        <p:tgtEl>
+                                          <p:spTgt spid="8"/>
+                                        </p:tgtEl>
+                                        <p:attrNameLst>
+                                          <p:attrName>style.visibility</p:attrName>
+                                        </p:attrNameLst>
+                                      </p:cBhvr>
+                                      <p:to>
+                                        <p:strVal val="visible"/>
+                                      </p:to>
+                                    </p:set>
+                                    <p:animEffect transition="in" filter="fade">
+                                      <p:cBhvr>
+                                        <p:cTn id="12" dur="1000"/>
+                                        <p:tgtEl>
+                                          <p:spTgt spid="8"/>
+                                        </p:tgtEl>
+                                      </p:cBhvr>
+                                    </p:animEffect>
+                                    <p:anim calcmode="lin" valueType="num">
+                                      <p:cBhvr>
+                                        <p:cTn id="13" dur="1000" fill="hold"/>
+                                        <p:tgtEl>
+                                          <p:spTgt spid="8"/>
+                                        </p:tgtEl>
+                                        <p:attrNameLst>
+                                          <p:attrName>ppt_x</p:attrName>
+                                        </p:attrNameLst>
+                                      </p:cBhvr>
+                                      <p:tavLst>
+                                        <p:tav tm="0">
+                                          <p:val>
+                                            <p:strVal val="#ppt_x"/>
+                                          </p:val>
+                                        </p:tav>
+                                        <p:tav tm="100000">
+                                          <p:val>
+                                            <p:strVal val="#ppt_x"/>
+                                          </p:val>
+                                        </p:tav>
+                                      </p:tavLst>
+                                    </p:anim>
+                                    <p:anim calcmode="lin" valueType="num">
+                                      <p:cBhvr>
+                                        <p:cTn id="14" dur="1000" fill="hold"/>
+                                        <p:tgtEl>
+                                          <p:spTgt spid="8"/>
+                                        </p:tgtEl>
+                                        <p:attrNameLst>
+                                          <p:attrName>ppt_y</p:attrName>
+                                        </p:attrNameLst>
+                                      </p:cBhvr>
+                                      <p:tavLst>
+                                        <p:tav tm="0">
+                                          <p:val>
+                                            <p:strVal val="#ppt_y+.1"/>
+                                          </p:val>
+                                        </p:tav>
+                                        <p:tav tm="100000">
+                                          <p:val>
+                                            <p:strVal val="#ppt_y"/>
+                                          </p:val>
+                                        </p:tav>
+                                      </p:tavLst>
+                                    </p:anim>
+                                  </p:childTnLst>
+                                </p:cTn>
+                              </p:par>
+                            </p:childTnLst>
+                          </p:cTn>
+                        </p:par>
+                      </p:childTnLst>
+                    </p:cTn>
+                  </p:par>
+                  <p:par>
+                    <p:cTn id="15" fill="hold">
+                      <p:stCondLst>
+                        <p:cond delay="indefinite"/>
+                      </p:stCondLst>
+                      <p:childTnLst>
+                        <p:par>
+                          <p:cTn id="16" fill="hold">
+                            <p:stCondLst>
+                              <p:cond delay="0"/>
+                            </p:stCondLst>
+                            <p:childTnLst>
+                              <p:par>
+                                <p:cTn id="17" presetID="42" presetClass="entr" presetSubtype="0" fill="hold" nodeType="clickEffect">
+                                  <p:stCondLst>
+                                    <p:cond delay="0"/>
+                                  </p:stCondLst>
+                                  <p:childTnLst>
+                                    <p:set>
+                                      <p:cBhvr>
+                                        <p:cTn id="18" dur="1" fill="hold">
+                                          <p:stCondLst>
+                                            <p:cond delay="0"/>
+                                          </p:stCondLst>
+                                        </p:cTn>
+                                        <p:tgtEl>
+                                          <p:spTgt spid="12"/>
+                                        </p:tgtEl>
+                                        <p:attrNameLst>
+                                          <p:attrName>style.visibility</p:attrName>
+                                        </p:attrNameLst>
+                                      </p:cBhvr>
+                                      <p:to>
+                                        <p:strVal val="visible"/>
+                                      </p:to>
+                                    </p:set>
+                                    <p:animEffect transition="in" filter="fade">
+                                      <p:cBhvr>
+                                        <p:cTn id="19" dur="1000"/>
+                                        <p:tgtEl>
+                                          <p:spTgt spid="12"/>
+                                        </p:tgtEl>
+                                      </p:cBhvr>
+                                    </p:animEffect>
+                                    <p:anim calcmode="lin" valueType="num">
+                                      <p:cBhvr>
+                                        <p:cTn id="20" dur="1000" fill="hold"/>
+                                        <p:tgtEl>
+                                          <p:spTgt spid="12"/>
+                                        </p:tgtEl>
+                                        <p:attrNameLst>
+                                          <p:attrName>ppt_x</p:attrName>
+                                        </p:attrNameLst>
+                                      </p:cBhvr>
+                                      <p:tavLst>
+                                        <p:tav tm="0">
+                                          <p:val>
+                                            <p:strVal val="#ppt_x"/>
+                                          </p:val>
+                                        </p:tav>
+                                        <p:tav tm="100000">
+                                          <p:val>
+                                            <p:strVal val="#ppt_x"/>
+                                          </p:val>
+                                        </p:tav>
+                                      </p:tavLst>
+                                    </p:anim>
+                                    <p:anim calcmode="lin" valueType="num">
+                                      <p:cBhvr>
+                                        <p:cTn id="21" dur="1000" fill="hold"/>
+                                        <p:tgtEl>
+                                          <p:spTgt spid="12"/>
+                                        </p:tgtEl>
+                                        <p:attrNameLst>
+                                          <p:attrName>ppt_y</p:attrName>
+                                        </p:attrNameLst>
+                                      </p:cBhvr>
+                                      <p:tavLst>
+                                        <p:tav tm="0">
+                                          <p:val>
+                                            <p:strVal val="#ppt_y+.1"/>
+                                          </p:val>
+                                        </p:tav>
+                                        <p:tav tm="100000">
+                                          <p:val>
+                                            <p:strVal val="#ppt_y"/>
+                                          </p:val>
+                                        </p:tav>
+                                      </p:tavLst>
+                                    </p:anim>
+                                  </p:childTnLst>
+                                </p:cTn>
+                              </p:par>
+                            </p:childTnLst>
+                          </p:cTn>
+                        </p:par>
+                      </p:childTnLst>
+                    </p:cTn>
+                  </p:par>
+                </p:childTnLst>
+              </p:cTn>
+              <p:prevCondLst>
+                <p:cond evt="onPrev" delay="0">
+                  <p:tgtEl>
+                    <p:sldTgt/>
+                  </p:tgtEl>
+                </p:cond>
+              </p:prevCondLst>
+              <p:nextCondLst>
+                <p:cond evt="onNext" delay="0">
+                  <p:tgtEl>
+                    <p:sldTgt/>
+                  </p:tgtEl>
+                </p:cond>
+              </p:nextCondLst>
+            </p:seq>
+          </p:childTnLst>
+        </p:cTn>
+      </p:par>
+    </p:tnLst>
+  </p:timing>
 </p:sld>
 </file>
 
 <file path=ppt/slides/slide3.xml><?xml version="1.0" encoding="utf-8"?>
+<p:sld xmlns:a="http://schemas.openxmlformats.org/drawingml/2006/main" xmlns:r="http://schemas.openxmlformats.org/officeDocument/2006/relationships" xmlns:p="http://schemas.openxmlformats.org/presentationml/2006/main">
+  <p:cSld>
+    <p:spTree>
+      <p:nvGrpSpPr>
+        <p:cNvPr id="1" name=""/>
+        <p:cNvGrpSpPr/>
+        <p:nvPr/>
+      </p:nvGrpSpPr>
+      <p:grpSpPr>
+        <a:xfrm>
+          <a:off x="0" y="0"/>
+          <a:ext cx="0" cy="0"/>
+          <a:chOff x="0" y="0"/>
+          <a:chExt cx="0" cy="0"/>
+        </a:xfrm>
+      </p:grpSpPr>
+      <p:sp>
+        <p:nvSpPr>
+          <p:cNvPr id="2" name="Titolo 1">
+            <a:extLst>
+              <a:ext uri="{FF2B5EF4-FFF2-40B4-BE49-F238E27FC236}">
+                <a16:creationId xmlns:a16="http://schemas.microsoft.com/office/drawing/2014/main" id="{1C8A1160-F9E1-4F59-9101-AECFE0B6AE8B}"/>
+              </a:ext>
+            </a:extLst>
+          </p:cNvPr>
+          <p:cNvSpPr>
+            <a:spLocks noGrp="1"/>
+          </p:cNvSpPr>
+          <p:nvPr>
+            <p:ph type="title"/>
+          </p:nvPr>
+        </p:nvSpPr>
+        <p:spPr>
+          <a:xfrm>
+            <a:off x="1277383" y="441280"/>
+            <a:ext cx="6589231" cy="1172153"/>
+          </a:xfrm>
+        </p:spPr>
+        <p:txBody>
+          <a:bodyPr>
+            <a:normAutofit fontScale="90000"/>
+          </a:bodyPr>
+          <a:lstStyle/>
+          <a:p>
+            <a:r>
+              <a:rPr lang="en-GB" dirty="0"/>
+              <a:t>Design of the new CAPTCHA</a:t>
+            </a:r>
+            <a:endParaRPr lang="it-IT" dirty="0"/>
+          </a:p>
+        </p:txBody>
+      </p:sp>
+      <p:sp>
+        <p:nvSpPr>
+          <p:cNvPr id="4" name="Segnaposto data 3">
+            <a:extLst>
+              <a:ext uri="{FF2B5EF4-FFF2-40B4-BE49-F238E27FC236}">
+                <a16:creationId xmlns:a16="http://schemas.microsoft.com/office/drawing/2014/main" id="{98D75C27-0F67-4563-B337-7F113F85A79A}"/>
+              </a:ext>
+            </a:extLst>
+          </p:cNvPr>
+          <p:cNvSpPr>
+            <a:spLocks noGrp="1"/>
+          </p:cNvSpPr>
+          <p:nvPr>
+            <p:ph type="dt" sz="half" idx="10"/>
+          </p:nvPr>
+        </p:nvSpPr>
+        <p:spPr/>
+        <p:txBody>
+          <a:bodyPr/>
+          <a:lstStyle/>
+          <a:p>
+            <a:r>
+              <a:rPr lang="it-IT"/>
+              <a:t>03/01/2021</a:t>
+            </a:r>
+          </a:p>
+        </p:txBody>
+      </p:sp>
+      <p:sp>
+        <p:nvSpPr>
+          <p:cNvPr id="5" name="Segnaposto piè di pagina 4">
+            <a:extLst>
+              <a:ext uri="{FF2B5EF4-FFF2-40B4-BE49-F238E27FC236}">
+                <a16:creationId xmlns:a16="http://schemas.microsoft.com/office/drawing/2014/main" id="{60CC18FB-7F01-4A81-A5A3-7D5352A7D44C}"/>
+              </a:ext>
+            </a:extLst>
+          </p:cNvPr>
+          <p:cNvSpPr>
+            <a:spLocks noGrp="1"/>
+          </p:cNvSpPr>
+          <p:nvPr>
+            <p:ph type="ftr" sz="quarter" idx="11"/>
+          </p:nvPr>
+        </p:nvSpPr>
+        <p:spPr/>
+        <p:txBody>
+          <a:bodyPr/>
+          <a:lstStyle/>
+          <a:p>
+            <a:r>
+              <a:rPr lang="it-IT"/>
+              <a:t>Di Nardo Di Maio Raffaele</a:t>
+            </a:r>
+          </a:p>
+        </p:txBody>
+      </p:sp>
+      <p:sp>
+        <p:nvSpPr>
+          <p:cNvPr id="6" name="Segnaposto numero diapositiva 5">
+            <a:extLst>
+              <a:ext uri="{FF2B5EF4-FFF2-40B4-BE49-F238E27FC236}">
+                <a16:creationId xmlns:a16="http://schemas.microsoft.com/office/drawing/2014/main" id="{39A0D484-E598-4B20-BC0C-B92BE9608817}"/>
+              </a:ext>
+            </a:extLst>
+          </p:cNvPr>
+          <p:cNvSpPr>
+            <a:spLocks noGrp="1"/>
+          </p:cNvSpPr>
+          <p:nvPr>
+            <p:ph type="sldNum" sz="quarter" idx="12"/>
+          </p:nvPr>
+        </p:nvSpPr>
+        <p:spPr/>
+        <p:txBody>
+          <a:bodyPr/>
+          <a:lstStyle/>
+          <a:p>
+            <a:fld id="{8DF98BA9-0B5D-48FD-8864-41A23C2934CC}" type="slidenum">
+              <a:rPr lang="it-IT" smtClean="0"/>
+              <a:t>2</a:t>
+            </a:fld>
+            <a:endParaRPr lang="it-IT"/>
+          </a:p>
+        </p:txBody>
+      </p:sp>
+      <p:sp>
+        <p:nvSpPr>
+          <p:cNvPr id="7" name="Segnaposto contenuto 2">
+            <a:extLst>
+              <a:ext uri="{FF2B5EF4-FFF2-40B4-BE49-F238E27FC236}">
+                <a16:creationId xmlns:a16="http://schemas.microsoft.com/office/drawing/2014/main" id="{3FE4003F-9153-46BB-8EB3-BC56D775874D}"/>
+              </a:ext>
+            </a:extLst>
+          </p:cNvPr>
+          <p:cNvSpPr txBox="1">
+            <a:spLocks/>
+          </p:cNvSpPr>
+          <p:nvPr/>
+        </p:nvSpPr>
+        <p:spPr>
+          <a:xfrm>
+            <a:off x="706448" y="2045369"/>
+            <a:ext cx="3330713" cy="593558"/>
+          </a:xfrm>
+          <a:prstGeom prst="rect">
+            <a:avLst/>
+          </a:prstGeom>
+          <a:effectLst>
+            <a:outerShdw blurRad="25400" dir="17880000">
+              <a:srgbClr val="000000">
+                <a:alpha val="46000"/>
+              </a:srgbClr>
+            </a:outerShdw>
+          </a:effectLst>
+        </p:spPr>
+        <p:txBody>
+          <a:bodyPr vert="horz" lIns="91440" tIns="45720" rIns="91440" bIns="45720" rtlCol="0" anchor="t">
+            <a:normAutofit/>
+          </a:bodyPr>
+          <a:lstStyle>
+            <a:lvl1pPr marL="342900" indent="-306000" algn="l" defTabSz="457200" rtl="0" eaLnBrk="1" latinLnBrk="0" hangingPunct="1">
+              <a:spcBef>
+                <a:spcPct val="20000"/>
+              </a:spcBef>
+              <a:spcAft>
+                <a:spcPts val="600"/>
+              </a:spcAft>
+              <a:buClr>
+                <a:schemeClr val="tx2"/>
+              </a:buClr>
+              <a:buSzPct val="70000"/>
+              <a:buFont typeface="Wingdings 2" charset="2"/>
+              <a:buChar char=""/>
+              <a:defRPr sz="2000" kern="1200">
+                <a:ln>
+                  <a:solidFill>
+                    <a:schemeClr val="bg1">
+                      <a:lumMod val="75000"/>
+                      <a:lumOff val="25000"/>
+                      <a:alpha val="10000"/>
+                    </a:schemeClr>
+                  </a:solidFill>
+                </a:ln>
+                <a:solidFill>
+                  <a:schemeClr val="tx2"/>
+                </a:solidFill>
+                <a:effectLst>
+                  <a:outerShdw blurRad="9525" dist="25400" dir="14640000" algn="tl" rotWithShape="0">
+                    <a:schemeClr val="bg1">
+                      <a:alpha val="30000"/>
+                    </a:schemeClr>
+                  </a:outerShdw>
+                </a:effectLst>
+                <a:latin typeface="+mn-lt"/>
+                <a:ea typeface="+mn-ea"/>
+                <a:cs typeface="+mn-cs"/>
+              </a:defRPr>
+            </a:lvl1pPr>
+            <a:lvl2pPr marL="720000" indent="-270000" algn="l" defTabSz="457200" rtl="0" eaLnBrk="1" latinLnBrk="0" hangingPunct="1">
+              <a:spcBef>
+                <a:spcPct val="20000"/>
+              </a:spcBef>
+              <a:spcAft>
+                <a:spcPts val="600"/>
+              </a:spcAft>
+              <a:buClr>
+                <a:schemeClr val="tx2"/>
+              </a:buClr>
+              <a:buSzPct val="70000"/>
+              <a:buFont typeface="Wingdings 2" charset="2"/>
+              <a:buChar char=""/>
+              <a:defRPr sz="1800" kern="1200">
+                <a:ln>
+                  <a:solidFill>
+                    <a:schemeClr val="bg1">
+                      <a:lumMod val="75000"/>
+                      <a:lumOff val="25000"/>
+                      <a:alpha val="10000"/>
+                    </a:schemeClr>
+                  </a:solidFill>
+                </a:ln>
+                <a:solidFill>
+                  <a:schemeClr val="tx2"/>
+                </a:solidFill>
+                <a:effectLst>
+                  <a:outerShdw blurRad="9525" dist="25400" dir="14640000" algn="tl" rotWithShape="0">
+                    <a:schemeClr val="bg1">
+                      <a:alpha val="30000"/>
+                    </a:schemeClr>
+                  </a:outerShdw>
+                </a:effectLst>
+                <a:latin typeface="+mn-lt"/>
+                <a:ea typeface="+mn-ea"/>
+                <a:cs typeface="+mn-cs"/>
+              </a:defRPr>
+            </a:lvl2pPr>
+            <a:lvl3pPr marL="1026000" indent="-216000" algn="l" defTabSz="457200" rtl="0" eaLnBrk="1" latinLnBrk="0" hangingPunct="1">
+              <a:spcBef>
+                <a:spcPct val="20000"/>
+              </a:spcBef>
+              <a:spcAft>
+                <a:spcPts val="600"/>
+              </a:spcAft>
+              <a:buClr>
+                <a:schemeClr val="tx2"/>
+              </a:buClr>
+              <a:buSzPct val="70000"/>
+              <a:buFont typeface="Wingdings 2" charset="2"/>
+              <a:buChar char=""/>
+              <a:defRPr sz="1600" kern="1200">
+                <a:ln>
+                  <a:solidFill>
+                    <a:schemeClr val="bg1">
+                      <a:lumMod val="75000"/>
+                      <a:lumOff val="25000"/>
+                      <a:alpha val="10000"/>
+                    </a:schemeClr>
+                  </a:solidFill>
+                </a:ln>
+                <a:solidFill>
+                  <a:schemeClr val="tx2"/>
+                </a:solidFill>
+                <a:effectLst>
+                  <a:outerShdw blurRad="9525" dist="25400" dir="14640000" algn="tl" rotWithShape="0">
+                    <a:schemeClr val="bg1">
+                      <a:alpha val="30000"/>
+                    </a:schemeClr>
+                  </a:outerShdw>
+                </a:effectLst>
+                <a:latin typeface="+mn-lt"/>
+                <a:ea typeface="+mn-ea"/>
+                <a:cs typeface="+mn-cs"/>
+              </a:defRPr>
+            </a:lvl3pPr>
+            <a:lvl4pPr marL="1386000" indent="-216000" algn="l" defTabSz="457200" rtl="0" eaLnBrk="1" latinLnBrk="0" hangingPunct="1">
+              <a:spcBef>
+                <a:spcPct val="20000"/>
+              </a:spcBef>
+              <a:spcAft>
+                <a:spcPts val="600"/>
+              </a:spcAft>
+              <a:buClr>
+                <a:schemeClr val="tx2"/>
+              </a:buClr>
+              <a:buSzPct val="70000"/>
+              <a:buFont typeface="Wingdings 2" charset="2"/>
+              <a:buChar char=""/>
+              <a:defRPr sz="1400" kern="1200">
+                <a:ln>
+                  <a:solidFill>
+                    <a:schemeClr val="bg1">
+                      <a:lumMod val="75000"/>
+                      <a:lumOff val="25000"/>
+                      <a:alpha val="10000"/>
+                    </a:schemeClr>
+                  </a:solidFill>
+                </a:ln>
+                <a:solidFill>
+                  <a:schemeClr val="tx2"/>
+                </a:solidFill>
+                <a:effectLst>
+                  <a:outerShdw blurRad="9525" dist="25400" dir="14640000" algn="tl" rotWithShape="0">
+                    <a:schemeClr val="bg1">
+                      <a:alpha val="30000"/>
+                    </a:schemeClr>
+                  </a:outerShdw>
+                </a:effectLst>
+                <a:latin typeface="+mn-lt"/>
+                <a:ea typeface="+mn-ea"/>
+                <a:cs typeface="+mn-cs"/>
+              </a:defRPr>
+            </a:lvl4pPr>
+            <a:lvl5pPr marL="1674000" indent="-216000" algn="l" defTabSz="457200" rtl="0" eaLnBrk="1" latinLnBrk="0" hangingPunct="1">
+              <a:spcBef>
+                <a:spcPct val="20000"/>
+              </a:spcBef>
+              <a:spcAft>
+                <a:spcPts val="600"/>
+              </a:spcAft>
+              <a:buClr>
+                <a:schemeClr val="tx2"/>
+              </a:buClr>
+              <a:buSzPct val="70000"/>
+              <a:buFont typeface="Wingdings 2" charset="2"/>
+              <a:buChar char=""/>
+              <a:defRPr sz="1400" kern="1200">
+                <a:ln>
+                  <a:solidFill>
+                    <a:schemeClr val="bg1">
+                      <a:lumMod val="75000"/>
+                      <a:lumOff val="25000"/>
+                      <a:alpha val="10000"/>
+                    </a:schemeClr>
+                  </a:solidFill>
+                </a:ln>
+                <a:solidFill>
+                  <a:schemeClr val="tx2"/>
+                </a:solidFill>
+                <a:effectLst>
+                  <a:outerShdw blurRad="9525" dist="25400" dir="14640000" algn="tl" rotWithShape="0">
+                    <a:schemeClr val="bg1">
+                      <a:alpha val="30000"/>
+                    </a:schemeClr>
+                  </a:outerShdw>
+                </a:effectLst>
+                <a:latin typeface="+mn-lt"/>
+                <a:ea typeface="+mn-ea"/>
+                <a:cs typeface="+mn-cs"/>
+              </a:defRPr>
+            </a:lvl5pPr>
+            <a:lvl6pPr marL="2014600" indent="-228600" algn="l" defTabSz="457200" rtl="0" eaLnBrk="1" latinLnBrk="0" hangingPunct="1">
+              <a:spcBef>
+                <a:spcPct val="20000"/>
+              </a:spcBef>
+              <a:spcAft>
+                <a:spcPts val="600"/>
+              </a:spcAft>
+              <a:buClr>
+                <a:schemeClr val="tx2"/>
+              </a:buClr>
+              <a:buSzPct val="70000"/>
+              <a:buFont typeface="Wingdings 2" charset="2"/>
+              <a:buChar char=""/>
+              <a:defRPr sz="1400" kern="1200">
+                <a:ln>
+                  <a:solidFill>
+                    <a:schemeClr val="bg1">
+                      <a:lumMod val="75000"/>
+                      <a:lumOff val="25000"/>
+                      <a:alpha val="10000"/>
+                    </a:schemeClr>
+                  </a:solidFill>
+                </a:ln>
+                <a:solidFill>
+                  <a:schemeClr val="tx2"/>
+                </a:solidFill>
+                <a:effectLst>
+                  <a:outerShdw blurRad="9525" dist="25400" dir="14640000" algn="tl" rotWithShape="0">
+                    <a:schemeClr val="bg1">
+                      <a:alpha val="30000"/>
+                    </a:schemeClr>
+                  </a:outerShdw>
+                </a:effectLst>
+                <a:latin typeface="+mn-lt"/>
+                <a:ea typeface="+mn-ea"/>
+                <a:cs typeface="+mn-cs"/>
+              </a:defRPr>
+            </a:lvl6pPr>
+            <a:lvl7pPr marL="2401800" indent="-228600" algn="l" defTabSz="457200" rtl="0" eaLnBrk="1" latinLnBrk="0" hangingPunct="1">
+              <a:spcBef>
+                <a:spcPct val="20000"/>
+              </a:spcBef>
+              <a:spcAft>
+                <a:spcPts val="600"/>
+              </a:spcAft>
+              <a:buClr>
+                <a:schemeClr val="tx2"/>
+              </a:buClr>
+              <a:buSzPct val="70000"/>
+              <a:buFont typeface="Wingdings 2" charset="2"/>
+              <a:buChar char=""/>
+              <a:defRPr sz="1400" kern="1200">
+                <a:ln>
+                  <a:solidFill>
+                    <a:schemeClr val="bg1">
+                      <a:lumMod val="75000"/>
+                      <a:lumOff val="25000"/>
+                      <a:alpha val="10000"/>
+                    </a:schemeClr>
+                  </a:solidFill>
+                </a:ln>
+                <a:solidFill>
+                  <a:schemeClr val="tx2"/>
+                </a:solidFill>
+                <a:effectLst>
+                  <a:outerShdw blurRad="9525" dist="25400" dir="14640000" algn="tl" rotWithShape="0">
+                    <a:schemeClr val="bg1">
+                      <a:alpha val="30000"/>
+                    </a:schemeClr>
+                  </a:outerShdw>
+                </a:effectLst>
+                <a:latin typeface="+mn-lt"/>
+                <a:ea typeface="+mn-ea"/>
+                <a:cs typeface="+mn-cs"/>
+              </a:defRPr>
+            </a:lvl7pPr>
+            <a:lvl8pPr marL="2789000" indent="-228600" algn="l" defTabSz="457200" rtl="0" eaLnBrk="1" latinLnBrk="0" hangingPunct="1">
+              <a:spcBef>
+                <a:spcPct val="20000"/>
+              </a:spcBef>
+              <a:spcAft>
+                <a:spcPts val="600"/>
+              </a:spcAft>
+              <a:buClr>
+                <a:schemeClr val="tx2"/>
+              </a:buClr>
+              <a:buSzPct val="70000"/>
+              <a:buFont typeface="Wingdings 2" charset="2"/>
+              <a:buChar char=""/>
+              <a:defRPr sz="1400" kern="1200">
+                <a:ln>
+                  <a:solidFill>
+                    <a:schemeClr val="bg1">
+                      <a:lumMod val="75000"/>
+                      <a:lumOff val="25000"/>
+                      <a:alpha val="10000"/>
+                    </a:schemeClr>
+                  </a:solidFill>
+                </a:ln>
+                <a:solidFill>
+                  <a:schemeClr val="tx2"/>
+                </a:solidFill>
+                <a:effectLst>
+                  <a:outerShdw blurRad="9525" dist="25400" dir="14640000" algn="tl" rotWithShape="0">
+                    <a:schemeClr val="bg1">
+                      <a:alpha val="30000"/>
+                    </a:schemeClr>
+                  </a:outerShdw>
+                </a:effectLst>
+                <a:latin typeface="+mn-lt"/>
+                <a:ea typeface="+mn-ea"/>
+                <a:cs typeface="+mn-cs"/>
+              </a:defRPr>
+            </a:lvl8pPr>
+            <a:lvl9pPr marL="3106200" indent="-228600" algn="l" defTabSz="457200" rtl="0" eaLnBrk="1" latinLnBrk="0" hangingPunct="1">
+              <a:spcBef>
+                <a:spcPct val="20000"/>
+              </a:spcBef>
+              <a:spcAft>
+                <a:spcPts val="600"/>
+              </a:spcAft>
+              <a:buClr>
+                <a:schemeClr val="tx2"/>
+              </a:buClr>
+              <a:buSzPct val="70000"/>
+              <a:buFont typeface="Wingdings 2" charset="2"/>
+              <a:buChar char=""/>
+              <a:defRPr sz="1400" kern="1200">
+                <a:ln>
+                  <a:solidFill>
+                    <a:schemeClr val="bg1">
+                      <a:lumMod val="75000"/>
+                      <a:lumOff val="25000"/>
+                      <a:alpha val="10000"/>
+                    </a:schemeClr>
+                  </a:solidFill>
+                </a:ln>
+                <a:solidFill>
+                  <a:schemeClr val="tx2"/>
+                </a:solidFill>
+                <a:effectLst>
+                  <a:outerShdw blurRad="9525" dist="25400" dir="14640000" algn="tl" rotWithShape="0">
+                    <a:schemeClr val="bg1">
+                      <a:alpha val="30000"/>
+                    </a:schemeClr>
+                  </a:outerShdw>
+                </a:effectLst>
+                <a:latin typeface="+mn-lt"/>
+                <a:ea typeface="+mn-ea"/>
+                <a:cs typeface="+mn-cs"/>
+              </a:defRPr>
+            </a:lvl9pPr>
+          </a:lstStyle>
+          <a:p>
+            <a:pPr marL="36900" indent="0" algn="ctr">
+              <a:buFont typeface="Wingdings 2" charset="2"/>
+              <a:buNone/>
+            </a:pPr>
+            <a:r>
+              <a:rPr lang="en-GB" dirty="0">
+                <a:solidFill>
+                  <a:schemeClr val="accent2">
+                    <a:lumMod val="75000"/>
+                  </a:schemeClr>
+                </a:solidFill>
+              </a:rPr>
+              <a:t>Invisible CAPPCHA</a:t>
+            </a:r>
+            <a:endParaRPr lang="it-IT" dirty="0">
+              <a:solidFill>
+                <a:schemeClr val="accent2">
+                  <a:lumMod val="75000"/>
+                </a:schemeClr>
+              </a:solidFill>
+            </a:endParaRPr>
+          </a:p>
+        </p:txBody>
+      </p:sp>
+      <p:sp>
+        <p:nvSpPr>
+          <p:cNvPr id="9" name="Segnaposto contenuto 2">
+            <a:extLst>
+              <a:ext uri="{FF2B5EF4-FFF2-40B4-BE49-F238E27FC236}">
+                <a16:creationId xmlns:a16="http://schemas.microsoft.com/office/drawing/2014/main" id="{E80B06FB-FC8B-49D4-8228-FAFADE0D6386}"/>
+              </a:ext>
+            </a:extLst>
+          </p:cNvPr>
+          <p:cNvSpPr txBox="1">
+            <a:spLocks/>
+          </p:cNvSpPr>
+          <p:nvPr/>
+        </p:nvSpPr>
+        <p:spPr>
+          <a:xfrm>
+            <a:off x="5103947" y="2045369"/>
+            <a:ext cx="3354705" cy="593558"/>
+          </a:xfrm>
+          <a:prstGeom prst="rect">
+            <a:avLst/>
+          </a:prstGeom>
+          <a:effectLst>
+            <a:outerShdw blurRad="25400" dir="17880000">
+              <a:srgbClr val="000000">
+                <a:alpha val="46000"/>
+              </a:srgbClr>
+            </a:outerShdw>
+          </a:effectLst>
+        </p:spPr>
+        <p:txBody>
+          <a:bodyPr vert="horz" lIns="91440" tIns="45720" rIns="91440" bIns="45720" rtlCol="0" anchor="t">
+            <a:normAutofit/>
+          </a:bodyPr>
+          <a:lstStyle>
+            <a:lvl1pPr marL="342900" indent="-306000" algn="l" defTabSz="457200" rtl="0" eaLnBrk="1" latinLnBrk="0" hangingPunct="1">
+              <a:spcBef>
+                <a:spcPct val="20000"/>
+              </a:spcBef>
+              <a:spcAft>
+                <a:spcPts val="600"/>
+              </a:spcAft>
+              <a:buClr>
+                <a:schemeClr val="tx2"/>
+              </a:buClr>
+              <a:buSzPct val="70000"/>
+              <a:buFont typeface="Wingdings 2" charset="2"/>
+              <a:buChar char=""/>
+              <a:defRPr sz="2000" kern="1200">
+                <a:ln>
+                  <a:solidFill>
+                    <a:schemeClr val="bg1">
+                      <a:lumMod val="75000"/>
+                      <a:lumOff val="25000"/>
+                      <a:alpha val="10000"/>
+                    </a:schemeClr>
+                  </a:solidFill>
+                </a:ln>
+                <a:solidFill>
+                  <a:schemeClr val="tx2"/>
+                </a:solidFill>
+                <a:effectLst>
+                  <a:outerShdw blurRad="9525" dist="25400" dir="14640000" algn="tl" rotWithShape="0">
+                    <a:schemeClr val="bg1">
+                      <a:alpha val="30000"/>
+                    </a:schemeClr>
+                  </a:outerShdw>
+                </a:effectLst>
+                <a:latin typeface="+mn-lt"/>
+                <a:ea typeface="+mn-ea"/>
+                <a:cs typeface="+mn-cs"/>
+              </a:defRPr>
+            </a:lvl1pPr>
+            <a:lvl2pPr marL="720000" indent="-270000" algn="l" defTabSz="457200" rtl="0" eaLnBrk="1" latinLnBrk="0" hangingPunct="1">
+              <a:spcBef>
+                <a:spcPct val="20000"/>
+              </a:spcBef>
+              <a:spcAft>
+                <a:spcPts val="600"/>
+              </a:spcAft>
+              <a:buClr>
+                <a:schemeClr val="tx2"/>
+              </a:buClr>
+              <a:buSzPct val="70000"/>
+              <a:buFont typeface="Wingdings 2" charset="2"/>
+              <a:buChar char=""/>
+              <a:defRPr sz="1800" kern="1200">
+                <a:ln>
+                  <a:solidFill>
+                    <a:schemeClr val="bg1">
+                      <a:lumMod val="75000"/>
+                      <a:lumOff val="25000"/>
+                      <a:alpha val="10000"/>
+                    </a:schemeClr>
+                  </a:solidFill>
+                </a:ln>
+                <a:solidFill>
+                  <a:schemeClr val="tx2"/>
+                </a:solidFill>
+                <a:effectLst>
+                  <a:outerShdw blurRad="9525" dist="25400" dir="14640000" algn="tl" rotWithShape="0">
+                    <a:schemeClr val="bg1">
+                      <a:alpha val="30000"/>
+                    </a:schemeClr>
+                  </a:outerShdw>
+                </a:effectLst>
+                <a:latin typeface="+mn-lt"/>
+                <a:ea typeface="+mn-ea"/>
+                <a:cs typeface="+mn-cs"/>
+              </a:defRPr>
+            </a:lvl2pPr>
+            <a:lvl3pPr marL="1026000" indent="-216000" algn="l" defTabSz="457200" rtl="0" eaLnBrk="1" latinLnBrk="0" hangingPunct="1">
+              <a:spcBef>
+                <a:spcPct val="20000"/>
+              </a:spcBef>
+              <a:spcAft>
+                <a:spcPts val="600"/>
+              </a:spcAft>
+              <a:buClr>
+                <a:schemeClr val="tx2"/>
+              </a:buClr>
+              <a:buSzPct val="70000"/>
+              <a:buFont typeface="Wingdings 2" charset="2"/>
+              <a:buChar char=""/>
+              <a:defRPr sz="1600" kern="1200">
+                <a:ln>
+                  <a:solidFill>
+                    <a:schemeClr val="bg1">
+                      <a:lumMod val="75000"/>
+                      <a:lumOff val="25000"/>
+                      <a:alpha val="10000"/>
+                    </a:schemeClr>
+                  </a:solidFill>
+                </a:ln>
+                <a:solidFill>
+                  <a:schemeClr val="tx2"/>
+                </a:solidFill>
+                <a:effectLst>
+                  <a:outerShdw blurRad="9525" dist="25400" dir="14640000" algn="tl" rotWithShape="0">
+                    <a:schemeClr val="bg1">
+                      <a:alpha val="30000"/>
+                    </a:schemeClr>
+                  </a:outerShdw>
+                </a:effectLst>
+                <a:latin typeface="+mn-lt"/>
+                <a:ea typeface="+mn-ea"/>
+                <a:cs typeface="+mn-cs"/>
+              </a:defRPr>
+            </a:lvl3pPr>
+            <a:lvl4pPr marL="1386000" indent="-216000" algn="l" defTabSz="457200" rtl="0" eaLnBrk="1" latinLnBrk="0" hangingPunct="1">
+              <a:spcBef>
+                <a:spcPct val="20000"/>
+              </a:spcBef>
+              <a:spcAft>
+                <a:spcPts val="600"/>
+              </a:spcAft>
+              <a:buClr>
+                <a:schemeClr val="tx2"/>
+              </a:buClr>
+              <a:buSzPct val="70000"/>
+              <a:buFont typeface="Wingdings 2" charset="2"/>
+              <a:buChar char=""/>
+              <a:defRPr sz="1400" kern="1200">
+                <a:ln>
+                  <a:solidFill>
+                    <a:schemeClr val="bg1">
+                      <a:lumMod val="75000"/>
+                      <a:lumOff val="25000"/>
+                      <a:alpha val="10000"/>
+                    </a:schemeClr>
+                  </a:solidFill>
+                </a:ln>
+                <a:solidFill>
+                  <a:schemeClr val="tx2"/>
+                </a:solidFill>
+                <a:effectLst>
+                  <a:outerShdw blurRad="9525" dist="25400" dir="14640000" algn="tl" rotWithShape="0">
+                    <a:schemeClr val="bg1">
+                      <a:alpha val="30000"/>
+                    </a:schemeClr>
+                  </a:outerShdw>
+                </a:effectLst>
+                <a:latin typeface="+mn-lt"/>
+                <a:ea typeface="+mn-ea"/>
+                <a:cs typeface="+mn-cs"/>
+              </a:defRPr>
+            </a:lvl4pPr>
+            <a:lvl5pPr marL="1674000" indent="-216000" algn="l" defTabSz="457200" rtl="0" eaLnBrk="1" latinLnBrk="0" hangingPunct="1">
+              <a:spcBef>
+                <a:spcPct val="20000"/>
+              </a:spcBef>
+              <a:spcAft>
+                <a:spcPts val="600"/>
+              </a:spcAft>
+              <a:buClr>
+                <a:schemeClr val="tx2"/>
+              </a:buClr>
+              <a:buSzPct val="70000"/>
+              <a:buFont typeface="Wingdings 2" charset="2"/>
+              <a:buChar char=""/>
+              <a:defRPr sz="1400" kern="1200">
+                <a:ln>
+                  <a:solidFill>
+                    <a:schemeClr val="bg1">
+                      <a:lumMod val="75000"/>
+                      <a:lumOff val="25000"/>
+                      <a:alpha val="10000"/>
+                    </a:schemeClr>
+                  </a:solidFill>
+                </a:ln>
+                <a:solidFill>
+                  <a:schemeClr val="tx2"/>
+                </a:solidFill>
+                <a:effectLst>
+                  <a:outerShdw blurRad="9525" dist="25400" dir="14640000" algn="tl" rotWithShape="0">
+                    <a:schemeClr val="bg1">
+                      <a:alpha val="30000"/>
+                    </a:schemeClr>
+                  </a:outerShdw>
+                </a:effectLst>
+                <a:latin typeface="+mn-lt"/>
+                <a:ea typeface="+mn-ea"/>
+                <a:cs typeface="+mn-cs"/>
+              </a:defRPr>
+            </a:lvl5pPr>
+            <a:lvl6pPr marL="2014600" indent="-228600" algn="l" defTabSz="457200" rtl="0" eaLnBrk="1" latinLnBrk="0" hangingPunct="1">
+              <a:spcBef>
+                <a:spcPct val="20000"/>
+              </a:spcBef>
+              <a:spcAft>
+                <a:spcPts val="600"/>
+              </a:spcAft>
+              <a:buClr>
+                <a:schemeClr val="tx2"/>
+              </a:buClr>
+              <a:buSzPct val="70000"/>
+              <a:buFont typeface="Wingdings 2" charset="2"/>
+              <a:buChar char=""/>
+              <a:defRPr sz="1400" kern="1200">
+                <a:ln>
+                  <a:solidFill>
+                    <a:schemeClr val="bg1">
+                      <a:lumMod val="75000"/>
+                      <a:lumOff val="25000"/>
+                      <a:alpha val="10000"/>
+                    </a:schemeClr>
+                  </a:solidFill>
+                </a:ln>
+                <a:solidFill>
+                  <a:schemeClr val="tx2"/>
+                </a:solidFill>
+                <a:effectLst>
+                  <a:outerShdw blurRad="9525" dist="25400" dir="14640000" algn="tl" rotWithShape="0">
+                    <a:schemeClr val="bg1">
+                      <a:alpha val="30000"/>
+                    </a:schemeClr>
+                  </a:outerShdw>
+                </a:effectLst>
+                <a:latin typeface="+mn-lt"/>
+                <a:ea typeface="+mn-ea"/>
+                <a:cs typeface="+mn-cs"/>
+              </a:defRPr>
+            </a:lvl6pPr>
+            <a:lvl7pPr marL="2401800" indent="-228600" algn="l" defTabSz="457200" rtl="0" eaLnBrk="1" latinLnBrk="0" hangingPunct="1">
+              <a:spcBef>
+                <a:spcPct val="20000"/>
+              </a:spcBef>
+              <a:spcAft>
+                <a:spcPts val="600"/>
+              </a:spcAft>
+              <a:buClr>
+                <a:schemeClr val="tx2"/>
+              </a:buClr>
+              <a:buSzPct val="70000"/>
+              <a:buFont typeface="Wingdings 2" charset="2"/>
+              <a:buChar char=""/>
+              <a:defRPr sz="1400" kern="1200">
+                <a:ln>
+                  <a:solidFill>
+                    <a:schemeClr val="bg1">
+                      <a:lumMod val="75000"/>
+                      <a:lumOff val="25000"/>
+                      <a:alpha val="10000"/>
+                    </a:schemeClr>
+                  </a:solidFill>
+                </a:ln>
+                <a:solidFill>
+                  <a:schemeClr val="tx2"/>
+                </a:solidFill>
+                <a:effectLst>
+                  <a:outerShdw blurRad="9525" dist="25400" dir="14640000" algn="tl" rotWithShape="0">
+                    <a:schemeClr val="bg1">
+                      <a:alpha val="30000"/>
+                    </a:schemeClr>
+                  </a:outerShdw>
+                </a:effectLst>
+                <a:latin typeface="+mn-lt"/>
+                <a:ea typeface="+mn-ea"/>
+                <a:cs typeface="+mn-cs"/>
+              </a:defRPr>
+            </a:lvl7pPr>
+            <a:lvl8pPr marL="2789000" indent="-228600" algn="l" defTabSz="457200" rtl="0" eaLnBrk="1" latinLnBrk="0" hangingPunct="1">
+              <a:spcBef>
+                <a:spcPct val="20000"/>
+              </a:spcBef>
+              <a:spcAft>
+                <a:spcPts val="600"/>
+              </a:spcAft>
+              <a:buClr>
+                <a:schemeClr val="tx2"/>
+              </a:buClr>
+              <a:buSzPct val="70000"/>
+              <a:buFont typeface="Wingdings 2" charset="2"/>
+              <a:buChar char=""/>
+              <a:defRPr sz="1400" kern="1200">
+                <a:ln>
+                  <a:solidFill>
+                    <a:schemeClr val="bg1">
+                      <a:lumMod val="75000"/>
+                      <a:lumOff val="25000"/>
+                      <a:alpha val="10000"/>
+                    </a:schemeClr>
+                  </a:solidFill>
+                </a:ln>
+                <a:solidFill>
+                  <a:schemeClr val="tx2"/>
+                </a:solidFill>
+                <a:effectLst>
+                  <a:outerShdw blurRad="9525" dist="25400" dir="14640000" algn="tl" rotWithShape="0">
+                    <a:schemeClr val="bg1">
+                      <a:alpha val="30000"/>
+                    </a:schemeClr>
+                  </a:outerShdw>
+                </a:effectLst>
+                <a:latin typeface="+mn-lt"/>
+                <a:ea typeface="+mn-ea"/>
+                <a:cs typeface="+mn-cs"/>
+              </a:defRPr>
+            </a:lvl8pPr>
+            <a:lvl9pPr marL="3106200" indent="-228600" algn="l" defTabSz="457200" rtl="0" eaLnBrk="1" latinLnBrk="0" hangingPunct="1">
+              <a:spcBef>
+                <a:spcPct val="20000"/>
+              </a:spcBef>
+              <a:spcAft>
+                <a:spcPts val="600"/>
+              </a:spcAft>
+              <a:buClr>
+                <a:schemeClr val="tx2"/>
+              </a:buClr>
+              <a:buSzPct val="70000"/>
+              <a:buFont typeface="Wingdings 2" charset="2"/>
+              <a:buChar char=""/>
+              <a:defRPr sz="1400" kern="1200">
+                <a:ln>
+                  <a:solidFill>
+                    <a:schemeClr val="bg1">
+                      <a:lumMod val="75000"/>
+                      <a:lumOff val="25000"/>
+                      <a:alpha val="10000"/>
+                    </a:schemeClr>
+                  </a:solidFill>
+                </a:ln>
+                <a:solidFill>
+                  <a:schemeClr val="tx2"/>
+                </a:solidFill>
+                <a:effectLst>
+                  <a:outerShdw blurRad="9525" dist="25400" dir="14640000" algn="tl" rotWithShape="0">
+                    <a:schemeClr val="bg1">
+                      <a:alpha val="30000"/>
+                    </a:schemeClr>
+                  </a:outerShdw>
+                </a:effectLst>
+                <a:latin typeface="+mn-lt"/>
+                <a:ea typeface="+mn-ea"/>
+                <a:cs typeface="+mn-cs"/>
+              </a:defRPr>
+            </a:lvl9pPr>
+          </a:lstStyle>
+          <a:p>
+            <a:pPr marL="36900" indent="0" algn="ctr">
+              <a:buFont typeface="Wingdings 2" charset="2"/>
+              <a:buNone/>
+            </a:pPr>
+            <a:r>
+              <a:rPr lang="en-GB" dirty="0" err="1">
+                <a:solidFill>
+                  <a:schemeClr val="accent2">
+                    <a:lumMod val="75000"/>
+                  </a:schemeClr>
+                </a:solidFill>
+              </a:rPr>
+              <a:t>AcCAPPCHA</a:t>
+            </a:r>
+            <a:endParaRPr lang="it-IT" dirty="0">
+              <a:solidFill>
+                <a:schemeClr val="accent2">
+                  <a:lumMod val="75000"/>
+                </a:schemeClr>
+              </a:solidFill>
+            </a:endParaRPr>
+          </a:p>
+        </p:txBody>
+      </p:sp>
+      <p:sp>
+        <p:nvSpPr>
+          <p:cNvPr id="10" name="Freccia a destra 9">
+            <a:extLst>
+              <a:ext uri="{FF2B5EF4-FFF2-40B4-BE49-F238E27FC236}">
+                <a16:creationId xmlns:a16="http://schemas.microsoft.com/office/drawing/2014/main" id="{3038A7AD-3523-41E6-AF3B-D680B671E5D9}"/>
+              </a:ext>
+            </a:extLst>
+          </p:cNvPr>
+          <p:cNvSpPr/>
+          <p:nvPr/>
+        </p:nvSpPr>
+        <p:spPr>
+          <a:xfrm>
+            <a:off x="4207024" y="3377273"/>
+            <a:ext cx="729947" cy="505327"/>
+          </a:xfrm>
+          <a:prstGeom prst="rightArrow">
+            <a:avLst/>
+          </a:prstGeom>
+        </p:spPr>
+        <p:style>
+          <a:lnRef idx="2">
+            <a:schemeClr val="accent1">
+              <a:shade val="50000"/>
+            </a:schemeClr>
+          </a:lnRef>
+          <a:fillRef idx="1">
+            <a:schemeClr val="accent1"/>
+          </a:fillRef>
+          <a:effectRef idx="0">
+            <a:schemeClr val="accent1"/>
+          </a:effectRef>
+          <a:fontRef idx="minor">
+            <a:schemeClr val="lt1"/>
+          </a:fontRef>
+        </p:style>
+        <p:txBody>
+          <a:bodyPr rtlCol="0" anchor="ctr"/>
+          <a:lstStyle/>
+          <a:p>
+            <a:pPr algn="ctr"/>
+            <a:endParaRPr lang="it-IT" dirty="0"/>
+          </a:p>
+        </p:txBody>
+      </p:sp>
+      <p:sp>
+        <p:nvSpPr>
+          <p:cNvPr id="11" name="Segnaposto contenuto 2">
+            <a:extLst>
+              <a:ext uri="{FF2B5EF4-FFF2-40B4-BE49-F238E27FC236}">
+                <a16:creationId xmlns:a16="http://schemas.microsoft.com/office/drawing/2014/main" id="{A1BCFB8A-175A-4019-95EC-BBA4CFE41FAB}"/>
+              </a:ext>
+            </a:extLst>
+          </p:cNvPr>
+          <p:cNvSpPr txBox="1">
+            <a:spLocks/>
+          </p:cNvSpPr>
+          <p:nvPr/>
+        </p:nvSpPr>
+        <p:spPr>
+          <a:xfrm>
+            <a:off x="5127939" y="2584922"/>
+            <a:ext cx="3330713" cy="2090031"/>
+          </a:xfrm>
+          <a:prstGeom prst="rect">
+            <a:avLst/>
+          </a:prstGeom>
+          <a:noFill/>
+          <a:ln w="15875" cap="rnd" cmpd="sng" algn="ctr">
+            <a:noFill/>
+            <a:prstDash val="solid"/>
+          </a:ln>
+          <a:effectLst>
+            <a:glow rad="228600">
+              <a:srgbClr val="0070C0">
+                <a:alpha val="40000"/>
+              </a:srgbClr>
+            </a:glow>
+          </a:effectLst>
+        </p:spPr>
+        <p:style>
+          <a:lnRef idx="2">
+            <a:schemeClr val="accent2"/>
+          </a:lnRef>
+          <a:fillRef idx="1">
+            <a:schemeClr val="lt1"/>
+          </a:fillRef>
+          <a:effectRef idx="0">
+            <a:schemeClr val="accent2"/>
+          </a:effectRef>
+          <a:fontRef idx="minor">
+            <a:schemeClr val="dk1"/>
+          </a:fontRef>
+        </p:style>
+        <p:txBody>
+          <a:bodyPr vert="horz" lIns="91440" tIns="45720" rIns="91440" bIns="45720" rtlCol="0" anchor="t">
+            <a:noAutofit/>
+          </a:bodyPr>
+          <a:lstStyle>
+            <a:lvl1pPr marL="342900" indent="-306000" algn="l" defTabSz="457200" rtl="0" eaLnBrk="1" latinLnBrk="0" hangingPunct="1">
+              <a:spcBef>
+                <a:spcPct val="20000"/>
+              </a:spcBef>
+              <a:spcAft>
+                <a:spcPts val="600"/>
+              </a:spcAft>
+              <a:buClr>
+                <a:schemeClr val="tx2"/>
+              </a:buClr>
+              <a:buSzPct val="70000"/>
+              <a:buFont typeface="Wingdings 2" charset="2"/>
+              <a:buChar char=""/>
+              <a:defRPr sz="2000" kern="1200">
+                <a:ln>
+                  <a:solidFill>
+                    <a:schemeClr val="bg1">
+                      <a:lumMod val="75000"/>
+                      <a:lumOff val="25000"/>
+                      <a:alpha val="10000"/>
+                    </a:schemeClr>
+                  </a:solidFill>
+                </a:ln>
+                <a:solidFill>
+                  <a:schemeClr val="dk1"/>
+                </a:solidFill>
+                <a:effectLst>
+                  <a:outerShdw blurRad="9525" dist="25400" dir="14640000" algn="tl" rotWithShape="0">
+                    <a:schemeClr val="bg1">
+                      <a:alpha val="30000"/>
+                    </a:schemeClr>
+                  </a:outerShdw>
+                </a:effectLst>
+                <a:latin typeface="+mn-lt"/>
+                <a:ea typeface="+mn-ea"/>
+                <a:cs typeface="+mn-cs"/>
+              </a:defRPr>
+            </a:lvl1pPr>
+            <a:lvl2pPr marL="720000" indent="-270000" algn="l" defTabSz="457200" rtl="0" eaLnBrk="1" latinLnBrk="0" hangingPunct="1">
+              <a:spcBef>
+                <a:spcPct val="20000"/>
+              </a:spcBef>
+              <a:spcAft>
+                <a:spcPts val="600"/>
+              </a:spcAft>
+              <a:buClr>
+                <a:schemeClr val="tx2"/>
+              </a:buClr>
+              <a:buSzPct val="70000"/>
+              <a:buFont typeface="Wingdings 2" charset="2"/>
+              <a:buChar char=""/>
+              <a:defRPr sz="1800" kern="1200">
+                <a:ln>
+                  <a:solidFill>
+                    <a:schemeClr val="bg1">
+                      <a:lumMod val="75000"/>
+                      <a:lumOff val="25000"/>
+                      <a:alpha val="10000"/>
+                    </a:schemeClr>
+                  </a:solidFill>
+                </a:ln>
+                <a:solidFill>
+                  <a:schemeClr val="dk1"/>
+                </a:solidFill>
+                <a:effectLst>
+                  <a:outerShdw blurRad="9525" dist="25400" dir="14640000" algn="tl" rotWithShape="0">
+                    <a:schemeClr val="bg1">
+                      <a:alpha val="30000"/>
+                    </a:schemeClr>
+                  </a:outerShdw>
+                </a:effectLst>
+                <a:latin typeface="+mn-lt"/>
+                <a:ea typeface="+mn-ea"/>
+                <a:cs typeface="+mn-cs"/>
+              </a:defRPr>
+            </a:lvl2pPr>
+            <a:lvl3pPr marL="1026000" indent="-216000" algn="l" defTabSz="457200" rtl="0" eaLnBrk="1" latinLnBrk="0" hangingPunct="1">
+              <a:spcBef>
+                <a:spcPct val="20000"/>
+              </a:spcBef>
+              <a:spcAft>
+                <a:spcPts val="600"/>
+              </a:spcAft>
+              <a:buClr>
+                <a:schemeClr val="tx2"/>
+              </a:buClr>
+              <a:buSzPct val="70000"/>
+              <a:buFont typeface="Wingdings 2" charset="2"/>
+              <a:buChar char=""/>
+              <a:defRPr sz="1600" kern="1200">
+                <a:ln>
+                  <a:solidFill>
+                    <a:schemeClr val="bg1">
+                      <a:lumMod val="75000"/>
+                      <a:lumOff val="25000"/>
+                      <a:alpha val="10000"/>
+                    </a:schemeClr>
+                  </a:solidFill>
+                </a:ln>
+                <a:solidFill>
+                  <a:schemeClr val="dk1"/>
+                </a:solidFill>
+                <a:effectLst>
+                  <a:outerShdw blurRad="9525" dist="25400" dir="14640000" algn="tl" rotWithShape="0">
+                    <a:schemeClr val="bg1">
+                      <a:alpha val="30000"/>
+                    </a:schemeClr>
+                  </a:outerShdw>
+                </a:effectLst>
+                <a:latin typeface="+mn-lt"/>
+                <a:ea typeface="+mn-ea"/>
+                <a:cs typeface="+mn-cs"/>
+              </a:defRPr>
+            </a:lvl3pPr>
+            <a:lvl4pPr marL="1386000" indent="-216000" algn="l" defTabSz="457200" rtl="0" eaLnBrk="1" latinLnBrk="0" hangingPunct="1">
+              <a:spcBef>
+                <a:spcPct val="20000"/>
+              </a:spcBef>
+              <a:spcAft>
+                <a:spcPts val="600"/>
+              </a:spcAft>
+              <a:buClr>
+                <a:schemeClr val="tx2"/>
+              </a:buClr>
+              <a:buSzPct val="70000"/>
+              <a:buFont typeface="Wingdings 2" charset="2"/>
+              <a:buChar char=""/>
+              <a:defRPr sz="1400" kern="1200">
+                <a:ln>
+                  <a:solidFill>
+                    <a:schemeClr val="bg1">
+                      <a:lumMod val="75000"/>
+                      <a:lumOff val="25000"/>
+                      <a:alpha val="10000"/>
+                    </a:schemeClr>
+                  </a:solidFill>
+                </a:ln>
+                <a:solidFill>
+                  <a:schemeClr val="dk1"/>
+                </a:solidFill>
+                <a:effectLst>
+                  <a:outerShdw blurRad="9525" dist="25400" dir="14640000" algn="tl" rotWithShape="0">
+                    <a:schemeClr val="bg1">
+                      <a:alpha val="30000"/>
+                    </a:schemeClr>
+                  </a:outerShdw>
+                </a:effectLst>
+                <a:latin typeface="+mn-lt"/>
+                <a:ea typeface="+mn-ea"/>
+                <a:cs typeface="+mn-cs"/>
+              </a:defRPr>
+            </a:lvl4pPr>
+            <a:lvl5pPr marL="1674000" indent="-216000" algn="l" defTabSz="457200" rtl="0" eaLnBrk="1" latinLnBrk="0" hangingPunct="1">
+              <a:spcBef>
+                <a:spcPct val="20000"/>
+              </a:spcBef>
+              <a:spcAft>
+                <a:spcPts val="600"/>
+              </a:spcAft>
+              <a:buClr>
+                <a:schemeClr val="tx2"/>
+              </a:buClr>
+              <a:buSzPct val="70000"/>
+              <a:buFont typeface="Wingdings 2" charset="2"/>
+              <a:buChar char=""/>
+              <a:defRPr sz="1400" kern="1200">
+                <a:ln>
+                  <a:solidFill>
+                    <a:schemeClr val="bg1">
+                      <a:lumMod val="75000"/>
+                      <a:lumOff val="25000"/>
+                      <a:alpha val="10000"/>
+                    </a:schemeClr>
+                  </a:solidFill>
+                </a:ln>
+                <a:solidFill>
+                  <a:schemeClr val="dk1"/>
+                </a:solidFill>
+                <a:effectLst>
+                  <a:outerShdw blurRad="9525" dist="25400" dir="14640000" algn="tl" rotWithShape="0">
+                    <a:schemeClr val="bg1">
+                      <a:alpha val="30000"/>
+                    </a:schemeClr>
+                  </a:outerShdw>
+                </a:effectLst>
+                <a:latin typeface="+mn-lt"/>
+                <a:ea typeface="+mn-ea"/>
+                <a:cs typeface="+mn-cs"/>
+              </a:defRPr>
+            </a:lvl5pPr>
+            <a:lvl6pPr marL="2014600" indent="-228600" algn="l" defTabSz="457200" rtl="0" eaLnBrk="1" latinLnBrk="0" hangingPunct="1">
+              <a:spcBef>
+                <a:spcPct val="20000"/>
+              </a:spcBef>
+              <a:spcAft>
+                <a:spcPts val="600"/>
+              </a:spcAft>
+              <a:buClr>
+                <a:schemeClr val="tx2"/>
+              </a:buClr>
+              <a:buSzPct val="70000"/>
+              <a:buFont typeface="Wingdings 2" charset="2"/>
+              <a:buChar char=""/>
+              <a:defRPr sz="1400" kern="1200">
+                <a:ln>
+                  <a:solidFill>
+                    <a:schemeClr val="bg1">
+                      <a:lumMod val="75000"/>
+                      <a:lumOff val="25000"/>
+                      <a:alpha val="10000"/>
+                    </a:schemeClr>
+                  </a:solidFill>
+                </a:ln>
+                <a:solidFill>
+                  <a:schemeClr val="dk1"/>
+                </a:solidFill>
+                <a:effectLst>
+                  <a:outerShdw blurRad="9525" dist="25400" dir="14640000" algn="tl" rotWithShape="0">
+                    <a:schemeClr val="bg1">
+                      <a:alpha val="30000"/>
+                    </a:schemeClr>
+                  </a:outerShdw>
+                </a:effectLst>
+                <a:latin typeface="+mn-lt"/>
+                <a:ea typeface="+mn-ea"/>
+                <a:cs typeface="+mn-cs"/>
+              </a:defRPr>
+            </a:lvl6pPr>
+            <a:lvl7pPr marL="2401800" indent="-228600" algn="l" defTabSz="457200" rtl="0" eaLnBrk="1" latinLnBrk="0" hangingPunct="1">
+              <a:spcBef>
+                <a:spcPct val="20000"/>
+              </a:spcBef>
+              <a:spcAft>
+                <a:spcPts val="600"/>
+              </a:spcAft>
+              <a:buClr>
+                <a:schemeClr val="tx2"/>
+              </a:buClr>
+              <a:buSzPct val="70000"/>
+              <a:buFont typeface="Wingdings 2" charset="2"/>
+              <a:buChar char=""/>
+              <a:defRPr sz="1400" kern="1200">
+                <a:ln>
+                  <a:solidFill>
+                    <a:schemeClr val="bg1">
+                      <a:lumMod val="75000"/>
+                      <a:lumOff val="25000"/>
+                      <a:alpha val="10000"/>
+                    </a:schemeClr>
+                  </a:solidFill>
+                </a:ln>
+                <a:solidFill>
+                  <a:schemeClr val="dk1"/>
+                </a:solidFill>
+                <a:effectLst>
+                  <a:outerShdw blurRad="9525" dist="25400" dir="14640000" algn="tl" rotWithShape="0">
+                    <a:schemeClr val="bg1">
+                      <a:alpha val="30000"/>
+                    </a:schemeClr>
+                  </a:outerShdw>
+                </a:effectLst>
+                <a:latin typeface="+mn-lt"/>
+                <a:ea typeface="+mn-ea"/>
+                <a:cs typeface="+mn-cs"/>
+              </a:defRPr>
+            </a:lvl7pPr>
+            <a:lvl8pPr marL="2789000" indent="-228600" algn="l" defTabSz="457200" rtl="0" eaLnBrk="1" latinLnBrk="0" hangingPunct="1">
+              <a:spcBef>
+                <a:spcPct val="20000"/>
+              </a:spcBef>
+              <a:spcAft>
+                <a:spcPts val="600"/>
+              </a:spcAft>
+              <a:buClr>
+                <a:schemeClr val="tx2"/>
+              </a:buClr>
+              <a:buSzPct val="70000"/>
+              <a:buFont typeface="Wingdings 2" charset="2"/>
+              <a:buChar char=""/>
+              <a:defRPr sz="1400" kern="1200">
+                <a:ln>
+                  <a:solidFill>
+                    <a:schemeClr val="bg1">
+                      <a:lumMod val="75000"/>
+                      <a:lumOff val="25000"/>
+                      <a:alpha val="10000"/>
+                    </a:schemeClr>
+                  </a:solidFill>
+                </a:ln>
+                <a:solidFill>
+                  <a:schemeClr val="dk1"/>
+                </a:solidFill>
+                <a:effectLst>
+                  <a:outerShdw blurRad="9525" dist="25400" dir="14640000" algn="tl" rotWithShape="0">
+                    <a:schemeClr val="bg1">
+                      <a:alpha val="30000"/>
+                    </a:schemeClr>
+                  </a:outerShdw>
+                </a:effectLst>
+                <a:latin typeface="+mn-lt"/>
+                <a:ea typeface="+mn-ea"/>
+                <a:cs typeface="+mn-cs"/>
+              </a:defRPr>
+            </a:lvl8pPr>
+            <a:lvl9pPr marL="3106200" indent="-228600" algn="l" defTabSz="457200" rtl="0" eaLnBrk="1" latinLnBrk="0" hangingPunct="1">
+              <a:spcBef>
+                <a:spcPct val="20000"/>
+              </a:spcBef>
+              <a:spcAft>
+                <a:spcPts val="600"/>
+              </a:spcAft>
+              <a:buClr>
+                <a:schemeClr val="tx2"/>
+              </a:buClr>
+              <a:buSzPct val="70000"/>
+              <a:buFont typeface="Wingdings 2" charset="2"/>
+              <a:buChar char=""/>
+              <a:defRPr sz="1400" kern="1200">
+                <a:ln>
+                  <a:solidFill>
+                    <a:schemeClr val="bg1">
+                      <a:lumMod val="75000"/>
+                      <a:lumOff val="25000"/>
+                      <a:alpha val="10000"/>
+                    </a:schemeClr>
+                  </a:solidFill>
+                </a:ln>
+                <a:solidFill>
+                  <a:schemeClr val="dk1"/>
+                </a:solidFill>
+                <a:effectLst>
+                  <a:outerShdw blurRad="9525" dist="25400" dir="14640000" algn="tl" rotWithShape="0">
+                    <a:schemeClr val="bg1">
+                      <a:alpha val="30000"/>
+                    </a:schemeClr>
+                  </a:outerShdw>
+                </a:effectLst>
+                <a:latin typeface="+mn-lt"/>
+                <a:ea typeface="+mn-ea"/>
+                <a:cs typeface="+mn-cs"/>
+              </a:defRPr>
+            </a:lvl9pPr>
+          </a:lstStyle>
+          <a:p>
+            <a:pPr marL="36900" indent="0">
+              <a:buNone/>
+            </a:pPr>
+            <a:r>
+              <a:rPr lang="it-IT" sz="1600" dirty="0">
+                <a:solidFill>
+                  <a:schemeClr val="tx2"/>
+                </a:solidFill>
+              </a:rPr>
+              <a:t>New CAPTCHA </a:t>
+            </a:r>
+            <a:r>
+              <a:rPr lang="it-IT" sz="1600" dirty="0" err="1">
+                <a:solidFill>
+                  <a:schemeClr val="tx2"/>
+                </a:solidFill>
+              </a:rPr>
+              <a:t>based</a:t>
+            </a:r>
+            <a:r>
+              <a:rPr lang="it-IT" sz="1600" dirty="0">
+                <a:solidFill>
+                  <a:schemeClr val="tx2"/>
+                </a:solidFill>
+              </a:rPr>
+              <a:t> on the </a:t>
+            </a:r>
+            <a:r>
+              <a:rPr lang="it-IT" sz="1600" dirty="0" err="1">
+                <a:solidFill>
+                  <a:schemeClr val="tx2"/>
+                </a:solidFill>
+              </a:rPr>
+              <a:t>analysis</a:t>
+            </a:r>
+            <a:r>
+              <a:rPr lang="it-IT" sz="1600" dirty="0">
+                <a:solidFill>
+                  <a:schemeClr val="tx2"/>
+                </a:solidFill>
+              </a:rPr>
+              <a:t> of:</a:t>
+            </a:r>
+          </a:p>
+          <a:p>
+            <a:pPr>
+              <a:buClr>
+                <a:schemeClr val="accent2">
+                  <a:lumMod val="75000"/>
+                </a:schemeClr>
+              </a:buClr>
+            </a:pPr>
+            <a:r>
+              <a:rPr lang="it-IT" sz="1600" dirty="0">
+                <a:solidFill>
+                  <a:schemeClr val="tx2"/>
+                </a:solidFill>
+              </a:rPr>
+              <a:t>an acoustic side-</a:t>
+            </a:r>
+            <a:r>
+              <a:rPr lang="it-IT" sz="1600" dirty="0" err="1">
+                <a:solidFill>
+                  <a:schemeClr val="tx2"/>
+                </a:solidFill>
+              </a:rPr>
+              <a:t>channel</a:t>
+            </a:r>
+            <a:r>
+              <a:rPr lang="en-GB" sz="1600" dirty="0">
+                <a:solidFill>
+                  <a:schemeClr val="tx2"/>
+                </a:solidFill>
+              </a:rPr>
+              <a:t> of the PC microphone</a:t>
+            </a:r>
+            <a:endParaRPr lang="it-IT" sz="1600" dirty="0">
+              <a:solidFill>
+                <a:schemeClr val="tx2"/>
+              </a:solidFill>
+            </a:endParaRPr>
+          </a:p>
+          <a:p>
+            <a:pPr>
+              <a:buClr>
+                <a:schemeClr val="accent2">
+                  <a:lumMod val="75000"/>
+                </a:schemeClr>
+              </a:buClr>
+            </a:pPr>
+            <a:r>
+              <a:rPr lang="it-IT" sz="1600" dirty="0">
+                <a:solidFill>
+                  <a:schemeClr val="tx2"/>
+                </a:solidFill>
+              </a:rPr>
+              <a:t>the audio </a:t>
+            </a:r>
+            <a:r>
+              <a:rPr lang="it-IT" sz="1600" dirty="0" err="1">
+                <a:solidFill>
+                  <a:schemeClr val="tx2"/>
+                </a:solidFill>
+              </a:rPr>
+              <a:t>peaks</a:t>
+            </a:r>
+            <a:r>
+              <a:rPr lang="it-IT" sz="1600" dirty="0">
+                <a:solidFill>
+                  <a:schemeClr val="tx2"/>
+                </a:solidFill>
+              </a:rPr>
+              <a:t> </a:t>
+            </a:r>
+            <a:r>
+              <a:rPr lang="it-IT" sz="1600" dirty="0" err="1">
+                <a:solidFill>
+                  <a:schemeClr val="tx2"/>
+                </a:solidFill>
+              </a:rPr>
+              <a:t>during</a:t>
+            </a:r>
+            <a:r>
+              <a:rPr lang="it-IT" sz="1600" dirty="0">
+                <a:solidFill>
+                  <a:schemeClr val="tx2"/>
+                </a:solidFill>
+              </a:rPr>
+              <a:t> the </a:t>
+            </a:r>
+            <a:r>
+              <a:rPr lang="it-IT" sz="1600" dirty="0" err="1">
+                <a:solidFill>
+                  <a:schemeClr val="tx2"/>
+                </a:solidFill>
+              </a:rPr>
+              <a:t>insertion</a:t>
+            </a:r>
+            <a:r>
+              <a:rPr lang="it-IT" sz="1600" dirty="0">
+                <a:solidFill>
+                  <a:schemeClr val="tx2"/>
+                </a:solidFill>
+              </a:rPr>
+              <a:t> of the password, </a:t>
+            </a:r>
+            <a:r>
+              <a:rPr lang="it-IT" sz="1600" dirty="0" err="1">
+                <a:solidFill>
+                  <a:schemeClr val="tx2"/>
+                </a:solidFill>
+              </a:rPr>
+              <a:t>related</a:t>
+            </a:r>
+            <a:r>
+              <a:rPr lang="it-IT" sz="1600" dirty="0">
+                <a:solidFill>
+                  <a:schemeClr val="tx2"/>
+                </a:solidFill>
+              </a:rPr>
+              <a:t> to the </a:t>
+            </a:r>
+            <a:r>
+              <a:rPr lang="it-IT" sz="1600" dirty="0" err="1">
+                <a:solidFill>
+                  <a:schemeClr val="tx2"/>
+                </a:solidFill>
+              </a:rPr>
+              <a:t>keyboard</a:t>
+            </a:r>
+            <a:r>
+              <a:rPr lang="it-IT" sz="1600" dirty="0">
+                <a:solidFill>
+                  <a:schemeClr val="tx2"/>
+                </a:solidFill>
+              </a:rPr>
+              <a:t> events </a:t>
+            </a:r>
+          </a:p>
+        </p:txBody>
+      </p:sp>
+      <p:sp>
+        <p:nvSpPr>
+          <p:cNvPr id="13" name="Segnaposto contenuto 2">
+            <a:extLst>
+              <a:ext uri="{FF2B5EF4-FFF2-40B4-BE49-F238E27FC236}">
+                <a16:creationId xmlns:a16="http://schemas.microsoft.com/office/drawing/2014/main" id="{F50EA973-F912-4C7D-8C54-3FB7BA9AAA0E}"/>
+              </a:ext>
+            </a:extLst>
+          </p:cNvPr>
+          <p:cNvSpPr txBox="1">
+            <a:spLocks/>
+          </p:cNvSpPr>
+          <p:nvPr/>
+        </p:nvSpPr>
+        <p:spPr>
+          <a:xfrm>
+            <a:off x="870012" y="2584922"/>
+            <a:ext cx="3167149" cy="2090031"/>
+          </a:xfrm>
+          <a:prstGeom prst="rect">
+            <a:avLst/>
+          </a:prstGeom>
+          <a:noFill/>
+          <a:ln w="15875" cap="rnd" cmpd="sng" algn="ctr">
+            <a:noFill/>
+            <a:prstDash val="solid"/>
+          </a:ln>
+          <a:effectLst>
+            <a:glow rad="228600">
+              <a:srgbClr val="0070C0">
+                <a:alpha val="40000"/>
+              </a:srgbClr>
+            </a:glow>
+          </a:effectLst>
+        </p:spPr>
+        <p:style>
+          <a:lnRef idx="2">
+            <a:schemeClr val="accent2"/>
+          </a:lnRef>
+          <a:fillRef idx="1">
+            <a:schemeClr val="lt1"/>
+          </a:fillRef>
+          <a:effectRef idx="0">
+            <a:schemeClr val="accent2"/>
+          </a:effectRef>
+          <a:fontRef idx="minor">
+            <a:schemeClr val="dk1"/>
+          </a:fontRef>
+        </p:style>
+        <p:txBody>
+          <a:bodyPr vert="horz" lIns="91440" tIns="45720" rIns="91440" bIns="45720" rtlCol="0" anchor="t">
+            <a:noAutofit/>
+          </a:bodyPr>
+          <a:lstStyle>
+            <a:lvl1pPr marL="342900" indent="-306000" algn="l" defTabSz="457200" rtl="0" eaLnBrk="1" latinLnBrk="0" hangingPunct="1">
+              <a:spcBef>
+                <a:spcPct val="20000"/>
+              </a:spcBef>
+              <a:spcAft>
+                <a:spcPts val="600"/>
+              </a:spcAft>
+              <a:buClr>
+                <a:schemeClr val="tx2"/>
+              </a:buClr>
+              <a:buSzPct val="70000"/>
+              <a:buFont typeface="Wingdings 2" charset="2"/>
+              <a:buChar char=""/>
+              <a:defRPr sz="2000" kern="1200">
+                <a:ln>
+                  <a:solidFill>
+                    <a:schemeClr val="bg1">
+                      <a:lumMod val="75000"/>
+                      <a:lumOff val="25000"/>
+                      <a:alpha val="10000"/>
+                    </a:schemeClr>
+                  </a:solidFill>
+                </a:ln>
+                <a:solidFill>
+                  <a:schemeClr val="dk1"/>
+                </a:solidFill>
+                <a:effectLst>
+                  <a:outerShdw blurRad="9525" dist="25400" dir="14640000" algn="tl" rotWithShape="0">
+                    <a:schemeClr val="bg1">
+                      <a:alpha val="30000"/>
+                    </a:schemeClr>
+                  </a:outerShdw>
+                </a:effectLst>
+                <a:latin typeface="+mn-lt"/>
+                <a:ea typeface="+mn-ea"/>
+                <a:cs typeface="+mn-cs"/>
+              </a:defRPr>
+            </a:lvl1pPr>
+            <a:lvl2pPr marL="720000" indent="-270000" algn="l" defTabSz="457200" rtl="0" eaLnBrk="1" latinLnBrk="0" hangingPunct="1">
+              <a:spcBef>
+                <a:spcPct val="20000"/>
+              </a:spcBef>
+              <a:spcAft>
+                <a:spcPts val="600"/>
+              </a:spcAft>
+              <a:buClr>
+                <a:schemeClr val="tx2"/>
+              </a:buClr>
+              <a:buSzPct val="70000"/>
+              <a:buFont typeface="Wingdings 2" charset="2"/>
+              <a:buChar char=""/>
+              <a:defRPr sz="1800" kern="1200">
+                <a:ln>
+                  <a:solidFill>
+                    <a:schemeClr val="bg1">
+                      <a:lumMod val="75000"/>
+                      <a:lumOff val="25000"/>
+                      <a:alpha val="10000"/>
+                    </a:schemeClr>
+                  </a:solidFill>
+                </a:ln>
+                <a:solidFill>
+                  <a:schemeClr val="dk1"/>
+                </a:solidFill>
+                <a:effectLst>
+                  <a:outerShdw blurRad="9525" dist="25400" dir="14640000" algn="tl" rotWithShape="0">
+                    <a:schemeClr val="bg1">
+                      <a:alpha val="30000"/>
+                    </a:schemeClr>
+                  </a:outerShdw>
+                </a:effectLst>
+                <a:latin typeface="+mn-lt"/>
+                <a:ea typeface="+mn-ea"/>
+                <a:cs typeface="+mn-cs"/>
+              </a:defRPr>
+            </a:lvl2pPr>
+            <a:lvl3pPr marL="1026000" indent="-216000" algn="l" defTabSz="457200" rtl="0" eaLnBrk="1" latinLnBrk="0" hangingPunct="1">
+              <a:spcBef>
+                <a:spcPct val="20000"/>
+              </a:spcBef>
+              <a:spcAft>
+                <a:spcPts val="600"/>
+              </a:spcAft>
+              <a:buClr>
+                <a:schemeClr val="tx2"/>
+              </a:buClr>
+              <a:buSzPct val="70000"/>
+              <a:buFont typeface="Wingdings 2" charset="2"/>
+              <a:buChar char=""/>
+              <a:defRPr sz="1600" kern="1200">
+                <a:ln>
+                  <a:solidFill>
+                    <a:schemeClr val="bg1">
+                      <a:lumMod val="75000"/>
+                      <a:lumOff val="25000"/>
+                      <a:alpha val="10000"/>
+                    </a:schemeClr>
+                  </a:solidFill>
+                </a:ln>
+                <a:solidFill>
+                  <a:schemeClr val="dk1"/>
+                </a:solidFill>
+                <a:effectLst>
+                  <a:outerShdw blurRad="9525" dist="25400" dir="14640000" algn="tl" rotWithShape="0">
+                    <a:schemeClr val="bg1">
+                      <a:alpha val="30000"/>
+                    </a:schemeClr>
+                  </a:outerShdw>
+                </a:effectLst>
+                <a:latin typeface="+mn-lt"/>
+                <a:ea typeface="+mn-ea"/>
+                <a:cs typeface="+mn-cs"/>
+              </a:defRPr>
+            </a:lvl3pPr>
+            <a:lvl4pPr marL="1386000" indent="-216000" algn="l" defTabSz="457200" rtl="0" eaLnBrk="1" latinLnBrk="0" hangingPunct="1">
+              <a:spcBef>
+                <a:spcPct val="20000"/>
+              </a:spcBef>
+              <a:spcAft>
+                <a:spcPts val="600"/>
+              </a:spcAft>
+              <a:buClr>
+                <a:schemeClr val="tx2"/>
+              </a:buClr>
+              <a:buSzPct val="70000"/>
+              <a:buFont typeface="Wingdings 2" charset="2"/>
+              <a:buChar char=""/>
+              <a:defRPr sz="1400" kern="1200">
+                <a:ln>
+                  <a:solidFill>
+                    <a:schemeClr val="bg1">
+                      <a:lumMod val="75000"/>
+                      <a:lumOff val="25000"/>
+                      <a:alpha val="10000"/>
+                    </a:schemeClr>
+                  </a:solidFill>
+                </a:ln>
+                <a:solidFill>
+                  <a:schemeClr val="dk1"/>
+                </a:solidFill>
+                <a:effectLst>
+                  <a:outerShdw blurRad="9525" dist="25400" dir="14640000" algn="tl" rotWithShape="0">
+                    <a:schemeClr val="bg1">
+                      <a:alpha val="30000"/>
+                    </a:schemeClr>
+                  </a:outerShdw>
+                </a:effectLst>
+                <a:latin typeface="+mn-lt"/>
+                <a:ea typeface="+mn-ea"/>
+                <a:cs typeface="+mn-cs"/>
+              </a:defRPr>
+            </a:lvl4pPr>
+            <a:lvl5pPr marL="1674000" indent="-216000" algn="l" defTabSz="457200" rtl="0" eaLnBrk="1" latinLnBrk="0" hangingPunct="1">
+              <a:spcBef>
+                <a:spcPct val="20000"/>
+              </a:spcBef>
+              <a:spcAft>
+                <a:spcPts val="600"/>
+              </a:spcAft>
+              <a:buClr>
+                <a:schemeClr val="tx2"/>
+              </a:buClr>
+              <a:buSzPct val="70000"/>
+              <a:buFont typeface="Wingdings 2" charset="2"/>
+              <a:buChar char=""/>
+              <a:defRPr sz="1400" kern="1200">
+                <a:ln>
+                  <a:solidFill>
+                    <a:schemeClr val="bg1">
+                      <a:lumMod val="75000"/>
+                      <a:lumOff val="25000"/>
+                      <a:alpha val="10000"/>
+                    </a:schemeClr>
+                  </a:solidFill>
+                </a:ln>
+                <a:solidFill>
+                  <a:schemeClr val="dk1"/>
+                </a:solidFill>
+                <a:effectLst>
+                  <a:outerShdw blurRad="9525" dist="25400" dir="14640000" algn="tl" rotWithShape="0">
+                    <a:schemeClr val="bg1">
+                      <a:alpha val="30000"/>
+                    </a:schemeClr>
+                  </a:outerShdw>
+                </a:effectLst>
+                <a:latin typeface="+mn-lt"/>
+                <a:ea typeface="+mn-ea"/>
+                <a:cs typeface="+mn-cs"/>
+              </a:defRPr>
+            </a:lvl5pPr>
+            <a:lvl6pPr marL="2014600" indent="-228600" algn="l" defTabSz="457200" rtl="0" eaLnBrk="1" latinLnBrk="0" hangingPunct="1">
+              <a:spcBef>
+                <a:spcPct val="20000"/>
+              </a:spcBef>
+              <a:spcAft>
+                <a:spcPts val="600"/>
+              </a:spcAft>
+              <a:buClr>
+                <a:schemeClr val="tx2"/>
+              </a:buClr>
+              <a:buSzPct val="70000"/>
+              <a:buFont typeface="Wingdings 2" charset="2"/>
+              <a:buChar char=""/>
+              <a:defRPr sz="1400" kern="1200">
+                <a:ln>
+                  <a:solidFill>
+                    <a:schemeClr val="bg1">
+                      <a:lumMod val="75000"/>
+                      <a:lumOff val="25000"/>
+                      <a:alpha val="10000"/>
+                    </a:schemeClr>
+                  </a:solidFill>
+                </a:ln>
+                <a:solidFill>
+                  <a:schemeClr val="dk1"/>
+                </a:solidFill>
+                <a:effectLst>
+                  <a:outerShdw blurRad="9525" dist="25400" dir="14640000" algn="tl" rotWithShape="0">
+                    <a:schemeClr val="bg1">
+                      <a:alpha val="30000"/>
+                    </a:schemeClr>
+                  </a:outerShdw>
+                </a:effectLst>
+                <a:latin typeface="+mn-lt"/>
+                <a:ea typeface="+mn-ea"/>
+                <a:cs typeface="+mn-cs"/>
+              </a:defRPr>
+            </a:lvl6pPr>
+            <a:lvl7pPr marL="2401800" indent="-228600" algn="l" defTabSz="457200" rtl="0" eaLnBrk="1" latinLnBrk="0" hangingPunct="1">
+              <a:spcBef>
+                <a:spcPct val="20000"/>
+              </a:spcBef>
+              <a:spcAft>
+                <a:spcPts val="600"/>
+              </a:spcAft>
+              <a:buClr>
+                <a:schemeClr val="tx2"/>
+              </a:buClr>
+              <a:buSzPct val="70000"/>
+              <a:buFont typeface="Wingdings 2" charset="2"/>
+              <a:buChar char=""/>
+              <a:defRPr sz="1400" kern="1200">
+                <a:ln>
+                  <a:solidFill>
+                    <a:schemeClr val="bg1">
+                      <a:lumMod val="75000"/>
+                      <a:lumOff val="25000"/>
+                      <a:alpha val="10000"/>
+                    </a:schemeClr>
+                  </a:solidFill>
+                </a:ln>
+                <a:solidFill>
+                  <a:schemeClr val="dk1"/>
+                </a:solidFill>
+                <a:effectLst>
+                  <a:outerShdw blurRad="9525" dist="25400" dir="14640000" algn="tl" rotWithShape="0">
+                    <a:schemeClr val="bg1">
+                      <a:alpha val="30000"/>
+                    </a:schemeClr>
+                  </a:outerShdw>
+                </a:effectLst>
+                <a:latin typeface="+mn-lt"/>
+                <a:ea typeface="+mn-ea"/>
+                <a:cs typeface="+mn-cs"/>
+              </a:defRPr>
+            </a:lvl7pPr>
+            <a:lvl8pPr marL="2789000" indent="-228600" algn="l" defTabSz="457200" rtl="0" eaLnBrk="1" latinLnBrk="0" hangingPunct="1">
+              <a:spcBef>
+                <a:spcPct val="20000"/>
+              </a:spcBef>
+              <a:spcAft>
+                <a:spcPts val="600"/>
+              </a:spcAft>
+              <a:buClr>
+                <a:schemeClr val="tx2"/>
+              </a:buClr>
+              <a:buSzPct val="70000"/>
+              <a:buFont typeface="Wingdings 2" charset="2"/>
+              <a:buChar char=""/>
+              <a:defRPr sz="1400" kern="1200">
+                <a:ln>
+                  <a:solidFill>
+                    <a:schemeClr val="bg1">
+                      <a:lumMod val="75000"/>
+                      <a:lumOff val="25000"/>
+                      <a:alpha val="10000"/>
+                    </a:schemeClr>
+                  </a:solidFill>
+                </a:ln>
+                <a:solidFill>
+                  <a:schemeClr val="dk1"/>
+                </a:solidFill>
+                <a:effectLst>
+                  <a:outerShdw blurRad="9525" dist="25400" dir="14640000" algn="tl" rotWithShape="0">
+                    <a:schemeClr val="bg1">
+                      <a:alpha val="30000"/>
+                    </a:schemeClr>
+                  </a:outerShdw>
+                </a:effectLst>
+                <a:latin typeface="+mn-lt"/>
+                <a:ea typeface="+mn-ea"/>
+                <a:cs typeface="+mn-cs"/>
+              </a:defRPr>
+            </a:lvl8pPr>
+            <a:lvl9pPr marL="3106200" indent="-228600" algn="l" defTabSz="457200" rtl="0" eaLnBrk="1" latinLnBrk="0" hangingPunct="1">
+              <a:spcBef>
+                <a:spcPct val="20000"/>
+              </a:spcBef>
+              <a:spcAft>
+                <a:spcPts val="600"/>
+              </a:spcAft>
+              <a:buClr>
+                <a:schemeClr val="tx2"/>
+              </a:buClr>
+              <a:buSzPct val="70000"/>
+              <a:buFont typeface="Wingdings 2" charset="2"/>
+              <a:buChar char=""/>
+              <a:defRPr sz="1400" kern="1200">
+                <a:ln>
+                  <a:solidFill>
+                    <a:schemeClr val="bg1">
+                      <a:lumMod val="75000"/>
+                      <a:lumOff val="25000"/>
+                      <a:alpha val="10000"/>
+                    </a:schemeClr>
+                  </a:solidFill>
+                </a:ln>
+                <a:solidFill>
+                  <a:schemeClr val="dk1"/>
+                </a:solidFill>
+                <a:effectLst>
+                  <a:outerShdw blurRad="9525" dist="25400" dir="14640000" algn="tl" rotWithShape="0">
+                    <a:schemeClr val="bg1">
+                      <a:alpha val="30000"/>
+                    </a:schemeClr>
+                  </a:outerShdw>
+                </a:effectLst>
+                <a:latin typeface="+mn-lt"/>
+                <a:ea typeface="+mn-ea"/>
+                <a:cs typeface="+mn-cs"/>
+              </a:defRPr>
+            </a:lvl9pPr>
+          </a:lstStyle>
+          <a:p>
+            <a:pPr marL="36900" indent="0">
+              <a:buNone/>
+            </a:pPr>
+            <a:r>
+              <a:rPr lang="en-GB" sz="1600" dirty="0">
+                <a:solidFill>
+                  <a:schemeClr val="tx2"/>
+                </a:solidFill>
+              </a:rPr>
+              <a:t>An implementation of modern CAPTCHA</a:t>
+            </a:r>
+          </a:p>
+          <a:p>
+            <a:pPr>
+              <a:buClr>
+                <a:schemeClr val="accent2">
+                  <a:lumMod val="75000"/>
+                </a:schemeClr>
+              </a:buClr>
+            </a:pPr>
+            <a:r>
+              <a:rPr lang="it-IT" sz="1600" dirty="0">
+                <a:solidFill>
+                  <a:schemeClr val="tx2"/>
+                </a:solidFill>
+              </a:rPr>
+              <a:t>an </a:t>
+            </a:r>
+            <a:r>
+              <a:rPr lang="it-IT" sz="1600" dirty="0" err="1">
+                <a:solidFill>
+                  <a:schemeClr val="tx2"/>
+                </a:solidFill>
+              </a:rPr>
+              <a:t>accelerometer</a:t>
+            </a:r>
+            <a:r>
+              <a:rPr lang="it-IT" sz="1600" dirty="0">
+                <a:solidFill>
+                  <a:schemeClr val="tx2"/>
+                </a:solidFill>
+              </a:rPr>
+              <a:t> side-</a:t>
+            </a:r>
+            <a:r>
+              <a:rPr lang="it-IT" sz="1600" dirty="0" err="1">
+                <a:solidFill>
+                  <a:schemeClr val="tx2"/>
+                </a:solidFill>
+              </a:rPr>
+              <a:t>channel</a:t>
+            </a:r>
+            <a:endParaRPr lang="it-IT" sz="1600" dirty="0">
+              <a:solidFill>
+                <a:schemeClr val="tx2"/>
+              </a:solidFill>
+            </a:endParaRPr>
+          </a:p>
+          <a:p>
+            <a:pPr>
+              <a:buClr>
+                <a:schemeClr val="accent2">
+                  <a:lumMod val="75000"/>
+                </a:schemeClr>
+              </a:buClr>
+            </a:pPr>
+            <a:r>
+              <a:rPr lang="it-IT" sz="1600" dirty="0" err="1">
+                <a:solidFill>
+                  <a:schemeClr val="tx2"/>
+                </a:solidFill>
+              </a:rPr>
+              <a:t>difference</a:t>
+            </a:r>
+            <a:r>
+              <a:rPr lang="it-IT" sz="1600" dirty="0">
+                <a:solidFill>
+                  <a:schemeClr val="tx2"/>
+                </a:solidFill>
+              </a:rPr>
+              <a:t> </a:t>
+            </a:r>
+            <a:r>
+              <a:rPr lang="it-IT" sz="1600" dirty="0" err="1">
+                <a:solidFill>
+                  <a:schemeClr val="tx2"/>
+                </a:solidFill>
+              </a:rPr>
+              <a:t>between</a:t>
+            </a:r>
+            <a:r>
+              <a:rPr lang="it-IT" sz="1600" dirty="0">
+                <a:solidFill>
+                  <a:schemeClr val="tx2"/>
+                </a:solidFill>
+              </a:rPr>
+              <a:t> hardware </a:t>
+            </a:r>
+            <a:r>
+              <a:rPr lang="it-IT" sz="1600" dirty="0" err="1">
+                <a:solidFill>
+                  <a:schemeClr val="tx2"/>
+                </a:solidFill>
+              </a:rPr>
+              <a:t>vibrations</a:t>
+            </a:r>
+            <a:r>
+              <a:rPr lang="it-IT" sz="1600" dirty="0">
+                <a:solidFill>
+                  <a:schemeClr val="tx2"/>
+                </a:solidFill>
+              </a:rPr>
+              <a:t> and hand </a:t>
+            </a:r>
+            <a:r>
+              <a:rPr lang="it-IT" sz="1600" dirty="0" err="1">
+                <a:solidFill>
+                  <a:schemeClr val="tx2"/>
+                </a:solidFill>
+              </a:rPr>
+              <a:t>movements</a:t>
+            </a:r>
+            <a:r>
+              <a:rPr lang="it-IT" sz="1600" dirty="0">
+                <a:solidFill>
+                  <a:schemeClr val="tx2"/>
+                </a:solidFill>
+              </a:rPr>
+              <a:t> </a:t>
+            </a:r>
+            <a:r>
+              <a:rPr lang="it-IT" sz="1600" dirty="0" err="1">
+                <a:solidFill>
+                  <a:schemeClr val="tx2"/>
+                </a:solidFill>
+              </a:rPr>
+              <a:t>during</a:t>
+            </a:r>
+            <a:r>
+              <a:rPr lang="it-IT" sz="1600" dirty="0">
+                <a:solidFill>
+                  <a:schemeClr val="tx2"/>
+                </a:solidFill>
+              </a:rPr>
+              <a:t> the </a:t>
+            </a:r>
+            <a:r>
+              <a:rPr lang="it-IT" sz="1600" dirty="0" err="1">
+                <a:solidFill>
+                  <a:schemeClr val="tx2"/>
+                </a:solidFill>
+              </a:rPr>
+              <a:t>insertion</a:t>
+            </a:r>
+            <a:r>
+              <a:rPr lang="it-IT" sz="1600" dirty="0">
+                <a:solidFill>
+                  <a:schemeClr val="tx2"/>
+                </a:solidFill>
+              </a:rPr>
+              <a:t> of the password</a:t>
+            </a:r>
+          </a:p>
+        </p:txBody>
+      </p:sp>
+    </p:spTree>
+    <p:extLst>
+      <p:ext uri="{BB962C8B-B14F-4D97-AF65-F5344CB8AC3E}">
+        <p14:creationId xmlns:p14="http://schemas.microsoft.com/office/powerpoint/2010/main" val="3384783535"/>
+      </p:ext>
+    </p:extLst>
+  </p:cSld>
+  <p:clrMapOvr>
+    <a:masterClrMapping/>
+  </p:clrMapOvr>
+  <p:timing>
+    <p:tnLst>
+      <p:par>
+        <p:cTn id="1" dur="indefinite" restart="never" nodeType="tmRoot">
+          <p:childTnLst>
+            <p:seq concurrent="1" nextAc="seek">
+              <p:cTn id="2" dur="indefinite" nodeType="mainSeq">
+                <p:childTnLst>
+                  <p:par>
+                    <p:cTn id="3" fill="hold">
+                      <p:stCondLst>
+                        <p:cond delay="indefinite"/>
+                      </p:stCondLst>
+                      <p:childTnLst>
+                        <p:par>
+                          <p:cTn id="4" fill="hold">
+                            <p:stCondLst>
+                              <p:cond delay="0"/>
+                            </p:stCondLst>
+                            <p:childTnLst>
+                              <p:par>
+                                <p:cTn id="5" presetID="10" presetClass="entr" presetSubtype="0" fill="hold" grpId="0" nodeType="clickEffect">
+                                  <p:stCondLst>
+                                    <p:cond delay="0"/>
+                                  </p:stCondLst>
+                                  <p:childTnLst>
+                                    <p:set>
+                                      <p:cBhvr>
+                                        <p:cTn id="6" dur="1" fill="hold">
+                                          <p:stCondLst>
+                                            <p:cond delay="0"/>
+                                          </p:stCondLst>
+                                        </p:cTn>
+                                        <p:tgtEl>
+                                          <p:spTgt spid="10"/>
+                                        </p:tgtEl>
+                                        <p:attrNameLst>
+                                          <p:attrName>style.visibility</p:attrName>
+                                        </p:attrNameLst>
+                                      </p:cBhvr>
+                                      <p:to>
+                                        <p:strVal val="visible"/>
+                                      </p:to>
+                                    </p:set>
+                                    <p:animEffect transition="in" filter="fade">
+                                      <p:cBhvr>
+                                        <p:cTn id="7" dur="500"/>
+                                        <p:tgtEl>
+                                          <p:spTgt spid="10"/>
+                                        </p:tgtEl>
+                                      </p:cBhvr>
+                                    </p:animEffect>
+                                  </p:childTnLst>
+                                </p:cTn>
+                              </p:par>
+                              <p:par>
+                                <p:cTn id="8" presetID="10" presetClass="entr" presetSubtype="0" fill="hold" grpId="0" nodeType="withEffect">
+                                  <p:stCondLst>
+                                    <p:cond delay="0"/>
+                                  </p:stCondLst>
+                                  <p:childTnLst>
+                                    <p:set>
+                                      <p:cBhvr>
+                                        <p:cTn id="9" dur="1" fill="hold">
+                                          <p:stCondLst>
+                                            <p:cond delay="0"/>
+                                          </p:stCondLst>
+                                        </p:cTn>
+                                        <p:tgtEl>
+                                          <p:spTgt spid="9"/>
+                                        </p:tgtEl>
+                                        <p:attrNameLst>
+                                          <p:attrName>style.visibility</p:attrName>
+                                        </p:attrNameLst>
+                                      </p:cBhvr>
+                                      <p:to>
+                                        <p:strVal val="visible"/>
+                                      </p:to>
+                                    </p:set>
+                                    <p:animEffect transition="in" filter="fade">
+                                      <p:cBhvr>
+                                        <p:cTn id="10" dur="500"/>
+                                        <p:tgtEl>
+                                          <p:spTgt spid="9"/>
+                                        </p:tgtEl>
+                                      </p:cBhvr>
+                                    </p:animEffect>
+                                  </p:childTnLst>
+                                </p:cTn>
+                              </p:par>
+                              <p:par>
+                                <p:cTn id="11" presetID="10" presetClass="entr" presetSubtype="0" fill="hold" grpId="0" nodeType="withEffect">
+                                  <p:stCondLst>
+                                    <p:cond delay="0"/>
+                                  </p:stCondLst>
+                                  <p:childTnLst>
+                                    <p:set>
+                                      <p:cBhvr>
+                                        <p:cTn id="12" dur="1" fill="hold">
+                                          <p:stCondLst>
+                                            <p:cond delay="0"/>
+                                          </p:stCondLst>
+                                        </p:cTn>
+                                        <p:tgtEl>
+                                          <p:spTgt spid="11"/>
+                                        </p:tgtEl>
+                                        <p:attrNameLst>
+                                          <p:attrName>style.visibility</p:attrName>
+                                        </p:attrNameLst>
+                                      </p:cBhvr>
+                                      <p:to>
+                                        <p:strVal val="visible"/>
+                                      </p:to>
+                                    </p:set>
+                                    <p:animEffect transition="in" filter="fade">
+                                      <p:cBhvr>
+                                        <p:cTn id="13" dur="500"/>
+                                        <p:tgtEl>
+                                          <p:spTgt spid="11"/>
+                                        </p:tgtEl>
+                                      </p:cBhvr>
+                                    </p:animEffect>
+                                  </p:childTnLst>
+                                </p:cTn>
+                              </p:par>
+                            </p:childTnLst>
+                          </p:cTn>
+                        </p:par>
+                      </p:childTnLst>
+                    </p:cTn>
+                  </p:par>
+                </p:childTnLst>
+              </p:cTn>
+              <p:prevCondLst>
+                <p:cond evt="onPrev" delay="0">
+                  <p:tgtEl>
+                    <p:sldTgt/>
+                  </p:tgtEl>
+                </p:cond>
+              </p:prevCondLst>
+              <p:nextCondLst>
+                <p:cond evt="onNext" delay="0">
+                  <p:tgtEl>
+                    <p:sldTgt/>
+                  </p:tgtEl>
+                </p:cond>
+              </p:nextCondLst>
+            </p:seq>
+          </p:childTnLst>
+        </p:cTn>
+      </p:par>
+    </p:tnLst>
+    <p:bldLst>
+      <p:bldP spid="9" grpId="0"/>
+      <p:bldP spid="10" grpId="0" animBg="1"/>
+      <p:bldP spid="11" grpId="0"/>
+    </p:bldLst>
+  </p:timing>
+</p:sld>
+</file>
+
+<file path=ppt/slides/slide4.xml><?xml version="1.0" encoding="utf-8"?>
 <p:sld xmlns:a="http://schemas.openxmlformats.org/drawingml/2006/main" xmlns:r="http://schemas.openxmlformats.org/officeDocument/2006/relationships" xmlns:p="http://schemas.openxmlformats.org/presentationml/2006/main">
   <p:cSld>
     <p:spTree>
@@ -9171,7 +13178,7 @@
         </p:nvSpPr>
         <p:spPr>
           <a:xfrm>
-            <a:off x="1227223" y="387075"/>
+            <a:off x="1227221" y="392168"/>
             <a:ext cx="6589231" cy="1172153"/>
           </a:xfrm>
         </p:spPr>
@@ -9197,98 +13204,6 @@
               <a:t>(Acoustic CAPPCHA)</a:t>
             </a:r>
             <a:endParaRPr lang="it-IT" dirty="0"/>
-          </a:p>
-        </p:txBody>
-      </p:sp>
-      <p:sp>
-        <p:nvSpPr>
-          <p:cNvPr id="3" name="Segnaposto contenuto 2">
-            <a:extLst>
-              <a:ext uri="{FF2B5EF4-FFF2-40B4-BE49-F238E27FC236}">
-                <a16:creationId xmlns:a16="http://schemas.microsoft.com/office/drawing/2014/main" id="{82694EFF-6A50-4BDD-A718-DCEA2F0A6D0D}"/>
-              </a:ext>
-            </a:extLst>
-          </p:cNvPr>
-          <p:cNvSpPr>
-            <a:spLocks noGrp="1"/>
-          </p:cNvSpPr>
-          <p:nvPr>
-            <p:ph sz="half" idx="1"/>
-          </p:nvPr>
-        </p:nvSpPr>
-        <p:spPr>
-          <a:xfrm>
-            <a:off x="473247" y="3356786"/>
-            <a:ext cx="3330713" cy="1577840"/>
-          </a:xfrm>
-          <a:solidFill>
-            <a:schemeClr val="accent2">
-              <a:lumMod val="75000"/>
-            </a:schemeClr>
-          </a:solidFill>
-          <a:ln>
-            <a:noFill/>
-          </a:ln>
-          <a:effectLst>
-            <a:glow rad="228600">
-              <a:srgbClr val="0070C0">
-                <a:alpha val="40000"/>
-              </a:srgbClr>
-            </a:glow>
-          </a:effectLst>
-        </p:spPr>
-        <p:style>
-          <a:lnRef idx="2">
-            <a:schemeClr val="accent2"/>
-          </a:lnRef>
-          <a:fillRef idx="1">
-            <a:schemeClr val="lt1"/>
-          </a:fillRef>
-          <a:effectRef idx="0">
-            <a:schemeClr val="accent2"/>
-          </a:effectRef>
-          <a:fontRef idx="minor">
-            <a:schemeClr val="dk1"/>
-          </a:fontRef>
-        </p:style>
-        <p:txBody>
-          <a:bodyPr>
-            <a:noAutofit/>
-          </a:bodyPr>
-          <a:lstStyle/>
-          <a:p>
-            <a:pPr>
-              <a:buClr>
-                <a:srgbClr val="0070C0"/>
-              </a:buClr>
-            </a:pPr>
-            <a:r>
-              <a:rPr lang="en-GB" sz="1600" dirty="0"/>
-              <a:t>Noise evaluation</a:t>
-            </a:r>
-          </a:p>
-          <a:p>
-            <a:pPr>
-              <a:buClr>
-                <a:srgbClr val="0070C0"/>
-              </a:buClr>
-            </a:pPr>
-            <a:r>
-              <a:rPr lang="en-GB" sz="1600" dirty="0"/>
-              <a:t>Evaluation of the user’s activity during the password insertion</a:t>
-            </a:r>
-          </a:p>
-          <a:p>
-            <a:pPr>
-              <a:buClr>
-                <a:srgbClr val="0070C0"/>
-              </a:buClr>
-            </a:pPr>
-            <a:r>
-              <a:rPr lang="en-GB" sz="1600" dirty="0"/>
-              <a:t>Communication between client and server</a:t>
-            </a:r>
-            <a:endParaRPr lang="it-IT" sz="1600" dirty="0"/>
           </a:p>
         </p:txBody>
       </p:sp>
@@ -9354,7 +13269,7 @@
           <a:p>
             <a:fld id="{8DF98BA9-0B5D-48FD-8864-41A23C2934CC}" type="slidenum">
               <a:rPr lang="it-IT" sz="1100"/>
-              <a:t>2</a:t>
+              <a:t>3</a:t>
             </a:fld>
             <a:endParaRPr lang="it-IT" sz="1100"/>
           </a:p>
@@ -9390,512 +13305,6 @@
       </p:sp>
       <p:sp>
         <p:nvSpPr>
-          <p:cNvPr id="9" name="Segnaposto contenuto 2">
-            <a:extLst>
-              <a:ext uri="{FF2B5EF4-FFF2-40B4-BE49-F238E27FC236}">
-                <a16:creationId xmlns:a16="http://schemas.microsoft.com/office/drawing/2014/main" id="{7ACA4234-3B2A-4CF1-AA13-B4FFC7816778}"/>
-              </a:ext>
-            </a:extLst>
-          </p:cNvPr>
-          <p:cNvSpPr txBox="1">
-            <a:spLocks/>
-          </p:cNvSpPr>
-          <p:nvPr/>
-        </p:nvSpPr>
-        <p:spPr>
-          <a:xfrm>
-            <a:off x="0" y="1350110"/>
-            <a:ext cx="9144000" cy="1198326"/>
-          </a:xfrm>
-          <a:prstGeom prst="rect">
-            <a:avLst/>
-          </a:prstGeom>
-          <a:effectLst>
-            <a:outerShdw blurRad="25400" dir="17880000">
-              <a:srgbClr val="000000">
-                <a:alpha val="46000"/>
-              </a:srgbClr>
-            </a:outerShdw>
-          </a:effectLst>
-        </p:spPr>
-        <p:txBody>
-          <a:bodyPr vert="horz" lIns="91440" tIns="45720" rIns="91440" bIns="45720" rtlCol="0" anchor="ctr">
-            <a:normAutofit/>
-          </a:bodyPr>
-          <a:lstStyle>
-            <a:lvl1pPr marL="342900" indent="-306000" algn="l" defTabSz="457200" rtl="0" eaLnBrk="1" latinLnBrk="0" hangingPunct="1">
-              <a:spcBef>
-                <a:spcPct val="20000"/>
-              </a:spcBef>
-              <a:spcAft>
-                <a:spcPts val="600"/>
-              </a:spcAft>
-              <a:buClr>
-                <a:schemeClr val="tx2"/>
-              </a:buClr>
-              <a:buSzPct val="70000"/>
-              <a:buFont typeface="Wingdings 2" charset="2"/>
-              <a:buChar char=""/>
-              <a:defRPr sz="2000" kern="1200">
-                <a:ln>
-                  <a:solidFill>
-                    <a:schemeClr val="bg1">
-                      <a:lumMod val="75000"/>
-                      <a:lumOff val="25000"/>
-                      <a:alpha val="10000"/>
-                    </a:schemeClr>
-                  </a:solidFill>
-                </a:ln>
-                <a:solidFill>
-                  <a:schemeClr val="tx2"/>
-                </a:solidFill>
-                <a:effectLst>
-                  <a:outerShdw blurRad="9525" dist="25400" dir="14640000" algn="tl" rotWithShape="0">
-                    <a:schemeClr val="bg1">
-                      <a:alpha val="30000"/>
-                    </a:schemeClr>
-                  </a:outerShdw>
-                </a:effectLst>
-                <a:latin typeface="+mn-lt"/>
-                <a:ea typeface="+mn-ea"/>
-                <a:cs typeface="+mn-cs"/>
-              </a:defRPr>
-            </a:lvl1pPr>
-            <a:lvl2pPr marL="720000" indent="-270000" algn="l" defTabSz="457200" rtl="0" eaLnBrk="1" latinLnBrk="0" hangingPunct="1">
-              <a:spcBef>
-                <a:spcPct val="20000"/>
-              </a:spcBef>
-              <a:spcAft>
-                <a:spcPts val="600"/>
-              </a:spcAft>
-              <a:buClr>
-                <a:schemeClr val="tx2"/>
-              </a:buClr>
-              <a:buSzPct val="70000"/>
-              <a:buFont typeface="Wingdings 2" charset="2"/>
-              <a:buChar char=""/>
-              <a:defRPr sz="1800" kern="1200">
-                <a:ln>
-                  <a:solidFill>
-                    <a:schemeClr val="bg1">
-                      <a:lumMod val="75000"/>
-                      <a:lumOff val="25000"/>
-                      <a:alpha val="10000"/>
-                    </a:schemeClr>
-                  </a:solidFill>
-                </a:ln>
-                <a:solidFill>
-                  <a:schemeClr val="tx2"/>
-                </a:solidFill>
-                <a:effectLst>
-                  <a:outerShdw blurRad="9525" dist="25400" dir="14640000" algn="tl" rotWithShape="0">
-                    <a:schemeClr val="bg1">
-                      <a:alpha val="30000"/>
-                    </a:schemeClr>
-                  </a:outerShdw>
-                </a:effectLst>
-                <a:latin typeface="+mn-lt"/>
-                <a:ea typeface="+mn-ea"/>
-                <a:cs typeface="+mn-cs"/>
-              </a:defRPr>
-            </a:lvl2pPr>
-            <a:lvl3pPr marL="1026000" indent="-216000" algn="l" defTabSz="457200" rtl="0" eaLnBrk="1" latinLnBrk="0" hangingPunct="1">
-              <a:spcBef>
-                <a:spcPct val="20000"/>
-              </a:spcBef>
-              <a:spcAft>
-                <a:spcPts val="600"/>
-              </a:spcAft>
-              <a:buClr>
-                <a:schemeClr val="tx2"/>
-              </a:buClr>
-              <a:buSzPct val="70000"/>
-              <a:buFont typeface="Wingdings 2" charset="2"/>
-              <a:buChar char=""/>
-              <a:defRPr sz="1600" kern="1200">
-                <a:ln>
-                  <a:solidFill>
-                    <a:schemeClr val="bg1">
-                      <a:lumMod val="75000"/>
-                      <a:lumOff val="25000"/>
-                      <a:alpha val="10000"/>
-                    </a:schemeClr>
-                  </a:solidFill>
-                </a:ln>
-                <a:solidFill>
-                  <a:schemeClr val="tx2"/>
-                </a:solidFill>
-                <a:effectLst>
-                  <a:outerShdw blurRad="9525" dist="25400" dir="14640000" algn="tl" rotWithShape="0">
-                    <a:schemeClr val="bg1">
-                      <a:alpha val="30000"/>
-                    </a:schemeClr>
-                  </a:outerShdw>
-                </a:effectLst>
-                <a:latin typeface="+mn-lt"/>
-                <a:ea typeface="+mn-ea"/>
-                <a:cs typeface="+mn-cs"/>
-              </a:defRPr>
-            </a:lvl3pPr>
-            <a:lvl4pPr marL="1386000" indent="-216000" algn="l" defTabSz="457200" rtl="0" eaLnBrk="1" latinLnBrk="0" hangingPunct="1">
-              <a:spcBef>
-                <a:spcPct val="20000"/>
-              </a:spcBef>
-              <a:spcAft>
-                <a:spcPts val="600"/>
-              </a:spcAft>
-              <a:buClr>
-                <a:schemeClr val="tx2"/>
-              </a:buClr>
-              <a:buSzPct val="70000"/>
-              <a:buFont typeface="Wingdings 2" charset="2"/>
-              <a:buChar char=""/>
-              <a:defRPr sz="1400" kern="1200">
-                <a:ln>
-                  <a:solidFill>
-                    <a:schemeClr val="bg1">
-                      <a:lumMod val="75000"/>
-                      <a:lumOff val="25000"/>
-                      <a:alpha val="10000"/>
-                    </a:schemeClr>
-                  </a:solidFill>
-                </a:ln>
-                <a:solidFill>
-                  <a:schemeClr val="tx2"/>
-                </a:solidFill>
-                <a:effectLst>
-                  <a:outerShdw blurRad="9525" dist="25400" dir="14640000" algn="tl" rotWithShape="0">
-                    <a:schemeClr val="bg1">
-                      <a:alpha val="30000"/>
-                    </a:schemeClr>
-                  </a:outerShdw>
-                </a:effectLst>
-                <a:latin typeface="+mn-lt"/>
-                <a:ea typeface="+mn-ea"/>
-                <a:cs typeface="+mn-cs"/>
-              </a:defRPr>
-            </a:lvl4pPr>
-            <a:lvl5pPr marL="1674000" indent="-216000" algn="l" defTabSz="457200" rtl="0" eaLnBrk="1" latinLnBrk="0" hangingPunct="1">
-              <a:spcBef>
-                <a:spcPct val="20000"/>
-              </a:spcBef>
-              <a:spcAft>
-                <a:spcPts val="600"/>
-              </a:spcAft>
-              <a:buClr>
-                <a:schemeClr val="tx2"/>
-              </a:buClr>
-              <a:buSzPct val="70000"/>
-              <a:buFont typeface="Wingdings 2" charset="2"/>
-              <a:buChar char=""/>
-              <a:defRPr sz="1400" kern="1200">
-                <a:ln>
-                  <a:solidFill>
-                    <a:schemeClr val="bg1">
-                      <a:lumMod val="75000"/>
-                      <a:lumOff val="25000"/>
-                      <a:alpha val="10000"/>
-                    </a:schemeClr>
-                  </a:solidFill>
-                </a:ln>
-                <a:solidFill>
-                  <a:schemeClr val="tx2"/>
-                </a:solidFill>
-                <a:effectLst>
-                  <a:outerShdw blurRad="9525" dist="25400" dir="14640000" algn="tl" rotWithShape="0">
-                    <a:schemeClr val="bg1">
-                      <a:alpha val="30000"/>
-                    </a:schemeClr>
-                  </a:outerShdw>
-                </a:effectLst>
-                <a:latin typeface="+mn-lt"/>
-                <a:ea typeface="+mn-ea"/>
-                <a:cs typeface="+mn-cs"/>
-              </a:defRPr>
-            </a:lvl5pPr>
-            <a:lvl6pPr marL="2014600" indent="-228600" algn="l" defTabSz="457200" rtl="0" eaLnBrk="1" latinLnBrk="0" hangingPunct="1">
-              <a:spcBef>
-                <a:spcPct val="20000"/>
-              </a:spcBef>
-              <a:spcAft>
-                <a:spcPts val="600"/>
-              </a:spcAft>
-              <a:buClr>
-                <a:schemeClr val="tx2"/>
-              </a:buClr>
-              <a:buSzPct val="70000"/>
-              <a:buFont typeface="Wingdings 2" charset="2"/>
-              <a:buChar char=""/>
-              <a:defRPr sz="1400" kern="1200">
-                <a:ln>
-                  <a:solidFill>
-                    <a:schemeClr val="bg1">
-                      <a:lumMod val="75000"/>
-                      <a:lumOff val="25000"/>
-                      <a:alpha val="10000"/>
-                    </a:schemeClr>
-                  </a:solidFill>
-                </a:ln>
-                <a:solidFill>
-                  <a:schemeClr val="tx2"/>
-                </a:solidFill>
-                <a:effectLst>
-                  <a:outerShdw blurRad="9525" dist="25400" dir="14640000" algn="tl" rotWithShape="0">
-                    <a:schemeClr val="bg1">
-                      <a:alpha val="30000"/>
-                    </a:schemeClr>
-                  </a:outerShdw>
-                </a:effectLst>
-                <a:latin typeface="+mn-lt"/>
-                <a:ea typeface="+mn-ea"/>
-                <a:cs typeface="+mn-cs"/>
-              </a:defRPr>
-            </a:lvl6pPr>
-            <a:lvl7pPr marL="2401800" indent="-228600" algn="l" defTabSz="457200" rtl="0" eaLnBrk="1" latinLnBrk="0" hangingPunct="1">
-              <a:spcBef>
-                <a:spcPct val="20000"/>
-              </a:spcBef>
-              <a:spcAft>
-                <a:spcPts val="600"/>
-              </a:spcAft>
-              <a:buClr>
-                <a:schemeClr val="tx2"/>
-              </a:buClr>
-              <a:buSzPct val="70000"/>
-              <a:buFont typeface="Wingdings 2" charset="2"/>
-              <a:buChar char=""/>
-              <a:defRPr sz="1400" kern="1200">
-                <a:ln>
-                  <a:solidFill>
-                    <a:schemeClr val="bg1">
-                      <a:lumMod val="75000"/>
-                      <a:lumOff val="25000"/>
-                      <a:alpha val="10000"/>
-                    </a:schemeClr>
-                  </a:solidFill>
-                </a:ln>
-                <a:solidFill>
-                  <a:schemeClr val="tx2"/>
-                </a:solidFill>
-                <a:effectLst>
-                  <a:outerShdw blurRad="9525" dist="25400" dir="14640000" algn="tl" rotWithShape="0">
-                    <a:schemeClr val="bg1">
-                      <a:alpha val="30000"/>
-                    </a:schemeClr>
-                  </a:outerShdw>
-                </a:effectLst>
-                <a:latin typeface="+mn-lt"/>
-                <a:ea typeface="+mn-ea"/>
-                <a:cs typeface="+mn-cs"/>
-              </a:defRPr>
-            </a:lvl7pPr>
-            <a:lvl8pPr marL="2789000" indent="-228600" algn="l" defTabSz="457200" rtl="0" eaLnBrk="1" latinLnBrk="0" hangingPunct="1">
-              <a:spcBef>
-                <a:spcPct val="20000"/>
-              </a:spcBef>
-              <a:spcAft>
-                <a:spcPts val="600"/>
-              </a:spcAft>
-              <a:buClr>
-                <a:schemeClr val="tx2"/>
-              </a:buClr>
-              <a:buSzPct val="70000"/>
-              <a:buFont typeface="Wingdings 2" charset="2"/>
-              <a:buChar char=""/>
-              <a:defRPr sz="1400" kern="1200">
-                <a:ln>
-                  <a:solidFill>
-                    <a:schemeClr val="bg1">
-                      <a:lumMod val="75000"/>
-                      <a:lumOff val="25000"/>
-                      <a:alpha val="10000"/>
-                    </a:schemeClr>
-                  </a:solidFill>
-                </a:ln>
-                <a:solidFill>
-                  <a:schemeClr val="tx2"/>
-                </a:solidFill>
-                <a:effectLst>
-                  <a:outerShdw blurRad="9525" dist="25400" dir="14640000" algn="tl" rotWithShape="0">
-                    <a:schemeClr val="bg1">
-                      <a:alpha val="30000"/>
-                    </a:schemeClr>
-                  </a:outerShdw>
-                </a:effectLst>
-                <a:latin typeface="+mn-lt"/>
-                <a:ea typeface="+mn-ea"/>
-                <a:cs typeface="+mn-cs"/>
-              </a:defRPr>
-            </a:lvl8pPr>
-            <a:lvl9pPr marL="3106200" indent="-228600" algn="l" defTabSz="457200" rtl="0" eaLnBrk="1" latinLnBrk="0" hangingPunct="1">
-              <a:spcBef>
-                <a:spcPct val="20000"/>
-              </a:spcBef>
-              <a:spcAft>
-                <a:spcPts val="600"/>
-              </a:spcAft>
-              <a:buClr>
-                <a:schemeClr val="tx2"/>
-              </a:buClr>
-              <a:buSzPct val="70000"/>
-              <a:buFont typeface="Wingdings 2" charset="2"/>
-              <a:buChar char=""/>
-              <a:defRPr sz="1400" kern="1200">
-                <a:ln>
-                  <a:solidFill>
-                    <a:schemeClr val="bg1">
-                      <a:lumMod val="75000"/>
-                      <a:lumOff val="25000"/>
-                      <a:alpha val="10000"/>
-                    </a:schemeClr>
-                  </a:solidFill>
-                </a:ln>
-                <a:solidFill>
-                  <a:schemeClr val="tx2"/>
-                </a:solidFill>
-                <a:effectLst>
-                  <a:outerShdw blurRad="9525" dist="25400" dir="14640000" algn="tl" rotWithShape="0">
-                    <a:schemeClr val="bg1">
-                      <a:alpha val="30000"/>
-                    </a:schemeClr>
-                  </a:outerShdw>
-                </a:effectLst>
-                <a:latin typeface="+mn-lt"/>
-                <a:ea typeface="+mn-ea"/>
-                <a:cs typeface="+mn-cs"/>
-              </a:defRPr>
-            </a:lvl9pPr>
-          </a:lstStyle>
-          <a:p>
-            <a:pPr algn="ctr">
-              <a:buClr>
-                <a:schemeClr val="accent2">
-                  <a:lumMod val="75000"/>
-                </a:schemeClr>
-              </a:buClr>
-            </a:pPr>
-            <a:r>
-              <a:rPr lang="it-IT" sz="1600" dirty="0" err="1"/>
-              <a:t>It</a:t>
-            </a:r>
-            <a:r>
-              <a:rPr lang="it-IT" sz="1600" dirty="0"/>
-              <a:t> takes </a:t>
-            </a:r>
-            <a:r>
-              <a:rPr lang="it-IT" sz="1600" dirty="0" err="1"/>
-              <a:t>inspiration</a:t>
-            </a:r>
-            <a:r>
-              <a:rPr lang="it-IT" sz="1600" dirty="0"/>
-              <a:t> from </a:t>
-            </a:r>
-            <a:r>
-              <a:rPr lang="it-IT" sz="1600" dirty="0" err="1"/>
-              <a:t>Invisible</a:t>
-            </a:r>
-            <a:r>
-              <a:rPr lang="it-IT" sz="1600" dirty="0"/>
-              <a:t> CAPPCHA</a:t>
-            </a:r>
-          </a:p>
-          <a:p>
-            <a:pPr algn="ctr">
-              <a:buClr>
-                <a:schemeClr val="accent2">
-                  <a:lumMod val="75000"/>
-                </a:schemeClr>
-              </a:buClr>
-            </a:pPr>
-            <a:r>
-              <a:rPr lang="it-IT" sz="1600" dirty="0" err="1"/>
-              <a:t>It</a:t>
-            </a:r>
-            <a:r>
-              <a:rPr lang="it-IT" sz="1600" dirty="0"/>
-              <a:t> </a:t>
-            </a:r>
-            <a:r>
-              <a:rPr lang="it-IT" sz="1600" dirty="0" err="1"/>
-              <a:t>is</a:t>
-            </a:r>
-            <a:r>
-              <a:rPr lang="it-IT" sz="1600" dirty="0"/>
-              <a:t> </a:t>
-            </a:r>
-            <a:r>
-              <a:rPr lang="it-IT" sz="1600" dirty="0" err="1"/>
-              <a:t>based</a:t>
-            </a:r>
-            <a:r>
-              <a:rPr lang="it-IT" sz="1600" dirty="0"/>
-              <a:t> on the </a:t>
-            </a:r>
-            <a:r>
-              <a:rPr lang="it-IT" sz="1600" dirty="0" err="1"/>
-              <a:t>analysis</a:t>
-            </a:r>
-            <a:r>
-              <a:rPr lang="it-IT" sz="1600" dirty="0"/>
-              <a:t> of an acoustic side-</a:t>
-            </a:r>
-            <a:r>
-              <a:rPr lang="it-IT" sz="1600" dirty="0" err="1"/>
-              <a:t>channel</a:t>
-            </a:r>
-            <a:r>
-              <a:rPr lang="en-GB" sz="1600" dirty="0"/>
-              <a:t> of the PC microphone </a:t>
-            </a:r>
-          </a:p>
-        </p:txBody>
-      </p:sp>
-      <p:sp>
-        <p:nvSpPr>
-          <p:cNvPr id="12" name="CasellaDiTesto 11">
-            <a:extLst>
-              <a:ext uri="{FF2B5EF4-FFF2-40B4-BE49-F238E27FC236}">
-                <a16:creationId xmlns:a16="http://schemas.microsoft.com/office/drawing/2014/main" id="{84A21BA2-635A-4D24-B1DC-95A2E07600E2}"/>
-              </a:ext>
-            </a:extLst>
-          </p:cNvPr>
-          <p:cNvSpPr txBox="1"/>
-          <p:nvPr/>
-        </p:nvSpPr>
-        <p:spPr>
-          <a:xfrm>
-            <a:off x="435114" y="2816896"/>
-            <a:ext cx="3368844" cy="369505"/>
-          </a:xfrm>
-          <a:prstGeom prst="rect">
-            <a:avLst/>
-          </a:prstGeom>
-          <a:noFill/>
-        </p:spPr>
-        <p:txBody>
-          <a:bodyPr wrap="square" rtlCol="0">
-            <a:spAutoFit/>
-          </a:bodyPr>
-          <a:lstStyle/>
-          <a:p>
-            <a:r>
-              <a:rPr lang="en-GB" dirty="0">
-                <a:solidFill>
-                  <a:srgbClr val="0070C0"/>
-                </a:solidFill>
-              </a:rPr>
-              <a:t>Main phases of the analysis:</a:t>
-            </a:r>
-            <a:endParaRPr lang="it-IT" dirty="0">
-              <a:solidFill>
-                <a:srgbClr val="0070C0"/>
-              </a:solidFill>
-            </a:endParaRPr>
-          </a:p>
-        </p:txBody>
-      </p:sp>
-      <p:sp>
-        <p:nvSpPr>
           <p:cNvPr id="15" name="Freccia a destra 14">
             <a:extLst>
               <a:ext uri="{FF2B5EF4-FFF2-40B4-BE49-F238E27FC236}">
@@ -9908,7 +13317,7 @@
         </p:nvSpPr>
         <p:spPr>
           <a:xfrm>
-            <a:off x="4150895" y="3719441"/>
+            <a:off x="4150891" y="3349072"/>
             <a:ext cx="613610" cy="385011"/>
           </a:xfrm>
           <a:prstGeom prst="rightArrow">
@@ -9936,7 +13345,7 @@
           <a:lstStyle/>
           <a:p>
             <a:pPr algn="ctr"/>
-            <a:endParaRPr lang="it-IT"/>
+            <a:endParaRPr lang="it-IT" dirty="0"/>
           </a:p>
         </p:txBody>
       </p:sp>
@@ -9956,7 +13365,7 @@
         </p:nvSpPr>
         <p:spPr>
           <a:xfrm>
-            <a:off x="4856746" y="2718825"/>
+            <a:off x="4856746" y="2004872"/>
             <a:ext cx="3814011" cy="721189"/>
           </a:xfrm>
           <a:prstGeom prst="rect">
@@ -10064,10 +13473,10 @@
           </a:lstStyle>
           <a:p>
             <a:r>
-              <a:rPr lang="en-GB" sz="1800" dirty="0"/>
+              <a:rPr lang="en-GB" sz="2000" dirty="0"/>
               <a:t>Noise evaluation</a:t>
             </a:r>
-            <a:endParaRPr lang="it-IT" sz="1800" dirty="0"/>
+            <a:endParaRPr lang="it-IT" sz="2000" dirty="0"/>
           </a:p>
         </p:txBody>
       </p:sp>
@@ -10085,8 +13494,8 @@
         </p:nvSpPr>
         <p:spPr>
           <a:xfrm>
-            <a:off x="4872789" y="3164288"/>
-            <a:ext cx="3797966" cy="2139047"/>
+            <a:off x="4965032" y="2446527"/>
+            <a:ext cx="3797966" cy="2554545"/>
           </a:xfrm>
           <a:prstGeom prst="rect">
             <a:avLst/>
@@ -10171,7 +13580,7 @@
               </a:buClr>
             </a:pPr>
             <a:r>
-              <a:rPr lang="it-IT" sz="1400" dirty="0">
+              <a:rPr lang="it-IT" sz="1600" dirty="0">
                 <a:solidFill>
                   <a:schemeClr val="tx2"/>
                 </a:solidFill>
@@ -10179,7 +13588,7 @@
               <a:t>A 2 seconds long audio file </a:t>
             </a:r>
             <a:r>
-              <a:rPr lang="it-IT" sz="1400" dirty="0" err="1">
+              <a:rPr lang="it-IT" sz="1600" dirty="0" err="1">
                 <a:solidFill>
                   <a:schemeClr val="tx2"/>
                 </a:solidFill>
@@ -10187,7 +13596,7 @@
               <a:t>is</a:t>
             </a:r>
             <a:r>
-              <a:rPr lang="it-IT" sz="1400" dirty="0">
+              <a:rPr lang="it-IT" sz="1600" dirty="0">
                 <a:solidFill>
                   <a:schemeClr val="tx2"/>
                 </a:solidFill>
@@ -10195,7 +13604,7 @@
               <a:t> </a:t>
             </a:r>
             <a:r>
-              <a:rPr lang="it-IT" sz="1400" dirty="0" err="1">
+              <a:rPr lang="it-IT" sz="1600" dirty="0" err="1">
                 <a:solidFill>
                   <a:schemeClr val="tx2"/>
                 </a:solidFill>
@@ -10203,7 +13612,7 @@
               <a:t>recorded</a:t>
             </a:r>
             <a:r>
-              <a:rPr lang="it-IT" sz="1400" dirty="0">
+              <a:rPr lang="it-IT" sz="1600" dirty="0">
                 <a:solidFill>
                   <a:schemeClr val="tx2"/>
                 </a:solidFill>
@@ -10211,7 +13620,7 @@
               <a:t> and a </a:t>
             </a:r>
             <a:r>
-              <a:rPr lang="it-IT" sz="1400" dirty="0" err="1">
+              <a:rPr lang="it-IT" sz="1600" dirty="0" err="1">
                 <a:solidFill>
                   <a:schemeClr val="tx2"/>
                 </a:solidFill>
@@ -10219,7 +13628,7 @@
               <a:t>noise</a:t>
             </a:r>
             <a:r>
-              <a:rPr lang="it-IT" sz="1400" dirty="0">
+              <a:rPr lang="it-IT" sz="1600" dirty="0">
                 <a:solidFill>
                   <a:schemeClr val="tx2"/>
                 </a:solidFill>
@@ -10227,7 +13636,7 @@
               <a:t> </a:t>
             </a:r>
             <a:r>
-              <a:rPr lang="it-IT" sz="1400" dirty="0" err="1">
+              <a:rPr lang="it-IT" sz="1600" dirty="0" err="1">
                 <a:solidFill>
                   <a:schemeClr val="tx2"/>
                 </a:solidFill>
@@ -10235,7 +13644,7 @@
               <a:t>threshold</a:t>
             </a:r>
             <a:r>
-              <a:rPr lang="it-IT" sz="1400" dirty="0">
+              <a:rPr lang="it-IT" sz="1600" dirty="0">
                 <a:solidFill>
                   <a:schemeClr val="tx2"/>
                 </a:solidFill>
@@ -10243,7 +13652,7 @@
               <a:t> </a:t>
             </a:r>
             <a:r>
-              <a:rPr lang="it-IT" sz="1400" dirty="0" err="1">
+              <a:rPr lang="it-IT" sz="1600" dirty="0" err="1">
                 <a:solidFill>
                   <a:schemeClr val="tx2"/>
                 </a:solidFill>
@@ -10251,7 +13660,7 @@
               <a:t>is</a:t>
             </a:r>
             <a:r>
-              <a:rPr lang="it-IT" sz="1400" dirty="0">
+              <a:rPr lang="it-IT" sz="1600" dirty="0">
                 <a:solidFill>
                   <a:schemeClr val="tx2"/>
                 </a:solidFill>
@@ -10259,14 +13668,14 @@
               <a:t> </a:t>
             </a:r>
             <a:r>
-              <a:rPr lang="it-IT" sz="1400" dirty="0" err="1">
+              <a:rPr lang="it-IT" sz="1600" dirty="0" err="1">
                 <a:solidFill>
                   <a:schemeClr val="tx2"/>
                 </a:solidFill>
               </a:rPr>
               <a:t>evaluated</a:t>
             </a:r>
-            <a:endParaRPr lang="it-IT" sz="1400" dirty="0">
+            <a:endParaRPr lang="it-IT" sz="1600" dirty="0">
               <a:solidFill>
                 <a:schemeClr val="tx2"/>
               </a:solidFill>
@@ -10329,7 +13738,7 @@
           <a:p>
             <a:pPr marL="414000" lvl="1"/>
             <a:r>
-              <a:rPr lang="it-IT" sz="1400" dirty="0">
+              <a:rPr lang="it-IT" sz="1600" dirty="0">
                 <a:solidFill>
                   <a:schemeClr val="tx2"/>
                 </a:solidFill>
@@ -10337,7 +13746,7 @@
               <a:t>An audio file </a:t>
             </a:r>
             <a:r>
-              <a:rPr lang="it-IT" sz="1400" dirty="0" err="1">
+              <a:rPr lang="it-IT" sz="1600" dirty="0" err="1">
                 <a:solidFill>
                   <a:schemeClr val="tx2"/>
                 </a:solidFill>
@@ -10345,7 +13754,7 @@
               <a:t>is</a:t>
             </a:r>
             <a:r>
-              <a:rPr lang="it-IT" sz="1400" dirty="0">
+              <a:rPr lang="it-IT" sz="1600" dirty="0">
                 <a:solidFill>
                   <a:schemeClr val="tx2"/>
                 </a:solidFill>
@@ -10353,7 +13762,7 @@
               <a:t> </a:t>
             </a:r>
             <a:r>
-              <a:rPr lang="it-IT" sz="1400" dirty="0" err="1">
+              <a:rPr lang="it-IT" sz="1600" dirty="0" err="1">
                 <a:solidFill>
                   <a:schemeClr val="tx2"/>
                 </a:solidFill>
@@ -10361,7 +13770,71 @@
               <a:t>recorded</a:t>
             </a:r>
             <a:r>
-              <a:rPr lang="it-IT" sz="1400" dirty="0">
+              <a:rPr lang="it-IT" sz="1600" dirty="0">
+                <a:solidFill>
+                  <a:schemeClr val="tx2"/>
+                </a:solidFill>
+              </a:rPr>
+              <a:t> and </a:t>
+            </a:r>
+            <a:r>
+              <a:rPr lang="it-IT" sz="1600" dirty="0" err="1">
+                <a:solidFill>
+                  <a:schemeClr val="tx2"/>
+                </a:solidFill>
+              </a:rPr>
+              <a:t>filtered</a:t>
+            </a:r>
+            <a:r>
+              <a:rPr lang="it-IT" sz="1600" dirty="0">
+                <a:solidFill>
+                  <a:schemeClr val="tx2"/>
+                </a:solidFill>
+              </a:rPr>
+              <a:t> with the </a:t>
+            </a:r>
+            <a:r>
+              <a:rPr lang="it-IT" sz="1600" dirty="0" err="1">
+                <a:solidFill>
+                  <a:schemeClr val="tx2"/>
+                </a:solidFill>
+              </a:rPr>
+              <a:t>previous</a:t>
+            </a:r>
+            <a:r>
+              <a:rPr lang="it-IT" sz="1600" dirty="0">
+                <a:solidFill>
+                  <a:schemeClr val="tx2"/>
+                </a:solidFill>
+              </a:rPr>
+              <a:t> </a:t>
+            </a:r>
+            <a:r>
+              <a:rPr lang="it-IT" sz="1600" dirty="0" err="1">
+                <a:solidFill>
+                  <a:schemeClr val="tx2"/>
+                </a:solidFill>
+              </a:rPr>
+              <a:t>threshold</a:t>
+            </a:r>
+            <a:r>
+              <a:rPr lang="it-IT" sz="1600" dirty="0">
+                <a:solidFill>
+                  <a:schemeClr val="tx2"/>
+                </a:solidFill>
+              </a:rPr>
+              <a:t>, </a:t>
+            </a:r>
+            <a:r>
+              <a:rPr lang="it-IT" sz="1600" dirty="0" err="1">
+                <a:solidFill>
+                  <a:schemeClr val="tx2"/>
+                </a:solidFill>
+              </a:rPr>
+              <a:t>trying</a:t>
+            </a:r>
+            <a:r>
+              <a:rPr lang="it-IT" sz="1600" dirty="0">
                 <a:solidFill>
                   <a:schemeClr val="tx2"/>
                 </a:solidFill>
@@ -10369,7 +13842,7 @@
               <a:t> to </a:t>
             </a:r>
             <a:r>
-              <a:rPr lang="it-IT" sz="1400" dirty="0" err="1">
+              <a:rPr lang="it-IT" sz="1600" dirty="0" err="1">
                 <a:solidFill>
                   <a:schemeClr val="tx2"/>
                 </a:solidFill>
@@ -10377,7 +13850,23 @@
               <a:t>find</a:t>
             </a:r>
             <a:r>
-              <a:rPr lang="it-IT" sz="1400" dirty="0">
+              <a:rPr lang="it-IT" sz="1600" dirty="0">
+                <a:solidFill>
+                  <a:schemeClr val="tx2"/>
+                </a:solidFill>
+              </a:rPr>
+              <a:t> the audio </a:t>
+            </a:r>
+            <a:r>
+              <a:rPr lang="it-IT" sz="1600" dirty="0" err="1">
+                <a:solidFill>
+                  <a:schemeClr val="tx2"/>
+                </a:solidFill>
+              </a:rPr>
+              <a:t>peaks</a:t>
+            </a:r>
+            <a:r>
+              <a:rPr lang="it-IT" sz="1600" dirty="0">
                 <a:solidFill>
                   <a:schemeClr val="tx2"/>
                 </a:solidFill>
@@ -10385,151 +13874,7 @@
               <a:t> </a:t>
             </a:r>
             <a:r>
-              <a:rPr lang="it-IT" sz="1400" dirty="0" err="1">
-                <a:solidFill>
-                  <a:schemeClr val="tx2"/>
-                </a:solidFill>
-              </a:rPr>
-              <a:t>all</a:t>
-            </a:r>
-            <a:r>
-              <a:rPr lang="it-IT" sz="1400" dirty="0">
-                <a:solidFill>
-                  <a:schemeClr val="tx2"/>
-                </a:solidFill>
-              </a:rPr>
-              <a:t> the audio </a:t>
-            </a:r>
-            <a:r>
-              <a:rPr lang="it-IT" sz="1400" dirty="0" err="1">
-                <a:solidFill>
-                  <a:schemeClr val="tx2"/>
-                </a:solidFill>
-              </a:rPr>
-              <a:t>peaks</a:t>
-            </a:r>
-            <a:r>
-              <a:rPr lang="it-IT" sz="1400" dirty="0">
-                <a:solidFill>
-                  <a:schemeClr val="tx2"/>
-                </a:solidFill>
-              </a:rPr>
-              <a:t>  </a:t>
-            </a:r>
-            <a:r>
-              <a:rPr lang="it-IT" sz="1400" dirty="0" err="1">
-                <a:solidFill>
-                  <a:schemeClr val="tx2"/>
-                </a:solidFill>
-              </a:rPr>
-              <a:t>that</a:t>
-            </a:r>
-            <a:r>
-              <a:rPr lang="it-IT" sz="1400" dirty="0">
-                <a:solidFill>
-                  <a:schemeClr val="tx2"/>
-                </a:solidFill>
-              </a:rPr>
-              <a:t> </a:t>
-            </a:r>
-            <a:r>
-              <a:rPr lang="it-IT" sz="1400" dirty="0" err="1">
-                <a:solidFill>
-                  <a:schemeClr val="tx2"/>
-                </a:solidFill>
-              </a:rPr>
-              <a:t>have</a:t>
-            </a:r>
-            <a:r>
-              <a:rPr lang="it-IT" sz="1400" dirty="0">
-                <a:solidFill>
-                  <a:schemeClr val="tx2"/>
-                </a:solidFill>
-              </a:rPr>
-              <a:t> </a:t>
-            </a:r>
-            <a:r>
-              <a:rPr lang="it-IT" sz="1400" dirty="0" err="1">
-                <a:solidFill>
-                  <a:schemeClr val="tx2"/>
-                </a:solidFill>
-              </a:rPr>
-              <a:t>intensity</a:t>
-            </a:r>
-            <a:r>
-              <a:rPr lang="it-IT" sz="1400" dirty="0">
-                <a:solidFill>
-                  <a:schemeClr val="tx2"/>
-                </a:solidFill>
-              </a:rPr>
-              <a:t>  </a:t>
-            </a:r>
-            <a:r>
-              <a:rPr lang="it-IT" sz="1400" dirty="0" err="1">
-                <a:solidFill>
-                  <a:schemeClr val="tx2"/>
-                </a:solidFill>
-              </a:rPr>
-              <a:t>greater</a:t>
-            </a:r>
-            <a:r>
-              <a:rPr lang="it-IT" sz="1400" dirty="0">
-                <a:solidFill>
-                  <a:schemeClr val="tx2"/>
-                </a:solidFill>
-              </a:rPr>
-              <a:t> </a:t>
-            </a:r>
-            <a:r>
-              <a:rPr lang="it-IT" sz="1400" dirty="0" err="1">
-                <a:solidFill>
-                  <a:schemeClr val="tx2"/>
-                </a:solidFill>
-              </a:rPr>
-              <a:t>than</a:t>
-            </a:r>
-            <a:r>
-              <a:rPr lang="it-IT" sz="1400" dirty="0">
-                <a:solidFill>
-                  <a:schemeClr val="tx2"/>
-                </a:solidFill>
-              </a:rPr>
-              <a:t> </a:t>
-            </a:r>
-            <a:r>
-              <a:rPr lang="it-IT" sz="1400" dirty="0" err="1">
-                <a:solidFill>
-                  <a:schemeClr val="tx2"/>
-                </a:solidFill>
-              </a:rPr>
-              <a:t>noise</a:t>
-            </a:r>
-            <a:r>
-              <a:rPr lang="it-IT" sz="1400" dirty="0">
-                <a:solidFill>
-                  <a:schemeClr val="tx2"/>
-                </a:solidFill>
-              </a:rPr>
-              <a:t> </a:t>
-            </a:r>
-            <a:r>
-              <a:rPr lang="it-IT" sz="1400" dirty="0" err="1">
-                <a:solidFill>
-                  <a:schemeClr val="tx2"/>
-                </a:solidFill>
-              </a:rPr>
-              <a:t>threshold</a:t>
-            </a:r>
-            <a:r>
-              <a:rPr lang="it-IT" sz="1400" dirty="0">
-                <a:solidFill>
-                  <a:schemeClr val="tx2"/>
-                </a:solidFill>
-              </a:rPr>
-              <a:t> and are </a:t>
-            </a:r>
-            <a:r>
-              <a:rPr lang="it-IT" sz="1400" dirty="0" err="1">
+              <a:rPr lang="it-IT" sz="1600" dirty="0" err="1">
                 <a:solidFill>
                   <a:schemeClr val="tx2"/>
                 </a:solidFill>
@@ -10537,7 +13882,7 @@
               <a:t>related</a:t>
             </a:r>
             <a:r>
-              <a:rPr lang="it-IT" sz="1400" dirty="0">
+              <a:rPr lang="it-IT" sz="1600" dirty="0">
                 <a:solidFill>
                   <a:schemeClr val="tx2"/>
                 </a:solidFill>
@@ -10545,7 +13890,7 @@
               <a:t> to the </a:t>
             </a:r>
             <a:r>
-              <a:rPr lang="it-IT" sz="1400" dirty="0" err="1">
+              <a:rPr lang="it-IT" sz="1600" dirty="0" err="1">
                 <a:solidFill>
                   <a:schemeClr val="tx2"/>
                 </a:solidFill>
@@ -10553,21 +13898,512 @@
               <a:t>keyboard</a:t>
             </a:r>
             <a:r>
-              <a:rPr lang="it-IT" sz="1400" dirty="0">
+              <a:rPr lang="it-IT" sz="1600" dirty="0">
                 <a:solidFill>
                   <a:schemeClr val="tx2"/>
                 </a:solidFill>
               </a:rPr>
-              <a:t> events</a:t>
-            </a:r>
-            <a:r>
-              <a:rPr lang="it-IT" sz="1500" dirty="0">
+              <a:t> events.</a:t>
+            </a:r>
+          </a:p>
+        </p:txBody>
+      </p:sp>
+      <p:sp>
+        <p:nvSpPr>
+          <p:cNvPr id="14" name="Segnaposto contenuto 2">
+            <a:extLst>
+              <a:ext uri="{FF2B5EF4-FFF2-40B4-BE49-F238E27FC236}">
+                <a16:creationId xmlns:a16="http://schemas.microsoft.com/office/drawing/2014/main" id="{A9CCB0B1-3D09-4DEE-9DFA-C497E509E2BD}"/>
+              </a:ext>
+            </a:extLst>
+          </p:cNvPr>
+          <p:cNvSpPr txBox="1">
+            <a:spLocks/>
+          </p:cNvSpPr>
+          <p:nvPr/>
+        </p:nvSpPr>
+        <p:spPr>
+          <a:xfrm>
+            <a:off x="473243" y="2986417"/>
+            <a:ext cx="3330713" cy="1577840"/>
+          </a:xfrm>
+          <a:prstGeom prst="rect">
+            <a:avLst/>
+          </a:prstGeom>
+          <a:noFill/>
+          <a:ln w="15875" cap="rnd" cmpd="sng" algn="ctr">
+            <a:noFill/>
+            <a:prstDash val="solid"/>
+          </a:ln>
+          <a:effectLst>
+            <a:glow rad="228600">
+              <a:srgbClr val="0070C0">
+                <a:alpha val="40000"/>
+              </a:srgbClr>
+            </a:glow>
+          </a:effectLst>
+        </p:spPr>
+        <p:style>
+          <a:lnRef idx="2">
+            <a:schemeClr val="accent2"/>
+          </a:lnRef>
+          <a:fillRef idx="1">
+            <a:schemeClr val="lt1"/>
+          </a:fillRef>
+          <a:effectRef idx="0">
+            <a:schemeClr val="accent2"/>
+          </a:effectRef>
+          <a:fontRef idx="minor">
+            <a:schemeClr val="dk1"/>
+          </a:fontRef>
+        </p:style>
+        <p:txBody>
+          <a:bodyPr vert="horz" lIns="91440" tIns="45720" rIns="91440" bIns="45720" rtlCol="0" anchor="t">
+            <a:noAutofit/>
+          </a:bodyPr>
+          <a:lstStyle>
+            <a:lvl1pPr marL="342900" indent="-306000" algn="l" defTabSz="457200" rtl="0" eaLnBrk="1" latinLnBrk="0" hangingPunct="1">
+              <a:spcBef>
+                <a:spcPct val="20000"/>
+              </a:spcBef>
+              <a:spcAft>
+                <a:spcPts val="600"/>
+              </a:spcAft>
+              <a:buClr>
+                <a:schemeClr val="tx2"/>
+              </a:buClr>
+              <a:buSzPct val="70000"/>
+              <a:buFont typeface="Wingdings 2" charset="2"/>
+              <a:buChar char=""/>
+              <a:defRPr sz="2000" kern="1200">
+                <a:ln>
+                  <a:solidFill>
+                    <a:schemeClr val="bg1">
+                      <a:lumMod val="75000"/>
+                      <a:lumOff val="25000"/>
+                      <a:alpha val="10000"/>
+                    </a:schemeClr>
+                  </a:solidFill>
+                </a:ln>
+                <a:solidFill>
+                  <a:schemeClr val="dk1"/>
+                </a:solidFill>
+                <a:effectLst>
+                  <a:outerShdw blurRad="9525" dist="25400" dir="14640000" algn="tl" rotWithShape="0">
+                    <a:schemeClr val="bg1">
+                      <a:alpha val="30000"/>
+                    </a:schemeClr>
+                  </a:outerShdw>
+                </a:effectLst>
+                <a:latin typeface="+mn-lt"/>
+                <a:ea typeface="+mn-ea"/>
+                <a:cs typeface="+mn-cs"/>
+              </a:defRPr>
+            </a:lvl1pPr>
+            <a:lvl2pPr marL="720000" indent="-270000" algn="l" defTabSz="457200" rtl="0" eaLnBrk="1" latinLnBrk="0" hangingPunct="1">
+              <a:spcBef>
+                <a:spcPct val="20000"/>
+              </a:spcBef>
+              <a:spcAft>
+                <a:spcPts val="600"/>
+              </a:spcAft>
+              <a:buClr>
+                <a:schemeClr val="tx2"/>
+              </a:buClr>
+              <a:buSzPct val="70000"/>
+              <a:buFont typeface="Wingdings 2" charset="2"/>
+              <a:buChar char=""/>
+              <a:defRPr sz="1800" kern="1200">
+                <a:ln>
+                  <a:solidFill>
+                    <a:schemeClr val="bg1">
+                      <a:lumMod val="75000"/>
+                      <a:lumOff val="25000"/>
+                      <a:alpha val="10000"/>
+                    </a:schemeClr>
+                  </a:solidFill>
+                </a:ln>
+                <a:solidFill>
+                  <a:schemeClr val="dk1"/>
+                </a:solidFill>
+                <a:effectLst>
+                  <a:outerShdw blurRad="9525" dist="25400" dir="14640000" algn="tl" rotWithShape="0">
+                    <a:schemeClr val="bg1">
+                      <a:alpha val="30000"/>
+                    </a:schemeClr>
+                  </a:outerShdw>
+                </a:effectLst>
+                <a:latin typeface="+mn-lt"/>
+                <a:ea typeface="+mn-ea"/>
+                <a:cs typeface="+mn-cs"/>
+              </a:defRPr>
+            </a:lvl2pPr>
+            <a:lvl3pPr marL="1026000" indent="-216000" algn="l" defTabSz="457200" rtl="0" eaLnBrk="1" latinLnBrk="0" hangingPunct="1">
+              <a:spcBef>
+                <a:spcPct val="20000"/>
+              </a:spcBef>
+              <a:spcAft>
+                <a:spcPts val="600"/>
+              </a:spcAft>
+              <a:buClr>
+                <a:schemeClr val="tx2"/>
+              </a:buClr>
+              <a:buSzPct val="70000"/>
+              <a:buFont typeface="Wingdings 2" charset="2"/>
+              <a:buChar char=""/>
+              <a:defRPr sz="1600" kern="1200">
+                <a:ln>
+                  <a:solidFill>
+                    <a:schemeClr val="bg1">
+                      <a:lumMod val="75000"/>
+                      <a:lumOff val="25000"/>
+                      <a:alpha val="10000"/>
+                    </a:schemeClr>
+                  </a:solidFill>
+                </a:ln>
+                <a:solidFill>
+                  <a:schemeClr val="dk1"/>
+                </a:solidFill>
+                <a:effectLst>
+                  <a:outerShdw blurRad="9525" dist="25400" dir="14640000" algn="tl" rotWithShape="0">
+                    <a:schemeClr val="bg1">
+                      <a:alpha val="30000"/>
+                    </a:schemeClr>
+                  </a:outerShdw>
+                </a:effectLst>
+                <a:latin typeface="+mn-lt"/>
+                <a:ea typeface="+mn-ea"/>
+                <a:cs typeface="+mn-cs"/>
+              </a:defRPr>
+            </a:lvl3pPr>
+            <a:lvl4pPr marL="1386000" indent="-216000" algn="l" defTabSz="457200" rtl="0" eaLnBrk="1" latinLnBrk="0" hangingPunct="1">
+              <a:spcBef>
+                <a:spcPct val="20000"/>
+              </a:spcBef>
+              <a:spcAft>
+                <a:spcPts val="600"/>
+              </a:spcAft>
+              <a:buClr>
+                <a:schemeClr val="tx2"/>
+              </a:buClr>
+              <a:buSzPct val="70000"/>
+              <a:buFont typeface="Wingdings 2" charset="2"/>
+              <a:buChar char=""/>
+              <a:defRPr sz="1400" kern="1200">
+                <a:ln>
+                  <a:solidFill>
+                    <a:schemeClr val="bg1">
+                      <a:lumMod val="75000"/>
+                      <a:lumOff val="25000"/>
+                      <a:alpha val="10000"/>
+                    </a:schemeClr>
+                  </a:solidFill>
+                </a:ln>
+                <a:solidFill>
+                  <a:schemeClr val="dk1"/>
+                </a:solidFill>
+                <a:effectLst>
+                  <a:outerShdw blurRad="9525" dist="25400" dir="14640000" algn="tl" rotWithShape="0">
+                    <a:schemeClr val="bg1">
+                      <a:alpha val="30000"/>
+                    </a:schemeClr>
+                  </a:outerShdw>
+                </a:effectLst>
+                <a:latin typeface="+mn-lt"/>
+                <a:ea typeface="+mn-ea"/>
+                <a:cs typeface="+mn-cs"/>
+              </a:defRPr>
+            </a:lvl4pPr>
+            <a:lvl5pPr marL="1674000" indent="-216000" algn="l" defTabSz="457200" rtl="0" eaLnBrk="1" latinLnBrk="0" hangingPunct="1">
+              <a:spcBef>
+                <a:spcPct val="20000"/>
+              </a:spcBef>
+              <a:spcAft>
+                <a:spcPts val="600"/>
+              </a:spcAft>
+              <a:buClr>
+                <a:schemeClr val="tx2"/>
+              </a:buClr>
+              <a:buSzPct val="70000"/>
+              <a:buFont typeface="Wingdings 2" charset="2"/>
+              <a:buChar char=""/>
+              <a:defRPr sz="1400" kern="1200">
+                <a:ln>
+                  <a:solidFill>
+                    <a:schemeClr val="bg1">
+                      <a:lumMod val="75000"/>
+                      <a:lumOff val="25000"/>
+                      <a:alpha val="10000"/>
+                    </a:schemeClr>
+                  </a:solidFill>
+                </a:ln>
+                <a:solidFill>
+                  <a:schemeClr val="dk1"/>
+                </a:solidFill>
+                <a:effectLst>
+                  <a:outerShdw blurRad="9525" dist="25400" dir="14640000" algn="tl" rotWithShape="0">
+                    <a:schemeClr val="bg1">
+                      <a:alpha val="30000"/>
+                    </a:schemeClr>
+                  </a:outerShdw>
+                </a:effectLst>
+                <a:latin typeface="+mn-lt"/>
+                <a:ea typeface="+mn-ea"/>
+                <a:cs typeface="+mn-cs"/>
+              </a:defRPr>
+            </a:lvl5pPr>
+            <a:lvl6pPr marL="2014600" indent="-228600" algn="l" defTabSz="457200" rtl="0" eaLnBrk="1" latinLnBrk="0" hangingPunct="1">
+              <a:spcBef>
+                <a:spcPct val="20000"/>
+              </a:spcBef>
+              <a:spcAft>
+                <a:spcPts val="600"/>
+              </a:spcAft>
+              <a:buClr>
+                <a:schemeClr val="tx2"/>
+              </a:buClr>
+              <a:buSzPct val="70000"/>
+              <a:buFont typeface="Wingdings 2" charset="2"/>
+              <a:buChar char=""/>
+              <a:defRPr sz="1400" kern="1200">
+                <a:ln>
+                  <a:solidFill>
+                    <a:schemeClr val="bg1">
+                      <a:lumMod val="75000"/>
+                      <a:lumOff val="25000"/>
+                      <a:alpha val="10000"/>
+                    </a:schemeClr>
+                  </a:solidFill>
+                </a:ln>
+                <a:solidFill>
+                  <a:schemeClr val="dk1"/>
+                </a:solidFill>
+                <a:effectLst>
+                  <a:outerShdw blurRad="9525" dist="25400" dir="14640000" algn="tl" rotWithShape="0">
+                    <a:schemeClr val="bg1">
+                      <a:alpha val="30000"/>
+                    </a:schemeClr>
+                  </a:outerShdw>
+                </a:effectLst>
+                <a:latin typeface="+mn-lt"/>
+                <a:ea typeface="+mn-ea"/>
+                <a:cs typeface="+mn-cs"/>
+              </a:defRPr>
+            </a:lvl6pPr>
+            <a:lvl7pPr marL="2401800" indent="-228600" algn="l" defTabSz="457200" rtl="0" eaLnBrk="1" latinLnBrk="0" hangingPunct="1">
+              <a:spcBef>
+                <a:spcPct val="20000"/>
+              </a:spcBef>
+              <a:spcAft>
+                <a:spcPts val="600"/>
+              </a:spcAft>
+              <a:buClr>
+                <a:schemeClr val="tx2"/>
+              </a:buClr>
+              <a:buSzPct val="70000"/>
+              <a:buFont typeface="Wingdings 2" charset="2"/>
+              <a:buChar char=""/>
+              <a:defRPr sz="1400" kern="1200">
+                <a:ln>
+                  <a:solidFill>
+                    <a:schemeClr val="bg1">
+                      <a:lumMod val="75000"/>
+                      <a:lumOff val="25000"/>
+                      <a:alpha val="10000"/>
+                    </a:schemeClr>
+                  </a:solidFill>
+                </a:ln>
+                <a:solidFill>
+                  <a:schemeClr val="dk1"/>
+                </a:solidFill>
+                <a:effectLst>
+                  <a:outerShdw blurRad="9525" dist="25400" dir="14640000" algn="tl" rotWithShape="0">
+                    <a:schemeClr val="bg1">
+                      <a:alpha val="30000"/>
+                    </a:schemeClr>
+                  </a:outerShdw>
+                </a:effectLst>
+                <a:latin typeface="+mn-lt"/>
+                <a:ea typeface="+mn-ea"/>
+                <a:cs typeface="+mn-cs"/>
+              </a:defRPr>
+            </a:lvl7pPr>
+            <a:lvl8pPr marL="2789000" indent="-228600" algn="l" defTabSz="457200" rtl="0" eaLnBrk="1" latinLnBrk="0" hangingPunct="1">
+              <a:spcBef>
+                <a:spcPct val="20000"/>
+              </a:spcBef>
+              <a:spcAft>
+                <a:spcPts val="600"/>
+              </a:spcAft>
+              <a:buClr>
+                <a:schemeClr val="tx2"/>
+              </a:buClr>
+              <a:buSzPct val="70000"/>
+              <a:buFont typeface="Wingdings 2" charset="2"/>
+              <a:buChar char=""/>
+              <a:defRPr sz="1400" kern="1200">
+                <a:ln>
+                  <a:solidFill>
+                    <a:schemeClr val="bg1">
+                      <a:lumMod val="75000"/>
+                      <a:lumOff val="25000"/>
+                      <a:alpha val="10000"/>
+                    </a:schemeClr>
+                  </a:solidFill>
+                </a:ln>
+                <a:solidFill>
+                  <a:schemeClr val="dk1"/>
+                </a:solidFill>
+                <a:effectLst>
+                  <a:outerShdw blurRad="9525" dist="25400" dir="14640000" algn="tl" rotWithShape="0">
+                    <a:schemeClr val="bg1">
+                      <a:alpha val="30000"/>
+                    </a:schemeClr>
+                  </a:outerShdw>
+                </a:effectLst>
+                <a:latin typeface="+mn-lt"/>
+                <a:ea typeface="+mn-ea"/>
+                <a:cs typeface="+mn-cs"/>
+              </a:defRPr>
+            </a:lvl8pPr>
+            <a:lvl9pPr marL="3106200" indent="-228600" algn="l" defTabSz="457200" rtl="0" eaLnBrk="1" latinLnBrk="0" hangingPunct="1">
+              <a:spcBef>
+                <a:spcPct val="20000"/>
+              </a:spcBef>
+              <a:spcAft>
+                <a:spcPts val="600"/>
+              </a:spcAft>
+              <a:buClr>
+                <a:schemeClr val="tx2"/>
+              </a:buClr>
+              <a:buSzPct val="70000"/>
+              <a:buFont typeface="Wingdings 2" charset="2"/>
+              <a:buChar char=""/>
+              <a:defRPr sz="1400" kern="1200">
+                <a:ln>
+                  <a:solidFill>
+                    <a:schemeClr val="bg1">
+                      <a:lumMod val="75000"/>
+                      <a:lumOff val="25000"/>
+                      <a:alpha val="10000"/>
+                    </a:schemeClr>
+                  </a:solidFill>
+                </a:ln>
+                <a:solidFill>
+                  <a:schemeClr val="dk1"/>
+                </a:solidFill>
+                <a:effectLst>
+                  <a:outerShdw blurRad="9525" dist="25400" dir="14640000" algn="tl" rotWithShape="0">
+                    <a:schemeClr val="bg1">
+                      <a:alpha val="30000"/>
+                    </a:schemeClr>
+                  </a:outerShdw>
+                </a:effectLst>
+                <a:latin typeface="+mn-lt"/>
+                <a:ea typeface="+mn-ea"/>
+                <a:cs typeface="+mn-cs"/>
+              </a:defRPr>
+            </a:lvl9pPr>
+          </a:lstStyle>
+          <a:p>
+            <a:pPr>
+              <a:buClr>
+                <a:schemeClr val="accent2">
+                  <a:lumMod val="75000"/>
+                </a:schemeClr>
+              </a:buClr>
+            </a:pPr>
+            <a:r>
+              <a:rPr lang="en-GB" sz="1600">
                 <a:solidFill>
                   <a:schemeClr val="tx2"/>
                 </a:solidFill>
               </a:rPr>
-              <a:t> </a:t>
-            </a:r>
+              <a:t>Noise evaluation</a:t>
+            </a:r>
+          </a:p>
+          <a:p>
+            <a:pPr>
+              <a:buClr>
+                <a:schemeClr val="accent2">
+                  <a:lumMod val="75000"/>
+                </a:schemeClr>
+              </a:buClr>
+            </a:pPr>
+            <a:r>
+              <a:rPr lang="en-GB" sz="1600">
+                <a:solidFill>
+                  <a:schemeClr val="tx2"/>
+                </a:solidFill>
+              </a:rPr>
+              <a:t>Evaluation of the user’s activity during the password insertion</a:t>
+            </a:r>
+          </a:p>
+          <a:p>
+            <a:pPr>
+              <a:buClr>
+                <a:schemeClr val="accent2">
+                  <a:lumMod val="75000"/>
+                </a:schemeClr>
+              </a:buClr>
+            </a:pPr>
+            <a:r>
+              <a:rPr lang="en-GB" sz="1600">
+                <a:solidFill>
+                  <a:schemeClr val="tx2"/>
+                </a:solidFill>
+              </a:rPr>
+              <a:t>Communication between client and server</a:t>
+            </a:r>
+            <a:endParaRPr lang="it-IT" sz="1600" dirty="0">
+              <a:solidFill>
+                <a:schemeClr val="tx2"/>
+              </a:solidFill>
+            </a:endParaRPr>
+          </a:p>
+        </p:txBody>
+      </p:sp>
+      <p:sp>
+        <p:nvSpPr>
+          <p:cNvPr id="16" name="CasellaDiTesto 15">
+            <a:extLst>
+              <a:ext uri="{FF2B5EF4-FFF2-40B4-BE49-F238E27FC236}">
+                <a16:creationId xmlns:a16="http://schemas.microsoft.com/office/drawing/2014/main" id="{64D5A98C-1AA6-43D0-8F96-9DEAF4E09737}"/>
+              </a:ext>
+            </a:extLst>
+          </p:cNvPr>
+          <p:cNvSpPr txBox="1"/>
+          <p:nvPr/>
+        </p:nvSpPr>
+        <p:spPr>
+          <a:xfrm>
+            <a:off x="435110" y="2446527"/>
+            <a:ext cx="3368844" cy="400110"/>
+          </a:xfrm>
+          <a:prstGeom prst="rect">
+            <a:avLst/>
+          </a:prstGeom>
+          <a:noFill/>
+        </p:spPr>
+        <p:txBody>
+          <a:bodyPr wrap="square" rtlCol="0">
+            <a:spAutoFit/>
+          </a:bodyPr>
+          <a:lstStyle/>
+          <a:p>
+            <a:r>
+              <a:rPr lang="en-GB" sz="2000" dirty="0">
+                <a:solidFill>
+                  <a:srgbClr val="0070C0"/>
+                </a:solidFill>
+              </a:rPr>
+              <a:t>Main phases of the analysis:</a:t>
+            </a:r>
+            <a:endParaRPr lang="it-IT" sz="2000" dirty="0">
+              <a:solidFill>
+                <a:srgbClr val="0070C0"/>
+              </a:solidFill>
+            </a:endParaRPr>
           </a:p>
         </p:txBody>
       </p:sp>
@@ -10581,10 +14417,306 @@
   <p:clrMapOvr>
     <a:masterClrMapping/>
   </p:clrMapOvr>
+  <p:timing>
+    <p:tnLst>
+      <p:par>
+        <p:cTn id="1" dur="indefinite" restart="never" nodeType="tmRoot">
+          <p:childTnLst>
+            <p:seq concurrent="1" nextAc="seek">
+              <p:cTn id="2" dur="indefinite" nodeType="mainSeq">
+                <p:childTnLst>
+                  <p:par>
+                    <p:cTn id="3" fill="hold">
+                      <p:stCondLst>
+                        <p:cond delay="indefinite"/>
+                      </p:stCondLst>
+                      <p:childTnLst>
+                        <p:par>
+                          <p:cTn id="4" fill="hold">
+                            <p:stCondLst>
+                              <p:cond delay="0"/>
+                            </p:stCondLst>
+                            <p:childTnLst>
+                              <p:par>
+                                <p:cTn id="5" presetID="47" presetClass="entr" presetSubtype="0" fill="hold" grpId="0" nodeType="clickEffect">
+                                  <p:stCondLst>
+                                    <p:cond delay="0"/>
+                                  </p:stCondLst>
+                                  <p:childTnLst>
+                                    <p:set>
+                                      <p:cBhvr>
+                                        <p:cTn id="6" dur="1" fill="hold">
+                                          <p:stCondLst>
+                                            <p:cond delay="0"/>
+                                          </p:stCondLst>
+                                        </p:cTn>
+                                        <p:tgtEl>
+                                          <p:spTgt spid="18"/>
+                                        </p:tgtEl>
+                                        <p:attrNameLst>
+                                          <p:attrName>style.visibility</p:attrName>
+                                        </p:attrNameLst>
+                                      </p:cBhvr>
+                                      <p:to>
+                                        <p:strVal val="visible"/>
+                                      </p:to>
+                                    </p:set>
+                                    <p:animEffect transition="in" filter="fade">
+                                      <p:cBhvr>
+                                        <p:cTn id="7" dur="1000"/>
+                                        <p:tgtEl>
+                                          <p:spTgt spid="18"/>
+                                        </p:tgtEl>
+                                      </p:cBhvr>
+                                    </p:animEffect>
+                                    <p:anim calcmode="lin" valueType="num">
+                                      <p:cBhvr>
+                                        <p:cTn id="8" dur="1000" fill="hold"/>
+                                        <p:tgtEl>
+                                          <p:spTgt spid="18"/>
+                                        </p:tgtEl>
+                                        <p:attrNameLst>
+                                          <p:attrName>ppt_x</p:attrName>
+                                        </p:attrNameLst>
+                                      </p:cBhvr>
+                                      <p:tavLst>
+                                        <p:tav tm="0">
+                                          <p:val>
+                                            <p:strVal val="#ppt_x"/>
+                                          </p:val>
+                                        </p:tav>
+                                        <p:tav tm="100000">
+                                          <p:val>
+                                            <p:strVal val="#ppt_x"/>
+                                          </p:val>
+                                        </p:tav>
+                                      </p:tavLst>
+                                    </p:anim>
+                                    <p:anim calcmode="lin" valueType="num">
+                                      <p:cBhvr>
+                                        <p:cTn id="9" dur="1000" fill="hold"/>
+                                        <p:tgtEl>
+                                          <p:spTgt spid="18"/>
+                                        </p:tgtEl>
+                                        <p:attrNameLst>
+                                          <p:attrName>ppt_y</p:attrName>
+                                        </p:attrNameLst>
+                                      </p:cBhvr>
+                                      <p:tavLst>
+                                        <p:tav tm="0">
+                                          <p:val>
+                                            <p:strVal val="#ppt_y-.1"/>
+                                          </p:val>
+                                        </p:tav>
+                                        <p:tav tm="100000">
+                                          <p:val>
+                                            <p:strVal val="#ppt_y"/>
+                                          </p:val>
+                                        </p:tav>
+                                      </p:tavLst>
+                                    </p:anim>
+                                  </p:childTnLst>
+                                </p:cTn>
+                              </p:par>
+                              <p:par>
+                                <p:cTn id="10" presetID="47" presetClass="entr" presetSubtype="0" fill="hold" grpId="0" nodeType="withEffect">
+                                  <p:stCondLst>
+                                    <p:cond delay="0"/>
+                                  </p:stCondLst>
+                                  <p:childTnLst>
+                                    <p:set>
+                                      <p:cBhvr>
+                                        <p:cTn id="11" dur="1" fill="hold">
+                                          <p:stCondLst>
+                                            <p:cond delay="0"/>
+                                          </p:stCondLst>
+                                        </p:cTn>
+                                        <p:tgtEl>
+                                          <p:spTgt spid="17"/>
+                                        </p:tgtEl>
+                                        <p:attrNameLst>
+                                          <p:attrName>style.visibility</p:attrName>
+                                        </p:attrNameLst>
+                                      </p:cBhvr>
+                                      <p:to>
+                                        <p:strVal val="visible"/>
+                                      </p:to>
+                                    </p:set>
+                                    <p:animEffect transition="in" filter="fade">
+                                      <p:cBhvr>
+                                        <p:cTn id="12" dur="1000"/>
+                                        <p:tgtEl>
+                                          <p:spTgt spid="17"/>
+                                        </p:tgtEl>
+                                      </p:cBhvr>
+                                    </p:animEffect>
+                                    <p:anim calcmode="lin" valueType="num">
+                                      <p:cBhvr>
+                                        <p:cTn id="13" dur="1000" fill="hold"/>
+                                        <p:tgtEl>
+                                          <p:spTgt spid="17"/>
+                                        </p:tgtEl>
+                                        <p:attrNameLst>
+                                          <p:attrName>ppt_x</p:attrName>
+                                        </p:attrNameLst>
+                                      </p:cBhvr>
+                                      <p:tavLst>
+                                        <p:tav tm="0">
+                                          <p:val>
+                                            <p:strVal val="#ppt_x"/>
+                                          </p:val>
+                                        </p:tav>
+                                        <p:tav tm="100000">
+                                          <p:val>
+                                            <p:strVal val="#ppt_x"/>
+                                          </p:val>
+                                        </p:tav>
+                                      </p:tavLst>
+                                    </p:anim>
+                                    <p:anim calcmode="lin" valueType="num">
+                                      <p:cBhvr>
+                                        <p:cTn id="14" dur="1000" fill="hold"/>
+                                        <p:tgtEl>
+                                          <p:spTgt spid="17"/>
+                                        </p:tgtEl>
+                                        <p:attrNameLst>
+                                          <p:attrName>ppt_y</p:attrName>
+                                        </p:attrNameLst>
+                                      </p:cBhvr>
+                                      <p:tavLst>
+                                        <p:tav tm="0">
+                                          <p:val>
+                                            <p:strVal val="#ppt_y-.1"/>
+                                          </p:val>
+                                        </p:tav>
+                                        <p:tav tm="100000">
+                                          <p:val>
+                                            <p:strVal val="#ppt_y"/>
+                                          </p:val>
+                                        </p:tav>
+                                      </p:tavLst>
+                                    </p:anim>
+                                  </p:childTnLst>
+                                </p:cTn>
+                              </p:par>
+                              <p:par>
+                                <p:cTn id="15" presetID="47" presetClass="entr" presetSubtype="0" fill="hold" grpId="0" nodeType="withEffect">
+                                  <p:stCondLst>
+                                    <p:cond delay="0"/>
+                                  </p:stCondLst>
+                                  <p:childTnLst>
+                                    <p:set>
+                                      <p:cBhvr>
+                                        <p:cTn id="16" dur="1" fill="hold">
+                                          <p:stCondLst>
+                                            <p:cond delay="0"/>
+                                          </p:stCondLst>
+                                        </p:cTn>
+                                        <p:tgtEl>
+                                          <p:spTgt spid="15"/>
+                                        </p:tgtEl>
+                                        <p:attrNameLst>
+                                          <p:attrName>style.visibility</p:attrName>
+                                        </p:attrNameLst>
+                                      </p:cBhvr>
+                                      <p:to>
+                                        <p:strVal val="visible"/>
+                                      </p:to>
+                                    </p:set>
+                                    <p:animEffect transition="in" filter="fade">
+                                      <p:cBhvr>
+                                        <p:cTn id="17" dur="1000"/>
+                                        <p:tgtEl>
+                                          <p:spTgt spid="15"/>
+                                        </p:tgtEl>
+                                      </p:cBhvr>
+                                    </p:animEffect>
+                                    <p:anim calcmode="lin" valueType="num">
+                                      <p:cBhvr>
+                                        <p:cTn id="18" dur="1000" fill="hold"/>
+                                        <p:tgtEl>
+                                          <p:spTgt spid="15"/>
+                                        </p:tgtEl>
+                                        <p:attrNameLst>
+                                          <p:attrName>ppt_x</p:attrName>
+                                        </p:attrNameLst>
+                                      </p:cBhvr>
+                                      <p:tavLst>
+                                        <p:tav tm="0">
+                                          <p:val>
+                                            <p:strVal val="#ppt_x"/>
+                                          </p:val>
+                                        </p:tav>
+                                        <p:tav tm="100000">
+                                          <p:val>
+                                            <p:strVal val="#ppt_x"/>
+                                          </p:val>
+                                        </p:tav>
+                                      </p:tavLst>
+                                    </p:anim>
+                                    <p:anim calcmode="lin" valueType="num">
+                                      <p:cBhvr>
+                                        <p:cTn id="19" dur="1000" fill="hold"/>
+                                        <p:tgtEl>
+                                          <p:spTgt spid="15"/>
+                                        </p:tgtEl>
+                                        <p:attrNameLst>
+                                          <p:attrName>ppt_y</p:attrName>
+                                        </p:attrNameLst>
+                                      </p:cBhvr>
+                                      <p:tavLst>
+                                        <p:tav tm="0">
+                                          <p:val>
+                                            <p:strVal val="#ppt_y-.1"/>
+                                          </p:val>
+                                        </p:tav>
+                                        <p:tav tm="100000">
+                                          <p:val>
+                                            <p:strVal val="#ppt_y"/>
+                                          </p:val>
+                                        </p:tav>
+                                      </p:tavLst>
+                                    </p:anim>
+                                  </p:childTnLst>
+                                </p:cTn>
+                              </p:par>
+                            </p:childTnLst>
+                          </p:cTn>
+                        </p:par>
+                      </p:childTnLst>
+                    </p:cTn>
+                  </p:par>
+                </p:childTnLst>
+              </p:cTn>
+              <p:prevCondLst>
+                <p:cond evt="onPrev" delay="0">
+                  <p:tgtEl>
+                    <p:sldTgt/>
+                  </p:tgtEl>
+                </p:cond>
+              </p:prevCondLst>
+              <p:nextCondLst>
+                <p:cond evt="onNext" delay="0">
+                  <p:tgtEl>
+                    <p:sldTgt/>
+                  </p:tgtEl>
+                </p:cond>
+              </p:nextCondLst>
+            </p:seq>
+          </p:childTnLst>
+        </p:cTn>
+      </p:par>
+    </p:tnLst>
+    <p:bldLst>
+      <p:bldP spid="15" grpId="0" animBg="1"/>
+      <p:bldP spid="17" grpId="0"/>
+      <p:bldP spid="18" grpId="0"/>
+    </p:bldLst>
+  </p:timing>
 </p:sld>
 </file>
 
-<file path=ppt/slides/slide4.xml><?xml version="1.0" encoding="utf-8"?>
+<file path=ppt/slides/slide5.xml><?xml version="1.0" encoding="utf-8"?>
 <p:sld xmlns:a="http://schemas.openxmlformats.org/drawingml/2006/main" xmlns:r="http://schemas.openxmlformats.org/officeDocument/2006/relationships" xmlns:p="http://schemas.openxmlformats.org/presentationml/2006/main">
   <p:cSld>
     <p:spTree>
@@ -11021,7 +15153,7 @@
           <a:p>
             <a:fld id="{8DF98BA9-0B5D-48FD-8864-41A23C2934CC}" type="slidenum">
               <a:rPr lang="it-IT" smtClean="0"/>
-              <a:t>3</a:t>
+              <a:t>4</a:t>
             </a:fld>
             <a:endParaRPr lang="it-IT"/>
           </a:p>
@@ -11073,10 +15205,139 @@
   <p:clrMapOvr>
     <a:masterClrMapping/>
   </p:clrMapOvr>
+  <p:timing>
+    <p:tnLst>
+      <p:par>
+        <p:cTn id="1" dur="indefinite" restart="never" nodeType="tmRoot">
+          <p:childTnLst>
+            <p:seq concurrent="1" nextAc="seek">
+              <p:cTn id="2" dur="indefinite" nodeType="mainSeq">
+                <p:childTnLst>
+                  <p:par>
+                    <p:cTn id="3" fill="hold">
+                      <p:stCondLst>
+                        <p:cond delay="indefinite"/>
+                      </p:stCondLst>
+                      <p:childTnLst>
+                        <p:par>
+                          <p:cTn id="4" fill="hold">
+                            <p:stCondLst>
+                              <p:cond delay="0"/>
+                            </p:stCondLst>
+                            <p:childTnLst>
+                              <p:par>
+                                <p:cTn id="5" presetID="42" presetClass="entr" presetSubtype="0" fill="hold" nodeType="clickEffect">
+                                  <p:stCondLst>
+                                    <p:cond delay="0"/>
+                                  </p:stCondLst>
+                                  <p:childTnLst>
+                                    <p:set>
+                                      <p:cBhvr>
+                                        <p:cTn id="6" dur="1" fill="hold">
+                                          <p:stCondLst>
+                                            <p:cond delay="0"/>
+                                          </p:stCondLst>
+                                        </p:cTn>
+                                        <p:tgtEl>
+                                          <p:spTgt spid="17"/>
+                                        </p:tgtEl>
+                                        <p:attrNameLst>
+                                          <p:attrName>style.visibility</p:attrName>
+                                        </p:attrNameLst>
+                                      </p:cBhvr>
+                                      <p:to>
+                                        <p:strVal val="visible"/>
+                                      </p:to>
+                                    </p:set>
+                                    <p:animEffect transition="in" filter="fade">
+                                      <p:cBhvr>
+                                        <p:cTn id="7" dur="1000"/>
+                                        <p:tgtEl>
+                                          <p:spTgt spid="17"/>
+                                        </p:tgtEl>
+                                      </p:cBhvr>
+                                    </p:animEffect>
+                                    <p:anim calcmode="lin" valueType="num">
+                                      <p:cBhvr>
+                                        <p:cTn id="8" dur="1000" fill="hold"/>
+                                        <p:tgtEl>
+                                          <p:spTgt spid="17"/>
+                                        </p:tgtEl>
+                                        <p:attrNameLst>
+                                          <p:attrName>ppt_x</p:attrName>
+                                        </p:attrNameLst>
+                                      </p:cBhvr>
+                                      <p:tavLst>
+                                        <p:tav tm="0">
+                                          <p:val>
+                                            <p:strVal val="#ppt_x"/>
+                                          </p:val>
+                                        </p:tav>
+                                        <p:tav tm="100000">
+                                          <p:val>
+                                            <p:strVal val="#ppt_x"/>
+                                          </p:val>
+                                        </p:tav>
+                                      </p:tavLst>
+                                    </p:anim>
+                                    <p:anim calcmode="lin" valueType="num">
+                                      <p:cBhvr>
+                                        <p:cTn id="9" dur="1000" fill="hold"/>
+                                        <p:tgtEl>
+                                          <p:spTgt spid="17"/>
+                                        </p:tgtEl>
+                                        <p:attrNameLst>
+                                          <p:attrName>ppt_y</p:attrName>
+                                        </p:attrNameLst>
+                                      </p:cBhvr>
+                                      <p:tavLst>
+                                        <p:tav tm="0">
+                                          <p:val>
+                                            <p:strVal val="#ppt_y+.1"/>
+                                          </p:val>
+                                        </p:tav>
+                                        <p:tav tm="100000">
+                                          <p:val>
+                                            <p:strVal val="#ppt_y"/>
+                                          </p:val>
+                                        </p:tav>
+                                      </p:tavLst>
+                                    </p:anim>
+                                  </p:childTnLst>
+                                </p:cTn>
+                              </p:par>
+                            </p:childTnLst>
+                          </p:cTn>
+                        </p:par>
+                      </p:childTnLst>
+                    </p:cTn>
+                  </p:par>
+                </p:childTnLst>
+              </p:cTn>
+              <p:prevCondLst>
+                <p:cond evt="onPrev" delay="0">
+                  <p:tgtEl>
+                    <p:sldTgt/>
+                  </p:tgtEl>
+                </p:cond>
+              </p:prevCondLst>
+              <p:nextCondLst>
+                <p:cond evt="onNext" delay="0">
+                  <p:tgtEl>
+                    <p:sldTgt/>
+                  </p:tgtEl>
+                </p:cond>
+              </p:nextCondLst>
+            </p:seq>
+          </p:childTnLst>
+        </p:cTn>
+      </p:par>
+    </p:tnLst>
+  </p:timing>
 </p:sld>
 </file>
 
-<file path=ppt/slides/slide5.xml><?xml version="1.0" encoding="utf-8"?>
+<file path=ppt/slides/slide6.xml><?xml version="1.0" encoding="utf-8"?>
 <p:sld xmlns:a="http://schemas.openxmlformats.org/drawingml/2006/main" xmlns:r="http://schemas.openxmlformats.org/officeDocument/2006/relationships" xmlns:p="http://schemas.openxmlformats.org/presentationml/2006/main">
   <p:cSld>
     <p:spTree>
@@ -11093,125 +15354,6 @@
           <a:chExt cx="0" cy="0"/>
         </a:xfrm>
       </p:grpSpPr>
-      <p:sp>
-        <p:nvSpPr>
-          <p:cNvPr id="3" name="Segnaposto contenuto 2">
-            <a:extLst>
-              <a:ext uri="{FF2B5EF4-FFF2-40B4-BE49-F238E27FC236}">
-                <a16:creationId xmlns:a16="http://schemas.microsoft.com/office/drawing/2014/main" id="{67B0525F-A23A-4FF6-AB33-512DDB06A27D}"/>
-              </a:ext>
-            </a:extLst>
-          </p:cNvPr>
-          <p:cNvSpPr>
-            <a:spLocks noGrp="1"/>
-          </p:cNvSpPr>
-          <p:nvPr>
-            <p:ph sz="half" idx="1"/>
-          </p:nvPr>
-        </p:nvSpPr>
-        <p:spPr>
-          <a:xfrm>
-            <a:off x="324855" y="1426576"/>
-            <a:ext cx="8494293" cy="2120232"/>
-          </a:xfrm>
-        </p:spPr>
-        <p:txBody>
-          <a:bodyPr>
-            <a:normAutofit fontScale="92500" lnSpcReduction="20000"/>
-          </a:bodyPr>
-          <a:lstStyle/>
-          <a:p>
-            <a:pPr marL="36900" indent="0">
-              <a:buClr>
-                <a:schemeClr val="accent2">
-                  <a:lumMod val="75000"/>
-                </a:schemeClr>
-              </a:buClr>
-              <a:buNone/>
-            </a:pPr>
-            <a:r>
-              <a:rPr lang="en-GB" b="1" dirty="0">
-                <a:solidFill>
-                  <a:srgbClr val="0070C0"/>
-                </a:solidFill>
-              </a:rPr>
-              <a:t>Character correspondence</a:t>
-            </a:r>
-          </a:p>
-          <a:p>
-            <a:pPr marL="36900" indent="0">
-              <a:buClr>
-                <a:schemeClr val="accent2">
-                  <a:lumMod val="75000"/>
-                </a:schemeClr>
-              </a:buClr>
-              <a:buNone/>
-            </a:pPr>
-            <a:r>
-              <a:rPr lang="en-GB" sz="1700" dirty="0"/>
-              <a:t>A human user is detected if classifying the audio peaks, recorded during the insertion of the password, there exists an ordered subsequence of predicted labels that is the same one of the password.</a:t>
-            </a:r>
-          </a:p>
-          <a:p>
-            <a:pPr marL="36900" indent="0">
-              <a:buClr>
-                <a:schemeClr val="accent2">
-                  <a:lumMod val="75000"/>
-                </a:schemeClr>
-              </a:buClr>
-              <a:buNone/>
-            </a:pPr>
-            <a:endParaRPr lang="en-GB" sz="1700" dirty="0">
-              <a:solidFill>
-                <a:srgbClr val="0070C0"/>
-              </a:solidFill>
-            </a:endParaRPr>
-          </a:p>
-          <a:p>
-            <a:pPr>
-              <a:buClr>
-                <a:schemeClr val="accent2">
-                  <a:lumMod val="75000"/>
-                </a:schemeClr>
-              </a:buClr>
-            </a:pPr>
-            <a:r>
-              <a:rPr lang="en-GB" sz="1800" dirty="0">
-                <a:solidFill>
-                  <a:schemeClr val="accent2">
-                    <a:lumMod val="75000"/>
-                  </a:schemeClr>
-                </a:solidFill>
-              </a:rPr>
-              <a:t>Data acquisition</a:t>
-            </a:r>
-          </a:p>
-          <a:p>
-            <a:pPr marL="414000" lvl="1" indent="0">
-              <a:buNone/>
-            </a:pPr>
-            <a:r>
-              <a:rPr lang="en-GB" sz="1600" dirty="0"/>
-              <a:t>200 audio files per key  of the keyboard + data augmentation</a:t>
-            </a:r>
-          </a:p>
-          <a:p>
-            <a:pPr marL="36900" indent="0">
-              <a:buClr>
-                <a:schemeClr val="accent2">
-                  <a:lumMod val="75000"/>
-                </a:schemeClr>
-              </a:buClr>
-              <a:buNone/>
-            </a:pPr>
-            <a:endParaRPr lang="en-GB" b="1" dirty="0">
-              <a:solidFill>
-                <a:srgbClr val="0070C0"/>
-              </a:solidFill>
-            </a:endParaRPr>
-          </a:p>
-        </p:txBody>
-      </p:sp>
       <p:sp>
         <p:nvSpPr>
           <p:cNvPr id="11" name="Segnaposto piè di pagina 3">
@@ -11274,7 +15416,7 @@
           <a:p>
             <a:fld id="{8DF98BA9-0B5D-48FD-8864-41A23C2934CC}" type="slidenum">
               <a:rPr lang="it-IT" sz="1100"/>
-              <a:t>4</a:t>
+              <a:t>5</a:t>
             </a:fld>
             <a:endParaRPr lang="it-IT" sz="1100"/>
           </a:p>
@@ -11336,8 +15478,8 @@
         </p:blipFill>
         <p:spPr>
           <a:xfrm>
-            <a:off x="1887585" y="3654926"/>
-            <a:ext cx="5368828" cy="2120232"/>
+            <a:off x="1312320" y="3308684"/>
+            <a:ext cx="6519358" cy="2574594"/>
           </a:xfrm>
           <a:prstGeom prst="rect">
             <a:avLst/>
@@ -11475,6 +15617,431 @@
           </a:p>
         </p:txBody>
       </p:sp>
+      <p:sp>
+        <p:nvSpPr>
+          <p:cNvPr id="9" name="Segnaposto contenuto 2">
+            <a:extLst>
+              <a:ext uri="{FF2B5EF4-FFF2-40B4-BE49-F238E27FC236}">
+                <a16:creationId xmlns:a16="http://schemas.microsoft.com/office/drawing/2014/main" id="{675F1E38-9E30-4D71-88B9-37EEFF804E3F}"/>
+              </a:ext>
+            </a:extLst>
+          </p:cNvPr>
+          <p:cNvSpPr txBox="1">
+            <a:spLocks/>
+          </p:cNvSpPr>
+          <p:nvPr/>
+        </p:nvSpPr>
+        <p:spPr>
+          <a:xfrm>
+            <a:off x="730245" y="1551493"/>
+            <a:ext cx="7683508" cy="1649071"/>
+          </a:xfrm>
+          <a:prstGeom prst="rect">
+            <a:avLst/>
+          </a:prstGeom>
+          <a:effectLst>
+            <a:outerShdw blurRad="25400" dir="17880000">
+              <a:srgbClr val="000000">
+                <a:alpha val="46000"/>
+              </a:srgbClr>
+            </a:outerShdw>
+          </a:effectLst>
+        </p:spPr>
+        <p:txBody>
+          <a:bodyPr vert="horz" lIns="91440" tIns="45720" rIns="91440" bIns="45720" rtlCol="0" anchor="ctr">
+            <a:noAutofit/>
+          </a:bodyPr>
+          <a:lstStyle>
+            <a:lvl1pPr marL="342900" indent="-306000" algn="l" defTabSz="457200" rtl="0" eaLnBrk="1" latinLnBrk="0" hangingPunct="1">
+              <a:spcBef>
+                <a:spcPct val="20000"/>
+              </a:spcBef>
+              <a:spcAft>
+                <a:spcPts val="600"/>
+              </a:spcAft>
+              <a:buClr>
+                <a:schemeClr val="tx2"/>
+              </a:buClr>
+              <a:buSzPct val="70000"/>
+              <a:buFont typeface="Wingdings 2" charset="2"/>
+              <a:buChar char=""/>
+              <a:defRPr sz="2000" kern="1200">
+                <a:ln>
+                  <a:solidFill>
+                    <a:schemeClr val="bg1">
+                      <a:lumMod val="75000"/>
+                      <a:lumOff val="25000"/>
+                      <a:alpha val="10000"/>
+                    </a:schemeClr>
+                  </a:solidFill>
+                </a:ln>
+                <a:solidFill>
+                  <a:schemeClr val="tx2"/>
+                </a:solidFill>
+                <a:effectLst>
+                  <a:outerShdw blurRad="9525" dist="25400" dir="14640000" algn="tl" rotWithShape="0">
+                    <a:schemeClr val="bg1">
+                      <a:alpha val="30000"/>
+                    </a:schemeClr>
+                  </a:outerShdw>
+                </a:effectLst>
+                <a:latin typeface="+mn-lt"/>
+                <a:ea typeface="+mn-ea"/>
+                <a:cs typeface="+mn-cs"/>
+              </a:defRPr>
+            </a:lvl1pPr>
+            <a:lvl2pPr marL="720000" indent="-270000" algn="l" defTabSz="457200" rtl="0" eaLnBrk="1" latinLnBrk="0" hangingPunct="1">
+              <a:spcBef>
+                <a:spcPct val="20000"/>
+              </a:spcBef>
+              <a:spcAft>
+                <a:spcPts val="600"/>
+              </a:spcAft>
+              <a:buClr>
+                <a:schemeClr val="tx2"/>
+              </a:buClr>
+              <a:buSzPct val="70000"/>
+              <a:buFont typeface="Wingdings 2" charset="2"/>
+              <a:buChar char=""/>
+              <a:defRPr sz="1800" kern="1200">
+                <a:ln>
+                  <a:solidFill>
+                    <a:schemeClr val="bg1">
+                      <a:lumMod val="75000"/>
+                      <a:lumOff val="25000"/>
+                      <a:alpha val="10000"/>
+                    </a:schemeClr>
+                  </a:solidFill>
+                </a:ln>
+                <a:solidFill>
+                  <a:schemeClr val="tx2"/>
+                </a:solidFill>
+                <a:effectLst>
+                  <a:outerShdw blurRad="9525" dist="25400" dir="14640000" algn="tl" rotWithShape="0">
+                    <a:schemeClr val="bg1">
+                      <a:alpha val="30000"/>
+                    </a:schemeClr>
+                  </a:outerShdw>
+                </a:effectLst>
+                <a:latin typeface="+mn-lt"/>
+                <a:ea typeface="+mn-ea"/>
+                <a:cs typeface="+mn-cs"/>
+              </a:defRPr>
+            </a:lvl2pPr>
+            <a:lvl3pPr marL="1026000" indent="-216000" algn="l" defTabSz="457200" rtl="0" eaLnBrk="1" latinLnBrk="0" hangingPunct="1">
+              <a:spcBef>
+                <a:spcPct val="20000"/>
+              </a:spcBef>
+              <a:spcAft>
+                <a:spcPts val="600"/>
+              </a:spcAft>
+              <a:buClr>
+                <a:schemeClr val="tx2"/>
+              </a:buClr>
+              <a:buSzPct val="70000"/>
+              <a:buFont typeface="Wingdings 2" charset="2"/>
+              <a:buChar char=""/>
+              <a:defRPr sz="1600" kern="1200">
+                <a:ln>
+                  <a:solidFill>
+                    <a:schemeClr val="bg1">
+                      <a:lumMod val="75000"/>
+                      <a:lumOff val="25000"/>
+                      <a:alpha val="10000"/>
+                    </a:schemeClr>
+                  </a:solidFill>
+                </a:ln>
+                <a:solidFill>
+                  <a:schemeClr val="tx2"/>
+                </a:solidFill>
+                <a:effectLst>
+                  <a:outerShdw blurRad="9525" dist="25400" dir="14640000" algn="tl" rotWithShape="0">
+                    <a:schemeClr val="bg1">
+                      <a:alpha val="30000"/>
+                    </a:schemeClr>
+                  </a:outerShdw>
+                </a:effectLst>
+                <a:latin typeface="+mn-lt"/>
+                <a:ea typeface="+mn-ea"/>
+                <a:cs typeface="+mn-cs"/>
+              </a:defRPr>
+            </a:lvl3pPr>
+            <a:lvl4pPr marL="1386000" indent="-216000" algn="l" defTabSz="457200" rtl="0" eaLnBrk="1" latinLnBrk="0" hangingPunct="1">
+              <a:spcBef>
+                <a:spcPct val="20000"/>
+              </a:spcBef>
+              <a:spcAft>
+                <a:spcPts val="600"/>
+              </a:spcAft>
+              <a:buClr>
+                <a:schemeClr val="tx2"/>
+              </a:buClr>
+              <a:buSzPct val="70000"/>
+              <a:buFont typeface="Wingdings 2" charset="2"/>
+              <a:buChar char=""/>
+              <a:defRPr sz="1400" kern="1200">
+                <a:ln>
+                  <a:solidFill>
+                    <a:schemeClr val="bg1">
+                      <a:lumMod val="75000"/>
+                      <a:lumOff val="25000"/>
+                      <a:alpha val="10000"/>
+                    </a:schemeClr>
+                  </a:solidFill>
+                </a:ln>
+                <a:solidFill>
+                  <a:schemeClr val="tx2"/>
+                </a:solidFill>
+                <a:effectLst>
+                  <a:outerShdw blurRad="9525" dist="25400" dir="14640000" algn="tl" rotWithShape="0">
+                    <a:schemeClr val="bg1">
+                      <a:alpha val="30000"/>
+                    </a:schemeClr>
+                  </a:outerShdw>
+                </a:effectLst>
+                <a:latin typeface="+mn-lt"/>
+                <a:ea typeface="+mn-ea"/>
+                <a:cs typeface="+mn-cs"/>
+              </a:defRPr>
+            </a:lvl4pPr>
+            <a:lvl5pPr marL="1674000" indent="-216000" algn="l" defTabSz="457200" rtl="0" eaLnBrk="1" latinLnBrk="0" hangingPunct="1">
+              <a:spcBef>
+                <a:spcPct val="20000"/>
+              </a:spcBef>
+              <a:spcAft>
+                <a:spcPts val="600"/>
+              </a:spcAft>
+              <a:buClr>
+                <a:schemeClr val="tx2"/>
+              </a:buClr>
+              <a:buSzPct val="70000"/>
+              <a:buFont typeface="Wingdings 2" charset="2"/>
+              <a:buChar char=""/>
+              <a:defRPr sz="1400" kern="1200">
+                <a:ln>
+                  <a:solidFill>
+                    <a:schemeClr val="bg1">
+                      <a:lumMod val="75000"/>
+                      <a:lumOff val="25000"/>
+                      <a:alpha val="10000"/>
+                    </a:schemeClr>
+                  </a:solidFill>
+                </a:ln>
+                <a:solidFill>
+                  <a:schemeClr val="tx2"/>
+                </a:solidFill>
+                <a:effectLst>
+                  <a:outerShdw blurRad="9525" dist="25400" dir="14640000" algn="tl" rotWithShape="0">
+                    <a:schemeClr val="bg1">
+                      <a:alpha val="30000"/>
+                    </a:schemeClr>
+                  </a:outerShdw>
+                </a:effectLst>
+                <a:latin typeface="+mn-lt"/>
+                <a:ea typeface="+mn-ea"/>
+                <a:cs typeface="+mn-cs"/>
+              </a:defRPr>
+            </a:lvl5pPr>
+            <a:lvl6pPr marL="2014600" indent="-228600" algn="l" defTabSz="457200" rtl="0" eaLnBrk="1" latinLnBrk="0" hangingPunct="1">
+              <a:spcBef>
+                <a:spcPct val="20000"/>
+              </a:spcBef>
+              <a:spcAft>
+                <a:spcPts val="600"/>
+              </a:spcAft>
+              <a:buClr>
+                <a:schemeClr val="tx2"/>
+              </a:buClr>
+              <a:buSzPct val="70000"/>
+              <a:buFont typeface="Wingdings 2" charset="2"/>
+              <a:buChar char=""/>
+              <a:defRPr sz="1400" kern="1200">
+                <a:ln>
+                  <a:solidFill>
+                    <a:schemeClr val="bg1">
+                      <a:lumMod val="75000"/>
+                      <a:lumOff val="25000"/>
+                      <a:alpha val="10000"/>
+                    </a:schemeClr>
+                  </a:solidFill>
+                </a:ln>
+                <a:solidFill>
+                  <a:schemeClr val="tx2"/>
+                </a:solidFill>
+                <a:effectLst>
+                  <a:outerShdw blurRad="9525" dist="25400" dir="14640000" algn="tl" rotWithShape="0">
+                    <a:schemeClr val="bg1">
+                      <a:alpha val="30000"/>
+                    </a:schemeClr>
+                  </a:outerShdw>
+                </a:effectLst>
+                <a:latin typeface="+mn-lt"/>
+                <a:ea typeface="+mn-ea"/>
+                <a:cs typeface="+mn-cs"/>
+              </a:defRPr>
+            </a:lvl6pPr>
+            <a:lvl7pPr marL="2401800" indent="-228600" algn="l" defTabSz="457200" rtl="0" eaLnBrk="1" latinLnBrk="0" hangingPunct="1">
+              <a:spcBef>
+                <a:spcPct val="20000"/>
+              </a:spcBef>
+              <a:spcAft>
+                <a:spcPts val="600"/>
+              </a:spcAft>
+              <a:buClr>
+                <a:schemeClr val="tx2"/>
+              </a:buClr>
+              <a:buSzPct val="70000"/>
+              <a:buFont typeface="Wingdings 2" charset="2"/>
+              <a:buChar char=""/>
+              <a:defRPr sz="1400" kern="1200">
+                <a:ln>
+                  <a:solidFill>
+                    <a:schemeClr val="bg1">
+                      <a:lumMod val="75000"/>
+                      <a:lumOff val="25000"/>
+                      <a:alpha val="10000"/>
+                    </a:schemeClr>
+                  </a:solidFill>
+                </a:ln>
+                <a:solidFill>
+                  <a:schemeClr val="tx2"/>
+                </a:solidFill>
+                <a:effectLst>
+                  <a:outerShdw blurRad="9525" dist="25400" dir="14640000" algn="tl" rotWithShape="0">
+                    <a:schemeClr val="bg1">
+                      <a:alpha val="30000"/>
+                    </a:schemeClr>
+                  </a:outerShdw>
+                </a:effectLst>
+                <a:latin typeface="+mn-lt"/>
+                <a:ea typeface="+mn-ea"/>
+                <a:cs typeface="+mn-cs"/>
+              </a:defRPr>
+            </a:lvl7pPr>
+            <a:lvl8pPr marL="2789000" indent="-228600" algn="l" defTabSz="457200" rtl="0" eaLnBrk="1" latinLnBrk="0" hangingPunct="1">
+              <a:spcBef>
+                <a:spcPct val="20000"/>
+              </a:spcBef>
+              <a:spcAft>
+                <a:spcPts val="600"/>
+              </a:spcAft>
+              <a:buClr>
+                <a:schemeClr val="tx2"/>
+              </a:buClr>
+              <a:buSzPct val="70000"/>
+              <a:buFont typeface="Wingdings 2" charset="2"/>
+              <a:buChar char=""/>
+              <a:defRPr sz="1400" kern="1200">
+                <a:ln>
+                  <a:solidFill>
+                    <a:schemeClr val="bg1">
+                      <a:lumMod val="75000"/>
+                      <a:lumOff val="25000"/>
+                      <a:alpha val="10000"/>
+                    </a:schemeClr>
+                  </a:solidFill>
+                </a:ln>
+                <a:solidFill>
+                  <a:schemeClr val="tx2"/>
+                </a:solidFill>
+                <a:effectLst>
+                  <a:outerShdw blurRad="9525" dist="25400" dir="14640000" algn="tl" rotWithShape="0">
+                    <a:schemeClr val="bg1">
+                      <a:alpha val="30000"/>
+                    </a:schemeClr>
+                  </a:outerShdw>
+                </a:effectLst>
+                <a:latin typeface="+mn-lt"/>
+                <a:ea typeface="+mn-ea"/>
+                <a:cs typeface="+mn-cs"/>
+              </a:defRPr>
+            </a:lvl8pPr>
+            <a:lvl9pPr marL="3106200" indent="-228600" algn="l" defTabSz="457200" rtl="0" eaLnBrk="1" latinLnBrk="0" hangingPunct="1">
+              <a:spcBef>
+                <a:spcPct val="20000"/>
+              </a:spcBef>
+              <a:spcAft>
+                <a:spcPts val="600"/>
+              </a:spcAft>
+              <a:buClr>
+                <a:schemeClr val="tx2"/>
+              </a:buClr>
+              <a:buSzPct val="70000"/>
+              <a:buFont typeface="Wingdings 2" charset="2"/>
+              <a:buChar char=""/>
+              <a:defRPr sz="1400" kern="1200">
+                <a:ln>
+                  <a:solidFill>
+                    <a:schemeClr val="bg1">
+                      <a:lumMod val="75000"/>
+                      <a:lumOff val="25000"/>
+                      <a:alpha val="10000"/>
+                    </a:schemeClr>
+                  </a:solidFill>
+                </a:ln>
+                <a:solidFill>
+                  <a:schemeClr val="tx2"/>
+                </a:solidFill>
+                <a:effectLst>
+                  <a:outerShdw blurRad="9525" dist="25400" dir="14640000" algn="tl" rotWithShape="0">
+                    <a:schemeClr val="bg1">
+                      <a:alpha val="30000"/>
+                    </a:schemeClr>
+                  </a:outerShdw>
+                </a:effectLst>
+                <a:latin typeface="+mn-lt"/>
+                <a:ea typeface="+mn-ea"/>
+                <a:cs typeface="+mn-cs"/>
+              </a:defRPr>
+            </a:lvl9pPr>
+          </a:lstStyle>
+          <a:p>
+            <a:pPr marL="36900" indent="0">
+              <a:buClr>
+                <a:schemeClr val="accent2">
+                  <a:lumMod val="75000"/>
+                </a:schemeClr>
+              </a:buClr>
+              <a:buNone/>
+            </a:pPr>
+            <a:r>
+              <a:rPr lang="en-GB" b="1" dirty="0">
+                <a:solidFill>
+                  <a:srgbClr val="0070C0"/>
+                </a:solidFill>
+              </a:rPr>
+              <a:t>Character correspondence</a:t>
+            </a:r>
+          </a:p>
+          <a:p>
+            <a:pPr marL="36900" indent="0">
+              <a:buClr>
+                <a:schemeClr val="accent2">
+                  <a:lumMod val="75000"/>
+                </a:schemeClr>
+              </a:buClr>
+              <a:buNone/>
+            </a:pPr>
+            <a:r>
+              <a:rPr lang="en-GB" sz="1800" dirty="0"/>
+              <a:t>A human user is detected:</a:t>
+            </a:r>
+          </a:p>
+          <a:p>
+            <a:pPr>
+              <a:buClr>
+                <a:schemeClr val="accent2">
+                  <a:lumMod val="75000"/>
+                </a:schemeClr>
+              </a:buClr>
+            </a:pPr>
+            <a:r>
+              <a:rPr lang="en-GB" sz="1800" dirty="0"/>
+              <a:t>if classifying the audio peaks, recorded during the insertion of the password, there exists an ordered subsequence of predicted labels that is the same one of the password.</a:t>
+            </a:r>
+          </a:p>
+        </p:txBody>
+      </p:sp>
     </p:spTree>
     <p:extLst>
       <p:ext uri="{BB962C8B-B14F-4D97-AF65-F5344CB8AC3E}">
@@ -11485,10 +16052,93 @@
   <p:clrMapOvr>
     <a:masterClrMapping/>
   </p:clrMapOvr>
+  <p:timing>
+    <p:tnLst>
+      <p:par>
+        <p:cTn id="1" dur="indefinite" restart="never" nodeType="tmRoot">
+          <p:childTnLst>
+            <p:seq concurrent="1" nextAc="seek">
+              <p:cTn id="2" dur="indefinite" nodeType="mainSeq">
+                <p:childTnLst>
+                  <p:par>
+                    <p:cTn id="3" fill="hold">
+                      <p:stCondLst>
+                        <p:cond delay="indefinite"/>
+                      </p:stCondLst>
+                      <p:childTnLst>
+                        <p:par>
+                          <p:cTn id="4" fill="hold">
+                            <p:stCondLst>
+                              <p:cond delay="0"/>
+                            </p:stCondLst>
+                            <p:childTnLst>
+                              <p:par>
+                                <p:cTn id="5" presetID="16" presetClass="entr" presetSubtype="21" fill="hold" nodeType="clickEffect">
+                                  <p:stCondLst>
+                                    <p:cond delay="0"/>
+                                  </p:stCondLst>
+                                  <p:childTnLst>
+                                    <p:set>
+                                      <p:cBhvr>
+                                        <p:cTn id="6" dur="1" fill="hold">
+                                          <p:stCondLst>
+                                            <p:cond delay="0"/>
+                                          </p:stCondLst>
+                                        </p:cTn>
+                                        <p:tgtEl>
+                                          <p:spTgt spid="8"/>
+                                        </p:tgtEl>
+                                        <p:attrNameLst>
+                                          <p:attrName>style.visibility</p:attrName>
+                                        </p:attrNameLst>
+                                      </p:cBhvr>
+                                      <p:to>
+                                        <p:strVal val="visible"/>
+                                      </p:to>
+                                    </p:set>
+                                    <p:animEffect transition="in" filter="barn(inVertical)">
+                                      <p:cBhvr>
+                                        <p:cTn id="7" dur="500"/>
+                                        <p:tgtEl>
+                                          <p:spTgt spid="8"/>
+                                        </p:tgtEl>
+                                      </p:cBhvr>
+                                    </p:animEffect>
+                                  </p:childTnLst>
+                                </p:cTn>
+                              </p:par>
+                            </p:childTnLst>
+                          </p:cTn>
+                        </p:par>
+                      </p:childTnLst>
+                    </p:cTn>
+                  </p:par>
+                </p:childTnLst>
+              </p:cTn>
+              <p:prevCondLst>
+                <p:cond evt="onPrev" delay="0">
+                  <p:tgtEl>
+                    <p:sldTgt/>
+                  </p:tgtEl>
+                </p:cond>
+              </p:prevCondLst>
+              <p:nextCondLst>
+                <p:cond evt="onNext" delay="0">
+                  <p:tgtEl>
+                    <p:sldTgt/>
+                  </p:tgtEl>
+                </p:cond>
+              </p:nextCondLst>
+            </p:seq>
+          </p:childTnLst>
+        </p:cTn>
+      </p:par>
+    </p:tnLst>
+  </p:timing>
 </p:sld>
 </file>
 
-<file path=ppt/slides/slide6.xml><?xml version="1.0" encoding="utf-8"?>
+<file path=ppt/slides/slide7.xml><?xml version="1.0" encoding="utf-8"?>
 <p:sld xmlns:a="http://schemas.openxmlformats.org/drawingml/2006/main" xmlns:r="http://schemas.openxmlformats.org/officeDocument/2006/relationships" xmlns:p="http://schemas.openxmlformats.org/presentationml/2006/main">
   <p:cSld>
     <p:spTree>
@@ -11523,8 +16173,8 @@
         </p:nvSpPr>
         <p:spPr>
           <a:xfrm>
-            <a:off x="435114" y="1528010"/>
-            <a:ext cx="4136886" cy="4224609"/>
+            <a:off x="435114" y="1515978"/>
+            <a:ext cx="4032714" cy="4224609"/>
           </a:xfrm>
         </p:spPr>
         <p:txBody>
@@ -11548,41 +16198,73 @@
                   </a:schemeClr>
                 </a:solidFill>
               </a:rPr>
-              <a:t>Extraction of features from the audio peak in every file</a:t>
-            </a:r>
+              <a:t>Training </a:t>
+            </a:r>
+            <a:r>
+              <a:rPr lang="it-IT" sz="1800" dirty="0">
+                <a:solidFill>
+                  <a:schemeClr val="accent2">
+                    <a:lumMod val="75000"/>
+                  </a:schemeClr>
+                </a:solidFill>
+              </a:rPr>
+              <a:t>of a </a:t>
+            </a:r>
+            <a:r>
+              <a:rPr lang="it-IT" sz="1800" dirty="0" err="1">
+                <a:solidFill>
+                  <a:schemeClr val="accent2">
+                    <a:lumMod val="75000"/>
+                  </a:schemeClr>
+                </a:solidFill>
+              </a:rPr>
+              <a:t>neural</a:t>
+            </a:r>
+            <a:r>
+              <a:rPr lang="it-IT" sz="1800" dirty="0">
+                <a:solidFill>
+                  <a:schemeClr val="accent2">
+                    <a:lumMod val="75000"/>
+                  </a:schemeClr>
+                </a:solidFill>
+              </a:rPr>
+              <a:t> </a:t>
+            </a:r>
+            <a:r>
+              <a:rPr lang="it-IT" sz="1800" dirty="0">
+                <a:solidFill>
+                  <a:schemeClr val="accent2">
+                    <a:lumMod val="75000"/>
+                  </a:schemeClr>
+                </a:solidFill>
+                <a:effectLst/>
+              </a:rPr>
+              <a:t>network</a:t>
+            </a:r>
+            <a:endParaRPr lang="en-GB" sz="1800" dirty="0">
+              <a:solidFill>
+                <a:schemeClr val="accent2">
+                  <a:lumMod val="75000"/>
+                </a:schemeClr>
+              </a:solidFill>
+            </a:endParaRPr>
           </a:p>
           <a:p>
             <a:pPr marL="414000" lvl="1" indent="0">
+              <a:buClr>
+                <a:schemeClr val="accent2">
+                  <a:lumMod val="75000"/>
+                </a:schemeClr>
+              </a:buClr>
               <a:buNone/>
             </a:pPr>
             <a:r>
               <a:rPr lang="en-GB" sz="1600" dirty="0"/>
-              <a:t>Three possible types of features:</a:t>
-            </a:r>
-          </a:p>
-          <a:p>
-            <a:pPr marL="699750" lvl="1" indent="-285750"/>
-            <a:r>
-              <a:rPr lang="en-GB" sz="1600" dirty="0"/>
-              <a:t>Normalized FFT of touch peak</a:t>
-            </a:r>
-          </a:p>
-          <a:p>
-            <a:pPr marL="699750" lvl="1" indent="-285750"/>
-            <a:r>
-              <a:rPr lang="en-GB" sz="1600" dirty="0"/>
-              <a:t>Normalized FFT of touch peak concatenated with the normalized        FFT of hit peak</a:t>
-            </a:r>
-          </a:p>
-          <a:p>
-            <a:pPr marL="699750" lvl="1" indent="-285750"/>
-            <a:r>
-              <a:rPr lang="en-GB" sz="1600" dirty="0"/>
-              <a:t>Spectrogram of press peak</a:t>
-            </a:r>
-          </a:p>
-          <a:p>
-            <a:pPr>
+              <a:t>over 200 audio files per key of the keyboard</a:t>
+            </a:r>
+          </a:p>
+          <a:p>
+            <a:pPr marL="322650" indent="-285750">
               <a:buClr>
                 <a:schemeClr val="accent2">
                   <a:lumMod val="75000"/>
@@ -11597,49 +16279,45 @@
                   </a:schemeClr>
                 </a:solidFill>
               </a:rPr>
-              <a:t>Training </a:t>
-            </a:r>
-            <a:r>
-              <a:rPr lang="it-IT" sz="1800" dirty="0">
-                <a:solidFill>
-                  <a:schemeClr val="accent2">
-                    <a:lumMod val="75000"/>
-                  </a:schemeClr>
-                </a:solidFill>
-              </a:rPr>
-              <a:t>of a </a:t>
-            </a:r>
-            <a:r>
-              <a:rPr lang="it-IT" sz="1800" dirty="0" err="1">
-                <a:solidFill>
-                  <a:schemeClr val="accent2">
-                    <a:lumMod val="75000"/>
-                  </a:schemeClr>
-                </a:solidFill>
-              </a:rPr>
-              <a:t>neural</a:t>
-            </a:r>
-            <a:r>
-              <a:rPr lang="it-IT" sz="1800" dirty="0">
-                <a:solidFill>
-                  <a:schemeClr val="accent2">
-                    <a:lumMod val="75000"/>
-                  </a:schemeClr>
-                </a:solidFill>
-              </a:rPr>
-              <a:t> </a:t>
-            </a:r>
-            <a:r>
-              <a:rPr lang="it-IT" sz="1800" dirty="0">
-                <a:solidFill>
-                  <a:schemeClr val="accent2">
-                    <a:lumMod val="75000"/>
-                  </a:schemeClr>
-                </a:solidFill>
-                <a:effectLst/>
-              </a:rPr>
-              <a:t>network</a:t>
-            </a:r>
+              <a:t>Type of possible features:</a:t>
+            </a:r>
+            <a:endParaRPr lang="en-GB" sz="1800" dirty="0">
+              <a:solidFill>
+                <a:schemeClr val="accent2">
+                  <a:lumMod val="75000"/>
+                </a:schemeClr>
+              </a:solidFill>
+              <a:effectLst/>
+            </a:endParaRPr>
+          </a:p>
+          <a:p>
+            <a:pPr marL="699750" lvl="1" indent="-285750"/>
+            <a:r>
+              <a:rPr lang="en-GB" sz="1600" dirty="0"/>
+              <a:t>Normalized FFT of touch peak</a:t>
+            </a:r>
+          </a:p>
+          <a:p>
+            <a:pPr marL="699750" lvl="1" indent="-285750"/>
+            <a:r>
+              <a:rPr lang="en-GB" sz="1600" dirty="0"/>
+              <a:t>Normalized FFT of touch peak concatenated with the normalized  FFT of hit peak</a:t>
+            </a:r>
+          </a:p>
+          <a:p>
+            <a:pPr marL="699750" lvl="1" indent="-285750"/>
+            <a:r>
+              <a:rPr lang="en-GB" sz="1600" dirty="0"/>
+              <a:t>Spectrogram of press peak</a:t>
+            </a:r>
+            <a:endParaRPr lang="it-IT" sz="1600" dirty="0">
+              <a:solidFill>
+                <a:schemeClr val="accent2">
+                  <a:lumMod val="75000"/>
+                </a:schemeClr>
+              </a:solidFill>
+              <a:effectLst/>
+            </a:endParaRPr>
           </a:p>
           <a:p>
             <a:pPr>
@@ -11724,7 +16402,7 @@
           <a:p>
             <a:fld id="{8DF98BA9-0B5D-48FD-8864-41A23C2934CC}" type="slidenum">
               <a:rPr lang="it-IT" sz="1100"/>
-              <a:t>5</a:t>
+              <a:t>6</a:t>
             </a:fld>
             <a:endParaRPr lang="it-IT" sz="1100"/>
           </a:p>
@@ -11822,7 +16500,7 @@
         </p:blipFill>
         <p:spPr>
           <a:xfrm>
-            <a:off x="5064783" y="3164758"/>
+            <a:off x="5064783" y="3297108"/>
             <a:ext cx="3255495" cy="2441621"/>
           </a:xfrm>
           <a:prstGeom prst="rect">
@@ -11876,10 +16554,238 @@
   <p:clrMapOvr>
     <a:masterClrMapping/>
   </p:clrMapOvr>
+  <p:timing>
+    <p:tnLst>
+      <p:par>
+        <p:cTn id="1" dur="indefinite" restart="never" nodeType="tmRoot">
+          <p:childTnLst>
+            <p:seq concurrent="1" nextAc="seek">
+              <p:cTn id="2" dur="indefinite" nodeType="mainSeq">
+                <p:childTnLst>
+                  <p:par>
+                    <p:cTn id="3" fill="hold">
+                      <p:stCondLst>
+                        <p:cond delay="indefinite"/>
+                      </p:stCondLst>
+                      <p:childTnLst>
+                        <p:par>
+                          <p:cTn id="4" fill="hold">
+                            <p:stCondLst>
+                              <p:cond delay="0"/>
+                            </p:stCondLst>
+                            <p:childTnLst>
+                              <p:par>
+                                <p:cTn id="5" presetID="47" presetClass="entr" presetSubtype="0" fill="hold" nodeType="clickEffect">
+                                  <p:stCondLst>
+                                    <p:cond delay="0"/>
+                                  </p:stCondLst>
+                                  <p:childTnLst>
+                                    <p:set>
+                                      <p:cBhvr>
+                                        <p:cTn id="6" dur="1" fill="hold">
+                                          <p:stCondLst>
+                                            <p:cond delay="0"/>
+                                          </p:stCondLst>
+                                        </p:cTn>
+                                        <p:tgtEl>
+                                          <p:spTgt spid="11"/>
+                                        </p:tgtEl>
+                                        <p:attrNameLst>
+                                          <p:attrName>style.visibility</p:attrName>
+                                        </p:attrNameLst>
+                                      </p:cBhvr>
+                                      <p:to>
+                                        <p:strVal val="visible"/>
+                                      </p:to>
+                                    </p:set>
+                                    <p:animEffect transition="in" filter="fade">
+                                      <p:cBhvr>
+                                        <p:cTn id="7" dur="1000"/>
+                                        <p:tgtEl>
+                                          <p:spTgt spid="11"/>
+                                        </p:tgtEl>
+                                      </p:cBhvr>
+                                    </p:animEffect>
+                                    <p:anim calcmode="lin" valueType="num">
+                                      <p:cBhvr>
+                                        <p:cTn id="8" dur="1000" fill="hold"/>
+                                        <p:tgtEl>
+                                          <p:spTgt spid="11"/>
+                                        </p:tgtEl>
+                                        <p:attrNameLst>
+                                          <p:attrName>ppt_x</p:attrName>
+                                        </p:attrNameLst>
+                                      </p:cBhvr>
+                                      <p:tavLst>
+                                        <p:tav tm="0">
+                                          <p:val>
+                                            <p:strVal val="#ppt_x"/>
+                                          </p:val>
+                                        </p:tav>
+                                        <p:tav tm="100000">
+                                          <p:val>
+                                            <p:strVal val="#ppt_x"/>
+                                          </p:val>
+                                        </p:tav>
+                                      </p:tavLst>
+                                    </p:anim>
+                                    <p:anim calcmode="lin" valueType="num">
+                                      <p:cBhvr>
+                                        <p:cTn id="9" dur="1000" fill="hold"/>
+                                        <p:tgtEl>
+                                          <p:spTgt spid="11"/>
+                                        </p:tgtEl>
+                                        <p:attrNameLst>
+                                          <p:attrName>ppt_y</p:attrName>
+                                        </p:attrNameLst>
+                                      </p:cBhvr>
+                                      <p:tavLst>
+                                        <p:tav tm="0">
+                                          <p:val>
+                                            <p:strVal val="#ppt_y-.1"/>
+                                          </p:val>
+                                        </p:tav>
+                                        <p:tav tm="100000">
+                                          <p:val>
+                                            <p:strVal val="#ppt_y"/>
+                                          </p:val>
+                                        </p:tav>
+                                      </p:tavLst>
+                                    </p:anim>
+                                  </p:childTnLst>
+                                </p:cTn>
+                              </p:par>
+                            </p:childTnLst>
+                          </p:cTn>
+                        </p:par>
+                      </p:childTnLst>
+                    </p:cTn>
+                  </p:par>
+                  <p:par>
+                    <p:cTn id="10" fill="hold">
+                      <p:stCondLst>
+                        <p:cond delay="indefinite"/>
+                      </p:stCondLst>
+                      <p:childTnLst>
+                        <p:par>
+                          <p:cTn id="11" fill="hold">
+                            <p:stCondLst>
+                              <p:cond delay="0"/>
+                            </p:stCondLst>
+                            <p:childTnLst>
+                              <p:par>
+                                <p:cTn id="12" presetID="42" presetClass="entr" presetSubtype="0" fill="hold" nodeType="clickEffect">
+                                  <p:stCondLst>
+                                    <p:cond delay="0"/>
+                                  </p:stCondLst>
+                                  <p:childTnLst>
+                                    <p:set>
+                                      <p:cBhvr>
+                                        <p:cTn id="13" dur="1" fill="hold">
+                                          <p:stCondLst>
+                                            <p:cond delay="0"/>
+                                          </p:stCondLst>
+                                        </p:cTn>
+                                        <p:tgtEl>
+                                          <p:spTgt spid="13"/>
+                                        </p:tgtEl>
+                                        <p:attrNameLst>
+                                          <p:attrName>style.visibility</p:attrName>
+                                        </p:attrNameLst>
+                                      </p:cBhvr>
+                                      <p:to>
+                                        <p:strVal val="visible"/>
+                                      </p:to>
+                                    </p:set>
+                                    <p:animEffect transition="in" filter="fade">
+                                      <p:cBhvr>
+                                        <p:cTn id="14" dur="1000"/>
+                                        <p:tgtEl>
+                                          <p:spTgt spid="13"/>
+                                        </p:tgtEl>
+                                      </p:cBhvr>
+                                    </p:animEffect>
+                                    <p:anim calcmode="lin" valueType="num">
+                                      <p:cBhvr>
+                                        <p:cTn id="15" dur="1000" fill="hold"/>
+                                        <p:tgtEl>
+                                          <p:spTgt spid="13"/>
+                                        </p:tgtEl>
+                                        <p:attrNameLst>
+                                          <p:attrName>ppt_x</p:attrName>
+                                        </p:attrNameLst>
+                                      </p:cBhvr>
+                                      <p:tavLst>
+                                        <p:tav tm="0">
+                                          <p:val>
+                                            <p:strVal val="#ppt_x"/>
+                                          </p:val>
+                                        </p:tav>
+                                        <p:tav tm="100000">
+                                          <p:val>
+                                            <p:strVal val="#ppt_x"/>
+                                          </p:val>
+                                        </p:tav>
+                                      </p:tavLst>
+                                    </p:anim>
+                                    <p:anim calcmode="lin" valueType="num">
+                                      <p:cBhvr>
+                                        <p:cTn id="16" dur="1000" fill="hold"/>
+                                        <p:tgtEl>
+                                          <p:spTgt spid="13"/>
+                                        </p:tgtEl>
+                                        <p:attrNameLst>
+                                          <p:attrName>ppt_y</p:attrName>
+                                        </p:attrNameLst>
+                                      </p:cBhvr>
+                                      <p:tavLst>
+                                        <p:tav tm="0">
+                                          <p:val>
+                                            <p:strVal val="#ppt_y+.1"/>
+                                          </p:val>
+                                        </p:tav>
+                                        <p:tav tm="100000">
+                                          <p:val>
+                                            <p:strVal val="#ppt_y"/>
+                                          </p:val>
+                                        </p:tav>
+                                      </p:tavLst>
+                                    </p:anim>
+                                  </p:childTnLst>
+                                </p:cTn>
+                              </p:par>
+                            </p:childTnLst>
+                          </p:cTn>
+                        </p:par>
+                      </p:childTnLst>
+                    </p:cTn>
+                  </p:par>
+                </p:childTnLst>
+              </p:cTn>
+              <p:prevCondLst>
+                <p:cond evt="onPrev" delay="0">
+                  <p:tgtEl>
+                    <p:sldTgt/>
+                  </p:tgtEl>
+                </p:cond>
+              </p:prevCondLst>
+              <p:nextCondLst>
+                <p:cond evt="onNext" delay="0">
+                  <p:tgtEl>
+                    <p:sldTgt/>
+                  </p:tgtEl>
+                </p:cond>
+              </p:nextCondLst>
+            </p:seq>
+          </p:childTnLst>
+        </p:cTn>
+      </p:par>
+    </p:tnLst>
+  </p:timing>
 </p:sld>
 </file>
 
-<file path=ppt/slides/slide7.xml><?xml version="1.0" encoding="utf-8"?>
+<file path=ppt/slides/slide8.xml><?xml version="1.0" encoding="utf-8"?>
 <p:sld xmlns:a="http://schemas.openxmlformats.org/drawingml/2006/main" xmlns:r="http://schemas.openxmlformats.org/officeDocument/2006/relationships" xmlns:p="http://schemas.openxmlformats.org/presentationml/2006/main">
   <p:cSld>
     <p:spTree>
@@ -11974,8 +16880,8 @@
         </p:blipFill>
         <p:spPr>
           <a:xfrm>
-            <a:off x="2282870" y="2762651"/>
-            <a:ext cx="4570270" cy="2913547"/>
+            <a:off x="3968318" y="2093081"/>
+            <a:ext cx="4696143" cy="2993791"/>
           </a:xfrm>
           <a:noFill/>
         </p:spPr>
@@ -12042,7 +16948,7 @@
           <a:p>
             <a:fld id="{8DF98BA9-0B5D-48FD-8864-41A23C2934CC}" type="slidenum">
               <a:rPr lang="it-IT" sz="1100"/>
-              <a:t>6</a:t>
+              <a:t>7</a:t>
             </a:fld>
             <a:endParaRPr lang="it-IT" sz="1100"/>
           </a:p>
@@ -12092,8 +16998,8 @@
         </p:nvSpPr>
         <p:spPr>
           <a:xfrm>
-            <a:off x="2983676" y="1686965"/>
-            <a:ext cx="3168661" cy="776800"/>
+            <a:off x="310864" y="2302676"/>
+            <a:ext cx="3430958" cy="822529"/>
           </a:xfrm>
           <a:prstGeom prst="rect">
             <a:avLst/>
@@ -12107,8 +17013,8 @@
           </a:effectLst>
         </p:spPr>
         <p:txBody>
-          <a:bodyPr vert="horz" lIns="91440" tIns="45720" rIns="91440" bIns="45720" rtlCol="0" anchor="t">
-            <a:normAutofit/>
+          <a:bodyPr vert="horz" lIns="91440" tIns="45720" rIns="91440" bIns="45720" rtlCol="0" anchor="ctr">
+            <a:noAutofit/>
           </a:bodyPr>
           <a:lstStyle>
             <a:lvl1pPr marL="342900" indent="-306000" algn="l" defTabSz="457200" rtl="0" eaLnBrk="1" latinLnBrk="0" hangingPunct="1">
@@ -12463,12 +17369,28 @@
               </a:buClr>
             </a:pPr>
             <a:r>
-              <a:rPr lang="en-GB" sz="1600" b="1" dirty="0"/>
+              <a:rPr lang="en-GB" sz="1800" b="1" dirty="0">
+                <a:solidFill>
+                  <a:schemeClr val="accent2">
+                    <a:lumMod val="75000"/>
+                  </a:schemeClr>
+                </a:solidFill>
+              </a:rPr>
               <a:t>m:</a:t>
             </a:r>
             <a:r>
-              <a:rPr lang="en-GB" sz="1600" dirty="0"/>
-              <a:t> user’s evaluation response</a:t>
+              <a:rPr lang="en-GB" sz="1800" dirty="0">
+                <a:solidFill>
+                  <a:schemeClr val="accent2">
+                    <a:lumMod val="75000"/>
+                  </a:schemeClr>
+                </a:solidFill>
+              </a:rPr>
+              <a:t> </a:t>
+            </a:r>
+            <a:r>
+              <a:rPr lang="en-GB" sz="1800" dirty="0"/>
+              <a:t>user’s evaluation response</a:t>
             </a:r>
           </a:p>
           <a:p>
@@ -12480,22 +17402,471 @@
               </a:buClr>
             </a:pPr>
             <a:r>
-              <a:rPr lang="it-IT" sz="1600" b="1" dirty="0"/>
-              <a:t>n</a:t>
-            </a:r>
-            <a:r>
-              <a:rPr lang="it-IT" sz="1400" b="1" dirty="0"/>
-              <a:t>:</a:t>
-            </a:r>
-            <a:r>
-              <a:rPr lang="it-IT" sz="1600" dirty="0"/>
+              <a:rPr lang="it-IT" sz="1800" b="1" dirty="0">
+                <a:solidFill>
+                  <a:schemeClr val="accent2">
+                    <a:lumMod val="75000"/>
+                  </a:schemeClr>
+                </a:solidFill>
+              </a:rPr>
+              <a:t>n:</a:t>
+            </a:r>
+            <a:r>
+              <a:rPr lang="it-IT" sz="1800" dirty="0"/>
               <a:t> </a:t>
             </a:r>
             <a:r>
-              <a:rPr lang="it-IT" sz="1600" dirty="0" err="1"/>
+              <a:rPr lang="it-IT" sz="1800" dirty="0" err="1"/>
               <a:t>nonce</a:t>
             </a:r>
-            <a:endParaRPr lang="it-IT" sz="1600" dirty="0"/>
+            <a:endParaRPr lang="it-IT" sz="1800" dirty="0"/>
+          </a:p>
+        </p:txBody>
+      </p:sp>
+      <p:sp>
+        <p:nvSpPr>
+          <p:cNvPr id="9" name="Freccia a destra 8">
+            <a:extLst>
+              <a:ext uri="{FF2B5EF4-FFF2-40B4-BE49-F238E27FC236}">
+                <a16:creationId xmlns:a16="http://schemas.microsoft.com/office/drawing/2014/main" id="{FEBEB036-3E87-4263-A21E-7B3272E8B78C}"/>
+              </a:ext>
+            </a:extLst>
+          </p:cNvPr>
+          <p:cNvSpPr/>
+          <p:nvPr/>
+        </p:nvSpPr>
+        <p:spPr>
+          <a:xfrm rot="5400000">
+            <a:off x="1800790" y="3192206"/>
+            <a:ext cx="451102" cy="344439"/>
+          </a:xfrm>
+          <a:prstGeom prst="rightArrow">
+            <a:avLst/>
+          </a:prstGeom>
+        </p:spPr>
+        <p:style>
+          <a:lnRef idx="2">
+            <a:schemeClr val="accent1">
+              <a:shade val="50000"/>
+            </a:schemeClr>
+          </a:lnRef>
+          <a:fillRef idx="1">
+            <a:schemeClr val="accent1"/>
+          </a:fillRef>
+          <a:effectRef idx="0">
+            <a:schemeClr val="accent1"/>
+          </a:effectRef>
+          <a:fontRef idx="minor">
+            <a:schemeClr val="lt1"/>
+          </a:fontRef>
+        </p:style>
+        <p:txBody>
+          <a:bodyPr rtlCol="0" anchor="ctr"/>
+          <a:lstStyle/>
+          <a:p>
+            <a:pPr algn="ctr"/>
+            <a:endParaRPr lang="it-IT"/>
+          </a:p>
+        </p:txBody>
+      </p:sp>
+      <p:sp>
+        <p:nvSpPr>
+          <p:cNvPr id="10" name="Segnaposto contenuto 2">
+            <a:extLst>
+              <a:ext uri="{FF2B5EF4-FFF2-40B4-BE49-F238E27FC236}">
+                <a16:creationId xmlns:a16="http://schemas.microsoft.com/office/drawing/2014/main" id="{C646B4E5-B920-46F2-8886-BEDC9BFF1F75}"/>
+              </a:ext>
+            </a:extLst>
+          </p:cNvPr>
+          <p:cNvSpPr txBox="1">
+            <a:spLocks/>
+          </p:cNvSpPr>
+          <p:nvPr/>
+        </p:nvSpPr>
+        <p:spPr>
+          <a:xfrm>
+            <a:off x="310863" y="3786856"/>
+            <a:ext cx="3430958" cy="451103"/>
+          </a:xfrm>
+          <a:prstGeom prst="rect">
+            <a:avLst/>
+          </a:prstGeom>
+          <a:effectLst>
+            <a:outerShdw blurRad="25400" dir="17880000">
+              <a:srgbClr val="000000">
+                <a:alpha val="46000"/>
+              </a:srgbClr>
+            </a:outerShdw>
+          </a:effectLst>
+        </p:spPr>
+        <p:txBody>
+          <a:bodyPr vert="horz" lIns="91440" tIns="45720" rIns="91440" bIns="45720" rtlCol="0" anchor="ctr">
+            <a:noAutofit/>
+          </a:bodyPr>
+          <a:lstStyle>
+            <a:lvl1pPr marL="342900" indent="-306000" algn="l" defTabSz="457200" rtl="0" eaLnBrk="1" latinLnBrk="0" hangingPunct="1">
+              <a:spcBef>
+                <a:spcPct val="20000"/>
+              </a:spcBef>
+              <a:spcAft>
+                <a:spcPts val="600"/>
+              </a:spcAft>
+              <a:buClr>
+                <a:schemeClr val="tx2"/>
+              </a:buClr>
+              <a:buSzPct val="70000"/>
+              <a:buFont typeface="Wingdings 2" charset="2"/>
+              <a:buChar char=""/>
+              <a:defRPr sz="2000" kern="1200">
+                <a:ln>
+                  <a:solidFill>
+                    <a:schemeClr val="bg1">
+                      <a:lumMod val="75000"/>
+                      <a:lumOff val="25000"/>
+                      <a:alpha val="10000"/>
+                    </a:schemeClr>
+                  </a:solidFill>
+                </a:ln>
+                <a:solidFill>
+                  <a:schemeClr val="tx2"/>
+                </a:solidFill>
+                <a:effectLst>
+                  <a:outerShdw blurRad="9525" dist="25400" dir="14640000" algn="tl" rotWithShape="0">
+                    <a:schemeClr val="bg1">
+                      <a:alpha val="30000"/>
+                    </a:schemeClr>
+                  </a:outerShdw>
+                </a:effectLst>
+                <a:latin typeface="+mn-lt"/>
+                <a:ea typeface="+mn-ea"/>
+                <a:cs typeface="+mn-cs"/>
+              </a:defRPr>
+            </a:lvl1pPr>
+            <a:lvl2pPr marL="720000" indent="-270000" algn="l" defTabSz="457200" rtl="0" eaLnBrk="1" latinLnBrk="0" hangingPunct="1">
+              <a:spcBef>
+                <a:spcPct val="20000"/>
+              </a:spcBef>
+              <a:spcAft>
+                <a:spcPts val="600"/>
+              </a:spcAft>
+              <a:buClr>
+                <a:schemeClr val="tx2"/>
+              </a:buClr>
+              <a:buSzPct val="70000"/>
+              <a:buFont typeface="Wingdings 2" charset="2"/>
+              <a:buChar char=""/>
+              <a:defRPr sz="1800" kern="1200">
+                <a:ln>
+                  <a:solidFill>
+                    <a:schemeClr val="bg1">
+                      <a:lumMod val="75000"/>
+                      <a:lumOff val="25000"/>
+                      <a:alpha val="10000"/>
+                    </a:schemeClr>
+                  </a:solidFill>
+                </a:ln>
+                <a:solidFill>
+                  <a:schemeClr val="tx2"/>
+                </a:solidFill>
+                <a:effectLst>
+                  <a:outerShdw blurRad="9525" dist="25400" dir="14640000" algn="tl" rotWithShape="0">
+                    <a:schemeClr val="bg1">
+                      <a:alpha val="30000"/>
+                    </a:schemeClr>
+                  </a:outerShdw>
+                </a:effectLst>
+                <a:latin typeface="+mn-lt"/>
+                <a:ea typeface="+mn-ea"/>
+                <a:cs typeface="+mn-cs"/>
+              </a:defRPr>
+            </a:lvl2pPr>
+            <a:lvl3pPr marL="1026000" indent="-216000" algn="l" defTabSz="457200" rtl="0" eaLnBrk="1" latinLnBrk="0" hangingPunct="1">
+              <a:spcBef>
+                <a:spcPct val="20000"/>
+              </a:spcBef>
+              <a:spcAft>
+                <a:spcPts val="600"/>
+              </a:spcAft>
+              <a:buClr>
+                <a:schemeClr val="tx2"/>
+              </a:buClr>
+              <a:buSzPct val="70000"/>
+              <a:buFont typeface="Wingdings 2" charset="2"/>
+              <a:buChar char=""/>
+              <a:defRPr sz="1600" kern="1200">
+                <a:ln>
+                  <a:solidFill>
+                    <a:schemeClr val="bg1">
+                      <a:lumMod val="75000"/>
+                      <a:lumOff val="25000"/>
+                      <a:alpha val="10000"/>
+                    </a:schemeClr>
+                  </a:solidFill>
+                </a:ln>
+                <a:solidFill>
+                  <a:schemeClr val="tx2"/>
+                </a:solidFill>
+                <a:effectLst>
+                  <a:outerShdw blurRad="9525" dist="25400" dir="14640000" algn="tl" rotWithShape="0">
+                    <a:schemeClr val="bg1">
+                      <a:alpha val="30000"/>
+                    </a:schemeClr>
+                  </a:outerShdw>
+                </a:effectLst>
+                <a:latin typeface="+mn-lt"/>
+                <a:ea typeface="+mn-ea"/>
+                <a:cs typeface="+mn-cs"/>
+              </a:defRPr>
+            </a:lvl3pPr>
+            <a:lvl4pPr marL="1386000" indent="-216000" algn="l" defTabSz="457200" rtl="0" eaLnBrk="1" latinLnBrk="0" hangingPunct="1">
+              <a:spcBef>
+                <a:spcPct val="20000"/>
+              </a:spcBef>
+              <a:spcAft>
+                <a:spcPts val="600"/>
+              </a:spcAft>
+              <a:buClr>
+                <a:schemeClr val="tx2"/>
+              </a:buClr>
+              <a:buSzPct val="70000"/>
+              <a:buFont typeface="Wingdings 2" charset="2"/>
+              <a:buChar char=""/>
+              <a:defRPr sz="1400" kern="1200">
+                <a:ln>
+                  <a:solidFill>
+                    <a:schemeClr val="bg1">
+                      <a:lumMod val="75000"/>
+                      <a:lumOff val="25000"/>
+                      <a:alpha val="10000"/>
+                    </a:schemeClr>
+                  </a:solidFill>
+                </a:ln>
+                <a:solidFill>
+                  <a:schemeClr val="tx2"/>
+                </a:solidFill>
+                <a:effectLst>
+                  <a:outerShdw blurRad="9525" dist="25400" dir="14640000" algn="tl" rotWithShape="0">
+                    <a:schemeClr val="bg1">
+                      <a:alpha val="30000"/>
+                    </a:schemeClr>
+                  </a:outerShdw>
+                </a:effectLst>
+                <a:latin typeface="+mn-lt"/>
+                <a:ea typeface="+mn-ea"/>
+                <a:cs typeface="+mn-cs"/>
+              </a:defRPr>
+            </a:lvl4pPr>
+            <a:lvl5pPr marL="1674000" indent="-216000" algn="l" defTabSz="457200" rtl="0" eaLnBrk="1" latinLnBrk="0" hangingPunct="1">
+              <a:spcBef>
+                <a:spcPct val="20000"/>
+              </a:spcBef>
+              <a:spcAft>
+                <a:spcPts val="600"/>
+              </a:spcAft>
+              <a:buClr>
+                <a:schemeClr val="tx2"/>
+              </a:buClr>
+              <a:buSzPct val="70000"/>
+              <a:buFont typeface="Wingdings 2" charset="2"/>
+              <a:buChar char=""/>
+              <a:defRPr sz="1400" kern="1200">
+                <a:ln>
+                  <a:solidFill>
+                    <a:schemeClr val="bg1">
+                      <a:lumMod val="75000"/>
+                      <a:lumOff val="25000"/>
+                      <a:alpha val="10000"/>
+                    </a:schemeClr>
+                  </a:solidFill>
+                </a:ln>
+                <a:solidFill>
+                  <a:schemeClr val="tx2"/>
+                </a:solidFill>
+                <a:effectLst>
+                  <a:outerShdw blurRad="9525" dist="25400" dir="14640000" algn="tl" rotWithShape="0">
+                    <a:schemeClr val="bg1">
+                      <a:alpha val="30000"/>
+                    </a:schemeClr>
+                  </a:outerShdw>
+                </a:effectLst>
+                <a:latin typeface="+mn-lt"/>
+                <a:ea typeface="+mn-ea"/>
+                <a:cs typeface="+mn-cs"/>
+              </a:defRPr>
+            </a:lvl5pPr>
+            <a:lvl6pPr marL="2014600" indent="-228600" algn="l" defTabSz="457200" rtl="0" eaLnBrk="1" latinLnBrk="0" hangingPunct="1">
+              <a:spcBef>
+                <a:spcPct val="20000"/>
+              </a:spcBef>
+              <a:spcAft>
+                <a:spcPts val="600"/>
+              </a:spcAft>
+              <a:buClr>
+                <a:schemeClr val="tx2"/>
+              </a:buClr>
+              <a:buSzPct val="70000"/>
+              <a:buFont typeface="Wingdings 2" charset="2"/>
+              <a:buChar char=""/>
+              <a:defRPr sz="1400" kern="1200">
+                <a:ln>
+                  <a:solidFill>
+                    <a:schemeClr val="bg1">
+                      <a:lumMod val="75000"/>
+                      <a:lumOff val="25000"/>
+                      <a:alpha val="10000"/>
+                    </a:schemeClr>
+                  </a:solidFill>
+                </a:ln>
+                <a:solidFill>
+                  <a:schemeClr val="tx2"/>
+                </a:solidFill>
+                <a:effectLst>
+                  <a:outerShdw blurRad="9525" dist="25400" dir="14640000" algn="tl" rotWithShape="0">
+                    <a:schemeClr val="bg1">
+                      <a:alpha val="30000"/>
+                    </a:schemeClr>
+                  </a:outerShdw>
+                </a:effectLst>
+                <a:latin typeface="+mn-lt"/>
+                <a:ea typeface="+mn-ea"/>
+                <a:cs typeface="+mn-cs"/>
+              </a:defRPr>
+            </a:lvl6pPr>
+            <a:lvl7pPr marL="2401800" indent="-228600" algn="l" defTabSz="457200" rtl="0" eaLnBrk="1" latinLnBrk="0" hangingPunct="1">
+              <a:spcBef>
+                <a:spcPct val="20000"/>
+              </a:spcBef>
+              <a:spcAft>
+                <a:spcPts val="600"/>
+              </a:spcAft>
+              <a:buClr>
+                <a:schemeClr val="tx2"/>
+              </a:buClr>
+              <a:buSzPct val="70000"/>
+              <a:buFont typeface="Wingdings 2" charset="2"/>
+              <a:buChar char=""/>
+              <a:defRPr sz="1400" kern="1200">
+                <a:ln>
+                  <a:solidFill>
+                    <a:schemeClr val="bg1">
+                      <a:lumMod val="75000"/>
+                      <a:lumOff val="25000"/>
+                      <a:alpha val="10000"/>
+                    </a:schemeClr>
+                  </a:solidFill>
+                </a:ln>
+                <a:solidFill>
+                  <a:schemeClr val="tx2"/>
+                </a:solidFill>
+                <a:effectLst>
+                  <a:outerShdw blurRad="9525" dist="25400" dir="14640000" algn="tl" rotWithShape="0">
+                    <a:schemeClr val="bg1">
+                      <a:alpha val="30000"/>
+                    </a:schemeClr>
+                  </a:outerShdw>
+                </a:effectLst>
+                <a:latin typeface="+mn-lt"/>
+                <a:ea typeface="+mn-ea"/>
+                <a:cs typeface="+mn-cs"/>
+              </a:defRPr>
+            </a:lvl7pPr>
+            <a:lvl8pPr marL="2789000" indent="-228600" algn="l" defTabSz="457200" rtl="0" eaLnBrk="1" latinLnBrk="0" hangingPunct="1">
+              <a:spcBef>
+                <a:spcPct val="20000"/>
+              </a:spcBef>
+              <a:spcAft>
+                <a:spcPts val="600"/>
+              </a:spcAft>
+              <a:buClr>
+                <a:schemeClr val="tx2"/>
+              </a:buClr>
+              <a:buSzPct val="70000"/>
+              <a:buFont typeface="Wingdings 2" charset="2"/>
+              <a:buChar char=""/>
+              <a:defRPr sz="1400" kern="1200">
+                <a:ln>
+                  <a:solidFill>
+                    <a:schemeClr val="bg1">
+                      <a:lumMod val="75000"/>
+                      <a:lumOff val="25000"/>
+                      <a:alpha val="10000"/>
+                    </a:schemeClr>
+                  </a:solidFill>
+                </a:ln>
+                <a:solidFill>
+                  <a:schemeClr val="tx2"/>
+                </a:solidFill>
+                <a:effectLst>
+                  <a:outerShdw blurRad="9525" dist="25400" dir="14640000" algn="tl" rotWithShape="0">
+                    <a:schemeClr val="bg1">
+                      <a:alpha val="30000"/>
+                    </a:schemeClr>
+                  </a:outerShdw>
+                </a:effectLst>
+                <a:latin typeface="+mn-lt"/>
+                <a:ea typeface="+mn-ea"/>
+                <a:cs typeface="+mn-cs"/>
+              </a:defRPr>
+            </a:lvl8pPr>
+            <a:lvl9pPr marL="3106200" indent="-228600" algn="l" defTabSz="457200" rtl="0" eaLnBrk="1" latinLnBrk="0" hangingPunct="1">
+              <a:spcBef>
+                <a:spcPct val="20000"/>
+              </a:spcBef>
+              <a:spcAft>
+                <a:spcPts val="600"/>
+              </a:spcAft>
+              <a:buClr>
+                <a:schemeClr val="tx2"/>
+              </a:buClr>
+              <a:buSzPct val="70000"/>
+              <a:buFont typeface="Wingdings 2" charset="2"/>
+              <a:buChar char=""/>
+              <a:defRPr sz="1400" kern="1200">
+                <a:ln>
+                  <a:solidFill>
+                    <a:schemeClr val="bg1">
+                      <a:lumMod val="75000"/>
+                      <a:lumOff val="25000"/>
+                      <a:alpha val="10000"/>
+                    </a:schemeClr>
+                  </a:solidFill>
+                </a:ln>
+                <a:solidFill>
+                  <a:schemeClr val="tx2"/>
+                </a:solidFill>
+                <a:effectLst>
+                  <a:outerShdw blurRad="9525" dist="25400" dir="14640000" algn="tl" rotWithShape="0">
+                    <a:schemeClr val="bg1">
+                      <a:alpha val="30000"/>
+                    </a:schemeClr>
+                  </a:outerShdw>
+                </a:effectLst>
+                <a:latin typeface="+mn-lt"/>
+                <a:ea typeface="+mn-ea"/>
+                <a:cs typeface="+mn-cs"/>
+              </a:defRPr>
+            </a:lvl9pPr>
+          </a:lstStyle>
+          <a:p>
+            <a:pPr marL="36900" indent="0" algn="ctr">
+              <a:buClr>
+                <a:schemeClr val="accent2">
+                  <a:lumMod val="75000"/>
+                </a:schemeClr>
+              </a:buClr>
+              <a:buNone/>
+            </a:pPr>
+            <a:r>
+              <a:rPr lang="en-GB" sz="1800" b="1" dirty="0">
+                <a:solidFill>
+                  <a:schemeClr val="accent2">
+                    <a:lumMod val="75000"/>
+                  </a:schemeClr>
+                </a:solidFill>
+              </a:rPr>
+              <a:t>Limited amount of trials</a:t>
+            </a:r>
+            <a:endParaRPr lang="it-IT" sz="1800" dirty="0"/>
           </a:p>
         </p:txBody>
       </p:sp>
@@ -12509,10 +17880,224 @@
   <p:clrMapOvr>
     <a:masterClrMapping/>
   </p:clrMapOvr>
+  <p:timing>
+    <p:tnLst>
+      <p:par>
+        <p:cTn id="1" dur="indefinite" restart="never" nodeType="tmRoot">
+          <p:childTnLst>
+            <p:seq concurrent="1" nextAc="seek">
+              <p:cTn id="2" dur="indefinite" nodeType="mainSeq">
+                <p:childTnLst>
+                  <p:par>
+                    <p:cTn id="3" fill="hold">
+                      <p:stCondLst>
+                        <p:cond delay="indefinite"/>
+                      </p:stCondLst>
+                      <p:childTnLst>
+                        <p:par>
+                          <p:cTn id="4" fill="hold">
+                            <p:stCondLst>
+                              <p:cond delay="0"/>
+                            </p:stCondLst>
+                            <p:childTnLst>
+                              <p:par>
+                                <p:cTn id="5" presetID="47" presetClass="entr" presetSubtype="0" fill="hold" grpId="0" nodeType="clickEffect">
+                                  <p:stCondLst>
+                                    <p:cond delay="0"/>
+                                  </p:stCondLst>
+                                  <p:childTnLst>
+                                    <p:set>
+                                      <p:cBhvr>
+                                        <p:cTn id="6" dur="1" fill="hold">
+                                          <p:stCondLst>
+                                            <p:cond delay="0"/>
+                                          </p:stCondLst>
+                                        </p:cTn>
+                                        <p:tgtEl>
+                                          <p:spTgt spid="9"/>
+                                        </p:tgtEl>
+                                        <p:attrNameLst>
+                                          <p:attrName>style.visibility</p:attrName>
+                                        </p:attrNameLst>
+                                      </p:cBhvr>
+                                      <p:to>
+                                        <p:strVal val="visible"/>
+                                      </p:to>
+                                    </p:set>
+                                    <p:animEffect transition="in" filter="fade">
+                                      <p:cBhvr>
+                                        <p:cTn id="7" dur="1000"/>
+                                        <p:tgtEl>
+                                          <p:spTgt spid="9"/>
+                                        </p:tgtEl>
+                                      </p:cBhvr>
+                                    </p:animEffect>
+                                    <p:anim calcmode="lin" valueType="num">
+                                      <p:cBhvr>
+                                        <p:cTn id="8" dur="1000" fill="hold"/>
+                                        <p:tgtEl>
+                                          <p:spTgt spid="9"/>
+                                        </p:tgtEl>
+                                        <p:attrNameLst>
+                                          <p:attrName>ppt_x</p:attrName>
+                                        </p:attrNameLst>
+                                      </p:cBhvr>
+                                      <p:tavLst>
+                                        <p:tav tm="0">
+                                          <p:val>
+                                            <p:strVal val="#ppt_x"/>
+                                          </p:val>
+                                        </p:tav>
+                                        <p:tav tm="100000">
+                                          <p:val>
+                                            <p:strVal val="#ppt_x"/>
+                                          </p:val>
+                                        </p:tav>
+                                      </p:tavLst>
+                                    </p:anim>
+                                    <p:anim calcmode="lin" valueType="num">
+                                      <p:cBhvr>
+                                        <p:cTn id="9" dur="1000" fill="hold"/>
+                                        <p:tgtEl>
+                                          <p:spTgt spid="9"/>
+                                        </p:tgtEl>
+                                        <p:attrNameLst>
+                                          <p:attrName>ppt_y</p:attrName>
+                                        </p:attrNameLst>
+                                      </p:cBhvr>
+                                      <p:tavLst>
+                                        <p:tav tm="0">
+                                          <p:val>
+                                            <p:strVal val="#ppt_y-.1"/>
+                                          </p:val>
+                                        </p:tav>
+                                        <p:tav tm="100000">
+                                          <p:val>
+                                            <p:strVal val="#ppt_y"/>
+                                          </p:val>
+                                        </p:tav>
+                                      </p:tavLst>
+                                    </p:anim>
+                                  </p:childTnLst>
+                                </p:cTn>
+                              </p:par>
+                              <p:par>
+                                <p:cTn id="10" presetID="47" presetClass="entr" presetSubtype="0" fill="hold" grpId="0" nodeType="withEffect">
+                                  <p:stCondLst>
+                                    <p:cond delay="0"/>
+                                  </p:stCondLst>
+                                  <p:childTnLst>
+                                    <p:set>
+                                      <p:cBhvr>
+                                        <p:cTn id="11" dur="1" fill="hold">
+                                          <p:stCondLst>
+                                            <p:cond delay="0"/>
+                                          </p:stCondLst>
+                                        </p:cTn>
+                                        <p:tgtEl>
+                                          <p:spTgt spid="10"/>
+                                        </p:tgtEl>
+                                        <p:attrNameLst>
+                                          <p:attrName>style.visibility</p:attrName>
+                                        </p:attrNameLst>
+                                      </p:cBhvr>
+                                      <p:to>
+                                        <p:strVal val="visible"/>
+                                      </p:to>
+                                    </p:set>
+                                    <p:animEffect transition="in" filter="fade">
+                                      <p:cBhvr>
+                                        <p:cTn id="12" dur="1000"/>
+                                        <p:tgtEl>
+                                          <p:spTgt spid="10"/>
+                                        </p:tgtEl>
+                                      </p:cBhvr>
+                                    </p:animEffect>
+                                    <p:anim calcmode="lin" valueType="num">
+                                      <p:cBhvr>
+                                        <p:cTn id="13" dur="1000" fill="hold"/>
+                                        <p:tgtEl>
+                                          <p:spTgt spid="10"/>
+                                        </p:tgtEl>
+                                        <p:attrNameLst>
+                                          <p:attrName>ppt_x</p:attrName>
+                                        </p:attrNameLst>
+                                      </p:cBhvr>
+                                      <p:tavLst>
+                                        <p:tav tm="0">
+                                          <p:val>
+                                            <p:strVal val="#ppt_x"/>
+                                          </p:val>
+                                        </p:tav>
+                                        <p:tav tm="100000">
+                                          <p:val>
+                                            <p:strVal val="#ppt_x"/>
+                                          </p:val>
+                                        </p:tav>
+                                      </p:tavLst>
+                                    </p:anim>
+                                    <p:anim calcmode="lin" valueType="num">
+                                      <p:cBhvr>
+                                        <p:cTn id="14" dur="1000" fill="hold"/>
+                                        <p:tgtEl>
+                                          <p:spTgt spid="10"/>
+                                        </p:tgtEl>
+                                        <p:attrNameLst>
+                                          <p:attrName>ppt_y</p:attrName>
+                                        </p:attrNameLst>
+                                      </p:cBhvr>
+                                      <p:tavLst>
+                                        <p:tav tm="0">
+                                          <p:val>
+                                            <p:strVal val="#ppt_y-.1"/>
+                                          </p:val>
+                                        </p:tav>
+                                        <p:tav tm="100000">
+                                          <p:val>
+                                            <p:strVal val="#ppt_y"/>
+                                          </p:val>
+                                        </p:tav>
+                                      </p:tavLst>
+                                    </p:anim>
+                                  </p:childTnLst>
+                                </p:cTn>
+                              </p:par>
+                            </p:childTnLst>
+                          </p:cTn>
+                        </p:par>
+                      </p:childTnLst>
+                    </p:cTn>
+                  </p:par>
+                </p:childTnLst>
+              </p:cTn>
+              <p:prevCondLst>
+                <p:cond evt="onPrev" delay="0">
+                  <p:tgtEl>
+                    <p:sldTgt/>
+                  </p:tgtEl>
+                </p:cond>
+              </p:prevCondLst>
+              <p:nextCondLst>
+                <p:cond evt="onNext" delay="0">
+                  <p:tgtEl>
+                    <p:sldTgt/>
+                  </p:tgtEl>
+                </p:cond>
+              </p:nextCondLst>
+            </p:seq>
+          </p:childTnLst>
+        </p:cTn>
+      </p:par>
+    </p:tnLst>
+    <p:bldLst>
+      <p:bldP spid="9" grpId="0" animBg="1"/>
+      <p:bldP spid="10" grpId="0"/>
+    </p:bldLst>
+  </p:timing>
 </p:sld>
 </file>
 
-<file path=ppt/slides/slide8.xml><?xml version="1.0" encoding="utf-8"?>
+<file path=ppt/slides/slide9.xml><?xml version="1.0" encoding="utf-8"?>
 <p:sld xmlns:a="http://schemas.openxmlformats.org/drawingml/2006/main" xmlns:r="http://schemas.openxmlformats.org/officeDocument/2006/relationships" xmlns:p="http://schemas.openxmlformats.org/presentationml/2006/main">
   <p:cSld>
     <p:spTree>
@@ -12558,10 +18143,10 @@
           <a:lstStyle/>
           <a:p>
             <a:r>
-              <a:rPr lang="en-GB" sz="2400" dirty="0"/>
+              <a:rPr lang="en-GB" sz="2600" dirty="0"/>
               <a:t>Human detection</a:t>
             </a:r>
-            <a:endParaRPr lang="it-IT" sz="2400" dirty="0"/>
+            <a:endParaRPr lang="it-IT" sz="2600" dirty="0"/>
           </a:p>
         </p:txBody>
       </p:sp>
@@ -12583,12 +18168,14 @@
         </p:nvSpPr>
         <p:spPr>
           <a:xfrm>
-            <a:off x="544900" y="1499715"/>
-            <a:ext cx="3966130" cy="2514468"/>
+            <a:off x="544899" y="1499715"/>
+            <a:ext cx="4136885" cy="2805744"/>
           </a:xfrm>
         </p:spPr>
         <p:txBody>
-          <a:bodyPr/>
+          <a:bodyPr>
+            <a:normAutofit fontScale="92500"/>
+          </a:bodyPr>
           <a:lstStyle/>
           <a:p>
             <a:pPr>
@@ -12599,7 +18186,7 @@
               </a:buClr>
             </a:pPr>
             <a:r>
-              <a:rPr lang="en-GB" sz="1600" dirty="0">
+              <a:rPr lang="en-GB" sz="1900" dirty="0">
                 <a:solidFill>
                   <a:schemeClr val="accent2">
                     <a:lumMod val="75000"/>
@@ -12612,18 +18199,27 @@
           <a:p>
             <a:pPr lvl="1"/>
             <a:r>
-              <a:rPr lang="en-GB" sz="1400" dirty="0"/>
+              <a:rPr lang="en-GB" sz="1700" dirty="0"/>
               <a:t>Time correspondence is the best method</a:t>
             </a:r>
           </a:p>
           <a:p>
             <a:pPr lvl="1"/>
             <a:r>
-              <a:rPr lang="en-GB" sz="1400" dirty="0"/>
-              <a:t>It reaches an accuracy of 100% by inserting a password of 14 characters </a:t>
-            </a:r>
-            <a:r>
-              <a:rPr lang="en-GB" sz="1400" b="1" i="1" dirty="0"/>
+              <a:rPr lang="en-GB" sz="1700" b="1" dirty="0"/>
+              <a:t>Accuracy of 100%</a:t>
+            </a:r>
+          </a:p>
+          <a:p>
+            <a:pPr marL="756000" lvl="2" indent="0">
+              <a:buNone/>
+            </a:pPr>
+            <a:r>
+              <a:rPr lang="en-GB" sz="1700" dirty="0"/>
+              <a:t>with the password </a:t>
+            </a:r>
+            <a:r>
+              <a:rPr lang="en-GB" sz="1700" b="1" i="1" dirty="0"/>
               <a:t>“he35ghibn564st”</a:t>
             </a:r>
           </a:p>
@@ -12636,7 +18232,7 @@
               </a:buClr>
             </a:pPr>
             <a:r>
-              <a:rPr lang="en-GB" sz="1600" dirty="0">
+              <a:rPr lang="en-GB" sz="1900" dirty="0">
                 <a:solidFill>
                   <a:schemeClr val="accent2">
                     <a:lumMod val="75000"/>
@@ -12651,10 +18247,10 @@
               <a:buNone/>
             </a:pPr>
             <a:r>
-              <a:rPr lang="en-GB" sz="1400" dirty="0"/>
+              <a:rPr lang="en-GB" sz="1700" dirty="0"/>
               <a:t>the best relaxation percentage was 90%</a:t>
             </a:r>
-            <a:endParaRPr lang="it-IT" sz="1400" dirty="0"/>
+            <a:endParaRPr lang="it-IT" sz="1700" dirty="0"/>
           </a:p>
         </p:txBody>
       </p:sp>
@@ -12720,7 +18316,7 @@
           <a:p>
             <a:fld id="{8DF98BA9-0B5D-48FD-8864-41A23C2934CC}" type="slidenum">
               <a:rPr lang="it-IT" sz="1100"/>
-              <a:t>7</a:t>
+              <a:t>8</a:t>
             </a:fld>
             <a:endParaRPr lang="it-IT" sz="1100"/>
           </a:p>
@@ -12769,13 +18365,13 @@
           <p:nvPr>
             <p:extLst>
               <p:ext uri="{D42A27DB-BD31-4B8C-83A1-F6EECF244321}">
-                <p14:modId xmlns:p14="http://schemas.microsoft.com/office/powerpoint/2010/main" val="4840906"/>
+                <p14:modId xmlns:p14="http://schemas.microsoft.com/office/powerpoint/2010/main" val="210360438"/>
               </p:ext>
             </p:extLst>
           </p:nvPr>
         </p:nvGraphicFramePr>
         <p:xfrm>
-          <a:off x="1057284" y="3832830"/>
+          <a:off x="1057284" y="4145121"/>
           <a:ext cx="2892546" cy="1052825"/>
         </p:xfrm>
         <a:graphic>
@@ -12822,10 +18418,18 @@
                     <a:p>
                       <a:pPr algn="ctr"/>
                       <a:r>
-                        <a:rPr lang="en-GB" sz="1100" dirty="0"/>
+                        <a:rPr lang="en-GB" sz="1100" dirty="0">
+                          <a:solidFill>
+                            <a:sysClr val="windowText" lastClr="000000"/>
+                          </a:solidFill>
+                        </a:rPr>
                         <a:t>Type of problem</a:t>
                       </a:r>
-                      <a:endParaRPr lang="it-IT" sz="1100" dirty="0"/>
+                      <a:endParaRPr lang="it-IT" sz="1100" dirty="0">
+                        <a:solidFill>
+                          <a:sysClr val="windowText" lastClr="000000"/>
+                        </a:solidFill>
+                      </a:endParaRPr>
                     </a:p>
                   </a:txBody>
                   <a:tcPr/>
@@ -12837,18 +18441,34 @@
                     <a:p>
                       <a:pPr algn="ctr"/>
                       <a:r>
-                        <a:rPr lang="en-GB" sz="1100" dirty="0"/>
+                        <a:rPr lang="en-GB" sz="1100" dirty="0">
+                          <a:solidFill>
+                            <a:sysClr val="windowText" lastClr="000000"/>
+                          </a:solidFill>
+                        </a:rPr>
                         <a:t>1</a:t>
                       </a:r>
                       <a:r>
-                        <a:rPr lang="en-GB" sz="1100" baseline="30000" dirty="0"/>
+                        <a:rPr lang="en-GB" sz="1100" baseline="30000" dirty="0">
+                          <a:solidFill>
+                            <a:sysClr val="windowText" lastClr="000000"/>
+                          </a:solidFill>
+                        </a:rPr>
                         <a:t>st</a:t>
                       </a:r>
                       <a:r>
-                        <a:rPr lang="en-GB" sz="1100" dirty="0"/>
+                        <a:rPr lang="en-GB" sz="1100" dirty="0">
+                          <a:solidFill>
+                            <a:sysClr val="windowText" lastClr="000000"/>
+                          </a:solidFill>
+                        </a:rPr>
                         <a:t> trial</a:t>
                       </a:r>
-                      <a:endParaRPr lang="it-IT" sz="1100" dirty="0"/>
+                      <a:endParaRPr lang="it-IT" sz="1100" dirty="0">
+                        <a:solidFill>
+                          <a:sysClr val="windowText" lastClr="000000"/>
+                        </a:solidFill>
+                      </a:endParaRPr>
                     </a:p>
                   </a:txBody>
                   <a:tcPr/>
@@ -12876,18 +18496,34 @@
                         <a:defRPr/>
                       </a:pPr>
                       <a:r>
-                        <a:rPr lang="en-GB" sz="1100" dirty="0"/>
+                        <a:rPr lang="en-GB" sz="1100" dirty="0">
+                          <a:solidFill>
+                            <a:sysClr val="windowText" lastClr="000000"/>
+                          </a:solidFill>
+                        </a:rPr>
                         <a:t>2</a:t>
                       </a:r>
                       <a:r>
-                        <a:rPr lang="en-GB" sz="1100" baseline="30000" dirty="0"/>
+                        <a:rPr lang="en-GB" sz="1100" baseline="30000" dirty="0">
+                          <a:solidFill>
+                            <a:sysClr val="windowText" lastClr="000000"/>
+                          </a:solidFill>
+                        </a:rPr>
                         <a:t>nd</a:t>
                       </a:r>
                       <a:r>
-                        <a:rPr lang="en-GB" sz="1100" dirty="0"/>
+                        <a:rPr lang="en-GB" sz="1100" dirty="0">
+                          <a:solidFill>
+                            <a:sysClr val="windowText" lastClr="000000"/>
+                          </a:solidFill>
+                        </a:rPr>
                         <a:t> trial</a:t>
                       </a:r>
-                      <a:endParaRPr lang="it-IT" sz="1100" dirty="0"/>
+                      <a:endParaRPr lang="it-IT" sz="1100" dirty="0">
+                        <a:solidFill>
+                          <a:sysClr val="windowText" lastClr="000000"/>
+                        </a:solidFill>
+                      </a:endParaRPr>
                     </a:p>
                   </a:txBody>
                   <a:tcPr/>
@@ -12915,18 +18551,34 @@
                         <a:defRPr/>
                       </a:pPr>
                       <a:r>
-                        <a:rPr lang="en-GB" sz="1100" dirty="0"/>
+                        <a:rPr lang="en-GB" sz="1100" dirty="0">
+                          <a:solidFill>
+                            <a:sysClr val="windowText" lastClr="000000"/>
+                          </a:solidFill>
+                        </a:rPr>
                         <a:t>3</a:t>
                       </a:r>
                       <a:r>
-                        <a:rPr lang="en-GB" sz="1100" baseline="30000" dirty="0"/>
+                        <a:rPr lang="en-GB" sz="1100" baseline="30000" dirty="0">
+                          <a:solidFill>
+                            <a:sysClr val="windowText" lastClr="000000"/>
+                          </a:solidFill>
+                        </a:rPr>
                         <a:t>rd</a:t>
                       </a:r>
                       <a:r>
-                        <a:rPr lang="en-GB" sz="1100" dirty="0"/>
+                        <a:rPr lang="en-GB" sz="1100" dirty="0">
+                          <a:solidFill>
+                            <a:sysClr val="windowText" lastClr="000000"/>
+                          </a:solidFill>
+                        </a:rPr>
                         <a:t> trial</a:t>
                       </a:r>
-                      <a:endParaRPr lang="it-IT" sz="1100" dirty="0"/>
+                      <a:endParaRPr lang="it-IT" sz="1100" dirty="0">
+                        <a:solidFill>
+                          <a:sysClr val="windowText" lastClr="000000"/>
+                        </a:solidFill>
+                      </a:endParaRPr>
                     </a:p>
                   </a:txBody>
                   <a:tcPr/>
@@ -12945,10 +18597,18 @@
                     <a:p>
                       <a:pPr algn="ctr"/>
                       <a:r>
-                        <a:rPr lang="en-GB" sz="1100" dirty="0"/>
+                        <a:rPr lang="en-GB" sz="1100" dirty="0">
+                          <a:solidFill>
+                            <a:sysClr val="windowText" lastClr="000000"/>
+                          </a:solidFill>
+                        </a:rPr>
                         <a:t>Standard</a:t>
                       </a:r>
-                      <a:endParaRPr lang="it-IT" sz="1100" dirty="0"/>
+                      <a:endParaRPr lang="it-IT" sz="1100" dirty="0">
+                        <a:solidFill>
+                          <a:sysClr val="windowText" lastClr="000000"/>
+                        </a:solidFill>
+                      </a:endParaRPr>
                     </a:p>
                   </a:txBody>
                   <a:tcPr/>
@@ -12960,10 +18620,18 @@
                     <a:p>
                       <a:pPr algn="ctr"/>
                       <a:r>
-                        <a:rPr lang="en-GB" sz="1100" dirty="0"/>
+                        <a:rPr lang="en-GB" sz="1100" dirty="0">
+                          <a:solidFill>
+                            <a:sysClr val="windowText" lastClr="000000"/>
+                          </a:solidFill>
+                        </a:rPr>
                         <a:t>80%</a:t>
                       </a:r>
-                      <a:endParaRPr lang="it-IT" sz="1100" dirty="0"/>
+                      <a:endParaRPr lang="it-IT" sz="1100" dirty="0">
+                        <a:solidFill>
+                          <a:sysClr val="windowText" lastClr="000000"/>
+                        </a:solidFill>
+                      </a:endParaRPr>
                     </a:p>
                   </a:txBody>
                   <a:tcPr/>
@@ -12975,10 +18643,18 @@
                     <a:p>
                       <a:pPr algn="ctr"/>
                       <a:r>
-                        <a:rPr lang="en-GB" sz="1100" dirty="0"/>
+                        <a:rPr lang="en-GB" sz="1100" dirty="0">
+                          <a:solidFill>
+                            <a:sysClr val="windowText" lastClr="000000"/>
+                          </a:solidFill>
+                        </a:rPr>
                         <a:t>19%</a:t>
                       </a:r>
-                      <a:endParaRPr lang="it-IT" sz="1100" dirty="0"/>
+                      <a:endParaRPr lang="it-IT" sz="1100" dirty="0">
+                        <a:solidFill>
+                          <a:sysClr val="windowText" lastClr="000000"/>
+                        </a:solidFill>
+                      </a:endParaRPr>
                     </a:p>
                   </a:txBody>
                   <a:tcPr/>
@@ -12990,10 +18666,18 @@
                     <a:p>
                       <a:pPr algn="ctr"/>
                       <a:r>
-                        <a:rPr lang="en-GB" sz="1100" dirty="0"/>
+                        <a:rPr lang="en-GB" sz="1100" dirty="0">
+                          <a:solidFill>
+                            <a:sysClr val="windowText" lastClr="000000"/>
+                          </a:solidFill>
+                        </a:rPr>
                         <a:t>1%</a:t>
                       </a:r>
-                      <a:endParaRPr lang="it-IT" sz="1100" dirty="0"/>
+                      <a:endParaRPr lang="it-IT" sz="1100" dirty="0">
+                        <a:solidFill>
+                          <a:sysClr val="windowText" lastClr="000000"/>
+                        </a:solidFill>
+                      </a:endParaRPr>
                     </a:p>
                   </a:txBody>
                   <a:tcPr/>
@@ -13012,10 +18696,18 @@
                     <a:p>
                       <a:pPr algn="ctr"/>
                       <a:r>
-                        <a:rPr lang="en-GB" sz="1100" dirty="0"/>
+                        <a:rPr lang="en-GB" sz="1100" dirty="0">
+                          <a:solidFill>
+                            <a:sysClr val="windowText" lastClr="000000"/>
+                          </a:solidFill>
+                        </a:rPr>
                         <a:t>Relaxed</a:t>
                       </a:r>
-                      <a:endParaRPr lang="it-IT" sz="1100" dirty="0"/>
+                      <a:endParaRPr lang="it-IT" sz="1100" dirty="0">
+                        <a:solidFill>
+                          <a:sysClr val="windowText" lastClr="000000"/>
+                        </a:solidFill>
+                      </a:endParaRPr>
                     </a:p>
                   </a:txBody>
                   <a:tcPr/>
@@ -13027,10 +18719,18 @@
                     <a:p>
                       <a:pPr algn="ctr"/>
                       <a:r>
-                        <a:rPr lang="en-GB" sz="1100" dirty="0"/>
+                        <a:rPr lang="en-GB" sz="1100" dirty="0">
+                          <a:solidFill>
+                            <a:sysClr val="windowText" lastClr="000000"/>
+                          </a:solidFill>
+                        </a:rPr>
                         <a:t>83%</a:t>
                       </a:r>
-                      <a:endParaRPr lang="it-IT" sz="1100" dirty="0"/>
+                      <a:endParaRPr lang="it-IT" sz="1100" dirty="0">
+                        <a:solidFill>
+                          <a:sysClr val="windowText" lastClr="000000"/>
+                        </a:solidFill>
+                      </a:endParaRPr>
                     </a:p>
                   </a:txBody>
                   <a:tcPr/>
@@ -13042,10 +18742,18 @@
                     <a:p>
                       <a:pPr algn="ctr"/>
                       <a:r>
-                        <a:rPr lang="en-GB" sz="1100" dirty="0"/>
+                        <a:rPr lang="en-GB" sz="1100" dirty="0">
+                          <a:solidFill>
+                            <a:sysClr val="windowText" lastClr="000000"/>
+                          </a:solidFill>
+                        </a:rPr>
                         <a:t>17%</a:t>
                       </a:r>
-                      <a:endParaRPr lang="it-IT" sz="1100" dirty="0"/>
+                      <a:endParaRPr lang="it-IT" sz="1100" dirty="0">
+                        <a:solidFill>
+                          <a:sysClr val="windowText" lastClr="000000"/>
+                        </a:solidFill>
+                      </a:endParaRPr>
                     </a:p>
                   </a:txBody>
                   <a:tcPr/>
@@ -13057,10 +18765,18 @@
                     <a:p>
                       <a:pPr algn="ctr"/>
                       <a:r>
-                        <a:rPr lang="en-GB" sz="1100" dirty="0"/>
+                        <a:rPr lang="en-GB" sz="1100" dirty="0">
+                          <a:solidFill>
+                            <a:sysClr val="windowText" lastClr="000000"/>
+                          </a:solidFill>
+                        </a:rPr>
                         <a:t>0%</a:t>
                       </a:r>
-                      <a:endParaRPr lang="it-IT" sz="1100" dirty="0"/>
+                      <a:endParaRPr lang="it-IT" sz="1100" dirty="0">
+                        <a:solidFill>
+                          <a:sysClr val="windowText" lastClr="000000"/>
+                        </a:solidFill>
+                      </a:endParaRPr>
                     </a:p>
                   </a:txBody>
                   <a:tcPr/>
@@ -13092,7 +18808,7 @@
         <p:spPr>
           <a:xfrm>
             <a:off x="4653942" y="1499715"/>
-            <a:ext cx="3795373" cy="429206"/>
+            <a:ext cx="3905155" cy="429206"/>
           </a:xfrm>
           <a:prstGeom prst="rect">
             <a:avLst/>
@@ -13107,7 +18823,7 @@
         </p:spPr>
         <p:txBody>
           <a:bodyPr vert="horz" lIns="91440" tIns="45720" rIns="91440" bIns="45720" rtlCol="0" anchor="t">
-            <a:normAutofit/>
+            <a:noAutofit/>
           </a:bodyPr>
           <a:lstStyle>
             <a:lvl1pPr marL="342900" indent="-306000" algn="l" defTabSz="457200" rtl="0" eaLnBrk="1" latinLnBrk="0" hangingPunct="1">
@@ -13462,7 +19178,7 @@
               </a:buClr>
             </a:pPr>
             <a:r>
-              <a:rPr lang="en-GB" sz="1600" dirty="0">
+              <a:rPr lang="en-GB" sz="1800" dirty="0">
                 <a:solidFill>
                   <a:schemeClr val="accent2">
                     <a:lumMod val="75000"/>
@@ -13493,12 +19209,12 @@
         <p:spPr>
           <a:xfrm>
             <a:off x="4652171" y="3605348"/>
-            <a:ext cx="3798499" cy="429206"/>
+            <a:ext cx="4034629" cy="429206"/>
           </a:xfrm>
         </p:spPr>
         <p:txBody>
           <a:bodyPr>
-            <a:normAutofit/>
+            <a:noAutofit/>
           </a:bodyPr>
           <a:lstStyle/>
           <a:p>
@@ -13510,7 +19226,7 @@
               </a:buClr>
             </a:pPr>
             <a:r>
-              <a:rPr lang="en-GB" sz="1600" dirty="0">
+              <a:rPr lang="en-GB" sz="1800" dirty="0">
                 <a:solidFill>
                   <a:schemeClr val="accent2">
                     <a:lumMod val="75000"/>
@@ -13550,8 +19266,8 @@
         </p:blipFill>
         <p:spPr>
           <a:xfrm>
-            <a:off x="5370534" y="1743256"/>
-            <a:ext cx="2245389" cy="1684042"/>
+            <a:off x="5334437" y="1743256"/>
+            <a:ext cx="2810943" cy="1684042"/>
           </a:xfrm>
           <a:prstGeom prst="rect">
             <a:avLst/>
@@ -13586,8 +19302,8 @@
         </p:blipFill>
         <p:spPr>
           <a:xfrm>
-            <a:off x="5367946" y="3835434"/>
-            <a:ext cx="2306672" cy="1730005"/>
+            <a:off x="5274279" y="3835434"/>
+            <a:ext cx="2892546" cy="1730005"/>
           </a:xfrm>
           <a:prstGeom prst="rect">
             <a:avLst/>
@@ -13610,7 +19326,7 @@
         </p:nvSpPr>
         <p:spPr>
           <a:xfrm>
-            <a:off x="4312427" y="812904"/>
+            <a:off x="4428775" y="780597"/>
             <a:ext cx="4136886" cy="839835"/>
           </a:xfrm>
           <a:prstGeom prst="rect">
@@ -13718,10 +19434,10 @@
           </a:lstStyle>
           <a:p>
             <a:r>
-              <a:rPr lang="en-GB" sz="2400" dirty="0"/>
+              <a:rPr lang="en-GB" sz="2600" dirty="0"/>
               <a:t>Bot detection</a:t>
             </a:r>
-            <a:endParaRPr lang="it-IT" sz="2400" dirty="0"/>
+            <a:endParaRPr lang="it-IT" sz="2600" dirty="0"/>
           </a:p>
         </p:txBody>
       </p:sp>
@@ -13735,949 +19451,179 @@
   <p:clrMapOvr>
     <a:masterClrMapping/>
   </p:clrMapOvr>
-</p:sld>
-</file>
-
-<file path=ppt/slides/slide9.xml><?xml version="1.0" encoding="utf-8"?>
-<p:sld xmlns:a="http://schemas.openxmlformats.org/drawingml/2006/main" xmlns:r="http://schemas.openxmlformats.org/officeDocument/2006/relationships" xmlns:p="http://schemas.openxmlformats.org/presentationml/2006/main">
-  <p:cSld>
-    <p:spTree>
-      <p:nvGrpSpPr>
-        <p:cNvPr id="1" name=""/>
-        <p:cNvGrpSpPr/>
-        <p:nvPr/>
-      </p:nvGrpSpPr>
-      <p:grpSpPr>
-        <a:xfrm>
-          <a:off x="0" y="0"/>
-          <a:ext cx="0" cy="0"/>
-          <a:chOff x="0" y="0"/>
-          <a:chExt cx="0" cy="0"/>
-        </a:xfrm>
-      </p:grpSpPr>
-      <p:sp>
-        <p:nvSpPr>
-          <p:cNvPr id="5" name="Segnaposto data 4">
-            <a:extLst>
-              <a:ext uri="{FF2B5EF4-FFF2-40B4-BE49-F238E27FC236}">
-                <a16:creationId xmlns:a16="http://schemas.microsoft.com/office/drawing/2014/main" id="{98D2A17B-9FE8-4B86-9920-32497E7F7A8B}"/>
-              </a:ext>
-            </a:extLst>
-          </p:cNvPr>
-          <p:cNvSpPr>
-            <a:spLocks noGrp="1"/>
-          </p:cNvSpPr>
-          <p:nvPr>
-            <p:ph type="dt" sz="half" idx="10"/>
-          </p:nvPr>
-        </p:nvSpPr>
-        <p:spPr/>
-        <p:txBody>
-          <a:bodyPr/>
-          <a:lstStyle/>
-          <a:p>
-            <a:r>
-              <a:rPr lang="it-IT"/>
-              <a:t>03/01/2021</a:t>
-            </a:r>
-          </a:p>
-        </p:txBody>
-      </p:sp>
-      <p:sp>
-        <p:nvSpPr>
-          <p:cNvPr id="6" name="Segnaposto piè di pagina 5">
-            <a:extLst>
-              <a:ext uri="{FF2B5EF4-FFF2-40B4-BE49-F238E27FC236}">
-                <a16:creationId xmlns:a16="http://schemas.microsoft.com/office/drawing/2014/main" id="{2A68D5E1-572D-4F1A-8193-FB59273ABB53}"/>
-              </a:ext>
-            </a:extLst>
-          </p:cNvPr>
-          <p:cNvSpPr>
-            <a:spLocks noGrp="1"/>
-          </p:cNvSpPr>
-          <p:nvPr>
-            <p:ph type="ftr" sz="quarter" idx="11"/>
-          </p:nvPr>
-        </p:nvSpPr>
-        <p:spPr/>
-        <p:txBody>
-          <a:bodyPr/>
-          <a:lstStyle/>
-          <a:p>
-            <a:r>
-              <a:rPr lang="it-IT"/>
-              <a:t>Di Nardo Di Maio Raffaele</a:t>
-            </a:r>
-          </a:p>
-        </p:txBody>
-      </p:sp>
-      <p:sp>
-        <p:nvSpPr>
-          <p:cNvPr id="7" name="Segnaposto numero diapositiva 6">
-            <a:extLst>
-              <a:ext uri="{FF2B5EF4-FFF2-40B4-BE49-F238E27FC236}">
-                <a16:creationId xmlns:a16="http://schemas.microsoft.com/office/drawing/2014/main" id="{46C58FCD-23CD-475F-A73E-63E294910A2E}"/>
-              </a:ext>
-            </a:extLst>
-          </p:cNvPr>
-          <p:cNvSpPr>
-            <a:spLocks noGrp="1"/>
-          </p:cNvSpPr>
-          <p:nvPr>
-            <p:ph type="sldNum" sz="quarter" idx="12"/>
-          </p:nvPr>
-        </p:nvSpPr>
-        <p:spPr/>
-        <p:txBody>
-          <a:bodyPr/>
-          <a:lstStyle/>
-          <a:p>
-            <a:fld id="{8DF98BA9-0B5D-48FD-8864-41A23C2934CC}" type="slidenum">
-              <a:rPr lang="it-IT" smtClean="0"/>
-              <a:t>8</a:t>
-            </a:fld>
-            <a:endParaRPr lang="it-IT"/>
-          </a:p>
-        </p:txBody>
-      </p:sp>
-      <p:sp>
-        <p:nvSpPr>
-          <p:cNvPr id="8" name="Titolo 1">
-            <a:extLst>
-              <a:ext uri="{FF2B5EF4-FFF2-40B4-BE49-F238E27FC236}">
-                <a16:creationId xmlns:a16="http://schemas.microsoft.com/office/drawing/2014/main" id="{B4E9A054-8CF2-4D1D-A870-AA055ADA2DFB}"/>
-              </a:ext>
-            </a:extLst>
-          </p:cNvPr>
-          <p:cNvSpPr txBox="1">
-            <a:spLocks/>
-          </p:cNvSpPr>
-          <p:nvPr/>
-        </p:nvSpPr>
-        <p:spPr>
-          <a:xfrm>
-            <a:off x="391861" y="1472329"/>
-            <a:ext cx="3723782" cy="839835"/>
-          </a:xfrm>
-          <a:prstGeom prst="rect">
-            <a:avLst/>
-          </a:prstGeom>
-          <a:effectLst>
-            <a:outerShdw blurRad="25400" dir="17880000">
-              <a:srgbClr val="000000">
-                <a:alpha val="46000"/>
-              </a:srgbClr>
-            </a:outerShdw>
-          </a:effectLst>
-        </p:spPr>
-        <p:txBody>
-          <a:bodyPr vert="horz" lIns="91440" tIns="45720" rIns="91440" bIns="45720" rtlCol="0" anchor="ctr">
-            <a:normAutofit/>
-          </a:bodyPr>
-          <a:lstStyle>
-            <a:lvl1pPr algn="ctr" defTabSz="457200" rtl="0" eaLnBrk="1" latinLnBrk="0" hangingPunct="1">
-              <a:spcBef>
-                <a:spcPct val="0"/>
-              </a:spcBef>
-              <a:buNone/>
-              <a:defRPr sz="4000" kern="1200">
-                <a:ln>
-                  <a:solidFill>
-                    <a:schemeClr val="bg1">
-                      <a:lumMod val="75000"/>
-                      <a:lumOff val="25000"/>
-                      <a:alpha val="10000"/>
-                    </a:schemeClr>
-                  </a:solidFill>
-                </a:ln>
-                <a:solidFill>
-                  <a:srgbClr val="0070C0"/>
-                </a:solidFill>
-                <a:effectLst>
-                  <a:outerShdw blurRad="9525" dist="25400" dir="14640000" algn="tl" rotWithShape="0">
-                    <a:schemeClr val="bg1">
-                      <a:alpha val="30000"/>
-                    </a:schemeClr>
-                  </a:outerShdw>
-                </a:effectLst>
-                <a:latin typeface="+mj-lt"/>
-                <a:ea typeface="+mj-ea"/>
-                <a:cs typeface="Trebuchet MS"/>
-              </a:defRPr>
-            </a:lvl1pPr>
-            <a:lvl2pPr eaLnBrk="1" hangingPunct="1">
-              <a:defRPr>
-                <a:solidFill>
-                  <a:schemeClr val="tx2"/>
-                </a:solidFill>
-              </a:defRPr>
-            </a:lvl2pPr>
-            <a:lvl3pPr eaLnBrk="1" hangingPunct="1">
-              <a:defRPr>
-                <a:solidFill>
-                  <a:schemeClr val="tx2"/>
-                </a:solidFill>
-              </a:defRPr>
-            </a:lvl3pPr>
-            <a:lvl4pPr eaLnBrk="1" hangingPunct="1">
-              <a:defRPr>
-                <a:solidFill>
-                  <a:schemeClr val="tx2"/>
-                </a:solidFill>
-              </a:defRPr>
-            </a:lvl4pPr>
-            <a:lvl5pPr eaLnBrk="1" hangingPunct="1">
-              <a:defRPr>
-                <a:solidFill>
-                  <a:schemeClr val="tx2"/>
-                </a:solidFill>
-              </a:defRPr>
-            </a:lvl5pPr>
-            <a:lvl6pPr eaLnBrk="1" hangingPunct="1">
-              <a:defRPr>
-                <a:solidFill>
-                  <a:schemeClr val="tx2"/>
-                </a:solidFill>
-              </a:defRPr>
-            </a:lvl6pPr>
-            <a:lvl7pPr eaLnBrk="1" hangingPunct="1">
-              <a:defRPr>
-                <a:solidFill>
-                  <a:schemeClr val="tx2"/>
-                </a:solidFill>
-              </a:defRPr>
-            </a:lvl7pPr>
-            <a:lvl8pPr eaLnBrk="1" hangingPunct="1">
-              <a:defRPr>
-                <a:solidFill>
-                  <a:schemeClr val="tx2"/>
-                </a:solidFill>
-              </a:defRPr>
-            </a:lvl8pPr>
-            <a:lvl9pPr eaLnBrk="1" hangingPunct="1">
-              <a:defRPr>
-                <a:solidFill>
-                  <a:schemeClr val="tx2"/>
-                </a:solidFill>
-              </a:defRPr>
-            </a:lvl9pPr>
-          </a:lstStyle>
-          <a:p>
-            <a:r>
-              <a:rPr lang="en-GB" sz="2400" dirty="0"/>
-              <a:t>Strength against known attacks</a:t>
-            </a:r>
-            <a:endParaRPr lang="it-IT" sz="2400" dirty="0"/>
-          </a:p>
-        </p:txBody>
-      </p:sp>
-      <p:sp>
-        <p:nvSpPr>
-          <p:cNvPr id="9" name="Segnaposto contenuto 2">
-            <a:extLst>
-              <a:ext uri="{FF2B5EF4-FFF2-40B4-BE49-F238E27FC236}">
-                <a16:creationId xmlns:a16="http://schemas.microsoft.com/office/drawing/2014/main" id="{671F956E-2945-4170-8DCF-9B9590929DAB}"/>
-              </a:ext>
-            </a:extLst>
-          </p:cNvPr>
-          <p:cNvSpPr txBox="1">
-            <a:spLocks/>
-          </p:cNvSpPr>
-          <p:nvPr/>
-        </p:nvSpPr>
-        <p:spPr>
-          <a:xfrm>
-            <a:off x="548278" y="2312163"/>
-            <a:ext cx="3723783" cy="2534128"/>
-          </a:xfrm>
-          <a:prstGeom prst="rect">
-            <a:avLst/>
-          </a:prstGeom>
-          <a:effectLst>
-            <a:outerShdw blurRad="25400" dir="17880000">
-              <a:srgbClr val="000000">
-                <a:alpha val="46000"/>
-              </a:srgbClr>
-            </a:outerShdw>
-          </a:effectLst>
-        </p:spPr>
-        <p:txBody>
-          <a:bodyPr vert="horz" lIns="91440" tIns="45720" rIns="91440" bIns="45720" rtlCol="0" anchor="t">
-            <a:normAutofit/>
-          </a:bodyPr>
-          <a:lstStyle>
-            <a:lvl1pPr marL="342900" indent="-306000" algn="l" defTabSz="457200" rtl="0" eaLnBrk="1" latinLnBrk="0" hangingPunct="1">
-              <a:spcBef>
-                <a:spcPct val="20000"/>
-              </a:spcBef>
-              <a:spcAft>
-                <a:spcPts val="600"/>
-              </a:spcAft>
-              <a:buClr>
-                <a:schemeClr val="tx2"/>
-              </a:buClr>
-              <a:buSzPct val="70000"/>
-              <a:buFont typeface="Wingdings 2" charset="2"/>
-              <a:buChar char=""/>
-              <a:defRPr sz="2000" kern="1200">
-                <a:ln>
-                  <a:solidFill>
-                    <a:schemeClr val="bg1">
-                      <a:lumMod val="75000"/>
-                      <a:lumOff val="25000"/>
-                      <a:alpha val="10000"/>
-                    </a:schemeClr>
-                  </a:solidFill>
-                </a:ln>
-                <a:solidFill>
-                  <a:schemeClr val="tx2"/>
-                </a:solidFill>
-                <a:effectLst>
-                  <a:outerShdw blurRad="9525" dist="25400" dir="14640000" algn="tl" rotWithShape="0">
-                    <a:schemeClr val="bg1">
-                      <a:alpha val="30000"/>
-                    </a:schemeClr>
-                  </a:outerShdw>
-                </a:effectLst>
-                <a:latin typeface="+mn-lt"/>
-                <a:ea typeface="+mn-ea"/>
-                <a:cs typeface="+mn-cs"/>
-              </a:defRPr>
-            </a:lvl1pPr>
-            <a:lvl2pPr marL="720000" indent="-270000" algn="l" defTabSz="457200" rtl="0" eaLnBrk="1" latinLnBrk="0" hangingPunct="1">
-              <a:spcBef>
-                <a:spcPct val="20000"/>
-              </a:spcBef>
-              <a:spcAft>
-                <a:spcPts val="600"/>
-              </a:spcAft>
-              <a:buClr>
-                <a:schemeClr val="tx2"/>
-              </a:buClr>
-              <a:buSzPct val="70000"/>
-              <a:buFont typeface="Wingdings 2" charset="2"/>
-              <a:buChar char=""/>
-              <a:defRPr sz="1800" kern="1200">
-                <a:ln>
-                  <a:solidFill>
-                    <a:schemeClr val="bg1">
-                      <a:lumMod val="75000"/>
-                      <a:lumOff val="25000"/>
-                      <a:alpha val="10000"/>
-                    </a:schemeClr>
-                  </a:solidFill>
-                </a:ln>
-                <a:solidFill>
-                  <a:schemeClr val="tx2"/>
-                </a:solidFill>
-                <a:effectLst>
-                  <a:outerShdw blurRad="9525" dist="25400" dir="14640000" algn="tl" rotWithShape="0">
-                    <a:schemeClr val="bg1">
-                      <a:alpha val="30000"/>
-                    </a:schemeClr>
-                  </a:outerShdw>
-                </a:effectLst>
-                <a:latin typeface="+mn-lt"/>
-                <a:ea typeface="+mn-ea"/>
-                <a:cs typeface="+mn-cs"/>
-              </a:defRPr>
-            </a:lvl2pPr>
-            <a:lvl3pPr marL="1026000" indent="-216000" algn="l" defTabSz="457200" rtl="0" eaLnBrk="1" latinLnBrk="0" hangingPunct="1">
-              <a:spcBef>
-                <a:spcPct val="20000"/>
-              </a:spcBef>
-              <a:spcAft>
-                <a:spcPts val="600"/>
-              </a:spcAft>
-              <a:buClr>
-                <a:schemeClr val="tx2"/>
-              </a:buClr>
-              <a:buSzPct val="70000"/>
-              <a:buFont typeface="Wingdings 2" charset="2"/>
-              <a:buChar char=""/>
-              <a:defRPr sz="1600" kern="1200">
-                <a:ln>
-                  <a:solidFill>
-                    <a:schemeClr val="bg1">
-                      <a:lumMod val="75000"/>
-                      <a:lumOff val="25000"/>
-                      <a:alpha val="10000"/>
-                    </a:schemeClr>
-                  </a:solidFill>
-                </a:ln>
-                <a:solidFill>
-                  <a:schemeClr val="tx2"/>
-                </a:solidFill>
-                <a:effectLst>
-                  <a:outerShdw blurRad="9525" dist="25400" dir="14640000" algn="tl" rotWithShape="0">
-                    <a:schemeClr val="bg1">
-                      <a:alpha val="30000"/>
-                    </a:schemeClr>
-                  </a:outerShdw>
-                </a:effectLst>
-                <a:latin typeface="+mn-lt"/>
-                <a:ea typeface="+mn-ea"/>
-                <a:cs typeface="+mn-cs"/>
-              </a:defRPr>
-            </a:lvl3pPr>
-            <a:lvl4pPr marL="1386000" indent="-216000" algn="l" defTabSz="457200" rtl="0" eaLnBrk="1" latinLnBrk="0" hangingPunct="1">
-              <a:spcBef>
-                <a:spcPct val="20000"/>
-              </a:spcBef>
-              <a:spcAft>
-                <a:spcPts val="600"/>
-              </a:spcAft>
-              <a:buClr>
-                <a:schemeClr val="tx2"/>
-              </a:buClr>
-              <a:buSzPct val="70000"/>
-              <a:buFont typeface="Wingdings 2" charset="2"/>
-              <a:buChar char=""/>
-              <a:defRPr sz="1400" kern="1200">
-                <a:ln>
-                  <a:solidFill>
-                    <a:schemeClr val="bg1">
-                      <a:lumMod val="75000"/>
-                      <a:lumOff val="25000"/>
-                      <a:alpha val="10000"/>
-                    </a:schemeClr>
-                  </a:solidFill>
-                </a:ln>
-                <a:solidFill>
-                  <a:schemeClr val="tx2"/>
-                </a:solidFill>
-                <a:effectLst>
-                  <a:outerShdw blurRad="9525" dist="25400" dir="14640000" algn="tl" rotWithShape="0">
-                    <a:schemeClr val="bg1">
-                      <a:alpha val="30000"/>
-                    </a:schemeClr>
-                  </a:outerShdw>
-                </a:effectLst>
-                <a:latin typeface="+mn-lt"/>
-                <a:ea typeface="+mn-ea"/>
-                <a:cs typeface="+mn-cs"/>
-              </a:defRPr>
-            </a:lvl4pPr>
-            <a:lvl5pPr marL="1674000" indent="-216000" algn="l" defTabSz="457200" rtl="0" eaLnBrk="1" latinLnBrk="0" hangingPunct="1">
-              <a:spcBef>
-                <a:spcPct val="20000"/>
-              </a:spcBef>
-              <a:spcAft>
-                <a:spcPts val="600"/>
-              </a:spcAft>
-              <a:buClr>
-                <a:schemeClr val="tx2"/>
-              </a:buClr>
-              <a:buSzPct val="70000"/>
-              <a:buFont typeface="Wingdings 2" charset="2"/>
-              <a:buChar char=""/>
-              <a:defRPr sz="1400" kern="1200">
-                <a:ln>
-                  <a:solidFill>
-                    <a:schemeClr val="bg1">
-                      <a:lumMod val="75000"/>
-                      <a:lumOff val="25000"/>
-                      <a:alpha val="10000"/>
-                    </a:schemeClr>
-                  </a:solidFill>
-                </a:ln>
-                <a:solidFill>
-                  <a:schemeClr val="tx2"/>
-                </a:solidFill>
-                <a:effectLst>
-                  <a:outerShdw blurRad="9525" dist="25400" dir="14640000" algn="tl" rotWithShape="0">
-                    <a:schemeClr val="bg1">
-                      <a:alpha val="30000"/>
-                    </a:schemeClr>
-                  </a:outerShdw>
-                </a:effectLst>
-                <a:latin typeface="+mn-lt"/>
-                <a:ea typeface="+mn-ea"/>
-                <a:cs typeface="+mn-cs"/>
-              </a:defRPr>
-            </a:lvl5pPr>
-            <a:lvl6pPr marL="2014600" indent="-228600" algn="l" defTabSz="457200" rtl="0" eaLnBrk="1" latinLnBrk="0" hangingPunct="1">
-              <a:spcBef>
-                <a:spcPct val="20000"/>
-              </a:spcBef>
-              <a:spcAft>
-                <a:spcPts val="600"/>
-              </a:spcAft>
-              <a:buClr>
-                <a:schemeClr val="tx2"/>
-              </a:buClr>
-              <a:buSzPct val="70000"/>
-              <a:buFont typeface="Wingdings 2" charset="2"/>
-              <a:buChar char=""/>
-              <a:defRPr sz="1400" kern="1200">
-                <a:ln>
-                  <a:solidFill>
-                    <a:schemeClr val="bg1">
-                      <a:lumMod val="75000"/>
-                      <a:lumOff val="25000"/>
-                      <a:alpha val="10000"/>
-                    </a:schemeClr>
-                  </a:solidFill>
-                </a:ln>
-                <a:solidFill>
-                  <a:schemeClr val="tx2"/>
-                </a:solidFill>
-                <a:effectLst>
-                  <a:outerShdw blurRad="9525" dist="25400" dir="14640000" algn="tl" rotWithShape="0">
-                    <a:schemeClr val="bg1">
-                      <a:alpha val="30000"/>
-                    </a:schemeClr>
-                  </a:outerShdw>
-                </a:effectLst>
-                <a:latin typeface="+mn-lt"/>
-                <a:ea typeface="+mn-ea"/>
-                <a:cs typeface="+mn-cs"/>
-              </a:defRPr>
-            </a:lvl6pPr>
-            <a:lvl7pPr marL="2401800" indent="-228600" algn="l" defTabSz="457200" rtl="0" eaLnBrk="1" latinLnBrk="0" hangingPunct="1">
-              <a:spcBef>
-                <a:spcPct val="20000"/>
-              </a:spcBef>
-              <a:spcAft>
-                <a:spcPts val="600"/>
-              </a:spcAft>
-              <a:buClr>
-                <a:schemeClr val="tx2"/>
-              </a:buClr>
-              <a:buSzPct val="70000"/>
-              <a:buFont typeface="Wingdings 2" charset="2"/>
-              <a:buChar char=""/>
-              <a:defRPr sz="1400" kern="1200">
-                <a:ln>
-                  <a:solidFill>
-                    <a:schemeClr val="bg1">
-                      <a:lumMod val="75000"/>
-                      <a:lumOff val="25000"/>
-                      <a:alpha val="10000"/>
-                    </a:schemeClr>
-                  </a:solidFill>
-                </a:ln>
-                <a:solidFill>
-                  <a:schemeClr val="tx2"/>
-                </a:solidFill>
-                <a:effectLst>
-                  <a:outerShdw blurRad="9525" dist="25400" dir="14640000" algn="tl" rotWithShape="0">
-                    <a:schemeClr val="bg1">
-                      <a:alpha val="30000"/>
-                    </a:schemeClr>
-                  </a:outerShdw>
-                </a:effectLst>
-                <a:latin typeface="+mn-lt"/>
-                <a:ea typeface="+mn-ea"/>
-                <a:cs typeface="+mn-cs"/>
-              </a:defRPr>
-            </a:lvl7pPr>
-            <a:lvl8pPr marL="2789000" indent="-228600" algn="l" defTabSz="457200" rtl="0" eaLnBrk="1" latinLnBrk="0" hangingPunct="1">
-              <a:spcBef>
-                <a:spcPct val="20000"/>
-              </a:spcBef>
-              <a:spcAft>
-                <a:spcPts val="600"/>
-              </a:spcAft>
-              <a:buClr>
-                <a:schemeClr val="tx2"/>
-              </a:buClr>
-              <a:buSzPct val="70000"/>
-              <a:buFont typeface="Wingdings 2" charset="2"/>
-              <a:buChar char=""/>
-              <a:defRPr sz="1400" kern="1200">
-                <a:ln>
-                  <a:solidFill>
-                    <a:schemeClr val="bg1">
-                      <a:lumMod val="75000"/>
-                      <a:lumOff val="25000"/>
-                      <a:alpha val="10000"/>
-                    </a:schemeClr>
-                  </a:solidFill>
-                </a:ln>
-                <a:solidFill>
-                  <a:schemeClr val="tx2"/>
-                </a:solidFill>
-                <a:effectLst>
-                  <a:outerShdw blurRad="9525" dist="25400" dir="14640000" algn="tl" rotWithShape="0">
-                    <a:schemeClr val="bg1">
-                      <a:alpha val="30000"/>
-                    </a:schemeClr>
-                  </a:outerShdw>
-                </a:effectLst>
-                <a:latin typeface="+mn-lt"/>
-                <a:ea typeface="+mn-ea"/>
-                <a:cs typeface="+mn-cs"/>
-              </a:defRPr>
-            </a:lvl8pPr>
-            <a:lvl9pPr marL="3106200" indent="-228600" algn="l" defTabSz="457200" rtl="0" eaLnBrk="1" latinLnBrk="0" hangingPunct="1">
-              <a:spcBef>
-                <a:spcPct val="20000"/>
-              </a:spcBef>
-              <a:spcAft>
-                <a:spcPts val="600"/>
-              </a:spcAft>
-              <a:buClr>
-                <a:schemeClr val="tx2"/>
-              </a:buClr>
-              <a:buSzPct val="70000"/>
-              <a:buFont typeface="Wingdings 2" charset="2"/>
-              <a:buChar char=""/>
-              <a:defRPr sz="1400" kern="1200">
-                <a:ln>
-                  <a:solidFill>
-                    <a:schemeClr val="bg1">
-                      <a:lumMod val="75000"/>
-                      <a:lumOff val="25000"/>
-                      <a:alpha val="10000"/>
-                    </a:schemeClr>
-                  </a:solidFill>
-                </a:ln>
-                <a:solidFill>
-                  <a:schemeClr val="tx2"/>
-                </a:solidFill>
-                <a:effectLst>
-                  <a:outerShdw blurRad="9525" dist="25400" dir="14640000" algn="tl" rotWithShape="0">
-                    <a:schemeClr val="bg1">
-                      <a:alpha val="30000"/>
-                    </a:schemeClr>
-                  </a:outerShdw>
-                </a:effectLst>
-                <a:latin typeface="+mn-lt"/>
-                <a:ea typeface="+mn-ea"/>
-                <a:cs typeface="+mn-cs"/>
-              </a:defRPr>
-            </a:lvl9pPr>
-          </a:lstStyle>
-          <a:p>
-            <a:pPr>
-              <a:buClr>
-                <a:schemeClr val="accent2">
-                  <a:lumMod val="75000"/>
-                </a:schemeClr>
-              </a:buClr>
-            </a:pPr>
-            <a:r>
-              <a:rPr lang="en-GB" sz="1800" dirty="0"/>
-              <a:t>Replay attack</a:t>
-            </a:r>
-          </a:p>
-          <a:p>
-            <a:pPr>
-              <a:buClr>
-                <a:schemeClr val="accent2">
-                  <a:lumMod val="75000"/>
-                </a:schemeClr>
-              </a:buClr>
-            </a:pPr>
-            <a:r>
-              <a:rPr lang="en-GB" sz="1800" dirty="0"/>
-              <a:t>Reverse engineering attack</a:t>
-            </a:r>
-          </a:p>
-          <a:p>
-            <a:pPr>
-              <a:buClr>
-                <a:schemeClr val="accent2">
-                  <a:lumMod val="75000"/>
-                </a:schemeClr>
-              </a:buClr>
-            </a:pPr>
-            <a:r>
-              <a:rPr lang="en-GB" sz="1800" dirty="0"/>
-              <a:t>Human solver relay attacks</a:t>
-            </a:r>
-          </a:p>
-          <a:p>
-            <a:pPr>
-              <a:buClr>
-                <a:schemeClr val="accent2">
-                  <a:lumMod val="75000"/>
-                </a:schemeClr>
-              </a:buClr>
-            </a:pPr>
-            <a:r>
-              <a:rPr lang="en-GB" sz="1800" dirty="0"/>
-              <a:t>Brute force attack</a:t>
-            </a:r>
-          </a:p>
-          <a:p>
-            <a:pPr>
-              <a:buClr>
-                <a:schemeClr val="accent2">
-                  <a:lumMod val="75000"/>
-                </a:schemeClr>
-              </a:buClr>
-            </a:pPr>
-            <a:r>
-              <a:rPr lang="en-GB" sz="1800" dirty="0"/>
-              <a:t>Denial of Service attack (DoS)</a:t>
-            </a:r>
-          </a:p>
-          <a:p>
-            <a:pPr>
-              <a:buClr>
-                <a:schemeClr val="accent2">
-                  <a:lumMod val="75000"/>
-                </a:schemeClr>
-              </a:buClr>
-            </a:pPr>
-            <a:r>
-              <a:rPr lang="en-GB" sz="1800" dirty="0"/>
-              <a:t>Eavesdropping attack</a:t>
-            </a:r>
-          </a:p>
-          <a:p>
-            <a:endParaRPr lang="en-GB" dirty="0"/>
-          </a:p>
-        </p:txBody>
-      </p:sp>
-      <p:sp>
-        <p:nvSpPr>
-          <p:cNvPr id="10" name="Titolo 1">
-            <a:extLst>
-              <a:ext uri="{FF2B5EF4-FFF2-40B4-BE49-F238E27FC236}">
-                <a16:creationId xmlns:a16="http://schemas.microsoft.com/office/drawing/2014/main" id="{F8EA0F97-43FA-445A-8C23-492486372B09}"/>
-              </a:ext>
-            </a:extLst>
-          </p:cNvPr>
-          <p:cNvSpPr>
-            <a:spLocks noGrp="1"/>
-          </p:cNvSpPr>
-          <p:nvPr>
-            <p:ph type="title"/>
-          </p:nvPr>
-        </p:nvSpPr>
-        <p:spPr>
-          <a:xfrm>
-            <a:off x="4264435" y="1595502"/>
-            <a:ext cx="4648689" cy="508318"/>
-          </a:xfrm>
-        </p:spPr>
-        <p:txBody>
-          <a:bodyPr>
-            <a:normAutofit/>
-          </a:bodyPr>
-          <a:lstStyle/>
-          <a:p>
-            <a:r>
-              <a:rPr lang="en-GB" sz="2400" dirty="0"/>
-              <a:t>Future work</a:t>
-            </a:r>
-            <a:endParaRPr lang="it-IT" sz="2400" dirty="0"/>
-          </a:p>
-        </p:txBody>
-      </p:sp>
-      <p:sp>
-        <p:nvSpPr>
-          <p:cNvPr id="11" name="Segnaposto contenuto 2">
-            <a:extLst>
-              <a:ext uri="{FF2B5EF4-FFF2-40B4-BE49-F238E27FC236}">
-                <a16:creationId xmlns:a16="http://schemas.microsoft.com/office/drawing/2014/main" id="{BDE136F6-3842-4232-AF28-FB0A9E48951E}"/>
-              </a:ext>
-            </a:extLst>
-          </p:cNvPr>
-          <p:cNvSpPr>
-            <a:spLocks noGrp="1"/>
-          </p:cNvSpPr>
-          <p:nvPr>
-            <p:ph idx="1"/>
-          </p:nvPr>
-        </p:nvSpPr>
-        <p:spPr>
-          <a:xfrm>
-            <a:off x="4264435" y="2099342"/>
-            <a:ext cx="4648689" cy="2959773"/>
-          </a:xfrm>
-        </p:spPr>
-        <p:txBody>
-          <a:bodyPr>
-            <a:normAutofit/>
-          </a:bodyPr>
-          <a:lstStyle/>
-          <a:p>
-            <a:pPr>
-              <a:buClr>
-                <a:schemeClr val="accent2">
-                  <a:lumMod val="75000"/>
-                </a:schemeClr>
-              </a:buClr>
-            </a:pPr>
-            <a:r>
-              <a:rPr lang="en-GB" sz="1800" dirty="0">
-                <a:solidFill>
-                  <a:schemeClr val="accent2">
-                    <a:lumMod val="75000"/>
-                  </a:schemeClr>
-                </a:solidFill>
-              </a:rPr>
-              <a:t>Improvement of character correspondence</a:t>
-            </a:r>
-            <a:endParaRPr lang="it-IT" sz="1800" dirty="0">
-              <a:solidFill>
-                <a:schemeClr val="accent2">
-                  <a:lumMod val="75000"/>
-                </a:schemeClr>
-              </a:solidFill>
-            </a:endParaRPr>
-          </a:p>
-          <a:p>
-            <a:pPr>
-              <a:buClr>
-                <a:schemeClr val="accent2">
-                  <a:lumMod val="75000"/>
-                </a:schemeClr>
-              </a:buClr>
-            </a:pPr>
-            <a:r>
-              <a:rPr lang="it-IT" sz="1800" dirty="0" err="1">
-                <a:solidFill>
-                  <a:schemeClr val="accent2">
-                    <a:lumMod val="75000"/>
-                  </a:schemeClr>
-                </a:solidFill>
-              </a:rPr>
-              <a:t>Implementation</a:t>
-            </a:r>
-            <a:r>
-              <a:rPr lang="it-IT" sz="1800" dirty="0">
-                <a:solidFill>
-                  <a:schemeClr val="accent2">
-                    <a:lumMod val="75000"/>
-                  </a:schemeClr>
-                </a:solidFill>
-              </a:rPr>
-              <a:t> on </a:t>
-            </a:r>
-            <a:r>
-              <a:rPr lang="it-IT" sz="1800" dirty="0" err="1">
-                <a:solidFill>
-                  <a:schemeClr val="accent2">
-                    <a:lumMod val="75000"/>
-                  </a:schemeClr>
-                </a:solidFill>
-              </a:rPr>
-              <a:t>other</a:t>
-            </a:r>
-            <a:r>
-              <a:rPr lang="it-IT" sz="1800" dirty="0">
-                <a:solidFill>
-                  <a:schemeClr val="accent2">
-                    <a:lumMod val="75000"/>
-                  </a:schemeClr>
-                </a:solidFill>
-              </a:rPr>
-              <a:t> devices (smartphones &amp; tablets)</a:t>
-            </a:r>
-          </a:p>
-          <a:p>
-            <a:pPr>
-              <a:buClr>
-                <a:schemeClr val="accent2">
-                  <a:lumMod val="75000"/>
-                </a:schemeClr>
-              </a:buClr>
-            </a:pPr>
-            <a:r>
-              <a:rPr lang="it-IT" sz="1800" dirty="0" err="1">
-                <a:solidFill>
-                  <a:schemeClr val="accent2">
-                    <a:lumMod val="75000"/>
-                  </a:schemeClr>
-                </a:solidFill>
-              </a:rPr>
-              <a:t>Relationship</a:t>
-            </a:r>
-            <a:r>
-              <a:rPr lang="it-IT" sz="1800" dirty="0">
-                <a:solidFill>
-                  <a:schemeClr val="accent2">
-                    <a:lumMod val="75000"/>
-                  </a:schemeClr>
-                </a:solidFill>
-              </a:rPr>
-              <a:t> </a:t>
-            </a:r>
-            <a:r>
-              <a:rPr lang="it-IT" sz="1800" dirty="0" err="1">
-                <a:solidFill>
-                  <a:schemeClr val="accent2">
-                    <a:lumMod val="75000"/>
-                  </a:schemeClr>
-                </a:solidFill>
-              </a:rPr>
-              <a:t>between</a:t>
-            </a:r>
-            <a:r>
-              <a:rPr lang="it-IT" sz="1800" dirty="0">
-                <a:solidFill>
-                  <a:schemeClr val="accent2">
-                    <a:lumMod val="75000"/>
-                  </a:schemeClr>
-                </a:solidFill>
-              </a:rPr>
-              <a:t> </a:t>
-            </a:r>
-            <a:r>
-              <a:rPr lang="it-IT" sz="1800" dirty="0" err="1">
-                <a:solidFill>
-                  <a:schemeClr val="accent2">
-                    <a:lumMod val="75000"/>
-                  </a:schemeClr>
-                </a:solidFill>
-              </a:rPr>
-              <a:t>accuracy</a:t>
-            </a:r>
-            <a:r>
-              <a:rPr lang="it-IT" sz="1800" dirty="0">
-                <a:solidFill>
-                  <a:schemeClr val="accent2">
-                    <a:lumMod val="75000"/>
-                  </a:schemeClr>
-                </a:solidFill>
-              </a:rPr>
-              <a:t> and:</a:t>
-            </a:r>
-          </a:p>
-          <a:p>
-            <a:pPr lvl="1"/>
-            <a:r>
-              <a:rPr lang="it-IT" sz="1600" dirty="0" err="1"/>
-              <a:t>different</a:t>
-            </a:r>
-            <a:r>
-              <a:rPr lang="it-IT" sz="1600" dirty="0"/>
-              <a:t> users </a:t>
-            </a:r>
-            <a:r>
-              <a:rPr lang="it-IT" sz="1600" dirty="0" err="1"/>
-              <a:t>typing</a:t>
-            </a:r>
-            <a:r>
-              <a:rPr lang="it-IT" sz="1600" dirty="0"/>
-              <a:t> styles</a:t>
-            </a:r>
-          </a:p>
-          <a:p>
-            <a:pPr lvl="1"/>
-            <a:r>
-              <a:rPr lang="en-GB" sz="1600" dirty="0"/>
-              <a:t>different level of wear and tear of a same hardware</a:t>
-            </a:r>
-            <a:endParaRPr lang="it-IT" sz="1600" dirty="0"/>
-          </a:p>
-        </p:txBody>
-      </p:sp>
-    </p:spTree>
-    <p:extLst>
-      <p:ext uri="{BB962C8B-B14F-4D97-AF65-F5344CB8AC3E}">
-        <p14:creationId xmlns:p14="http://schemas.microsoft.com/office/powerpoint/2010/main" val="3897955797"/>
-      </p:ext>
-    </p:extLst>
-  </p:cSld>
-  <p:clrMapOvr>
-    <a:masterClrMapping/>
-  </p:clrMapOvr>
+  <p:timing>
+    <p:tnLst>
+      <p:par>
+        <p:cTn id="1" dur="indefinite" restart="never" nodeType="tmRoot">
+          <p:childTnLst>
+            <p:seq concurrent="1" nextAc="seek">
+              <p:cTn id="2" dur="indefinite" nodeType="mainSeq">
+                <p:childTnLst>
+                  <p:par>
+                    <p:cTn id="3" fill="hold">
+                      <p:stCondLst>
+                        <p:cond delay="indefinite"/>
+                      </p:stCondLst>
+                      <p:childTnLst>
+                        <p:par>
+                          <p:cTn id="4" fill="hold">
+                            <p:stCondLst>
+                              <p:cond delay="0"/>
+                            </p:stCondLst>
+                            <p:childTnLst>
+                              <p:par>
+                                <p:cTn id="5" presetID="22" presetClass="entr" presetSubtype="4" fill="hold" nodeType="clickEffect">
+                                  <p:stCondLst>
+                                    <p:cond delay="0"/>
+                                  </p:stCondLst>
+                                  <p:childTnLst>
+                                    <p:set>
+                                      <p:cBhvr>
+                                        <p:cTn id="6" dur="1" fill="hold">
+                                          <p:stCondLst>
+                                            <p:cond delay="0"/>
+                                          </p:stCondLst>
+                                        </p:cTn>
+                                        <p:tgtEl>
+                                          <p:spTgt spid="6"/>
+                                        </p:tgtEl>
+                                        <p:attrNameLst>
+                                          <p:attrName>style.visibility</p:attrName>
+                                        </p:attrNameLst>
+                                      </p:cBhvr>
+                                      <p:to>
+                                        <p:strVal val="visible"/>
+                                      </p:to>
+                                    </p:set>
+                                    <p:animEffect transition="in" filter="wipe(down)">
+                                      <p:cBhvr>
+                                        <p:cTn id="7" dur="500"/>
+                                        <p:tgtEl>
+                                          <p:spTgt spid="6"/>
+                                        </p:tgtEl>
+                                      </p:cBhvr>
+                                    </p:animEffect>
+                                  </p:childTnLst>
+                                </p:cTn>
+                              </p:par>
+                            </p:childTnLst>
+                          </p:cTn>
+                        </p:par>
+                      </p:childTnLst>
+                    </p:cTn>
+                  </p:par>
+                  <p:par>
+                    <p:cTn id="8" fill="hold">
+                      <p:stCondLst>
+                        <p:cond delay="indefinite"/>
+                      </p:stCondLst>
+                      <p:childTnLst>
+                        <p:par>
+                          <p:cTn id="9" fill="hold">
+                            <p:stCondLst>
+                              <p:cond delay="0"/>
+                            </p:stCondLst>
+                            <p:childTnLst>
+                              <p:par>
+                                <p:cTn id="10" presetID="1" presetClass="entr" presetSubtype="0" fill="hold" nodeType="clickEffect">
+                                  <p:stCondLst>
+                                    <p:cond delay="0"/>
+                                  </p:stCondLst>
+                                  <p:childTnLst>
+                                    <p:set>
+                                      <p:cBhvr>
+                                        <p:cTn id="11" dur="1" fill="hold">
+                                          <p:stCondLst>
+                                            <p:cond delay="0"/>
+                                          </p:stCondLst>
+                                        </p:cTn>
+                                        <p:tgtEl>
+                                          <p:spTgt spid="15"/>
+                                        </p:tgtEl>
+                                        <p:attrNameLst>
+                                          <p:attrName>style.visibility</p:attrName>
+                                        </p:attrNameLst>
+                                      </p:cBhvr>
+                                      <p:to>
+                                        <p:strVal val="visible"/>
+                                      </p:to>
+                                    </p:set>
+                                  </p:childTnLst>
+                                </p:cTn>
+                              </p:par>
+                            </p:childTnLst>
+                          </p:cTn>
+                        </p:par>
+                      </p:childTnLst>
+                    </p:cTn>
+                  </p:par>
+                  <p:par>
+                    <p:cTn id="12" fill="hold">
+                      <p:stCondLst>
+                        <p:cond delay="indefinite"/>
+                      </p:stCondLst>
+                      <p:childTnLst>
+                        <p:par>
+                          <p:cTn id="13" fill="hold">
+                            <p:stCondLst>
+                              <p:cond delay="0"/>
+                            </p:stCondLst>
+                            <p:childTnLst>
+                              <p:par>
+                                <p:cTn id="14" presetID="1" presetClass="entr" presetSubtype="0" fill="hold" nodeType="clickEffect">
+                                  <p:stCondLst>
+                                    <p:cond delay="0"/>
+                                  </p:stCondLst>
+                                  <p:childTnLst>
+                                    <p:set>
+                                      <p:cBhvr>
+                                        <p:cTn id="15" dur="1" fill="hold">
+                                          <p:stCondLst>
+                                            <p:cond delay="0"/>
+                                          </p:stCondLst>
+                                        </p:cTn>
+                                        <p:tgtEl>
+                                          <p:spTgt spid="16"/>
+                                        </p:tgtEl>
+                                        <p:attrNameLst>
+                                          <p:attrName>style.visibility</p:attrName>
+                                        </p:attrNameLst>
+                                      </p:cBhvr>
+                                      <p:to>
+                                        <p:strVal val="visible"/>
+                                      </p:to>
+                                    </p:set>
+                                  </p:childTnLst>
+                                </p:cTn>
+                              </p:par>
+                            </p:childTnLst>
+                          </p:cTn>
+                        </p:par>
+                      </p:childTnLst>
+                    </p:cTn>
+                  </p:par>
+                </p:childTnLst>
+              </p:cTn>
+              <p:prevCondLst>
+                <p:cond evt="onPrev" delay="0">
+                  <p:tgtEl>
+                    <p:sldTgt/>
+                  </p:tgtEl>
+                </p:cond>
+              </p:prevCondLst>
+              <p:nextCondLst>
+                <p:cond evt="onNext" delay="0">
+                  <p:tgtEl>
+                    <p:sldTgt/>
+                  </p:tgtEl>
+                </p:cond>
+              </p:nextCondLst>
+            </p:seq>
+          </p:childTnLst>
+        </p:cTn>
+      </p:par>
+    </p:tnLst>
+  </p:timing>
 </p:sld>
 </file>
 

--- a/Thesis/AcCAPPCHA.pptx
+++ b/Thesis/AcCAPPCHA.pptx
@@ -7490,7 +7490,7 @@
           <a:lstStyle/>
           <a:p>
             <a:r>
-              <a:rPr lang="it-IT"/>
+              <a:rPr lang="it-IT" dirty="0"/>
               <a:t>Di Nardo Di Maio Raffaele</a:t>
             </a:r>
           </a:p>
@@ -7672,8 +7672,8 @@
         </p:nvSpPr>
         <p:spPr>
           <a:xfrm>
-            <a:off x="548278" y="2312163"/>
-            <a:ext cx="3723783" cy="2534128"/>
+            <a:off x="548278" y="4332301"/>
+            <a:ext cx="3723783" cy="496233"/>
           </a:xfrm>
           <a:prstGeom prst="rect">
             <a:avLst/>
@@ -8043,77 +8043,11 @@
               </a:buClr>
             </a:pPr>
             <a:r>
-              <a:rPr lang="en-GB" sz="1800" dirty="0"/>
-              <a:t>Replay attack</a:t>
-            </a:r>
-          </a:p>
-          <a:p>
-            <a:pPr>
-              <a:buClr>
-                <a:schemeClr val="accent2">
-                  <a:lumMod val="75000"/>
-                </a:schemeClr>
-              </a:buClr>
-            </a:pPr>
-            <a:r>
-              <a:rPr lang="en-GB" sz="1800" dirty="0"/>
-              <a:t>Reverse engineering attack</a:t>
-            </a:r>
-          </a:p>
-          <a:p>
-            <a:pPr>
-              <a:buClr>
-                <a:schemeClr val="accent2">
-                  <a:lumMod val="75000"/>
-                </a:schemeClr>
-              </a:buClr>
-            </a:pPr>
-            <a:r>
-              <a:rPr lang="en-GB" sz="1800" dirty="0"/>
-              <a:t>Human solver relay attacks</a:t>
-            </a:r>
-          </a:p>
-          <a:p>
-            <a:pPr>
-              <a:buClr>
-                <a:schemeClr val="accent2">
-                  <a:lumMod val="75000"/>
-                </a:schemeClr>
-              </a:buClr>
-            </a:pPr>
-            <a:r>
-              <a:rPr lang="en-GB" sz="1800" dirty="0"/>
-              <a:t>Brute force attack</a:t>
-            </a:r>
-          </a:p>
-          <a:p>
-            <a:pPr>
-              <a:buClr>
-                <a:schemeClr val="accent2">
-                  <a:lumMod val="75000"/>
-                </a:schemeClr>
-              </a:buClr>
-            </a:pPr>
-            <a:r>
-              <a:rPr lang="en-GB" sz="1800" dirty="0"/>
-              <a:t>Denial of Service attack (DoS)</a:t>
-            </a:r>
-          </a:p>
-          <a:p>
-            <a:pPr>
-              <a:buClr>
-                <a:schemeClr val="accent2">
-                  <a:lumMod val="75000"/>
-                </a:schemeClr>
-              </a:buClr>
-            </a:pPr>
-            <a:r>
-              <a:rPr lang="en-GB" sz="1800" dirty="0"/>
+              <a:rPr lang="en-GB" sz="1800" dirty="0">
+                <a:effectLst/>
+              </a:rPr>
               <a:t>Eavesdropping attack</a:t>
             </a:r>
-          </a:p>
-          <a:p>
-            <a:endParaRPr lang="en-GB" dirty="0"/>
           </a:p>
         </p:txBody>
       </p:sp>
@@ -8155,31 +8089,382 @@
       </p:sp>
       <p:sp>
         <p:nvSpPr>
-          <p:cNvPr id="11" name="Segnaposto contenuto 2">
+          <p:cNvPr id="12" name="Segnaposto contenuto 2">
             <a:extLst>
               <a:ext uri="{FF2B5EF4-FFF2-40B4-BE49-F238E27FC236}">
-                <a16:creationId xmlns:a16="http://schemas.microsoft.com/office/drawing/2014/main" id="{BDE136F6-3842-4232-AF28-FB0A9E48951E}"/>
+                <a16:creationId xmlns:a16="http://schemas.microsoft.com/office/drawing/2014/main" id="{E982D111-CA41-4F57-B67E-70605001127E}"/>
               </a:ext>
             </a:extLst>
           </p:cNvPr>
-          <p:cNvSpPr>
-            <a:spLocks noGrp="1"/>
+          <p:cNvSpPr txBox="1">
+            <a:spLocks/>
           </p:cNvSpPr>
-          <p:nvPr>
-            <p:ph idx="1"/>
-          </p:nvPr>
+          <p:nvPr/>
         </p:nvSpPr>
         <p:spPr>
           <a:xfrm>
-            <a:off x="4264435" y="2099342"/>
-            <a:ext cx="4648689" cy="2959773"/>
+            <a:off x="548278" y="2313362"/>
+            <a:ext cx="3723783" cy="2093931"/>
           </a:xfrm>
+          <a:prstGeom prst="rect">
+            <a:avLst/>
+          </a:prstGeom>
+          <a:effectLst>
+            <a:outerShdw blurRad="25400" dir="17880000">
+              <a:srgbClr val="000000">
+                <a:alpha val="46000"/>
+              </a:srgbClr>
+            </a:outerShdw>
+          </a:effectLst>
         </p:spPr>
         <p:txBody>
-          <a:bodyPr>
+          <a:bodyPr vert="horz" lIns="91440" tIns="45720" rIns="91440" bIns="45720" rtlCol="0" anchor="t">
             <a:normAutofit/>
           </a:bodyPr>
-          <a:lstStyle/>
+          <a:lstStyle>
+            <a:lvl1pPr marL="342900" indent="-306000" algn="l" defTabSz="457200" rtl="0" eaLnBrk="1" latinLnBrk="0" hangingPunct="1">
+              <a:spcBef>
+                <a:spcPct val="20000"/>
+              </a:spcBef>
+              <a:spcAft>
+                <a:spcPts val="600"/>
+              </a:spcAft>
+              <a:buClr>
+                <a:schemeClr val="tx2"/>
+              </a:buClr>
+              <a:buSzPct val="70000"/>
+              <a:buFont typeface="Wingdings 2" charset="2"/>
+              <a:buChar char=""/>
+              <a:defRPr sz="2000" kern="1200">
+                <a:ln>
+                  <a:solidFill>
+                    <a:schemeClr val="bg1">
+                      <a:lumMod val="75000"/>
+                      <a:lumOff val="25000"/>
+                      <a:alpha val="10000"/>
+                    </a:schemeClr>
+                  </a:solidFill>
+                </a:ln>
+                <a:solidFill>
+                  <a:schemeClr val="tx2"/>
+                </a:solidFill>
+                <a:effectLst>
+                  <a:outerShdw blurRad="9525" dist="25400" dir="14640000" algn="tl" rotWithShape="0">
+                    <a:schemeClr val="bg1">
+                      <a:alpha val="30000"/>
+                    </a:schemeClr>
+                  </a:outerShdw>
+                </a:effectLst>
+                <a:latin typeface="+mn-lt"/>
+                <a:ea typeface="+mn-ea"/>
+                <a:cs typeface="+mn-cs"/>
+              </a:defRPr>
+            </a:lvl1pPr>
+            <a:lvl2pPr marL="720000" indent="-270000" algn="l" defTabSz="457200" rtl="0" eaLnBrk="1" latinLnBrk="0" hangingPunct="1">
+              <a:spcBef>
+                <a:spcPct val="20000"/>
+              </a:spcBef>
+              <a:spcAft>
+                <a:spcPts val="600"/>
+              </a:spcAft>
+              <a:buClr>
+                <a:schemeClr val="tx2"/>
+              </a:buClr>
+              <a:buSzPct val="70000"/>
+              <a:buFont typeface="Wingdings 2" charset="2"/>
+              <a:buChar char=""/>
+              <a:defRPr sz="1800" kern="1200">
+                <a:ln>
+                  <a:solidFill>
+                    <a:schemeClr val="bg1">
+                      <a:lumMod val="75000"/>
+                      <a:lumOff val="25000"/>
+                      <a:alpha val="10000"/>
+                    </a:schemeClr>
+                  </a:solidFill>
+                </a:ln>
+                <a:solidFill>
+                  <a:schemeClr val="tx2"/>
+                </a:solidFill>
+                <a:effectLst>
+                  <a:outerShdw blurRad="9525" dist="25400" dir="14640000" algn="tl" rotWithShape="0">
+                    <a:schemeClr val="bg1">
+                      <a:alpha val="30000"/>
+                    </a:schemeClr>
+                  </a:outerShdw>
+                </a:effectLst>
+                <a:latin typeface="+mn-lt"/>
+                <a:ea typeface="+mn-ea"/>
+                <a:cs typeface="+mn-cs"/>
+              </a:defRPr>
+            </a:lvl2pPr>
+            <a:lvl3pPr marL="1026000" indent="-216000" algn="l" defTabSz="457200" rtl="0" eaLnBrk="1" latinLnBrk="0" hangingPunct="1">
+              <a:spcBef>
+                <a:spcPct val="20000"/>
+              </a:spcBef>
+              <a:spcAft>
+                <a:spcPts val="600"/>
+              </a:spcAft>
+              <a:buClr>
+                <a:schemeClr val="tx2"/>
+              </a:buClr>
+              <a:buSzPct val="70000"/>
+              <a:buFont typeface="Wingdings 2" charset="2"/>
+              <a:buChar char=""/>
+              <a:defRPr sz="1600" kern="1200">
+                <a:ln>
+                  <a:solidFill>
+                    <a:schemeClr val="bg1">
+                      <a:lumMod val="75000"/>
+                      <a:lumOff val="25000"/>
+                      <a:alpha val="10000"/>
+                    </a:schemeClr>
+                  </a:solidFill>
+                </a:ln>
+                <a:solidFill>
+                  <a:schemeClr val="tx2"/>
+                </a:solidFill>
+                <a:effectLst>
+                  <a:outerShdw blurRad="9525" dist="25400" dir="14640000" algn="tl" rotWithShape="0">
+                    <a:schemeClr val="bg1">
+                      <a:alpha val="30000"/>
+                    </a:schemeClr>
+                  </a:outerShdw>
+                </a:effectLst>
+                <a:latin typeface="+mn-lt"/>
+                <a:ea typeface="+mn-ea"/>
+                <a:cs typeface="+mn-cs"/>
+              </a:defRPr>
+            </a:lvl3pPr>
+            <a:lvl4pPr marL="1386000" indent="-216000" algn="l" defTabSz="457200" rtl="0" eaLnBrk="1" latinLnBrk="0" hangingPunct="1">
+              <a:spcBef>
+                <a:spcPct val="20000"/>
+              </a:spcBef>
+              <a:spcAft>
+                <a:spcPts val="600"/>
+              </a:spcAft>
+              <a:buClr>
+                <a:schemeClr val="tx2"/>
+              </a:buClr>
+              <a:buSzPct val="70000"/>
+              <a:buFont typeface="Wingdings 2" charset="2"/>
+              <a:buChar char=""/>
+              <a:defRPr sz="1400" kern="1200">
+                <a:ln>
+                  <a:solidFill>
+                    <a:schemeClr val="bg1">
+                      <a:lumMod val="75000"/>
+                      <a:lumOff val="25000"/>
+                      <a:alpha val="10000"/>
+                    </a:schemeClr>
+                  </a:solidFill>
+                </a:ln>
+                <a:solidFill>
+                  <a:schemeClr val="tx2"/>
+                </a:solidFill>
+                <a:effectLst>
+                  <a:outerShdw blurRad="9525" dist="25400" dir="14640000" algn="tl" rotWithShape="0">
+                    <a:schemeClr val="bg1">
+                      <a:alpha val="30000"/>
+                    </a:schemeClr>
+                  </a:outerShdw>
+                </a:effectLst>
+                <a:latin typeface="+mn-lt"/>
+                <a:ea typeface="+mn-ea"/>
+                <a:cs typeface="+mn-cs"/>
+              </a:defRPr>
+            </a:lvl4pPr>
+            <a:lvl5pPr marL="1674000" indent="-216000" algn="l" defTabSz="457200" rtl="0" eaLnBrk="1" latinLnBrk="0" hangingPunct="1">
+              <a:spcBef>
+                <a:spcPct val="20000"/>
+              </a:spcBef>
+              <a:spcAft>
+                <a:spcPts val="600"/>
+              </a:spcAft>
+              <a:buClr>
+                <a:schemeClr val="tx2"/>
+              </a:buClr>
+              <a:buSzPct val="70000"/>
+              <a:buFont typeface="Wingdings 2" charset="2"/>
+              <a:buChar char=""/>
+              <a:defRPr sz="1400" kern="1200">
+                <a:ln>
+                  <a:solidFill>
+                    <a:schemeClr val="bg1">
+                      <a:lumMod val="75000"/>
+                      <a:lumOff val="25000"/>
+                      <a:alpha val="10000"/>
+                    </a:schemeClr>
+                  </a:solidFill>
+                </a:ln>
+                <a:solidFill>
+                  <a:schemeClr val="tx2"/>
+                </a:solidFill>
+                <a:effectLst>
+                  <a:outerShdw blurRad="9525" dist="25400" dir="14640000" algn="tl" rotWithShape="0">
+                    <a:schemeClr val="bg1">
+                      <a:alpha val="30000"/>
+                    </a:schemeClr>
+                  </a:outerShdw>
+                </a:effectLst>
+                <a:latin typeface="+mn-lt"/>
+                <a:ea typeface="+mn-ea"/>
+                <a:cs typeface="+mn-cs"/>
+              </a:defRPr>
+            </a:lvl5pPr>
+            <a:lvl6pPr marL="2014600" indent="-228600" algn="l" defTabSz="457200" rtl="0" eaLnBrk="1" latinLnBrk="0" hangingPunct="1">
+              <a:spcBef>
+                <a:spcPct val="20000"/>
+              </a:spcBef>
+              <a:spcAft>
+                <a:spcPts val="600"/>
+              </a:spcAft>
+              <a:buClr>
+                <a:schemeClr val="tx2"/>
+              </a:buClr>
+              <a:buSzPct val="70000"/>
+              <a:buFont typeface="Wingdings 2" charset="2"/>
+              <a:buChar char=""/>
+              <a:defRPr sz="1400" kern="1200">
+                <a:ln>
+                  <a:solidFill>
+                    <a:schemeClr val="bg1">
+                      <a:lumMod val="75000"/>
+                      <a:lumOff val="25000"/>
+                      <a:alpha val="10000"/>
+                    </a:schemeClr>
+                  </a:solidFill>
+                </a:ln>
+                <a:solidFill>
+                  <a:schemeClr val="tx2"/>
+                </a:solidFill>
+                <a:effectLst>
+                  <a:outerShdw blurRad="9525" dist="25400" dir="14640000" algn="tl" rotWithShape="0">
+                    <a:schemeClr val="bg1">
+                      <a:alpha val="30000"/>
+                    </a:schemeClr>
+                  </a:outerShdw>
+                </a:effectLst>
+                <a:latin typeface="+mn-lt"/>
+                <a:ea typeface="+mn-ea"/>
+                <a:cs typeface="+mn-cs"/>
+              </a:defRPr>
+            </a:lvl6pPr>
+            <a:lvl7pPr marL="2401800" indent="-228600" algn="l" defTabSz="457200" rtl="0" eaLnBrk="1" latinLnBrk="0" hangingPunct="1">
+              <a:spcBef>
+                <a:spcPct val="20000"/>
+              </a:spcBef>
+              <a:spcAft>
+                <a:spcPts val="600"/>
+              </a:spcAft>
+              <a:buClr>
+                <a:schemeClr val="tx2"/>
+              </a:buClr>
+              <a:buSzPct val="70000"/>
+              <a:buFont typeface="Wingdings 2" charset="2"/>
+              <a:buChar char=""/>
+              <a:defRPr sz="1400" kern="1200">
+                <a:ln>
+                  <a:solidFill>
+                    <a:schemeClr val="bg1">
+                      <a:lumMod val="75000"/>
+                      <a:lumOff val="25000"/>
+                      <a:alpha val="10000"/>
+                    </a:schemeClr>
+                  </a:solidFill>
+                </a:ln>
+                <a:solidFill>
+                  <a:schemeClr val="tx2"/>
+                </a:solidFill>
+                <a:effectLst>
+                  <a:outerShdw blurRad="9525" dist="25400" dir="14640000" algn="tl" rotWithShape="0">
+                    <a:schemeClr val="bg1">
+                      <a:alpha val="30000"/>
+                    </a:schemeClr>
+                  </a:outerShdw>
+                </a:effectLst>
+                <a:latin typeface="+mn-lt"/>
+                <a:ea typeface="+mn-ea"/>
+                <a:cs typeface="+mn-cs"/>
+              </a:defRPr>
+            </a:lvl7pPr>
+            <a:lvl8pPr marL="2789000" indent="-228600" algn="l" defTabSz="457200" rtl="0" eaLnBrk="1" latinLnBrk="0" hangingPunct="1">
+              <a:spcBef>
+                <a:spcPct val="20000"/>
+              </a:spcBef>
+              <a:spcAft>
+                <a:spcPts val="600"/>
+              </a:spcAft>
+              <a:buClr>
+                <a:schemeClr val="tx2"/>
+              </a:buClr>
+              <a:buSzPct val="70000"/>
+              <a:buFont typeface="Wingdings 2" charset="2"/>
+              <a:buChar char=""/>
+              <a:defRPr sz="1400" kern="1200">
+                <a:ln>
+                  <a:solidFill>
+                    <a:schemeClr val="bg1">
+                      <a:lumMod val="75000"/>
+                      <a:lumOff val="25000"/>
+                      <a:alpha val="10000"/>
+                    </a:schemeClr>
+                  </a:solidFill>
+                </a:ln>
+                <a:solidFill>
+                  <a:schemeClr val="tx2"/>
+                </a:solidFill>
+                <a:effectLst>
+                  <a:outerShdw blurRad="9525" dist="25400" dir="14640000" algn="tl" rotWithShape="0">
+                    <a:schemeClr val="bg1">
+                      <a:alpha val="30000"/>
+                    </a:schemeClr>
+                  </a:outerShdw>
+                </a:effectLst>
+                <a:latin typeface="+mn-lt"/>
+                <a:ea typeface="+mn-ea"/>
+                <a:cs typeface="+mn-cs"/>
+              </a:defRPr>
+            </a:lvl8pPr>
+            <a:lvl9pPr marL="3106200" indent="-228600" algn="l" defTabSz="457200" rtl="0" eaLnBrk="1" latinLnBrk="0" hangingPunct="1">
+              <a:spcBef>
+                <a:spcPct val="20000"/>
+              </a:spcBef>
+              <a:spcAft>
+                <a:spcPts val="600"/>
+              </a:spcAft>
+              <a:buClr>
+                <a:schemeClr val="tx2"/>
+              </a:buClr>
+              <a:buSzPct val="70000"/>
+              <a:buFont typeface="Wingdings 2" charset="2"/>
+              <a:buChar char=""/>
+              <a:defRPr sz="1400" kern="1200">
+                <a:ln>
+                  <a:solidFill>
+                    <a:schemeClr val="bg1">
+                      <a:lumMod val="75000"/>
+                      <a:lumOff val="25000"/>
+                      <a:alpha val="10000"/>
+                    </a:schemeClr>
+                  </a:solidFill>
+                </a:ln>
+                <a:solidFill>
+                  <a:schemeClr val="tx2"/>
+                </a:solidFill>
+                <a:effectLst>
+                  <a:outerShdw blurRad="9525" dist="25400" dir="14640000" algn="tl" rotWithShape="0">
+                    <a:schemeClr val="bg1">
+                      <a:alpha val="30000"/>
+                    </a:schemeClr>
+                  </a:outerShdw>
+                </a:effectLst>
+                <a:latin typeface="+mn-lt"/>
+                <a:ea typeface="+mn-ea"/>
+                <a:cs typeface="+mn-cs"/>
+              </a:defRPr>
+            </a:lvl9pPr>
+          </a:lstStyle>
           <a:p>
             <a:pPr>
               <a:buClr>
@@ -8190,21 +8475,10 @@
             </a:pPr>
             <a:r>
               <a:rPr lang="en-GB" sz="1800" dirty="0">
-                <a:solidFill>
-                  <a:schemeClr val="accent2">
-                    <a:lumMod val="75000"/>
-                  </a:schemeClr>
-                </a:solidFill>
+                <a:effectLst/>
               </a:rPr>
-              <a:t>Improvement of character correspondence</a:t>
-            </a:r>
-            <a:endParaRPr lang="it-IT" sz="1800" dirty="0">
-              <a:solidFill>
-                <a:schemeClr val="accent2">
-                  <a:lumMod val="75000"/>
-                </a:schemeClr>
-              </a:solidFill>
-            </a:endParaRPr>
+              <a:t>Replay attack</a:t>
+            </a:r>
           </a:p>
           <a:p>
             <a:pPr>
@@ -8215,44 +8489,10 @@
               </a:buClr>
             </a:pPr>
             <a:r>
-              <a:rPr lang="it-IT" sz="1800" dirty="0" err="1">
-                <a:solidFill>
-                  <a:schemeClr val="accent2">
-                    <a:lumMod val="75000"/>
-                  </a:schemeClr>
-                </a:solidFill>
+              <a:rPr lang="en-GB" sz="1800" dirty="0">
+                <a:effectLst/>
               </a:rPr>
-              <a:t>Implementation</a:t>
-            </a:r>
-            <a:r>
-              <a:rPr lang="it-IT" sz="1800" dirty="0">
-                <a:solidFill>
-                  <a:schemeClr val="accent2">
-                    <a:lumMod val="75000"/>
-                  </a:schemeClr>
-                </a:solidFill>
-              </a:rPr>
-              <a:t> on </a:t>
-            </a:r>
-            <a:r>
-              <a:rPr lang="it-IT" sz="1800" dirty="0" err="1">
-                <a:solidFill>
-                  <a:schemeClr val="accent2">
-                    <a:lumMod val="75000"/>
-                  </a:schemeClr>
-                </a:solidFill>
-              </a:rPr>
-              <a:t>other</a:t>
-            </a:r>
-            <a:r>
-              <a:rPr lang="it-IT" sz="1800" dirty="0">
-                <a:solidFill>
-                  <a:schemeClr val="accent2">
-                    <a:lumMod val="75000"/>
-                  </a:schemeClr>
-                </a:solidFill>
-              </a:rPr>
-              <a:t> devices (smartphones &amp; tablets)</a:t>
+              <a:t>Reverse engineering attack</a:t>
             </a:r>
           </a:p>
           <a:p>
@@ -8264,14 +8504,440 @@
               </a:buClr>
             </a:pPr>
             <a:r>
+              <a:rPr lang="en-GB" sz="1800" dirty="0">
+                <a:effectLst/>
+              </a:rPr>
+              <a:t>Human solver relay attacks</a:t>
+            </a:r>
+          </a:p>
+          <a:p>
+            <a:pPr>
+              <a:buClr>
+                <a:schemeClr val="accent2">
+                  <a:lumMod val="75000"/>
+                </a:schemeClr>
+              </a:buClr>
+            </a:pPr>
+            <a:r>
+              <a:rPr lang="en-GB" sz="1800" dirty="0">
+                <a:effectLst/>
+              </a:rPr>
+              <a:t>Brute force attack</a:t>
+            </a:r>
+          </a:p>
+          <a:p>
+            <a:pPr>
+              <a:buClr>
+                <a:schemeClr val="accent2">
+                  <a:lumMod val="75000"/>
+                </a:schemeClr>
+              </a:buClr>
+            </a:pPr>
+            <a:r>
+              <a:rPr lang="en-GB" sz="1800" dirty="0">
+                <a:effectLst/>
+              </a:rPr>
+              <a:t>Denial of Service attack (DoS)</a:t>
+            </a:r>
+          </a:p>
+        </p:txBody>
+      </p:sp>
+      <p:sp>
+        <p:nvSpPr>
+          <p:cNvPr id="13" name="Segnaposto contenuto 2">
+            <a:extLst>
+              <a:ext uri="{FF2B5EF4-FFF2-40B4-BE49-F238E27FC236}">
+                <a16:creationId xmlns:a16="http://schemas.microsoft.com/office/drawing/2014/main" id="{71FF7B46-7FD6-4BFE-B575-42F4C86FB1A2}"/>
+              </a:ext>
+            </a:extLst>
+          </p:cNvPr>
+          <p:cNvSpPr txBox="1">
+            <a:spLocks/>
+          </p:cNvSpPr>
+          <p:nvPr/>
+        </p:nvSpPr>
+        <p:spPr>
+          <a:xfrm>
+            <a:off x="4264435" y="2470339"/>
+            <a:ext cx="4523291" cy="640310"/>
+          </a:xfrm>
+          <a:prstGeom prst="rect">
+            <a:avLst/>
+          </a:prstGeom>
+          <a:effectLst>
+            <a:outerShdw blurRad="25400" dir="17880000">
+              <a:srgbClr val="000000">
+                <a:alpha val="46000"/>
+              </a:srgbClr>
+            </a:outerShdw>
+          </a:effectLst>
+        </p:spPr>
+        <p:txBody>
+          <a:bodyPr vert="horz" lIns="91440" tIns="45720" rIns="91440" bIns="45720" rtlCol="0" anchor="t">
+            <a:normAutofit/>
+          </a:bodyPr>
+          <a:lstStyle>
+            <a:lvl1pPr marL="342900" indent="-306000" algn="l" defTabSz="457200" rtl="0" eaLnBrk="1" latinLnBrk="0" hangingPunct="1">
+              <a:spcBef>
+                <a:spcPct val="20000"/>
+              </a:spcBef>
+              <a:spcAft>
+                <a:spcPts val="600"/>
+              </a:spcAft>
+              <a:buClr>
+                <a:schemeClr val="tx2"/>
+              </a:buClr>
+              <a:buSzPct val="70000"/>
+              <a:buFont typeface="Wingdings 2" charset="2"/>
+              <a:buChar char=""/>
+              <a:defRPr sz="2000" kern="1200">
+                <a:ln>
+                  <a:solidFill>
+                    <a:schemeClr val="bg1">
+                      <a:lumMod val="75000"/>
+                      <a:lumOff val="25000"/>
+                      <a:alpha val="10000"/>
+                    </a:schemeClr>
+                  </a:solidFill>
+                </a:ln>
+                <a:solidFill>
+                  <a:schemeClr val="tx2"/>
+                </a:solidFill>
+                <a:effectLst>
+                  <a:outerShdw blurRad="9525" dist="25400" dir="14640000" algn="tl" rotWithShape="0">
+                    <a:schemeClr val="bg1">
+                      <a:alpha val="30000"/>
+                    </a:schemeClr>
+                  </a:outerShdw>
+                </a:effectLst>
+                <a:latin typeface="+mn-lt"/>
+                <a:ea typeface="+mn-ea"/>
+                <a:cs typeface="+mn-cs"/>
+              </a:defRPr>
+            </a:lvl1pPr>
+            <a:lvl2pPr marL="720000" indent="-270000" algn="l" defTabSz="457200" rtl="0" eaLnBrk="1" latinLnBrk="0" hangingPunct="1">
+              <a:spcBef>
+                <a:spcPct val="20000"/>
+              </a:spcBef>
+              <a:spcAft>
+                <a:spcPts val="600"/>
+              </a:spcAft>
+              <a:buClr>
+                <a:schemeClr val="tx2"/>
+              </a:buClr>
+              <a:buSzPct val="70000"/>
+              <a:buFont typeface="Wingdings 2" charset="2"/>
+              <a:buChar char=""/>
+              <a:defRPr sz="1800" kern="1200">
+                <a:ln>
+                  <a:solidFill>
+                    <a:schemeClr val="bg1">
+                      <a:lumMod val="75000"/>
+                      <a:lumOff val="25000"/>
+                      <a:alpha val="10000"/>
+                    </a:schemeClr>
+                  </a:solidFill>
+                </a:ln>
+                <a:solidFill>
+                  <a:schemeClr val="tx2"/>
+                </a:solidFill>
+                <a:effectLst>
+                  <a:outerShdw blurRad="9525" dist="25400" dir="14640000" algn="tl" rotWithShape="0">
+                    <a:schemeClr val="bg1">
+                      <a:alpha val="30000"/>
+                    </a:schemeClr>
+                  </a:outerShdw>
+                </a:effectLst>
+                <a:latin typeface="+mn-lt"/>
+                <a:ea typeface="+mn-ea"/>
+                <a:cs typeface="+mn-cs"/>
+              </a:defRPr>
+            </a:lvl2pPr>
+            <a:lvl3pPr marL="1026000" indent="-216000" algn="l" defTabSz="457200" rtl="0" eaLnBrk="1" latinLnBrk="0" hangingPunct="1">
+              <a:spcBef>
+                <a:spcPct val="20000"/>
+              </a:spcBef>
+              <a:spcAft>
+                <a:spcPts val="600"/>
+              </a:spcAft>
+              <a:buClr>
+                <a:schemeClr val="tx2"/>
+              </a:buClr>
+              <a:buSzPct val="70000"/>
+              <a:buFont typeface="Wingdings 2" charset="2"/>
+              <a:buChar char=""/>
+              <a:defRPr sz="1600" kern="1200">
+                <a:ln>
+                  <a:solidFill>
+                    <a:schemeClr val="bg1">
+                      <a:lumMod val="75000"/>
+                      <a:lumOff val="25000"/>
+                      <a:alpha val="10000"/>
+                    </a:schemeClr>
+                  </a:solidFill>
+                </a:ln>
+                <a:solidFill>
+                  <a:schemeClr val="tx2"/>
+                </a:solidFill>
+                <a:effectLst>
+                  <a:outerShdw blurRad="9525" dist="25400" dir="14640000" algn="tl" rotWithShape="0">
+                    <a:schemeClr val="bg1">
+                      <a:alpha val="30000"/>
+                    </a:schemeClr>
+                  </a:outerShdw>
+                </a:effectLst>
+                <a:latin typeface="+mn-lt"/>
+                <a:ea typeface="+mn-ea"/>
+                <a:cs typeface="+mn-cs"/>
+              </a:defRPr>
+            </a:lvl3pPr>
+            <a:lvl4pPr marL="1386000" indent="-216000" algn="l" defTabSz="457200" rtl="0" eaLnBrk="1" latinLnBrk="0" hangingPunct="1">
+              <a:spcBef>
+                <a:spcPct val="20000"/>
+              </a:spcBef>
+              <a:spcAft>
+                <a:spcPts val="600"/>
+              </a:spcAft>
+              <a:buClr>
+                <a:schemeClr val="tx2"/>
+              </a:buClr>
+              <a:buSzPct val="70000"/>
+              <a:buFont typeface="Wingdings 2" charset="2"/>
+              <a:buChar char=""/>
+              <a:defRPr sz="1400" kern="1200">
+                <a:ln>
+                  <a:solidFill>
+                    <a:schemeClr val="bg1">
+                      <a:lumMod val="75000"/>
+                      <a:lumOff val="25000"/>
+                      <a:alpha val="10000"/>
+                    </a:schemeClr>
+                  </a:solidFill>
+                </a:ln>
+                <a:solidFill>
+                  <a:schemeClr val="tx2"/>
+                </a:solidFill>
+                <a:effectLst>
+                  <a:outerShdw blurRad="9525" dist="25400" dir="14640000" algn="tl" rotWithShape="0">
+                    <a:schemeClr val="bg1">
+                      <a:alpha val="30000"/>
+                    </a:schemeClr>
+                  </a:outerShdw>
+                </a:effectLst>
+                <a:latin typeface="+mn-lt"/>
+                <a:ea typeface="+mn-ea"/>
+                <a:cs typeface="+mn-cs"/>
+              </a:defRPr>
+            </a:lvl4pPr>
+            <a:lvl5pPr marL="1674000" indent="-216000" algn="l" defTabSz="457200" rtl="0" eaLnBrk="1" latinLnBrk="0" hangingPunct="1">
+              <a:spcBef>
+                <a:spcPct val="20000"/>
+              </a:spcBef>
+              <a:spcAft>
+                <a:spcPts val="600"/>
+              </a:spcAft>
+              <a:buClr>
+                <a:schemeClr val="tx2"/>
+              </a:buClr>
+              <a:buSzPct val="70000"/>
+              <a:buFont typeface="Wingdings 2" charset="2"/>
+              <a:buChar char=""/>
+              <a:defRPr sz="1400" kern="1200">
+                <a:ln>
+                  <a:solidFill>
+                    <a:schemeClr val="bg1">
+                      <a:lumMod val="75000"/>
+                      <a:lumOff val="25000"/>
+                      <a:alpha val="10000"/>
+                    </a:schemeClr>
+                  </a:solidFill>
+                </a:ln>
+                <a:solidFill>
+                  <a:schemeClr val="tx2"/>
+                </a:solidFill>
+                <a:effectLst>
+                  <a:outerShdw blurRad="9525" dist="25400" dir="14640000" algn="tl" rotWithShape="0">
+                    <a:schemeClr val="bg1">
+                      <a:alpha val="30000"/>
+                    </a:schemeClr>
+                  </a:outerShdw>
+                </a:effectLst>
+                <a:latin typeface="+mn-lt"/>
+                <a:ea typeface="+mn-ea"/>
+                <a:cs typeface="+mn-cs"/>
+              </a:defRPr>
+            </a:lvl5pPr>
+            <a:lvl6pPr marL="2014600" indent="-228600" algn="l" defTabSz="457200" rtl="0" eaLnBrk="1" latinLnBrk="0" hangingPunct="1">
+              <a:spcBef>
+                <a:spcPct val="20000"/>
+              </a:spcBef>
+              <a:spcAft>
+                <a:spcPts val="600"/>
+              </a:spcAft>
+              <a:buClr>
+                <a:schemeClr val="tx2"/>
+              </a:buClr>
+              <a:buSzPct val="70000"/>
+              <a:buFont typeface="Wingdings 2" charset="2"/>
+              <a:buChar char=""/>
+              <a:defRPr sz="1400" kern="1200">
+                <a:ln>
+                  <a:solidFill>
+                    <a:schemeClr val="bg1">
+                      <a:lumMod val="75000"/>
+                      <a:lumOff val="25000"/>
+                      <a:alpha val="10000"/>
+                    </a:schemeClr>
+                  </a:solidFill>
+                </a:ln>
+                <a:solidFill>
+                  <a:schemeClr val="tx2"/>
+                </a:solidFill>
+                <a:effectLst>
+                  <a:outerShdw blurRad="9525" dist="25400" dir="14640000" algn="tl" rotWithShape="0">
+                    <a:schemeClr val="bg1">
+                      <a:alpha val="30000"/>
+                    </a:schemeClr>
+                  </a:outerShdw>
+                </a:effectLst>
+                <a:latin typeface="+mn-lt"/>
+                <a:ea typeface="+mn-ea"/>
+                <a:cs typeface="+mn-cs"/>
+              </a:defRPr>
+            </a:lvl6pPr>
+            <a:lvl7pPr marL="2401800" indent="-228600" algn="l" defTabSz="457200" rtl="0" eaLnBrk="1" latinLnBrk="0" hangingPunct="1">
+              <a:spcBef>
+                <a:spcPct val="20000"/>
+              </a:spcBef>
+              <a:spcAft>
+                <a:spcPts val="600"/>
+              </a:spcAft>
+              <a:buClr>
+                <a:schemeClr val="tx2"/>
+              </a:buClr>
+              <a:buSzPct val="70000"/>
+              <a:buFont typeface="Wingdings 2" charset="2"/>
+              <a:buChar char=""/>
+              <a:defRPr sz="1400" kern="1200">
+                <a:ln>
+                  <a:solidFill>
+                    <a:schemeClr val="bg1">
+                      <a:lumMod val="75000"/>
+                      <a:lumOff val="25000"/>
+                      <a:alpha val="10000"/>
+                    </a:schemeClr>
+                  </a:solidFill>
+                </a:ln>
+                <a:solidFill>
+                  <a:schemeClr val="tx2"/>
+                </a:solidFill>
+                <a:effectLst>
+                  <a:outerShdw blurRad="9525" dist="25400" dir="14640000" algn="tl" rotWithShape="0">
+                    <a:schemeClr val="bg1">
+                      <a:alpha val="30000"/>
+                    </a:schemeClr>
+                  </a:outerShdw>
+                </a:effectLst>
+                <a:latin typeface="+mn-lt"/>
+                <a:ea typeface="+mn-ea"/>
+                <a:cs typeface="+mn-cs"/>
+              </a:defRPr>
+            </a:lvl7pPr>
+            <a:lvl8pPr marL="2789000" indent="-228600" algn="l" defTabSz="457200" rtl="0" eaLnBrk="1" latinLnBrk="0" hangingPunct="1">
+              <a:spcBef>
+                <a:spcPct val="20000"/>
+              </a:spcBef>
+              <a:spcAft>
+                <a:spcPts val="600"/>
+              </a:spcAft>
+              <a:buClr>
+                <a:schemeClr val="tx2"/>
+              </a:buClr>
+              <a:buSzPct val="70000"/>
+              <a:buFont typeface="Wingdings 2" charset="2"/>
+              <a:buChar char=""/>
+              <a:defRPr sz="1400" kern="1200">
+                <a:ln>
+                  <a:solidFill>
+                    <a:schemeClr val="bg1">
+                      <a:lumMod val="75000"/>
+                      <a:lumOff val="25000"/>
+                      <a:alpha val="10000"/>
+                    </a:schemeClr>
+                  </a:solidFill>
+                </a:ln>
+                <a:solidFill>
+                  <a:schemeClr val="tx2"/>
+                </a:solidFill>
+                <a:effectLst>
+                  <a:outerShdw blurRad="9525" dist="25400" dir="14640000" algn="tl" rotWithShape="0">
+                    <a:schemeClr val="bg1">
+                      <a:alpha val="30000"/>
+                    </a:schemeClr>
+                  </a:outerShdw>
+                </a:effectLst>
+                <a:latin typeface="+mn-lt"/>
+                <a:ea typeface="+mn-ea"/>
+                <a:cs typeface="+mn-cs"/>
+              </a:defRPr>
+            </a:lvl8pPr>
+            <a:lvl9pPr marL="3106200" indent="-228600" algn="l" defTabSz="457200" rtl="0" eaLnBrk="1" latinLnBrk="0" hangingPunct="1">
+              <a:spcBef>
+                <a:spcPct val="20000"/>
+              </a:spcBef>
+              <a:spcAft>
+                <a:spcPts val="600"/>
+              </a:spcAft>
+              <a:buClr>
+                <a:schemeClr val="tx2"/>
+              </a:buClr>
+              <a:buSzPct val="70000"/>
+              <a:buFont typeface="Wingdings 2" charset="2"/>
+              <a:buChar char=""/>
+              <a:defRPr sz="1400" kern="1200">
+                <a:ln>
+                  <a:solidFill>
+                    <a:schemeClr val="bg1">
+                      <a:lumMod val="75000"/>
+                      <a:lumOff val="25000"/>
+                      <a:alpha val="10000"/>
+                    </a:schemeClr>
+                  </a:solidFill>
+                </a:ln>
+                <a:solidFill>
+                  <a:schemeClr val="tx2"/>
+                </a:solidFill>
+                <a:effectLst>
+                  <a:outerShdw blurRad="9525" dist="25400" dir="14640000" algn="tl" rotWithShape="0">
+                    <a:schemeClr val="bg1">
+                      <a:alpha val="30000"/>
+                    </a:schemeClr>
+                  </a:outerShdw>
+                </a:effectLst>
+                <a:latin typeface="+mn-lt"/>
+                <a:ea typeface="+mn-ea"/>
+                <a:cs typeface="+mn-cs"/>
+              </a:defRPr>
+            </a:lvl9pPr>
+          </a:lstStyle>
+          <a:p>
+            <a:pPr>
+              <a:buClr>
+                <a:schemeClr val="accent2">
+                  <a:lumMod val="75000"/>
+                </a:schemeClr>
+              </a:buClr>
+            </a:pPr>
+            <a:r>
               <a:rPr lang="it-IT" sz="1800" dirty="0" err="1">
                 <a:solidFill>
                   <a:schemeClr val="accent2">
                     <a:lumMod val="75000"/>
                   </a:schemeClr>
                 </a:solidFill>
+                <a:effectLst/>
               </a:rPr>
-              <a:t>Relationship</a:t>
+              <a:t>Implementation</a:t>
             </a:r>
             <a:r>
               <a:rPr lang="it-IT" sz="1800" dirty="0">
@@ -8280,8 +8946,9 @@
                     <a:lumMod val="75000"/>
                   </a:schemeClr>
                 </a:solidFill>
+                <a:effectLst/>
               </a:rPr>
-              <a:t> </a:t>
+              <a:t> on </a:t>
             </a:r>
             <a:r>
               <a:rPr lang="it-IT" sz="1800" dirty="0" err="1">
@@ -8290,8 +8957,9 @@
                     <a:lumMod val="75000"/>
                   </a:schemeClr>
                 </a:solidFill>
+                <a:effectLst/>
               </a:rPr>
-              <a:t>between</a:t>
+              <a:t>other</a:t>
             </a:r>
             <a:r>
               <a:rPr lang="it-IT" sz="1800" dirty="0">
@@ -8300,9 +8968,402 @@
                     <a:lumMod val="75000"/>
                   </a:schemeClr>
                 </a:solidFill>
+                <a:effectLst/>
               </a:rPr>
-              <a:t> </a:t>
-            </a:r>
+              <a:t> devices (smartphones &amp; tablets)</a:t>
+            </a:r>
+            <a:endParaRPr lang="it-IT" sz="1600" dirty="0">
+              <a:effectLst/>
+            </a:endParaRPr>
+          </a:p>
+        </p:txBody>
+      </p:sp>
+      <p:sp>
+        <p:nvSpPr>
+          <p:cNvPr id="14" name="Segnaposto contenuto 2">
+            <a:extLst>
+              <a:ext uri="{FF2B5EF4-FFF2-40B4-BE49-F238E27FC236}">
+                <a16:creationId xmlns:a16="http://schemas.microsoft.com/office/drawing/2014/main" id="{FEC3866E-7D0C-4761-BA36-D0E3A4297ED2}"/>
+              </a:ext>
+            </a:extLst>
+          </p:cNvPr>
+          <p:cNvSpPr txBox="1">
+            <a:spLocks/>
+          </p:cNvSpPr>
+          <p:nvPr/>
+        </p:nvSpPr>
+        <p:spPr>
+          <a:xfrm>
+            <a:off x="4264434" y="3143736"/>
+            <a:ext cx="4648689" cy="1402778"/>
+          </a:xfrm>
+          <a:prstGeom prst="rect">
+            <a:avLst/>
+          </a:prstGeom>
+          <a:effectLst>
+            <a:outerShdw blurRad="25400" dir="17880000">
+              <a:srgbClr val="000000">
+                <a:alpha val="46000"/>
+              </a:srgbClr>
+            </a:outerShdw>
+          </a:effectLst>
+        </p:spPr>
+        <p:txBody>
+          <a:bodyPr vert="horz" lIns="91440" tIns="45720" rIns="91440" bIns="45720" rtlCol="0" anchor="t">
+            <a:normAutofit/>
+          </a:bodyPr>
+          <a:lstStyle>
+            <a:lvl1pPr marL="342900" indent="-306000" algn="l" defTabSz="457200" rtl="0" eaLnBrk="1" latinLnBrk="0" hangingPunct="1">
+              <a:spcBef>
+                <a:spcPct val="20000"/>
+              </a:spcBef>
+              <a:spcAft>
+                <a:spcPts val="600"/>
+              </a:spcAft>
+              <a:buClr>
+                <a:schemeClr val="tx2"/>
+              </a:buClr>
+              <a:buSzPct val="70000"/>
+              <a:buFont typeface="Wingdings 2" charset="2"/>
+              <a:buChar char=""/>
+              <a:defRPr sz="2000" kern="1200">
+                <a:ln>
+                  <a:solidFill>
+                    <a:schemeClr val="bg1">
+                      <a:lumMod val="75000"/>
+                      <a:lumOff val="25000"/>
+                      <a:alpha val="10000"/>
+                    </a:schemeClr>
+                  </a:solidFill>
+                </a:ln>
+                <a:solidFill>
+                  <a:schemeClr val="tx2"/>
+                </a:solidFill>
+                <a:effectLst>
+                  <a:outerShdw blurRad="9525" dist="25400" dir="14640000" algn="tl" rotWithShape="0">
+                    <a:schemeClr val="bg1">
+                      <a:alpha val="30000"/>
+                    </a:schemeClr>
+                  </a:outerShdw>
+                </a:effectLst>
+                <a:latin typeface="+mn-lt"/>
+                <a:ea typeface="+mn-ea"/>
+                <a:cs typeface="+mn-cs"/>
+              </a:defRPr>
+            </a:lvl1pPr>
+            <a:lvl2pPr marL="720000" indent="-270000" algn="l" defTabSz="457200" rtl="0" eaLnBrk="1" latinLnBrk="0" hangingPunct="1">
+              <a:spcBef>
+                <a:spcPct val="20000"/>
+              </a:spcBef>
+              <a:spcAft>
+                <a:spcPts val="600"/>
+              </a:spcAft>
+              <a:buClr>
+                <a:schemeClr val="tx2"/>
+              </a:buClr>
+              <a:buSzPct val="70000"/>
+              <a:buFont typeface="Wingdings 2" charset="2"/>
+              <a:buChar char=""/>
+              <a:defRPr sz="1800" kern="1200">
+                <a:ln>
+                  <a:solidFill>
+                    <a:schemeClr val="bg1">
+                      <a:lumMod val="75000"/>
+                      <a:lumOff val="25000"/>
+                      <a:alpha val="10000"/>
+                    </a:schemeClr>
+                  </a:solidFill>
+                </a:ln>
+                <a:solidFill>
+                  <a:schemeClr val="tx2"/>
+                </a:solidFill>
+                <a:effectLst>
+                  <a:outerShdw blurRad="9525" dist="25400" dir="14640000" algn="tl" rotWithShape="0">
+                    <a:schemeClr val="bg1">
+                      <a:alpha val="30000"/>
+                    </a:schemeClr>
+                  </a:outerShdw>
+                </a:effectLst>
+                <a:latin typeface="+mn-lt"/>
+                <a:ea typeface="+mn-ea"/>
+                <a:cs typeface="+mn-cs"/>
+              </a:defRPr>
+            </a:lvl2pPr>
+            <a:lvl3pPr marL="1026000" indent="-216000" algn="l" defTabSz="457200" rtl="0" eaLnBrk="1" latinLnBrk="0" hangingPunct="1">
+              <a:spcBef>
+                <a:spcPct val="20000"/>
+              </a:spcBef>
+              <a:spcAft>
+                <a:spcPts val="600"/>
+              </a:spcAft>
+              <a:buClr>
+                <a:schemeClr val="tx2"/>
+              </a:buClr>
+              <a:buSzPct val="70000"/>
+              <a:buFont typeface="Wingdings 2" charset="2"/>
+              <a:buChar char=""/>
+              <a:defRPr sz="1600" kern="1200">
+                <a:ln>
+                  <a:solidFill>
+                    <a:schemeClr val="bg1">
+                      <a:lumMod val="75000"/>
+                      <a:lumOff val="25000"/>
+                      <a:alpha val="10000"/>
+                    </a:schemeClr>
+                  </a:solidFill>
+                </a:ln>
+                <a:solidFill>
+                  <a:schemeClr val="tx2"/>
+                </a:solidFill>
+                <a:effectLst>
+                  <a:outerShdw blurRad="9525" dist="25400" dir="14640000" algn="tl" rotWithShape="0">
+                    <a:schemeClr val="bg1">
+                      <a:alpha val="30000"/>
+                    </a:schemeClr>
+                  </a:outerShdw>
+                </a:effectLst>
+                <a:latin typeface="+mn-lt"/>
+                <a:ea typeface="+mn-ea"/>
+                <a:cs typeface="+mn-cs"/>
+              </a:defRPr>
+            </a:lvl3pPr>
+            <a:lvl4pPr marL="1386000" indent="-216000" algn="l" defTabSz="457200" rtl="0" eaLnBrk="1" latinLnBrk="0" hangingPunct="1">
+              <a:spcBef>
+                <a:spcPct val="20000"/>
+              </a:spcBef>
+              <a:spcAft>
+                <a:spcPts val="600"/>
+              </a:spcAft>
+              <a:buClr>
+                <a:schemeClr val="tx2"/>
+              </a:buClr>
+              <a:buSzPct val="70000"/>
+              <a:buFont typeface="Wingdings 2" charset="2"/>
+              <a:buChar char=""/>
+              <a:defRPr sz="1400" kern="1200">
+                <a:ln>
+                  <a:solidFill>
+                    <a:schemeClr val="bg1">
+                      <a:lumMod val="75000"/>
+                      <a:lumOff val="25000"/>
+                      <a:alpha val="10000"/>
+                    </a:schemeClr>
+                  </a:solidFill>
+                </a:ln>
+                <a:solidFill>
+                  <a:schemeClr val="tx2"/>
+                </a:solidFill>
+                <a:effectLst>
+                  <a:outerShdw blurRad="9525" dist="25400" dir="14640000" algn="tl" rotWithShape="0">
+                    <a:schemeClr val="bg1">
+                      <a:alpha val="30000"/>
+                    </a:schemeClr>
+                  </a:outerShdw>
+                </a:effectLst>
+                <a:latin typeface="+mn-lt"/>
+                <a:ea typeface="+mn-ea"/>
+                <a:cs typeface="+mn-cs"/>
+              </a:defRPr>
+            </a:lvl4pPr>
+            <a:lvl5pPr marL="1674000" indent="-216000" algn="l" defTabSz="457200" rtl="0" eaLnBrk="1" latinLnBrk="0" hangingPunct="1">
+              <a:spcBef>
+                <a:spcPct val="20000"/>
+              </a:spcBef>
+              <a:spcAft>
+                <a:spcPts val="600"/>
+              </a:spcAft>
+              <a:buClr>
+                <a:schemeClr val="tx2"/>
+              </a:buClr>
+              <a:buSzPct val="70000"/>
+              <a:buFont typeface="Wingdings 2" charset="2"/>
+              <a:buChar char=""/>
+              <a:defRPr sz="1400" kern="1200">
+                <a:ln>
+                  <a:solidFill>
+                    <a:schemeClr val="bg1">
+                      <a:lumMod val="75000"/>
+                      <a:lumOff val="25000"/>
+                      <a:alpha val="10000"/>
+                    </a:schemeClr>
+                  </a:solidFill>
+                </a:ln>
+                <a:solidFill>
+                  <a:schemeClr val="tx2"/>
+                </a:solidFill>
+                <a:effectLst>
+                  <a:outerShdw blurRad="9525" dist="25400" dir="14640000" algn="tl" rotWithShape="0">
+                    <a:schemeClr val="bg1">
+                      <a:alpha val="30000"/>
+                    </a:schemeClr>
+                  </a:outerShdw>
+                </a:effectLst>
+                <a:latin typeface="+mn-lt"/>
+                <a:ea typeface="+mn-ea"/>
+                <a:cs typeface="+mn-cs"/>
+              </a:defRPr>
+            </a:lvl5pPr>
+            <a:lvl6pPr marL="2014600" indent="-228600" algn="l" defTabSz="457200" rtl="0" eaLnBrk="1" latinLnBrk="0" hangingPunct="1">
+              <a:spcBef>
+                <a:spcPct val="20000"/>
+              </a:spcBef>
+              <a:spcAft>
+                <a:spcPts val="600"/>
+              </a:spcAft>
+              <a:buClr>
+                <a:schemeClr val="tx2"/>
+              </a:buClr>
+              <a:buSzPct val="70000"/>
+              <a:buFont typeface="Wingdings 2" charset="2"/>
+              <a:buChar char=""/>
+              <a:defRPr sz="1400" kern="1200">
+                <a:ln>
+                  <a:solidFill>
+                    <a:schemeClr val="bg1">
+                      <a:lumMod val="75000"/>
+                      <a:lumOff val="25000"/>
+                      <a:alpha val="10000"/>
+                    </a:schemeClr>
+                  </a:solidFill>
+                </a:ln>
+                <a:solidFill>
+                  <a:schemeClr val="tx2"/>
+                </a:solidFill>
+                <a:effectLst>
+                  <a:outerShdw blurRad="9525" dist="25400" dir="14640000" algn="tl" rotWithShape="0">
+                    <a:schemeClr val="bg1">
+                      <a:alpha val="30000"/>
+                    </a:schemeClr>
+                  </a:outerShdw>
+                </a:effectLst>
+                <a:latin typeface="+mn-lt"/>
+                <a:ea typeface="+mn-ea"/>
+                <a:cs typeface="+mn-cs"/>
+              </a:defRPr>
+            </a:lvl6pPr>
+            <a:lvl7pPr marL="2401800" indent="-228600" algn="l" defTabSz="457200" rtl="0" eaLnBrk="1" latinLnBrk="0" hangingPunct="1">
+              <a:spcBef>
+                <a:spcPct val="20000"/>
+              </a:spcBef>
+              <a:spcAft>
+                <a:spcPts val="600"/>
+              </a:spcAft>
+              <a:buClr>
+                <a:schemeClr val="tx2"/>
+              </a:buClr>
+              <a:buSzPct val="70000"/>
+              <a:buFont typeface="Wingdings 2" charset="2"/>
+              <a:buChar char=""/>
+              <a:defRPr sz="1400" kern="1200">
+                <a:ln>
+                  <a:solidFill>
+                    <a:schemeClr val="bg1">
+                      <a:lumMod val="75000"/>
+                      <a:lumOff val="25000"/>
+                      <a:alpha val="10000"/>
+                    </a:schemeClr>
+                  </a:solidFill>
+                </a:ln>
+                <a:solidFill>
+                  <a:schemeClr val="tx2"/>
+                </a:solidFill>
+                <a:effectLst>
+                  <a:outerShdw blurRad="9525" dist="25400" dir="14640000" algn="tl" rotWithShape="0">
+                    <a:schemeClr val="bg1">
+                      <a:alpha val="30000"/>
+                    </a:schemeClr>
+                  </a:outerShdw>
+                </a:effectLst>
+                <a:latin typeface="+mn-lt"/>
+                <a:ea typeface="+mn-ea"/>
+                <a:cs typeface="+mn-cs"/>
+              </a:defRPr>
+            </a:lvl7pPr>
+            <a:lvl8pPr marL="2789000" indent="-228600" algn="l" defTabSz="457200" rtl="0" eaLnBrk="1" latinLnBrk="0" hangingPunct="1">
+              <a:spcBef>
+                <a:spcPct val="20000"/>
+              </a:spcBef>
+              <a:spcAft>
+                <a:spcPts val="600"/>
+              </a:spcAft>
+              <a:buClr>
+                <a:schemeClr val="tx2"/>
+              </a:buClr>
+              <a:buSzPct val="70000"/>
+              <a:buFont typeface="Wingdings 2" charset="2"/>
+              <a:buChar char=""/>
+              <a:defRPr sz="1400" kern="1200">
+                <a:ln>
+                  <a:solidFill>
+                    <a:schemeClr val="bg1">
+                      <a:lumMod val="75000"/>
+                      <a:lumOff val="25000"/>
+                      <a:alpha val="10000"/>
+                    </a:schemeClr>
+                  </a:solidFill>
+                </a:ln>
+                <a:solidFill>
+                  <a:schemeClr val="tx2"/>
+                </a:solidFill>
+                <a:effectLst>
+                  <a:outerShdw blurRad="9525" dist="25400" dir="14640000" algn="tl" rotWithShape="0">
+                    <a:schemeClr val="bg1">
+                      <a:alpha val="30000"/>
+                    </a:schemeClr>
+                  </a:outerShdw>
+                </a:effectLst>
+                <a:latin typeface="+mn-lt"/>
+                <a:ea typeface="+mn-ea"/>
+                <a:cs typeface="+mn-cs"/>
+              </a:defRPr>
+            </a:lvl8pPr>
+            <a:lvl9pPr marL="3106200" indent="-228600" algn="l" defTabSz="457200" rtl="0" eaLnBrk="1" latinLnBrk="0" hangingPunct="1">
+              <a:spcBef>
+                <a:spcPct val="20000"/>
+              </a:spcBef>
+              <a:spcAft>
+                <a:spcPts val="600"/>
+              </a:spcAft>
+              <a:buClr>
+                <a:schemeClr val="tx2"/>
+              </a:buClr>
+              <a:buSzPct val="70000"/>
+              <a:buFont typeface="Wingdings 2" charset="2"/>
+              <a:buChar char=""/>
+              <a:defRPr sz="1400" kern="1200">
+                <a:ln>
+                  <a:solidFill>
+                    <a:schemeClr val="bg1">
+                      <a:lumMod val="75000"/>
+                      <a:lumOff val="25000"/>
+                      <a:alpha val="10000"/>
+                    </a:schemeClr>
+                  </a:solidFill>
+                </a:ln>
+                <a:solidFill>
+                  <a:schemeClr val="tx2"/>
+                </a:solidFill>
+                <a:effectLst>
+                  <a:outerShdw blurRad="9525" dist="25400" dir="14640000" algn="tl" rotWithShape="0">
+                    <a:schemeClr val="bg1">
+                      <a:alpha val="30000"/>
+                    </a:schemeClr>
+                  </a:outerShdw>
+                </a:effectLst>
+                <a:latin typeface="+mn-lt"/>
+                <a:ea typeface="+mn-ea"/>
+                <a:cs typeface="+mn-cs"/>
+              </a:defRPr>
+            </a:lvl9pPr>
+          </a:lstStyle>
+          <a:p>
+            <a:pPr>
+              <a:buClr>
+                <a:schemeClr val="accent2">
+                  <a:lumMod val="75000"/>
+                </a:schemeClr>
+              </a:buClr>
+            </a:pPr>
             <a:r>
               <a:rPr lang="it-IT" sz="1800" dirty="0" err="1">
                 <a:solidFill>
@@ -8310,8 +9371,9 @@
                     <a:lumMod val="75000"/>
                   </a:schemeClr>
                 </a:solidFill>
+                <a:effectLst/>
               </a:rPr>
-              <a:t>accuracy</a:t>
+              <a:t>Relationship</a:t>
             </a:r>
             <a:r>
               <a:rPr lang="it-IT" sz="1800" dirty="0">
@@ -8320,6 +9382,51 @@
                     <a:lumMod val="75000"/>
                   </a:schemeClr>
                 </a:solidFill>
+                <a:effectLst/>
+              </a:rPr>
+              <a:t> </a:t>
+            </a:r>
+            <a:r>
+              <a:rPr lang="it-IT" sz="1800" dirty="0" err="1">
+                <a:solidFill>
+                  <a:schemeClr val="accent2">
+                    <a:lumMod val="75000"/>
+                  </a:schemeClr>
+                </a:solidFill>
+                <a:effectLst/>
+              </a:rPr>
+              <a:t>between</a:t>
+            </a:r>
+            <a:r>
+              <a:rPr lang="it-IT" sz="1800" dirty="0">
+                <a:solidFill>
+                  <a:schemeClr val="accent2">
+                    <a:lumMod val="75000"/>
+                  </a:schemeClr>
+                </a:solidFill>
+                <a:effectLst/>
+              </a:rPr>
+              <a:t> </a:t>
+            </a:r>
+            <a:r>
+              <a:rPr lang="it-IT" sz="1800" dirty="0" err="1">
+                <a:solidFill>
+                  <a:schemeClr val="accent2">
+                    <a:lumMod val="75000"/>
+                  </a:schemeClr>
+                </a:solidFill>
+                <a:effectLst/>
+              </a:rPr>
+              <a:t>accuracy</a:t>
+            </a:r>
+            <a:r>
+              <a:rPr lang="it-IT" sz="1800" dirty="0">
+                <a:solidFill>
+                  <a:schemeClr val="accent2">
+                    <a:lumMod val="75000"/>
+                  </a:schemeClr>
+                </a:solidFill>
+                <a:effectLst/>
               </a:rPr>
               <a:t> and:</a:t>
             </a:r>
@@ -8327,29 +9434,488 @@
           <a:p>
             <a:pPr lvl="1"/>
             <a:r>
-              <a:rPr lang="it-IT" sz="1600" dirty="0" err="1"/>
+              <a:rPr lang="it-IT" sz="1600" dirty="0" err="1">
+                <a:effectLst/>
+              </a:rPr>
               <a:t>different</a:t>
             </a:r>
             <a:r>
-              <a:rPr lang="it-IT" sz="1600" dirty="0"/>
+              <a:rPr lang="it-IT" sz="1600" dirty="0">
+                <a:effectLst/>
+              </a:rPr>
               <a:t> users </a:t>
             </a:r>
             <a:r>
-              <a:rPr lang="it-IT" sz="1600" dirty="0" err="1"/>
+              <a:rPr lang="it-IT" sz="1600" dirty="0" err="1">
+                <a:effectLst/>
+              </a:rPr>
               <a:t>typing</a:t>
             </a:r>
             <a:r>
-              <a:rPr lang="it-IT" sz="1600" dirty="0"/>
+              <a:rPr lang="it-IT" sz="1600" dirty="0">
+                <a:effectLst/>
+              </a:rPr>
               <a:t> styles</a:t>
             </a:r>
           </a:p>
           <a:p>
             <a:pPr lvl="1"/>
             <a:r>
-              <a:rPr lang="en-GB" sz="1600" dirty="0"/>
+              <a:rPr lang="en-GB" sz="1600" dirty="0">
+                <a:effectLst/>
+              </a:rPr>
               <a:t>different level of wear and tear of a same hardware</a:t>
             </a:r>
-            <a:endParaRPr lang="it-IT" sz="1600" dirty="0"/>
+            <a:endParaRPr lang="it-IT" sz="1600" dirty="0">
+              <a:effectLst/>
+            </a:endParaRPr>
+          </a:p>
+        </p:txBody>
+      </p:sp>
+      <p:sp>
+        <p:nvSpPr>
+          <p:cNvPr id="15" name="Segnaposto contenuto 2">
+            <a:extLst>
+              <a:ext uri="{FF2B5EF4-FFF2-40B4-BE49-F238E27FC236}">
+                <a16:creationId xmlns:a16="http://schemas.microsoft.com/office/drawing/2014/main" id="{508D449D-C4DD-478F-9BD8-A92CADF3AB43}"/>
+              </a:ext>
+            </a:extLst>
+          </p:cNvPr>
+          <p:cNvSpPr txBox="1">
+            <a:spLocks/>
+          </p:cNvSpPr>
+          <p:nvPr/>
+        </p:nvSpPr>
+        <p:spPr>
+          <a:xfrm>
+            <a:off x="4264434" y="2065705"/>
+            <a:ext cx="4686506" cy="371547"/>
+          </a:xfrm>
+          <a:prstGeom prst="rect">
+            <a:avLst/>
+          </a:prstGeom>
+          <a:effectLst>
+            <a:outerShdw blurRad="25400" dir="17880000">
+              <a:srgbClr val="000000">
+                <a:alpha val="46000"/>
+              </a:srgbClr>
+            </a:outerShdw>
+          </a:effectLst>
+        </p:spPr>
+        <p:txBody>
+          <a:bodyPr vert="horz" lIns="91440" tIns="45720" rIns="91440" bIns="45720" rtlCol="0" anchor="t">
+            <a:normAutofit/>
+          </a:bodyPr>
+          <a:lstStyle>
+            <a:lvl1pPr marL="342900" indent="-306000" algn="l" defTabSz="457200" rtl="0" eaLnBrk="1" latinLnBrk="0" hangingPunct="1">
+              <a:spcBef>
+                <a:spcPct val="20000"/>
+              </a:spcBef>
+              <a:spcAft>
+                <a:spcPts val="600"/>
+              </a:spcAft>
+              <a:buClr>
+                <a:schemeClr val="tx2"/>
+              </a:buClr>
+              <a:buSzPct val="70000"/>
+              <a:buFont typeface="Wingdings 2" charset="2"/>
+              <a:buChar char=""/>
+              <a:defRPr sz="2000" kern="1200">
+                <a:ln>
+                  <a:solidFill>
+                    <a:schemeClr val="bg1">
+                      <a:lumMod val="75000"/>
+                      <a:lumOff val="25000"/>
+                      <a:alpha val="10000"/>
+                    </a:schemeClr>
+                  </a:solidFill>
+                </a:ln>
+                <a:solidFill>
+                  <a:schemeClr val="tx2"/>
+                </a:solidFill>
+                <a:effectLst>
+                  <a:outerShdw blurRad="9525" dist="25400" dir="14640000" algn="tl" rotWithShape="0">
+                    <a:schemeClr val="bg1">
+                      <a:alpha val="30000"/>
+                    </a:schemeClr>
+                  </a:outerShdw>
+                </a:effectLst>
+                <a:latin typeface="+mn-lt"/>
+                <a:ea typeface="+mn-ea"/>
+                <a:cs typeface="+mn-cs"/>
+              </a:defRPr>
+            </a:lvl1pPr>
+            <a:lvl2pPr marL="720000" indent="-270000" algn="l" defTabSz="457200" rtl="0" eaLnBrk="1" latinLnBrk="0" hangingPunct="1">
+              <a:spcBef>
+                <a:spcPct val="20000"/>
+              </a:spcBef>
+              <a:spcAft>
+                <a:spcPts val="600"/>
+              </a:spcAft>
+              <a:buClr>
+                <a:schemeClr val="tx2"/>
+              </a:buClr>
+              <a:buSzPct val="70000"/>
+              <a:buFont typeface="Wingdings 2" charset="2"/>
+              <a:buChar char=""/>
+              <a:defRPr sz="1800" kern="1200">
+                <a:ln>
+                  <a:solidFill>
+                    <a:schemeClr val="bg1">
+                      <a:lumMod val="75000"/>
+                      <a:lumOff val="25000"/>
+                      <a:alpha val="10000"/>
+                    </a:schemeClr>
+                  </a:solidFill>
+                </a:ln>
+                <a:solidFill>
+                  <a:schemeClr val="tx2"/>
+                </a:solidFill>
+                <a:effectLst>
+                  <a:outerShdw blurRad="9525" dist="25400" dir="14640000" algn="tl" rotWithShape="0">
+                    <a:schemeClr val="bg1">
+                      <a:alpha val="30000"/>
+                    </a:schemeClr>
+                  </a:outerShdw>
+                </a:effectLst>
+                <a:latin typeface="+mn-lt"/>
+                <a:ea typeface="+mn-ea"/>
+                <a:cs typeface="+mn-cs"/>
+              </a:defRPr>
+            </a:lvl2pPr>
+            <a:lvl3pPr marL="1026000" indent="-216000" algn="l" defTabSz="457200" rtl="0" eaLnBrk="1" latinLnBrk="0" hangingPunct="1">
+              <a:spcBef>
+                <a:spcPct val="20000"/>
+              </a:spcBef>
+              <a:spcAft>
+                <a:spcPts val="600"/>
+              </a:spcAft>
+              <a:buClr>
+                <a:schemeClr val="tx2"/>
+              </a:buClr>
+              <a:buSzPct val="70000"/>
+              <a:buFont typeface="Wingdings 2" charset="2"/>
+              <a:buChar char=""/>
+              <a:defRPr sz="1600" kern="1200">
+                <a:ln>
+                  <a:solidFill>
+                    <a:schemeClr val="bg1">
+                      <a:lumMod val="75000"/>
+                      <a:lumOff val="25000"/>
+                      <a:alpha val="10000"/>
+                    </a:schemeClr>
+                  </a:solidFill>
+                </a:ln>
+                <a:solidFill>
+                  <a:schemeClr val="tx2"/>
+                </a:solidFill>
+                <a:effectLst>
+                  <a:outerShdw blurRad="9525" dist="25400" dir="14640000" algn="tl" rotWithShape="0">
+                    <a:schemeClr val="bg1">
+                      <a:alpha val="30000"/>
+                    </a:schemeClr>
+                  </a:outerShdw>
+                </a:effectLst>
+                <a:latin typeface="+mn-lt"/>
+                <a:ea typeface="+mn-ea"/>
+                <a:cs typeface="+mn-cs"/>
+              </a:defRPr>
+            </a:lvl3pPr>
+            <a:lvl4pPr marL="1386000" indent="-216000" algn="l" defTabSz="457200" rtl="0" eaLnBrk="1" latinLnBrk="0" hangingPunct="1">
+              <a:spcBef>
+                <a:spcPct val="20000"/>
+              </a:spcBef>
+              <a:spcAft>
+                <a:spcPts val="600"/>
+              </a:spcAft>
+              <a:buClr>
+                <a:schemeClr val="tx2"/>
+              </a:buClr>
+              <a:buSzPct val="70000"/>
+              <a:buFont typeface="Wingdings 2" charset="2"/>
+              <a:buChar char=""/>
+              <a:defRPr sz="1400" kern="1200">
+                <a:ln>
+                  <a:solidFill>
+                    <a:schemeClr val="bg1">
+                      <a:lumMod val="75000"/>
+                      <a:lumOff val="25000"/>
+                      <a:alpha val="10000"/>
+                    </a:schemeClr>
+                  </a:solidFill>
+                </a:ln>
+                <a:solidFill>
+                  <a:schemeClr val="tx2"/>
+                </a:solidFill>
+                <a:effectLst>
+                  <a:outerShdw blurRad="9525" dist="25400" dir="14640000" algn="tl" rotWithShape="0">
+                    <a:schemeClr val="bg1">
+                      <a:alpha val="30000"/>
+                    </a:schemeClr>
+                  </a:outerShdw>
+                </a:effectLst>
+                <a:latin typeface="+mn-lt"/>
+                <a:ea typeface="+mn-ea"/>
+                <a:cs typeface="+mn-cs"/>
+              </a:defRPr>
+            </a:lvl4pPr>
+            <a:lvl5pPr marL="1674000" indent="-216000" algn="l" defTabSz="457200" rtl="0" eaLnBrk="1" latinLnBrk="0" hangingPunct="1">
+              <a:spcBef>
+                <a:spcPct val="20000"/>
+              </a:spcBef>
+              <a:spcAft>
+                <a:spcPts val="600"/>
+              </a:spcAft>
+              <a:buClr>
+                <a:schemeClr val="tx2"/>
+              </a:buClr>
+              <a:buSzPct val="70000"/>
+              <a:buFont typeface="Wingdings 2" charset="2"/>
+              <a:buChar char=""/>
+              <a:defRPr sz="1400" kern="1200">
+                <a:ln>
+                  <a:solidFill>
+                    <a:schemeClr val="bg1">
+                      <a:lumMod val="75000"/>
+                      <a:lumOff val="25000"/>
+                      <a:alpha val="10000"/>
+                    </a:schemeClr>
+                  </a:solidFill>
+                </a:ln>
+                <a:solidFill>
+                  <a:schemeClr val="tx2"/>
+                </a:solidFill>
+                <a:effectLst>
+                  <a:outerShdw blurRad="9525" dist="25400" dir="14640000" algn="tl" rotWithShape="0">
+                    <a:schemeClr val="bg1">
+                      <a:alpha val="30000"/>
+                    </a:schemeClr>
+                  </a:outerShdw>
+                </a:effectLst>
+                <a:latin typeface="+mn-lt"/>
+                <a:ea typeface="+mn-ea"/>
+                <a:cs typeface="+mn-cs"/>
+              </a:defRPr>
+            </a:lvl5pPr>
+            <a:lvl6pPr marL="2014600" indent="-228600" algn="l" defTabSz="457200" rtl="0" eaLnBrk="1" latinLnBrk="0" hangingPunct="1">
+              <a:spcBef>
+                <a:spcPct val="20000"/>
+              </a:spcBef>
+              <a:spcAft>
+                <a:spcPts val="600"/>
+              </a:spcAft>
+              <a:buClr>
+                <a:schemeClr val="tx2"/>
+              </a:buClr>
+              <a:buSzPct val="70000"/>
+              <a:buFont typeface="Wingdings 2" charset="2"/>
+              <a:buChar char=""/>
+              <a:defRPr sz="1400" kern="1200">
+                <a:ln>
+                  <a:solidFill>
+                    <a:schemeClr val="bg1">
+                      <a:lumMod val="75000"/>
+                      <a:lumOff val="25000"/>
+                      <a:alpha val="10000"/>
+                    </a:schemeClr>
+                  </a:solidFill>
+                </a:ln>
+                <a:solidFill>
+                  <a:schemeClr val="tx2"/>
+                </a:solidFill>
+                <a:effectLst>
+                  <a:outerShdw blurRad="9525" dist="25400" dir="14640000" algn="tl" rotWithShape="0">
+                    <a:schemeClr val="bg1">
+                      <a:alpha val="30000"/>
+                    </a:schemeClr>
+                  </a:outerShdw>
+                </a:effectLst>
+                <a:latin typeface="+mn-lt"/>
+                <a:ea typeface="+mn-ea"/>
+                <a:cs typeface="+mn-cs"/>
+              </a:defRPr>
+            </a:lvl6pPr>
+            <a:lvl7pPr marL="2401800" indent="-228600" algn="l" defTabSz="457200" rtl="0" eaLnBrk="1" latinLnBrk="0" hangingPunct="1">
+              <a:spcBef>
+                <a:spcPct val="20000"/>
+              </a:spcBef>
+              <a:spcAft>
+                <a:spcPts val="600"/>
+              </a:spcAft>
+              <a:buClr>
+                <a:schemeClr val="tx2"/>
+              </a:buClr>
+              <a:buSzPct val="70000"/>
+              <a:buFont typeface="Wingdings 2" charset="2"/>
+              <a:buChar char=""/>
+              <a:defRPr sz="1400" kern="1200">
+                <a:ln>
+                  <a:solidFill>
+                    <a:schemeClr val="bg1">
+                      <a:lumMod val="75000"/>
+                      <a:lumOff val="25000"/>
+                      <a:alpha val="10000"/>
+                    </a:schemeClr>
+                  </a:solidFill>
+                </a:ln>
+                <a:solidFill>
+                  <a:schemeClr val="tx2"/>
+                </a:solidFill>
+                <a:effectLst>
+                  <a:outerShdw blurRad="9525" dist="25400" dir="14640000" algn="tl" rotWithShape="0">
+                    <a:schemeClr val="bg1">
+                      <a:alpha val="30000"/>
+                    </a:schemeClr>
+                  </a:outerShdw>
+                </a:effectLst>
+                <a:latin typeface="+mn-lt"/>
+                <a:ea typeface="+mn-ea"/>
+                <a:cs typeface="+mn-cs"/>
+              </a:defRPr>
+            </a:lvl7pPr>
+            <a:lvl8pPr marL="2789000" indent="-228600" algn="l" defTabSz="457200" rtl="0" eaLnBrk="1" latinLnBrk="0" hangingPunct="1">
+              <a:spcBef>
+                <a:spcPct val="20000"/>
+              </a:spcBef>
+              <a:spcAft>
+                <a:spcPts val="600"/>
+              </a:spcAft>
+              <a:buClr>
+                <a:schemeClr val="tx2"/>
+              </a:buClr>
+              <a:buSzPct val="70000"/>
+              <a:buFont typeface="Wingdings 2" charset="2"/>
+              <a:buChar char=""/>
+              <a:defRPr sz="1400" kern="1200">
+                <a:ln>
+                  <a:solidFill>
+                    <a:schemeClr val="bg1">
+                      <a:lumMod val="75000"/>
+                      <a:lumOff val="25000"/>
+                      <a:alpha val="10000"/>
+                    </a:schemeClr>
+                  </a:solidFill>
+                </a:ln>
+                <a:solidFill>
+                  <a:schemeClr val="tx2"/>
+                </a:solidFill>
+                <a:effectLst>
+                  <a:outerShdw blurRad="9525" dist="25400" dir="14640000" algn="tl" rotWithShape="0">
+                    <a:schemeClr val="bg1">
+                      <a:alpha val="30000"/>
+                    </a:schemeClr>
+                  </a:outerShdw>
+                </a:effectLst>
+                <a:latin typeface="+mn-lt"/>
+                <a:ea typeface="+mn-ea"/>
+                <a:cs typeface="+mn-cs"/>
+              </a:defRPr>
+            </a:lvl8pPr>
+            <a:lvl9pPr marL="3106200" indent="-228600" algn="l" defTabSz="457200" rtl="0" eaLnBrk="1" latinLnBrk="0" hangingPunct="1">
+              <a:spcBef>
+                <a:spcPct val="20000"/>
+              </a:spcBef>
+              <a:spcAft>
+                <a:spcPts val="600"/>
+              </a:spcAft>
+              <a:buClr>
+                <a:schemeClr val="tx2"/>
+              </a:buClr>
+              <a:buSzPct val="70000"/>
+              <a:buFont typeface="Wingdings 2" charset="2"/>
+              <a:buChar char=""/>
+              <a:defRPr sz="1400" kern="1200">
+                <a:ln>
+                  <a:solidFill>
+                    <a:schemeClr val="bg1">
+                      <a:lumMod val="75000"/>
+                      <a:lumOff val="25000"/>
+                      <a:alpha val="10000"/>
+                    </a:schemeClr>
+                  </a:solidFill>
+                </a:ln>
+                <a:solidFill>
+                  <a:schemeClr val="tx2"/>
+                </a:solidFill>
+                <a:effectLst>
+                  <a:outerShdw blurRad="9525" dist="25400" dir="14640000" algn="tl" rotWithShape="0">
+                    <a:schemeClr val="bg1">
+                      <a:alpha val="30000"/>
+                    </a:schemeClr>
+                  </a:outerShdw>
+                </a:effectLst>
+                <a:latin typeface="+mn-lt"/>
+                <a:ea typeface="+mn-ea"/>
+                <a:cs typeface="+mn-cs"/>
+              </a:defRPr>
+            </a:lvl9pPr>
+          </a:lstStyle>
+          <a:p>
+            <a:pPr>
+              <a:buClr>
+                <a:schemeClr val="accent2">
+                  <a:lumMod val="75000"/>
+                </a:schemeClr>
+              </a:buClr>
+            </a:pPr>
+            <a:r>
+              <a:rPr lang="it-IT" sz="1800" dirty="0" err="1">
+                <a:solidFill>
+                  <a:schemeClr val="accent2">
+                    <a:lumMod val="75000"/>
+                  </a:schemeClr>
+                </a:solidFill>
+                <a:effectLst/>
+              </a:rPr>
+              <a:t>Improvement</a:t>
+            </a:r>
+            <a:r>
+              <a:rPr lang="it-IT" sz="1800" dirty="0">
+                <a:solidFill>
+                  <a:schemeClr val="accent2">
+                    <a:lumMod val="75000"/>
+                  </a:schemeClr>
+                </a:solidFill>
+                <a:effectLst/>
+              </a:rPr>
+              <a:t> of </a:t>
+            </a:r>
+            <a:r>
+              <a:rPr lang="it-IT" sz="1800" dirty="0" err="1">
+                <a:solidFill>
+                  <a:schemeClr val="accent2">
+                    <a:lumMod val="75000"/>
+                  </a:schemeClr>
+                </a:solidFill>
+                <a:effectLst/>
+              </a:rPr>
+              <a:t>character</a:t>
+            </a:r>
+            <a:r>
+              <a:rPr lang="it-IT" sz="1800" dirty="0">
+                <a:solidFill>
+                  <a:schemeClr val="accent2">
+                    <a:lumMod val="75000"/>
+                  </a:schemeClr>
+                </a:solidFill>
+                <a:effectLst/>
+              </a:rPr>
+              <a:t> </a:t>
+            </a:r>
+            <a:r>
+              <a:rPr lang="it-IT" sz="1800" dirty="0" err="1">
+                <a:solidFill>
+                  <a:schemeClr val="accent2">
+                    <a:lumMod val="75000"/>
+                  </a:schemeClr>
+                </a:solidFill>
+                <a:effectLst/>
+              </a:rPr>
+              <a:t>correspondence</a:t>
+            </a:r>
+            <a:endParaRPr lang="it-IT" sz="1600" dirty="0">
+              <a:effectLst/>
+            </a:endParaRPr>
           </a:p>
         </p:txBody>
       </p:sp>
@@ -8384,7 +9950,7 @@
                             </p:stCondLst>
                             <p:childTnLst>
                               <p:par>
-                                <p:cTn id="5" presetID="1" presetClass="entr" presetSubtype="0" fill="hold" nodeType="clickEffect">
+                                <p:cTn id="5" presetID="1" presetClass="entr" presetSubtype="0" fill="hold" grpId="0" nodeType="clickEffect">
                                   <p:stCondLst>
                                     <p:cond delay="0"/>
                                   </p:stCondLst>
@@ -8397,11 +9963,7 @@
                                           </p:stCondLst>
                                         </p:cTn>
                                         <p:tgtEl>
-                                          <p:spTgt spid="9">
-                                            <p:txEl>
-                                              <p:pRg st="0" end="0"/>
-                                            </p:txEl>
-                                          </p:spTgt>
+                                          <p:spTgt spid="12"/>
                                         </p:tgtEl>
                                         <p:attrNameLst>
                                           <p:attrName>style.visibility</p:attrName>
@@ -8414,25 +9976,39 @@
                                   </p:childTnLst>
                                 </p:cTn>
                               </p:par>
+                            </p:childTnLst>
+                          </p:cTn>
+                        </p:par>
+                      </p:childTnLst>
+                    </p:cTn>
+                  </p:par>
+                  <p:par>
+                    <p:cTn id="7" fill="hold">
+                      <p:stCondLst>
+                        <p:cond delay="indefinite"/>
+                      </p:stCondLst>
+                      <p:childTnLst>
+                        <p:par>
+                          <p:cTn id="8" fill="hold">
+                            <p:stCondLst>
+                              <p:cond delay="0"/>
+                            </p:stCondLst>
+                            <p:childTnLst>
                               <p:par>
-                                <p:cTn id="7" presetID="1" presetClass="entr" presetSubtype="0" fill="hold" nodeType="withEffect">
+                                <p:cTn id="9" presetID="1" presetClass="entr" presetSubtype="0" fill="hold" grpId="0" nodeType="clickEffect">
                                   <p:stCondLst>
                                     <p:cond delay="0"/>
                                   </p:stCondLst>
                                   <p:childTnLst>
                                     <p:set>
                                       <p:cBhvr>
-                                        <p:cTn id="8" dur="1" fill="hold">
+                                        <p:cTn id="10" dur="1" fill="hold">
                                           <p:stCondLst>
                                             <p:cond delay="0"/>
                                           </p:stCondLst>
                                         </p:cTn>
                                         <p:tgtEl>
-                                          <p:spTgt spid="9">
-                                            <p:txEl>
-                                              <p:pRg st="1" end="1"/>
-                                            </p:txEl>
-                                          </p:spTgt>
+                                          <p:spTgt spid="9"/>
                                         </p:tgtEl>
                                         <p:attrNameLst>
                                           <p:attrName>style.visibility</p:attrName>
@@ -8445,70 +10021,26 @@
                                   </p:childTnLst>
                                 </p:cTn>
                               </p:par>
+                            </p:childTnLst>
+                          </p:cTn>
+                        </p:par>
+                      </p:childTnLst>
+                    </p:cTn>
+                  </p:par>
+                  <p:par>
+                    <p:cTn id="11" fill="hold">
+                      <p:stCondLst>
+                        <p:cond delay="indefinite"/>
+                      </p:stCondLst>
+                      <p:childTnLst>
+                        <p:par>
+                          <p:cTn id="12" fill="hold">
+                            <p:stCondLst>
+                              <p:cond delay="0"/>
+                            </p:stCondLst>
+                            <p:childTnLst>
                               <p:par>
-                                <p:cTn id="9" presetID="1" presetClass="entr" presetSubtype="0" fill="hold" nodeType="withEffect">
-                                  <p:stCondLst>
-                                    <p:cond delay="0"/>
-                                  </p:stCondLst>
-                                  <p:childTnLst>
-                                    <p:set>
-                                      <p:cBhvr>
-                                        <p:cTn id="10" dur="1" fill="hold">
-                                          <p:stCondLst>
-                                            <p:cond delay="0"/>
-                                          </p:stCondLst>
-                                        </p:cTn>
-                                        <p:tgtEl>
-                                          <p:spTgt spid="9">
-                                            <p:txEl>
-                                              <p:pRg st="2" end="2"/>
-                                            </p:txEl>
-                                          </p:spTgt>
-                                        </p:tgtEl>
-                                        <p:attrNameLst>
-                                          <p:attrName>style.visibility</p:attrName>
-                                        </p:attrNameLst>
-                                      </p:cBhvr>
-                                      <p:to>
-                                        <p:strVal val="visible"/>
-                                      </p:to>
-                                    </p:set>
-                                  </p:childTnLst>
-                                </p:cTn>
-                              </p:par>
-                              <p:par>
-                                <p:cTn id="11" presetID="1" presetClass="entr" presetSubtype="0" fill="hold" nodeType="withEffect">
-                                  <p:stCondLst>
-                                    <p:cond delay="0"/>
-                                  </p:stCondLst>
-                                  <p:childTnLst>
-                                    <p:set>
-                                      <p:cBhvr>
-                                        <p:cTn id="12" dur="1" fill="hold">
-                                          <p:stCondLst>
-                                            <p:cond delay="0"/>
-                                          </p:stCondLst>
-                                        </p:cTn>
-                                        <p:tgtEl>
-                                          <p:spTgt spid="9">
-                                            <p:txEl>
-                                              <p:pRg st="3" end="3"/>
-                                            </p:txEl>
-                                          </p:spTgt>
-                                        </p:tgtEl>
-                                        <p:attrNameLst>
-                                          <p:attrName>style.visibility</p:attrName>
-                                        </p:attrNameLst>
-                                      </p:cBhvr>
-                                      <p:to>
-                                        <p:strVal val="visible"/>
-                                      </p:to>
-                                    </p:set>
-                                  </p:childTnLst>
-                                </p:cTn>
-                              </p:par>
-                              <p:par>
-                                <p:cTn id="13" presetID="1" presetClass="entr" presetSubtype="0" fill="hold" nodeType="withEffect">
+                                <p:cTn id="13" presetID="1" presetClass="entr" presetSubtype="0" fill="hold" grpId="0" nodeType="clickEffect">
                                   <p:stCondLst>
                                     <p:cond delay="0"/>
                                   </p:stCondLst>
@@ -8521,11 +10053,7 @@
                                           </p:stCondLst>
                                         </p:cTn>
                                         <p:tgtEl>
-                                          <p:spTgt spid="9">
-                                            <p:txEl>
-                                              <p:pRg st="4" end="4"/>
-                                            </p:txEl>
-                                          </p:spTgt>
+                                          <p:spTgt spid="15"/>
                                         </p:tgtEl>
                                         <p:attrNameLst>
                                           <p:attrName>style.visibility</p:attrName>
@@ -8557,7 +10085,7 @@
                             </p:stCondLst>
                             <p:childTnLst>
                               <p:par>
-                                <p:cTn id="17" presetID="1" presetClass="entr" presetSubtype="0" fill="hold" nodeType="clickEffect">
+                                <p:cTn id="17" presetID="1" presetClass="entr" presetSubtype="0" fill="hold" grpId="0" nodeType="clickEffect">
                                   <p:stCondLst>
                                     <p:cond delay="0"/>
                                   </p:stCondLst>
@@ -8570,11 +10098,7 @@
                                           </p:stCondLst>
                                         </p:cTn>
                                         <p:tgtEl>
-                                          <p:spTgt spid="9">
-                                            <p:txEl>
-                                              <p:pRg st="5" end="5"/>
-                                            </p:txEl>
-                                          </p:spTgt>
+                                          <p:spTgt spid="13"/>
                                         </p:tgtEl>
                                         <p:attrNameLst>
                                           <p:attrName>style.visibility</p:attrName>
@@ -8606,7 +10130,7 @@
                             </p:stCondLst>
                             <p:childTnLst>
                               <p:par>
-                                <p:cTn id="21" presetID="1" presetClass="entr" presetSubtype="0" fill="hold" nodeType="clickEffect">
+                                <p:cTn id="21" presetID="1" presetClass="entr" presetSubtype="0" fill="hold" grpId="0" nodeType="clickEffect">
                                   <p:stCondLst>
                                     <p:cond delay="0"/>
                                   </p:stCondLst>
@@ -8619,171 +10143,7 @@
                                           </p:stCondLst>
                                         </p:cTn>
                                         <p:tgtEl>
-                                          <p:spTgt spid="11">
-                                            <p:txEl>
-                                              <p:pRg st="0" end="0"/>
-                                            </p:txEl>
-                                          </p:spTgt>
-                                        </p:tgtEl>
-                                        <p:attrNameLst>
-                                          <p:attrName>style.visibility</p:attrName>
-                                        </p:attrNameLst>
-                                      </p:cBhvr>
-                                      <p:to>
-                                        <p:strVal val="visible"/>
-                                      </p:to>
-                                    </p:set>
-                                  </p:childTnLst>
-                                </p:cTn>
-                              </p:par>
-                            </p:childTnLst>
-                          </p:cTn>
-                        </p:par>
-                      </p:childTnLst>
-                    </p:cTn>
-                  </p:par>
-                  <p:par>
-                    <p:cTn id="23" fill="hold">
-                      <p:stCondLst>
-                        <p:cond delay="indefinite"/>
-                      </p:stCondLst>
-                      <p:childTnLst>
-                        <p:par>
-                          <p:cTn id="24" fill="hold">
-                            <p:stCondLst>
-                              <p:cond delay="0"/>
-                            </p:stCondLst>
-                            <p:childTnLst>
-                              <p:par>
-                                <p:cTn id="25" presetID="1" presetClass="entr" presetSubtype="0" fill="hold" nodeType="clickEffect">
-                                  <p:stCondLst>
-                                    <p:cond delay="0"/>
-                                  </p:stCondLst>
-                                  <p:childTnLst>
-                                    <p:set>
-                                      <p:cBhvr>
-                                        <p:cTn id="26" dur="1" fill="hold">
-                                          <p:stCondLst>
-                                            <p:cond delay="0"/>
-                                          </p:stCondLst>
-                                        </p:cTn>
-                                        <p:tgtEl>
-                                          <p:spTgt spid="11">
-                                            <p:txEl>
-                                              <p:pRg st="1" end="1"/>
-                                            </p:txEl>
-                                          </p:spTgt>
-                                        </p:tgtEl>
-                                        <p:attrNameLst>
-                                          <p:attrName>style.visibility</p:attrName>
-                                        </p:attrNameLst>
-                                      </p:cBhvr>
-                                      <p:to>
-                                        <p:strVal val="visible"/>
-                                      </p:to>
-                                    </p:set>
-                                  </p:childTnLst>
-                                </p:cTn>
-                              </p:par>
-                            </p:childTnLst>
-                          </p:cTn>
-                        </p:par>
-                      </p:childTnLst>
-                    </p:cTn>
-                  </p:par>
-                  <p:par>
-                    <p:cTn id="27" fill="hold">
-                      <p:stCondLst>
-                        <p:cond delay="indefinite"/>
-                      </p:stCondLst>
-                      <p:childTnLst>
-                        <p:par>
-                          <p:cTn id="28" fill="hold">
-                            <p:stCondLst>
-                              <p:cond delay="0"/>
-                            </p:stCondLst>
-                            <p:childTnLst>
-                              <p:par>
-                                <p:cTn id="29" presetID="1" presetClass="entr" presetSubtype="0" fill="hold" nodeType="clickEffect">
-                                  <p:stCondLst>
-                                    <p:cond delay="0"/>
-                                  </p:stCondLst>
-                                  <p:childTnLst>
-                                    <p:set>
-                                      <p:cBhvr>
-                                        <p:cTn id="30" dur="1" fill="hold">
-                                          <p:stCondLst>
-                                            <p:cond delay="0"/>
-                                          </p:stCondLst>
-                                        </p:cTn>
-                                        <p:tgtEl>
-                                          <p:spTgt spid="11">
-                                            <p:txEl>
-                                              <p:pRg st="2" end="2"/>
-                                            </p:txEl>
-                                          </p:spTgt>
-                                        </p:tgtEl>
-                                        <p:attrNameLst>
-                                          <p:attrName>style.visibility</p:attrName>
-                                        </p:attrNameLst>
-                                      </p:cBhvr>
-                                      <p:to>
-                                        <p:strVal val="visible"/>
-                                      </p:to>
-                                    </p:set>
-                                  </p:childTnLst>
-                                </p:cTn>
-                              </p:par>
-                              <p:par>
-                                <p:cTn id="31" presetID="1" presetClass="entr" presetSubtype="0" fill="hold" nodeType="withEffect">
-                                  <p:stCondLst>
-                                    <p:cond delay="0"/>
-                                  </p:stCondLst>
-                                  <p:childTnLst>
-                                    <p:set>
-                                      <p:cBhvr>
-                                        <p:cTn id="32" dur="1" fill="hold">
-                                          <p:stCondLst>
-                                            <p:cond delay="0"/>
-                                          </p:stCondLst>
-                                        </p:cTn>
-                                        <p:tgtEl>
-                                          <p:spTgt spid="11">
-                                            <p:txEl>
-                                              <p:pRg st="3" end="3"/>
-                                            </p:txEl>
-                                          </p:spTgt>
-                                        </p:tgtEl>
-                                        <p:attrNameLst>
-                                          <p:attrName>style.visibility</p:attrName>
-                                        </p:attrNameLst>
-                                      </p:cBhvr>
-                                      <p:to>
-                                        <p:strVal val="visible"/>
-                                      </p:to>
-                                    </p:set>
-                                  </p:childTnLst>
-                                </p:cTn>
-                              </p:par>
-                              <p:par>
-                                <p:cTn id="33" presetID="1" presetClass="entr" presetSubtype="0" fill="hold" nodeType="withEffect">
-                                  <p:stCondLst>
-                                    <p:cond delay="0"/>
-                                  </p:stCondLst>
-                                  <p:childTnLst>
-                                    <p:set>
-                                      <p:cBhvr>
-                                        <p:cTn id="34" dur="1" fill="hold">
-                                          <p:stCondLst>
-                                            <p:cond delay="0"/>
-                                          </p:stCondLst>
-                                        </p:cTn>
-                                        <p:tgtEl>
-                                          <p:spTgt spid="11">
-                                            <p:txEl>
-                                              <p:pRg st="4" end="4"/>
-                                            </p:txEl>
-                                          </p:spTgt>
+                                          <p:spTgt spid="14"/>
                                         </p:tgtEl>
                                         <p:attrNameLst>
                                           <p:attrName>style.visibility</p:attrName>
@@ -8823,6 +10183,13 @@
         </p:cTn>
       </p:par>
     </p:tnLst>
+    <p:bldLst>
+      <p:bldP spid="9" grpId="0"/>
+      <p:bldP spid="12" grpId="0"/>
+      <p:bldP spid="13" grpId="0"/>
+      <p:bldP spid="14" grpId="0"/>
+      <p:bldP spid="15" grpId="0"/>
+    </p:bldLst>
   </p:timing>
 </p:sld>
 </file>
@@ -16023,7 +17390,7 @@
               <a:buNone/>
             </a:pPr>
             <a:r>
-              <a:rPr lang="en-GB" sz="1800" dirty="0"/>
+              <a:rPr lang="en-GB" sz="1600" dirty="0"/>
               <a:t>A human user is detected:</a:t>
             </a:r>
           </a:p>
@@ -16036,7 +17403,7 @@
               </a:buClr>
             </a:pPr>
             <a:r>
-              <a:rPr lang="en-GB" sz="1800" dirty="0"/>
+              <a:rPr lang="en-GB" sz="1600" dirty="0"/>
               <a:t>if classifying the audio peaks, recorded during the insertion of the password, there exists an ordered subsequence of predicted labels that is the same one of the password.</a:t>
             </a:r>
           </a:p>
@@ -16208,7 +17575,7 @@
                   </a:schemeClr>
                 </a:solidFill>
               </a:rPr>
-              <a:t>of a </a:t>
+              <a:t>of the </a:t>
             </a:r>
             <a:r>
               <a:rPr lang="it-IT" sz="1800" dirty="0" err="1">

--- a/Thesis/AcCAPPCHA.pptx
+++ b/Thesis/AcCAPPCHA.pptx
@@ -222,7 +222,7 @@
           <a:p>
             <a:fld id="{91A34D20-7556-479C-BC19-4F466F169EF3}" type="datetimeFigureOut">
               <a:rPr lang="it-IT" smtClean="0"/>
-              <a:t>19/02/2021</a:t>
+              <a:t>20/02/2021</a:t>
             </a:fld>
             <a:endParaRPr lang="it-IT"/>
           </a:p>
@@ -400,7 +400,7 @@
           <a:p>
             <a:fld id="{4D81E948-FF2A-455F-B768-BFC60EECBEC3}" type="datetimeFigureOut">
               <a:rPr lang="it-IT" smtClean="0"/>
-              <a:t>19/02/2021</a:t>
+              <a:t>20/02/2021</a:t>
             </a:fld>
             <a:endParaRPr lang="it-IT"/>
           </a:p>
@@ -6824,7 +6824,7 @@
         </p:nvSpPr>
         <p:spPr>
           <a:xfrm>
-            <a:off x="6217694" y="5078232"/>
+            <a:off x="6217692" y="5078231"/>
             <a:ext cx="1832339" cy="1049867"/>
           </a:xfrm>
           <a:prstGeom prst="rect">
@@ -12242,21 +12242,21 @@
         </p:nvSpPr>
         <p:spPr>
           <a:xfrm>
-            <a:off x="1277383" y="441280"/>
+            <a:off x="1277381" y="341245"/>
             <a:ext cx="6589231" cy="1172153"/>
           </a:xfrm>
         </p:spPr>
         <p:txBody>
           <a:bodyPr>
-            <a:normAutofit fontScale="90000"/>
+            <a:normAutofit/>
           </a:bodyPr>
           <a:lstStyle/>
           <a:p>
             <a:r>
-              <a:rPr lang="en-GB" dirty="0"/>
-              <a:t>Design of the new CAPTCHA</a:t>
-            </a:r>
-            <a:endParaRPr lang="it-IT" dirty="0"/>
+              <a:rPr lang="en-GB" sz="3600" dirty="0"/>
+              <a:t>Design of a new CAPTCHA</a:t>
+            </a:r>
+            <a:endParaRPr lang="it-IT" sz="3600" dirty="0"/>
           </a:p>
         </p:txBody>
       </p:sp>
@@ -17506,7 +17506,7 @@
 </file>
 
 <file path=ppt/slides/slide7.xml><?xml version="1.0" encoding="utf-8"?>
-<p:sld xmlns:a="http://schemas.openxmlformats.org/drawingml/2006/main" xmlns:r="http://schemas.openxmlformats.org/officeDocument/2006/relationships" xmlns:p="http://schemas.openxmlformats.org/presentationml/2006/main">
+<p:sld xmlns:a="http://schemas.openxmlformats.org/drawingml/2006/main" xmlns:r="http://schemas.openxmlformats.org/officeDocument/2006/relationships" xmlns:p="http://schemas.openxmlformats.org/presentationml/2006/main" show="0">
   <p:cSld>
     <p:spTree>
       <p:nvGrpSpPr>
@@ -19541,7 +19541,7 @@
         </p:spPr>
         <p:txBody>
           <a:bodyPr>
-            <a:normAutofit fontScale="92500"/>
+            <a:normAutofit lnSpcReduction="10000"/>
           </a:bodyPr>
           <a:lstStyle/>
           <a:p>
@@ -19583,11 +19583,13 @@
             </a:pPr>
             <a:r>
               <a:rPr lang="en-GB" sz="1700" dirty="0"/>
-              <a:t>with the password </a:t>
-            </a:r>
-            <a:r>
-              <a:rPr lang="en-GB" sz="1700" b="1" i="1" dirty="0"/>
-              <a:t>“he35ghibn564st”</a:t>
+              <a:t>with a password </a:t>
+            </a:r>
+            <a:r>
+              <a:rPr lang="en-GB" sz="1700" dirty="0">
+                <a:effectLst/>
+              </a:rPr>
+              <a:t>of 14 characters</a:t>
             </a:r>
           </a:p>
           <a:p>

--- a/Thesis/AcCAPPCHA.pptx
+++ b/Thesis/AcCAPPCHA.pptx
@@ -223,7 +223,7 @@
           <a:p>
             <a:fld id="{91A34D20-7556-479C-BC19-4F466F169EF3}" type="datetimeFigureOut">
               <a:rPr lang="it-IT" smtClean="0"/>
-              <a:t>20/02/2021</a:t>
+              <a:t>22/02/2021</a:t>
             </a:fld>
             <a:endParaRPr lang="it-IT"/>
           </a:p>
@@ -401,7 +401,7 @@
           <a:p>
             <a:fld id="{4D81E948-FF2A-455F-B768-BFC60EECBEC3}" type="datetimeFigureOut">
               <a:rPr lang="it-IT" smtClean="0"/>
-              <a:t>20/02/2021</a:t>
+              <a:t>22/02/2021</a:t>
             </a:fld>
             <a:endParaRPr lang="it-IT"/>
           </a:p>
@@ -12412,7 +12412,7 @@
             </a:pPr>
             <a:r>
               <a:rPr lang="en-GB" sz="1800" dirty="0"/>
-              <a:t>program used to detect and block bot activity on web services</a:t>
+              <a:t>program used to detect bot activity on web services</a:t>
             </a:r>
             <a:endParaRPr lang="it-IT" sz="1800" dirty="0"/>
           </a:p>
@@ -12449,7 +12449,7 @@
                             </p:stCondLst>
                             <p:childTnLst>
                               <p:par>
-                                <p:cTn id="5" presetID="42" presetClass="entr" presetSubtype="0" fill="hold" nodeType="clickEffect">
+                                <p:cTn id="5" presetID="1" presetClass="entr" presetSubtype="0" fill="hold" nodeType="clickEffect">
                                   <p:stCondLst>
                                     <p:cond delay="0"/>
                                   </p:stCondLst>
@@ -12457,186 +12457,6 @@
                                     <p:set>
                                       <p:cBhvr>
                                         <p:cTn id="6" dur="1" fill="hold">
-                                          <p:stCondLst>
-                                            <p:cond delay="0"/>
-                                          </p:stCondLst>
-                                        </p:cTn>
-                                        <p:tgtEl>
-                                          <p:spTgt spid="10"/>
-                                        </p:tgtEl>
-                                        <p:attrNameLst>
-                                          <p:attrName>style.visibility</p:attrName>
-                                        </p:attrNameLst>
-                                      </p:cBhvr>
-                                      <p:to>
-                                        <p:strVal val="visible"/>
-                                      </p:to>
-                                    </p:set>
-                                    <p:animEffect transition="in" filter="fade">
-                                      <p:cBhvr>
-                                        <p:cTn id="7" dur="1000"/>
-                                        <p:tgtEl>
-                                          <p:spTgt spid="10"/>
-                                        </p:tgtEl>
-                                      </p:cBhvr>
-                                    </p:animEffect>
-                                    <p:anim calcmode="lin" valueType="num">
-                                      <p:cBhvr>
-                                        <p:cTn id="8" dur="1000" fill="hold"/>
-                                        <p:tgtEl>
-                                          <p:spTgt spid="10"/>
-                                        </p:tgtEl>
-                                        <p:attrNameLst>
-                                          <p:attrName>ppt_x</p:attrName>
-                                        </p:attrNameLst>
-                                      </p:cBhvr>
-                                      <p:tavLst>
-                                        <p:tav tm="0">
-                                          <p:val>
-                                            <p:strVal val="#ppt_x"/>
-                                          </p:val>
-                                        </p:tav>
-                                        <p:tav tm="100000">
-                                          <p:val>
-                                            <p:strVal val="#ppt_x"/>
-                                          </p:val>
-                                        </p:tav>
-                                      </p:tavLst>
-                                    </p:anim>
-                                    <p:anim calcmode="lin" valueType="num">
-                                      <p:cBhvr>
-                                        <p:cTn id="9" dur="1000" fill="hold"/>
-                                        <p:tgtEl>
-                                          <p:spTgt spid="10"/>
-                                        </p:tgtEl>
-                                        <p:attrNameLst>
-                                          <p:attrName>ppt_y</p:attrName>
-                                        </p:attrNameLst>
-                                      </p:cBhvr>
-                                      <p:tavLst>
-                                        <p:tav tm="0">
-                                          <p:val>
-                                            <p:strVal val="#ppt_y+.1"/>
-                                          </p:val>
-                                        </p:tav>
-                                        <p:tav tm="100000">
-                                          <p:val>
-                                            <p:strVal val="#ppt_y"/>
-                                          </p:val>
-                                        </p:tav>
-                                      </p:tavLst>
-                                    </p:anim>
-                                  </p:childTnLst>
-                                </p:cTn>
-                              </p:par>
-                              <p:par>
-                                <p:cTn id="10" presetID="42" presetClass="entr" presetSubtype="0" fill="hold" nodeType="withEffect">
-                                  <p:stCondLst>
-                                    <p:cond delay="0"/>
-                                  </p:stCondLst>
-                                  <p:childTnLst>
-                                    <p:set>
-                                      <p:cBhvr>
-                                        <p:cTn id="11" dur="1" fill="hold">
-                                          <p:stCondLst>
-                                            <p:cond delay="0"/>
-                                          </p:stCondLst>
-                                        </p:cTn>
-                                        <p:tgtEl>
-                                          <p:spTgt spid="8"/>
-                                        </p:tgtEl>
-                                        <p:attrNameLst>
-                                          <p:attrName>style.visibility</p:attrName>
-                                        </p:attrNameLst>
-                                      </p:cBhvr>
-                                      <p:to>
-                                        <p:strVal val="visible"/>
-                                      </p:to>
-                                    </p:set>
-                                    <p:animEffect transition="in" filter="fade">
-                                      <p:cBhvr>
-                                        <p:cTn id="12" dur="1000"/>
-                                        <p:tgtEl>
-                                          <p:spTgt spid="8"/>
-                                        </p:tgtEl>
-                                      </p:cBhvr>
-                                    </p:animEffect>
-                                    <p:anim calcmode="lin" valueType="num">
-                                      <p:cBhvr>
-                                        <p:cTn id="13" dur="1000" fill="hold"/>
-                                        <p:tgtEl>
-                                          <p:spTgt spid="8"/>
-                                        </p:tgtEl>
-                                        <p:attrNameLst>
-                                          <p:attrName>ppt_x</p:attrName>
-                                        </p:attrNameLst>
-                                      </p:cBhvr>
-                                      <p:tavLst>
-                                        <p:tav tm="0">
-                                          <p:val>
-                                            <p:strVal val="#ppt_x"/>
-                                          </p:val>
-                                        </p:tav>
-                                        <p:tav tm="100000">
-                                          <p:val>
-                                            <p:strVal val="#ppt_x"/>
-                                          </p:val>
-                                        </p:tav>
-                                      </p:tavLst>
-                                    </p:anim>
-                                    <p:anim calcmode="lin" valueType="num">
-                                      <p:cBhvr>
-                                        <p:cTn id="14" dur="1000" fill="hold"/>
-                                        <p:tgtEl>
-                                          <p:spTgt spid="8"/>
-                                        </p:tgtEl>
-                                        <p:attrNameLst>
-                                          <p:attrName>ppt_y</p:attrName>
-                                        </p:attrNameLst>
-                                      </p:cBhvr>
-                                      <p:tavLst>
-                                        <p:tav tm="0">
-                                          <p:val>
-                                            <p:strVal val="#ppt_y+.1"/>
-                                          </p:val>
-                                        </p:tav>
-                                        <p:tav tm="100000">
-                                          <p:val>
-                                            <p:strVal val="#ppt_y"/>
-                                          </p:val>
-                                        </p:tav>
-                                      </p:tavLst>
-                                    </p:anim>
-                                  </p:childTnLst>
-                                </p:cTn>
-                              </p:par>
-                            </p:childTnLst>
-                          </p:cTn>
-                        </p:par>
-                      </p:childTnLst>
-                    </p:cTn>
-                  </p:par>
-                  <p:par>
-                    <p:cTn id="15" fill="hold">
-                      <p:stCondLst>
-                        <p:cond delay="indefinite"/>
-                      </p:stCondLst>
-                      <p:childTnLst>
-                        <p:par>
-                          <p:cTn id="16" fill="hold">
-                            <p:stCondLst>
-                              <p:cond delay="0"/>
-                            </p:stCondLst>
-                            <p:childTnLst>
-                              <p:par>
-                                <p:cTn id="17" presetID="42" presetClass="entr" presetSubtype="0" fill="hold" nodeType="clickEffect">
-                                  <p:stCondLst>
-                                    <p:cond delay="0"/>
-                                  </p:stCondLst>
-                                  <p:childTnLst>
-                                    <p:set>
-                                      <p:cBhvr>
-                                        <p:cTn id="18" dur="1" fill="hold">
                                           <p:stCondLst>
                                             <p:cond delay="0"/>
                                           </p:stCondLst>
@@ -12652,60 +12472,33 @@
                                         <p:strVal val="visible"/>
                                       </p:to>
                                     </p:set>
-                                    <p:animEffect transition="in" filter="fade">
+                                  </p:childTnLst>
+                                </p:cTn>
+                              </p:par>
+                              <p:par>
+                                <p:cTn id="7" presetID="1" presetClass="entr" presetSubtype="0" fill="hold" grpId="0" nodeType="withEffect">
+                                  <p:stCondLst>
+                                    <p:cond delay="0"/>
+                                  </p:stCondLst>
+                                  <p:childTnLst>
+                                    <p:set>
                                       <p:cBhvr>
-                                        <p:cTn id="19" dur="1000"/>
+                                        <p:cTn id="8" dur="1" fill="hold">
+                                          <p:stCondLst>
+                                            <p:cond delay="0"/>
+                                          </p:stCondLst>
+                                        </p:cTn>
                                         <p:tgtEl>
-                                          <p:spTgt spid="12"/>
-                                        </p:tgtEl>
-                                      </p:cBhvr>
-                                    </p:animEffect>
-                                    <p:anim calcmode="lin" valueType="num">
-                                      <p:cBhvr>
-                                        <p:cTn id="20" dur="1000" fill="hold"/>
-                                        <p:tgtEl>
-                                          <p:spTgt spid="12"/>
+                                          <p:spTgt spid="6"/>
                                         </p:tgtEl>
                                         <p:attrNameLst>
-                                          <p:attrName>ppt_x</p:attrName>
+                                          <p:attrName>style.visibility</p:attrName>
                                         </p:attrNameLst>
                                       </p:cBhvr>
-                                      <p:tavLst>
-                                        <p:tav tm="0">
-                                          <p:val>
-                                            <p:strVal val="#ppt_x"/>
-                                          </p:val>
-                                        </p:tav>
-                                        <p:tav tm="100000">
-                                          <p:val>
-                                            <p:strVal val="#ppt_x"/>
-                                          </p:val>
-                                        </p:tav>
-                                      </p:tavLst>
-                                    </p:anim>
-                                    <p:anim calcmode="lin" valueType="num">
-                                      <p:cBhvr>
-                                        <p:cTn id="21" dur="1000" fill="hold"/>
-                                        <p:tgtEl>
-                                          <p:spTgt spid="12"/>
-                                        </p:tgtEl>
-                                        <p:attrNameLst>
-                                          <p:attrName>ppt_y</p:attrName>
-                                        </p:attrNameLst>
-                                      </p:cBhvr>
-                                      <p:tavLst>
-                                        <p:tav tm="0">
-                                          <p:val>
-                                            <p:strVal val="#ppt_y+.1"/>
-                                          </p:val>
-                                        </p:tav>
-                                        <p:tav tm="100000">
-                                          <p:val>
-                                            <p:strVal val="#ppt_y"/>
-                                          </p:val>
-                                        </p:tav>
-                                      </p:tavLst>
-                                    </p:anim>
+                                      <p:to>
+                                        <p:strVal val="visible"/>
+                                      </p:to>
+                                    </p:set>
                                   </p:childTnLst>
                                 </p:cTn>
                               </p:par>
@@ -12736,6 +12529,9 @@
         </p:cTn>
       </p:par>
     </p:tnLst>
+    <p:bldLst>
+      <p:bldP spid="6" grpId="0"/>
+    </p:bldLst>
   </p:timing>
 </p:sld>
 </file>
@@ -15432,7 +15228,7 @@
                             </p:stCondLst>
                             <p:childTnLst>
                               <p:par>
-                                <p:cTn id="5" presetID="10" presetClass="entr" presetSubtype="0" fill="hold" grpId="0" nodeType="clickEffect">
+                                <p:cTn id="5" presetID="2" presetClass="entr" presetSubtype="4" fill="hold" grpId="0" nodeType="clickEffect">
                                   <p:stCondLst>
                                     <p:cond delay="0"/>
                                   </p:stCondLst>
@@ -15440,129 +15236,6 @@
                                     <p:set>
                                       <p:cBhvr>
                                         <p:cTn id="6" dur="1" fill="hold">
-                                          <p:stCondLst>
-                                            <p:cond delay="0"/>
-                                          </p:stCondLst>
-                                        </p:cTn>
-                                        <p:tgtEl>
-                                          <p:spTgt spid="10"/>
-                                        </p:tgtEl>
-                                        <p:attrNameLst>
-                                          <p:attrName>style.visibility</p:attrName>
-                                        </p:attrNameLst>
-                                      </p:cBhvr>
-                                      <p:to>
-                                        <p:strVal val="visible"/>
-                                      </p:to>
-                                    </p:set>
-                                    <p:animEffect transition="in" filter="fade">
-                                      <p:cBhvr>
-                                        <p:cTn id="7" dur="500"/>
-                                        <p:tgtEl>
-                                          <p:spTgt spid="10"/>
-                                        </p:tgtEl>
-                                      </p:cBhvr>
-                                    </p:animEffect>
-                                  </p:childTnLst>
-                                </p:cTn>
-                              </p:par>
-                              <p:par>
-                                <p:cTn id="8" presetID="10" presetClass="entr" presetSubtype="0" fill="hold" grpId="0" nodeType="withEffect">
-                                  <p:stCondLst>
-                                    <p:cond delay="0"/>
-                                  </p:stCondLst>
-                                  <p:childTnLst>
-                                    <p:set>
-                                      <p:cBhvr>
-                                        <p:cTn id="9" dur="1" fill="hold">
-                                          <p:stCondLst>
-                                            <p:cond delay="0"/>
-                                          </p:stCondLst>
-                                        </p:cTn>
-                                        <p:tgtEl>
-                                          <p:spTgt spid="9"/>
-                                        </p:tgtEl>
-                                        <p:attrNameLst>
-                                          <p:attrName>style.visibility</p:attrName>
-                                        </p:attrNameLst>
-                                      </p:cBhvr>
-                                      <p:to>
-                                        <p:strVal val="visible"/>
-                                      </p:to>
-                                    </p:set>
-                                    <p:animEffect transition="in" filter="fade">
-                                      <p:cBhvr>
-                                        <p:cTn id="10" dur="500"/>
-                                        <p:tgtEl>
-                                          <p:spTgt spid="9"/>
-                                        </p:tgtEl>
-                                      </p:cBhvr>
-                                    </p:animEffect>
-                                  </p:childTnLst>
-                                </p:cTn>
-                              </p:par>
-                              <p:par>
-                                <p:cTn id="11" presetID="10" presetClass="entr" presetSubtype="0" fill="hold" grpId="0" nodeType="withEffect">
-                                  <p:stCondLst>
-                                    <p:cond delay="0"/>
-                                  </p:stCondLst>
-                                  <p:childTnLst>
-                                    <p:set>
-                                      <p:cBhvr>
-                                        <p:cTn id="12" dur="1" fill="hold">
-                                          <p:stCondLst>
-                                            <p:cond delay="0"/>
-                                          </p:stCondLst>
-                                        </p:cTn>
-                                        <p:tgtEl>
-                                          <p:spTgt spid="11"/>
-                                        </p:tgtEl>
-                                        <p:attrNameLst>
-                                          <p:attrName>style.visibility</p:attrName>
-                                        </p:attrNameLst>
-                                      </p:cBhvr>
-                                      <p:to>
-                                        <p:strVal val="visible"/>
-                                      </p:to>
-                                    </p:set>
-                                    <p:animEffect transition="in" filter="fade">
-                                      <p:cBhvr>
-                                        <p:cTn id="13" dur="500"/>
-                                        <p:tgtEl>
-                                          <p:spTgt spid="11"/>
-                                        </p:tgtEl>
-                                      </p:cBhvr>
-                                    </p:animEffect>
-                                  </p:childTnLst>
-                                </p:cTn>
-                              </p:par>
-                            </p:childTnLst>
-                          </p:cTn>
-                        </p:par>
-                      </p:childTnLst>
-                    </p:cTn>
-                  </p:par>
-                  <p:par>
-                    <p:cTn id="14" fill="hold">
-                      <p:stCondLst>
-                        <p:cond delay="indefinite"/>
-                      </p:stCondLst>
-                      <p:childTnLst>
-                        <p:par>
-                          <p:cTn id="15" fill="hold">
-                            <p:stCondLst>
-                              <p:cond delay="0"/>
-                            </p:stCondLst>
-                            <p:childTnLst>
-                              <p:par>
-                                <p:cTn id="16" presetID="2" presetClass="entr" presetSubtype="4" fill="hold" grpId="0" nodeType="clickEffect">
-                                  <p:stCondLst>
-                                    <p:cond delay="0"/>
-                                  </p:stCondLst>
-                                  <p:childTnLst>
-                                    <p:set>
-                                      <p:cBhvr>
-                                        <p:cTn id="17" dur="1" fill="hold">
                                           <p:stCondLst>
                                             <p:cond delay="0"/>
                                           </p:stCondLst>
@@ -15580,7 +15253,7 @@
                                     </p:set>
                                     <p:anim calcmode="lin" valueType="num">
                                       <p:cBhvr additive="base">
-                                        <p:cTn id="18" dur="500" fill="hold"/>
+                                        <p:cTn id="7" dur="500" fill="hold"/>
                                         <p:tgtEl>
                                           <p:spTgt spid="12"/>
                                         </p:tgtEl>
@@ -15603,7 +15276,7 @@
                                     </p:anim>
                                     <p:anim calcmode="lin" valueType="num">
                                       <p:cBhvr additive="base">
-                                        <p:cTn id="19" dur="500" fill="hold"/>
+                                        <p:cTn id="8" dur="500" fill="hold"/>
                                         <p:tgtEl>
                                           <p:spTgt spid="12"/>
                                         </p:tgtEl>
@@ -15628,14 +15301,14 @@
                                 </p:cTn>
                               </p:par>
                               <p:par>
-                                <p:cTn id="20" presetID="2" presetClass="entr" presetSubtype="4" fill="hold" grpId="0" nodeType="withEffect">
+                                <p:cTn id="9" presetID="2" presetClass="entr" presetSubtype="4" fill="hold" grpId="0" nodeType="withEffect">
                                   <p:stCondLst>
                                     <p:cond delay="0"/>
                                   </p:stCondLst>
                                   <p:childTnLst>
                                     <p:set>
                                       <p:cBhvr>
-                                        <p:cTn id="21" dur="1" fill="hold">
+                                        <p:cTn id="10" dur="1" fill="hold">
                                           <p:stCondLst>
                                             <p:cond delay="0"/>
                                           </p:stCondLst>
@@ -15653,7 +15326,7 @@
                                     </p:set>
                                     <p:anim calcmode="lin" valueType="num">
                                       <p:cBhvr additive="base">
-                                        <p:cTn id="22" dur="500" fill="hold"/>
+                                        <p:cTn id="11" dur="500" fill="hold"/>
                                         <p:tgtEl>
                                           <p:spTgt spid="14"/>
                                         </p:tgtEl>
@@ -15676,7 +15349,7 @@
                                     </p:anim>
                                     <p:anim calcmode="lin" valueType="num">
                                       <p:cBhvr additive="base">
-                                        <p:cTn id="23" dur="500" fill="hold"/>
+                                        <p:cTn id="12" dur="500" fill="hold"/>
                                         <p:tgtEl>
                                           <p:spTgt spid="14"/>
                                         </p:tgtEl>
@@ -15728,9 +15401,6 @@
       </p:par>
     </p:tnLst>
     <p:bldLst>
-      <p:bldP spid="9" grpId="0"/>
-      <p:bldP spid="10" grpId="0" animBg="1"/>
-      <p:bldP spid="11" grpId="0"/>
       <p:bldP spid="12" grpId="0" animBg="1"/>
       <p:bldP spid="14" grpId="0"/>
     </p:bldLst>
@@ -16227,135 +15897,6 @@
   <p:clrMapOvr>
     <a:masterClrMapping/>
   </p:clrMapOvr>
-  <p:timing>
-    <p:tnLst>
-      <p:par>
-        <p:cTn id="1" dur="indefinite" restart="never" nodeType="tmRoot">
-          <p:childTnLst>
-            <p:seq concurrent="1" nextAc="seek">
-              <p:cTn id="2" dur="indefinite" nodeType="mainSeq">
-                <p:childTnLst>
-                  <p:par>
-                    <p:cTn id="3" fill="hold">
-                      <p:stCondLst>
-                        <p:cond delay="indefinite"/>
-                      </p:stCondLst>
-                      <p:childTnLst>
-                        <p:par>
-                          <p:cTn id="4" fill="hold">
-                            <p:stCondLst>
-                              <p:cond delay="0"/>
-                            </p:stCondLst>
-                            <p:childTnLst>
-                              <p:par>
-                                <p:cTn id="5" presetID="42" presetClass="entr" presetSubtype="0" fill="hold" nodeType="clickEffect">
-                                  <p:stCondLst>
-                                    <p:cond delay="0"/>
-                                  </p:stCondLst>
-                                  <p:childTnLst>
-                                    <p:set>
-                                      <p:cBhvr>
-                                        <p:cTn id="6" dur="1" fill="hold">
-                                          <p:stCondLst>
-                                            <p:cond delay="0"/>
-                                          </p:stCondLst>
-                                        </p:cTn>
-                                        <p:tgtEl>
-                                          <p:spTgt spid="17"/>
-                                        </p:tgtEl>
-                                        <p:attrNameLst>
-                                          <p:attrName>style.visibility</p:attrName>
-                                        </p:attrNameLst>
-                                      </p:cBhvr>
-                                      <p:to>
-                                        <p:strVal val="visible"/>
-                                      </p:to>
-                                    </p:set>
-                                    <p:animEffect transition="in" filter="fade">
-                                      <p:cBhvr>
-                                        <p:cTn id="7" dur="1000"/>
-                                        <p:tgtEl>
-                                          <p:spTgt spid="17"/>
-                                        </p:tgtEl>
-                                      </p:cBhvr>
-                                    </p:animEffect>
-                                    <p:anim calcmode="lin" valueType="num">
-                                      <p:cBhvr>
-                                        <p:cTn id="8" dur="1000" fill="hold"/>
-                                        <p:tgtEl>
-                                          <p:spTgt spid="17"/>
-                                        </p:tgtEl>
-                                        <p:attrNameLst>
-                                          <p:attrName>ppt_x</p:attrName>
-                                        </p:attrNameLst>
-                                      </p:cBhvr>
-                                      <p:tavLst>
-                                        <p:tav tm="0">
-                                          <p:val>
-                                            <p:strVal val="#ppt_x"/>
-                                          </p:val>
-                                        </p:tav>
-                                        <p:tav tm="100000">
-                                          <p:val>
-                                            <p:strVal val="#ppt_x"/>
-                                          </p:val>
-                                        </p:tav>
-                                      </p:tavLst>
-                                    </p:anim>
-                                    <p:anim calcmode="lin" valueType="num">
-                                      <p:cBhvr>
-                                        <p:cTn id="9" dur="1000" fill="hold"/>
-                                        <p:tgtEl>
-                                          <p:spTgt spid="17"/>
-                                        </p:tgtEl>
-                                        <p:attrNameLst>
-                                          <p:attrName>ppt_y</p:attrName>
-                                        </p:attrNameLst>
-                                      </p:cBhvr>
-                                      <p:tavLst>
-                                        <p:tav tm="0">
-                                          <p:val>
-                                            <p:strVal val="#ppt_y+.1"/>
-                                          </p:val>
-                                        </p:tav>
-                                        <p:tav tm="100000">
-                                          <p:val>
-                                            <p:strVal val="#ppt_y"/>
-                                          </p:val>
-                                        </p:tav>
-                                      </p:tavLst>
-                                    </p:anim>
-                                  </p:childTnLst>
-                                </p:cTn>
-                              </p:par>
-                            </p:childTnLst>
-                          </p:cTn>
-                        </p:par>
-                      </p:childTnLst>
-                    </p:cTn>
-                  </p:par>
-                </p:childTnLst>
-              </p:cTn>
-              <p:prevCondLst>
-                <p:cond evt="onPrev" delay="0">
-                  <p:tgtEl>
-                    <p:sldTgt/>
-                  </p:tgtEl>
-                </p:cond>
-              </p:prevCondLst>
-              <p:nextCondLst>
-                <p:cond evt="onNext" delay="0">
-                  <p:tgtEl>
-                    <p:sldTgt/>
-                  </p:tgtEl>
-                </p:cond>
-              </p:nextCondLst>
-            </p:seq>
-          </p:childTnLst>
-        </p:cTn>
-      </p:par>
-    </p:tnLst>
-  </p:timing>
 </p:sld>
 </file>
 
@@ -16500,8 +16041,8 @@
         </p:blipFill>
         <p:spPr>
           <a:xfrm>
-            <a:off x="1312320" y="3308684"/>
-            <a:ext cx="6519358" cy="2574594"/>
+            <a:off x="1588315" y="2356521"/>
+            <a:ext cx="5967367" cy="2356604"/>
           </a:xfrm>
           <a:prstGeom prst="rect">
             <a:avLst/>
@@ -16655,8 +16196,8 @@
         </p:nvSpPr>
         <p:spPr>
           <a:xfrm>
-            <a:off x="730245" y="1551493"/>
-            <a:ext cx="7683508" cy="1649071"/>
+            <a:off x="730245" y="1335505"/>
+            <a:ext cx="7683508" cy="4182648"/>
           </a:xfrm>
           <a:prstGeom prst="rect">
             <a:avLst/>
@@ -17034,6 +16575,90 @@
               </a:rPr>
               <a:t>Character correspondence</a:t>
             </a:r>
+            <a:endParaRPr lang="en-GB" sz="1600" dirty="0">
+              <a:effectLst/>
+            </a:endParaRPr>
+          </a:p>
+          <a:p>
+            <a:pPr marL="36900" indent="0">
+              <a:buClr>
+                <a:schemeClr val="accent2">
+                  <a:lumMod val="75000"/>
+                </a:schemeClr>
+              </a:buClr>
+              <a:buNone/>
+            </a:pPr>
+            <a:r>
+              <a:rPr lang="en-GB" sz="1600" dirty="0">
+                <a:effectLst/>
+              </a:rPr>
+              <a:t>Each audio peak, detected during the insertion of the password, is identified by a key of the keyboard.</a:t>
+            </a:r>
+          </a:p>
+          <a:p>
+            <a:pPr marL="36900" indent="0">
+              <a:buClr>
+                <a:schemeClr val="accent2">
+                  <a:lumMod val="75000"/>
+                </a:schemeClr>
+              </a:buClr>
+              <a:buNone/>
+            </a:pPr>
+            <a:endParaRPr lang="en-GB" sz="1600" dirty="0">
+              <a:effectLst/>
+            </a:endParaRPr>
+          </a:p>
+          <a:p>
+            <a:pPr marL="36900" indent="0">
+              <a:buClr>
+                <a:schemeClr val="accent2">
+                  <a:lumMod val="75000"/>
+                </a:schemeClr>
+              </a:buClr>
+              <a:buNone/>
+            </a:pPr>
+            <a:endParaRPr lang="en-GB" sz="1600" dirty="0">
+              <a:effectLst/>
+            </a:endParaRPr>
+          </a:p>
+          <a:p>
+            <a:pPr marL="36900" indent="0">
+              <a:buClr>
+                <a:schemeClr val="accent2">
+                  <a:lumMod val="75000"/>
+                </a:schemeClr>
+              </a:buClr>
+              <a:buNone/>
+            </a:pPr>
+            <a:endParaRPr lang="en-GB" sz="1600" dirty="0">
+              <a:effectLst/>
+            </a:endParaRPr>
+          </a:p>
+          <a:p>
+            <a:pPr marL="36900" indent="0">
+              <a:buClr>
+                <a:schemeClr val="accent2">
+                  <a:lumMod val="75000"/>
+                </a:schemeClr>
+              </a:buClr>
+              <a:buNone/>
+            </a:pPr>
+            <a:endParaRPr lang="en-GB" sz="1600" dirty="0">
+              <a:effectLst/>
+            </a:endParaRPr>
+          </a:p>
+          <a:p>
+            <a:pPr marL="36900" indent="0">
+              <a:buClr>
+                <a:schemeClr val="accent2">
+                  <a:lumMod val="75000"/>
+                </a:schemeClr>
+              </a:buClr>
+              <a:buNone/>
+            </a:pPr>
+            <a:endParaRPr lang="en-GB" sz="1600" dirty="0">
+              <a:effectLst/>
+            </a:endParaRPr>
           </a:p>
           <a:p>
             <a:pPr marL="36900" indent="0">
@@ -17059,7 +16684,7 @@
             </a:pPr>
             <a:r>
               <a:rPr lang="en-GB" sz="1600" dirty="0"/>
-              <a:t>if classifying the audio peaks, recorded during the insertion of the password, there exists an ordered subsequence of predicted labels that is the same one of the password.</a:t>
+              <a:t>if all the characters of the password are found in the sequence of keys associated to the audio peaks.</a:t>
             </a:r>
           </a:p>
         </p:txBody>
@@ -20311,7 +19936,7 @@
                             </p:stCondLst>
                             <p:childTnLst>
                               <p:par>
-                                <p:cTn id="5" presetID="22" presetClass="entr" presetSubtype="4" fill="hold" nodeType="clickEffect">
+                                <p:cTn id="5" presetID="1" presetClass="entr" presetSubtype="0" fill="hold" grpId="0" nodeType="clickEffect">
                                   <p:stCondLst>
                                     <p:cond delay="0"/>
                                   </p:stCondLst>
@@ -20324,7 +19949,7 @@
                                           </p:stCondLst>
                                         </p:cTn>
                                         <p:tgtEl>
-                                          <p:spTgt spid="6"/>
+                                          <p:spTgt spid="20"/>
                                         </p:tgtEl>
                                         <p:attrNameLst>
                                           <p:attrName>style.visibility</p:attrName>
@@ -20334,50 +19959,24 @@
                                         <p:strVal val="visible"/>
                                       </p:to>
                                     </p:set>
-                                    <p:animEffect transition="in" filter="wipe(down)">
-                                      <p:cBhvr>
-                                        <p:cTn id="7" dur="500"/>
-                                        <p:tgtEl>
-                                          <p:spTgt spid="6"/>
-                                        </p:tgtEl>
-                                      </p:cBhvr>
-                                    </p:animEffect>
                                   </p:childTnLst>
                                 </p:cTn>
                               </p:par>
-                            </p:childTnLst>
-                          </p:cTn>
-                        </p:par>
-                      </p:childTnLst>
-                    </p:cTn>
-                  </p:par>
-                  <p:par>
-                    <p:cTn id="8" fill="hold">
-                      <p:stCondLst>
-                        <p:cond delay="indefinite"/>
-                      </p:stCondLst>
-                      <p:childTnLst>
-                        <p:par>
-                          <p:cTn id="9" fill="hold">
-                            <p:stCondLst>
-                              <p:cond delay="0"/>
-                            </p:stCondLst>
-                            <p:childTnLst>
                               <p:par>
-                                <p:cTn id="10" presetID="1" presetClass="entr" presetSubtype="0" fill="hold" grpId="0" nodeType="clickEffect">
+                                <p:cTn id="7" presetID="1" presetClass="entr" presetSubtype="0" fill="hold" grpId="0" nodeType="withEffect">
                                   <p:stCondLst>
                                     <p:cond delay="0"/>
                                   </p:stCondLst>
                                   <p:childTnLst>
                                     <p:set>
                                       <p:cBhvr>
-                                        <p:cTn id="11" dur="1" fill="hold">
+                                        <p:cTn id="8" dur="1" fill="hold">
                                           <p:stCondLst>
                                             <p:cond delay="0"/>
                                           </p:stCondLst>
                                         </p:cTn>
                                         <p:tgtEl>
-                                          <p:spTgt spid="20"/>
+                                          <p:spTgt spid="18"/>
                                         </p:tgtEl>
                                         <p:attrNameLst>
                                           <p:attrName>style.visibility</p:attrName>
@@ -20397,26 +19996,26 @@
                     </p:cTn>
                   </p:par>
                   <p:par>
-                    <p:cTn id="12" fill="hold">
+                    <p:cTn id="9" fill="hold">
                       <p:stCondLst>
                         <p:cond delay="indefinite"/>
                       </p:stCondLst>
                       <p:childTnLst>
                         <p:par>
-                          <p:cTn id="13" fill="hold">
+                          <p:cTn id="10" fill="hold">
                             <p:stCondLst>
                               <p:cond delay="0"/>
                             </p:stCondLst>
                             <p:childTnLst>
                               <p:par>
-                                <p:cTn id="14" presetID="1" presetClass="entr" presetSubtype="0" fill="hold" grpId="0" nodeType="clickEffect">
+                                <p:cTn id="11" presetID="1" presetClass="entr" presetSubtype="0" fill="hold" grpId="0" nodeType="clickEffect">
                                   <p:stCondLst>
                                     <p:cond delay="0"/>
                                   </p:stCondLst>
                                   <p:childTnLst>
                                     <p:set>
                                       <p:cBhvr>
-                                        <p:cTn id="15" dur="1" fill="hold">
+                                        <p:cTn id="12" dur="1" fill="hold">
                                           <p:stCondLst>
                                             <p:cond delay="0"/>
                                           </p:stCondLst>
@@ -20463,6 +20062,7 @@
       </p:par>
     </p:tnLst>
     <p:bldLst>
+      <p:bldP spid="18" grpId="0"/>
       <p:bldP spid="19" grpId="0"/>
       <p:bldP spid="20" grpId="0"/>
     </p:bldLst>

--- a/Thesis/AcCAPPCHA.pptx
+++ b/Thesis/AcCAPPCHA.pptx
@@ -11113,8 +11113,8 @@
         </p:nvSpPr>
         <p:spPr>
           <a:xfrm>
-            <a:off x="4807196" y="2114814"/>
-            <a:ext cx="3643474" cy="1758947"/>
+            <a:off x="4807196" y="2114815"/>
+            <a:ext cx="3643474" cy="1054514"/>
           </a:xfrm>
           <a:prstGeom prst="rect">
             <a:avLst/>
@@ -11500,7 +11500,7 @@
             </a:pPr>
             <a:r>
               <a:rPr lang="en-GB" sz="1600" dirty="0"/>
-              <a:t>based on the human’s physical identity (e.g. the behaviour of the users on the website)</a:t>
+              <a:t>based on the human’s physical identity</a:t>
             </a:r>
             <a:endParaRPr lang="it-IT" sz="1600" dirty="0"/>
           </a:p>
@@ -11606,7 +11606,7 @@
         </p:blipFill>
         <p:spPr>
           <a:xfrm>
-            <a:off x="5319964" y="3541643"/>
+            <a:off x="5323097" y="3278579"/>
             <a:ext cx="2493355" cy="700027"/>
           </a:xfrm>
           <a:prstGeom prst="rect">

--- a/Thesis/AcCAPPCHA.pptx
+++ b/Thesis/AcCAPPCHA.pptx
@@ -223,7 +223,7 @@
           <a:p>
             <a:fld id="{91A34D20-7556-479C-BC19-4F466F169EF3}" type="datetimeFigureOut">
               <a:rPr lang="it-IT" smtClean="0"/>
-              <a:t>22/02/2021</a:t>
+              <a:t>23/02/2021</a:t>
             </a:fld>
             <a:endParaRPr lang="it-IT"/>
           </a:p>
@@ -401,7 +401,7 @@
           <a:p>
             <a:fld id="{4D81E948-FF2A-455F-B768-BFC60EECBEC3}" type="datetimeFigureOut">
               <a:rPr lang="it-IT" smtClean="0"/>
-              <a:t>22/02/2021</a:t>
+              <a:t>23/02/2021</a:t>
             </a:fld>
             <a:endParaRPr lang="it-IT"/>
           </a:p>
@@ -11500,7 +11500,7 @@
             </a:pPr>
             <a:r>
               <a:rPr lang="en-GB" sz="1600" dirty="0"/>
-              <a:t>based on the human’s physical identity</a:t>
+              <a:t>based on the human’s physical identity or behaviour</a:t>
             </a:r>
             <a:endParaRPr lang="it-IT" sz="1600" dirty="0"/>
           </a:p>

--- a/Thesis/AcCAPPCHA.pptx
+++ b/Thesis/AcCAPPCHA.pptx
@@ -223,7 +223,7 @@
           <a:p>
             <a:fld id="{91A34D20-7556-479C-BC19-4F466F169EF3}" type="datetimeFigureOut">
               <a:rPr lang="it-IT" smtClean="0"/>
-              <a:t>23/02/2021</a:t>
+              <a:t>24/02/2021</a:t>
             </a:fld>
             <a:endParaRPr lang="it-IT"/>
           </a:p>
@@ -401,7 +401,7 @@
           <a:p>
             <a:fld id="{4D81E948-FF2A-455F-B768-BFC60EECBEC3}" type="datetimeFigureOut">
               <a:rPr lang="it-IT" smtClean="0"/>
-              <a:t>23/02/2021</a:t>
+              <a:t>24/02/2021</a:t>
             </a:fld>
             <a:endParaRPr lang="it-IT"/>
           </a:p>

--- a/Thesis/AcCAPPCHA.pptx
+++ b/Thesis/AcCAPPCHA.pptx
@@ -5,10 +5,10 @@
     <p:sldMasterId id="2147483750" r:id="rId1"/>
   </p:sldMasterIdLst>
   <p:notesMasterIdLst>
-    <p:notesMasterId r:id="rId14"/>
+    <p:notesMasterId r:id="rId13"/>
   </p:notesMasterIdLst>
   <p:handoutMasterIdLst>
-    <p:handoutMasterId r:id="rId15"/>
+    <p:handoutMasterId r:id="rId14"/>
   </p:handoutMasterIdLst>
   <p:sldIdLst>
     <p:sldId id="256" r:id="rId2"/>
@@ -20,9 +20,8 @@
     <p:sldId id="265" r:id="rId8"/>
     <p:sldId id="271" r:id="rId9"/>
     <p:sldId id="268" r:id="rId10"/>
-    <p:sldId id="259" r:id="rId11"/>
-    <p:sldId id="260" r:id="rId12"/>
-    <p:sldId id="273" r:id="rId13"/>
+    <p:sldId id="260" r:id="rId11"/>
+    <p:sldId id="273" r:id="rId12"/>
   </p:sldIdLst>
   <p:sldSz cx="9144000" cy="6858000" type="screen4x3"/>
   <p:notesSz cx="6858000" cy="9144000"/>
@@ -223,7 +222,7 @@
           <a:p>
             <a:fld id="{91A34D20-7556-479C-BC19-4F466F169EF3}" type="datetimeFigureOut">
               <a:rPr lang="it-IT" smtClean="0"/>
-              <a:t>24/02/2021</a:t>
+              <a:t>01/03/2021</a:t>
             </a:fld>
             <a:endParaRPr lang="it-IT"/>
           </a:p>
@@ -401,7 +400,7 @@
           <a:p>
             <a:fld id="{4D81E948-FF2A-455F-B768-BFC60EECBEC3}" type="datetimeFigureOut">
               <a:rPr lang="it-IT" smtClean="0"/>
-              <a:t>24/02/2021</a:t>
+              <a:t>01/03/2021</a:t>
             </a:fld>
             <a:endParaRPr lang="it-IT"/>
           </a:p>
@@ -7443,1579 +7442,6 @@
       </p:grpSpPr>
       <p:sp>
         <p:nvSpPr>
-          <p:cNvPr id="2" name="Titolo 1">
-            <a:extLst>
-              <a:ext uri="{FF2B5EF4-FFF2-40B4-BE49-F238E27FC236}">
-                <a16:creationId xmlns:a16="http://schemas.microsoft.com/office/drawing/2014/main" id="{A48C60AA-F0B0-44BA-B558-82E315945F4C}"/>
-              </a:ext>
-            </a:extLst>
-          </p:cNvPr>
-          <p:cNvSpPr>
-            <a:spLocks noGrp="1"/>
-          </p:cNvSpPr>
-          <p:nvPr>
-            <p:ph type="title"/>
-          </p:nvPr>
-        </p:nvSpPr>
-        <p:spPr>
-          <a:xfrm>
-            <a:off x="1227221" y="392168"/>
-            <a:ext cx="6589231" cy="1172153"/>
-          </a:xfrm>
-        </p:spPr>
-        <p:txBody>
-          <a:bodyPr>
-            <a:normAutofit fontScale="90000"/>
-          </a:bodyPr>
-          <a:lstStyle/>
-          <a:p>
-            <a:r>
-              <a:rPr lang="en-GB" dirty="0" err="1"/>
-              <a:t>AcCAPPCHA</a:t>
-            </a:r>
-            <a:r>
-              <a:rPr lang="en-GB" dirty="0"/>
-              <a:t> </a:t>
-            </a:r>
-            <a:br>
-              <a:rPr lang="en-GB" dirty="0"/>
-            </a:br>
-            <a:r>
-              <a:rPr lang="en-GB" dirty="0"/>
-              <a:t>(Acoustic CAPPCHA)</a:t>
-            </a:r>
-            <a:endParaRPr lang="it-IT" dirty="0"/>
-          </a:p>
-        </p:txBody>
-      </p:sp>
-      <p:sp>
-        <p:nvSpPr>
-          <p:cNvPr id="7" name="Segnaposto piè di pagina 3">
-            <a:extLst>
-              <a:ext uri="{FF2B5EF4-FFF2-40B4-BE49-F238E27FC236}">
-                <a16:creationId xmlns:a16="http://schemas.microsoft.com/office/drawing/2014/main" id="{73AFB6E9-F7A0-4FDE-BF04-28A65CD28D68}"/>
-              </a:ext>
-            </a:extLst>
-          </p:cNvPr>
-          <p:cNvSpPr>
-            <a:spLocks noGrp="1"/>
-          </p:cNvSpPr>
-          <p:nvPr>
-            <p:ph type="ftr" sz="quarter" idx="11"/>
-          </p:nvPr>
-        </p:nvSpPr>
-        <p:spPr>
-          <a:xfrm>
-            <a:off x="435114" y="5883278"/>
-            <a:ext cx="5505114" cy="365125"/>
-          </a:xfrm>
-        </p:spPr>
-        <p:txBody>
-          <a:bodyPr/>
-          <a:lstStyle/>
-          <a:p>
-            <a:r>
-              <a:rPr lang="en-GB" sz="1100" dirty="0"/>
-              <a:t>Di Nardo Di Maio Raffaele</a:t>
-            </a:r>
-            <a:endParaRPr lang="it-IT" sz="1100" dirty="0"/>
-          </a:p>
-        </p:txBody>
-      </p:sp>
-      <p:sp>
-        <p:nvSpPr>
-          <p:cNvPr id="8" name="Segnaposto numero diapositiva 4">
-            <a:extLst>
-              <a:ext uri="{FF2B5EF4-FFF2-40B4-BE49-F238E27FC236}">
-                <a16:creationId xmlns:a16="http://schemas.microsoft.com/office/drawing/2014/main" id="{B950B149-8015-43D5-96E3-3B0E3073B981}"/>
-              </a:ext>
-            </a:extLst>
-          </p:cNvPr>
-          <p:cNvSpPr>
-            <a:spLocks noGrp="1"/>
-          </p:cNvSpPr>
-          <p:nvPr>
-            <p:ph type="sldNum" sz="quarter" idx="12"/>
-          </p:nvPr>
-        </p:nvSpPr>
-        <p:spPr>
-          <a:xfrm>
-            <a:off x="7885511" y="5883278"/>
-            <a:ext cx="565159" cy="365125"/>
-          </a:xfrm>
-        </p:spPr>
-        <p:txBody>
-          <a:bodyPr/>
-          <a:lstStyle/>
-          <a:p>
-            <a:fld id="{8DF98BA9-0B5D-48FD-8864-41A23C2934CC}" type="slidenum">
-              <a:rPr lang="it-IT" sz="1100"/>
-              <a:t>9</a:t>
-            </a:fld>
-            <a:endParaRPr lang="it-IT" sz="1100"/>
-          </a:p>
-        </p:txBody>
-      </p:sp>
-      <p:sp>
-        <p:nvSpPr>
-          <p:cNvPr id="5" name="Segnaposto data 4">
-            <a:extLst>
-              <a:ext uri="{FF2B5EF4-FFF2-40B4-BE49-F238E27FC236}">
-                <a16:creationId xmlns:a16="http://schemas.microsoft.com/office/drawing/2014/main" id="{B9E952E2-F78D-4146-9423-FC19E730EFB1}"/>
-              </a:ext>
-            </a:extLst>
-          </p:cNvPr>
-          <p:cNvSpPr>
-            <a:spLocks noGrp="1"/>
-          </p:cNvSpPr>
-          <p:nvPr>
-            <p:ph type="dt" sz="half" idx="10"/>
-          </p:nvPr>
-        </p:nvSpPr>
-        <p:spPr/>
-        <p:txBody>
-          <a:bodyPr/>
-          <a:lstStyle/>
-          <a:p>
-            <a:r>
-              <a:rPr lang="it-IT" dirty="0"/>
-              <a:t>03/01/2021</a:t>
-            </a:r>
-          </a:p>
-        </p:txBody>
-      </p:sp>
-      <p:sp>
-        <p:nvSpPr>
-          <p:cNvPr id="15" name="Freccia a destra 14">
-            <a:extLst>
-              <a:ext uri="{FF2B5EF4-FFF2-40B4-BE49-F238E27FC236}">
-                <a16:creationId xmlns:a16="http://schemas.microsoft.com/office/drawing/2014/main" id="{94A74128-332E-4FDA-821B-72F17ABF3A9E}"/>
-              </a:ext>
-            </a:extLst>
-          </p:cNvPr>
-          <p:cNvSpPr/>
-          <p:nvPr/>
-        </p:nvSpPr>
-        <p:spPr>
-          <a:xfrm>
-            <a:off x="4150891" y="3349072"/>
-            <a:ext cx="613610" cy="385011"/>
-          </a:xfrm>
-          <a:prstGeom prst="rightArrow">
-            <a:avLst/>
-          </a:prstGeom>
-        </p:spPr>
-        <p:style>
-          <a:lnRef idx="2">
-            <a:schemeClr val="accent1">
-              <a:shade val="50000"/>
-            </a:schemeClr>
-          </a:lnRef>
-          <a:fillRef idx="1">
-            <a:schemeClr val="accent1"/>
-          </a:fillRef>
-          <a:effectRef idx="0">
-            <a:schemeClr val="accent1"/>
-          </a:effectRef>
-          <a:fontRef idx="minor">
-            <a:schemeClr val="lt1"/>
-          </a:fontRef>
-        </p:style>
-        <p:txBody>
-          <a:bodyPr rtlCol="0" anchor="ctr"/>
-          <a:lstStyle/>
-          <a:p>
-            <a:pPr algn="ctr"/>
-            <a:endParaRPr lang="it-IT" dirty="0"/>
-          </a:p>
-        </p:txBody>
-      </p:sp>
-      <p:sp>
-        <p:nvSpPr>
-          <p:cNvPr id="17" name="Titolo 1">
-            <a:extLst>
-              <a:ext uri="{FF2B5EF4-FFF2-40B4-BE49-F238E27FC236}">
-                <a16:creationId xmlns:a16="http://schemas.microsoft.com/office/drawing/2014/main" id="{825EC61F-19A1-4BEA-A563-9808AD68DF46}"/>
-              </a:ext>
-            </a:extLst>
-          </p:cNvPr>
-          <p:cNvSpPr txBox="1">
-            <a:spLocks/>
-          </p:cNvSpPr>
-          <p:nvPr/>
-        </p:nvSpPr>
-        <p:spPr>
-          <a:xfrm>
-            <a:off x="4856746" y="2004872"/>
-            <a:ext cx="3814011" cy="721189"/>
-          </a:xfrm>
-          <a:prstGeom prst="rect">
-            <a:avLst/>
-          </a:prstGeom>
-          <a:effectLst>
-            <a:outerShdw blurRad="25400" dir="17880000">
-              <a:srgbClr val="000000">
-                <a:alpha val="46000"/>
-              </a:srgbClr>
-            </a:outerShdw>
-          </a:effectLst>
-        </p:spPr>
-        <p:txBody>
-          <a:bodyPr vert="horz" lIns="91440" tIns="45720" rIns="91440" bIns="45720" rtlCol="0" anchor="ctr">
-            <a:normAutofit/>
-          </a:bodyPr>
-          <a:lstStyle>
-            <a:lvl1pPr algn="ctr" defTabSz="457200" rtl="0" eaLnBrk="1" latinLnBrk="0" hangingPunct="1">
-              <a:spcBef>
-                <a:spcPct val="0"/>
-              </a:spcBef>
-              <a:buNone/>
-              <a:defRPr sz="4000" kern="1200">
-                <a:ln>
-                  <a:solidFill>
-                    <a:schemeClr val="bg1">
-                      <a:lumMod val="75000"/>
-                      <a:lumOff val="25000"/>
-                      <a:alpha val="10000"/>
-                    </a:schemeClr>
-                  </a:solidFill>
-                </a:ln>
-                <a:solidFill>
-                  <a:srgbClr val="0070C0"/>
-                </a:solidFill>
-                <a:effectLst>
-                  <a:outerShdw blurRad="9525" dist="25400" dir="14640000" algn="tl" rotWithShape="0">
-                    <a:schemeClr val="bg1">
-                      <a:alpha val="30000"/>
-                    </a:schemeClr>
-                  </a:outerShdw>
-                </a:effectLst>
-                <a:latin typeface="+mj-lt"/>
-                <a:ea typeface="+mj-ea"/>
-                <a:cs typeface="Trebuchet MS"/>
-              </a:defRPr>
-            </a:lvl1pPr>
-            <a:lvl2pPr eaLnBrk="1" hangingPunct="1">
-              <a:defRPr>
-                <a:solidFill>
-                  <a:schemeClr val="tx2"/>
-                </a:solidFill>
-              </a:defRPr>
-            </a:lvl2pPr>
-            <a:lvl3pPr eaLnBrk="1" hangingPunct="1">
-              <a:defRPr>
-                <a:solidFill>
-                  <a:schemeClr val="tx2"/>
-                </a:solidFill>
-              </a:defRPr>
-            </a:lvl3pPr>
-            <a:lvl4pPr eaLnBrk="1" hangingPunct="1">
-              <a:defRPr>
-                <a:solidFill>
-                  <a:schemeClr val="tx2"/>
-                </a:solidFill>
-              </a:defRPr>
-            </a:lvl4pPr>
-            <a:lvl5pPr eaLnBrk="1" hangingPunct="1">
-              <a:defRPr>
-                <a:solidFill>
-                  <a:schemeClr val="tx2"/>
-                </a:solidFill>
-              </a:defRPr>
-            </a:lvl5pPr>
-            <a:lvl6pPr eaLnBrk="1" hangingPunct="1">
-              <a:defRPr>
-                <a:solidFill>
-                  <a:schemeClr val="tx2"/>
-                </a:solidFill>
-              </a:defRPr>
-            </a:lvl6pPr>
-            <a:lvl7pPr eaLnBrk="1" hangingPunct="1">
-              <a:defRPr>
-                <a:solidFill>
-                  <a:schemeClr val="tx2"/>
-                </a:solidFill>
-              </a:defRPr>
-            </a:lvl7pPr>
-            <a:lvl8pPr eaLnBrk="1" hangingPunct="1">
-              <a:defRPr>
-                <a:solidFill>
-                  <a:schemeClr val="tx2"/>
-                </a:solidFill>
-              </a:defRPr>
-            </a:lvl8pPr>
-            <a:lvl9pPr eaLnBrk="1" hangingPunct="1">
-              <a:defRPr>
-                <a:solidFill>
-                  <a:schemeClr val="tx2"/>
-                </a:solidFill>
-              </a:defRPr>
-            </a:lvl9pPr>
-          </a:lstStyle>
-          <a:p>
-            <a:r>
-              <a:rPr lang="en-GB" sz="2000" dirty="0"/>
-              <a:t>Noise evaluation</a:t>
-            </a:r>
-            <a:endParaRPr lang="it-IT" sz="2000" dirty="0"/>
-          </a:p>
-        </p:txBody>
-      </p:sp>
-      <p:sp>
-        <p:nvSpPr>
-          <p:cNvPr id="18" name="CasellaDiTesto 17">
-            <a:extLst>
-              <a:ext uri="{FF2B5EF4-FFF2-40B4-BE49-F238E27FC236}">
-                <a16:creationId xmlns:a16="http://schemas.microsoft.com/office/drawing/2014/main" id="{2D1B7F3F-65FB-4380-A848-9C9F122F55D0}"/>
-              </a:ext>
-            </a:extLst>
-          </p:cNvPr>
-          <p:cNvSpPr txBox="1"/>
-          <p:nvPr/>
-        </p:nvSpPr>
-        <p:spPr>
-          <a:xfrm>
-            <a:off x="4965032" y="2446527"/>
-            <a:ext cx="3797966" cy="2554545"/>
-          </a:xfrm>
-          <a:prstGeom prst="rect">
-            <a:avLst/>
-          </a:prstGeom>
-          <a:noFill/>
-        </p:spPr>
-        <p:txBody>
-          <a:bodyPr wrap="square" rtlCol="0">
-            <a:spAutoFit/>
-          </a:bodyPr>
-          <a:lstStyle/>
-          <a:p>
-            <a:pPr marL="285750" indent="-285750">
-              <a:lnSpc>
-                <a:spcPct val="150000"/>
-              </a:lnSpc>
-              <a:buClr>
-                <a:schemeClr val="accent2">
-                  <a:lumMod val="75000"/>
-                </a:schemeClr>
-              </a:buClr>
-              <a:buFont typeface="Wingdings 2" panose="05020102010507070707" pitchFamily="18" charset="2"/>
-              <a:buChar char=""/>
-            </a:pPr>
-            <a:r>
-              <a:rPr lang="en-GB" sz="1600" dirty="0">
-                <a:solidFill>
-                  <a:schemeClr val="accent2">
-                    <a:lumMod val="75000"/>
-                  </a:schemeClr>
-                </a:solidFill>
-              </a:rPr>
-              <a:t>B</a:t>
-            </a:r>
-            <a:r>
-              <a:rPr lang="it-IT" sz="1600" dirty="0" err="1">
-                <a:solidFill>
-                  <a:schemeClr val="accent2">
-                    <a:lumMod val="75000"/>
-                  </a:schemeClr>
-                </a:solidFill>
-              </a:rPr>
-              <a:t>efore</a:t>
-            </a:r>
-            <a:r>
-              <a:rPr lang="it-IT" sz="1600" dirty="0">
-                <a:solidFill>
-                  <a:schemeClr val="accent2">
-                    <a:lumMod val="75000"/>
-                  </a:schemeClr>
-                </a:solidFill>
-              </a:rPr>
-              <a:t> the user </a:t>
-            </a:r>
-            <a:r>
-              <a:rPr lang="it-IT" sz="1600" dirty="0" err="1">
-                <a:solidFill>
-                  <a:schemeClr val="accent2">
-                    <a:lumMod val="75000"/>
-                  </a:schemeClr>
-                </a:solidFill>
-              </a:rPr>
-              <a:t>types</a:t>
-            </a:r>
-            <a:r>
-              <a:rPr lang="it-IT" sz="1600" dirty="0">
-                <a:solidFill>
-                  <a:schemeClr val="accent2">
-                    <a:lumMod val="75000"/>
-                  </a:schemeClr>
-                </a:solidFill>
-              </a:rPr>
-              <a:t> the password</a:t>
-            </a:r>
-          </a:p>
-          <a:p>
-            <a:pPr lvl="1">
-              <a:buClr>
-                <a:schemeClr val="accent2">
-                  <a:lumMod val="75000"/>
-                </a:schemeClr>
-              </a:buClr>
-            </a:pPr>
-            <a:r>
-              <a:rPr lang="it-IT" sz="1600" dirty="0">
-                <a:solidFill>
-                  <a:schemeClr val="tx2"/>
-                </a:solidFill>
-              </a:rPr>
-              <a:t>A 2 seconds long audio file </a:t>
-            </a:r>
-            <a:r>
-              <a:rPr lang="it-IT" sz="1600" dirty="0" err="1">
-                <a:solidFill>
-                  <a:schemeClr val="tx2"/>
-                </a:solidFill>
-              </a:rPr>
-              <a:t>is</a:t>
-            </a:r>
-            <a:r>
-              <a:rPr lang="it-IT" sz="1600" dirty="0">
-                <a:solidFill>
-                  <a:schemeClr val="tx2"/>
-                </a:solidFill>
-              </a:rPr>
-              <a:t> </a:t>
-            </a:r>
-            <a:r>
-              <a:rPr lang="it-IT" sz="1600" dirty="0" err="1">
-                <a:solidFill>
-                  <a:schemeClr val="tx2"/>
-                </a:solidFill>
-              </a:rPr>
-              <a:t>recorded</a:t>
-            </a:r>
-            <a:r>
-              <a:rPr lang="it-IT" sz="1600" dirty="0">
-                <a:solidFill>
-                  <a:schemeClr val="tx2"/>
-                </a:solidFill>
-              </a:rPr>
-              <a:t> and a </a:t>
-            </a:r>
-            <a:r>
-              <a:rPr lang="it-IT" sz="1600" dirty="0" err="1">
-                <a:solidFill>
-                  <a:schemeClr val="tx2"/>
-                </a:solidFill>
-              </a:rPr>
-              <a:t>noise</a:t>
-            </a:r>
-            <a:r>
-              <a:rPr lang="it-IT" sz="1600" dirty="0">
-                <a:solidFill>
-                  <a:schemeClr val="tx2"/>
-                </a:solidFill>
-              </a:rPr>
-              <a:t> </a:t>
-            </a:r>
-            <a:r>
-              <a:rPr lang="it-IT" sz="1600" dirty="0" err="1">
-                <a:solidFill>
-                  <a:schemeClr val="tx2"/>
-                </a:solidFill>
-              </a:rPr>
-              <a:t>threshold</a:t>
-            </a:r>
-            <a:r>
-              <a:rPr lang="it-IT" sz="1600" dirty="0">
-                <a:solidFill>
-                  <a:schemeClr val="tx2"/>
-                </a:solidFill>
-              </a:rPr>
-              <a:t> </a:t>
-            </a:r>
-            <a:r>
-              <a:rPr lang="it-IT" sz="1600" dirty="0" err="1">
-                <a:solidFill>
-                  <a:schemeClr val="tx2"/>
-                </a:solidFill>
-              </a:rPr>
-              <a:t>is</a:t>
-            </a:r>
-            <a:r>
-              <a:rPr lang="it-IT" sz="1600" dirty="0">
-                <a:solidFill>
-                  <a:schemeClr val="tx2"/>
-                </a:solidFill>
-              </a:rPr>
-              <a:t> </a:t>
-            </a:r>
-            <a:r>
-              <a:rPr lang="it-IT" sz="1600" dirty="0" err="1">
-                <a:solidFill>
-                  <a:schemeClr val="tx2"/>
-                </a:solidFill>
-              </a:rPr>
-              <a:t>evaluated</a:t>
-            </a:r>
-            <a:endParaRPr lang="it-IT" sz="1600" dirty="0">
-              <a:solidFill>
-                <a:schemeClr val="tx2"/>
-              </a:solidFill>
-            </a:endParaRPr>
-          </a:p>
-          <a:p>
-            <a:pPr marL="285750" indent="-285750">
-              <a:lnSpc>
-                <a:spcPct val="150000"/>
-              </a:lnSpc>
-              <a:buClr>
-                <a:schemeClr val="accent2">
-                  <a:lumMod val="75000"/>
-                </a:schemeClr>
-              </a:buClr>
-              <a:buFont typeface="Wingdings 2" panose="05020102010507070707" pitchFamily="18" charset="2"/>
-              <a:buChar char=""/>
-            </a:pPr>
-            <a:r>
-              <a:rPr lang="it-IT" sz="1600" dirty="0" err="1">
-                <a:solidFill>
-                  <a:schemeClr val="accent2">
-                    <a:lumMod val="75000"/>
-                  </a:schemeClr>
-                </a:solidFill>
-              </a:rPr>
-              <a:t>During</a:t>
-            </a:r>
-            <a:r>
-              <a:rPr lang="it-IT" sz="1600" dirty="0">
-                <a:solidFill>
-                  <a:schemeClr val="accent2">
-                    <a:lumMod val="75000"/>
-                  </a:schemeClr>
-                </a:solidFill>
-              </a:rPr>
-              <a:t> the </a:t>
-            </a:r>
-            <a:r>
-              <a:rPr lang="it-IT" sz="1600" dirty="0" err="1">
-                <a:solidFill>
-                  <a:schemeClr val="accent2">
-                    <a:lumMod val="75000"/>
-                  </a:schemeClr>
-                </a:solidFill>
-              </a:rPr>
-              <a:t>insertion</a:t>
-            </a:r>
-            <a:r>
-              <a:rPr lang="it-IT" sz="1600" dirty="0">
-                <a:solidFill>
-                  <a:schemeClr val="accent2">
-                    <a:lumMod val="75000"/>
-                  </a:schemeClr>
-                </a:solidFill>
-              </a:rPr>
-              <a:t> of the password</a:t>
-            </a:r>
-          </a:p>
-          <a:p>
-            <a:pPr marL="414000" lvl="1"/>
-            <a:r>
-              <a:rPr lang="it-IT" sz="1600" dirty="0">
-                <a:solidFill>
-                  <a:schemeClr val="tx2"/>
-                </a:solidFill>
-              </a:rPr>
-              <a:t>An audio file </a:t>
-            </a:r>
-            <a:r>
-              <a:rPr lang="it-IT" sz="1600" dirty="0" err="1">
-                <a:solidFill>
-                  <a:schemeClr val="tx2"/>
-                </a:solidFill>
-              </a:rPr>
-              <a:t>is</a:t>
-            </a:r>
-            <a:r>
-              <a:rPr lang="it-IT" sz="1600" dirty="0">
-                <a:solidFill>
-                  <a:schemeClr val="tx2"/>
-                </a:solidFill>
-              </a:rPr>
-              <a:t> </a:t>
-            </a:r>
-            <a:r>
-              <a:rPr lang="it-IT" sz="1600" dirty="0" err="1">
-                <a:solidFill>
-                  <a:schemeClr val="tx2"/>
-                </a:solidFill>
-              </a:rPr>
-              <a:t>recorded</a:t>
-            </a:r>
-            <a:r>
-              <a:rPr lang="it-IT" sz="1600" dirty="0">
-                <a:solidFill>
-                  <a:schemeClr val="tx2"/>
-                </a:solidFill>
-              </a:rPr>
-              <a:t> and </a:t>
-            </a:r>
-            <a:r>
-              <a:rPr lang="it-IT" sz="1600" dirty="0" err="1">
-                <a:solidFill>
-                  <a:schemeClr val="tx2"/>
-                </a:solidFill>
-              </a:rPr>
-              <a:t>filtered</a:t>
-            </a:r>
-            <a:r>
-              <a:rPr lang="it-IT" sz="1600" dirty="0">
-                <a:solidFill>
-                  <a:schemeClr val="tx2"/>
-                </a:solidFill>
-              </a:rPr>
-              <a:t> with the </a:t>
-            </a:r>
-            <a:r>
-              <a:rPr lang="it-IT" sz="1600" dirty="0" err="1">
-                <a:solidFill>
-                  <a:schemeClr val="tx2"/>
-                </a:solidFill>
-              </a:rPr>
-              <a:t>previous</a:t>
-            </a:r>
-            <a:r>
-              <a:rPr lang="it-IT" sz="1600" dirty="0">
-                <a:solidFill>
-                  <a:schemeClr val="tx2"/>
-                </a:solidFill>
-              </a:rPr>
-              <a:t> </a:t>
-            </a:r>
-            <a:r>
-              <a:rPr lang="it-IT" sz="1600" dirty="0" err="1">
-                <a:solidFill>
-                  <a:schemeClr val="tx2"/>
-                </a:solidFill>
-              </a:rPr>
-              <a:t>threshold</a:t>
-            </a:r>
-            <a:r>
-              <a:rPr lang="it-IT" sz="1600" dirty="0">
-                <a:solidFill>
-                  <a:schemeClr val="tx2"/>
-                </a:solidFill>
-              </a:rPr>
-              <a:t>, </a:t>
-            </a:r>
-            <a:r>
-              <a:rPr lang="it-IT" sz="1600" dirty="0" err="1">
-                <a:solidFill>
-                  <a:schemeClr val="tx2"/>
-                </a:solidFill>
-              </a:rPr>
-              <a:t>trying</a:t>
-            </a:r>
-            <a:r>
-              <a:rPr lang="it-IT" sz="1600" dirty="0">
-                <a:solidFill>
-                  <a:schemeClr val="tx2"/>
-                </a:solidFill>
-              </a:rPr>
-              <a:t> to </a:t>
-            </a:r>
-            <a:r>
-              <a:rPr lang="it-IT" sz="1600" dirty="0" err="1">
-                <a:solidFill>
-                  <a:schemeClr val="tx2"/>
-                </a:solidFill>
-              </a:rPr>
-              <a:t>find</a:t>
-            </a:r>
-            <a:r>
-              <a:rPr lang="it-IT" sz="1600" dirty="0">
-                <a:solidFill>
-                  <a:schemeClr val="tx2"/>
-                </a:solidFill>
-              </a:rPr>
-              <a:t> the audio </a:t>
-            </a:r>
-            <a:r>
-              <a:rPr lang="it-IT" sz="1600" dirty="0" err="1">
-                <a:solidFill>
-                  <a:schemeClr val="tx2"/>
-                </a:solidFill>
-              </a:rPr>
-              <a:t>peaks</a:t>
-            </a:r>
-            <a:r>
-              <a:rPr lang="it-IT" sz="1600" dirty="0">
-                <a:solidFill>
-                  <a:schemeClr val="tx2"/>
-                </a:solidFill>
-              </a:rPr>
-              <a:t> </a:t>
-            </a:r>
-            <a:r>
-              <a:rPr lang="it-IT" sz="1600" dirty="0" err="1">
-                <a:solidFill>
-                  <a:schemeClr val="tx2"/>
-                </a:solidFill>
-              </a:rPr>
-              <a:t>related</a:t>
-            </a:r>
-            <a:r>
-              <a:rPr lang="it-IT" sz="1600" dirty="0">
-                <a:solidFill>
-                  <a:schemeClr val="tx2"/>
-                </a:solidFill>
-              </a:rPr>
-              <a:t> to the </a:t>
-            </a:r>
-            <a:r>
-              <a:rPr lang="it-IT" sz="1600" dirty="0" err="1">
-                <a:solidFill>
-                  <a:schemeClr val="tx2"/>
-                </a:solidFill>
-              </a:rPr>
-              <a:t>keyboard</a:t>
-            </a:r>
-            <a:r>
-              <a:rPr lang="it-IT" sz="1600" dirty="0">
-                <a:solidFill>
-                  <a:schemeClr val="tx2"/>
-                </a:solidFill>
-              </a:rPr>
-              <a:t> events.</a:t>
-            </a:r>
-          </a:p>
-        </p:txBody>
-      </p:sp>
-      <p:sp>
-        <p:nvSpPr>
-          <p:cNvPr id="14" name="Segnaposto contenuto 2">
-            <a:extLst>
-              <a:ext uri="{FF2B5EF4-FFF2-40B4-BE49-F238E27FC236}">
-                <a16:creationId xmlns:a16="http://schemas.microsoft.com/office/drawing/2014/main" id="{A9CCB0B1-3D09-4DEE-9DFA-C497E509E2BD}"/>
-              </a:ext>
-            </a:extLst>
-          </p:cNvPr>
-          <p:cNvSpPr txBox="1">
-            <a:spLocks/>
-          </p:cNvSpPr>
-          <p:nvPr/>
-        </p:nvSpPr>
-        <p:spPr>
-          <a:xfrm>
-            <a:off x="473243" y="2986417"/>
-            <a:ext cx="3330713" cy="1577840"/>
-          </a:xfrm>
-          <a:prstGeom prst="rect">
-            <a:avLst/>
-          </a:prstGeom>
-          <a:noFill/>
-          <a:ln w="15875" cap="rnd" cmpd="sng" algn="ctr">
-            <a:noFill/>
-            <a:prstDash val="solid"/>
-          </a:ln>
-          <a:effectLst>
-            <a:glow rad="228600">
-              <a:srgbClr val="0070C0">
-                <a:alpha val="40000"/>
-              </a:srgbClr>
-            </a:glow>
-          </a:effectLst>
-        </p:spPr>
-        <p:style>
-          <a:lnRef idx="2">
-            <a:schemeClr val="accent2"/>
-          </a:lnRef>
-          <a:fillRef idx="1">
-            <a:schemeClr val="lt1"/>
-          </a:fillRef>
-          <a:effectRef idx="0">
-            <a:schemeClr val="accent2"/>
-          </a:effectRef>
-          <a:fontRef idx="minor">
-            <a:schemeClr val="dk1"/>
-          </a:fontRef>
-        </p:style>
-        <p:txBody>
-          <a:bodyPr vert="horz" lIns="91440" tIns="45720" rIns="91440" bIns="45720" rtlCol="0" anchor="t">
-            <a:noAutofit/>
-          </a:bodyPr>
-          <a:lstStyle>
-            <a:lvl1pPr marL="342900" indent="-306000" algn="l" defTabSz="457200" rtl="0" eaLnBrk="1" latinLnBrk="0" hangingPunct="1">
-              <a:spcBef>
-                <a:spcPct val="20000"/>
-              </a:spcBef>
-              <a:spcAft>
-                <a:spcPts val="600"/>
-              </a:spcAft>
-              <a:buClr>
-                <a:schemeClr val="tx2"/>
-              </a:buClr>
-              <a:buSzPct val="70000"/>
-              <a:buFont typeface="Wingdings 2" charset="2"/>
-              <a:buChar char=""/>
-              <a:defRPr sz="2000" kern="1200">
-                <a:ln>
-                  <a:solidFill>
-                    <a:schemeClr val="bg1">
-                      <a:lumMod val="75000"/>
-                      <a:lumOff val="25000"/>
-                      <a:alpha val="10000"/>
-                    </a:schemeClr>
-                  </a:solidFill>
-                </a:ln>
-                <a:solidFill>
-                  <a:schemeClr val="dk1"/>
-                </a:solidFill>
-                <a:effectLst>
-                  <a:outerShdw blurRad="9525" dist="25400" dir="14640000" algn="tl" rotWithShape="0">
-                    <a:schemeClr val="bg1">
-                      <a:alpha val="30000"/>
-                    </a:schemeClr>
-                  </a:outerShdw>
-                </a:effectLst>
-                <a:latin typeface="+mn-lt"/>
-                <a:ea typeface="+mn-ea"/>
-                <a:cs typeface="+mn-cs"/>
-              </a:defRPr>
-            </a:lvl1pPr>
-            <a:lvl2pPr marL="720000" indent="-270000" algn="l" defTabSz="457200" rtl="0" eaLnBrk="1" latinLnBrk="0" hangingPunct="1">
-              <a:spcBef>
-                <a:spcPct val="20000"/>
-              </a:spcBef>
-              <a:spcAft>
-                <a:spcPts val="600"/>
-              </a:spcAft>
-              <a:buClr>
-                <a:schemeClr val="tx2"/>
-              </a:buClr>
-              <a:buSzPct val="70000"/>
-              <a:buFont typeface="Wingdings 2" charset="2"/>
-              <a:buChar char=""/>
-              <a:defRPr sz="1800" kern="1200">
-                <a:ln>
-                  <a:solidFill>
-                    <a:schemeClr val="bg1">
-                      <a:lumMod val="75000"/>
-                      <a:lumOff val="25000"/>
-                      <a:alpha val="10000"/>
-                    </a:schemeClr>
-                  </a:solidFill>
-                </a:ln>
-                <a:solidFill>
-                  <a:schemeClr val="dk1"/>
-                </a:solidFill>
-                <a:effectLst>
-                  <a:outerShdw blurRad="9525" dist="25400" dir="14640000" algn="tl" rotWithShape="0">
-                    <a:schemeClr val="bg1">
-                      <a:alpha val="30000"/>
-                    </a:schemeClr>
-                  </a:outerShdw>
-                </a:effectLst>
-                <a:latin typeface="+mn-lt"/>
-                <a:ea typeface="+mn-ea"/>
-                <a:cs typeface="+mn-cs"/>
-              </a:defRPr>
-            </a:lvl2pPr>
-            <a:lvl3pPr marL="1026000" indent="-216000" algn="l" defTabSz="457200" rtl="0" eaLnBrk="1" latinLnBrk="0" hangingPunct="1">
-              <a:spcBef>
-                <a:spcPct val="20000"/>
-              </a:spcBef>
-              <a:spcAft>
-                <a:spcPts val="600"/>
-              </a:spcAft>
-              <a:buClr>
-                <a:schemeClr val="tx2"/>
-              </a:buClr>
-              <a:buSzPct val="70000"/>
-              <a:buFont typeface="Wingdings 2" charset="2"/>
-              <a:buChar char=""/>
-              <a:defRPr sz="1600" kern="1200">
-                <a:ln>
-                  <a:solidFill>
-                    <a:schemeClr val="bg1">
-                      <a:lumMod val="75000"/>
-                      <a:lumOff val="25000"/>
-                      <a:alpha val="10000"/>
-                    </a:schemeClr>
-                  </a:solidFill>
-                </a:ln>
-                <a:solidFill>
-                  <a:schemeClr val="dk1"/>
-                </a:solidFill>
-                <a:effectLst>
-                  <a:outerShdw blurRad="9525" dist="25400" dir="14640000" algn="tl" rotWithShape="0">
-                    <a:schemeClr val="bg1">
-                      <a:alpha val="30000"/>
-                    </a:schemeClr>
-                  </a:outerShdw>
-                </a:effectLst>
-                <a:latin typeface="+mn-lt"/>
-                <a:ea typeface="+mn-ea"/>
-                <a:cs typeface="+mn-cs"/>
-              </a:defRPr>
-            </a:lvl3pPr>
-            <a:lvl4pPr marL="1386000" indent="-216000" algn="l" defTabSz="457200" rtl="0" eaLnBrk="1" latinLnBrk="0" hangingPunct="1">
-              <a:spcBef>
-                <a:spcPct val="20000"/>
-              </a:spcBef>
-              <a:spcAft>
-                <a:spcPts val="600"/>
-              </a:spcAft>
-              <a:buClr>
-                <a:schemeClr val="tx2"/>
-              </a:buClr>
-              <a:buSzPct val="70000"/>
-              <a:buFont typeface="Wingdings 2" charset="2"/>
-              <a:buChar char=""/>
-              <a:defRPr sz="1400" kern="1200">
-                <a:ln>
-                  <a:solidFill>
-                    <a:schemeClr val="bg1">
-                      <a:lumMod val="75000"/>
-                      <a:lumOff val="25000"/>
-                      <a:alpha val="10000"/>
-                    </a:schemeClr>
-                  </a:solidFill>
-                </a:ln>
-                <a:solidFill>
-                  <a:schemeClr val="dk1"/>
-                </a:solidFill>
-                <a:effectLst>
-                  <a:outerShdw blurRad="9525" dist="25400" dir="14640000" algn="tl" rotWithShape="0">
-                    <a:schemeClr val="bg1">
-                      <a:alpha val="30000"/>
-                    </a:schemeClr>
-                  </a:outerShdw>
-                </a:effectLst>
-                <a:latin typeface="+mn-lt"/>
-                <a:ea typeface="+mn-ea"/>
-                <a:cs typeface="+mn-cs"/>
-              </a:defRPr>
-            </a:lvl4pPr>
-            <a:lvl5pPr marL="1674000" indent="-216000" algn="l" defTabSz="457200" rtl="0" eaLnBrk="1" latinLnBrk="0" hangingPunct="1">
-              <a:spcBef>
-                <a:spcPct val="20000"/>
-              </a:spcBef>
-              <a:spcAft>
-                <a:spcPts val="600"/>
-              </a:spcAft>
-              <a:buClr>
-                <a:schemeClr val="tx2"/>
-              </a:buClr>
-              <a:buSzPct val="70000"/>
-              <a:buFont typeface="Wingdings 2" charset="2"/>
-              <a:buChar char=""/>
-              <a:defRPr sz="1400" kern="1200">
-                <a:ln>
-                  <a:solidFill>
-                    <a:schemeClr val="bg1">
-                      <a:lumMod val="75000"/>
-                      <a:lumOff val="25000"/>
-                      <a:alpha val="10000"/>
-                    </a:schemeClr>
-                  </a:solidFill>
-                </a:ln>
-                <a:solidFill>
-                  <a:schemeClr val="dk1"/>
-                </a:solidFill>
-                <a:effectLst>
-                  <a:outerShdw blurRad="9525" dist="25400" dir="14640000" algn="tl" rotWithShape="0">
-                    <a:schemeClr val="bg1">
-                      <a:alpha val="30000"/>
-                    </a:schemeClr>
-                  </a:outerShdw>
-                </a:effectLst>
-                <a:latin typeface="+mn-lt"/>
-                <a:ea typeface="+mn-ea"/>
-                <a:cs typeface="+mn-cs"/>
-              </a:defRPr>
-            </a:lvl5pPr>
-            <a:lvl6pPr marL="2014600" indent="-228600" algn="l" defTabSz="457200" rtl="0" eaLnBrk="1" latinLnBrk="0" hangingPunct="1">
-              <a:spcBef>
-                <a:spcPct val="20000"/>
-              </a:spcBef>
-              <a:spcAft>
-                <a:spcPts val="600"/>
-              </a:spcAft>
-              <a:buClr>
-                <a:schemeClr val="tx2"/>
-              </a:buClr>
-              <a:buSzPct val="70000"/>
-              <a:buFont typeface="Wingdings 2" charset="2"/>
-              <a:buChar char=""/>
-              <a:defRPr sz="1400" kern="1200">
-                <a:ln>
-                  <a:solidFill>
-                    <a:schemeClr val="bg1">
-                      <a:lumMod val="75000"/>
-                      <a:lumOff val="25000"/>
-                      <a:alpha val="10000"/>
-                    </a:schemeClr>
-                  </a:solidFill>
-                </a:ln>
-                <a:solidFill>
-                  <a:schemeClr val="dk1"/>
-                </a:solidFill>
-                <a:effectLst>
-                  <a:outerShdw blurRad="9525" dist="25400" dir="14640000" algn="tl" rotWithShape="0">
-                    <a:schemeClr val="bg1">
-                      <a:alpha val="30000"/>
-                    </a:schemeClr>
-                  </a:outerShdw>
-                </a:effectLst>
-                <a:latin typeface="+mn-lt"/>
-                <a:ea typeface="+mn-ea"/>
-                <a:cs typeface="+mn-cs"/>
-              </a:defRPr>
-            </a:lvl6pPr>
-            <a:lvl7pPr marL="2401800" indent="-228600" algn="l" defTabSz="457200" rtl="0" eaLnBrk="1" latinLnBrk="0" hangingPunct="1">
-              <a:spcBef>
-                <a:spcPct val="20000"/>
-              </a:spcBef>
-              <a:spcAft>
-                <a:spcPts val="600"/>
-              </a:spcAft>
-              <a:buClr>
-                <a:schemeClr val="tx2"/>
-              </a:buClr>
-              <a:buSzPct val="70000"/>
-              <a:buFont typeface="Wingdings 2" charset="2"/>
-              <a:buChar char=""/>
-              <a:defRPr sz="1400" kern="1200">
-                <a:ln>
-                  <a:solidFill>
-                    <a:schemeClr val="bg1">
-                      <a:lumMod val="75000"/>
-                      <a:lumOff val="25000"/>
-                      <a:alpha val="10000"/>
-                    </a:schemeClr>
-                  </a:solidFill>
-                </a:ln>
-                <a:solidFill>
-                  <a:schemeClr val="dk1"/>
-                </a:solidFill>
-                <a:effectLst>
-                  <a:outerShdw blurRad="9525" dist="25400" dir="14640000" algn="tl" rotWithShape="0">
-                    <a:schemeClr val="bg1">
-                      <a:alpha val="30000"/>
-                    </a:schemeClr>
-                  </a:outerShdw>
-                </a:effectLst>
-                <a:latin typeface="+mn-lt"/>
-                <a:ea typeface="+mn-ea"/>
-                <a:cs typeface="+mn-cs"/>
-              </a:defRPr>
-            </a:lvl7pPr>
-            <a:lvl8pPr marL="2789000" indent="-228600" algn="l" defTabSz="457200" rtl="0" eaLnBrk="1" latinLnBrk="0" hangingPunct="1">
-              <a:spcBef>
-                <a:spcPct val="20000"/>
-              </a:spcBef>
-              <a:spcAft>
-                <a:spcPts val="600"/>
-              </a:spcAft>
-              <a:buClr>
-                <a:schemeClr val="tx2"/>
-              </a:buClr>
-              <a:buSzPct val="70000"/>
-              <a:buFont typeface="Wingdings 2" charset="2"/>
-              <a:buChar char=""/>
-              <a:defRPr sz="1400" kern="1200">
-                <a:ln>
-                  <a:solidFill>
-                    <a:schemeClr val="bg1">
-                      <a:lumMod val="75000"/>
-                      <a:lumOff val="25000"/>
-                      <a:alpha val="10000"/>
-                    </a:schemeClr>
-                  </a:solidFill>
-                </a:ln>
-                <a:solidFill>
-                  <a:schemeClr val="dk1"/>
-                </a:solidFill>
-                <a:effectLst>
-                  <a:outerShdw blurRad="9525" dist="25400" dir="14640000" algn="tl" rotWithShape="0">
-                    <a:schemeClr val="bg1">
-                      <a:alpha val="30000"/>
-                    </a:schemeClr>
-                  </a:outerShdw>
-                </a:effectLst>
-                <a:latin typeface="+mn-lt"/>
-                <a:ea typeface="+mn-ea"/>
-                <a:cs typeface="+mn-cs"/>
-              </a:defRPr>
-            </a:lvl8pPr>
-            <a:lvl9pPr marL="3106200" indent="-228600" algn="l" defTabSz="457200" rtl="0" eaLnBrk="1" latinLnBrk="0" hangingPunct="1">
-              <a:spcBef>
-                <a:spcPct val="20000"/>
-              </a:spcBef>
-              <a:spcAft>
-                <a:spcPts val="600"/>
-              </a:spcAft>
-              <a:buClr>
-                <a:schemeClr val="tx2"/>
-              </a:buClr>
-              <a:buSzPct val="70000"/>
-              <a:buFont typeface="Wingdings 2" charset="2"/>
-              <a:buChar char=""/>
-              <a:defRPr sz="1400" kern="1200">
-                <a:ln>
-                  <a:solidFill>
-                    <a:schemeClr val="bg1">
-                      <a:lumMod val="75000"/>
-                      <a:lumOff val="25000"/>
-                      <a:alpha val="10000"/>
-                    </a:schemeClr>
-                  </a:solidFill>
-                </a:ln>
-                <a:solidFill>
-                  <a:schemeClr val="dk1"/>
-                </a:solidFill>
-                <a:effectLst>
-                  <a:outerShdw blurRad="9525" dist="25400" dir="14640000" algn="tl" rotWithShape="0">
-                    <a:schemeClr val="bg1">
-                      <a:alpha val="30000"/>
-                    </a:schemeClr>
-                  </a:outerShdw>
-                </a:effectLst>
-                <a:latin typeface="+mn-lt"/>
-                <a:ea typeface="+mn-ea"/>
-                <a:cs typeface="+mn-cs"/>
-              </a:defRPr>
-            </a:lvl9pPr>
-          </a:lstStyle>
-          <a:p>
-            <a:pPr>
-              <a:buClr>
-                <a:schemeClr val="accent2">
-                  <a:lumMod val="75000"/>
-                </a:schemeClr>
-              </a:buClr>
-            </a:pPr>
-            <a:r>
-              <a:rPr lang="en-GB" sz="1600" dirty="0">
-                <a:solidFill>
-                  <a:schemeClr val="tx2"/>
-                </a:solidFill>
-              </a:rPr>
-              <a:t>Noise evaluation</a:t>
-            </a:r>
-          </a:p>
-          <a:p>
-            <a:pPr>
-              <a:buClr>
-                <a:schemeClr val="accent2">
-                  <a:lumMod val="75000"/>
-                </a:schemeClr>
-              </a:buClr>
-            </a:pPr>
-            <a:r>
-              <a:rPr lang="en-GB" sz="1600" dirty="0">
-                <a:solidFill>
-                  <a:schemeClr val="tx2"/>
-                </a:solidFill>
-              </a:rPr>
-              <a:t>Evaluation of the user’s activity during the password insertion</a:t>
-            </a:r>
-          </a:p>
-          <a:p>
-            <a:pPr>
-              <a:buClr>
-                <a:schemeClr val="accent2">
-                  <a:lumMod val="75000"/>
-                </a:schemeClr>
-              </a:buClr>
-            </a:pPr>
-            <a:r>
-              <a:rPr lang="en-GB" sz="1600" dirty="0">
-                <a:solidFill>
-                  <a:schemeClr val="tx2"/>
-                </a:solidFill>
-              </a:rPr>
-              <a:t>Communication between client and server</a:t>
-            </a:r>
-            <a:endParaRPr lang="it-IT" sz="1600" dirty="0">
-              <a:solidFill>
-                <a:schemeClr val="tx2"/>
-              </a:solidFill>
-            </a:endParaRPr>
-          </a:p>
-        </p:txBody>
-      </p:sp>
-      <p:sp>
-        <p:nvSpPr>
-          <p:cNvPr id="16" name="CasellaDiTesto 15">
-            <a:extLst>
-              <a:ext uri="{FF2B5EF4-FFF2-40B4-BE49-F238E27FC236}">
-                <a16:creationId xmlns:a16="http://schemas.microsoft.com/office/drawing/2014/main" id="{64D5A98C-1AA6-43D0-8F96-9DEAF4E09737}"/>
-              </a:ext>
-            </a:extLst>
-          </p:cNvPr>
-          <p:cNvSpPr txBox="1"/>
-          <p:nvPr/>
-        </p:nvSpPr>
-        <p:spPr>
-          <a:xfrm>
-            <a:off x="435110" y="2446527"/>
-            <a:ext cx="3368844" cy="400110"/>
-          </a:xfrm>
-          <a:prstGeom prst="rect">
-            <a:avLst/>
-          </a:prstGeom>
-          <a:noFill/>
-        </p:spPr>
-        <p:txBody>
-          <a:bodyPr wrap="square" rtlCol="0">
-            <a:spAutoFit/>
-          </a:bodyPr>
-          <a:lstStyle/>
-          <a:p>
-            <a:r>
-              <a:rPr lang="en-GB" sz="2000" dirty="0">
-                <a:solidFill>
-                  <a:srgbClr val="0070C0"/>
-                </a:solidFill>
-              </a:rPr>
-              <a:t>Main phases of the analysis:</a:t>
-            </a:r>
-            <a:endParaRPr lang="it-IT" sz="2000" dirty="0">
-              <a:solidFill>
-                <a:srgbClr val="0070C0"/>
-              </a:solidFill>
-            </a:endParaRPr>
-          </a:p>
-        </p:txBody>
-      </p:sp>
-    </p:spTree>
-    <p:extLst>
-      <p:ext uri="{BB962C8B-B14F-4D97-AF65-F5344CB8AC3E}">
-        <p14:creationId xmlns:p14="http://schemas.microsoft.com/office/powerpoint/2010/main" val="1716940093"/>
-      </p:ext>
-    </p:extLst>
-  </p:cSld>
-  <p:clrMapOvr>
-    <a:masterClrMapping/>
-  </p:clrMapOvr>
-  <p:timing>
-    <p:tnLst>
-      <p:par>
-        <p:cTn id="1" dur="indefinite" restart="never" nodeType="tmRoot">
-          <p:childTnLst>
-            <p:seq concurrent="1" nextAc="seek">
-              <p:cTn id="2" dur="indefinite" nodeType="mainSeq">
-                <p:childTnLst>
-                  <p:par>
-                    <p:cTn id="3" fill="hold">
-                      <p:stCondLst>
-                        <p:cond delay="indefinite"/>
-                      </p:stCondLst>
-                      <p:childTnLst>
-                        <p:par>
-                          <p:cTn id="4" fill="hold">
-                            <p:stCondLst>
-                              <p:cond delay="0"/>
-                            </p:stCondLst>
-                            <p:childTnLst>
-                              <p:par>
-                                <p:cTn id="5" presetID="47" presetClass="entr" presetSubtype="0" fill="hold" grpId="0" nodeType="clickEffect">
-                                  <p:stCondLst>
-                                    <p:cond delay="0"/>
-                                  </p:stCondLst>
-                                  <p:childTnLst>
-                                    <p:set>
-                                      <p:cBhvr>
-                                        <p:cTn id="6" dur="1" fill="hold">
-                                          <p:stCondLst>
-                                            <p:cond delay="0"/>
-                                          </p:stCondLst>
-                                        </p:cTn>
-                                        <p:tgtEl>
-                                          <p:spTgt spid="18"/>
-                                        </p:tgtEl>
-                                        <p:attrNameLst>
-                                          <p:attrName>style.visibility</p:attrName>
-                                        </p:attrNameLst>
-                                      </p:cBhvr>
-                                      <p:to>
-                                        <p:strVal val="visible"/>
-                                      </p:to>
-                                    </p:set>
-                                    <p:animEffect transition="in" filter="fade">
-                                      <p:cBhvr>
-                                        <p:cTn id="7" dur="1000"/>
-                                        <p:tgtEl>
-                                          <p:spTgt spid="18"/>
-                                        </p:tgtEl>
-                                      </p:cBhvr>
-                                    </p:animEffect>
-                                    <p:anim calcmode="lin" valueType="num">
-                                      <p:cBhvr>
-                                        <p:cTn id="8" dur="1000" fill="hold"/>
-                                        <p:tgtEl>
-                                          <p:spTgt spid="18"/>
-                                        </p:tgtEl>
-                                        <p:attrNameLst>
-                                          <p:attrName>ppt_x</p:attrName>
-                                        </p:attrNameLst>
-                                      </p:cBhvr>
-                                      <p:tavLst>
-                                        <p:tav tm="0">
-                                          <p:val>
-                                            <p:strVal val="#ppt_x"/>
-                                          </p:val>
-                                        </p:tav>
-                                        <p:tav tm="100000">
-                                          <p:val>
-                                            <p:strVal val="#ppt_x"/>
-                                          </p:val>
-                                        </p:tav>
-                                      </p:tavLst>
-                                    </p:anim>
-                                    <p:anim calcmode="lin" valueType="num">
-                                      <p:cBhvr>
-                                        <p:cTn id="9" dur="1000" fill="hold"/>
-                                        <p:tgtEl>
-                                          <p:spTgt spid="18"/>
-                                        </p:tgtEl>
-                                        <p:attrNameLst>
-                                          <p:attrName>ppt_y</p:attrName>
-                                        </p:attrNameLst>
-                                      </p:cBhvr>
-                                      <p:tavLst>
-                                        <p:tav tm="0">
-                                          <p:val>
-                                            <p:strVal val="#ppt_y-.1"/>
-                                          </p:val>
-                                        </p:tav>
-                                        <p:tav tm="100000">
-                                          <p:val>
-                                            <p:strVal val="#ppt_y"/>
-                                          </p:val>
-                                        </p:tav>
-                                      </p:tavLst>
-                                    </p:anim>
-                                  </p:childTnLst>
-                                </p:cTn>
-                              </p:par>
-                              <p:par>
-                                <p:cTn id="10" presetID="47" presetClass="entr" presetSubtype="0" fill="hold" grpId="0" nodeType="withEffect">
-                                  <p:stCondLst>
-                                    <p:cond delay="0"/>
-                                  </p:stCondLst>
-                                  <p:childTnLst>
-                                    <p:set>
-                                      <p:cBhvr>
-                                        <p:cTn id="11" dur="1" fill="hold">
-                                          <p:stCondLst>
-                                            <p:cond delay="0"/>
-                                          </p:stCondLst>
-                                        </p:cTn>
-                                        <p:tgtEl>
-                                          <p:spTgt spid="17"/>
-                                        </p:tgtEl>
-                                        <p:attrNameLst>
-                                          <p:attrName>style.visibility</p:attrName>
-                                        </p:attrNameLst>
-                                      </p:cBhvr>
-                                      <p:to>
-                                        <p:strVal val="visible"/>
-                                      </p:to>
-                                    </p:set>
-                                    <p:animEffect transition="in" filter="fade">
-                                      <p:cBhvr>
-                                        <p:cTn id="12" dur="1000"/>
-                                        <p:tgtEl>
-                                          <p:spTgt spid="17"/>
-                                        </p:tgtEl>
-                                      </p:cBhvr>
-                                    </p:animEffect>
-                                    <p:anim calcmode="lin" valueType="num">
-                                      <p:cBhvr>
-                                        <p:cTn id="13" dur="1000" fill="hold"/>
-                                        <p:tgtEl>
-                                          <p:spTgt spid="17"/>
-                                        </p:tgtEl>
-                                        <p:attrNameLst>
-                                          <p:attrName>ppt_x</p:attrName>
-                                        </p:attrNameLst>
-                                      </p:cBhvr>
-                                      <p:tavLst>
-                                        <p:tav tm="0">
-                                          <p:val>
-                                            <p:strVal val="#ppt_x"/>
-                                          </p:val>
-                                        </p:tav>
-                                        <p:tav tm="100000">
-                                          <p:val>
-                                            <p:strVal val="#ppt_x"/>
-                                          </p:val>
-                                        </p:tav>
-                                      </p:tavLst>
-                                    </p:anim>
-                                    <p:anim calcmode="lin" valueType="num">
-                                      <p:cBhvr>
-                                        <p:cTn id="14" dur="1000" fill="hold"/>
-                                        <p:tgtEl>
-                                          <p:spTgt spid="17"/>
-                                        </p:tgtEl>
-                                        <p:attrNameLst>
-                                          <p:attrName>ppt_y</p:attrName>
-                                        </p:attrNameLst>
-                                      </p:cBhvr>
-                                      <p:tavLst>
-                                        <p:tav tm="0">
-                                          <p:val>
-                                            <p:strVal val="#ppt_y-.1"/>
-                                          </p:val>
-                                        </p:tav>
-                                        <p:tav tm="100000">
-                                          <p:val>
-                                            <p:strVal val="#ppt_y"/>
-                                          </p:val>
-                                        </p:tav>
-                                      </p:tavLst>
-                                    </p:anim>
-                                  </p:childTnLst>
-                                </p:cTn>
-                              </p:par>
-                              <p:par>
-                                <p:cTn id="15" presetID="47" presetClass="entr" presetSubtype="0" fill="hold" grpId="0" nodeType="withEffect">
-                                  <p:stCondLst>
-                                    <p:cond delay="0"/>
-                                  </p:stCondLst>
-                                  <p:childTnLst>
-                                    <p:set>
-                                      <p:cBhvr>
-                                        <p:cTn id="16" dur="1" fill="hold">
-                                          <p:stCondLst>
-                                            <p:cond delay="0"/>
-                                          </p:stCondLst>
-                                        </p:cTn>
-                                        <p:tgtEl>
-                                          <p:spTgt spid="15"/>
-                                        </p:tgtEl>
-                                        <p:attrNameLst>
-                                          <p:attrName>style.visibility</p:attrName>
-                                        </p:attrNameLst>
-                                      </p:cBhvr>
-                                      <p:to>
-                                        <p:strVal val="visible"/>
-                                      </p:to>
-                                    </p:set>
-                                    <p:animEffect transition="in" filter="fade">
-                                      <p:cBhvr>
-                                        <p:cTn id="17" dur="1000"/>
-                                        <p:tgtEl>
-                                          <p:spTgt spid="15"/>
-                                        </p:tgtEl>
-                                      </p:cBhvr>
-                                    </p:animEffect>
-                                    <p:anim calcmode="lin" valueType="num">
-                                      <p:cBhvr>
-                                        <p:cTn id="18" dur="1000" fill="hold"/>
-                                        <p:tgtEl>
-                                          <p:spTgt spid="15"/>
-                                        </p:tgtEl>
-                                        <p:attrNameLst>
-                                          <p:attrName>ppt_x</p:attrName>
-                                        </p:attrNameLst>
-                                      </p:cBhvr>
-                                      <p:tavLst>
-                                        <p:tav tm="0">
-                                          <p:val>
-                                            <p:strVal val="#ppt_x"/>
-                                          </p:val>
-                                        </p:tav>
-                                        <p:tav tm="100000">
-                                          <p:val>
-                                            <p:strVal val="#ppt_x"/>
-                                          </p:val>
-                                        </p:tav>
-                                      </p:tavLst>
-                                    </p:anim>
-                                    <p:anim calcmode="lin" valueType="num">
-                                      <p:cBhvr>
-                                        <p:cTn id="19" dur="1000" fill="hold"/>
-                                        <p:tgtEl>
-                                          <p:spTgt spid="15"/>
-                                        </p:tgtEl>
-                                        <p:attrNameLst>
-                                          <p:attrName>ppt_y</p:attrName>
-                                        </p:attrNameLst>
-                                      </p:cBhvr>
-                                      <p:tavLst>
-                                        <p:tav tm="0">
-                                          <p:val>
-                                            <p:strVal val="#ppt_y-.1"/>
-                                          </p:val>
-                                        </p:tav>
-                                        <p:tav tm="100000">
-                                          <p:val>
-                                            <p:strVal val="#ppt_y"/>
-                                          </p:val>
-                                        </p:tav>
-                                      </p:tavLst>
-                                    </p:anim>
-                                  </p:childTnLst>
-                                </p:cTn>
-                              </p:par>
-                            </p:childTnLst>
-                          </p:cTn>
-                        </p:par>
-                      </p:childTnLst>
-                    </p:cTn>
-                  </p:par>
-                </p:childTnLst>
-              </p:cTn>
-              <p:prevCondLst>
-                <p:cond evt="onPrev" delay="0">
-                  <p:tgtEl>
-                    <p:sldTgt/>
-                  </p:tgtEl>
-                </p:cond>
-              </p:prevCondLst>
-              <p:nextCondLst>
-                <p:cond evt="onNext" delay="0">
-                  <p:tgtEl>
-                    <p:sldTgt/>
-                  </p:tgtEl>
-                </p:cond>
-              </p:nextCondLst>
-            </p:seq>
-          </p:childTnLst>
-        </p:cTn>
-      </p:par>
-    </p:tnLst>
-    <p:bldLst>
-      <p:bldP spid="15" grpId="0" animBg="1"/>
-      <p:bldP spid="17" grpId="0"/>
-      <p:bldP spid="18" grpId="0"/>
-    </p:bldLst>
-  </p:timing>
-</p:sld>
-</file>
-
-<file path=ppt/slides/slide11.xml><?xml version="1.0" encoding="utf-8"?>
-<p:sld xmlns:a="http://schemas.openxmlformats.org/drawingml/2006/main" xmlns:r="http://schemas.openxmlformats.org/officeDocument/2006/relationships" xmlns:p="http://schemas.openxmlformats.org/presentationml/2006/main" show="0">
-  <p:cSld>
-    <p:spTree>
-      <p:nvGrpSpPr>
-        <p:cNvPr id="1" name=""/>
-        <p:cNvGrpSpPr/>
-        <p:nvPr/>
-      </p:nvGrpSpPr>
-      <p:grpSpPr>
-        <a:xfrm>
-          <a:off x="0" y="0"/>
-          <a:ext cx="0" cy="0"/>
-          <a:chOff x="0" y="0"/>
-          <a:chExt cx="0" cy="0"/>
-        </a:xfrm>
-      </p:grpSpPr>
-      <p:sp>
-        <p:nvSpPr>
           <p:cNvPr id="3" name="Segnaposto contenuto 2">
             <a:extLst>
               <a:ext uri="{FF2B5EF4-FFF2-40B4-BE49-F238E27FC236}">
@@ -9261,7 +7687,7 @@
           <a:p>
             <a:fld id="{8DF98BA9-0B5D-48FD-8864-41A23C2934CC}" type="slidenum">
               <a:rPr lang="it-IT" sz="1100"/>
-              <a:t>10</a:t>
+              <a:t>9</a:t>
             </a:fld>
             <a:endParaRPr lang="it-IT" sz="1100"/>
           </a:p>
@@ -9644,7 +8070,7 @@
 </p:sld>
 </file>
 
-<file path=ppt/slides/slide12.xml><?xml version="1.0" encoding="utf-8"?>
+<file path=ppt/slides/slide11.xml><?xml version="1.0" encoding="utf-8"?>
 <p:sld xmlns:a="http://schemas.openxmlformats.org/drawingml/2006/main" xmlns:r="http://schemas.openxmlformats.org/officeDocument/2006/relationships" xmlns:p="http://schemas.openxmlformats.org/presentationml/2006/main" show="0">
   <p:cSld>
     <p:spTree>
@@ -9740,7 +8166,7 @@
           <a:p>
             <a:fld id="{8DF98BA9-0B5D-48FD-8864-41A23C2934CC}" type="slidenum">
               <a:rPr lang="it-IT" smtClean="0"/>
-              <a:t>11</a:t>
+              <a:t>10</a:t>
             </a:fld>
             <a:endParaRPr lang="it-IT"/>
           </a:p>
@@ -9762,7 +8188,7 @@
         </p:nvSpPr>
         <p:spPr>
           <a:xfrm>
-            <a:off x="4653942" y="1499715"/>
+            <a:off x="4653942" y="1819311"/>
             <a:ext cx="3905155" cy="429206"/>
           </a:xfrm>
           <a:prstGeom prst="rect">
@@ -10161,7 +8587,7 @@
         </p:nvSpPr>
         <p:spPr>
           <a:xfrm>
-            <a:off x="4652171" y="3605348"/>
+            <a:off x="537371" y="1819311"/>
             <a:ext cx="4034629" cy="429206"/>
           </a:xfrm>
           <a:prstGeom prst="rect">
@@ -10579,8 +9005,8 @@
         </p:blipFill>
         <p:spPr>
           <a:xfrm>
-            <a:off x="5334437" y="1743256"/>
-            <a:ext cx="2810943" cy="1684042"/>
+            <a:off x="4651724" y="2018461"/>
+            <a:ext cx="3745572" cy="2243981"/>
           </a:xfrm>
           <a:prstGeom prst="rect">
             <a:avLst/>
@@ -10615,8 +9041,8 @@
         </p:blipFill>
         <p:spPr>
           <a:xfrm>
-            <a:off x="5274279" y="3835434"/>
-            <a:ext cx="2892546" cy="1730005"/>
+            <a:off x="520288" y="2005006"/>
+            <a:ext cx="3745572" cy="2240192"/>
           </a:xfrm>
           <a:prstGeom prst="rect">
             <a:avLst/>
@@ -10639,7 +9065,7 @@
         </p:nvSpPr>
         <p:spPr>
           <a:xfrm>
-            <a:off x="4428775" y="780597"/>
+            <a:off x="2503557" y="510465"/>
             <a:ext cx="4136886" cy="839835"/>
           </a:xfrm>
           <a:prstGeom prst="rect">
@@ -10747,10 +9173,10 @@
           </a:lstStyle>
           <a:p>
             <a:r>
-              <a:rPr lang="en-GB" sz="2600" dirty="0"/>
+              <a:rPr lang="en-GB" dirty="0"/>
               <a:t>Bot detection</a:t>
             </a:r>
-            <a:endParaRPr lang="it-IT" sz="2600" dirty="0"/>
+            <a:endParaRPr lang="it-IT" dirty="0"/>
           </a:p>
         </p:txBody>
       </p:sp>
